--- a/Presentation.pptx
+++ b/Presentation.pptx
@@ -14,6 +14,9 @@
     <p:sldId id="262" r:id="rId8"/>
     <p:sldId id="263" r:id="rId9"/>
     <p:sldId id="264" r:id="rId10"/>
+    <p:sldId id="265" r:id="rId11"/>
+    <p:sldId id="266" r:id="rId12"/>
+    <p:sldId id="267" r:id="rId13"/>
   </p:sldIdLst>
   <p:sldSz cx="12192000" cy="6858000"/>
   <p:notesSz cx="6858000" cy="9144000"/>
@@ -112,6 +115,11 @@
       </a:defRPr>
     </a:lvl9pPr>
   </p:defaultTextStyle>
+  <p:extLst>
+    <p:ext uri="{EFAFB233-063F-42B5-8137-9DF3F51BA10A}">
+      <p15:sldGuideLst xmlns:p15="http://schemas.microsoft.com/office/powerpoint/2012/main"/>
+    </p:ext>
+  </p:extLst>
 </p:presentation>
 </file>
 
@@ -3060,6 +3068,697 @@
 </p:sld>
 </file>
 
+<file path=ppt/slides/slide10.xml><?xml version="1.0" encoding="utf-8"?>
+<p:sld xmlns:a="http://schemas.openxmlformats.org/drawingml/2006/main" xmlns:r="http://schemas.openxmlformats.org/officeDocument/2006/relationships" xmlns:p="http://schemas.openxmlformats.org/presentationml/2006/main">
+  <p:cSld>
+    <p:spTree>
+      <p:nvGrpSpPr>
+        <p:cNvPr id="1" name=""/>
+        <p:cNvGrpSpPr/>
+        <p:nvPr/>
+      </p:nvGrpSpPr>
+      <p:grpSpPr>
+        <a:xfrm>
+          <a:off x="0" y="0"/>
+          <a:ext cx="0" cy="0"/>
+          <a:chOff x="0" y="0"/>
+          <a:chExt cx="0" cy="0"/>
+        </a:xfrm>
+      </p:grpSpPr>
+      <p:sp>
+        <p:nvSpPr>
+          <p:cNvPr id="2" name="Title 1"/>
+          <p:cNvSpPr>
+            <a:spLocks noGrp="1"/>
+          </p:cNvSpPr>
+          <p:nvPr>
+            <p:ph type="title"/>
+          </p:nvPr>
+        </p:nvSpPr>
+        <p:spPr/>
+        <p:txBody>
+          <a:bodyPr/>
+          <a:lstStyle/>
+          <a:p>
+            <a:pPr algn="ctr"/>
+            <a:r>
+              <a:rPr lang="en-US" b="1" dirty="0" smtClean="0"/>
+              <a:t>Database Schema Diagram (Logical/DATA)</a:t>
+            </a:r>
+            <a:r>
+              <a:rPr lang="el-GR" b="1" dirty="0" smtClean="0"/>
+              <a:t/>
+            </a:r>
+            <a:br>
+              <a:rPr lang="el-GR" b="1" dirty="0" smtClean="0"/>
+            </a:br>
+            <a:r>
+              <a:rPr lang="el-GR" b="1" dirty="0" smtClean="0"/>
+              <a:t>ΣΥΣΧΕΤΙΣΕΙΣ</a:t>
+            </a:r>
+            <a:endParaRPr lang="en-US" b="1" dirty="0"/>
+          </a:p>
+        </p:txBody>
+      </p:sp>
+      <p:sp>
+        <p:nvSpPr>
+          <p:cNvPr id="3" name="Content Placeholder 2"/>
+          <p:cNvSpPr>
+            <a:spLocks noGrp="1"/>
+          </p:cNvSpPr>
+          <p:nvPr>
+            <p:ph idx="1"/>
+          </p:nvPr>
+        </p:nvSpPr>
+        <p:spPr/>
+        <p:txBody>
+          <a:bodyPr>
+            <a:normAutofit lnSpcReduction="10000"/>
+          </a:bodyPr>
+          <a:lstStyle/>
+          <a:p>
+            <a:r>
+              <a:rPr lang="el-GR" b="1" dirty="0" smtClean="0"/>
+              <a:t>Ανίχνευση οχημάτων</a:t>
+            </a:r>
+          </a:p>
+          <a:p>
+            <a:pPr lvl="1"/>
+            <a:r>
+              <a:rPr lang="en-US" dirty="0" smtClean="0"/>
+              <a:t>Virtual Sensor  </a:t>
+            </a:r>
+            <a:r>
+              <a:rPr lang="en-US" dirty="0">
+                <a:sym typeface="Wingdings" panose="05000000000000000000" pitchFamily="2" charset="2"/>
+              </a:rPr>
+              <a:t> </a:t>
+            </a:r>
+            <a:r>
+              <a:rPr lang="en-US" dirty="0" smtClean="0">
+                <a:sym typeface="Wingdings" panose="05000000000000000000" pitchFamily="2" charset="2"/>
+              </a:rPr>
+              <a:t>Vehicle Detection </a:t>
+            </a:r>
+            <a:r>
+              <a:rPr lang="en-US" dirty="0">
+                <a:sym typeface="Wingdings" panose="05000000000000000000" pitchFamily="2" charset="2"/>
+              </a:rPr>
+              <a:t>(1:N)</a:t>
+            </a:r>
+          </a:p>
+          <a:p>
+            <a:pPr lvl="2"/>
+            <a:r>
+              <a:rPr lang="el-GR" dirty="0" smtClean="0"/>
+              <a:t>Ένας αισθητήρας μπορεί να ανιχνεύσει </a:t>
+            </a:r>
+            <a:r>
+              <a:rPr lang="el-GR" b="1" dirty="0" smtClean="0"/>
+              <a:t>πολλά </a:t>
+            </a:r>
+            <a:r>
+              <a:rPr lang="el-GR" dirty="0" smtClean="0"/>
+              <a:t>οχήματα, αλλά κάθε καταγραφή ανίχνευσης σχετίζεται μ’ </a:t>
+            </a:r>
+            <a:r>
+              <a:rPr lang="el-GR" b="1" dirty="0" smtClean="0"/>
+              <a:t>έναν </a:t>
+            </a:r>
+            <a:r>
+              <a:rPr lang="el-GR" dirty="0" smtClean="0"/>
+              <a:t>αισθητήρα.</a:t>
+            </a:r>
+            <a:endParaRPr lang="el-GR" dirty="0"/>
+          </a:p>
+          <a:p>
+            <a:pPr lvl="1"/>
+            <a:r>
+              <a:rPr lang="en-US" dirty="0" smtClean="0"/>
+              <a:t>Vehicle Detection </a:t>
+            </a:r>
+            <a:r>
+              <a:rPr lang="en-US" dirty="0" smtClean="0">
+                <a:sym typeface="Wingdings" panose="05000000000000000000" pitchFamily="2" charset="2"/>
+              </a:rPr>
+              <a:t> Vehicle (1:N)</a:t>
+            </a:r>
+          </a:p>
+          <a:p>
+            <a:pPr lvl="2"/>
+            <a:r>
+              <a:rPr lang="el-GR" dirty="0"/>
+              <a:t>Κάθε όχημα μπορεί να ανιχνευθεί </a:t>
+            </a:r>
+            <a:r>
+              <a:rPr lang="el-GR" b="1" dirty="0"/>
+              <a:t>πολλές φορές</a:t>
+            </a:r>
+            <a:r>
+              <a:rPr lang="el-GR" dirty="0"/>
+              <a:t> από το σύστημα, αλλά κάθε καταγραφή ανίχνευσης σχετίζεται με </a:t>
+            </a:r>
+            <a:r>
+              <a:rPr lang="el-GR" b="1" dirty="0"/>
+              <a:t>ένα</a:t>
+            </a:r>
+            <a:r>
+              <a:rPr lang="el-GR" dirty="0"/>
+              <a:t> όχημα</a:t>
+            </a:r>
+            <a:r>
+              <a:rPr lang="el-GR" dirty="0" smtClean="0"/>
+              <a:t>.</a:t>
+            </a:r>
+            <a:endParaRPr lang="en-US" dirty="0" smtClean="0"/>
+          </a:p>
+          <a:p>
+            <a:pPr lvl="1"/>
+            <a:r>
+              <a:rPr lang="en-US" dirty="0" smtClean="0"/>
+              <a:t>Vehicle Detection </a:t>
+            </a:r>
+            <a:r>
+              <a:rPr lang="en-US" dirty="0" smtClean="0">
+                <a:sym typeface="Wingdings" panose="05000000000000000000" pitchFamily="2" charset="2"/>
+              </a:rPr>
+              <a:t> Traffic Data (1:N)</a:t>
+            </a:r>
+          </a:p>
+          <a:p>
+            <a:pPr lvl="2"/>
+            <a:r>
+              <a:rPr lang="el-GR" dirty="0" smtClean="0">
+                <a:sym typeface="Wingdings" panose="05000000000000000000" pitchFamily="2" charset="2"/>
+              </a:rPr>
+              <a:t>Κάθε ανίχνευση οχήματος μπορεί να συνδέεται με </a:t>
+            </a:r>
+            <a:r>
+              <a:rPr lang="el-GR" b="1" dirty="0" smtClean="0">
+                <a:sym typeface="Wingdings" panose="05000000000000000000" pitchFamily="2" charset="2"/>
+              </a:rPr>
+              <a:t>πολλά</a:t>
+            </a:r>
+            <a:r>
+              <a:rPr lang="el-GR" dirty="0" smtClean="0">
+                <a:sym typeface="Wingdings" panose="05000000000000000000" pitchFamily="2" charset="2"/>
+              </a:rPr>
+              <a:t> δεδομένα κυκλοφορίας, αλλά κάθε δεδομένο κυκλοφορίας μπορεί να σχετίζεται με </a:t>
+            </a:r>
+            <a:r>
+              <a:rPr lang="el-GR" b="1" dirty="0" smtClean="0">
+                <a:sym typeface="Wingdings" panose="05000000000000000000" pitchFamily="2" charset="2"/>
+              </a:rPr>
+              <a:t>πολλές</a:t>
+            </a:r>
+            <a:r>
+              <a:rPr lang="el-GR" dirty="0" smtClean="0">
+                <a:sym typeface="Wingdings" panose="05000000000000000000" pitchFamily="2" charset="2"/>
+              </a:rPr>
+              <a:t> ανιχνεύσεις.</a:t>
+            </a:r>
+          </a:p>
+          <a:p>
+            <a:pPr lvl="1"/>
+            <a:r>
+              <a:rPr lang="en-US" dirty="0" smtClean="0">
+                <a:sym typeface="Wingdings" panose="05000000000000000000" pitchFamily="2" charset="2"/>
+              </a:rPr>
+              <a:t>Traffic Data  Virtual Sensor (1:N)</a:t>
+            </a:r>
+          </a:p>
+          <a:p>
+            <a:pPr lvl="2"/>
+            <a:r>
+              <a:rPr lang="el-GR" dirty="0" smtClean="0"/>
+              <a:t>Κάθε αισθητήρας μπορεί να συλλέξει </a:t>
+            </a:r>
+            <a:r>
+              <a:rPr lang="el-GR" b="1" dirty="0" smtClean="0"/>
+              <a:t>πολλά</a:t>
+            </a:r>
+            <a:r>
+              <a:rPr lang="el-GR" dirty="0" smtClean="0"/>
+              <a:t> δεδομένα κυκλοφορίας, αλλά κάθε εγγραφή σχετίζεται μ’ </a:t>
+            </a:r>
+            <a:r>
+              <a:rPr lang="el-GR" b="1" dirty="0" smtClean="0"/>
+              <a:t>έναν</a:t>
+            </a:r>
+            <a:r>
+              <a:rPr lang="el-GR" dirty="0" smtClean="0"/>
+              <a:t> αισθητήρα.</a:t>
+            </a:r>
+          </a:p>
+        </p:txBody>
+      </p:sp>
+    </p:spTree>
+    <p:extLst>
+      <p:ext uri="{BB962C8B-B14F-4D97-AF65-F5344CB8AC3E}">
+        <p14:creationId xmlns:p14="http://schemas.microsoft.com/office/powerpoint/2010/main" val="1436939401"/>
+      </p:ext>
+    </p:extLst>
+  </p:cSld>
+  <p:clrMapOvr>
+    <a:masterClrMapping/>
+  </p:clrMapOvr>
+</p:sld>
+</file>
+
+<file path=ppt/slides/slide11.xml><?xml version="1.0" encoding="utf-8"?>
+<p:sld xmlns:a="http://schemas.openxmlformats.org/drawingml/2006/main" xmlns:r="http://schemas.openxmlformats.org/officeDocument/2006/relationships" xmlns:p="http://schemas.openxmlformats.org/presentationml/2006/main">
+  <p:cSld>
+    <p:spTree>
+      <p:nvGrpSpPr>
+        <p:cNvPr id="1" name=""/>
+        <p:cNvGrpSpPr/>
+        <p:nvPr/>
+      </p:nvGrpSpPr>
+      <p:grpSpPr>
+        <a:xfrm>
+          <a:off x="0" y="0"/>
+          <a:ext cx="0" cy="0"/>
+          <a:chOff x="0" y="0"/>
+          <a:chExt cx="0" cy="0"/>
+        </a:xfrm>
+      </p:grpSpPr>
+      <p:sp>
+        <p:nvSpPr>
+          <p:cNvPr id="2" name="Title 1"/>
+          <p:cNvSpPr>
+            <a:spLocks noGrp="1"/>
+          </p:cNvSpPr>
+          <p:nvPr>
+            <p:ph type="title"/>
+          </p:nvPr>
+        </p:nvSpPr>
+        <p:spPr/>
+        <p:txBody>
+          <a:bodyPr/>
+          <a:lstStyle/>
+          <a:p>
+            <a:pPr algn="ctr"/>
+            <a:r>
+              <a:rPr lang="en-US" b="1" dirty="0" smtClean="0"/>
+              <a:t>Database Schema Diagram (Logical/DATA)</a:t>
+            </a:r>
+            <a:r>
+              <a:rPr lang="el-GR" b="1" dirty="0" smtClean="0"/>
+              <a:t/>
+            </a:r>
+            <a:br>
+              <a:rPr lang="el-GR" b="1" dirty="0" smtClean="0"/>
+            </a:br>
+            <a:r>
+              <a:rPr lang="el-GR" b="1" dirty="0" smtClean="0"/>
+              <a:t>ΣΥΣΧΕΤΙΣΕΙΣ</a:t>
+            </a:r>
+            <a:endParaRPr lang="en-US" b="1" dirty="0"/>
+          </a:p>
+        </p:txBody>
+      </p:sp>
+      <p:sp>
+        <p:nvSpPr>
+          <p:cNvPr id="3" name="Content Placeholder 2"/>
+          <p:cNvSpPr>
+            <a:spLocks noGrp="1"/>
+          </p:cNvSpPr>
+          <p:nvPr>
+            <p:ph idx="1"/>
+          </p:nvPr>
+        </p:nvSpPr>
+        <p:spPr/>
+        <p:txBody>
+          <a:bodyPr>
+            <a:normAutofit lnSpcReduction="10000"/>
+          </a:bodyPr>
+          <a:lstStyle/>
+          <a:p>
+            <a:r>
+              <a:rPr lang="el-GR" b="1" dirty="0" smtClean="0"/>
+              <a:t>Σύστημα διαχείρισης σηματοδότησης</a:t>
+            </a:r>
+          </a:p>
+          <a:p>
+            <a:pPr lvl="1"/>
+            <a:r>
+              <a:rPr lang="en-US" dirty="0" smtClean="0"/>
+              <a:t>Intersection </a:t>
+            </a:r>
+            <a:r>
+              <a:rPr lang="en-US" dirty="0" smtClean="0">
+                <a:sym typeface="Wingdings" panose="05000000000000000000" pitchFamily="2" charset="2"/>
+              </a:rPr>
+              <a:t> Signal Plan (1:N)</a:t>
+            </a:r>
+          </a:p>
+          <a:p>
+            <a:pPr lvl="2"/>
+            <a:r>
+              <a:rPr lang="el-GR" dirty="0" smtClean="0"/>
+              <a:t>Μία διασταύρωση μπορεί να έχει </a:t>
+            </a:r>
+            <a:r>
+              <a:rPr lang="el-GR" b="1" dirty="0" smtClean="0"/>
+              <a:t>πολλά</a:t>
+            </a:r>
+            <a:r>
+              <a:rPr lang="el-GR" dirty="0" smtClean="0"/>
+              <a:t> διαφορετικά προγράμματα σηματοδότησης, αλλά κάθε πρόγραμμα σηματοδότησης σχετίζεται με </a:t>
+            </a:r>
+            <a:r>
+              <a:rPr lang="el-GR" b="1" dirty="0" smtClean="0"/>
+              <a:t>μία</a:t>
+            </a:r>
+            <a:r>
+              <a:rPr lang="el-GR" dirty="0" smtClean="0"/>
+              <a:t> μόνο διασταύρωση</a:t>
+            </a:r>
+          </a:p>
+          <a:p>
+            <a:pPr lvl="1"/>
+            <a:r>
+              <a:rPr lang="en-US" dirty="0" smtClean="0"/>
+              <a:t>Traffic Synchronization </a:t>
+            </a:r>
+            <a:r>
+              <a:rPr lang="en-US" dirty="0" smtClean="0">
+                <a:sym typeface="Wingdings" panose="05000000000000000000" pitchFamily="2" charset="2"/>
+              </a:rPr>
+              <a:t> Signal Plan (1:N)</a:t>
+            </a:r>
+          </a:p>
+          <a:p>
+            <a:pPr lvl="2"/>
+            <a:r>
+              <a:rPr lang="el-GR" dirty="0" smtClean="0">
+                <a:sym typeface="Wingdings" panose="05000000000000000000" pitchFamily="2" charset="2"/>
+              </a:rPr>
+              <a:t>Ένα πρόγραμμα συγχρονισμού μπορεί να εφαρμόζεται σε </a:t>
+            </a:r>
+            <a:r>
+              <a:rPr lang="el-GR" b="1" dirty="0" smtClean="0">
+                <a:sym typeface="Wingdings" panose="05000000000000000000" pitchFamily="2" charset="2"/>
+              </a:rPr>
+              <a:t>πολλά</a:t>
+            </a:r>
+            <a:r>
+              <a:rPr lang="el-GR" dirty="0" smtClean="0">
+                <a:sym typeface="Wingdings" panose="05000000000000000000" pitchFamily="2" charset="2"/>
+              </a:rPr>
+              <a:t> προγράμματα σηματοδότησης, αλλά κάθε πρόγραμμα σηματοδότησης συνδέεται μ’ </a:t>
+            </a:r>
+            <a:r>
+              <a:rPr lang="el-GR" b="1" dirty="0" smtClean="0">
+                <a:sym typeface="Wingdings" panose="05000000000000000000" pitchFamily="2" charset="2"/>
+              </a:rPr>
+              <a:t>ένα</a:t>
+            </a:r>
+            <a:r>
+              <a:rPr lang="el-GR" dirty="0" smtClean="0">
+                <a:sym typeface="Wingdings" panose="05000000000000000000" pitchFamily="2" charset="2"/>
+              </a:rPr>
+              <a:t> συγχρονισμένο σύστημα</a:t>
+            </a:r>
+          </a:p>
+          <a:p>
+            <a:pPr lvl="1"/>
+            <a:r>
+              <a:rPr lang="en-US" dirty="0" smtClean="0">
+                <a:sym typeface="Wingdings" panose="05000000000000000000" pitchFamily="2" charset="2"/>
+              </a:rPr>
+              <a:t>Traffic Light  Traffic Synchronization (M:N)</a:t>
+            </a:r>
+          </a:p>
+          <a:p>
+            <a:pPr lvl="2"/>
+            <a:r>
+              <a:rPr lang="el-GR" dirty="0"/>
+              <a:t>Κάθε φανάρι μπορεί να συμμετέχει σε </a:t>
+            </a:r>
+            <a:r>
+              <a:rPr lang="el-GR" b="1" dirty="0"/>
+              <a:t>πολλαπλά συγχρονισμένα δίκτυα</a:t>
+            </a:r>
+            <a:r>
+              <a:rPr lang="el-GR" dirty="0"/>
+              <a:t>, και κάθε δίκτυο συγχρονισμού μπορεί να περιλαμβάνει </a:t>
+            </a:r>
+            <a:r>
+              <a:rPr lang="el-GR" b="1" dirty="0"/>
+              <a:t>πολλά φανάρια</a:t>
+            </a:r>
+            <a:r>
+              <a:rPr lang="el-GR" dirty="0" smtClean="0"/>
+              <a:t>.</a:t>
+            </a:r>
+            <a:endParaRPr lang="en-US" dirty="0" smtClean="0"/>
+          </a:p>
+          <a:p>
+            <a:pPr lvl="1"/>
+            <a:r>
+              <a:rPr lang="en-US" dirty="0" smtClean="0"/>
+              <a:t>User </a:t>
+            </a:r>
+            <a:r>
+              <a:rPr lang="en-US" dirty="0" smtClean="0">
+                <a:sym typeface="Wingdings" panose="05000000000000000000" pitchFamily="2" charset="2"/>
+              </a:rPr>
+              <a:t> Signal Plan (1:N)</a:t>
+            </a:r>
+          </a:p>
+          <a:p>
+            <a:pPr lvl="2"/>
+            <a:r>
+              <a:rPr lang="el-GR" dirty="0" smtClean="0"/>
+              <a:t>Ένας χρήστης μπορεί να διαχειρίζεται πολλά προγράμματα σηματοδότησης, αλλά κάθε πρόγραμμα σηματοδότησης έχει έναν υπεύθυνο χρήστη</a:t>
+            </a:r>
+          </a:p>
+        </p:txBody>
+      </p:sp>
+    </p:spTree>
+    <p:extLst>
+      <p:ext uri="{BB962C8B-B14F-4D97-AF65-F5344CB8AC3E}">
+        <p14:creationId xmlns:p14="http://schemas.microsoft.com/office/powerpoint/2010/main" val="2810597166"/>
+      </p:ext>
+    </p:extLst>
+  </p:cSld>
+  <p:clrMapOvr>
+    <a:masterClrMapping/>
+  </p:clrMapOvr>
+</p:sld>
+</file>
+
+<file path=ppt/slides/slide12.xml><?xml version="1.0" encoding="utf-8"?>
+<p:sld xmlns:a="http://schemas.openxmlformats.org/drawingml/2006/main" xmlns:r="http://schemas.openxmlformats.org/officeDocument/2006/relationships" xmlns:p="http://schemas.openxmlformats.org/presentationml/2006/main">
+  <p:cSld>
+    <p:spTree>
+      <p:nvGrpSpPr>
+        <p:cNvPr id="1" name=""/>
+        <p:cNvGrpSpPr/>
+        <p:nvPr/>
+      </p:nvGrpSpPr>
+      <p:grpSpPr>
+        <a:xfrm>
+          <a:off x="0" y="0"/>
+          <a:ext cx="0" cy="0"/>
+          <a:chOff x="0" y="0"/>
+          <a:chExt cx="0" cy="0"/>
+        </a:xfrm>
+      </p:grpSpPr>
+      <p:sp>
+        <p:nvSpPr>
+          <p:cNvPr id="2" name="Title 1"/>
+          <p:cNvSpPr>
+            <a:spLocks noGrp="1"/>
+          </p:cNvSpPr>
+          <p:nvPr>
+            <p:ph type="title"/>
+          </p:nvPr>
+        </p:nvSpPr>
+        <p:spPr/>
+        <p:txBody>
+          <a:bodyPr/>
+          <a:lstStyle/>
+          <a:p>
+            <a:pPr algn="ctr"/>
+            <a:r>
+              <a:rPr lang="en-US" b="1" dirty="0" smtClean="0"/>
+              <a:t>Database Schema Diagram (Logical/DATA)</a:t>
+            </a:r>
+            <a:r>
+              <a:rPr lang="el-GR" b="1" dirty="0" smtClean="0"/>
+              <a:t/>
+            </a:r>
+            <a:br>
+              <a:rPr lang="el-GR" b="1" dirty="0" smtClean="0"/>
+            </a:br>
+            <a:r>
+              <a:rPr lang="el-GR" b="1" dirty="0" smtClean="0"/>
+              <a:t>ΣΥΣΧΕΤΙΣΕΙΣ</a:t>
+            </a:r>
+            <a:endParaRPr lang="en-US" b="1" dirty="0"/>
+          </a:p>
+        </p:txBody>
+      </p:sp>
+      <p:sp>
+        <p:nvSpPr>
+          <p:cNvPr id="3" name="Content Placeholder 2"/>
+          <p:cNvSpPr>
+            <a:spLocks noGrp="1"/>
+          </p:cNvSpPr>
+          <p:nvPr>
+            <p:ph idx="1"/>
+          </p:nvPr>
+        </p:nvSpPr>
+        <p:spPr/>
+        <p:txBody>
+          <a:bodyPr>
+            <a:normAutofit/>
+          </a:bodyPr>
+          <a:lstStyle/>
+          <a:p>
+            <a:r>
+              <a:rPr lang="el-GR" b="1" dirty="0" smtClean="0"/>
+              <a:t>Διαχείριση Χρηστών</a:t>
+            </a:r>
+          </a:p>
+          <a:p>
+            <a:pPr lvl="1"/>
+            <a:r>
+              <a:rPr lang="en-US" dirty="0" smtClean="0"/>
+              <a:t>User </a:t>
+            </a:r>
+            <a:r>
+              <a:rPr lang="en-US" dirty="0" smtClean="0">
+                <a:sym typeface="Wingdings" panose="05000000000000000000" pitchFamily="2" charset="2"/>
+              </a:rPr>
+              <a:t> User Role (1:N)</a:t>
+            </a:r>
+          </a:p>
+          <a:p>
+            <a:pPr lvl="2"/>
+            <a:r>
+              <a:rPr lang="el-GR" dirty="0" smtClean="0">
+                <a:sym typeface="Wingdings" panose="05000000000000000000" pitchFamily="2" charset="2"/>
+              </a:rPr>
+              <a:t>Κάθε χρήστης έχει </a:t>
+            </a:r>
+            <a:r>
+              <a:rPr lang="el-GR" b="1" dirty="0" smtClean="0">
+                <a:sym typeface="Wingdings" panose="05000000000000000000" pitchFamily="2" charset="2"/>
+              </a:rPr>
+              <a:t>έναν και μόνο έναν </a:t>
+            </a:r>
+            <a:r>
+              <a:rPr lang="el-GR" dirty="0" smtClean="0">
+                <a:sym typeface="Wingdings" panose="05000000000000000000" pitchFamily="2" charset="2"/>
+              </a:rPr>
+              <a:t>ρόλο, αλλά κάθε ρόλος μπορεί να αντιστοιχεί σε </a:t>
+            </a:r>
+            <a:r>
+              <a:rPr lang="el-GR" b="1" dirty="0" smtClean="0">
+                <a:sym typeface="Wingdings" panose="05000000000000000000" pitchFamily="2" charset="2"/>
+              </a:rPr>
+              <a:t>πολλούς</a:t>
+            </a:r>
+            <a:r>
+              <a:rPr lang="el-GR" dirty="0" smtClean="0">
+                <a:sym typeface="Wingdings" panose="05000000000000000000" pitchFamily="2" charset="2"/>
+              </a:rPr>
+              <a:t> χρήστες</a:t>
+            </a:r>
+          </a:p>
+          <a:p>
+            <a:pPr lvl="1"/>
+            <a:r>
+              <a:rPr lang="en-US" dirty="0" smtClean="0">
+                <a:sym typeface="Wingdings" panose="05000000000000000000" pitchFamily="2" charset="2"/>
+              </a:rPr>
+              <a:t>User  Traffic Synchronization (1:N)</a:t>
+            </a:r>
+          </a:p>
+          <a:p>
+            <a:pPr lvl="2"/>
+            <a:r>
+              <a:rPr lang="el-GR" dirty="0" smtClean="0">
+                <a:sym typeface="Wingdings" panose="05000000000000000000" pitchFamily="2" charset="2"/>
+              </a:rPr>
+              <a:t>Κάθε χρήστης μπορεί να είναι υπεύθυνος για </a:t>
+            </a:r>
+            <a:r>
+              <a:rPr lang="el-GR" b="1" dirty="0" smtClean="0">
+                <a:sym typeface="Wingdings" panose="05000000000000000000" pitchFamily="2" charset="2"/>
+              </a:rPr>
+              <a:t>πολλές ρυθμίσεις σύγχρονου κυκλοφορίας</a:t>
+            </a:r>
+            <a:r>
+              <a:rPr lang="el-GR" dirty="0" smtClean="0">
+                <a:sym typeface="Wingdings" panose="05000000000000000000" pitchFamily="2" charset="2"/>
+              </a:rPr>
+              <a:t>, αλλά κάθε ρύθμιση έχει έναν διαχειριστή.</a:t>
+            </a:r>
+          </a:p>
+          <a:p>
+            <a:pPr lvl="1"/>
+            <a:r>
+              <a:rPr lang="en-US" dirty="0" smtClean="0">
+                <a:sym typeface="Wingdings" panose="05000000000000000000" pitchFamily="2" charset="2"/>
+              </a:rPr>
+              <a:t>User  Traffic Event Log (1:N)</a:t>
+            </a:r>
+          </a:p>
+          <a:p>
+            <a:pPr lvl="2"/>
+            <a:r>
+              <a:rPr lang="el-GR" dirty="0" smtClean="0">
+                <a:sym typeface="Wingdings" panose="05000000000000000000" pitchFamily="2" charset="2"/>
+              </a:rPr>
+              <a:t>Κάθε χρήστης μπορεί να έχει </a:t>
+            </a:r>
+            <a:r>
+              <a:rPr lang="el-GR" b="1" dirty="0" smtClean="0">
+                <a:sym typeface="Wingdings" panose="05000000000000000000" pitchFamily="2" charset="2"/>
+              </a:rPr>
+              <a:t>πολλές</a:t>
+            </a:r>
+            <a:r>
+              <a:rPr lang="el-GR" dirty="0" smtClean="0">
+                <a:sym typeface="Wingdings" panose="05000000000000000000" pitchFamily="2" charset="2"/>
+              </a:rPr>
+              <a:t> καταγραφές συμβάντων, αλλά κάθε συμβάν σχετίζεται με </a:t>
+            </a:r>
+            <a:r>
+              <a:rPr lang="el-GR" b="1" dirty="0" smtClean="0">
+                <a:sym typeface="Wingdings" panose="05000000000000000000" pitchFamily="2" charset="2"/>
+              </a:rPr>
+              <a:t>έναν</a:t>
+            </a:r>
+            <a:r>
+              <a:rPr lang="el-GR" dirty="0" smtClean="0">
+                <a:sym typeface="Wingdings" panose="05000000000000000000" pitchFamily="2" charset="2"/>
+              </a:rPr>
+              <a:t> μόνο χρήστη</a:t>
+            </a:r>
+            <a:endParaRPr lang="en-US" dirty="0" smtClean="0">
+              <a:sym typeface="Wingdings" panose="05000000000000000000" pitchFamily="2" charset="2"/>
+            </a:endParaRPr>
+          </a:p>
+        </p:txBody>
+      </p:sp>
+    </p:spTree>
+    <p:extLst>
+      <p:ext uri="{BB962C8B-B14F-4D97-AF65-F5344CB8AC3E}">
+        <p14:creationId xmlns:p14="http://schemas.microsoft.com/office/powerpoint/2010/main" val="4037478898"/>
+      </p:ext>
+    </p:extLst>
+  </p:cSld>
+  <p:clrMapOvr>
+    <a:masterClrMapping/>
+  </p:clrMapOvr>
+</p:sld>
+</file>
+
 <file path=ppt/slides/slide2.xml><?xml version="1.0" encoding="utf-8"?>
 <p:sld xmlns:a="http://schemas.openxmlformats.org/drawingml/2006/main" xmlns:r="http://schemas.openxmlformats.org/officeDocument/2006/relationships" xmlns:p="http://schemas.openxmlformats.org/presentationml/2006/main">
   <p:cSld>
@@ -3810,7 +4509,7 @@
         <p:spPr/>
         <p:txBody>
           <a:bodyPr>
-            <a:normAutofit fontScale="92500" lnSpcReduction="10000"/>
+            <a:normAutofit/>
           </a:bodyPr>
           <a:lstStyle/>
           <a:p>
@@ -3929,36 +4628,13 @@
             </a:r>
             <a:r>
               <a:rPr lang="el-GR" dirty="0" smtClean="0"/>
-              <a:t>Αντιπροσωπεύει όλα τα οχήματα (κανονικά &amp; έκτακτης ανάγκης).</a:t>
+              <a:t>Αντιπροσωπεύει όλα τα οχήματα (κανονικά &amp; έκτακτης ανάγκης</a:t>
+            </a:r>
+            <a:r>
+              <a:rPr lang="el-GR" dirty="0" smtClean="0"/>
+              <a:t>).</a:t>
             </a:r>
             <a:endParaRPr lang="en-US" dirty="0" smtClean="0"/>
-          </a:p>
-          <a:p>
-            <a:r>
-              <a:rPr lang="en-US" b="1" dirty="0" smtClean="0"/>
-              <a:t>Vehicle Detection (</a:t>
-            </a:r>
-            <a:r>
-              <a:rPr lang="el-GR" b="1" dirty="0" smtClean="0"/>
-              <a:t>Ανίχνευση Οχημάτων)</a:t>
-            </a:r>
-            <a:r>
-              <a:rPr lang="en-US" b="1" dirty="0" smtClean="0"/>
-              <a:t> </a:t>
-            </a:r>
-            <a:r>
-              <a:rPr lang="en-US" b="1" dirty="0" smtClean="0">
-                <a:sym typeface="Wingdings" panose="05000000000000000000" pitchFamily="2" charset="2"/>
-              </a:rPr>
-              <a:t> </a:t>
-            </a:r>
-            <a:r>
-              <a:rPr lang="el-GR" dirty="0" smtClean="0">
-                <a:sym typeface="Wingdings" panose="05000000000000000000" pitchFamily="2" charset="2"/>
-              </a:rPr>
-              <a:t>Συνδέει οχήματα με αισθητήρες (πολλά προς πολλά συσχέτιση)</a:t>
-            </a:r>
-            <a:endParaRPr lang="el-GR" b="1" dirty="0" smtClean="0"/>
           </a:p>
         </p:txBody>
       </p:sp>
@@ -4040,17 +4716,54 @@
         <p:spPr/>
         <p:txBody>
           <a:bodyPr>
-            <a:normAutofit fontScale="92500"/>
+            <a:normAutofit/>
           </a:bodyPr>
           <a:lstStyle/>
           <a:p>
             <a:r>
-              <a:rPr lang="it-IT" b="1" dirty="0" smtClean="0"/>
-              <a:t>AI Decision Log (Αποφάσεις AI)</a:t>
+              <a:rPr lang="en-US" b="1" dirty="0"/>
+              <a:t>Vehicle Detection (</a:t>
+            </a:r>
+            <a:r>
+              <a:rPr lang="el-GR" b="1" dirty="0"/>
+              <a:t>Ανίχνευση Οχημάτων)</a:t>
+            </a:r>
+            <a:r>
+              <a:rPr lang="en-US" b="1" dirty="0"/>
+              <a:t> </a:t>
+            </a:r>
+            <a:r>
+              <a:rPr lang="en-US" b="1" dirty="0">
+                <a:sym typeface="Wingdings" panose="05000000000000000000" pitchFamily="2" charset="2"/>
+              </a:rPr>
+              <a:t> </a:t>
+            </a:r>
+            <a:r>
+              <a:rPr lang="el-GR" dirty="0">
+                <a:sym typeface="Wingdings" panose="05000000000000000000" pitchFamily="2" charset="2"/>
+              </a:rPr>
+              <a:t>Συνδέει οχήματα με αισθητήρες (πολλά προς πολλά συσχέτιση</a:t>
+            </a:r>
+            <a:r>
+              <a:rPr lang="el-GR" dirty="0" smtClean="0">
+                <a:sym typeface="Wingdings" panose="05000000000000000000" pitchFamily="2" charset="2"/>
+              </a:rPr>
+              <a:t>)</a:t>
+            </a:r>
+            <a:endParaRPr lang="el-GR" b="1" dirty="0" smtClean="0"/>
+          </a:p>
+          <a:p>
+            <a:r>
+              <a:rPr lang="en-US" b="1" dirty="0" smtClean="0"/>
+              <a:t>Traffic </a:t>
+            </a:r>
+            <a:r>
+              <a:rPr lang="en-US" b="1" dirty="0" smtClean="0"/>
+              <a:t>Synchronization (</a:t>
             </a:r>
             <a:r>
               <a:rPr lang="el-GR" b="1" dirty="0" smtClean="0"/>
-              <a:t> </a:t>
+              <a:t>Συγχρονισμός Φαναριών) </a:t>
             </a:r>
             <a:r>
               <a:rPr lang="el-GR" b="1" dirty="0" smtClean="0">
@@ -4060,17 +4773,17 @@
             </a:r>
             <a:r>
               <a:rPr lang="el-GR" dirty="0" smtClean="0"/>
-              <a:t>Καταγράφει αποφάσεις που λαμβάνονται από το AI.</a:t>
+              <a:t>Διαχειρίζεται τον συγχρονισμό πολλαπλών διασταυρώσεων.</a:t>
             </a:r>
           </a:p>
           <a:p>
             <a:r>
               <a:rPr lang="en-US" b="1" dirty="0" smtClean="0"/>
-              <a:t>Traffic Synchronization (</a:t>
+              <a:t>Signal Plan (</a:t>
             </a:r>
             <a:r>
               <a:rPr lang="el-GR" b="1" dirty="0" smtClean="0"/>
-              <a:t>Συγχρονισμός Φαναριών) </a:t>
+              <a:t>Πλάνο Σηματοδότησης) </a:t>
             </a:r>
             <a:r>
               <a:rPr lang="el-GR" b="1" dirty="0" smtClean="0">
@@ -4080,17 +4793,17 @@
             </a:r>
             <a:r>
               <a:rPr lang="el-GR" dirty="0" smtClean="0"/>
-              <a:t>Διαχειρίζεται τον συγχρονισμό πολλαπλών διασταυρώσεων.</a:t>
+              <a:t>Αποθηκεύει προγράμματα σηματοδότησης.</a:t>
             </a:r>
           </a:p>
           <a:p>
             <a:r>
               <a:rPr lang="en-US" b="1" dirty="0" smtClean="0"/>
-              <a:t>Signal Plan (</a:t>
+              <a:t>User (</a:t>
             </a:r>
             <a:r>
               <a:rPr lang="el-GR" b="1" dirty="0" smtClean="0"/>
-              <a:t>Πλάνο Σηματοδότησης) </a:t>
+              <a:t>Χρήστης) </a:t>
             </a:r>
             <a:r>
               <a:rPr lang="el-GR" b="1" dirty="0" smtClean="0">
@@ -4100,17 +4813,17 @@
             </a:r>
             <a:r>
               <a:rPr lang="el-GR" dirty="0" smtClean="0"/>
-              <a:t>Αποθηκεύει προγράμματα σηματοδότησης.</a:t>
+              <a:t>Αντιπροσωπεύει χρήστες του συστήματος.</a:t>
             </a:r>
           </a:p>
           <a:p>
             <a:r>
               <a:rPr lang="en-US" b="1" dirty="0" smtClean="0"/>
-              <a:t>User (</a:t>
+              <a:t>User Log (</a:t>
             </a:r>
             <a:r>
               <a:rPr lang="el-GR" b="1" dirty="0" smtClean="0"/>
-              <a:t>Χρήστης) </a:t>
+              <a:t>Καταγραφή Χρηστών) </a:t>
             </a:r>
             <a:r>
               <a:rPr lang="el-GR" b="1" dirty="0" smtClean="0">
@@ -4120,49 +4833,13 @@
             </a:r>
             <a:r>
               <a:rPr lang="el-GR" dirty="0" smtClean="0"/>
-              <a:t>Αντιπροσωπεύει χρήστες του συστήματος.</a:t>
-            </a:r>
-          </a:p>
-          <a:p>
-            <a:r>
-              <a:rPr lang="en-US" b="1" dirty="0" smtClean="0"/>
-              <a:t>User Log (</a:t>
-            </a:r>
-            <a:r>
-              <a:rPr lang="el-GR" b="1" dirty="0" smtClean="0"/>
-              <a:t>Καταγραφή Χρηστών) </a:t>
-            </a:r>
-            <a:r>
-              <a:rPr lang="el-GR" b="1" dirty="0" smtClean="0">
-                <a:sym typeface="Wingdings" panose="05000000000000000000" pitchFamily="2" charset="2"/>
-              </a:rPr>
-              <a:t> </a:t>
-            </a:r>
-            <a:r>
-              <a:rPr lang="el-GR" dirty="0" smtClean="0"/>
-              <a:t>Καταγράφει ενέργειες των χρηστών.</a:t>
-            </a:r>
-          </a:p>
-          <a:p>
-            <a:r>
-              <a:rPr lang="en-US" b="1" dirty="0" smtClean="0"/>
-              <a:t>Data Log (</a:t>
-            </a:r>
-            <a:r>
-              <a:rPr lang="el-GR" b="1" dirty="0" smtClean="0"/>
-              <a:t>Καταγραφή Δεδομένων) </a:t>
-            </a:r>
-            <a:r>
-              <a:rPr lang="el-GR" b="1" dirty="0" smtClean="0">
-                <a:sym typeface="Wingdings" panose="05000000000000000000" pitchFamily="2" charset="2"/>
-              </a:rPr>
-              <a:t> </a:t>
-            </a:r>
-            <a:r>
-              <a:rPr lang="el-GR" dirty="0" smtClean="0"/>
-              <a:t>Καταγράφει όλες τις μετρήσεις αισθητήρων.</a:t>
-            </a:r>
-            <a:endParaRPr lang="el-GR" b="1" dirty="0" smtClean="0"/>
+              <a:t>Καταγράφει ενέργειες των χρηστών</a:t>
+            </a:r>
+            <a:r>
+              <a:rPr lang="el-GR" dirty="0" smtClean="0"/>
+              <a:t>.</a:t>
+            </a:r>
+            <a:endParaRPr lang="el-GR" dirty="0" smtClean="0"/>
           </a:p>
         </p:txBody>
       </p:sp>
@@ -4244,7 +4921,7 @@
         <p:spPr/>
         <p:txBody>
           <a:bodyPr>
-            <a:normAutofit fontScale="92500" lnSpcReduction="10000"/>
+            <a:normAutofit/>
           </a:bodyPr>
           <a:lstStyle/>
           <a:p>
@@ -4270,74 +4947,137 @@
             <a:pPr lvl="2"/>
             <a:r>
               <a:rPr lang="el-GR" dirty="0" smtClean="0"/>
-              <a:t>Κάθε διασταύρωση έχει πολλά φανάρια, αλλά κάθε φανάρι ανήκει μόνο σε μία διασταύρωση.</a:t>
+              <a:t>Κάθε διασταύρωση έχει </a:t>
+            </a:r>
+            <a:r>
+              <a:rPr lang="el-GR" b="1" dirty="0" smtClean="0"/>
+              <a:t>πολλά</a:t>
+            </a:r>
+            <a:r>
+              <a:rPr lang="el-GR" dirty="0" smtClean="0"/>
+              <a:t> φανάρια, αλλά κάθε φανάρι</a:t>
+            </a:r>
+            <a:r>
+              <a:rPr lang="en-US" dirty="0" smtClean="0"/>
+              <a:t> </a:t>
+            </a:r>
+            <a:r>
+              <a:rPr lang="el-GR" dirty="0" smtClean="0"/>
+              <a:t>ανήκει</a:t>
+            </a:r>
+            <a:r>
+              <a:rPr lang="el-GR" dirty="0" smtClean="0"/>
+              <a:t> σε </a:t>
+            </a:r>
+            <a:r>
+              <a:rPr lang="el-GR" b="1" dirty="0" smtClean="0"/>
+              <a:t>μία</a:t>
+            </a:r>
+            <a:r>
+              <a:rPr lang="el-GR" dirty="0" smtClean="0"/>
+              <a:t> διασταύρωση.</a:t>
             </a:r>
           </a:p>
           <a:p>
             <a:pPr lvl="1"/>
             <a:r>
               <a:rPr lang="en-US" dirty="0" smtClean="0"/>
-              <a:t>Traffic Light </a:t>
+              <a:t>Traffic Light  </a:t>
             </a:r>
             <a:r>
               <a:rPr lang="en-US" dirty="0" smtClean="0">
                 <a:sym typeface="Wingdings" panose="05000000000000000000" pitchFamily="2" charset="2"/>
               </a:rPr>
-              <a:t> Virtual Sensor (1:N)</a:t>
+              <a:t> Signal Plan (1:N)</a:t>
             </a:r>
           </a:p>
           <a:p>
             <a:pPr lvl="2"/>
             <a:r>
               <a:rPr lang="el-GR" dirty="0" smtClean="0"/>
-              <a:t>Κάθε φανάρι μπορεί να έχει πολλούς εικονικούς αισθητήρες που καταγράφουν δεδομένα.</a:t>
-            </a:r>
-            <a:endParaRPr lang="el-GR" dirty="0" smtClean="0">
-              <a:sym typeface="Wingdings" panose="05000000000000000000" pitchFamily="2" charset="2"/>
-            </a:endParaRPr>
+              <a:t>Κάθε φανάρι μπορεί να έχει </a:t>
+            </a:r>
+            <a:r>
+              <a:rPr lang="el-GR" b="1" dirty="0" smtClean="0"/>
+              <a:t>πολλά</a:t>
+            </a:r>
+            <a:r>
+              <a:rPr lang="el-GR" dirty="0" smtClean="0"/>
+              <a:t> προγράμματα σηματοδότησης, αλλά κάθε πρόγραμμα ανήκει σε </a:t>
+            </a:r>
+            <a:r>
+              <a:rPr lang="el-GR" b="1" dirty="0" smtClean="0"/>
+              <a:t>ένα</a:t>
+            </a:r>
+            <a:r>
+              <a:rPr lang="el-GR" dirty="0" smtClean="0"/>
+              <a:t> φανάρι.</a:t>
+            </a:r>
           </a:p>
           <a:p>
             <a:pPr lvl="1"/>
+            <a:r>
+              <a:rPr lang="en-US" dirty="0" smtClean="0"/>
+              <a:t>Intersection </a:t>
+            </a:r>
             <a:r>
               <a:rPr lang="en-US" dirty="0" smtClean="0">
                 <a:sym typeface="Wingdings" panose="05000000000000000000" pitchFamily="2" charset="2"/>
               </a:rPr>
-              <a:t>Traffic Light  Signal Plan (</a:t>
-            </a:r>
-            <a:r>
-              <a:rPr lang="en-US" smtClean="0">
+              <a:t> Traffic Synchronization (1:N) </a:t>
+            </a:r>
+          </a:p>
+          <a:p>
+            <a:pPr lvl="2"/>
+            <a:r>
+              <a:rPr lang="el-GR" dirty="0" smtClean="0"/>
+              <a:t>Μία διασταύρωση μπορεί να έχει </a:t>
+            </a:r>
+            <a:r>
+              <a:rPr lang="el-GR" b="1" dirty="0" smtClean="0"/>
+              <a:t>μία ή περισσότερες</a:t>
+            </a:r>
+            <a:r>
+              <a:rPr lang="el-GR" dirty="0" smtClean="0"/>
+              <a:t> ρυθμίσεις συγχρονισμού.</a:t>
+            </a:r>
+          </a:p>
+          <a:p>
+            <a:pPr lvl="1"/>
+            <a:r>
+              <a:rPr lang="en-US" dirty="0" smtClean="0"/>
+              <a:t>Traffic Light </a:t>
+            </a:r>
+            <a:r>
+              <a:rPr lang="en-US" dirty="0" smtClean="0">
                 <a:sym typeface="Wingdings" panose="05000000000000000000" pitchFamily="2" charset="2"/>
               </a:rPr>
-              <a:t>1:N)</a:t>
+              <a:t>  Virtual Sensor (1:N) </a:t>
             </a:r>
           </a:p>
           <a:p>
             <a:pPr lvl="2"/>
+            <a:r>
+              <a:rPr lang="el-GR" dirty="0"/>
+              <a:t>Κάθε φανάρι μπορεί να έχει </a:t>
+            </a:r>
+            <a:r>
+              <a:rPr lang="el-GR" b="1" dirty="0"/>
+              <a:t>πολλούς</a:t>
+            </a:r>
+            <a:r>
+              <a:rPr lang="el-GR" dirty="0"/>
+              <a:t> αισθητήρες, αλλά κάθε αισθητήρας ανήκει </a:t>
+            </a:r>
+            <a:r>
+              <a:rPr lang="el-GR" b="1" dirty="0"/>
+              <a:t>σε ένα φανάρι</a:t>
+            </a:r>
+            <a:r>
+              <a:rPr lang="el-GR" dirty="0"/>
+              <a:t>.</a:t>
+            </a:r>
             <a:endParaRPr lang="el-GR" dirty="0" smtClean="0"/>
-          </a:p>
-          <a:p>
-            <a:r>
-              <a:rPr lang="el-GR" b="1" dirty="0" smtClean="0"/>
-              <a:t>Δεδομένα κυκλοφορίας &amp; αισθητήρες</a:t>
-            </a:r>
-          </a:p>
-          <a:p>
-            <a:r>
-              <a:rPr lang="el-GR" b="1" dirty="0" smtClean="0"/>
-              <a:t>Ανίχνευση οχημάτων</a:t>
-            </a:r>
-          </a:p>
-          <a:p>
-            <a:r>
-              <a:rPr lang="el-GR" b="1" dirty="0" smtClean="0"/>
-              <a:t>Σύστημα διαχείρισης σηματοδότησης</a:t>
-            </a:r>
-          </a:p>
-          <a:p>
-            <a:r>
-              <a:rPr lang="el-GR" b="1" dirty="0" smtClean="0"/>
-              <a:t>Διαχείριση Χρηστών</a:t>
-            </a:r>
           </a:p>
         </p:txBody>
       </p:sp>

--- a/Presentation.pptx
+++ b/Presentation.pptx
@@ -23,21 +23,23 @@
     <p:sldId id="266" r:id="rId17"/>
     <p:sldId id="265" r:id="rId18"/>
     <p:sldId id="268" r:id="rId19"/>
-    <p:sldId id="269" r:id="rId20"/>
-    <p:sldId id="271" r:id="rId21"/>
-    <p:sldId id="272" r:id="rId22"/>
-    <p:sldId id="273" r:id="rId23"/>
-    <p:sldId id="280" r:id="rId24"/>
-    <p:sldId id="275" r:id="rId25"/>
-    <p:sldId id="281" r:id="rId26"/>
-    <p:sldId id="276" r:id="rId27"/>
-    <p:sldId id="282" r:id="rId28"/>
-    <p:sldId id="277" r:id="rId29"/>
-    <p:sldId id="283" r:id="rId30"/>
-    <p:sldId id="278" r:id="rId31"/>
-    <p:sldId id="284" r:id="rId32"/>
-    <p:sldId id="279" r:id="rId33"/>
-    <p:sldId id="286" r:id="rId34"/>
+    <p:sldId id="293" r:id="rId20"/>
+    <p:sldId id="294" r:id="rId21"/>
+    <p:sldId id="269" r:id="rId22"/>
+    <p:sldId id="271" r:id="rId23"/>
+    <p:sldId id="272" r:id="rId24"/>
+    <p:sldId id="273" r:id="rId25"/>
+    <p:sldId id="280" r:id="rId26"/>
+    <p:sldId id="275" r:id="rId27"/>
+    <p:sldId id="281" r:id="rId28"/>
+    <p:sldId id="276" r:id="rId29"/>
+    <p:sldId id="282" r:id="rId30"/>
+    <p:sldId id="277" r:id="rId31"/>
+    <p:sldId id="283" r:id="rId32"/>
+    <p:sldId id="278" r:id="rId33"/>
+    <p:sldId id="284" r:id="rId34"/>
+    <p:sldId id="279" r:id="rId35"/>
+    <p:sldId id="286" r:id="rId36"/>
   </p:sldIdLst>
   <p:sldSz cx="12192000" cy="6858000"/>
   <p:notesSz cx="6858000" cy="9144000"/>
@@ -3374,7 +3376,6 @@
               <a:rPr lang="en-US" b="1" dirty="0"/>
               <a:t>DATA - Database Schema Diagram</a:t>
             </a:r>
-            <a:endParaRPr lang="en-US" b="1" dirty="0"/>
           </a:p>
         </p:txBody>
       </p:sp>
@@ -3457,7 +3458,13 @@
               <a:rPr lang="el-GR" sz="1400" dirty="0" smtClean="0">
                 <a:sym typeface="Wingdings" panose="05000000000000000000" pitchFamily="2" charset="2"/>
               </a:rPr>
-              <a:t> Αποθηκεύει πληροφορίες για κάθε διασταύρωση στο σύστημα</a:t>
+              <a:t> </a:t>
+            </a:r>
+            <a:r>
+              <a:rPr lang="el-GR" sz="1400" dirty="0">
+                <a:sym typeface="Wingdings" panose="05000000000000000000" pitchFamily="2" charset="2"/>
+              </a:rPr>
+              <a:t>Αποθηκεύει πληροφορίες για κάθε διασταύρωση κυκλοφορίας.</a:t>
             </a:r>
             <a:endParaRPr lang="el-GR" sz="1400" dirty="0" smtClean="0"/>
           </a:p>
@@ -3472,7 +3479,7 @@
           <p:nvPr>
             <p:extLst>
               <p:ext uri="{D42A27DB-BD31-4B8C-83A1-F6EECF244321}">
-                <p14:modId xmlns:p14="http://schemas.microsoft.com/office/powerpoint/2010/main" val="2299816904"/>
+                <p14:modId xmlns:p14="http://schemas.microsoft.com/office/powerpoint/2010/main" val="2705849794"/>
               </p:ext>
             </p:extLst>
           </p:nvPr>
@@ -3593,9 +3600,10 @@
                     <a:lstStyle/>
                     <a:p>
                       <a:r>
-                        <a:rPr lang="el-GR" sz="1200" dirty="0"/>
-                        <a:t>Μοναδικό αναγνωριστικό διασταύρωσης.</a:t>
-                      </a:r>
+                        <a:rPr lang="el-GR" sz="1200" dirty="0" smtClean="0"/>
+                        <a:t>Μοναδικό αναγνωριστικό για μια διασταύρωση</a:t>
+                      </a:r>
+                      <a:endParaRPr lang="el-GR" sz="1200" dirty="0"/>
                     </a:p>
                   </a:txBody>
                   <a:tcPr anchor="ctr"/>
@@ -3640,9 +3648,10 @@
                     <a:lstStyle/>
                     <a:p>
                       <a:r>
-                        <a:rPr lang="el-GR" sz="1200"/>
-                        <a:t>Όνομα διασταύρωσης.</a:t>
-                      </a:r>
+                        <a:rPr lang="el-GR" sz="1200" dirty="0" smtClean="0"/>
+                        <a:t>Όνομα της διασταύρωσης.</a:t>
+                      </a:r>
+                      <a:endParaRPr lang="el-GR" sz="1200" dirty="0"/>
                     </a:p>
                   </a:txBody>
                   <a:tcPr anchor="ctr"/>
@@ -3687,9 +3696,10 @@
                     <a:lstStyle/>
                     <a:p>
                       <a:r>
-                        <a:rPr lang="el-GR" sz="1200" dirty="0"/>
-                        <a:t>Τοποθεσία της διασταύρωσης.</a:t>
-                      </a:r>
+                        <a:rPr lang="el-GR" sz="1200" dirty="0" smtClean="0"/>
+                        <a:t>Πόλη στην οποία βρίσκεται η διασταύρωση.</a:t>
+                      </a:r>
+                      <a:endParaRPr lang="el-GR" sz="1200" dirty="0"/>
                     </a:p>
                   </a:txBody>
                   <a:tcPr anchor="ctr"/>
@@ -3736,11 +3746,7 @@
                     <a:p>
                       <a:r>
                         <a:rPr lang="el-GR" sz="1200" dirty="0" smtClean="0"/>
-                        <a:t>Αναφορά</a:t>
-                      </a:r>
-                      <a:r>
-                        <a:rPr lang="el-GR" sz="1200" baseline="0" dirty="0" smtClean="0"/>
-                        <a:t> στον συγχρονισμό κυκλοφορίας</a:t>
+                        <a:t>Γεωγραφικό πλάτος.</a:t>
                       </a:r>
                       <a:endParaRPr lang="en-US" sz="1200" dirty="0"/>
                     </a:p>
@@ -3787,6 +3793,10 @@
                     <a:bodyPr/>
                     <a:lstStyle/>
                     <a:p>
+                      <a:r>
+                        <a:rPr lang="el-GR" sz="1200" dirty="0" smtClean="0"/>
+                        <a:t>Γεωγραφικό μήκος</a:t>
+                      </a:r>
                       <a:endParaRPr lang="en-US" sz="1200" dirty="0"/>
                     </a:p>
                   </a:txBody>
@@ -3892,14 +3902,14 @@
           <a:lstStyle/>
           <a:p>
             <a:r>
-              <a:rPr lang="en-US" b="1" dirty="0" smtClean="0"/>
+              <a:rPr lang="en-US" sz="2000" b="1" dirty="0" smtClean="0"/>
               <a:t>Traffic Light (</a:t>
             </a:r>
             <a:r>
-              <a:rPr lang="el-GR" b="1" dirty="0" smtClean="0"/>
+              <a:rPr lang="el-GR" sz="2000" b="1" dirty="0" smtClean="0"/>
               <a:t>Φανάρι)</a:t>
             </a:r>
-            <a:endParaRPr lang="en-US" b="1" dirty="0" smtClean="0"/>
+            <a:endParaRPr lang="en-US" sz="2000" b="1" dirty="0" smtClean="0"/>
           </a:p>
           <a:p>
             <a:pPr marL="0" indent="0">
@@ -3963,7 +3973,7 @@
             </a:r>
             <a:r>
               <a:rPr lang="el-GR" sz="1400" dirty="0"/>
-              <a:t>Ορίζει τα φανάρια που ανήκουν σε κάθε διασταύρωση.</a:t>
+              <a:t>Αντιπροσωπεύει κάθε φωτεινό σηματοδότη σε μια διασταύρωση.</a:t>
             </a:r>
             <a:endParaRPr lang="el-GR" sz="1400" dirty="0" smtClean="0"/>
           </a:p>
@@ -3978,14 +3988,14 @@
           <p:nvPr>
             <p:extLst>
               <p:ext uri="{D42A27DB-BD31-4B8C-83A1-F6EECF244321}">
-                <p14:modId xmlns:p14="http://schemas.microsoft.com/office/powerpoint/2010/main" val="71696078"/>
+                <p14:modId xmlns:p14="http://schemas.microsoft.com/office/powerpoint/2010/main" val="885141272"/>
               </p:ext>
             </p:extLst>
           </p:nvPr>
         </p:nvGraphicFramePr>
         <p:xfrm>
-          <a:off x="838200" y="2499218"/>
-          <a:ext cx="9348537" cy="3108960"/>
+          <a:off x="838197" y="2261937"/>
+          <a:ext cx="10515603" cy="3796865"/>
         </p:xfrm>
         <a:graphic>
           <a:graphicData uri="http://schemas.openxmlformats.org/drawingml/2006/table">
@@ -3994,21 +4004,21 @@
                 <a:tableStyleId>{5C22544A-7EE6-4342-B048-85BDC9FD1C3A}</a:tableStyleId>
               </a:tblPr>
               <a:tblGrid>
-                <a:gridCol w="3116179">
+                <a:gridCol w="3505201">
                   <a:extLst>
                     <a:ext uri="{9D8B030D-6E8A-4147-A177-3AD203B41FA5}">
                       <a16:colId xmlns:a16="http://schemas.microsoft.com/office/drawing/2014/main" val="4164896431"/>
                     </a:ext>
                   </a:extLst>
                 </a:gridCol>
-                <a:gridCol w="3116179">
+                <a:gridCol w="3505201">
                   <a:extLst>
                     <a:ext uri="{9D8B030D-6E8A-4147-A177-3AD203B41FA5}">
                       <a16:colId xmlns:a16="http://schemas.microsoft.com/office/drawing/2014/main" val="3327479852"/>
                     </a:ext>
                   </a:extLst>
                 </a:gridCol>
-                <a:gridCol w="3116179">
+                <a:gridCol w="3505201">
                   <a:extLst>
                     <a:ext uri="{9D8B030D-6E8A-4147-A177-3AD203B41FA5}">
                       <a16:colId xmlns:a16="http://schemas.microsoft.com/office/drawing/2014/main" val="2796069663"/>
@@ -4016,7 +4026,7 @@
                   </a:extLst>
                 </a:gridCol>
               </a:tblGrid>
-              <a:tr h="172987">
+              <a:tr h="227539">
                 <a:tc>
                   <a:txBody>
                     <a:bodyPr/>
@@ -4065,7 +4075,7 @@
                   </a:ext>
                 </a:extLst>
               </a:tr>
-              <a:tr h="223655">
+              <a:tr h="357037">
                 <a:tc>
                   <a:txBody>
                     <a:bodyPr/>
@@ -4099,9 +4109,10 @@
                     <a:lstStyle/>
                     <a:p>
                       <a:r>
-                        <a:rPr lang="el-GR" sz="1200"/>
-                        <a:t>Μοναδικό αναγνωριστικό φαναριού.</a:t>
-                      </a:r>
+                        <a:rPr lang="el-GR" sz="1200" dirty="0" smtClean="0"/>
+                        <a:t>Μοναδικό αναγνωριστικό για έναν φωτεινό σηματοδότη</a:t>
+                      </a:r>
+                      <a:endParaRPr lang="el-GR" sz="1200" dirty="0"/>
                     </a:p>
                   </a:txBody>
                   <a:tcPr anchor="ctr"/>
@@ -4112,7 +4123,7 @@
                   </a:ext>
                 </a:extLst>
               </a:tr>
-              <a:tr h="319506">
+              <a:tr h="357037">
                 <a:tc>
                   <a:txBody>
                     <a:bodyPr/>
@@ -4159,7 +4170,7 @@
                   </a:ext>
                 </a:extLst>
               </a:tr>
-              <a:tr h="319506">
+              <a:tr h="357037">
                 <a:tc>
                   <a:txBody>
                     <a:bodyPr/>
@@ -4207,7 +4218,7 @@
                   </a:ext>
                 </a:extLst>
               </a:tr>
-              <a:tr h="223655">
+              <a:tr h="214222">
                 <a:tc>
                   <a:txBody>
                     <a:bodyPr/>
@@ -4215,7 +4226,7 @@
                     <a:p>
                       <a:r>
                         <a:rPr lang="en-US" sz="1200" dirty="0" err="1" smtClean="0"/>
-                        <a:t>greenDuration</a:t>
+                        <a:t>lightType</a:t>
                       </a:r>
                       <a:endParaRPr lang="en-US" sz="1200" dirty="0"/>
                     </a:p>
@@ -4229,7 +4240,11 @@
                     <a:p>
                       <a:r>
                         <a:rPr lang="en-US" sz="1200" dirty="0" smtClean="0"/>
-                        <a:t>INT</a:t>
+                        <a:t>ENUM</a:t>
+                      </a:r>
+                      <a:r>
+                        <a:rPr lang="en-US" sz="1200" baseline="0" dirty="0" smtClean="0"/>
+                        <a:t> (‘vehicle’, ‘pedestrian’, ‘cyclist’)</a:t>
                       </a:r>
                       <a:endParaRPr lang="en-US" sz="1200" dirty="0"/>
                     </a:p>
@@ -4256,7 +4271,56 @@
                   </a:ext>
                 </a:extLst>
               </a:tr>
-              <a:tr h="223655">
+              <a:tr h="357037">
+                <a:tc>
+                  <a:txBody>
+                    <a:bodyPr/>
+                    <a:lstStyle/>
+                    <a:p>
+                      <a:r>
+                        <a:rPr lang="en-US" sz="1200" dirty="0" err="1" smtClean="0"/>
+                        <a:t>redDuration</a:t>
+                      </a:r>
+                      <a:endParaRPr lang="en-US" sz="1200" dirty="0"/>
+                    </a:p>
+                  </a:txBody>
+                  <a:tcPr anchor="ctr"/>
+                </a:tc>
+                <a:tc>
+                  <a:txBody>
+                    <a:bodyPr/>
+                    <a:lstStyle/>
+                    <a:p>
+                      <a:r>
+                        <a:rPr lang="en-US" sz="1200" dirty="0" smtClean="0"/>
+                        <a:t>INT</a:t>
+                      </a:r>
+                      <a:endParaRPr lang="en-US" sz="1200" dirty="0"/>
+                    </a:p>
+                  </a:txBody>
+                  <a:tcPr anchor="ctr"/>
+                </a:tc>
+                <a:tc>
+                  <a:txBody>
+                    <a:bodyPr/>
+                    <a:lstStyle/>
+                    <a:p>
+                      <a:r>
+                        <a:rPr lang="el-GR" sz="1200" dirty="0" smtClean="0"/>
+                        <a:t>Διάρκεια σε δευτερόλεπτα για το κόκκινο φανάρι.</a:t>
+                      </a:r>
+                      <a:endParaRPr lang="en-US" sz="1200" dirty="0"/>
+                    </a:p>
+                  </a:txBody>
+                  <a:tcPr anchor="ctr"/>
+                </a:tc>
+                <a:extLst>
+                  <a:ext uri="{0D108BD9-81ED-4DB2-BD59-A6C34878D82A}">
+                    <a16:rowId xmlns:a16="http://schemas.microsoft.com/office/drawing/2014/main" val="1097312772"/>
+                  </a:ext>
+                </a:extLst>
+              </a:tr>
+              <a:tr h="357037">
                 <a:tc>
                   <a:txBody>
                     <a:bodyPr/>
@@ -4290,6 +4354,10 @@
                     <a:bodyPr/>
                     <a:lstStyle/>
                     <a:p>
+                      <a:r>
+                        <a:rPr lang="el-GR" sz="1200" dirty="0" smtClean="0"/>
+                        <a:t>Διάρκεια σε δευτερόλεπτα για το πορτοκάλι φως.</a:t>
+                      </a:r>
                       <a:endParaRPr lang="en-US" sz="1200" dirty="0"/>
                     </a:p>
                   </a:txBody>
@@ -4301,7 +4369,7 @@
                   </a:ext>
                 </a:extLst>
               </a:tr>
-              <a:tr h="223655">
+              <a:tr h="214222">
                 <a:tc>
                   <a:txBody>
                     <a:bodyPr/>
@@ -4309,7 +4377,7 @@
                     <a:p>
                       <a:r>
                         <a:rPr lang="en-US" sz="1200" dirty="0" err="1" smtClean="0"/>
-                        <a:t>redDuration</a:t>
+                        <a:t>greenDuration</a:t>
                       </a:r>
                       <a:endParaRPr lang="en-US" sz="1200" dirty="0"/>
                     </a:p>
@@ -4335,6 +4403,10 @@
                     <a:bodyPr/>
                     <a:lstStyle/>
                     <a:p>
+                      <a:r>
+                        <a:rPr lang="el-GR" sz="1200" dirty="0" smtClean="0"/>
+                        <a:t>Διάρκεια σε δευτερόλεπτα για το πράσινο φως.</a:t>
+                      </a:r>
                       <a:endParaRPr lang="en-US" sz="1200" dirty="0"/>
                     </a:p>
                   </a:txBody>
@@ -4346,7 +4418,7 @@
                   </a:ext>
                 </a:extLst>
               </a:tr>
-              <a:tr h="223655">
+              <a:tr h="357037">
                 <a:tc>
                   <a:txBody>
                     <a:bodyPr/>
@@ -4380,6 +4452,10 @@
                     <a:bodyPr/>
                     <a:lstStyle/>
                     <a:p>
+                      <a:r>
+                        <a:rPr lang="el-GR" sz="1200" dirty="0" smtClean="0"/>
+                        <a:t>Χρονοσφραγίδα κατά την προσθήκη του φωτεινού σηματοδότη.</a:t>
+                      </a:r>
                       <a:endParaRPr lang="en-US" sz="1200" dirty="0"/>
                     </a:p>
                   </a:txBody>
@@ -4391,7 +4467,7 @@
                   </a:ext>
                 </a:extLst>
               </a:tr>
-              <a:tr h="223655">
+              <a:tr h="214222">
                 <a:tc>
                   <a:txBody>
                     <a:bodyPr/>
@@ -4425,6 +4501,10 @@
                     <a:bodyPr/>
                     <a:lstStyle/>
                     <a:p>
+                      <a:r>
+                        <a:rPr lang="el-GR" sz="1200" dirty="0" smtClean="0"/>
+                        <a:t>Χρονοσφραγίδα τελευταίας ενημέρωσης.</a:t>
+                      </a:r>
                       <a:endParaRPr lang="en-US" sz="1200" dirty="0"/>
                     </a:p>
                   </a:txBody>
@@ -4436,7 +4516,7 @@
                   </a:ext>
                 </a:extLst>
               </a:tr>
-              <a:tr h="223655">
+              <a:tr h="357037">
                 <a:tc>
                   <a:txBody>
                     <a:bodyPr/>
@@ -4503,6 +4583,10 @@
                     <a:bodyPr/>
                     <a:lstStyle/>
                     <a:p>
+                      <a:r>
+                        <a:rPr lang="el-GR" sz="1200" dirty="0" smtClean="0"/>
+                        <a:t>Τρέχουσα κατάσταση του φωτεινού σηματοδότη.</a:t>
+                      </a:r>
                       <a:endParaRPr lang="en-US" sz="1200" dirty="0"/>
                     </a:p>
                   </a:txBody>
@@ -4609,11 +4693,7 @@
           <a:p>
             <a:r>
               <a:rPr lang="en-US" b="1" dirty="0" smtClean="0"/>
-              <a:t>Traffic </a:t>
-            </a:r>
-            <a:r>
-              <a:rPr lang="en-US" b="1" dirty="0" smtClean="0"/>
-              <a:t>Sensor (</a:t>
+              <a:t>Traffic Sensor (</a:t>
             </a:r>
             <a:r>
               <a:rPr lang="el-GR" b="1" dirty="0" smtClean="0"/>
@@ -6358,15 +6438,7 @@
           <a:p>
             <a:r>
               <a:rPr lang="en-US" b="1" dirty="0" smtClean="0"/>
-              <a:t>AI </a:t>
-            </a:r>
-            <a:r>
-              <a:rPr lang="en-US" b="1" dirty="0" smtClean="0"/>
-              <a:t>Traffic Prediction </a:t>
-            </a:r>
-            <a:r>
-              <a:rPr lang="en-US" b="1" dirty="0" smtClean="0"/>
-              <a:t>(</a:t>
+              <a:t>AI Traffic Prediction (</a:t>
             </a:r>
             <a:r>
               <a:rPr lang="el-GR" b="1" dirty="0" smtClean="0"/>
@@ -9822,11 +9894,35 @@
           <a:p>
             <a:r>
               <a:rPr lang="en-US" b="1" dirty="0" smtClean="0"/>
-              <a:t>Traffic Synchronization (</a:t>
+              <a:t>Pedestrian</a:t>
+            </a:r>
+            <a:r>
+              <a:rPr lang="en-US" b="1" dirty="0" smtClean="0"/>
+              <a:t> </a:t>
+            </a:r>
+            <a:r>
+              <a:rPr lang="en-US" b="1" dirty="0" smtClean="0"/>
+              <a:t>Detection (</a:t>
             </a:r>
             <a:r>
               <a:rPr lang="el-GR" b="1" dirty="0" smtClean="0"/>
-              <a:t>Συγχρονισμός Κυκλοφορίας)</a:t>
+              <a:t>Ανίχνευση </a:t>
+            </a:r>
+            <a:r>
+              <a:rPr lang="el-GR" b="1" dirty="0" smtClean="0"/>
+              <a:t>Π</a:t>
+            </a:r>
+            <a:r>
+              <a:rPr lang="el-GR" b="1" dirty="0" smtClean="0"/>
+              <a:t>εζώ</a:t>
+            </a:r>
+            <a:r>
+              <a:rPr lang="el-GR" b="1" dirty="0" smtClean="0"/>
+              <a:t>ν</a:t>
+            </a:r>
+            <a:r>
+              <a:rPr lang="el-GR" b="1" dirty="0" smtClean="0"/>
+              <a:t>)</a:t>
             </a:r>
             <a:endParaRPr lang="en-US" b="1" dirty="0" smtClean="0"/>
           </a:p>
@@ -9892,7 +9988,7 @@
             </a:r>
             <a:r>
               <a:rPr lang="el-GR" sz="1400" dirty="0"/>
-              <a:t>Ρυθμίζει τον συγχρονισμό φωτεινής σηματοδότησης.</a:t>
+              <a:t>Αποθηκεύει προκαθορισμένα σχέδια σηματοδότησης</a:t>
             </a:r>
             <a:endParaRPr lang="el-GR" sz="1400" dirty="0" smtClean="0"/>
           </a:p>
@@ -9907,14 +10003,14 @@
           <p:nvPr>
             <p:extLst>
               <p:ext uri="{D42A27DB-BD31-4B8C-83A1-F6EECF244321}">
-                <p14:modId xmlns:p14="http://schemas.microsoft.com/office/powerpoint/2010/main" val="1906054023"/>
+                <p14:modId xmlns:p14="http://schemas.microsoft.com/office/powerpoint/2010/main" val="4016618137"/>
               </p:ext>
             </p:extLst>
           </p:nvPr>
         </p:nvGraphicFramePr>
         <p:xfrm>
-          <a:off x="838199" y="2314141"/>
-          <a:ext cx="8530389" cy="2931627"/>
+          <a:off x="838199" y="2314142"/>
+          <a:ext cx="8851233" cy="3348724"/>
         </p:xfrm>
         <a:graphic>
           <a:graphicData uri="http://schemas.openxmlformats.org/drawingml/2006/table">
@@ -9923,21 +10019,21 @@
                 <a:tableStyleId>{5C22544A-7EE6-4342-B048-85BDC9FD1C3A}</a:tableStyleId>
               </a:tblPr>
               <a:tblGrid>
-                <a:gridCol w="2843463">
+                <a:gridCol w="2950411">
                   <a:extLst>
                     <a:ext uri="{9D8B030D-6E8A-4147-A177-3AD203B41FA5}">
                       <a16:colId xmlns:a16="http://schemas.microsoft.com/office/drawing/2014/main" val="4164896431"/>
                     </a:ext>
                   </a:extLst>
                 </a:gridCol>
-                <a:gridCol w="2843463">
+                <a:gridCol w="2950411">
                   <a:extLst>
                     <a:ext uri="{9D8B030D-6E8A-4147-A177-3AD203B41FA5}">
                       <a16:colId xmlns:a16="http://schemas.microsoft.com/office/drawing/2014/main" val="3327479852"/>
                     </a:ext>
                   </a:extLst>
                 </a:gridCol>
-                <a:gridCol w="2843463">
+                <a:gridCol w="2950411">
                   <a:extLst>
                     <a:ext uri="{9D8B030D-6E8A-4147-A177-3AD203B41FA5}">
                       <a16:colId xmlns:a16="http://schemas.microsoft.com/office/drawing/2014/main" val="2796069663"/>
@@ -9945,7 +10041,7 @@
                   </a:extLst>
                 </a:gridCol>
               </a:tblGrid>
-              <a:tr h="600903">
+              <a:tr h="448619">
                 <a:tc>
                   <a:txBody>
                     <a:bodyPr/>
@@ -10042,7 +10138,67 @@
                   </a:ext>
                 </a:extLst>
               </a:tr>
-              <a:tr h="776908">
+              <a:tr h="580021">
+                <a:tc>
+                  <a:txBody>
+                    <a:bodyPr/>
+                    <a:lstStyle/>
+                    <a:p>
+                      <a:pPr>
+                        <a:lnSpc>
+                          <a:spcPct val="115000"/>
+                        </a:lnSpc>
+                        <a:spcAft>
+                          <a:spcPts val="0"/>
+                        </a:spcAft>
+                      </a:pPr>
+                      <a:r>
+                        <a:rPr lang="en-US" sz="1200" dirty="0" err="1" smtClean="0">
+                          <a:effectLst/>
+                          <a:latin typeface="+mn-lt"/>
+                          <a:ea typeface="Times New Roman" panose="02020603050405020304" pitchFamily="18" charset="0"/>
+                        </a:rPr>
+                        <a:t>pedDetectionId</a:t>
+                      </a:r>
+                      <a:endParaRPr lang="en-US" sz="1200" dirty="0">
+                        <a:effectLst/>
+                        <a:latin typeface="+mn-lt"/>
+                        <a:ea typeface="Times New Roman" panose="02020603050405020304" pitchFamily="18" charset="0"/>
+                      </a:endParaRPr>
+                    </a:p>
+                  </a:txBody>
+                  <a:tcPr marL="68580" marR="68580" marT="0" marB="0"/>
+                </a:tc>
+                <a:tc>
+                  <a:txBody>
+                    <a:bodyPr/>
+                    <a:lstStyle/>
+                    <a:p>
+                      <a:pPr>
+                        <a:lnSpc>
+                          <a:spcPct val="115000"/>
+                        </a:lnSpc>
+                        <a:spcAft>
+                          <a:spcPts val="0"/>
+                        </a:spcAft>
+                      </a:pPr>
+                      <a:r>
+                        <a:rPr lang="el-GR" sz="1200" dirty="0">
+                          <a:effectLst/>
+                          <a:latin typeface="+mn-lt"/>
+                          <a:ea typeface="Times New Roman" panose="02020603050405020304" pitchFamily="18" charset="0"/>
+                        </a:rPr>
+                        <a:t>INT (PK)</a:t>
+                      </a:r>
+                      <a:endParaRPr lang="en-US" sz="1200" dirty="0">
+                        <a:effectLst/>
+                        <a:latin typeface="+mn-lt"/>
+                        <a:ea typeface="Times New Roman" panose="02020603050405020304" pitchFamily="18" charset="0"/>
+                      </a:endParaRPr>
+                    </a:p>
+                  </a:txBody>
+                  <a:tcPr marL="68580" marR="68580" marT="0" marB="0"/>
+                </a:tc>
                 <a:tc>
                   <a:txBody>
                     <a:bodyPr/>
@@ -10062,67 +10218,7 @@
                           <a:latin typeface="+mn-lt"/>
                           <a:ea typeface="Times New Roman" panose="02020603050405020304" pitchFamily="18" charset="0"/>
                         </a:rPr>
-                        <a:t>SyncID</a:t>
-                      </a:r>
-                      <a:endParaRPr lang="en-US" sz="1200">
-                        <a:effectLst/>
-                        <a:latin typeface="+mn-lt"/>
-                        <a:ea typeface="Times New Roman" panose="02020603050405020304" pitchFamily="18" charset="0"/>
-                      </a:endParaRPr>
-                    </a:p>
-                  </a:txBody>
-                  <a:tcPr marL="68580" marR="68580" marT="0" marB="0"/>
-                </a:tc>
-                <a:tc>
-                  <a:txBody>
-                    <a:bodyPr/>
-                    <a:lstStyle/>
-                    <a:p>
-                      <a:pPr>
-                        <a:lnSpc>
-                          <a:spcPct val="115000"/>
-                        </a:lnSpc>
-                        <a:spcAft>
-                          <a:spcPts val="0"/>
-                        </a:spcAft>
-                      </a:pPr>
-                      <a:r>
-                        <a:rPr lang="el-GR" sz="1200">
-                          <a:effectLst/>
-                          <a:latin typeface="+mn-lt"/>
-                          <a:ea typeface="Times New Roman" panose="02020603050405020304" pitchFamily="18" charset="0"/>
-                        </a:rPr>
-                        <a:t>INT (PK)</a:t>
-                      </a:r>
-                      <a:endParaRPr lang="en-US" sz="1200">
-                        <a:effectLst/>
-                        <a:latin typeface="+mn-lt"/>
-                        <a:ea typeface="Times New Roman" panose="02020603050405020304" pitchFamily="18" charset="0"/>
-                      </a:endParaRPr>
-                    </a:p>
-                  </a:txBody>
-                  <a:tcPr marL="68580" marR="68580" marT="0" marB="0"/>
-                </a:tc>
-                <a:tc>
-                  <a:txBody>
-                    <a:bodyPr/>
-                    <a:lstStyle/>
-                    <a:p>
-                      <a:pPr>
-                        <a:lnSpc>
-                          <a:spcPct val="115000"/>
-                        </a:lnSpc>
-                        <a:spcAft>
-                          <a:spcPts val="0"/>
-                        </a:spcAft>
-                      </a:pPr>
-                      <a:r>
-                        <a:rPr lang="el-GR" sz="1200">
-                          <a:effectLst/>
-                          <a:latin typeface="+mn-lt"/>
-                          <a:ea typeface="Times New Roman" panose="02020603050405020304" pitchFamily="18" charset="0"/>
-                        </a:rPr>
-                        <a:t>Αναγνωριστικό συγχρονισμού.</a:t>
+                        <a:t>Αναγνωριστικό σχεδίου σηματοδότησης.</a:t>
                       </a:r>
                       <a:endParaRPr lang="en-US" sz="1200">
                         <a:effectLst/>
@@ -10139,7 +10235,75 @@
                   </a:ext>
                 </a:extLst>
               </a:tr>
-              <a:tr h="776908">
+              <a:tr h="580021">
+                <a:tc>
+                  <a:txBody>
+                    <a:bodyPr/>
+                    <a:lstStyle/>
+                    <a:p>
+                      <a:pPr>
+                        <a:lnSpc>
+                          <a:spcPct val="115000"/>
+                        </a:lnSpc>
+                        <a:spcAft>
+                          <a:spcPts val="0"/>
+                        </a:spcAft>
+                      </a:pPr>
+                      <a:r>
+                        <a:rPr lang="en-US" sz="1200" dirty="0" err="1" smtClean="0">
+                          <a:effectLst/>
+                          <a:latin typeface="+mn-lt"/>
+                          <a:ea typeface="Times New Roman" panose="02020603050405020304" pitchFamily="18" charset="0"/>
+                        </a:rPr>
+                        <a:t>sensorId</a:t>
+                      </a:r>
+                      <a:endParaRPr lang="en-US" sz="1200" dirty="0">
+                        <a:effectLst/>
+                        <a:latin typeface="+mn-lt"/>
+                        <a:ea typeface="Times New Roman" panose="02020603050405020304" pitchFamily="18" charset="0"/>
+                      </a:endParaRPr>
+                    </a:p>
+                  </a:txBody>
+                  <a:tcPr marL="68580" marR="68580" marT="0" marB="0"/>
+                </a:tc>
+                <a:tc>
+                  <a:txBody>
+                    <a:bodyPr/>
+                    <a:lstStyle/>
+                    <a:p>
+                      <a:pPr>
+                        <a:lnSpc>
+                          <a:spcPct val="115000"/>
+                        </a:lnSpc>
+                        <a:spcAft>
+                          <a:spcPts val="0"/>
+                        </a:spcAft>
+                      </a:pPr>
+                      <a:r>
+                        <a:rPr lang="en-US" sz="1200" dirty="0" smtClean="0">
+                          <a:effectLst/>
+                          <a:latin typeface="+mn-lt"/>
+                          <a:ea typeface="Times New Roman" panose="02020603050405020304" pitchFamily="18" charset="0"/>
+                        </a:rPr>
+                        <a:t>INT</a:t>
+                      </a:r>
+                      <a:r>
+                        <a:rPr lang="en-US" sz="1200" baseline="0" dirty="0" smtClean="0">
+                          <a:effectLst/>
+                          <a:latin typeface="+mn-lt"/>
+                          <a:ea typeface="Times New Roman" panose="02020603050405020304" pitchFamily="18" charset="0"/>
+                        </a:rPr>
+                        <a:t> (FK)</a:t>
+                      </a:r>
+                      <a:endParaRPr lang="en-US" sz="1200" dirty="0">
+                        <a:effectLst/>
+                        <a:latin typeface="+mn-lt"/>
+                        <a:ea typeface="Times New Roman" panose="02020603050405020304" pitchFamily="18" charset="0"/>
+                      </a:endParaRPr>
+                    </a:p>
+                  </a:txBody>
+                  <a:tcPr marL="68580" marR="68580" marT="0" marB="0"/>
+                </a:tc>
                 <a:tc>
                   <a:txBody>
                     <a:bodyPr/>
@@ -10159,67 +10323,7 @@
                           <a:latin typeface="+mn-lt"/>
                           <a:ea typeface="Times New Roman" panose="02020603050405020304" pitchFamily="18" charset="0"/>
                         </a:rPr>
-                        <a:t>Timestamp</a:t>
-                      </a:r>
-                      <a:endParaRPr lang="en-US" sz="1200">
-                        <a:effectLst/>
-                        <a:latin typeface="+mn-lt"/>
-                        <a:ea typeface="Times New Roman" panose="02020603050405020304" pitchFamily="18" charset="0"/>
-                      </a:endParaRPr>
-                    </a:p>
-                  </a:txBody>
-                  <a:tcPr marL="68580" marR="68580" marT="0" marB="0"/>
-                </a:tc>
-                <a:tc>
-                  <a:txBody>
-                    <a:bodyPr/>
-                    <a:lstStyle/>
-                    <a:p>
-                      <a:pPr>
-                        <a:lnSpc>
-                          <a:spcPct val="115000"/>
-                        </a:lnSpc>
-                        <a:spcAft>
-                          <a:spcPts val="0"/>
-                        </a:spcAft>
-                      </a:pPr>
-                      <a:r>
-                        <a:rPr lang="el-GR" sz="1200">
-                          <a:effectLst/>
-                          <a:latin typeface="+mn-lt"/>
-                          <a:ea typeface="Times New Roman" panose="02020603050405020304" pitchFamily="18" charset="0"/>
-                        </a:rPr>
-                        <a:t>DATETIME</a:t>
-                      </a:r>
-                      <a:endParaRPr lang="en-US" sz="1200">
-                        <a:effectLst/>
-                        <a:latin typeface="+mn-lt"/>
-                        <a:ea typeface="Times New Roman" panose="02020603050405020304" pitchFamily="18" charset="0"/>
-                      </a:endParaRPr>
-                    </a:p>
-                  </a:txBody>
-                  <a:tcPr marL="68580" marR="68580" marT="0" marB="0"/>
-                </a:tc>
-                <a:tc>
-                  <a:txBody>
-                    <a:bodyPr/>
-                    <a:lstStyle/>
-                    <a:p>
-                      <a:pPr>
-                        <a:lnSpc>
-                          <a:spcPct val="115000"/>
-                        </a:lnSpc>
-                        <a:spcAft>
-                          <a:spcPts val="0"/>
-                        </a:spcAft>
-                      </a:pPr>
-                      <a:r>
-                        <a:rPr lang="el-GR" sz="1200">
-                          <a:effectLst/>
-                          <a:latin typeface="+mn-lt"/>
-                          <a:ea typeface="Times New Roman" panose="02020603050405020304" pitchFamily="18" charset="0"/>
-                        </a:rPr>
-                        <a:t>Χρονική σήμανση.</a:t>
+                        <a:t>Περιγραφή σχεδίου.</a:t>
                       </a:r>
                       <a:endParaRPr lang="en-US" sz="1200">
                         <a:effectLst/>
@@ -10236,59 +10340,67 @@
                   </a:ext>
                 </a:extLst>
               </a:tr>
-              <a:tr h="776908">
-                <a:tc>
-                  <a:txBody>
-                    <a:bodyPr/>
-                    <a:lstStyle/>
-                    <a:p>
-                      <a:pPr>
-                        <a:lnSpc>
-                          <a:spcPct val="115000"/>
-                        </a:lnSpc>
-                        <a:spcAft>
-                          <a:spcPts val="0"/>
-                        </a:spcAft>
-                      </a:pPr>
-                      <a:r>
-                        <a:rPr lang="el-GR" sz="1200">
-                          <a:effectLst/>
-                          <a:latin typeface="+mn-lt"/>
-                          <a:ea typeface="Times New Roman" panose="02020603050405020304" pitchFamily="18" charset="0"/>
-                        </a:rPr>
-                        <a:t>LinkedIntersections</a:t>
-                      </a:r>
-                      <a:endParaRPr lang="en-US" sz="1200">
-                        <a:effectLst/>
-                        <a:latin typeface="+mn-lt"/>
-                        <a:ea typeface="Times New Roman" panose="02020603050405020304" pitchFamily="18" charset="0"/>
-                      </a:endParaRPr>
-                    </a:p>
-                  </a:txBody>
-                  <a:tcPr marL="68580" marR="68580" marT="0" marB="0"/>
-                </a:tc>
-                <a:tc>
-                  <a:txBody>
-                    <a:bodyPr/>
-                    <a:lstStyle/>
-                    <a:p>
-                      <a:pPr>
-                        <a:lnSpc>
-                          <a:spcPct val="115000"/>
-                        </a:lnSpc>
-                        <a:spcAft>
-                          <a:spcPts val="0"/>
-                        </a:spcAft>
-                      </a:pPr>
-                      <a:r>
-                        <a:rPr lang="el-GR" sz="1200">
-                          <a:effectLst/>
-                          <a:latin typeface="+mn-lt"/>
-                          <a:ea typeface="Times New Roman" panose="02020603050405020304" pitchFamily="18" charset="0"/>
-                        </a:rPr>
-                        <a:t>TEXT</a:t>
-                      </a:r>
-                      <a:endParaRPr lang="en-US" sz="1200">
+              <a:tr h="580021">
+                <a:tc>
+                  <a:txBody>
+                    <a:bodyPr/>
+                    <a:lstStyle/>
+                    <a:p>
+                      <a:pPr>
+                        <a:lnSpc>
+                          <a:spcPct val="115000"/>
+                        </a:lnSpc>
+                        <a:spcAft>
+                          <a:spcPts val="0"/>
+                        </a:spcAft>
+                      </a:pPr>
+                      <a:r>
+                        <a:rPr lang="en-US" sz="1200" dirty="0" err="1" smtClean="0">
+                          <a:effectLst/>
+                          <a:latin typeface="+mn-lt"/>
+                          <a:ea typeface="Times New Roman" panose="02020603050405020304" pitchFamily="18" charset="0"/>
+                        </a:rPr>
+                        <a:t>lightId</a:t>
+                      </a:r>
+                      <a:endParaRPr lang="en-US" sz="1200" dirty="0">
+                        <a:effectLst/>
+                        <a:latin typeface="+mn-lt"/>
+                        <a:ea typeface="Times New Roman" panose="02020603050405020304" pitchFamily="18" charset="0"/>
+                      </a:endParaRPr>
+                    </a:p>
+                  </a:txBody>
+                  <a:tcPr marL="68580" marR="68580" marT="0" marB="0"/>
+                </a:tc>
+                <a:tc>
+                  <a:txBody>
+                    <a:bodyPr/>
+                    <a:lstStyle/>
+                    <a:p>
+                      <a:pPr>
+                        <a:lnSpc>
+                          <a:spcPct val="115000"/>
+                        </a:lnSpc>
+                        <a:spcAft>
+                          <a:spcPts val="0"/>
+                        </a:spcAft>
+                      </a:pPr>
+                      <a:r>
+                        <a:rPr lang="el-GR" sz="1200" dirty="0" smtClean="0">
+                          <a:effectLst/>
+                          <a:latin typeface="+mn-lt"/>
+                          <a:ea typeface="Times New Roman" panose="02020603050405020304" pitchFamily="18" charset="0"/>
+                        </a:rPr>
+                        <a:t>INT (</a:t>
+                      </a:r>
+                      <a:r>
+                        <a:rPr lang="en-US" sz="1200" dirty="0" smtClean="0">
+                          <a:effectLst/>
+                          <a:latin typeface="+mn-lt"/>
+                          <a:ea typeface="Times New Roman" panose="02020603050405020304" pitchFamily="18" charset="0"/>
+                        </a:rPr>
+                        <a:t>FK)</a:t>
+                      </a:r>
+                      <a:endParaRPr lang="en-US" sz="1200" dirty="0">
                         <a:effectLst/>
                         <a:latin typeface="+mn-lt"/>
                         <a:ea typeface="Times New Roman" panose="02020603050405020304" pitchFamily="18" charset="0"/>
@@ -10316,7 +10428,7 @@
                           <a:latin typeface="+mn-lt"/>
                           <a:ea typeface="Times New Roman" panose="02020603050405020304" pitchFamily="18" charset="0"/>
                         </a:rPr>
-                        <a:t>Συνδεδεμένες διασταυρώσεις.</a:t>
+                        <a:t>Διάρκεια εφαρμογής του σχεδίου.</a:t>
                       </a:r>
                       <a:endParaRPr lang="en-US" sz="1200" dirty="0">
                         <a:effectLst/>
@@ -10330,6 +10442,184 @@
                 <a:extLst>
                   <a:ext uri="{0D108BD9-81ED-4DB2-BD59-A6C34878D82A}">
                     <a16:rowId xmlns:a16="http://schemas.microsoft.com/office/drawing/2014/main" val="3196512663"/>
+                  </a:ext>
+                </a:extLst>
+              </a:tr>
+              <a:tr h="580021">
+                <a:tc>
+                  <a:txBody>
+                    <a:bodyPr/>
+                    <a:lstStyle/>
+                    <a:p>
+                      <a:pPr>
+                        <a:lnSpc>
+                          <a:spcPct val="115000"/>
+                        </a:lnSpc>
+                        <a:spcAft>
+                          <a:spcPts val="0"/>
+                        </a:spcAft>
+                      </a:pPr>
+                      <a:r>
+                        <a:rPr lang="en-US" sz="1200" dirty="0" err="1" smtClean="0">
+                          <a:effectLst/>
+                          <a:latin typeface="+mn-lt"/>
+                          <a:ea typeface="Times New Roman" panose="02020603050405020304" pitchFamily="18" charset="0"/>
+                        </a:rPr>
+                        <a:t>pedCount</a:t>
+                      </a:r>
+                      <a:endParaRPr lang="en-US" sz="1200" dirty="0">
+                        <a:effectLst/>
+                        <a:latin typeface="+mn-lt"/>
+                        <a:ea typeface="Times New Roman" panose="02020603050405020304" pitchFamily="18" charset="0"/>
+                      </a:endParaRPr>
+                    </a:p>
+                  </a:txBody>
+                  <a:tcPr marL="68580" marR="68580" marT="0" marB="0"/>
+                </a:tc>
+                <a:tc>
+                  <a:txBody>
+                    <a:bodyPr/>
+                    <a:lstStyle/>
+                    <a:p>
+                      <a:pPr>
+                        <a:lnSpc>
+                          <a:spcPct val="115000"/>
+                        </a:lnSpc>
+                        <a:spcAft>
+                          <a:spcPts val="0"/>
+                        </a:spcAft>
+                      </a:pPr>
+                      <a:r>
+                        <a:rPr lang="en-US" sz="1200" dirty="0" smtClean="0">
+                          <a:effectLst/>
+                          <a:latin typeface="+mn-lt"/>
+                          <a:ea typeface="Times New Roman" panose="02020603050405020304" pitchFamily="18" charset="0"/>
+                        </a:rPr>
+                        <a:t>INT</a:t>
+                      </a:r>
+                      <a:endParaRPr lang="en-US" sz="1200" dirty="0">
+                        <a:effectLst/>
+                        <a:latin typeface="+mn-lt"/>
+                        <a:ea typeface="Times New Roman" panose="02020603050405020304" pitchFamily="18" charset="0"/>
+                      </a:endParaRPr>
+                    </a:p>
+                  </a:txBody>
+                  <a:tcPr marL="68580" marR="68580" marT="0" marB="0"/>
+                </a:tc>
+                <a:tc>
+                  <a:txBody>
+                    <a:bodyPr/>
+                    <a:lstStyle/>
+                    <a:p>
+                      <a:pPr>
+                        <a:lnSpc>
+                          <a:spcPct val="115000"/>
+                        </a:lnSpc>
+                        <a:spcAft>
+                          <a:spcPts val="0"/>
+                        </a:spcAft>
+                      </a:pPr>
+                      <a:endParaRPr lang="en-US" sz="1200" dirty="0">
+                        <a:effectLst/>
+                        <a:latin typeface="+mn-lt"/>
+                        <a:ea typeface="Times New Roman" panose="02020603050405020304" pitchFamily="18" charset="0"/>
+                      </a:endParaRPr>
+                    </a:p>
+                  </a:txBody>
+                  <a:tcPr marL="68580" marR="68580" marT="0" marB="0"/>
+                </a:tc>
+                <a:extLst>
+                  <a:ext uri="{0D108BD9-81ED-4DB2-BD59-A6C34878D82A}">
+                    <a16:rowId xmlns:a16="http://schemas.microsoft.com/office/drawing/2014/main" val="2446017599"/>
+                  </a:ext>
+                </a:extLst>
+              </a:tr>
+              <a:tr h="580021">
+                <a:tc>
+                  <a:txBody>
+                    <a:bodyPr/>
+                    <a:lstStyle/>
+                    <a:p>
+                      <a:pPr>
+                        <a:lnSpc>
+                          <a:spcPct val="115000"/>
+                        </a:lnSpc>
+                        <a:spcAft>
+                          <a:spcPts val="0"/>
+                        </a:spcAft>
+                      </a:pPr>
+                      <a:r>
+                        <a:rPr lang="en-US" sz="1200" dirty="0" err="1" smtClean="0">
+                          <a:effectLst/>
+                          <a:latin typeface="+mn-lt"/>
+                          <a:ea typeface="Times New Roman" panose="02020603050405020304" pitchFamily="18" charset="0"/>
+                        </a:rPr>
+                        <a:t>createdAt</a:t>
+                      </a:r>
+                      <a:endParaRPr lang="en-US" sz="1200" dirty="0">
+                        <a:effectLst/>
+                        <a:latin typeface="+mn-lt"/>
+                        <a:ea typeface="Times New Roman" panose="02020603050405020304" pitchFamily="18" charset="0"/>
+                      </a:endParaRPr>
+                    </a:p>
+                  </a:txBody>
+                  <a:tcPr marL="68580" marR="68580" marT="0" marB="0"/>
+                </a:tc>
+                <a:tc>
+                  <a:txBody>
+                    <a:bodyPr/>
+                    <a:lstStyle/>
+                    <a:p>
+                      <a:pPr>
+                        <a:lnSpc>
+                          <a:spcPct val="115000"/>
+                        </a:lnSpc>
+                        <a:spcAft>
+                          <a:spcPts val="0"/>
+                        </a:spcAft>
+                      </a:pPr>
+                      <a:r>
+                        <a:rPr lang="en-US" sz="1200" dirty="0" smtClean="0">
+                          <a:effectLst/>
+                          <a:latin typeface="+mn-lt"/>
+                          <a:ea typeface="Times New Roman" panose="02020603050405020304" pitchFamily="18" charset="0"/>
+                        </a:rPr>
+                        <a:t>TIMESTAMP</a:t>
+                      </a:r>
+                      <a:endParaRPr lang="en-US" sz="1200" dirty="0">
+                        <a:effectLst/>
+                        <a:latin typeface="+mn-lt"/>
+                        <a:ea typeface="Times New Roman" panose="02020603050405020304" pitchFamily="18" charset="0"/>
+                      </a:endParaRPr>
+                    </a:p>
+                  </a:txBody>
+                  <a:tcPr marL="68580" marR="68580" marT="0" marB="0"/>
+                </a:tc>
+                <a:tc>
+                  <a:txBody>
+                    <a:bodyPr/>
+                    <a:lstStyle/>
+                    <a:p>
+                      <a:pPr>
+                        <a:lnSpc>
+                          <a:spcPct val="115000"/>
+                        </a:lnSpc>
+                        <a:spcAft>
+                          <a:spcPts val="0"/>
+                        </a:spcAft>
+                      </a:pPr>
+                      <a:endParaRPr lang="en-US" sz="1200" dirty="0">
+                        <a:effectLst/>
+                        <a:latin typeface="+mn-lt"/>
+                        <a:ea typeface="Times New Roman" panose="02020603050405020304" pitchFamily="18" charset="0"/>
+                      </a:endParaRPr>
+                    </a:p>
+                  </a:txBody>
+                  <a:tcPr marL="68580" marR="68580" marT="0" marB="0"/>
+                </a:tc>
+                <a:extLst>
+                  <a:ext uri="{0D108BD9-81ED-4DB2-BD59-A6C34878D82A}">
+                    <a16:rowId xmlns:a16="http://schemas.microsoft.com/office/drawing/2014/main" val="811632791"/>
                   </a:ext>
                 </a:extLst>
               </a:tr>
@@ -10340,7 +10630,7 @@
     </p:spTree>
     <p:extLst>
       <p:ext uri="{BB962C8B-B14F-4D97-AF65-F5344CB8AC3E}">
-        <p14:creationId xmlns:p14="http://schemas.microsoft.com/office/powerpoint/2010/main" val="3647589974"/>
+        <p14:creationId xmlns:p14="http://schemas.microsoft.com/office/powerpoint/2010/main" val="297552915"/>
       </p:ext>
     </p:extLst>
   </p:cSld>
@@ -10527,17 +10817,25 @@
         <p:spPr/>
         <p:txBody>
           <a:bodyPr>
-            <a:normAutofit/>
+            <a:normAutofit fontScale="92500"/>
           </a:bodyPr>
           <a:lstStyle/>
           <a:p>
             <a:r>
               <a:rPr lang="en-US" b="1" dirty="0" smtClean="0"/>
-              <a:t>User (</a:t>
+              <a:t>Emergency Vehicle Detection </a:t>
+            </a:r>
+            <a:r>
+              <a:rPr lang="en-US" b="1" dirty="0" smtClean="0"/>
+              <a:t>(</a:t>
             </a:r>
             <a:r>
               <a:rPr lang="el-GR" b="1" dirty="0" smtClean="0"/>
-              <a:t>Χρήστης)</a:t>
+              <a:t>Ανίχνευση </a:t>
+            </a:r>
+            <a:r>
+              <a:rPr lang="el-GR" b="1" dirty="0" smtClean="0"/>
+              <a:t>Οχημάτων Έκτακτης Ανάγκης)</a:t>
             </a:r>
             <a:endParaRPr lang="en-US" b="1" dirty="0" smtClean="0"/>
           </a:p>
@@ -10582,6 +10880,12 @@
               <a:buNone/>
             </a:pPr>
             <a:endParaRPr lang="en-US" sz="1400" b="1" dirty="0" smtClean="0"/>
+          </a:p>
+          <a:p>
+            <a:pPr marL="0" indent="0">
+              <a:buNone/>
+            </a:pPr>
+            <a:endParaRPr lang="el-GR" sz="1400" b="1" dirty="0" smtClean="0"/>
           </a:p>
           <a:p>
             <a:pPr marL="0" indent="0">
@@ -10603,7 +10907,7 @@
             </a:r>
             <a:r>
               <a:rPr lang="el-GR" sz="1400" dirty="0"/>
-              <a:t>Ο πίνακας επιτρέπει τον έλεγχο πρόσβασης και διατηρεί δεδομένα σχετικά με την αυθεντικοποίηση των χρηστών.</a:t>
+              <a:t>Αποθηκεύει προκαθορισμένα σχέδια σηματοδότησης</a:t>
             </a:r>
             <a:endParaRPr lang="el-GR" sz="1400" dirty="0" smtClean="0"/>
           </a:p>
@@ -10618,14 +10922,14 @@
           <p:nvPr>
             <p:extLst>
               <p:ext uri="{D42A27DB-BD31-4B8C-83A1-F6EECF244321}">
-                <p14:modId xmlns:p14="http://schemas.microsoft.com/office/powerpoint/2010/main" val="3090006247"/>
+                <p14:modId xmlns:p14="http://schemas.microsoft.com/office/powerpoint/2010/main" val="1352931318"/>
               </p:ext>
             </p:extLst>
           </p:nvPr>
         </p:nvGraphicFramePr>
         <p:xfrm>
-          <a:off x="838199" y="2314142"/>
-          <a:ext cx="9460834" cy="3114901"/>
+          <a:off x="838201" y="2310063"/>
+          <a:ext cx="8803104" cy="3368844"/>
         </p:xfrm>
         <a:graphic>
           <a:graphicData uri="http://schemas.openxmlformats.org/drawingml/2006/table">
@@ -10634,21 +10938,21 @@
                 <a:tableStyleId>{5C22544A-7EE6-4342-B048-85BDC9FD1C3A}</a:tableStyleId>
               </a:tblPr>
               <a:tblGrid>
-                <a:gridCol w="3206369">
+                <a:gridCol w="2934368">
                   <a:extLst>
                     <a:ext uri="{9D8B030D-6E8A-4147-A177-3AD203B41FA5}">
                       <a16:colId xmlns:a16="http://schemas.microsoft.com/office/drawing/2014/main" val="4164896431"/>
                     </a:ext>
                   </a:extLst>
                 </a:gridCol>
-                <a:gridCol w="3206369">
+                <a:gridCol w="2934368">
                   <a:extLst>
                     <a:ext uri="{9D8B030D-6E8A-4147-A177-3AD203B41FA5}">
                       <a16:colId xmlns:a16="http://schemas.microsoft.com/office/drawing/2014/main" val="3327479852"/>
                     </a:ext>
                   </a:extLst>
                 </a:gridCol>
-                <a:gridCol w="3048096">
+                <a:gridCol w="2934368">
                   <a:extLst>
                     <a:ext uri="{9D8B030D-6E8A-4147-A177-3AD203B41FA5}">
                       <a16:colId xmlns:a16="http://schemas.microsoft.com/office/drawing/2014/main" val="2796069663"/>
@@ -10656,59 +10960,59 @@
                   </a:extLst>
                 </a:gridCol>
               </a:tblGrid>
-              <a:tr h="307657">
-                <a:tc>
-                  <a:txBody>
-                    <a:bodyPr/>
-                    <a:lstStyle/>
-                    <a:p>
-                      <a:pPr>
-                        <a:lnSpc>
-                          <a:spcPct val="115000"/>
-                        </a:lnSpc>
-                        <a:spcAft>
-                          <a:spcPts val="0"/>
-                        </a:spcAft>
-                      </a:pPr>
-                      <a:r>
-                        <a:rPr lang="el-GR" sz="1200">
+              <a:tr h="451314">
+                <a:tc>
+                  <a:txBody>
+                    <a:bodyPr/>
+                    <a:lstStyle/>
+                    <a:p>
+                      <a:pPr>
+                        <a:lnSpc>
+                          <a:spcPct val="115000"/>
+                        </a:lnSpc>
+                        <a:spcAft>
+                          <a:spcPts val="0"/>
+                        </a:spcAft>
+                      </a:pPr>
+                      <a:r>
+                        <a:rPr lang="el-GR" sz="1200" dirty="0">
                           <a:effectLst/>
                           <a:latin typeface="+mn-lt"/>
                           <a:ea typeface="Times New Roman" panose="02020603050405020304" pitchFamily="18" charset="0"/>
                         </a:rPr>
                         <a:t>Πεδίο</a:t>
                       </a:r>
-                      <a:endParaRPr lang="en-US" sz="1200">
-                        <a:effectLst/>
-                        <a:latin typeface="+mn-lt"/>
-                        <a:ea typeface="Times New Roman" panose="02020603050405020304" pitchFamily="18" charset="0"/>
-                      </a:endParaRPr>
-                    </a:p>
-                  </a:txBody>
-                  <a:tcPr marL="68580" marR="68580" marT="0" marB="0"/>
-                </a:tc>
-                <a:tc>
-                  <a:txBody>
-                    <a:bodyPr/>
-                    <a:lstStyle/>
-                    <a:p>
-                      <a:pPr>
-                        <a:lnSpc>
-                          <a:spcPct val="115000"/>
-                        </a:lnSpc>
-                        <a:spcAft>
-                          <a:spcPts val="0"/>
-                        </a:spcAft>
-                      </a:pPr>
-                      <a:r>
-                        <a:rPr lang="el-GR" sz="1200">
+                      <a:endParaRPr lang="en-US" sz="1200" dirty="0">
+                        <a:effectLst/>
+                        <a:latin typeface="+mn-lt"/>
+                        <a:ea typeface="Times New Roman" panose="02020603050405020304" pitchFamily="18" charset="0"/>
+                      </a:endParaRPr>
+                    </a:p>
+                  </a:txBody>
+                  <a:tcPr marL="68580" marR="68580" marT="0" marB="0"/>
+                </a:tc>
+                <a:tc>
+                  <a:txBody>
+                    <a:bodyPr/>
+                    <a:lstStyle/>
+                    <a:p>
+                      <a:pPr>
+                        <a:lnSpc>
+                          <a:spcPct val="115000"/>
+                        </a:lnSpc>
+                        <a:spcAft>
+                          <a:spcPts val="0"/>
+                        </a:spcAft>
+                      </a:pPr>
+                      <a:r>
+                        <a:rPr lang="el-GR" sz="1200" dirty="0">
                           <a:effectLst/>
                           <a:latin typeface="+mn-lt"/>
                           <a:ea typeface="Times New Roman" panose="02020603050405020304" pitchFamily="18" charset="0"/>
                         </a:rPr>
                         <a:t>Τύπος</a:t>
                       </a:r>
-                      <a:endParaRPr lang="en-US" sz="1200">
+                      <a:endParaRPr lang="en-US" sz="1200" dirty="0">
                         <a:effectLst/>
                         <a:latin typeface="+mn-lt"/>
                         <a:ea typeface="Times New Roman" panose="02020603050405020304" pitchFamily="18" charset="0"/>
@@ -10753,7 +11057,67 @@
                   </a:ext>
                 </a:extLst>
               </a:tr>
-              <a:tr h="397770">
+              <a:tr h="583506">
+                <a:tc>
+                  <a:txBody>
+                    <a:bodyPr/>
+                    <a:lstStyle/>
+                    <a:p>
+                      <a:pPr>
+                        <a:lnSpc>
+                          <a:spcPct val="115000"/>
+                        </a:lnSpc>
+                        <a:spcAft>
+                          <a:spcPts val="0"/>
+                        </a:spcAft>
+                      </a:pPr>
+                      <a:r>
+                        <a:rPr lang="en-US" sz="1200" dirty="0" err="1" smtClean="0">
+                          <a:effectLst/>
+                          <a:latin typeface="+mn-lt"/>
+                          <a:ea typeface="Times New Roman" panose="02020603050405020304" pitchFamily="18" charset="0"/>
+                        </a:rPr>
+                        <a:t>emergencyId</a:t>
+                      </a:r>
+                      <a:endParaRPr lang="en-US" sz="1200" dirty="0">
+                        <a:effectLst/>
+                        <a:latin typeface="+mn-lt"/>
+                        <a:ea typeface="Times New Roman" panose="02020603050405020304" pitchFamily="18" charset="0"/>
+                      </a:endParaRPr>
+                    </a:p>
+                  </a:txBody>
+                  <a:tcPr marL="68580" marR="68580" marT="0" marB="0"/>
+                </a:tc>
+                <a:tc>
+                  <a:txBody>
+                    <a:bodyPr/>
+                    <a:lstStyle/>
+                    <a:p>
+                      <a:pPr>
+                        <a:lnSpc>
+                          <a:spcPct val="115000"/>
+                        </a:lnSpc>
+                        <a:spcAft>
+                          <a:spcPts val="0"/>
+                        </a:spcAft>
+                      </a:pPr>
+                      <a:r>
+                        <a:rPr lang="el-GR" sz="1200" dirty="0">
+                          <a:effectLst/>
+                          <a:latin typeface="+mn-lt"/>
+                          <a:ea typeface="Times New Roman" panose="02020603050405020304" pitchFamily="18" charset="0"/>
+                        </a:rPr>
+                        <a:t>INT (PK)</a:t>
+                      </a:r>
+                      <a:endParaRPr lang="en-US" sz="1200" dirty="0">
+                        <a:effectLst/>
+                        <a:latin typeface="+mn-lt"/>
+                        <a:ea typeface="Times New Roman" panose="02020603050405020304" pitchFamily="18" charset="0"/>
+                      </a:endParaRPr>
+                    </a:p>
+                  </a:txBody>
+                  <a:tcPr marL="68580" marR="68580" marT="0" marB="0"/>
+                </a:tc>
                 <a:tc>
                   <a:txBody>
                     <a:bodyPr/>
@@ -10773,67 +11137,7 @@
                           <a:latin typeface="+mn-lt"/>
                           <a:ea typeface="Times New Roman" panose="02020603050405020304" pitchFamily="18" charset="0"/>
                         </a:rPr>
-                        <a:t>UserID</a:t>
-                      </a:r>
-                      <a:endParaRPr lang="en-US" sz="1200">
-                        <a:effectLst/>
-                        <a:latin typeface="+mn-lt"/>
-                        <a:ea typeface="Times New Roman" panose="02020603050405020304" pitchFamily="18" charset="0"/>
-                      </a:endParaRPr>
-                    </a:p>
-                  </a:txBody>
-                  <a:tcPr marL="68580" marR="68580" marT="0" marB="0"/>
-                </a:tc>
-                <a:tc>
-                  <a:txBody>
-                    <a:bodyPr/>
-                    <a:lstStyle/>
-                    <a:p>
-                      <a:pPr>
-                        <a:lnSpc>
-                          <a:spcPct val="115000"/>
-                        </a:lnSpc>
-                        <a:spcAft>
-                          <a:spcPts val="0"/>
-                        </a:spcAft>
-                      </a:pPr>
-                      <a:r>
-                        <a:rPr lang="el-GR" sz="1200">
-                          <a:effectLst/>
-                          <a:latin typeface="+mn-lt"/>
-                          <a:ea typeface="Times New Roman" panose="02020603050405020304" pitchFamily="18" charset="0"/>
-                        </a:rPr>
-                        <a:t>INT (PK)</a:t>
-                      </a:r>
-                      <a:endParaRPr lang="en-US" sz="1200">
-                        <a:effectLst/>
-                        <a:latin typeface="+mn-lt"/>
-                        <a:ea typeface="Times New Roman" panose="02020603050405020304" pitchFamily="18" charset="0"/>
-                      </a:endParaRPr>
-                    </a:p>
-                  </a:txBody>
-                  <a:tcPr marL="68580" marR="68580" marT="0" marB="0"/>
-                </a:tc>
-                <a:tc>
-                  <a:txBody>
-                    <a:bodyPr/>
-                    <a:lstStyle/>
-                    <a:p>
-                      <a:pPr>
-                        <a:lnSpc>
-                          <a:spcPct val="115000"/>
-                        </a:lnSpc>
-                        <a:spcAft>
-                          <a:spcPts val="0"/>
-                        </a:spcAft>
-                      </a:pPr>
-                      <a:r>
-                        <a:rPr lang="el-GR" sz="1200">
-                          <a:effectLst/>
-                          <a:latin typeface="+mn-lt"/>
-                          <a:ea typeface="Times New Roman" panose="02020603050405020304" pitchFamily="18" charset="0"/>
-                        </a:rPr>
-                        <a:t>Μοναδικό αναγνωριστικό χρήστη.</a:t>
+                        <a:t>Αναγνωριστικό σχεδίου σηματοδότησης.</a:t>
                       </a:r>
                       <a:endParaRPr lang="en-US" sz="1200">
                         <a:effectLst/>
@@ -10850,7 +11154,75 @@
                   </a:ext>
                 </a:extLst>
               </a:tr>
-              <a:tr h="397770">
+              <a:tr h="583506">
+                <a:tc>
+                  <a:txBody>
+                    <a:bodyPr/>
+                    <a:lstStyle/>
+                    <a:p>
+                      <a:pPr>
+                        <a:lnSpc>
+                          <a:spcPct val="115000"/>
+                        </a:lnSpc>
+                        <a:spcAft>
+                          <a:spcPts val="0"/>
+                        </a:spcAft>
+                      </a:pPr>
+                      <a:r>
+                        <a:rPr lang="en-US" sz="1200" dirty="0" err="1" smtClean="0">
+                          <a:effectLst/>
+                          <a:latin typeface="+mn-lt"/>
+                          <a:ea typeface="Times New Roman" panose="02020603050405020304" pitchFamily="18" charset="0"/>
+                        </a:rPr>
+                        <a:t>sensorId</a:t>
+                      </a:r>
+                      <a:endParaRPr lang="en-US" sz="1200" dirty="0">
+                        <a:effectLst/>
+                        <a:latin typeface="+mn-lt"/>
+                        <a:ea typeface="Times New Roman" panose="02020603050405020304" pitchFamily="18" charset="0"/>
+                      </a:endParaRPr>
+                    </a:p>
+                  </a:txBody>
+                  <a:tcPr marL="68580" marR="68580" marT="0" marB="0"/>
+                </a:tc>
+                <a:tc>
+                  <a:txBody>
+                    <a:bodyPr/>
+                    <a:lstStyle/>
+                    <a:p>
+                      <a:pPr>
+                        <a:lnSpc>
+                          <a:spcPct val="115000"/>
+                        </a:lnSpc>
+                        <a:spcAft>
+                          <a:spcPts val="0"/>
+                        </a:spcAft>
+                      </a:pPr>
+                      <a:r>
+                        <a:rPr lang="en-US" sz="1200" dirty="0" smtClean="0">
+                          <a:effectLst/>
+                          <a:latin typeface="+mn-lt"/>
+                          <a:ea typeface="Times New Roman" panose="02020603050405020304" pitchFamily="18" charset="0"/>
+                        </a:rPr>
+                        <a:t>INT</a:t>
+                      </a:r>
+                      <a:r>
+                        <a:rPr lang="en-US" sz="1200" baseline="0" dirty="0" smtClean="0">
+                          <a:effectLst/>
+                          <a:latin typeface="+mn-lt"/>
+                          <a:ea typeface="Times New Roman" panose="02020603050405020304" pitchFamily="18" charset="0"/>
+                        </a:rPr>
+                        <a:t> (FK)</a:t>
+                      </a:r>
+                      <a:endParaRPr lang="en-US" sz="1200" dirty="0">
+                        <a:effectLst/>
+                        <a:latin typeface="+mn-lt"/>
+                        <a:ea typeface="Times New Roman" panose="02020603050405020304" pitchFamily="18" charset="0"/>
+                      </a:endParaRPr>
+                    </a:p>
+                  </a:txBody>
+                  <a:tcPr marL="68580" marR="68580" marT="0" marB="0"/>
+                </a:tc>
                 <a:tc>
                   <a:txBody>
                     <a:bodyPr/>
@@ -10870,67 +11242,7 @@
                           <a:latin typeface="+mn-lt"/>
                           <a:ea typeface="Times New Roman" panose="02020603050405020304" pitchFamily="18" charset="0"/>
                         </a:rPr>
-                        <a:t>Username</a:t>
-                      </a:r>
-                      <a:endParaRPr lang="en-US" sz="1200">
-                        <a:effectLst/>
-                        <a:latin typeface="+mn-lt"/>
-                        <a:ea typeface="Times New Roman" panose="02020603050405020304" pitchFamily="18" charset="0"/>
-                      </a:endParaRPr>
-                    </a:p>
-                  </a:txBody>
-                  <a:tcPr marL="68580" marR="68580" marT="0" marB="0"/>
-                </a:tc>
-                <a:tc>
-                  <a:txBody>
-                    <a:bodyPr/>
-                    <a:lstStyle/>
-                    <a:p>
-                      <a:pPr>
-                        <a:lnSpc>
-                          <a:spcPct val="115000"/>
-                        </a:lnSpc>
-                        <a:spcAft>
-                          <a:spcPts val="0"/>
-                        </a:spcAft>
-                      </a:pPr>
-                      <a:r>
-                        <a:rPr lang="el-GR" sz="1200">
-                          <a:effectLst/>
-                          <a:latin typeface="+mn-lt"/>
-                          <a:ea typeface="Times New Roman" panose="02020603050405020304" pitchFamily="18" charset="0"/>
-                        </a:rPr>
-                        <a:t>VARCHAR</a:t>
-                      </a:r>
-                      <a:endParaRPr lang="en-US" sz="1200">
-                        <a:effectLst/>
-                        <a:latin typeface="+mn-lt"/>
-                        <a:ea typeface="Times New Roman" panose="02020603050405020304" pitchFamily="18" charset="0"/>
-                      </a:endParaRPr>
-                    </a:p>
-                  </a:txBody>
-                  <a:tcPr marL="68580" marR="68580" marT="0" marB="0"/>
-                </a:tc>
-                <a:tc>
-                  <a:txBody>
-                    <a:bodyPr/>
-                    <a:lstStyle/>
-                    <a:p>
-                      <a:pPr>
-                        <a:lnSpc>
-                          <a:spcPct val="115000"/>
-                        </a:lnSpc>
-                        <a:spcAft>
-                          <a:spcPts val="0"/>
-                        </a:spcAft>
-                      </a:pPr>
-                      <a:r>
-                        <a:rPr lang="el-GR" sz="1200">
-                          <a:effectLst/>
-                          <a:latin typeface="+mn-lt"/>
-                          <a:ea typeface="Times New Roman" panose="02020603050405020304" pitchFamily="18" charset="0"/>
-                        </a:rPr>
-                        <a:t>Όνομα χρήστη για login.</a:t>
+                        <a:t>Περιγραφή σχεδίου.</a:t>
                       </a:r>
                       <a:endParaRPr lang="en-US" sz="1200">
                         <a:effectLst/>
@@ -10947,89 +11259,97 @@
                   </a:ext>
                 </a:extLst>
               </a:tr>
-              <a:tr h="397770">
-                <a:tc>
-                  <a:txBody>
-                    <a:bodyPr/>
-                    <a:lstStyle/>
-                    <a:p>
-                      <a:pPr>
-                        <a:lnSpc>
-                          <a:spcPct val="115000"/>
-                        </a:lnSpc>
-                        <a:spcAft>
-                          <a:spcPts val="0"/>
-                        </a:spcAft>
-                      </a:pPr>
-                      <a:r>
-                        <a:rPr lang="el-GR" sz="1200">
-                          <a:effectLst/>
-                          <a:latin typeface="+mn-lt"/>
-                          <a:ea typeface="Times New Roman" panose="02020603050405020304" pitchFamily="18" charset="0"/>
-                        </a:rPr>
-                        <a:t>PasswordHash</a:t>
-                      </a:r>
-                      <a:endParaRPr lang="en-US" sz="1200">
-                        <a:effectLst/>
-                        <a:latin typeface="+mn-lt"/>
-                        <a:ea typeface="Times New Roman" panose="02020603050405020304" pitchFamily="18" charset="0"/>
-                      </a:endParaRPr>
-                    </a:p>
-                  </a:txBody>
-                  <a:tcPr marL="68580" marR="68580" marT="0" marB="0"/>
-                </a:tc>
-                <a:tc>
-                  <a:txBody>
-                    <a:bodyPr/>
-                    <a:lstStyle/>
-                    <a:p>
-                      <a:pPr>
-                        <a:lnSpc>
-                          <a:spcPct val="115000"/>
-                        </a:lnSpc>
-                        <a:spcAft>
-                          <a:spcPts val="0"/>
-                        </a:spcAft>
-                      </a:pPr>
-                      <a:r>
-                        <a:rPr lang="el-GR" sz="1200">
-                          <a:effectLst/>
-                          <a:latin typeface="+mn-lt"/>
-                          <a:ea typeface="Times New Roman" panose="02020603050405020304" pitchFamily="18" charset="0"/>
-                        </a:rPr>
-                        <a:t>VARCHAR</a:t>
-                      </a:r>
-                      <a:endParaRPr lang="en-US" sz="1200">
-                        <a:effectLst/>
-                        <a:latin typeface="+mn-lt"/>
-                        <a:ea typeface="Times New Roman" panose="02020603050405020304" pitchFamily="18" charset="0"/>
-                      </a:endParaRPr>
-                    </a:p>
-                  </a:txBody>
-                  <a:tcPr marL="68580" marR="68580" marT="0" marB="0"/>
-                </a:tc>
-                <a:tc>
-                  <a:txBody>
-                    <a:bodyPr/>
-                    <a:lstStyle/>
-                    <a:p>
-                      <a:pPr>
-                        <a:lnSpc>
-                          <a:spcPct val="115000"/>
-                        </a:lnSpc>
-                        <a:spcAft>
-                          <a:spcPts val="0"/>
-                        </a:spcAft>
-                      </a:pPr>
-                      <a:r>
-                        <a:rPr lang="el-GR" sz="1200">
-                          <a:effectLst/>
-                          <a:latin typeface="+mn-lt"/>
-                          <a:ea typeface="Times New Roman" panose="02020603050405020304" pitchFamily="18" charset="0"/>
-                        </a:rPr>
-                        <a:t>Κρυπτογραφημένος κωδικός πρόσβασης.</a:t>
-                      </a:r>
-                      <a:endParaRPr lang="en-US" sz="1200">
+              <a:tr h="583506">
+                <a:tc>
+                  <a:txBody>
+                    <a:bodyPr/>
+                    <a:lstStyle/>
+                    <a:p>
+                      <a:pPr>
+                        <a:lnSpc>
+                          <a:spcPct val="115000"/>
+                        </a:lnSpc>
+                        <a:spcAft>
+                          <a:spcPts val="0"/>
+                        </a:spcAft>
+                      </a:pPr>
+                      <a:r>
+                        <a:rPr lang="en-US" sz="1200" dirty="0" err="1" smtClean="0">
+                          <a:effectLst/>
+                          <a:latin typeface="+mn-lt"/>
+                          <a:ea typeface="Times New Roman" panose="02020603050405020304" pitchFamily="18" charset="0"/>
+                        </a:rPr>
+                        <a:t>lightId</a:t>
+                      </a:r>
+                      <a:endParaRPr lang="en-US" sz="1200" dirty="0">
+                        <a:effectLst/>
+                        <a:latin typeface="+mn-lt"/>
+                        <a:ea typeface="Times New Roman" panose="02020603050405020304" pitchFamily="18" charset="0"/>
+                      </a:endParaRPr>
+                    </a:p>
+                  </a:txBody>
+                  <a:tcPr marL="68580" marR="68580" marT="0" marB="0"/>
+                </a:tc>
+                <a:tc>
+                  <a:txBody>
+                    <a:bodyPr/>
+                    <a:lstStyle/>
+                    <a:p>
+                      <a:pPr>
+                        <a:lnSpc>
+                          <a:spcPct val="115000"/>
+                        </a:lnSpc>
+                        <a:spcAft>
+                          <a:spcPts val="0"/>
+                        </a:spcAft>
+                      </a:pPr>
+                      <a:r>
+                        <a:rPr lang="el-GR" sz="1200" dirty="0" smtClean="0">
+                          <a:effectLst/>
+                          <a:latin typeface="+mn-lt"/>
+                          <a:ea typeface="Times New Roman" panose="02020603050405020304" pitchFamily="18" charset="0"/>
+                        </a:rPr>
+                        <a:t>INT (</a:t>
+                      </a:r>
+                      <a:r>
+                        <a:rPr lang="en-US" sz="1200" dirty="0" smtClean="0">
+                          <a:effectLst/>
+                          <a:latin typeface="+mn-lt"/>
+                          <a:ea typeface="Times New Roman" panose="02020603050405020304" pitchFamily="18" charset="0"/>
+                        </a:rPr>
+                        <a:t>FK)</a:t>
+                      </a:r>
+                      <a:endParaRPr lang="en-US" sz="1200" dirty="0">
+                        <a:effectLst/>
+                        <a:latin typeface="+mn-lt"/>
+                        <a:ea typeface="Times New Roman" panose="02020603050405020304" pitchFamily="18" charset="0"/>
+                      </a:endParaRPr>
+                    </a:p>
+                  </a:txBody>
+                  <a:tcPr marL="68580" marR="68580" marT="0" marB="0"/>
+                </a:tc>
+                <a:tc>
+                  <a:txBody>
+                    <a:bodyPr/>
+                    <a:lstStyle/>
+                    <a:p>
+                      <a:pPr>
+                        <a:lnSpc>
+                          <a:spcPct val="115000"/>
+                        </a:lnSpc>
+                        <a:spcAft>
+                          <a:spcPts val="0"/>
+                        </a:spcAft>
+                      </a:pPr>
+                      <a:r>
+                        <a:rPr lang="el-GR" sz="1200" dirty="0">
+                          <a:effectLst/>
+                          <a:latin typeface="+mn-lt"/>
+                          <a:ea typeface="Times New Roman" panose="02020603050405020304" pitchFamily="18" charset="0"/>
+                        </a:rPr>
+                        <a:t>Διάρκεια εφαρμογής του σχεδίου.</a:t>
+                      </a:r>
+                      <a:endParaRPr lang="en-US" sz="1200" dirty="0">
                         <a:effectLst/>
                         <a:latin typeface="+mn-lt"/>
                         <a:ea typeface="Times New Roman" panose="02020603050405020304" pitchFamily="18" charset="0"/>
@@ -11044,89 +11364,81 @@
                   </a:ext>
                 </a:extLst>
               </a:tr>
-              <a:tr h="397770">
-                <a:tc>
-                  <a:txBody>
-                    <a:bodyPr/>
-                    <a:lstStyle/>
-                    <a:p>
-                      <a:pPr>
-                        <a:lnSpc>
-                          <a:spcPct val="115000"/>
-                        </a:lnSpc>
-                        <a:spcAft>
-                          <a:spcPts val="0"/>
-                        </a:spcAft>
-                      </a:pPr>
-                      <a:r>
-                        <a:rPr lang="el-GR" sz="1200">
-                          <a:effectLst/>
-                          <a:latin typeface="+mn-lt"/>
-                          <a:ea typeface="Times New Roman" panose="02020603050405020304" pitchFamily="18" charset="0"/>
-                        </a:rPr>
-                        <a:t>Email</a:t>
-                      </a:r>
-                      <a:endParaRPr lang="en-US" sz="1200">
-                        <a:effectLst/>
-                        <a:latin typeface="+mn-lt"/>
-                        <a:ea typeface="Times New Roman" panose="02020603050405020304" pitchFamily="18" charset="0"/>
-                      </a:endParaRPr>
-                    </a:p>
-                  </a:txBody>
-                  <a:tcPr marL="68580" marR="68580" marT="0" marB="0"/>
-                </a:tc>
-                <a:tc>
-                  <a:txBody>
-                    <a:bodyPr/>
-                    <a:lstStyle/>
-                    <a:p>
-                      <a:pPr>
-                        <a:lnSpc>
-                          <a:spcPct val="115000"/>
-                        </a:lnSpc>
-                        <a:spcAft>
-                          <a:spcPts val="0"/>
-                        </a:spcAft>
-                      </a:pPr>
-                      <a:r>
-                        <a:rPr lang="el-GR" sz="1200">
+              <a:tr h="583506">
+                <a:tc>
+                  <a:txBody>
+                    <a:bodyPr/>
+                    <a:lstStyle/>
+                    <a:p>
+                      <a:pPr>
+                        <a:lnSpc>
+                          <a:spcPct val="115000"/>
+                        </a:lnSpc>
+                        <a:spcAft>
+                          <a:spcPts val="0"/>
+                        </a:spcAft>
+                      </a:pPr>
+                      <a:r>
+                        <a:rPr lang="en-US" sz="1200" dirty="0" err="1" smtClean="0">
+                          <a:effectLst/>
+                          <a:latin typeface="+mn-lt"/>
+                          <a:ea typeface="Times New Roman" panose="02020603050405020304" pitchFamily="18" charset="0"/>
+                        </a:rPr>
+                        <a:t>vehicleType</a:t>
+                      </a:r>
+                      <a:endParaRPr lang="en-US" sz="1200" dirty="0">
+                        <a:effectLst/>
+                        <a:latin typeface="+mn-lt"/>
+                        <a:ea typeface="Times New Roman" panose="02020603050405020304" pitchFamily="18" charset="0"/>
+                      </a:endParaRPr>
+                    </a:p>
+                  </a:txBody>
+                  <a:tcPr marL="68580" marR="68580" marT="0" marB="0"/>
+                </a:tc>
+                <a:tc>
+                  <a:txBody>
+                    <a:bodyPr/>
+                    <a:lstStyle/>
+                    <a:p>
+                      <a:pPr>
+                        <a:lnSpc>
+                          <a:spcPct val="115000"/>
+                        </a:lnSpc>
+                        <a:spcAft>
+                          <a:spcPts val="0"/>
+                        </a:spcAft>
+                      </a:pPr>
+                      <a:r>
+                        <a:rPr lang="en-US" sz="1200" dirty="0" smtClean="0">
                           <a:effectLst/>
                           <a:latin typeface="+mn-lt"/>
                           <a:ea typeface="Times New Roman" panose="02020603050405020304" pitchFamily="18" charset="0"/>
                         </a:rPr>
                         <a:t>VARCHAR</a:t>
                       </a:r>
-                      <a:endParaRPr lang="en-US" sz="1200">
-                        <a:effectLst/>
-                        <a:latin typeface="+mn-lt"/>
-                        <a:ea typeface="Times New Roman" panose="02020603050405020304" pitchFamily="18" charset="0"/>
-                      </a:endParaRPr>
-                    </a:p>
-                  </a:txBody>
-                  <a:tcPr marL="68580" marR="68580" marT="0" marB="0"/>
-                </a:tc>
-                <a:tc>
-                  <a:txBody>
-                    <a:bodyPr/>
-                    <a:lstStyle/>
-                    <a:p>
-                      <a:pPr>
-                        <a:lnSpc>
-                          <a:spcPct val="115000"/>
-                        </a:lnSpc>
-                        <a:spcAft>
-                          <a:spcPts val="0"/>
-                        </a:spcAft>
-                      </a:pPr>
-                      <a:r>
-                        <a:rPr lang="el-GR" sz="1200">
-                          <a:effectLst/>
-                          <a:latin typeface="+mn-lt"/>
-                          <a:ea typeface="Times New Roman" panose="02020603050405020304" pitchFamily="18" charset="0"/>
-                        </a:rPr>
-                        <a:t>Ηλεκτρονική διεύθυνση χρήστη.</a:t>
-                      </a:r>
-                      <a:endParaRPr lang="en-US" sz="1200">
+                      <a:endParaRPr lang="en-US" sz="1200" dirty="0">
+                        <a:effectLst/>
+                        <a:latin typeface="+mn-lt"/>
+                        <a:ea typeface="Times New Roman" panose="02020603050405020304" pitchFamily="18" charset="0"/>
+                      </a:endParaRPr>
+                    </a:p>
+                  </a:txBody>
+                  <a:tcPr marL="68580" marR="68580" marT="0" marB="0"/>
+                </a:tc>
+                <a:tc>
+                  <a:txBody>
+                    <a:bodyPr/>
+                    <a:lstStyle/>
+                    <a:p>
+                      <a:pPr>
+                        <a:lnSpc>
+                          <a:spcPct val="115000"/>
+                        </a:lnSpc>
+                        <a:spcAft>
+                          <a:spcPts val="0"/>
+                        </a:spcAft>
+                      </a:pPr>
+                      <a:endParaRPr lang="en-US" sz="1200" dirty="0">
                         <a:effectLst/>
                         <a:latin typeface="+mn-lt"/>
                         <a:ea typeface="Times New Roman" panose="02020603050405020304" pitchFamily="18" charset="0"/>
@@ -11137,93 +11449,85 @@
                 </a:tc>
                 <a:extLst>
                   <a:ext uri="{0D108BD9-81ED-4DB2-BD59-A6C34878D82A}">
-                    <a16:rowId xmlns:a16="http://schemas.microsoft.com/office/drawing/2014/main" val="1194164333"/>
+                    <a16:rowId xmlns:a16="http://schemas.microsoft.com/office/drawing/2014/main" val="2446017599"/>
                   </a:ext>
                 </a:extLst>
               </a:tr>
-              <a:tr h="397770">
-                <a:tc>
-                  <a:txBody>
-                    <a:bodyPr/>
-                    <a:lstStyle/>
-                    <a:p>
-                      <a:pPr>
-                        <a:lnSpc>
-                          <a:spcPct val="115000"/>
-                        </a:lnSpc>
-                        <a:spcAft>
-                          <a:spcPts val="0"/>
-                        </a:spcAft>
-                      </a:pPr>
-                      <a:r>
-                        <a:rPr lang="el-GR" sz="1200">
-                          <a:effectLst/>
-                          <a:latin typeface="+mn-lt"/>
-                          <a:ea typeface="Times New Roman" panose="02020603050405020304" pitchFamily="18" charset="0"/>
-                        </a:rPr>
-                        <a:t>RoleID</a:t>
-                      </a:r>
-                      <a:endParaRPr lang="en-US" sz="1200">
-                        <a:effectLst/>
-                        <a:latin typeface="+mn-lt"/>
-                        <a:ea typeface="Times New Roman" panose="02020603050405020304" pitchFamily="18" charset="0"/>
-                      </a:endParaRPr>
-                    </a:p>
-                  </a:txBody>
-                  <a:tcPr marL="68580" marR="68580" marT="0" marB="0"/>
-                </a:tc>
-                <a:tc>
-                  <a:txBody>
-                    <a:bodyPr/>
-                    <a:lstStyle/>
-                    <a:p>
-                      <a:pPr>
-                        <a:lnSpc>
-                          <a:spcPct val="115000"/>
-                        </a:lnSpc>
-                        <a:spcAft>
-                          <a:spcPts val="0"/>
-                        </a:spcAft>
-                      </a:pPr>
-                      <a:r>
-                        <a:rPr lang="el-GR" sz="1200">
-                          <a:effectLst/>
-                          <a:latin typeface="+mn-lt"/>
-                          <a:ea typeface="Times New Roman" panose="02020603050405020304" pitchFamily="18" charset="0"/>
-                        </a:rPr>
-                        <a:t>INT (FK)</a:t>
-                      </a:r>
-                      <a:endParaRPr lang="en-US" sz="1200">
-                        <a:effectLst/>
-                        <a:latin typeface="+mn-lt"/>
-                        <a:ea typeface="Times New Roman" panose="02020603050405020304" pitchFamily="18" charset="0"/>
-                      </a:endParaRPr>
-                    </a:p>
-                  </a:txBody>
-                  <a:tcPr marL="68580" marR="68580" marT="0" marB="0"/>
-                </a:tc>
-                <a:tc>
-                  <a:txBody>
-                    <a:bodyPr/>
-                    <a:lstStyle/>
-                    <a:p>
-                      <a:pPr>
-                        <a:lnSpc>
-                          <a:spcPct val="115000"/>
-                        </a:lnSpc>
-                        <a:spcAft>
-                          <a:spcPts val="0"/>
-                        </a:spcAft>
-                      </a:pPr>
-                      <a:r>
-                        <a:rPr lang="el-GR" sz="1200">
-                          <a:effectLst/>
-                          <a:latin typeface="+mn-lt"/>
-                          <a:ea typeface="Times New Roman" panose="02020603050405020304" pitchFamily="18" charset="0"/>
-                        </a:rPr>
-                        <a:t>Ρόλος χρήστη (συσχετίζεται με τον πίνακα User Role).</a:t>
-                      </a:r>
-                      <a:endParaRPr lang="en-US" sz="1200">
+              <a:tr h="583506">
+                <a:tc>
+                  <a:txBody>
+                    <a:bodyPr/>
+                    <a:lstStyle/>
+                    <a:p>
+                      <a:pPr>
+                        <a:lnSpc>
+                          <a:spcPct val="115000"/>
+                        </a:lnSpc>
+                        <a:spcAft>
+                          <a:spcPts val="0"/>
+                        </a:spcAft>
+                      </a:pPr>
+                      <a:r>
+                        <a:rPr lang="en-US" sz="1200" dirty="0" err="1" smtClean="0">
+                          <a:effectLst/>
+                          <a:latin typeface="+mn-lt"/>
+                          <a:ea typeface="Times New Roman" panose="02020603050405020304" pitchFamily="18" charset="0"/>
+                        </a:rPr>
+                        <a:t>createdAt</a:t>
+                      </a:r>
+                      <a:endParaRPr lang="en-US" sz="1200" dirty="0">
+                        <a:effectLst/>
+                        <a:latin typeface="+mn-lt"/>
+                        <a:ea typeface="Times New Roman" panose="02020603050405020304" pitchFamily="18" charset="0"/>
+                      </a:endParaRPr>
+                    </a:p>
+                  </a:txBody>
+                  <a:tcPr marL="68580" marR="68580" marT="0" marB="0"/>
+                </a:tc>
+                <a:tc>
+                  <a:txBody>
+                    <a:bodyPr/>
+                    <a:lstStyle/>
+                    <a:p>
+                      <a:pPr>
+                        <a:lnSpc>
+                          <a:spcPct val="115000"/>
+                        </a:lnSpc>
+                        <a:spcAft>
+                          <a:spcPts val="0"/>
+                        </a:spcAft>
+                      </a:pPr>
+                      <a:r>
+                        <a:rPr lang="en-US" sz="1200" dirty="0" smtClean="0">
+                          <a:effectLst/>
+                          <a:latin typeface="+mn-lt"/>
+                          <a:ea typeface="Times New Roman" panose="02020603050405020304" pitchFamily="18" charset="0"/>
+                        </a:rPr>
+                        <a:t>TIMESTAMP</a:t>
+                      </a:r>
+                      <a:endParaRPr lang="en-US" sz="1200" dirty="0">
+                        <a:effectLst/>
+                        <a:latin typeface="+mn-lt"/>
+                        <a:ea typeface="Times New Roman" panose="02020603050405020304" pitchFamily="18" charset="0"/>
+                      </a:endParaRPr>
+                    </a:p>
+                  </a:txBody>
+                  <a:tcPr marL="68580" marR="68580" marT="0" marB="0"/>
+                </a:tc>
+                <a:tc>
+                  <a:txBody>
+                    <a:bodyPr/>
+                    <a:lstStyle/>
+                    <a:p>
+                      <a:pPr>
+                        <a:lnSpc>
+                          <a:spcPct val="115000"/>
+                        </a:lnSpc>
+                        <a:spcAft>
+                          <a:spcPts val="0"/>
+                        </a:spcAft>
+                      </a:pPr>
+                      <a:endParaRPr lang="en-US" sz="1200" dirty="0">
                         <a:effectLst/>
                         <a:latin typeface="+mn-lt"/>
                         <a:ea typeface="Times New Roman" panose="02020603050405020304" pitchFamily="18" charset="0"/>
@@ -11234,201 +11538,7 @@
                 </a:tc>
                 <a:extLst>
                   <a:ext uri="{0D108BD9-81ED-4DB2-BD59-A6C34878D82A}">
-                    <a16:rowId xmlns:a16="http://schemas.microsoft.com/office/drawing/2014/main" val="894821631"/>
-                  </a:ext>
-                </a:extLst>
-              </a:tr>
-              <a:tr h="397770">
-                <a:tc>
-                  <a:txBody>
-                    <a:bodyPr/>
-                    <a:lstStyle/>
-                    <a:p>
-                      <a:pPr>
-                        <a:lnSpc>
-                          <a:spcPct val="115000"/>
-                        </a:lnSpc>
-                        <a:spcAft>
-                          <a:spcPts val="0"/>
-                        </a:spcAft>
-                      </a:pPr>
-                      <a:r>
-                        <a:rPr lang="el-GR" sz="1200">
-                          <a:effectLst/>
-                          <a:latin typeface="+mn-lt"/>
-                          <a:ea typeface="Times New Roman" panose="02020603050405020304" pitchFamily="18" charset="0"/>
-                        </a:rPr>
-                        <a:t>CreatedAt</a:t>
-                      </a:r>
-                      <a:endParaRPr lang="en-US" sz="1200">
-                        <a:effectLst/>
-                        <a:latin typeface="+mn-lt"/>
-                        <a:ea typeface="Times New Roman" panose="02020603050405020304" pitchFamily="18" charset="0"/>
-                      </a:endParaRPr>
-                    </a:p>
-                  </a:txBody>
-                  <a:tcPr marL="68580" marR="68580" marT="0" marB="0"/>
-                </a:tc>
-                <a:tc>
-                  <a:txBody>
-                    <a:bodyPr/>
-                    <a:lstStyle/>
-                    <a:p>
-                      <a:pPr>
-                        <a:lnSpc>
-                          <a:spcPct val="115000"/>
-                        </a:lnSpc>
-                        <a:spcAft>
-                          <a:spcPts val="0"/>
-                        </a:spcAft>
-                      </a:pPr>
-                      <a:r>
-                        <a:rPr lang="el-GR" sz="1200">
-                          <a:effectLst/>
-                          <a:latin typeface="+mn-lt"/>
-                          <a:ea typeface="Times New Roman" panose="02020603050405020304" pitchFamily="18" charset="0"/>
-                        </a:rPr>
-                        <a:t>DATETIME</a:t>
-                      </a:r>
-                      <a:endParaRPr lang="en-US" sz="1200">
-                        <a:effectLst/>
-                        <a:latin typeface="+mn-lt"/>
-                        <a:ea typeface="Times New Roman" panose="02020603050405020304" pitchFamily="18" charset="0"/>
-                      </a:endParaRPr>
-                    </a:p>
-                  </a:txBody>
-                  <a:tcPr marL="68580" marR="68580" marT="0" marB="0"/>
-                </a:tc>
-                <a:tc>
-                  <a:txBody>
-                    <a:bodyPr/>
-                    <a:lstStyle/>
-                    <a:p>
-                      <a:pPr>
-                        <a:lnSpc>
-                          <a:spcPct val="115000"/>
-                        </a:lnSpc>
-                        <a:spcAft>
-                          <a:spcPts val="0"/>
-                        </a:spcAft>
-                      </a:pPr>
-                      <a:r>
-                        <a:rPr lang="el-GR" sz="1200">
-                          <a:effectLst/>
-                          <a:latin typeface="+mn-lt"/>
-                          <a:ea typeface="Times New Roman" panose="02020603050405020304" pitchFamily="18" charset="0"/>
-                        </a:rPr>
-                        <a:t>Ημερομηνία δημιουργίας του λογαριασμού.</a:t>
-                      </a:r>
-                      <a:endParaRPr lang="en-US" sz="1200">
-                        <a:effectLst/>
-                        <a:latin typeface="+mn-lt"/>
-                        <a:ea typeface="Times New Roman" panose="02020603050405020304" pitchFamily="18" charset="0"/>
-                      </a:endParaRPr>
-                    </a:p>
-                  </a:txBody>
-                  <a:tcPr marL="68580" marR="68580" marT="0" marB="0"/>
-                </a:tc>
-                <a:extLst>
-                  <a:ext uri="{0D108BD9-81ED-4DB2-BD59-A6C34878D82A}">
-                    <a16:rowId xmlns:a16="http://schemas.microsoft.com/office/drawing/2014/main" val="2939606470"/>
-                  </a:ext>
-                </a:extLst>
-              </a:tr>
-              <a:tr h="397770">
-                <a:tc>
-                  <a:txBody>
-                    <a:bodyPr/>
-                    <a:lstStyle/>
-                    <a:p>
-                      <a:pPr>
-                        <a:lnSpc>
-                          <a:spcPct val="115000"/>
-                        </a:lnSpc>
-                        <a:spcAft>
-                          <a:spcPts val="0"/>
-                        </a:spcAft>
-                      </a:pPr>
-                      <a:r>
-                        <a:rPr lang="el-GR" sz="1200">
-                          <a:effectLst/>
-                          <a:latin typeface="+mn-lt"/>
-                          <a:ea typeface="Times New Roman" panose="02020603050405020304" pitchFamily="18" charset="0"/>
-                        </a:rPr>
-                        <a:t>LastLogin</a:t>
-                      </a:r>
-                      <a:endParaRPr lang="en-US" sz="1200">
-                        <a:effectLst/>
-                        <a:latin typeface="+mn-lt"/>
-                        <a:ea typeface="Times New Roman" panose="02020603050405020304" pitchFamily="18" charset="0"/>
-                      </a:endParaRPr>
-                    </a:p>
-                  </a:txBody>
-                  <a:tcPr marL="68580" marR="68580" marT="0" marB="0"/>
-                </a:tc>
-                <a:tc>
-                  <a:txBody>
-                    <a:bodyPr/>
-                    <a:lstStyle/>
-                    <a:p>
-                      <a:pPr>
-                        <a:lnSpc>
-                          <a:spcPct val="115000"/>
-                        </a:lnSpc>
-                        <a:spcAft>
-                          <a:spcPts val="0"/>
-                        </a:spcAft>
-                      </a:pPr>
-                      <a:r>
-                        <a:rPr lang="el-GR" sz="1200">
-                          <a:effectLst/>
-                          <a:latin typeface="+mn-lt"/>
-                          <a:ea typeface="Times New Roman" panose="02020603050405020304" pitchFamily="18" charset="0"/>
-                        </a:rPr>
-                        <a:t>DATETIME</a:t>
-                      </a:r>
-                      <a:endParaRPr lang="en-US" sz="1200">
-                        <a:effectLst/>
-                        <a:latin typeface="+mn-lt"/>
-                        <a:ea typeface="Times New Roman" panose="02020603050405020304" pitchFamily="18" charset="0"/>
-                      </a:endParaRPr>
-                    </a:p>
-                  </a:txBody>
-                  <a:tcPr marL="68580" marR="68580" marT="0" marB="0"/>
-                </a:tc>
-                <a:tc>
-                  <a:txBody>
-                    <a:bodyPr/>
-                    <a:lstStyle/>
-                    <a:p>
-                      <a:pPr>
-                        <a:lnSpc>
-                          <a:spcPct val="115000"/>
-                        </a:lnSpc>
-                        <a:spcAft>
-                          <a:spcPts val="0"/>
-                        </a:spcAft>
-                      </a:pPr>
-                      <a:r>
-                        <a:rPr lang="el-GR" sz="1200" dirty="0">
-                          <a:effectLst/>
-                          <a:latin typeface="+mn-lt"/>
-                          <a:ea typeface="Times New Roman" panose="02020603050405020304" pitchFamily="18" charset="0"/>
-                        </a:rPr>
-                        <a:t>Τελευταία είσοδος του χρήστη.</a:t>
-                      </a:r>
-                      <a:endParaRPr lang="en-US" sz="1200" dirty="0">
-                        <a:effectLst/>
-                        <a:latin typeface="+mn-lt"/>
-                        <a:ea typeface="Times New Roman" panose="02020603050405020304" pitchFamily="18" charset="0"/>
-                      </a:endParaRPr>
-                    </a:p>
-                  </a:txBody>
-                  <a:tcPr marL="68580" marR="68580" marT="0" marB="0"/>
-                </a:tc>
-                <a:extLst>
-                  <a:ext uri="{0D108BD9-81ED-4DB2-BD59-A6C34878D82A}">
-                    <a16:rowId xmlns:a16="http://schemas.microsoft.com/office/drawing/2014/main" val="1188347231"/>
+                    <a16:rowId xmlns:a16="http://schemas.microsoft.com/office/drawing/2014/main" val="811632791"/>
                   </a:ext>
                 </a:extLst>
               </a:tr>
@@ -11439,7 +11549,7 @@
     </p:spTree>
     <p:extLst>
       <p:ext uri="{BB962C8B-B14F-4D97-AF65-F5344CB8AC3E}">
-        <p14:creationId xmlns:p14="http://schemas.microsoft.com/office/powerpoint/2010/main" val="394918292"/>
+        <p14:creationId xmlns:p14="http://schemas.microsoft.com/office/powerpoint/2010/main" val="3889091727"/>
       </p:ext>
     </p:extLst>
   </p:cSld>
@@ -11527,15 +11637,15 @@
           <a:p>
             <a:r>
               <a:rPr lang="en-US" b="1" dirty="0" smtClean="0"/>
-              <a:t>User Log (</a:t>
-            </a:r>
-            <a:r>
-              <a:rPr lang="el-GR" b="1" dirty="0"/>
-              <a:t>Καταγραφή Δραστηριοτήτων Χρήστη</a:t>
+              <a:t>Real-Time Synchronization </a:t>
+            </a:r>
+            <a:r>
+              <a:rPr lang="en-US" b="1" dirty="0" smtClean="0"/>
+              <a:t>(</a:t>
             </a:r>
             <a:r>
               <a:rPr lang="el-GR" b="1" dirty="0" smtClean="0"/>
-              <a:t>)</a:t>
+              <a:t>Συγχρονισμός Κυκλοφορίας)</a:t>
             </a:r>
             <a:endParaRPr lang="en-US" b="1" dirty="0" smtClean="0"/>
           </a:p>
@@ -11601,12 +11711,9 @@
             </a:r>
             <a:r>
               <a:rPr lang="el-GR" sz="1400" dirty="0"/>
-              <a:t>Χρησιμοποιείται για </a:t>
-            </a:r>
-            <a:r>
-              <a:rPr lang="el-GR" sz="1400" dirty="0" smtClean="0"/>
-              <a:t>τον έλεγχο ενεργειών των χρηστών του συστήματος.</a:t>
-            </a:r>
+              <a:t>Ρυθμίζει τον συγχρονισμό φωτεινής σηματοδότησης.</a:t>
+            </a:r>
+            <a:endParaRPr lang="el-GR" sz="1400" dirty="0" smtClean="0"/>
           </a:p>
         </p:txBody>
       </p:sp>
@@ -11619,14 +11726,14 @@
           <p:nvPr>
             <p:extLst>
               <p:ext uri="{D42A27DB-BD31-4B8C-83A1-F6EECF244321}">
-                <p14:modId xmlns:p14="http://schemas.microsoft.com/office/powerpoint/2010/main" val="3222343761"/>
+                <p14:modId xmlns:p14="http://schemas.microsoft.com/office/powerpoint/2010/main" val="1113274701"/>
               </p:ext>
             </p:extLst>
           </p:nvPr>
         </p:nvGraphicFramePr>
         <p:xfrm>
-          <a:off x="838199" y="2314140"/>
-          <a:ext cx="8626644" cy="3156217"/>
+          <a:off x="838199" y="2314143"/>
+          <a:ext cx="8931444" cy="3188299"/>
         </p:xfrm>
         <a:graphic>
           <a:graphicData uri="http://schemas.openxmlformats.org/drawingml/2006/table">
@@ -11635,21 +11742,21 @@
                 <a:tableStyleId>{5C22544A-7EE6-4342-B048-85BDC9FD1C3A}</a:tableStyleId>
               </a:tblPr>
               <a:tblGrid>
-                <a:gridCol w="2923654">
+                <a:gridCol w="2977148">
                   <a:extLst>
                     <a:ext uri="{9D8B030D-6E8A-4147-A177-3AD203B41FA5}">
                       <a16:colId xmlns:a16="http://schemas.microsoft.com/office/drawing/2014/main" val="4164896431"/>
                     </a:ext>
                   </a:extLst>
                 </a:gridCol>
-                <a:gridCol w="2923654">
+                <a:gridCol w="2977148">
                   <a:extLst>
                     <a:ext uri="{9D8B030D-6E8A-4147-A177-3AD203B41FA5}">
                       <a16:colId xmlns:a16="http://schemas.microsoft.com/office/drawing/2014/main" val="3327479852"/>
                     </a:ext>
                   </a:extLst>
                 </a:gridCol>
-                <a:gridCol w="2779336">
+                <a:gridCol w="2977148">
                   <a:extLst>
                     <a:ext uri="{9D8B030D-6E8A-4147-A177-3AD203B41FA5}">
                       <a16:colId xmlns:a16="http://schemas.microsoft.com/office/drawing/2014/main" val="2796069663"/>
@@ -11657,7 +11764,7 @@
                   </a:extLst>
                 </a:gridCol>
               </a:tblGrid>
-              <a:tr h="376560">
+              <a:tr h="364069">
                 <a:tc>
                   <a:txBody>
                     <a:bodyPr/>
@@ -11754,27 +11861,27 @@
                   </a:ext>
                 </a:extLst>
               </a:tr>
-              <a:tr h="486853">
-                <a:tc>
-                  <a:txBody>
-                    <a:bodyPr/>
-                    <a:lstStyle/>
-                    <a:p>
-                      <a:pPr>
-                        <a:lnSpc>
-                          <a:spcPct val="115000"/>
-                        </a:lnSpc>
-                        <a:spcAft>
-                          <a:spcPts val="0"/>
-                        </a:spcAft>
-                      </a:pPr>
-                      <a:r>
-                        <a:rPr lang="el-GR" sz="1200" dirty="0">
-                          <a:effectLst/>
-                          <a:latin typeface="+mn-lt"/>
-                          <a:ea typeface="Times New Roman" panose="02020603050405020304" pitchFamily="18" charset="0"/>
-                        </a:rPr>
-                        <a:t>LogID</a:t>
+              <a:tr h="470705">
+                <a:tc>
+                  <a:txBody>
+                    <a:bodyPr/>
+                    <a:lstStyle/>
+                    <a:p>
+                      <a:pPr>
+                        <a:lnSpc>
+                          <a:spcPct val="115000"/>
+                        </a:lnSpc>
+                        <a:spcAft>
+                          <a:spcPts val="0"/>
+                        </a:spcAft>
+                      </a:pPr>
+                      <a:r>
+                        <a:rPr lang="en-US" sz="1200" dirty="0" err="1" smtClean="0">
+                          <a:effectLst/>
+                          <a:latin typeface="+mn-lt"/>
+                          <a:ea typeface="Times New Roman" panose="02020603050405020304" pitchFamily="18" charset="0"/>
+                        </a:rPr>
+                        <a:t>syncId</a:t>
                       </a:r>
                       <a:endParaRPr lang="en-US" sz="1200" dirty="0">
                         <a:effectLst/>
@@ -11834,7 +11941,7 @@
                           <a:latin typeface="+mn-lt"/>
                           <a:ea typeface="Times New Roman" panose="02020603050405020304" pitchFamily="18" charset="0"/>
                         </a:rPr>
-                        <a:t>Αναγνωριστικό καταγραφής.</a:t>
+                        <a:t>Αναγνωριστικό συγχρονισμού.</a:t>
                       </a:r>
                       <a:endParaRPr lang="en-US" sz="1200">
                         <a:effectLst/>
@@ -11851,7 +11958,67 @@
                   </a:ext>
                 </a:extLst>
               </a:tr>
-              <a:tr h="486853">
+              <a:tr h="470705">
+                <a:tc>
+                  <a:txBody>
+                    <a:bodyPr/>
+                    <a:lstStyle/>
+                    <a:p>
+                      <a:pPr>
+                        <a:lnSpc>
+                          <a:spcPct val="115000"/>
+                        </a:lnSpc>
+                        <a:spcAft>
+                          <a:spcPts val="0"/>
+                        </a:spcAft>
+                      </a:pPr>
+                      <a:r>
+                        <a:rPr lang="en-US" sz="1200" dirty="0" err="1" smtClean="0">
+                          <a:effectLst/>
+                          <a:latin typeface="+mn-lt"/>
+                          <a:ea typeface="Times New Roman" panose="02020603050405020304" pitchFamily="18" charset="0"/>
+                        </a:rPr>
+                        <a:t>createdAt</a:t>
+                      </a:r>
+                      <a:endParaRPr lang="en-US" sz="1200" dirty="0">
+                        <a:effectLst/>
+                        <a:latin typeface="+mn-lt"/>
+                        <a:ea typeface="Times New Roman" panose="02020603050405020304" pitchFamily="18" charset="0"/>
+                      </a:endParaRPr>
+                    </a:p>
+                  </a:txBody>
+                  <a:tcPr marL="68580" marR="68580" marT="0" marB="0"/>
+                </a:tc>
+                <a:tc>
+                  <a:txBody>
+                    <a:bodyPr/>
+                    <a:lstStyle/>
+                    <a:p>
+                      <a:pPr>
+                        <a:lnSpc>
+                          <a:spcPct val="115000"/>
+                        </a:lnSpc>
+                        <a:spcAft>
+                          <a:spcPts val="0"/>
+                        </a:spcAft>
+                      </a:pPr>
+                      <a:r>
+                        <a:rPr lang="en-US" sz="1200" dirty="0" smtClean="0">
+                          <a:effectLst/>
+                          <a:latin typeface="+mn-lt"/>
+                          <a:ea typeface="Times New Roman" panose="02020603050405020304" pitchFamily="18" charset="0"/>
+                        </a:rPr>
+                        <a:t>TIMESTAMP</a:t>
+                      </a:r>
+                      <a:endParaRPr lang="en-US" sz="1200" dirty="0">
+                        <a:effectLst/>
+                        <a:latin typeface="+mn-lt"/>
+                        <a:ea typeface="Times New Roman" panose="02020603050405020304" pitchFamily="18" charset="0"/>
+                      </a:endParaRPr>
+                    </a:p>
+                  </a:txBody>
+                  <a:tcPr marL="68580" marR="68580" marT="0" marB="0"/>
+                </a:tc>
                 <a:tc>
                   <a:txBody>
                     <a:bodyPr/>
@@ -11871,67 +12038,7 @@
                           <a:latin typeface="+mn-lt"/>
                           <a:ea typeface="Times New Roman" panose="02020603050405020304" pitchFamily="18" charset="0"/>
                         </a:rPr>
-                        <a:t>UserID</a:t>
-                      </a:r>
-                      <a:endParaRPr lang="en-US" sz="1200">
-                        <a:effectLst/>
-                        <a:latin typeface="+mn-lt"/>
-                        <a:ea typeface="Times New Roman" panose="02020603050405020304" pitchFamily="18" charset="0"/>
-                      </a:endParaRPr>
-                    </a:p>
-                  </a:txBody>
-                  <a:tcPr marL="68580" marR="68580" marT="0" marB="0"/>
-                </a:tc>
-                <a:tc>
-                  <a:txBody>
-                    <a:bodyPr/>
-                    <a:lstStyle/>
-                    <a:p>
-                      <a:pPr>
-                        <a:lnSpc>
-                          <a:spcPct val="115000"/>
-                        </a:lnSpc>
-                        <a:spcAft>
-                          <a:spcPts val="0"/>
-                        </a:spcAft>
-                      </a:pPr>
-                      <a:r>
-                        <a:rPr lang="el-GR" sz="1200">
-                          <a:effectLst/>
-                          <a:latin typeface="+mn-lt"/>
-                          <a:ea typeface="Times New Roman" panose="02020603050405020304" pitchFamily="18" charset="0"/>
-                        </a:rPr>
-                        <a:t>INT (FK)</a:t>
-                      </a:r>
-                      <a:endParaRPr lang="en-US" sz="1200">
-                        <a:effectLst/>
-                        <a:latin typeface="+mn-lt"/>
-                        <a:ea typeface="Times New Roman" panose="02020603050405020304" pitchFamily="18" charset="0"/>
-                      </a:endParaRPr>
-                    </a:p>
-                  </a:txBody>
-                  <a:tcPr marL="68580" marR="68580" marT="0" marB="0"/>
-                </a:tc>
-                <a:tc>
-                  <a:txBody>
-                    <a:bodyPr/>
-                    <a:lstStyle/>
-                    <a:p>
-                      <a:pPr>
-                        <a:lnSpc>
-                          <a:spcPct val="115000"/>
-                        </a:lnSpc>
-                        <a:spcAft>
-                          <a:spcPts val="0"/>
-                        </a:spcAft>
-                      </a:pPr>
-                      <a:r>
-                        <a:rPr lang="el-GR" sz="1200">
-                          <a:effectLst/>
-                          <a:latin typeface="+mn-lt"/>
-                          <a:ea typeface="Times New Roman" panose="02020603050405020304" pitchFamily="18" charset="0"/>
-                        </a:rPr>
-                        <a:t>Ο χρήστης που πραγματοποίησε την ενέργεια.</a:t>
+                        <a:t>Χρονική σήμανση.</a:t>
                       </a:r>
                       <a:endParaRPr lang="en-US" sz="1200">
                         <a:effectLst/>
@@ -11948,89 +12055,97 @@
                   </a:ext>
                 </a:extLst>
               </a:tr>
-              <a:tr h="486853">
-                <a:tc>
-                  <a:txBody>
-                    <a:bodyPr/>
-                    <a:lstStyle/>
-                    <a:p>
-                      <a:pPr>
-                        <a:lnSpc>
-                          <a:spcPct val="115000"/>
-                        </a:lnSpc>
-                        <a:spcAft>
-                          <a:spcPts val="0"/>
-                        </a:spcAft>
-                      </a:pPr>
-                      <a:r>
-                        <a:rPr lang="el-GR" sz="1200">
-                          <a:effectLst/>
-                          <a:latin typeface="+mn-lt"/>
-                          <a:ea typeface="Times New Roman" panose="02020603050405020304" pitchFamily="18" charset="0"/>
-                        </a:rPr>
-                        <a:t>RoleID</a:t>
-                      </a:r>
-                      <a:endParaRPr lang="en-US" sz="1200">
-                        <a:effectLst/>
-                        <a:latin typeface="+mn-lt"/>
-                        <a:ea typeface="Times New Roman" panose="02020603050405020304" pitchFamily="18" charset="0"/>
-                      </a:endParaRPr>
-                    </a:p>
-                  </a:txBody>
-                  <a:tcPr marL="68580" marR="68580" marT="0" marB="0"/>
-                </a:tc>
-                <a:tc>
-                  <a:txBody>
-                    <a:bodyPr/>
-                    <a:lstStyle/>
-                    <a:p>
-                      <a:pPr>
-                        <a:lnSpc>
-                          <a:spcPct val="115000"/>
-                        </a:lnSpc>
-                        <a:spcAft>
-                          <a:spcPts val="0"/>
-                        </a:spcAft>
-                      </a:pPr>
-                      <a:r>
-                        <a:rPr lang="el-GR" sz="1200">
-                          <a:effectLst/>
-                          <a:latin typeface="+mn-lt"/>
-                          <a:ea typeface="Times New Roman" panose="02020603050405020304" pitchFamily="18" charset="0"/>
-                        </a:rPr>
-                        <a:t>INT (FK)</a:t>
-                      </a:r>
-                      <a:endParaRPr lang="en-US" sz="1200">
-                        <a:effectLst/>
-                        <a:latin typeface="+mn-lt"/>
-                        <a:ea typeface="Times New Roman" panose="02020603050405020304" pitchFamily="18" charset="0"/>
-                      </a:endParaRPr>
-                    </a:p>
-                  </a:txBody>
-                  <a:tcPr marL="68580" marR="68580" marT="0" marB="0"/>
-                </a:tc>
-                <a:tc>
-                  <a:txBody>
-                    <a:bodyPr/>
-                    <a:lstStyle/>
-                    <a:p>
-                      <a:pPr>
-                        <a:lnSpc>
-                          <a:spcPct val="115000"/>
-                        </a:lnSpc>
-                        <a:spcAft>
-                          <a:spcPts val="0"/>
-                        </a:spcAft>
-                      </a:pPr>
-                      <a:r>
-                        <a:rPr lang="el-GR" sz="1200">
-                          <a:effectLst/>
-                          <a:latin typeface="+mn-lt"/>
-                          <a:ea typeface="Times New Roman" panose="02020603050405020304" pitchFamily="18" charset="0"/>
-                        </a:rPr>
-                        <a:t>Ο ρόλος του χρήστη εκείνη τη στιγμή.</a:t>
-                      </a:r>
-                      <a:endParaRPr lang="en-US" sz="1200">
+              <a:tr h="470705">
+                <a:tc>
+                  <a:txBody>
+                    <a:bodyPr/>
+                    <a:lstStyle/>
+                    <a:p>
+                      <a:pPr>
+                        <a:lnSpc>
+                          <a:spcPct val="115000"/>
+                        </a:lnSpc>
+                        <a:spcAft>
+                          <a:spcPts val="0"/>
+                        </a:spcAft>
+                      </a:pPr>
+                      <a:r>
+                        <a:rPr lang="en-US" sz="1200" dirty="0" err="1" smtClean="0">
+                          <a:effectLst/>
+                          <a:latin typeface="+mn-lt"/>
+                          <a:ea typeface="Times New Roman" panose="02020603050405020304" pitchFamily="18" charset="0"/>
+                        </a:rPr>
+                        <a:t>updatedAt</a:t>
+                      </a:r>
+                      <a:endParaRPr lang="en-US" sz="1200" dirty="0">
+                        <a:effectLst/>
+                        <a:latin typeface="+mn-lt"/>
+                        <a:ea typeface="Times New Roman" panose="02020603050405020304" pitchFamily="18" charset="0"/>
+                      </a:endParaRPr>
+                    </a:p>
+                  </a:txBody>
+                  <a:tcPr marL="68580" marR="68580" marT="0" marB="0"/>
+                </a:tc>
+                <a:tc>
+                  <a:txBody>
+                    <a:bodyPr/>
+                    <a:lstStyle/>
+                    <a:p>
+                      <a:pPr>
+                        <a:lnSpc>
+                          <a:spcPct val="115000"/>
+                        </a:lnSpc>
+                        <a:spcAft>
+                          <a:spcPts val="0"/>
+                        </a:spcAft>
+                      </a:pPr>
+                      <a:r>
+                        <a:rPr lang="el-GR" sz="1200" dirty="0" smtClean="0">
+                          <a:effectLst/>
+                          <a:latin typeface="+mn-lt"/>
+                          <a:ea typeface="Times New Roman" panose="02020603050405020304" pitchFamily="18" charset="0"/>
+                        </a:rPr>
+                        <a:t>T</a:t>
+                      </a:r>
+                      <a:r>
+                        <a:rPr lang="en-US" sz="1200" dirty="0" smtClean="0">
+                          <a:effectLst/>
+                          <a:latin typeface="+mn-lt"/>
+                          <a:ea typeface="Times New Roman" panose="02020603050405020304" pitchFamily="18" charset="0"/>
+                        </a:rPr>
+                        <a:t>IMESTAMP</a:t>
+                      </a:r>
+                      <a:endParaRPr lang="en-US" sz="1200" dirty="0">
+                        <a:effectLst/>
+                        <a:latin typeface="+mn-lt"/>
+                        <a:ea typeface="Times New Roman" panose="02020603050405020304" pitchFamily="18" charset="0"/>
+                      </a:endParaRPr>
+                    </a:p>
+                  </a:txBody>
+                  <a:tcPr marL="68580" marR="68580" marT="0" marB="0"/>
+                </a:tc>
+                <a:tc>
+                  <a:txBody>
+                    <a:bodyPr/>
+                    <a:lstStyle/>
+                    <a:p>
+                      <a:pPr>
+                        <a:lnSpc>
+                          <a:spcPct val="115000"/>
+                        </a:lnSpc>
+                        <a:spcAft>
+                          <a:spcPts val="0"/>
+                        </a:spcAft>
+                      </a:pPr>
+                      <a:r>
+                        <a:rPr lang="el-GR" sz="1200" dirty="0">
+                          <a:effectLst/>
+                          <a:latin typeface="+mn-lt"/>
+                          <a:ea typeface="Times New Roman" panose="02020603050405020304" pitchFamily="18" charset="0"/>
+                        </a:rPr>
+                        <a:t>Συνδεδεμένες διασταυρώσεις.</a:t>
+                      </a:r>
+                      <a:endParaRPr lang="en-US" sz="1200" dirty="0">
                         <a:effectLst/>
                         <a:latin typeface="+mn-lt"/>
                         <a:ea typeface="Times New Roman" panose="02020603050405020304" pitchFamily="18" charset="0"/>
@@ -12045,89 +12160,81 @@
                   </a:ext>
                 </a:extLst>
               </a:tr>
-              <a:tr h="486853">
-                <a:tc>
-                  <a:txBody>
-                    <a:bodyPr/>
-                    <a:lstStyle/>
-                    <a:p>
-                      <a:pPr>
-                        <a:lnSpc>
-                          <a:spcPct val="115000"/>
-                        </a:lnSpc>
-                        <a:spcAft>
-                          <a:spcPts val="0"/>
-                        </a:spcAft>
-                      </a:pPr>
-                      <a:r>
-                        <a:rPr lang="el-GR" sz="1200">
-                          <a:effectLst/>
-                          <a:latin typeface="+mn-lt"/>
-                          <a:ea typeface="Times New Roman" panose="02020603050405020304" pitchFamily="18" charset="0"/>
-                        </a:rPr>
-                        <a:t>ActionType</a:t>
-                      </a:r>
-                      <a:endParaRPr lang="en-US" sz="1200">
-                        <a:effectLst/>
-                        <a:latin typeface="+mn-lt"/>
-                        <a:ea typeface="Times New Roman" panose="02020603050405020304" pitchFamily="18" charset="0"/>
-                      </a:endParaRPr>
-                    </a:p>
-                  </a:txBody>
-                  <a:tcPr marL="68580" marR="68580" marT="0" marB="0"/>
-                </a:tc>
-                <a:tc>
-                  <a:txBody>
-                    <a:bodyPr/>
-                    <a:lstStyle/>
-                    <a:p>
-                      <a:pPr>
-                        <a:lnSpc>
-                          <a:spcPct val="115000"/>
-                        </a:lnSpc>
-                        <a:spcAft>
-                          <a:spcPts val="0"/>
-                        </a:spcAft>
-                      </a:pPr>
-                      <a:r>
-                        <a:rPr lang="el-GR" sz="1200">
-                          <a:effectLst/>
-                          <a:latin typeface="+mn-lt"/>
-                          <a:ea typeface="Times New Roman" panose="02020603050405020304" pitchFamily="18" charset="0"/>
-                        </a:rPr>
-                        <a:t>TEXT</a:t>
-                      </a:r>
-                      <a:endParaRPr lang="en-US" sz="1200">
-                        <a:effectLst/>
-                        <a:latin typeface="+mn-lt"/>
-                        <a:ea typeface="Times New Roman" panose="02020603050405020304" pitchFamily="18" charset="0"/>
-                      </a:endParaRPr>
-                    </a:p>
-                  </a:txBody>
-                  <a:tcPr marL="68580" marR="68580" marT="0" marB="0"/>
-                </a:tc>
-                <a:tc>
-                  <a:txBody>
-                    <a:bodyPr/>
-                    <a:lstStyle/>
-                    <a:p>
-                      <a:pPr>
-                        <a:lnSpc>
-                          <a:spcPct val="115000"/>
-                        </a:lnSpc>
-                        <a:spcAft>
-                          <a:spcPts val="0"/>
-                        </a:spcAft>
-                      </a:pPr>
-                      <a:r>
-                        <a:rPr lang="el-GR" sz="1200">
-                          <a:effectLst/>
-                          <a:latin typeface="+mn-lt"/>
-                          <a:ea typeface="Times New Roman" panose="02020603050405020304" pitchFamily="18" charset="0"/>
-                        </a:rPr>
-                        <a:t>Περιγραφή της ενέργειας (π.χ., "Αλλαγή διάρκειας πράσινου φαναριού").</a:t>
-                      </a:r>
-                      <a:endParaRPr lang="en-US" sz="1200">
+              <a:tr h="470705">
+                <a:tc>
+                  <a:txBody>
+                    <a:bodyPr/>
+                    <a:lstStyle/>
+                    <a:p>
+                      <a:pPr>
+                        <a:lnSpc>
+                          <a:spcPct val="115000"/>
+                        </a:lnSpc>
+                        <a:spcAft>
+                          <a:spcPts val="0"/>
+                        </a:spcAft>
+                      </a:pPr>
+                      <a:r>
+                        <a:rPr lang="en-US" sz="1200" dirty="0" smtClean="0">
+                          <a:effectLst/>
+                          <a:latin typeface="+mn-lt"/>
+                          <a:ea typeface="Times New Roman" panose="02020603050405020304" pitchFamily="18" charset="0"/>
+                        </a:rPr>
+                        <a:t>light1Id</a:t>
+                      </a:r>
+                      <a:endParaRPr lang="en-US" sz="1200" dirty="0">
+                        <a:effectLst/>
+                        <a:latin typeface="+mn-lt"/>
+                        <a:ea typeface="Times New Roman" panose="02020603050405020304" pitchFamily="18" charset="0"/>
+                      </a:endParaRPr>
+                    </a:p>
+                  </a:txBody>
+                  <a:tcPr marL="68580" marR="68580" marT="0" marB="0"/>
+                </a:tc>
+                <a:tc>
+                  <a:txBody>
+                    <a:bodyPr/>
+                    <a:lstStyle/>
+                    <a:p>
+                      <a:pPr>
+                        <a:lnSpc>
+                          <a:spcPct val="115000"/>
+                        </a:lnSpc>
+                        <a:spcAft>
+                          <a:spcPts val="0"/>
+                        </a:spcAft>
+                      </a:pPr>
+                      <a:r>
+                        <a:rPr lang="en-US" sz="1200" dirty="0" smtClean="0">
+                          <a:effectLst/>
+                          <a:latin typeface="+mn-lt"/>
+                          <a:ea typeface="Times New Roman" panose="02020603050405020304" pitchFamily="18" charset="0"/>
+                        </a:rPr>
+                        <a:t>INT (FK)</a:t>
+                      </a:r>
+                      <a:endParaRPr lang="en-US" sz="1200" dirty="0">
+                        <a:effectLst/>
+                        <a:latin typeface="+mn-lt"/>
+                        <a:ea typeface="Times New Roman" panose="02020603050405020304" pitchFamily="18" charset="0"/>
+                      </a:endParaRPr>
+                    </a:p>
+                  </a:txBody>
+                  <a:tcPr marL="68580" marR="68580" marT="0" marB="0"/>
+                </a:tc>
+                <a:tc>
+                  <a:txBody>
+                    <a:bodyPr/>
+                    <a:lstStyle/>
+                    <a:p>
+                      <a:pPr>
+                        <a:lnSpc>
+                          <a:spcPct val="115000"/>
+                        </a:lnSpc>
+                        <a:spcAft>
+                          <a:spcPts val="0"/>
+                        </a:spcAft>
+                      </a:pPr>
+                      <a:endParaRPr lang="en-US" sz="1200" dirty="0">
                         <a:effectLst/>
                         <a:latin typeface="+mn-lt"/>
                         <a:ea typeface="Times New Roman" panose="02020603050405020304" pitchFamily="18" charset="0"/>
@@ -12138,92 +12245,84 @@
                 </a:tc>
                 <a:extLst>
                   <a:ext uri="{0D108BD9-81ED-4DB2-BD59-A6C34878D82A}">
-                    <a16:rowId xmlns:a16="http://schemas.microsoft.com/office/drawing/2014/main" val="1194164333"/>
+                    <a16:rowId xmlns:a16="http://schemas.microsoft.com/office/drawing/2014/main" val="2658312031"/>
                   </a:ext>
                 </a:extLst>
               </a:tr>
-              <a:tr h="832245">
-                <a:tc>
-                  <a:txBody>
-                    <a:bodyPr/>
-                    <a:lstStyle/>
-                    <a:p>
-                      <a:pPr>
-                        <a:lnSpc>
-                          <a:spcPct val="115000"/>
-                        </a:lnSpc>
-                        <a:spcAft>
-                          <a:spcPts val="0"/>
-                        </a:spcAft>
-                      </a:pPr>
-                      <a:r>
-                        <a:rPr lang="el-GR" sz="1200">
-                          <a:effectLst/>
-                          <a:latin typeface="+mn-lt"/>
-                          <a:ea typeface="Times New Roman" panose="02020603050405020304" pitchFamily="18" charset="0"/>
-                        </a:rPr>
-                        <a:t>Timestamp</a:t>
-                      </a:r>
-                      <a:endParaRPr lang="en-US" sz="1200">
-                        <a:effectLst/>
-                        <a:latin typeface="+mn-lt"/>
-                        <a:ea typeface="Times New Roman" panose="02020603050405020304" pitchFamily="18" charset="0"/>
-                      </a:endParaRPr>
-                    </a:p>
-                  </a:txBody>
-                  <a:tcPr marL="68580" marR="68580" marT="0" marB="0"/>
-                </a:tc>
-                <a:tc>
-                  <a:txBody>
-                    <a:bodyPr/>
-                    <a:lstStyle/>
-                    <a:p>
-                      <a:pPr>
-                        <a:lnSpc>
-                          <a:spcPct val="115000"/>
-                        </a:lnSpc>
-                        <a:spcAft>
-                          <a:spcPts val="0"/>
-                        </a:spcAft>
-                      </a:pPr>
-                      <a:r>
-                        <a:rPr lang="el-GR" sz="1200">
-                          <a:effectLst/>
-                          <a:latin typeface="+mn-lt"/>
-                          <a:ea typeface="Times New Roman" panose="02020603050405020304" pitchFamily="18" charset="0"/>
-                        </a:rPr>
-                        <a:t>DATETIME</a:t>
-                      </a:r>
-                      <a:endParaRPr lang="en-US" sz="1200">
-                        <a:effectLst/>
-                        <a:latin typeface="+mn-lt"/>
-                        <a:ea typeface="Times New Roman" panose="02020603050405020304" pitchFamily="18" charset="0"/>
-                      </a:endParaRPr>
-                    </a:p>
-                  </a:txBody>
-                  <a:tcPr marL="68580" marR="68580" marT="0" marB="0"/>
-                </a:tc>
-                <a:tc>
-                  <a:txBody>
-                    <a:bodyPr/>
-                    <a:lstStyle/>
-                    <a:p>
-                      <a:pPr>
-                        <a:lnSpc>
-                          <a:spcPct val="115000"/>
-                        </a:lnSpc>
-                        <a:spcAft>
-                          <a:spcPts val="0"/>
-                        </a:spcAft>
-                      </a:pPr>
-                      <a:r>
-                        <a:rPr lang="el-GR" sz="1200" dirty="0">
-                          <a:effectLst/>
-                          <a:latin typeface="+mn-lt"/>
-                          <a:ea typeface="Times New Roman" panose="02020603050405020304" pitchFamily="18" charset="0"/>
-                        </a:rPr>
-                        <a:t>Χρονική στιγμή εκτέλεσης της ενέργειας.</a:t>
-                      </a:r>
+              <a:tr h="470705">
+                <a:tc>
+                  <a:txBody>
+                    <a:bodyPr/>
+                    <a:lstStyle/>
+                    <a:p>
+                      <a:pPr>
+                        <a:lnSpc>
+                          <a:spcPct val="115000"/>
+                        </a:lnSpc>
+                        <a:spcAft>
+                          <a:spcPts val="0"/>
+                        </a:spcAft>
+                      </a:pPr>
+                      <a:r>
+                        <a:rPr lang="en-US" sz="1200" dirty="0" smtClean="0">
+                          <a:effectLst/>
+                          <a:latin typeface="+mn-lt"/>
+                          <a:ea typeface="Times New Roman" panose="02020603050405020304" pitchFamily="18" charset="0"/>
+                        </a:rPr>
+                        <a:t>light2id</a:t>
+                      </a:r>
+                      <a:endParaRPr lang="en-US" sz="1200" dirty="0">
+                        <a:effectLst/>
+                        <a:latin typeface="+mn-lt"/>
+                        <a:ea typeface="Times New Roman" panose="02020603050405020304" pitchFamily="18" charset="0"/>
+                      </a:endParaRPr>
+                    </a:p>
+                  </a:txBody>
+                  <a:tcPr marL="68580" marR="68580" marT="0" marB="0"/>
+                </a:tc>
+                <a:tc>
+                  <a:txBody>
+                    <a:bodyPr/>
+                    <a:lstStyle/>
+                    <a:p>
+                      <a:pPr>
+                        <a:lnSpc>
+                          <a:spcPct val="115000"/>
+                        </a:lnSpc>
+                        <a:spcAft>
+                          <a:spcPts val="0"/>
+                        </a:spcAft>
+                      </a:pPr>
+                      <a:r>
+                        <a:rPr lang="en-US" sz="1200" dirty="0" smtClean="0">
+                          <a:effectLst/>
+                          <a:latin typeface="+mn-lt"/>
+                          <a:ea typeface="Times New Roman" panose="02020603050405020304" pitchFamily="18" charset="0"/>
+                        </a:rPr>
+                        <a:t>INT (FK)</a:t>
+                      </a:r>
+                      <a:endParaRPr lang="en-US" sz="1200" dirty="0">
+                        <a:effectLst/>
+                        <a:latin typeface="+mn-lt"/>
+                        <a:ea typeface="Times New Roman" panose="02020603050405020304" pitchFamily="18" charset="0"/>
+                      </a:endParaRPr>
+                    </a:p>
+                  </a:txBody>
+                  <a:tcPr marL="68580" marR="68580" marT="0" marB="0"/>
+                </a:tc>
+                <a:tc>
+                  <a:txBody>
+                    <a:bodyPr/>
+                    <a:lstStyle/>
+                    <a:p>
+                      <a:pPr>
+                        <a:lnSpc>
+                          <a:spcPct val="115000"/>
+                        </a:lnSpc>
+                        <a:spcAft>
+                          <a:spcPts val="0"/>
+                        </a:spcAft>
+                      </a:pPr>
                       <a:endParaRPr lang="en-US" sz="1200" dirty="0">
                         <a:effectLst/>
                         <a:latin typeface="+mn-lt"/>
@@ -12235,7 +12334,96 @@
                 </a:tc>
                 <a:extLst>
                   <a:ext uri="{0D108BD9-81ED-4DB2-BD59-A6C34878D82A}">
-                    <a16:rowId xmlns:a16="http://schemas.microsoft.com/office/drawing/2014/main" val="894821631"/>
+                    <a16:rowId xmlns:a16="http://schemas.microsoft.com/office/drawing/2014/main" val="3992027257"/>
+                  </a:ext>
+                </a:extLst>
+              </a:tr>
+              <a:tr h="470705">
+                <a:tc>
+                  <a:txBody>
+                    <a:bodyPr/>
+                    <a:lstStyle/>
+                    <a:p>
+                      <a:pPr>
+                        <a:lnSpc>
+                          <a:spcPct val="115000"/>
+                        </a:lnSpc>
+                        <a:spcAft>
+                          <a:spcPts val="0"/>
+                        </a:spcAft>
+                      </a:pPr>
+                      <a:r>
+                        <a:rPr lang="en-US" sz="1200" dirty="0" err="1" smtClean="0">
+                          <a:effectLst/>
+                          <a:latin typeface="+mn-lt"/>
+                          <a:ea typeface="Times New Roman" panose="02020603050405020304" pitchFamily="18" charset="0"/>
+                        </a:rPr>
+                        <a:t>userId</a:t>
+                      </a:r>
+                      <a:endParaRPr lang="en-US" sz="1200" dirty="0">
+                        <a:effectLst/>
+                        <a:latin typeface="+mn-lt"/>
+                        <a:ea typeface="Times New Roman" panose="02020603050405020304" pitchFamily="18" charset="0"/>
+                      </a:endParaRPr>
+                    </a:p>
+                  </a:txBody>
+                  <a:tcPr marL="68580" marR="68580" marT="0" marB="0"/>
+                </a:tc>
+                <a:tc>
+                  <a:txBody>
+                    <a:bodyPr/>
+                    <a:lstStyle/>
+                    <a:p>
+                      <a:pPr>
+                        <a:lnSpc>
+                          <a:spcPct val="115000"/>
+                        </a:lnSpc>
+                        <a:spcAft>
+                          <a:spcPts val="0"/>
+                        </a:spcAft>
+                      </a:pPr>
+                      <a:r>
+                        <a:rPr lang="en-US" sz="1200" dirty="0" smtClean="0">
+                          <a:effectLst/>
+                          <a:latin typeface="+mn-lt"/>
+                          <a:ea typeface="Times New Roman" panose="02020603050405020304" pitchFamily="18" charset="0"/>
+                        </a:rPr>
+                        <a:t>INT (FK)</a:t>
+                      </a:r>
+                      <a:endParaRPr lang="en-US" sz="1200" dirty="0">
+                        <a:effectLst/>
+                        <a:latin typeface="+mn-lt"/>
+                        <a:ea typeface="Times New Roman" panose="02020603050405020304" pitchFamily="18" charset="0"/>
+                      </a:endParaRPr>
+                    </a:p>
+                  </a:txBody>
+                  <a:tcPr marL="68580" marR="68580" marT="0" marB="0"/>
+                </a:tc>
+                <a:tc>
+                  <a:txBody>
+                    <a:bodyPr/>
+                    <a:lstStyle/>
+                    <a:p>
+                      <a:pPr>
+                        <a:lnSpc>
+                          <a:spcPct val="115000"/>
+                        </a:lnSpc>
+                        <a:spcAft>
+                          <a:spcPts val="0"/>
+                        </a:spcAft>
+                      </a:pPr>
+                      <a:endParaRPr lang="en-US" sz="1200" dirty="0">
+                        <a:effectLst/>
+                        <a:latin typeface="+mn-lt"/>
+                        <a:ea typeface="Times New Roman" panose="02020603050405020304" pitchFamily="18" charset="0"/>
+                      </a:endParaRPr>
+                    </a:p>
+                  </a:txBody>
+                  <a:tcPr marL="68580" marR="68580" marT="0" marB="0"/>
+                </a:tc>
+                <a:extLst>
+                  <a:ext uri="{0D108BD9-81ED-4DB2-BD59-A6C34878D82A}">
+                    <a16:rowId xmlns:a16="http://schemas.microsoft.com/office/drawing/2014/main" val="226225234"/>
                   </a:ext>
                 </a:extLst>
               </a:tr>
@@ -12246,7 +12434,7 @@
     </p:spTree>
     <p:extLst>
       <p:ext uri="{BB962C8B-B14F-4D97-AF65-F5344CB8AC3E}">
-        <p14:creationId xmlns:p14="http://schemas.microsoft.com/office/powerpoint/2010/main" val="3825101461"/>
+        <p14:creationId xmlns:p14="http://schemas.microsoft.com/office/powerpoint/2010/main" val="3647589974"/>
       </p:ext>
     </p:extLst>
   </p:cSld>
@@ -12334,11 +12522,11 @@
           <a:p>
             <a:r>
               <a:rPr lang="en-US" b="1" dirty="0" smtClean="0"/>
-              <a:t>User Role (</a:t>
+              <a:t>User (</a:t>
             </a:r>
             <a:r>
               <a:rPr lang="el-GR" b="1" dirty="0" smtClean="0"/>
-              <a:t>Ρόλοι Χρηστών)</a:t>
+              <a:t>Χρήστης)</a:t>
             </a:r>
             <a:endParaRPr lang="en-US" b="1" dirty="0" smtClean="0"/>
           </a:p>
@@ -12404,20 +12592,9 @@
             </a:r>
             <a:r>
               <a:rPr lang="el-GR" sz="1400" dirty="0"/>
-              <a:t>Ελέγχει τι μπορεί να κάνει κάθε </a:t>
-            </a:r>
-            <a:r>
-              <a:rPr lang="el-GR" sz="1400" dirty="0" smtClean="0"/>
-              <a:t>ρόλος </a:t>
-            </a:r>
-            <a:r>
-              <a:rPr lang="el-GR" sz="1400" dirty="0"/>
-              <a:t>στο σύστημα</a:t>
-            </a:r>
-            <a:r>
-              <a:rPr lang="el-GR" sz="1400" dirty="0" smtClean="0"/>
-              <a:t>.</a:t>
-            </a:r>
+              <a:t>Ο πίνακας επιτρέπει τον έλεγχο πρόσβασης και διατηρεί δεδομένα σχετικά με την αυθεντικοποίηση των χρηστών.</a:t>
+            </a:r>
+            <a:endParaRPr lang="el-GR" sz="1400" dirty="0" smtClean="0"/>
           </a:p>
         </p:txBody>
       </p:sp>
@@ -12430,7 +12607,1928 @@
           <p:nvPr>
             <p:extLst>
               <p:ext uri="{D42A27DB-BD31-4B8C-83A1-F6EECF244321}">
-                <p14:modId xmlns:p14="http://schemas.microsoft.com/office/powerpoint/2010/main" val="119208019"/>
+                <p14:modId xmlns:p14="http://schemas.microsoft.com/office/powerpoint/2010/main" val="3212163959"/>
+              </p:ext>
+            </p:extLst>
+          </p:nvPr>
+        </p:nvGraphicFramePr>
+        <p:xfrm>
+          <a:off x="838198" y="2314143"/>
+          <a:ext cx="9508959" cy="3308924"/>
+        </p:xfrm>
+        <a:graphic>
+          <a:graphicData uri="http://schemas.openxmlformats.org/drawingml/2006/table">
+            <a:tbl>
+              <a:tblPr firstRow="1" bandRow="1">
+                <a:tableStyleId>{5C22544A-7EE6-4342-B048-85BDC9FD1C3A}</a:tableStyleId>
+              </a:tblPr>
+              <a:tblGrid>
+                <a:gridCol w="3222679">
+                  <a:extLst>
+                    <a:ext uri="{9D8B030D-6E8A-4147-A177-3AD203B41FA5}">
+                      <a16:colId xmlns:a16="http://schemas.microsoft.com/office/drawing/2014/main" val="4164896431"/>
+                    </a:ext>
+                  </a:extLst>
+                </a:gridCol>
+                <a:gridCol w="3222679">
+                  <a:extLst>
+                    <a:ext uri="{9D8B030D-6E8A-4147-A177-3AD203B41FA5}">
+                      <a16:colId xmlns:a16="http://schemas.microsoft.com/office/drawing/2014/main" val="3327479852"/>
+                    </a:ext>
+                  </a:extLst>
+                </a:gridCol>
+                <a:gridCol w="3063601">
+                  <a:extLst>
+                    <a:ext uri="{9D8B030D-6E8A-4147-A177-3AD203B41FA5}">
+                      <a16:colId xmlns:a16="http://schemas.microsoft.com/office/drawing/2014/main" val="2796069663"/>
+                    </a:ext>
+                  </a:extLst>
+                </a:gridCol>
+              </a:tblGrid>
+              <a:tr h="254628">
+                <a:tc>
+                  <a:txBody>
+                    <a:bodyPr/>
+                    <a:lstStyle/>
+                    <a:p>
+                      <a:pPr>
+                        <a:lnSpc>
+                          <a:spcPct val="115000"/>
+                        </a:lnSpc>
+                        <a:spcAft>
+                          <a:spcPts val="0"/>
+                        </a:spcAft>
+                      </a:pPr>
+                      <a:r>
+                        <a:rPr lang="el-GR" sz="1200">
+                          <a:effectLst/>
+                          <a:latin typeface="+mn-lt"/>
+                          <a:ea typeface="Times New Roman" panose="02020603050405020304" pitchFamily="18" charset="0"/>
+                        </a:rPr>
+                        <a:t>Πεδίο</a:t>
+                      </a:r>
+                      <a:endParaRPr lang="en-US" sz="1200">
+                        <a:effectLst/>
+                        <a:latin typeface="+mn-lt"/>
+                        <a:ea typeface="Times New Roman" panose="02020603050405020304" pitchFamily="18" charset="0"/>
+                      </a:endParaRPr>
+                    </a:p>
+                  </a:txBody>
+                  <a:tcPr marL="68580" marR="68580" marT="0" marB="0"/>
+                </a:tc>
+                <a:tc>
+                  <a:txBody>
+                    <a:bodyPr/>
+                    <a:lstStyle/>
+                    <a:p>
+                      <a:pPr>
+                        <a:lnSpc>
+                          <a:spcPct val="115000"/>
+                        </a:lnSpc>
+                        <a:spcAft>
+                          <a:spcPts val="0"/>
+                        </a:spcAft>
+                      </a:pPr>
+                      <a:r>
+                        <a:rPr lang="el-GR" sz="1200">
+                          <a:effectLst/>
+                          <a:latin typeface="+mn-lt"/>
+                          <a:ea typeface="Times New Roman" panose="02020603050405020304" pitchFamily="18" charset="0"/>
+                        </a:rPr>
+                        <a:t>Τύπος</a:t>
+                      </a:r>
+                      <a:endParaRPr lang="en-US" sz="1200">
+                        <a:effectLst/>
+                        <a:latin typeface="+mn-lt"/>
+                        <a:ea typeface="Times New Roman" panose="02020603050405020304" pitchFamily="18" charset="0"/>
+                      </a:endParaRPr>
+                    </a:p>
+                  </a:txBody>
+                  <a:tcPr marL="68580" marR="68580" marT="0" marB="0"/>
+                </a:tc>
+                <a:tc>
+                  <a:txBody>
+                    <a:bodyPr/>
+                    <a:lstStyle/>
+                    <a:p>
+                      <a:pPr>
+                        <a:lnSpc>
+                          <a:spcPct val="115000"/>
+                        </a:lnSpc>
+                        <a:spcAft>
+                          <a:spcPts val="0"/>
+                        </a:spcAft>
+                      </a:pPr>
+                      <a:r>
+                        <a:rPr lang="el-GR" sz="1200">
+                          <a:effectLst/>
+                          <a:latin typeface="+mn-lt"/>
+                          <a:ea typeface="Times New Roman" panose="02020603050405020304" pitchFamily="18" charset="0"/>
+                        </a:rPr>
+                        <a:t>Περιγραφή</a:t>
+                      </a:r>
+                      <a:endParaRPr lang="en-US" sz="1200">
+                        <a:effectLst/>
+                        <a:latin typeface="+mn-lt"/>
+                        <a:ea typeface="Times New Roman" panose="02020603050405020304" pitchFamily="18" charset="0"/>
+                      </a:endParaRPr>
+                    </a:p>
+                  </a:txBody>
+                  <a:tcPr marL="68580" marR="68580" marT="0" marB="0"/>
+                </a:tc>
+                <a:extLst>
+                  <a:ext uri="{0D108BD9-81ED-4DB2-BD59-A6C34878D82A}">
+                    <a16:rowId xmlns:a16="http://schemas.microsoft.com/office/drawing/2014/main" val="1089218281"/>
+                  </a:ext>
+                </a:extLst>
+              </a:tr>
+              <a:tr h="329209">
+                <a:tc>
+                  <a:txBody>
+                    <a:bodyPr/>
+                    <a:lstStyle/>
+                    <a:p>
+                      <a:pPr>
+                        <a:lnSpc>
+                          <a:spcPct val="115000"/>
+                        </a:lnSpc>
+                        <a:spcAft>
+                          <a:spcPts val="0"/>
+                        </a:spcAft>
+                      </a:pPr>
+                      <a:r>
+                        <a:rPr lang="en-US" sz="1200" dirty="0" err="1" smtClean="0">
+                          <a:effectLst/>
+                          <a:latin typeface="+mn-lt"/>
+                          <a:ea typeface="Times New Roman" panose="02020603050405020304" pitchFamily="18" charset="0"/>
+                        </a:rPr>
+                        <a:t>userId</a:t>
+                      </a:r>
+                      <a:endParaRPr lang="en-US" sz="1200" dirty="0">
+                        <a:effectLst/>
+                        <a:latin typeface="+mn-lt"/>
+                        <a:ea typeface="Times New Roman" panose="02020603050405020304" pitchFamily="18" charset="0"/>
+                      </a:endParaRPr>
+                    </a:p>
+                  </a:txBody>
+                  <a:tcPr marL="68580" marR="68580" marT="0" marB="0"/>
+                </a:tc>
+                <a:tc>
+                  <a:txBody>
+                    <a:bodyPr/>
+                    <a:lstStyle/>
+                    <a:p>
+                      <a:pPr>
+                        <a:lnSpc>
+                          <a:spcPct val="115000"/>
+                        </a:lnSpc>
+                        <a:spcAft>
+                          <a:spcPts val="0"/>
+                        </a:spcAft>
+                      </a:pPr>
+                      <a:r>
+                        <a:rPr lang="el-GR" sz="1200">
+                          <a:effectLst/>
+                          <a:latin typeface="+mn-lt"/>
+                          <a:ea typeface="Times New Roman" panose="02020603050405020304" pitchFamily="18" charset="0"/>
+                        </a:rPr>
+                        <a:t>INT (PK)</a:t>
+                      </a:r>
+                      <a:endParaRPr lang="en-US" sz="1200">
+                        <a:effectLst/>
+                        <a:latin typeface="+mn-lt"/>
+                        <a:ea typeface="Times New Roman" panose="02020603050405020304" pitchFamily="18" charset="0"/>
+                      </a:endParaRPr>
+                    </a:p>
+                  </a:txBody>
+                  <a:tcPr marL="68580" marR="68580" marT="0" marB="0"/>
+                </a:tc>
+                <a:tc>
+                  <a:txBody>
+                    <a:bodyPr/>
+                    <a:lstStyle/>
+                    <a:p>
+                      <a:pPr>
+                        <a:lnSpc>
+                          <a:spcPct val="115000"/>
+                        </a:lnSpc>
+                        <a:spcAft>
+                          <a:spcPts val="0"/>
+                        </a:spcAft>
+                      </a:pPr>
+                      <a:r>
+                        <a:rPr lang="el-GR" sz="1200">
+                          <a:effectLst/>
+                          <a:latin typeface="+mn-lt"/>
+                          <a:ea typeface="Times New Roman" panose="02020603050405020304" pitchFamily="18" charset="0"/>
+                        </a:rPr>
+                        <a:t>Μοναδικό αναγνωριστικό χρήστη.</a:t>
+                      </a:r>
+                      <a:endParaRPr lang="en-US" sz="1200">
+                        <a:effectLst/>
+                        <a:latin typeface="+mn-lt"/>
+                        <a:ea typeface="Times New Roman" panose="02020603050405020304" pitchFamily="18" charset="0"/>
+                      </a:endParaRPr>
+                    </a:p>
+                  </a:txBody>
+                  <a:tcPr marL="68580" marR="68580" marT="0" marB="0"/>
+                </a:tc>
+                <a:extLst>
+                  <a:ext uri="{0D108BD9-81ED-4DB2-BD59-A6C34878D82A}">
+                    <a16:rowId xmlns:a16="http://schemas.microsoft.com/office/drawing/2014/main" val="2169462264"/>
+                  </a:ext>
+                </a:extLst>
+              </a:tr>
+              <a:tr h="329209">
+                <a:tc>
+                  <a:txBody>
+                    <a:bodyPr/>
+                    <a:lstStyle/>
+                    <a:p>
+                      <a:pPr>
+                        <a:lnSpc>
+                          <a:spcPct val="115000"/>
+                        </a:lnSpc>
+                        <a:spcAft>
+                          <a:spcPts val="0"/>
+                        </a:spcAft>
+                      </a:pPr>
+                      <a:r>
+                        <a:rPr lang="en-US" sz="1200" dirty="0" err="1" smtClean="0">
+                          <a:effectLst/>
+                          <a:latin typeface="+mn-lt"/>
+                          <a:ea typeface="Times New Roman" panose="02020603050405020304" pitchFamily="18" charset="0"/>
+                        </a:rPr>
+                        <a:t>firstName</a:t>
+                      </a:r>
+                      <a:endParaRPr lang="en-US" sz="1200" dirty="0">
+                        <a:effectLst/>
+                        <a:latin typeface="+mn-lt"/>
+                        <a:ea typeface="Times New Roman" panose="02020603050405020304" pitchFamily="18" charset="0"/>
+                      </a:endParaRPr>
+                    </a:p>
+                  </a:txBody>
+                  <a:tcPr marL="68580" marR="68580" marT="0" marB="0"/>
+                </a:tc>
+                <a:tc>
+                  <a:txBody>
+                    <a:bodyPr/>
+                    <a:lstStyle/>
+                    <a:p>
+                      <a:pPr>
+                        <a:lnSpc>
+                          <a:spcPct val="115000"/>
+                        </a:lnSpc>
+                        <a:spcAft>
+                          <a:spcPts val="0"/>
+                        </a:spcAft>
+                      </a:pPr>
+                      <a:r>
+                        <a:rPr lang="el-GR" sz="1200" dirty="0">
+                          <a:effectLst/>
+                          <a:latin typeface="+mn-lt"/>
+                          <a:ea typeface="Times New Roman" panose="02020603050405020304" pitchFamily="18" charset="0"/>
+                        </a:rPr>
+                        <a:t>VARCHAR</a:t>
+                      </a:r>
+                      <a:endParaRPr lang="en-US" sz="1200" dirty="0">
+                        <a:effectLst/>
+                        <a:latin typeface="+mn-lt"/>
+                        <a:ea typeface="Times New Roman" panose="02020603050405020304" pitchFamily="18" charset="0"/>
+                      </a:endParaRPr>
+                    </a:p>
+                  </a:txBody>
+                  <a:tcPr marL="68580" marR="68580" marT="0" marB="0"/>
+                </a:tc>
+                <a:tc>
+                  <a:txBody>
+                    <a:bodyPr/>
+                    <a:lstStyle/>
+                    <a:p>
+                      <a:pPr>
+                        <a:lnSpc>
+                          <a:spcPct val="115000"/>
+                        </a:lnSpc>
+                        <a:spcAft>
+                          <a:spcPts val="0"/>
+                        </a:spcAft>
+                      </a:pPr>
+                      <a:r>
+                        <a:rPr lang="el-GR" sz="1200">
+                          <a:effectLst/>
+                          <a:latin typeface="+mn-lt"/>
+                          <a:ea typeface="Times New Roman" panose="02020603050405020304" pitchFamily="18" charset="0"/>
+                        </a:rPr>
+                        <a:t>Όνομα χρήστη για login.</a:t>
+                      </a:r>
+                      <a:endParaRPr lang="en-US" sz="1200">
+                        <a:effectLst/>
+                        <a:latin typeface="+mn-lt"/>
+                        <a:ea typeface="Times New Roman" panose="02020603050405020304" pitchFamily="18" charset="0"/>
+                      </a:endParaRPr>
+                    </a:p>
+                  </a:txBody>
+                  <a:tcPr marL="68580" marR="68580" marT="0" marB="0"/>
+                </a:tc>
+                <a:extLst>
+                  <a:ext uri="{0D108BD9-81ED-4DB2-BD59-A6C34878D82A}">
+                    <a16:rowId xmlns:a16="http://schemas.microsoft.com/office/drawing/2014/main" val="732231073"/>
+                  </a:ext>
+                </a:extLst>
+              </a:tr>
+              <a:tr h="329209">
+                <a:tc>
+                  <a:txBody>
+                    <a:bodyPr/>
+                    <a:lstStyle/>
+                    <a:p>
+                      <a:pPr>
+                        <a:lnSpc>
+                          <a:spcPct val="115000"/>
+                        </a:lnSpc>
+                        <a:spcAft>
+                          <a:spcPts val="0"/>
+                        </a:spcAft>
+                      </a:pPr>
+                      <a:r>
+                        <a:rPr lang="en-US" sz="1200" dirty="0" err="1" smtClean="0">
+                          <a:effectLst/>
+                          <a:latin typeface="+mn-lt"/>
+                          <a:ea typeface="Times New Roman" panose="02020603050405020304" pitchFamily="18" charset="0"/>
+                        </a:rPr>
+                        <a:t>lastName</a:t>
+                      </a:r>
+                      <a:endParaRPr lang="en-US" sz="1200" dirty="0">
+                        <a:effectLst/>
+                        <a:latin typeface="+mn-lt"/>
+                        <a:ea typeface="Times New Roman" panose="02020603050405020304" pitchFamily="18" charset="0"/>
+                      </a:endParaRPr>
+                    </a:p>
+                  </a:txBody>
+                  <a:tcPr marL="68580" marR="68580" marT="0" marB="0"/>
+                </a:tc>
+                <a:tc>
+                  <a:txBody>
+                    <a:bodyPr/>
+                    <a:lstStyle/>
+                    <a:p>
+                      <a:pPr>
+                        <a:lnSpc>
+                          <a:spcPct val="115000"/>
+                        </a:lnSpc>
+                        <a:spcAft>
+                          <a:spcPts val="0"/>
+                        </a:spcAft>
+                      </a:pPr>
+                      <a:r>
+                        <a:rPr lang="el-GR" sz="1200" dirty="0">
+                          <a:effectLst/>
+                          <a:latin typeface="+mn-lt"/>
+                          <a:ea typeface="Times New Roman" panose="02020603050405020304" pitchFamily="18" charset="0"/>
+                        </a:rPr>
+                        <a:t>VARCHAR</a:t>
+                      </a:r>
+                      <a:endParaRPr lang="en-US" sz="1200" dirty="0">
+                        <a:effectLst/>
+                        <a:latin typeface="+mn-lt"/>
+                        <a:ea typeface="Times New Roman" panose="02020603050405020304" pitchFamily="18" charset="0"/>
+                      </a:endParaRPr>
+                    </a:p>
+                  </a:txBody>
+                  <a:tcPr marL="68580" marR="68580" marT="0" marB="0"/>
+                </a:tc>
+                <a:tc>
+                  <a:txBody>
+                    <a:bodyPr/>
+                    <a:lstStyle/>
+                    <a:p>
+                      <a:pPr>
+                        <a:lnSpc>
+                          <a:spcPct val="115000"/>
+                        </a:lnSpc>
+                        <a:spcAft>
+                          <a:spcPts val="0"/>
+                        </a:spcAft>
+                      </a:pPr>
+                      <a:r>
+                        <a:rPr lang="el-GR" sz="1200">
+                          <a:effectLst/>
+                          <a:latin typeface="+mn-lt"/>
+                          <a:ea typeface="Times New Roman" panose="02020603050405020304" pitchFamily="18" charset="0"/>
+                        </a:rPr>
+                        <a:t>Κρυπτογραφημένος κωδικός πρόσβασης.</a:t>
+                      </a:r>
+                      <a:endParaRPr lang="en-US" sz="1200">
+                        <a:effectLst/>
+                        <a:latin typeface="+mn-lt"/>
+                        <a:ea typeface="Times New Roman" panose="02020603050405020304" pitchFamily="18" charset="0"/>
+                      </a:endParaRPr>
+                    </a:p>
+                  </a:txBody>
+                  <a:tcPr marL="68580" marR="68580" marT="0" marB="0"/>
+                </a:tc>
+                <a:extLst>
+                  <a:ext uri="{0D108BD9-81ED-4DB2-BD59-A6C34878D82A}">
+                    <a16:rowId xmlns:a16="http://schemas.microsoft.com/office/drawing/2014/main" val="3196512663"/>
+                  </a:ext>
+                </a:extLst>
+              </a:tr>
+              <a:tr h="329209">
+                <a:tc>
+                  <a:txBody>
+                    <a:bodyPr/>
+                    <a:lstStyle/>
+                    <a:p>
+                      <a:pPr>
+                        <a:lnSpc>
+                          <a:spcPct val="115000"/>
+                        </a:lnSpc>
+                        <a:spcAft>
+                          <a:spcPts val="0"/>
+                        </a:spcAft>
+                      </a:pPr>
+                      <a:r>
+                        <a:rPr lang="en-US" sz="1200" dirty="0" smtClean="0">
+                          <a:effectLst/>
+                          <a:latin typeface="+mn-lt"/>
+                          <a:ea typeface="Times New Roman" panose="02020603050405020304" pitchFamily="18" charset="0"/>
+                        </a:rPr>
+                        <a:t>email</a:t>
+                      </a:r>
+                      <a:endParaRPr lang="en-US" sz="1200" dirty="0">
+                        <a:effectLst/>
+                        <a:latin typeface="+mn-lt"/>
+                        <a:ea typeface="Times New Roman" panose="02020603050405020304" pitchFamily="18" charset="0"/>
+                      </a:endParaRPr>
+                    </a:p>
+                  </a:txBody>
+                  <a:tcPr marL="68580" marR="68580" marT="0" marB="0"/>
+                </a:tc>
+                <a:tc>
+                  <a:txBody>
+                    <a:bodyPr/>
+                    <a:lstStyle/>
+                    <a:p>
+                      <a:pPr>
+                        <a:lnSpc>
+                          <a:spcPct val="115000"/>
+                        </a:lnSpc>
+                        <a:spcAft>
+                          <a:spcPts val="0"/>
+                        </a:spcAft>
+                      </a:pPr>
+                      <a:r>
+                        <a:rPr lang="el-GR" sz="1200" dirty="0">
+                          <a:effectLst/>
+                          <a:latin typeface="+mn-lt"/>
+                          <a:ea typeface="Times New Roman" panose="02020603050405020304" pitchFamily="18" charset="0"/>
+                        </a:rPr>
+                        <a:t>VARCHAR</a:t>
+                      </a:r>
+                      <a:endParaRPr lang="en-US" sz="1200" dirty="0">
+                        <a:effectLst/>
+                        <a:latin typeface="+mn-lt"/>
+                        <a:ea typeface="Times New Roman" panose="02020603050405020304" pitchFamily="18" charset="0"/>
+                      </a:endParaRPr>
+                    </a:p>
+                  </a:txBody>
+                  <a:tcPr marL="68580" marR="68580" marT="0" marB="0"/>
+                </a:tc>
+                <a:tc>
+                  <a:txBody>
+                    <a:bodyPr/>
+                    <a:lstStyle/>
+                    <a:p>
+                      <a:pPr>
+                        <a:lnSpc>
+                          <a:spcPct val="115000"/>
+                        </a:lnSpc>
+                        <a:spcAft>
+                          <a:spcPts val="0"/>
+                        </a:spcAft>
+                      </a:pPr>
+                      <a:r>
+                        <a:rPr lang="el-GR" sz="1200">
+                          <a:effectLst/>
+                          <a:latin typeface="+mn-lt"/>
+                          <a:ea typeface="Times New Roman" panose="02020603050405020304" pitchFamily="18" charset="0"/>
+                        </a:rPr>
+                        <a:t>Ηλεκτρονική διεύθυνση χρήστη.</a:t>
+                      </a:r>
+                      <a:endParaRPr lang="en-US" sz="1200">
+                        <a:effectLst/>
+                        <a:latin typeface="+mn-lt"/>
+                        <a:ea typeface="Times New Roman" panose="02020603050405020304" pitchFamily="18" charset="0"/>
+                      </a:endParaRPr>
+                    </a:p>
+                  </a:txBody>
+                  <a:tcPr marL="68580" marR="68580" marT="0" marB="0"/>
+                </a:tc>
+                <a:extLst>
+                  <a:ext uri="{0D108BD9-81ED-4DB2-BD59-A6C34878D82A}">
+                    <a16:rowId xmlns:a16="http://schemas.microsoft.com/office/drawing/2014/main" val="1194164333"/>
+                  </a:ext>
+                </a:extLst>
+              </a:tr>
+              <a:tr h="348124">
+                <a:tc>
+                  <a:txBody>
+                    <a:bodyPr/>
+                    <a:lstStyle/>
+                    <a:p>
+                      <a:pPr>
+                        <a:lnSpc>
+                          <a:spcPct val="115000"/>
+                        </a:lnSpc>
+                        <a:spcAft>
+                          <a:spcPts val="0"/>
+                        </a:spcAft>
+                      </a:pPr>
+                      <a:r>
+                        <a:rPr lang="en-US" sz="1200" dirty="0" smtClean="0">
+                          <a:effectLst/>
+                          <a:latin typeface="+mn-lt"/>
+                          <a:ea typeface="Times New Roman" panose="02020603050405020304" pitchFamily="18" charset="0"/>
+                        </a:rPr>
+                        <a:t>birthdate</a:t>
+                      </a:r>
+                      <a:endParaRPr lang="en-US" sz="1200" dirty="0">
+                        <a:effectLst/>
+                        <a:latin typeface="+mn-lt"/>
+                        <a:ea typeface="Times New Roman" panose="02020603050405020304" pitchFamily="18" charset="0"/>
+                      </a:endParaRPr>
+                    </a:p>
+                  </a:txBody>
+                  <a:tcPr marL="68580" marR="68580" marT="0" marB="0"/>
+                </a:tc>
+                <a:tc>
+                  <a:txBody>
+                    <a:bodyPr/>
+                    <a:lstStyle/>
+                    <a:p>
+                      <a:pPr>
+                        <a:lnSpc>
+                          <a:spcPct val="115000"/>
+                        </a:lnSpc>
+                        <a:spcAft>
+                          <a:spcPts val="0"/>
+                        </a:spcAft>
+                      </a:pPr>
+                      <a:r>
+                        <a:rPr lang="en-US" sz="1200" dirty="0" smtClean="0">
+                          <a:effectLst/>
+                          <a:latin typeface="+mn-lt"/>
+                          <a:ea typeface="Times New Roman" panose="02020603050405020304" pitchFamily="18" charset="0"/>
+                        </a:rPr>
+                        <a:t>DATE</a:t>
+                      </a:r>
+                      <a:endParaRPr lang="en-US" sz="1200" dirty="0">
+                        <a:effectLst/>
+                        <a:latin typeface="+mn-lt"/>
+                        <a:ea typeface="Times New Roman" panose="02020603050405020304" pitchFamily="18" charset="0"/>
+                      </a:endParaRPr>
+                    </a:p>
+                  </a:txBody>
+                  <a:tcPr marL="68580" marR="68580" marT="0" marB="0"/>
+                </a:tc>
+                <a:tc>
+                  <a:txBody>
+                    <a:bodyPr/>
+                    <a:lstStyle/>
+                    <a:p>
+                      <a:pPr>
+                        <a:lnSpc>
+                          <a:spcPct val="115000"/>
+                        </a:lnSpc>
+                        <a:spcAft>
+                          <a:spcPts val="0"/>
+                        </a:spcAft>
+                      </a:pPr>
+                      <a:r>
+                        <a:rPr lang="el-GR" sz="1200">
+                          <a:effectLst/>
+                          <a:latin typeface="+mn-lt"/>
+                          <a:ea typeface="Times New Roman" panose="02020603050405020304" pitchFamily="18" charset="0"/>
+                        </a:rPr>
+                        <a:t>Ρόλος χρήστη (συσχετίζεται με τον πίνακα User Role).</a:t>
+                      </a:r>
+                      <a:endParaRPr lang="en-US" sz="1200">
+                        <a:effectLst/>
+                        <a:latin typeface="+mn-lt"/>
+                        <a:ea typeface="Times New Roman" panose="02020603050405020304" pitchFamily="18" charset="0"/>
+                      </a:endParaRPr>
+                    </a:p>
+                  </a:txBody>
+                  <a:tcPr marL="68580" marR="68580" marT="0" marB="0"/>
+                </a:tc>
+                <a:extLst>
+                  <a:ext uri="{0D108BD9-81ED-4DB2-BD59-A6C34878D82A}">
+                    <a16:rowId xmlns:a16="http://schemas.microsoft.com/office/drawing/2014/main" val="894821631"/>
+                  </a:ext>
+                </a:extLst>
+              </a:tr>
+              <a:tr h="329209">
+                <a:tc>
+                  <a:txBody>
+                    <a:bodyPr/>
+                    <a:lstStyle/>
+                    <a:p>
+                      <a:pPr>
+                        <a:lnSpc>
+                          <a:spcPct val="115000"/>
+                        </a:lnSpc>
+                        <a:spcAft>
+                          <a:spcPts val="0"/>
+                        </a:spcAft>
+                      </a:pPr>
+                      <a:r>
+                        <a:rPr lang="en-US" sz="1200" dirty="0" smtClean="0">
+                          <a:effectLst/>
+                          <a:latin typeface="+mn-lt"/>
+                          <a:ea typeface="Times New Roman" panose="02020603050405020304" pitchFamily="18" charset="0"/>
+                        </a:rPr>
+                        <a:t>username</a:t>
+                      </a:r>
+                      <a:endParaRPr lang="en-US" sz="1200" dirty="0">
+                        <a:effectLst/>
+                        <a:latin typeface="+mn-lt"/>
+                        <a:ea typeface="Times New Roman" panose="02020603050405020304" pitchFamily="18" charset="0"/>
+                      </a:endParaRPr>
+                    </a:p>
+                  </a:txBody>
+                  <a:tcPr marL="68580" marR="68580" marT="0" marB="0"/>
+                </a:tc>
+                <a:tc>
+                  <a:txBody>
+                    <a:bodyPr/>
+                    <a:lstStyle/>
+                    <a:p>
+                      <a:pPr>
+                        <a:lnSpc>
+                          <a:spcPct val="115000"/>
+                        </a:lnSpc>
+                        <a:spcAft>
+                          <a:spcPts val="0"/>
+                        </a:spcAft>
+                      </a:pPr>
+                      <a:r>
+                        <a:rPr lang="en-US" sz="1200" dirty="0" smtClean="0">
+                          <a:effectLst/>
+                          <a:latin typeface="+mn-lt"/>
+                          <a:ea typeface="Times New Roman" panose="02020603050405020304" pitchFamily="18" charset="0"/>
+                        </a:rPr>
+                        <a:t>VARCHAR</a:t>
+                      </a:r>
+                      <a:endParaRPr lang="en-US" sz="1200" dirty="0">
+                        <a:effectLst/>
+                        <a:latin typeface="+mn-lt"/>
+                        <a:ea typeface="Times New Roman" panose="02020603050405020304" pitchFamily="18" charset="0"/>
+                      </a:endParaRPr>
+                    </a:p>
+                  </a:txBody>
+                  <a:tcPr marL="68580" marR="68580" marT="0" marB="0"/>
+                </a:tc>
+                <a:tc>
+                  <a:txBody>
+                    <a:bodyPr/>
+                    <a:lstStyle/>
+                    <a:p>
+                      <a:pPr>
+                        <a:lnSpc>
+                          <a:spcPct val="115000"/>
+                        </a:lnSpc>
+                        <a:spcAft>
+                          <a:spcPts val="0"/>
+                        </a:spcAft>
+                      </a:pPr>
+                      <a:r>
+                        <a:rPr lang="el-GR" sz="1200">
+                          <a:effectLst/>
+                          <a:latin typeface="+mn-lt"/>
+                          <a:ea typeface="Times New Roman" panose="02020603050405020304" pitchFamily="18" charset="0"/>
+                        </a:rPr>
+                        <a:t>Ημερομηνία δημιουργίας του λογαριασμού.</a:t>
+                      </a:r>
+                      <a:endParaRPr lang="en-US" sz="1200">
+                        <a:effectLst/>
+                        <a:latin typeface="+mn-lt"/>
+                        <a:ea typeface="Times New Roman" panose="02020603050405020304" pitchFamily="18" charset="0"/>
+                      </a:endParaRPr>
+                    </a:p>
+                  </a:txBody>
+                  <a:tcPr marL="68580" marR="68580" marT="0" marB="0"/>
+                </a:tc>
+                <a:extLst>
+                  <a:ext uri="{0D108BD9-81ED-4DB2-BD59-A6C34878D82A}">
+                    <a16:rowId xmlns:a16="http://schemas.microsoft.com/office/drawing/2014/main" val="2939606470"/>
+                  </a:ext>
+                </a:extLst>
+              </a:tr>
+              <a:tr h="329209">
+                <a:tc>
+                  <a:txBody>
+                    <a:bodyPr/>
+                    <a:lstStyle/>
+                    <a:p>
+                      <a:pPr>
+                        <a:lnSpc>
+                          <a:spcPct val="115000"/>
+                        </a:lnSpc>
+                        <a:spcAft>
+                          <a:spcPts val="0"/>
+                        </a:spcAft>
+                      </a:pPr>
+                      <a:r>
+                        <a:rPr lang="en-US" sz="1200" dirty="0" err="1" smtClean="0">
+                          <a:effectLst/>
+                          <a:latin typeface="+mn-lt"/>
+                          <a:ea typeface="Times New Roman" panose="02020603050405020304" pitchFamily="18" charset="0"/>
+                        </a:rPr>
+                        <a:t>passwordHash</a:t>
+                      </a:r>
+                      <a:endParaRPr lang="en-US" sz="1200" dirty="0">
+                        <a:effectLst/>
+                        <a:latin typeface="+mn-lt"/>
+                        <a:ea typeface="Times New Roman" panose="02020603050405020304" pitchFamily="18" charset="0"/>
+                      </a:endParaRPr>
+                    </a:p>
+                  </a:txBody>
+                  <a:tcPr marL="68580" marR="68580" marT="0" marB="0"/>
+                </a:tc>
+                <a:tc>
+                  <a:txBody>
+                    <a:bodyPr/>
+                    <a:lstStyle/>
+                    <a:p>
+                      <a:pPr>
+                        <a:lnSpc>
+                          <a:spcPct val="115000"/>
+                        </a:lnSpc>
+                        <a:spcAft>
+                          <a:spcPts val="0"/>
+                        </a:spcAft>
+                      </a:pPr>
+                      <a:r>
+                        <a:rPr lang="en-US" sz="1200" dirty="0" smtClean="0">
+                          <a:effectLst/>
+                          <a:latin typeface="+mn-lt"/>
+                          <a:ea typeface="Times New Roman" panose="02020603050405020304" pitchFamily="18" charset="0"/>
+                        </a:rPr>
+                        <a:t>VARCHAR</a:t>
+                      </a:r>
+                      <a:endParaRPr lang="en-US" sz="1200" dirty="0">
+                        <a:effectLst/>
+                        <a:latin typeface="+mn-lt"/>
+                        <a:ea typeface="Times New Roman" panose="02020603050405020304" pitchFamily="18" charset="0"/>
+                      </a:endParaRPr>
+                    </a:p>
+                  </a:txBody>
+                  <a:tcPr marL="68580" marR="68580" marT="0" marB="0"/>
+                </a:tc>
+                <a:tc>
+                  <a:txBody>
+                    <a:bodyPr/>
+                    <a:lstStyle/>
+                    <a:p>
+                      <a:pPr>
+                        <a:lnSpc>
+                          <a:spcPct val="115000"/>
+                        </a:lnSpc>
+                        <a:spcAft>
+                          <a:spcPts val="0"/>
+                        </a:spcAft>
+                      </a:pPr>
+                      <a:r>
+                        <a:rPr lang="el-GR" sz="1200" dirty="0">
+                          <a:effectLst/>
+                          <a:latin typeface="+mn-lt"/>
+                          <a:ea typeface="Times New Roman" panose="02020603050405020304" pitchFamily="18" charset="0"/>
+                        </a:rPr>
+                        <a:t>Τελευταία είσοδος του χρήστη.</a:t>
+                      </a:r>
+                      <a:endParaRPr lang="en-US" sz="1200" dirty="0">
+                        <a:effectLst/>
+                        <a:latin typeface="+mn-lt"/>
+                        <a:ea typeface="Times New Roman" panose="02020603050405020304" pitchFamily="18" charset="0"/>
+                      </a:endParaRPr>
+                    </a:p>
+                  </a:txBody>
+                  <a:tcPr marL="68580" marR="68580" marT="0" marB="0"/>
+                </a:tc>
+                <a:extLst>
+                  <a:ext uri="{0D108BD9-81ED-4DB2-BD59-A6C34878D82A}">
+                    <a16:rowId xmlns:a16="http://schemas.microsoft.com/office/drawing/2014/main" val="1188347231"/>
+                  </a:ext>
+                </a:extLst>
+              </a:tr>
+              <a:tr h="329209">
+                <a:tc>
+                  <a:txBody>
+                    <a:bodyPr/>
+                    <a:lstStyle/>
+                    <a:p>
+                      <a:pPr>
+                        <a:lnSpc>
+                          <a:spcPct val="115000"/>
+                        </a:lnSpc>
+                        <a:spcAft>
+                          <a:spcPts val="0"/>
+                        </a:spcAft>
+                      </a:pPr>
+                      <a:r>
+                        <a:rPr lang="en-US" sz="1200" dirty="0" err="1" smtClean="0">
+                          <a:effectLst/>
+                          <a:latin typeface="+mn-lt"/>
+                          <a:ea typeface="Times New Roman" panose="02020603050405020304" pitchFamily="18" charset="0"/>
+                        </a:rPr>
+                        <a:t>createdAt</a:t>
+                      </a:r>
+                      <a:endParaRPr lang="en-US" sz="1200" dirty="0">
+                        <a:effectLst/>
+                        <a:latin typeface="+mn-lt"/>
+                        <a:ea typeface="Times New Roman" panose="02020603050405020304" pitchFamily="18" charset="0"/>
+                      </a:endParaRPr>
+                    </a:p>
+                  </a:txBody>
+                  <a:tcPr marL="68580" marR="68580" marT="0" marB="0"/>
+                </a:tc>
+                <a:tc>
+                  <a:txBody>
+                    <a:bodyPr/>
+                    <a:lstStyle/>
+                    <a:p>
+                      <a:pPr>
+                        <a:lnSpc>
+                          <a:spcPct val="115000"/>
+                        </a:lnSpc>
+                        <a:spcAft>
+                          <a:spcPts val="0"/>
+                        </a:spcAft>
+                      </a:pPr>
+                      <a:r>
+                        <a:rPr lang="en-US" sz="1200" dirty="0" smtClean="0">
+                          <a:effectLst/>
+                          <a:latin typeface="+mn-lt"/>
+                          <a:ea typeface="Times New Roman" panose="02020603050405020304" pitchFamily="18" charset="0"/>
+                        </a:rPr>
+                        <a:t>TIMESTAMP</a:t>
+                      </a:r>
+                      <a:endParaRPr lang="en-US" sz="1200" dirty="0">
+                        <a:effectLst/>
+                        <a:latin typeface="+mn-lt"/>
+                        <a:ea typeface="Times New Roman" panose="02020603050405020304" pitchFamily="18" charset="0"/>
+                      </a:endParaRPr>
+                    </a:p>
+                  </a:txBody>
+                  <a:tcPr marL="68580" marR="68580" marT="0" marB="0"/>
+                </a:tc>
+                <a:tc>
+                  <a:txBody>
+                    <a:bodyPr/>
+                    <a:lstStyle/>
+                    <a:p>
+                      <a:pPr>
+                        <a:lnSpc>
+                          <a:spcPct val="115000"/>
+                        </a:lnSpc>
+                        <a:spcAft>
+                          <a:spcPts val="0"/>
+                        </a:spcAft>
+                      </a:pPr>
+                      <a:endParaRPr lang="en-US" sz="1200" dirty="0">
+                        <a:effectLst/>
+                        <a:latin typeface="+mn-lt"/>
+                        <a:ea typeface="Times New Roman" panose="02020603050405020304" pitchFamily="18" charset="0"/>
+                      </a:endParaRPr>
+                    </a:p>
+                  </a:txBody>
+                  <a:tcPr marL="68580" marR="68580" marT="0" marB="0"/>
+                </a:tc>
+                <a:extLst>
+                  <a:ext uri="{0D108BD9-81ED-4DB2-BD59-A6C34878D82A}">
+                    <a16:rowId xmlns:a16="http://schemas.microsoft.com/office/drawing/2014/main" val="2909622727"/>
+                  </a:ext>
+                </a:extLst>
+              </a:tr>
+              <a:tr h="329209">
+                <a:tc>
+                  <a:txBody>
+                    <a:bodyPr/>
+                    <a:lstStyle/>
+                    <a:p>
+                      <a:pPr>
+                        <a:lnSpc>
+                          <a:spcPct val="115000"/>
+                        </a:lnSpc>
+                        <a:spcAft>
+                          <a:spcPts val="0"/>
+                        </a:spcAft>
+                      </a:pPr>
+                      <a:r>
+                        <a:rPr lang="en-US" sz="1200" dirty="0" err="1" smtClean="0">
+                          <a:effectLst/>
+                          <a:latin typeface="+mn-lt"/>
+                          <a:ea typeface="Times New Roman" panose="02020603050405020304" pitchFamily="18" charset="0"/>
+                        </a:rPr>
+                        <a:t>updatedAt</a:t>
+                      </a:r>
+                      <a:endParaRPr lang="en-US" sz="1200" dirty="0">
+                        <a:effectLst/>
+                        <a:latin typeface="+mn-lt"/>
+                        <a:ea typeface="Times New Roman" panose="02020603050405020304" pitchFamily="18" charset="0"/>
+                      </a:endParaRPr>
+                    </a:p>
+                  </a:txBody>
+                  <a:tcPr marL="68580" marR="68580" marT="0" marB="0"/>
+                </a:tc>
+                <a:tc>
+                  <a:txBody>
+                    <a:bodyPr/>
+                    <a:lstStyle/>
+                    <a:p>
+                      <a:pPr>
+                        <a:lnSpc>
+                          <a:spcPct val="115000"/>
+                        </a:lnSpc>
+                        <a:spcAft>
+                          <a:spcPts val="0"/>
+                        </a:spcAft>
+                      </a:pPr>
+                      <a:r>
+                        <a:rPr lang="en-US" sz="1200" dirty="0" smtClean="0">
+                          <a:effectLst/>
+                          <a:latin typeface="+mn-lt"/>
+                          <a:ea typeface="Times New Roman" panose="02020603050405020304" pitchFamily="18" charset="0"/>
+                        </a:rPr>
+                        <a:t>TIMESTAMP</a:t>
+                      </a:r>
+                      <a:endParaRPr lang="en-US" sz="1200" dirty="0">
+                        <a:effectLst/>
+                        <a:latin typeface="+mn-lt"/>
+                        <a:ea typeface="Times New Roman" panose="02020603050405020304" pitchFamily="18" charset="0"/>
+                      </a:endParaRPr>
+                    </a:p>
+                  </a:txBody>
+                  <a:tcPr marL="68580" marR="68580" marT="0" marB="0"/>
+                </a:tc>
+                <a:tc>
+                  <a:txBody>
+                    <a:bodyPr/>
+                    <a:lstStyle/>
+                    <a:p>
+                      <a:pPr>
+                        <a:lnSpc>
+                          <a:spcPct val="115000"/>
+                        </a:lnSpc>
+                        <a:spcAft>
+                          <a:spcPts val="0"/>
+                        </a:spcAft>
+                      </a:pPr>
+                      <a:endParaRPr lang="en-US" sz="1200" dirty="0">
+                        <a:effectLst/>
+                        <a:latin typeface="+mn-lt"/>
+                        <a:ea typeface="Times New Roman" panose="02020603050405020304" pitchFamily="18" charset="0"/>
+                      </a:endParaRPr>
+                    </a:p>
+                  </a:txBody>
+                  <a:tcPr marL="68580" marR="68580" marT="0" marB="0"/>
+                </a:tc>
+                <a:extLst>
+                  <a:ext uri="{0D108BD9-81ED-4DB2-BD59-A6C34878D82A}">
+                    <a16:rowId xmlns:a16="http://schemas.microsoft.com/office/drawing/2014/main" val="3244130595"/>
+                  </a:ext>
+                </a:extLst>
+              </a:tr>
+            </a:tbl>
+          </a:graphicData>
+        </a:graphic>
+      </p:graphicFrame>
+    </p:spTree>
+    <p:extLst>
+      <p:ext uri="{BB962C8B-B14F-4D97-AF65-F5344CB8AC3E}">
+        <p14:creationId xmlns:p14="http://schemas.microsoft.com/office/powerpoint/2010/main" val="394918292"/>
+      </p:ext>
+    </p:extLst>
+  </p:cSld>
+  <p:clrMapOvr>
+    <a:masterClrMapping/>
+  </p:clrMapOvr>
+  <p:timing>
+    <p:tnLst>
+      <p:par>
+        <p:cTn id="1" dur="indefinite" restart="never" nodeType="tmRoot"/>
+      </p:par>
+    </p:tnLst>
+  </p:timing>
+</p:sld>
+</file>
+
+<file path=ppt/slides/slide23.xml><?xml version="1.0" encoding="utf-8"?>
+<p:sld xmlns:a="http://schemas.openxmlformats.org/drawingml/2006/main" xmlns:r="http://schemas.openxmlformats.org/officeDocument/2006/relationships" xmlns:p="http://schemas.openxmlformats.org/presentationml/2006/main">
+  <p:cSld>
+    <p:spTree>
+      <p:nvGrpSpPr>
+        <p:cNvPr id="1" name=""/>
+        <p:cNvGrpSpPr/>
+        <p:nvPr/>
+      </p:nvGrpSpPr>
+      <p:grpSpPr>
+        <a:xfrm>
+          <a:off x="0" y="0"/>
+          <a:ext cx="0" cy="0"/>
+          <a:chOff x="0" y="0"/>
+          <a:chExt cx="0" cy="0"/>
+        </a:xfrm>
+      </p:grpSpPr>
+      <p:sp>
+        <p:nvSpPr>
+          <p:cNvPr id="2" name="Title 1"/>
+          <p:cNvSpPr>
+            <a:spLocks noGrp="1"/>
+          </p:cNvSpPr>
+          <p:nvPr>
+            <p:ph type="title"/>
+          </p:nvPr>
+        </p:nvSpPr>
+        <p:spPr/>
+        <p:txBody>
+          <a:bodyPr/>
+          <a:lstStyle/>
+          <a:p>
+            <a:pPr algn="ctr"/>
+            <a:r>
+              <a:rPr lang="en-US" b="1" dirty="0" smtClean="0"/>
+              <a:t>Database Schema Diagram (Logical/DATA)</a:t>
+            </a:r>
+            <a:r>
+              <a:rPr lang="el-GR" b="1" dirty="0" smtClean="0"/>
+              <a:t/>
+            </a:r>
+            <a:br>
+              <a:rPr lang="el-GR" b="1" dirty="0" smtClean="0"/>
+            </a:br>
+            <a:r>
+              <a:rPr lang="el-GR" b="1" dirty="0" smtClean="0"/>
+              <a:t>ΠΙΝΑΚΕΣ</a:t>
+            </a:r>
+            <a:endParaRPr lang="en-US" b="1" dirty="0"/>
+          </a:p>
+        </p:txBody>
+      </p:sp>
+      <p:sp>
+        <p:nvSpPr>
+          <p:cNvPr id="3" name="Content Placeholder 2"/>
+          <p:cNvSpPr>
+            <a:spLocks noGrp="1"/>
+          </p:cNvSpPr>
+          <p:nvPr>
+            <p:ph idx="1"/>
+          </p:nvPr>
+        </p:nvSpPr>
+        <p:spPr/>
+        <p:txBody>
+          <a:bodyPr>
+            <a:normAutofit/>
+          </a:bodyPr>
+          <a:lstStyle/>
+          <a:p>
+            <a:r>
+              <a:rPr lang="en-US" b="1" dirty="0" smtClean="0"/>
+              <a:t>User Action </a:t>
+            </a:r>
+            <a:r>
+              <a:rPr lang="en-US" b="1" dirty="0" smtClean="0"/>
+              <a:t>Log (</a:t>
+            </a:r>
+            <a:r>
+              <a:rPr lang="el-GR" b="1" dirty="0"/>
+              <a:t>Καταγραφή Δραστηριοτήτων Χρήστη</a:t>
+            </a:r>
+            <a:r>
+              <a:rPr lang="el-GR" b="1" dirty="0" smtClean="0"/>
+              <a:t>)</a:t>
+            </a:r>
+            <a:endParaRPr lang="en-US" b="1" dirty="0" smtClean="0"/>
+          </a:p>
+          <a:p>
+            <a:pPr marL="0" indent="0">
+              <a:buNone/>
+            </a:pPr>
+            <a:endParaRPr lang="en-US" b="1" dirty="0" smtClean="0"/>
+          </a:p>
+          <a:p>
+            <a:pPr marL="0" indent="0">
+              <a:buNone/>
+            </a:pPr>
+            <a:endParaRPr lang="en-US" b="1" dirty="0" smtClean="0"/>
+          </a:p>
+          <a:p>
+            <a:pPr marL="0" indent="0">
+              <a:buNone/>
+            </a:pPr>
+            <a:endParaRPr lang="en-US" b="1" dirty="0"/>
+          </a:p>
+          <a:p>
+            <a:pPr marL="0" indent="0">
+              <a:buNone/>
+            </a:pPr>
+            <a:endParaRPr lang="en-US" b="1" dirty="0" smtClean="0"/>
+          </a:p>
+          <a:p>
+            <a:pPr marL="0" indent="0">
+              <a:buNone/>
+            </a:pPr>
+            <a:endParaRPr lang="en-US" b="1" dirty="0"/>
+          </a:p>
+          <a:p>
+            <a:pPr marL="0" indent="0">
+              <a:buNone/>
+            </a:pPr>
+            <a:endParaRPr lang="en-US" b="1" dirty="0" smtClean="0"/>
+          </a:p>
+          <a:p>
+            <a:pPr marL="0" indent="0">
+              <a:buNone/>
+            </a:pPr>
+            <a:endParaRPr lang="en-US" sz="1400" b="1" dirty="0" smtClean="0"/>
+          </a:p>
+          <a:p>
+            <a:pPr marL="0" indent="0">
+              <a:buNone/>
+            </a:pPr>
+            <a:r>
+              <a:rPr lang="el-GR" sz="1400" b="1" dirty="0" smtClean="0"/>
+              <a:t>Ρόλος</a:t>
+            </a:r>
+            <a:r>
+              <a:rPr lang="el-GR" sz="1400" dirty="0" smtClean="0"/>
+              <a:t> </a:t>
+            </a:r>
+            <a:r>
+              <a:rPr lang="el-GR" sz="1400" dirty="0" smtClean="0">
+                <a:sym typeface="Wingdings" panose="05000000000000000000" pitchFamily="2" charset="2"/>
+              </a:rPr>
+              <a:t> </a:t>
+            </a:r>
+            <a:r>
+              <a:rPr lang="el-GR" sz="1400" dirty="0"/>
+              <a:t>Χρησιμοποιείται για </a:t>
+            </a:r>
+            <a:r>
+              <a:rPr lang="el-GR" sz="1400" dirty="0" smtClean="0"/>
+              <a:t>τον έλεγχο ενεργειών των χρηστών του συστήματος.</a:t>
+            </a:r>
+          </a:p>
+        </p:txBody>
+      </p:sp>
+      <p:graphicFrame>
+        <p:nvGraphicFramePr>
+          <p:cNvPr id="11" name="Table 10"/>
+          <p:cNvGraphicFramePr>
+            <a:graphicFrameLocks noGrp="1"/>
+          </p:cNvGraphicFramePr>
+          <p:nvPr>
+            <p:extLst>
+              <p:ext uri="{D42A27DB-BD31-4B8C-83A1-F6EECF244321}">
+                <p14:modId xmlns:p14="http://schemas.microsoft.com/office/powerpoint/2010/main" val="947156164"/>
+              </p:ext>
+            </p:extLst>
+          </p:nvPr>
+        </p:nvGraphicFramePr>
+        <p:xfrm>
+          <a:off x="838199" y="2314140"/>
+          <a:ext cx="8482264" cy="2883502"/>
+        </p:xfrm>
+        <a:graphic>
+          <a:graphicData uri="http://schemas.openxmlformats.org/drawingml/2006/table">
+            <a:tbl>
+              <a:tblPr firstRow="1" bandRow="1">
+                <a:tableStyleId>{5C22544A-7EE6-4342-B048-85BDC9FD1C3A}</a:tableStyleId>
+              </a:tblPr>
+              <a:tblGrid>
+                <a:gridCol w="2874722">
+                  <a:extLst>
+                    <a:ext uri="{9D8B030D-6E8A-4147-A177-3AD203B41FA5}">
+                      <a16:colId xmlns:a16="http://schemas.microsoft.com/office/drawing/2014/main" val="4164896431"/>
+                    </a:ext>
+                  </a:extLst>
+                </a:gridCol>
+                <a:gridCol w="2874722">
+                  <a:extLst>
+                    <a:ext uri="{9D8B030D-6E8A-4147-A177-3AD203B41FA5}">
+                      <a16:colId xmlns:a16="http://schemas.microsoft.com/office/drawing/2014/main" val="3327479852"/>
+                    </a:ext>
+                  </a:extLst>
+                </a:gridCol>
+                <a:gridCol w="2732820">
+                  <a:extLst>
+                    <a:ext uri="{9D8B030D-6E8A-4147-A177-3AD203B41FA5}">
+                      <a16:colId xmlns:a16="http://schemas.microsoft.com/office/drawing/2014/main" val="2796069663"/>
+                    </a:ext>
+                  </a:extLst>
+                </a:gridCol>
+              </a:tblGrid>
+              <a:tr h="467222">
+                <a:tc>
+                  <a:txBody>
+                    <a:bodyPr/>
+                    <a:lstStyle/>
+                    <a:p>
+                      <a:pPr>
+                        <a:lnSpc>
+                          <a:spcPct val="115000"/>
+                        </a:lnSpc>
+                        <a:spcAft>
+                          <a:spcPts val="0"/>
+                        </a:spcAft>
+                      </a:pPr>
+                      <a:r>
+                        <a:rPr lang="el-GR" sz="1200" dirty="0">
+                          <a:effectLst/>
+                          <a:latin typeface="+mn-lt"/>
+                          <a:ea typeface="Times New Roman" panose="02020603050405020304" pitchFamily="18" charset="0"/>
+                        </a:rPr>
+                        <a:t>Πεδίο</a:t>
+                      </a:r>
+                      <a:endParaRPr lang="en-US" sz="1200" dirty="0">
+                        <a:effectLst/>
+                        <a:latin typeface="+mn-lt"/>
+                        <a:ea typeface="Times New Roman" panose="02020603050405020304" pitchFamily="18" charset="0"/>
+                      </a:endParaRPr>
+                    </a:p>
+                  </a:txBody>
+                  <a:tcPr marL="68580" marR="68580" marT="0" marB="0"/>
+                </a:tc>
+                <a:tc>
+                  <a:txBody>
+                    <a:bodyPr/>
+                    <a:lstStyle/>
+                    <a:p>
+                      <a:pPr>
+                        <a:lnSpc>
+                          <a:spcPct val="115000"/>
+                        </a:lnSpc>
+                        <a:spcAft>
+                          <a:spcPts val="0"/>
+                        </a:spcAft>
+                      </a:pPr>
+                      <a:r>
+                        <a:rPr lang="el-GR" sz="1200">
+                          <a:effectLst/>
+                          <a:latin typeface="+mn-lt"/>
+                          <a:ea typeface="Times New Roman" panose="02020603050405020304" pitchFamily="18" charset="0"/>
+                        </a:rPr>
+                        <a:t>Τύπος</a:t>
+                      </a:r>
+                      <a:endParaRPr lang="en-US" sz="1200">
+                        <a:effectLst/>
+                        <a:latin typeface="+mn-lt"/>
+                        <a:ea typeface="Times New Roman" panose="02020603050405020304" pitchFamily="18" charset="0"/>
+                      </a:endParaRPr>
+                    </a:p>
+                  </a:txBody>
+                  <a:tcPr marL="68580" marR="68580" marT="0" marB="0"/>
+                </a:tc>
+                <a:tc>
+                  <a:txBody>
+                    <a:bodyPr/>
+                    <a:lstStyle/>
+                    <a:p>
+                      <a:pPr>
+                        <a:lnSpc>
+                          <a:spcPct val="115000"/>
+                        </a:lnSpc>
+                        <a:spcAft>
+                          <a:spcPts val="0"/>
+                        </a:spcAft>
+                      </a:pPr>
+                      <a:r>
+                        <a:rPr lang="el-GR" sz="1200">
+                          <a:effectLst/>
+                          <a:latin typeface="+mn-lt"/>
+                          <a:ea typeface="Times New Roman" panose="02020603050405020304" pitchFamily="18" charset="0"/>
+                        </a:rPr>
+                        <a:t>Περιγραφή</a:t>
+                      </a:r>
+                      <a:endParaRPr lang="en-US" sz="1200">
+                        <a:effectLst/>
+                        <a:latin typeface="+mn-lt"/>
+                        <a:ea typeface="Times New Roman" panose="02020603050405020304" pitchFamily="18" charset="0"/>
+                      </a:endParaRPr>
+                    </a:p>
+                  </a:txBody>
+                  <a:tcPr marL="68580" marR="68580" marT="0" marB="0"/>
+                </a:tc>
+                <a:extLst>
+                  <a:ext uri="{0D108BD9-81ED-4DB2-BD59-A6C34878D82A}">
+                    <a16:rowId xmlns:a16="http://schemas.microsoft.com/office/drawing/2014/main" val="1089218281"/>
+                  </a:ext>
+                </a:extLst>
+              </a:tr>
+              <a:tr h="604070">
+                <a:tc>
+                  <a:txBody>
+                    <a:bodyPr/>
+                    <a:lstStyle/>
+                    <a:p>
+                      <a:pPr>
+                        <a:lnSpc>
+                          <a:spcPct val="115000"/>
+                        </a:lnSpc>
+                        <a:spcAft>
+                          <a:spcPts val="0"/>
+                        </a:spcAft>
+                      </a:pPr>
+                      <a:r>
+                        <a:rPr lang="en-US" sz="1200" dirty="0" smtClean="0">
+                          <a:effectLst/>
+                          <a:latin typeface="+mn-lt"/>
+                          <a:ea typeface="Times New Roman" panose="02020603050405020304" pitchFamily="18" charset="0"/>
+                        </a:rPr>
+                        <a:t>l</a:t>
+                      </a:r>
+                      <a:r>
+                        <a:rPr lang="el-GR" sz="1200" dirty="0" smtClean="0">
+                          <a:effectLst/>
+                          <a:latin typeface="+mn-lt"/>
+                          <a:ea typeface="Times New Roman" panose="02020603050405020304" pitchFamily="18" charset="0"/>
+                        </a:rPr>
+                        <a:t>ogID</a:t>
+                      </a:r>
+                      <a:endParaRPr lang="en-US" sz="1200" dirty="0">
+                        <a:effectLst/>
+                        <a:latin typeface="+mn-lt"/>
+                        <a:ea typeface="Times New Roman" panose="02020603050405020304" pitchFamily="18" charset="0"/>
+                      </a:endParaRPr>
+                    </a:p>
+                  </a:txBody>
+                  <a:tcPr marL="68580" marR="68580" marT="0" marB="0"/>
+                </a:tc>
+                <a:tc>
+                  <a:txBody>
+                    <a:bodyPr/>
+                    <a:lstStyle/>
+                    <a:p>
+                      <a:pPr>
+                        <a:lnSpc>
+                          <a:spcPct val="115000"/>
+                        </a:lnSpc>
+                        <a:spcAft>
+                          <a:spcPts val="0"/>
+                        </a:spcAft>
+                      </a:pPr>
+                      <a:r>
+                        <a:rPr lang="el-GR" sz="1200" dirty="0">
+                          <a:effectLst/>
+                          <a:latin typeface="+mn-lt"/>
+                          <a:ea typeface="Times New Roman" panose="02020603050405020304" pitchFamily="18" charset="0"/>
+                        </a:rPr>
+                        <a:t>INT (PK)</a:t>
+                      </a:r>
+                      <a:endParaRPr lang="en-US" sz="1200" dirty="0">
+                        <a:effectLst/>
+                        <a:latin typeface="+mn-lt"/>
+                        <a:ea typeface="Times New Roman" panose="02020603050405020304" pitchFamily="18" charset="0"/>
+                      </a:endParaRPr>
+                    </a:p>
+                  </a:txBody>
+                  <a:tcPr marL="68580" marR="68580" marT="0" marB="0"/>
+                </a:tc>
+                <a:tc>
+                  <a:txBody>
+                    <a:bodyPr/>
+                    <a:lstStyle/>
+                    <a:p>
+                      <a:pPr>
+                        <a:lnSpc>
+                          <a:spcPct val="115000"/>
+                        </a:lnSpc>
+                        <a:spcAft>
+                          <a:spcPts val="0"/>
+                        </a:spcAft>
+                      </a:pPr>
+                      <a:r>
+                        <a:rPr lang="el-GR" sz="1200">
+                          <a:effectLst/>
+                          <a:latin typeface="+mn-lt"/>
+                          <a:ea typeface="Times New Roman" panose="02020603050405020304" pitchFamily="18" charset="0"/>
+                        </a:rPr>
+                        <a:t>Αναγνωριστικό καταγραφής.</a:t>
+                      </a:r>
+                      <a:endParaRPr lang="en-US" sz="1200">
+                        <a:effectLst/>
+                        <a:latin typeface="+mn-lt"/>
+                        <a:ea typeface="Times New Roman" panose="02020603050405020304" pitchFamily="18" charset="0"/>
+                      </a:endParaRPr>
+                    </a:p>
+                  </a:txBody>
+                  <a:tcPr marL="68580" marR="68580" marT="0" marB="0"/>
+                </a:tc>
+                <a:extLst>
+                  <a:ext uri="{0D108BD9-81ED-4DB2-BD59-A6C34878D82A}">
+                    <a16:rowId xmlns:a16="http://schemas.microsoft.com/office/drawing/2014/main" val="2169462264"/>
+                  </a:ext>
+                </a:extLst>
+              </a:tr>
+              <a:tr h="604070">
+                <a:tc>
+                  <a:txBody>
+                    <a:bodyPr/>
+                    <a:lstStyle/>
+                    <a:p>
+                      <a:pPr>
+                        <a:lnSpc>
+                          <a:spcPct val="115000"/>
+                        </a:lnSpc>
+                        <a:spcAft>
+                          <a:spcPts val="0"/>
+                        </a:spcAft>
+                      </a:pPr>
+                      <a:r>
+                        <a:rPr lang="en-US" sz="1200" dirty="0" smtClean="0">
+                          <a:effectLst/>
+                          <a:latin typeface="+mn-lt"/>
+                          <a:ea typeface="Times New Roman" panose="02020603050405020304" pitchFamily="18" charset="0"/>
+                        </a:rPr>
+                        <a:t>u</a:t>
+                      </a:r>
+                      <a:r>
+                        <a:rPr lang="el-GR" sz="1200" dirty="0" smtClean="0">
+                          <a:effectLst/>
+                          <a:latin typeface="+mn-lt"/>
+                          <a:ea typeface="Times New Roman" panose="02020603050405020304" pitchFamily="18" charset="0"/>
+                        </a:rPr>
+                        <a:t>serID</a:t>
+                      </a:r>
+                      <a:endParaRPr lang="en-US" sz="1200" dirty="0">
+                        <a:effectLst/>
+                        <a:latin typeface="+mn-lt"/>
+                        <a:ea typeface="Times New Roman" panose="02020603050405020304" pitchFamily="18" charset="0"/>
+                      </a:endParaRPr>
+                    </a:p>
+                  </a:txBody>
+                  <a:tcPr marL="68580" marR="68580" marT="0" marB="0"/>
+                </a:tc>
+                <a:tc>
+                  <a:txBody>
+                    <a:bodyPr/>
+                    <a:lstStyle/>
+                    <a:p>
+                      <a:pPr>
+                        <a:lnSpc>
+                          <a:spcPct val="115000"/>
+                        </a:lnSpc>
+                        <a:spcAft>
+                          <a:spcPts val="0"/>
+                        </a:spcAft>
+                      </a:pPr>
+                      <a:r>
+                        <a:rPr lang="el-GR" sz="1200">
+                          <a:effectLst/>
+                          <a:latin typeface="+mn-lt"/>
+                          <a:ea typeface="Times New Roman" panose="02020603050405020304" pitchFamily="18" charset="0"/>
+                        </a:rPr>
+                        <a:t>INT (FK)</a:t>
+                      </a:r>
+                      <a:endParaRPr lang="en-US" sz="1200">
+                        <a:effectLst/>
+                        <a:latin typeface="+mn-lt"/>
+                        <a:ea typeface="Times New Roman" panose="02020603050405020304" pitchFamily="18" charset="0"/>
+                      </a:endParaRPr>
+                    </a:p>
+                  </a:txBody>
+                  <a:tcPr marL="68580" marR="68580" marT="0" marB="0"/>
+                </a:tc>
+                <a:tc>
+                  <a:txBody>
+                    <a:bodyPr/>
+                    <a:lstStyle/>
+                    <a:p>
+                      <a:pPr>
+                        <a:lnSpc>
+                          <a:spcPct val="115000"/>
+                        </a:lnSpc>
+                        <a:spcAft>
+                          <a:spcPts val="0"/>
+                        </a:spcAft>
+                      </a:pPr>
+                      <a:r>
+                        <a:rPr lang="el-GR" sz="1200">
+                          <a:effectLst/>
+                          <a:latin typeface="+mn-lt"/>
+                          <a:ea typeface="Times New Roman" panose="02020603050405020304" pitchFamily="18" charset="0"/>
+                        </a:rPr>
+                        <a:t>Ο χρήστης που πραγματοποίησε την ενέργεια.</a:t>
+                      </a:r>
+                      <a:endParaRPr lang="en-US" sz="1200">
+                        <a:effectLst/>
+                        <a:latin typeface="+mn-lt"/>
+                        <a:ea typeface="Times New Roman" panose="02020603050405020304" pitchFamily="18" charset="0"/>
+                      </a:endParaRPr>
+                    </a:p>
+                  </a:txBody>
+                  <a:tcPr marL="68580" marR="68580" marT="0" marB="0"/>
+                </a:tc>
+                <a:extLst>
+                  <a:ext uri="{0D108BD9-81ED-4DB2-BD59-A6C34878D82A}">
+                    <a16:rowId xmlns:a16="http://schemas.microsoft.com/office/drawing/2014/main" val="732231073"/>
+                  </a:ext>
+                </a:extLst>
+              </a:tr>
+              <a:tr h="604070">
+                <a:tc>
+                  <a:txBody>
+                    <a:bodyPr/>
+                    <a:lstStyle/>
+                    <a:p>
+                      <a:pPr>
+                        <a:lnSpc>
+                          <a:spcPct val="115000"/>
+                        </a:lnSpc>
+                        <a:spcAft>
+                          <a:spcPts val="0"/>
+                        </a:spcAft>
+                      </a:pPr>
+                      <a:r>
+                        <a:rPr lang="en-US" sz="1200" dirty="0" err="1" smtClean="0">
+                          <a:effectLst/>
+                          <a:latin typeface="+mn-lt"/>
+                          <a:ea typeface="Times New Roman" panose="02020603050405020304" pitchFamily="18" charset="0"/>
+                        </a:rPr>
+                        <a:t>actionType</a:t>
+                      </a:r>
+                      <a:endParaRPr lang="en-US" sz="1200" dirty="0">
+                        <a:effectLst/>
+                        <a:latin typeface="+mn-lt"/>
+                        <a:ea typeface="Times New Roman" panose="02020603050405020304" pitchFamily="18" charset="0"/>
+                      </a:endParaRPr>
+                    </a:p>
+                  </a:txBody>
+                  <a:tcPr marL="68580" marR="68580" marT="0" marB="0"/>
+                </a:tc>
+                <a:tc>
+                  <a:txBody>
+                    <a:bodyPr/>
+                    <a:lstStyle/>
+                    <a:p>
+                      <a:pPr>
+                        <a:lnSpc>
+                          <a:spcPct val="115000"/>
+                        </a:lnSpc>
+                        <a:spcAft>
+                          <a:spcPts val="0"/>
+                        </a:spcAft>
+                      </a:pPr>
+                      <a:r>
+                        <a:rPr lang="en-US" sz="1200" dirty="0" smtClean="0">
+                          <a:effectLst/>
+                          <a:latin typeface="+mn-lt"/>
+                          <a:ea typeface="Times New Roman" panose="02020603050405020304" pitchFamily="18" charset="0"/>
+                        </a:rPr>
+                        <a:t>VARCHAR</a:t>
+                      </a:r>
+                      <a:endParaRPr lang="en-US" sz="1200" dirty="0">
+                        <a:effectLst/>
+                        <a:latin typeface="+mn-lt"/>
+                        <a:ea typeface="Times New Roman" panose="02020603050405020304" pitchFamily="18" charset="0"/>
+                      </a:endParaRPr>
+                    </a:p>
+                  </a:txBody>
+                  <a:tcPr marL="68580" marR="68580" marT="0" marB="0"/>
+                </a:tc>
+                <a:tc>
+                  <a:txBody>
+                    <a:bodyPr/>
+                    <a:lstStyle/>
+                    <a:p>
+                      <a:pPr>
+                        <a:lnSpc>
+                          <a:spcPct val="115000"/>
+                        </a:lnSpc>
+                        <a:spcAft>
+                          <a:spcPts val="0"/>
+                        </a:spcAft>
+                      </a:pPr>
+                      <a:r>
+                        <a:rPr lang="el-GR" sz="1200">
+                          <a:effectLst/>
+                          <a:latin typeface="+mn-lt"/>
+                          <a:ea typeface="Times New Roman" panose="02020603050405020304" pitchFamily="18" charset="0"/>
+                        </a:rPr>
+                        <a:t>Ο ρόλος του χρήστη εκείνη τη στιγμή.</a:t>
+                      </a:r>
+                      <a:endParaRPr lang="en-US" sz="1200">
+                        <a:effectLst/>
+                        <a:latin typeface="+mn-lt"/>
+                        <a:ea typeface="Times New Roman" panose="02020603050405020304" pitchFamily="18" charset="0"/>
+                      </a:endParaRPr>
+                    </a:p>
+                  </a:txBody>
+                  <a:tcPr marL="68580" marR="68580" marT="0" marB="0"/>
+                </a:tc>
+                <a:extLst>
+                  <a:ext uri="{0D108BD9-81ED-4DB2-BD59-A6C34878D82A}">
+                    <a16:rowId xmlns:a16="http://schemas.microsoft.com/office/drawing/2014/main" val="3196512663"/>
+                  </a:ext>
+                </a:extLst>
+              </a:tr>
+              <a:tr h="604070">
+                <a:tc>
+                  <a:txBody>
+                    <a:bodyPr/>
+                    <a:lstStyle/>
+                    <a:p>
+                      <a:pPr>
+                        <a:lnSpc>
+                          <a:spcPct val="115000"/>
+                        </a:lnSpc>
+                        <a:spcAft>
+                          <a:spcPts val="0"/>
+                        </a:spcAft>
+                      </a:pPr>
+                      <a:r>
+                        <a:rPr lang="en-US" sz="1200" dirty="0" smtClean="0">
+                          <a:effectLst/>
+                          <a:latin typeface="+mn-lt"/>
+                          <a:ea typeface="Times New Roman" panose="02020603050405020304" pitchFamily="18" charset="0"/>
+                        </a:rPr>
+                        <a:t>timestamp</a:t>
+                      </a:r>
+                      <a:endParaRPr lang="en-US" sz="1200" dirty="0">
+                        <a:effectLst/>
+                        <a:latin typeface="+mn-lt"/>
+                        <a:ea typeface="Times New Roman" panose="02020603050405020304" pitchFamily="18" charset="0"/>
+                      </a:endParaRPr>
+                    </a:p>
+                  </a:txBody>
+                  <a:tcPr marL="68580" marR="68580" marT="0" marB="0"/>
+                </a:tc>
+                <a:tc>
+                  <a:txBody>
+                    <a:bodyPr/>
+                    <a:lstStyle/>
+                    <a:p>
+                      <a:pPr>
+                        <a:lnSpc>
+                          <a:spcPct val="115000"/>
+                        </a:lnSpc>
+                        <a:spcAft>
+                          <a:spcPts val="0"/>
+                        </a:spcAft>
+                      </a:pPr>
+                      <a:r>
+                        <a:rPr lang="en-US" sz="1200" dirty="0" smtClean="0">
+                          <a:effectLst/>
+                          <a:latin typeface="+mn-lt"/>
+                          <a:ea typeface="Times New Roman" panose="02020603050405020304" pitchFamily="18" charset="0"/>
+                        </a:rPr>
+                        <a:t>TIMESTAMP</a:t>
+                      </a:r>
+                      <a:endParaRPr lang="en-US" sz="1200" dirty="0">
+                        <a:effectLst/>
+                        <a:latin typeface="+mn-lt"/>
+                        <a:ea typeface="Times New Roman" panose="02020603050405020304" pitchFamily="18" charset="0"/>
+                      </a:endParaRPr>
+                    </a:p>
+                  </a:txBody>
+                  <a:tcPr marL="68580" marR="68580" marT="0" marB="0"/>
+                </a:tc>
+                <a:tc>
+                  <a:txBody>
+                    <a:bodyPr/>
+                    <a:lstStyle/>
+                    <a:p>
+                      <a:pPr>
+                        <a:lnSpc>
+                          <a:spcPct val="115000"/>
+                        </a:lnSpc>
+                        <a:spcAft>
+                          <a:spcPts val="0"/>
+                        </a:spcAft>
+                      </a:pPr>
+                      <a:r>
+                        <a:rPr lang="el-GR" sz="1200" dirty="0">
+                          <a:effectLst/>
+                          <a:latin typeface="+mn-lt"/>
+                          <a:ea typeface="Times New Roman" panose="02020603050405020304" pitchFamily="18" charset="0"/>
+                        </a:rPr>
+                        <a:t>Περιγραφή της ενέργειας (π.χ., "Αλλαγή διάρκειας πράσινου φαναριού").</a:t>
+                      </a:r>
+                      <a:endParaRPr lang="en-US" sz="1200" dirty="0">
+                        <a:effectLst/>
+                        <a:latin typeface="+mn-lt"/>
+                        <a:ea typeface="Times New Roman" panose="02020603050405020304" pitchFamily="18" charset="0"/>
+                      </a:endParaRPr>
+                    </a:p>
+                  </a:txBody>
+                  <a:tcPr marL="68580" marR="68580" marT="0" marB="0"/>
+                </a:tc>
+                <a:extLst>
+                  <a:ext uri="{0D108BD9-81ED-4DB2-BD59-A6C34878D82A}">
+                    <a16:rowId xmlns:a16="http://schemas.microsoft.com/office/drawing/2014/main" val="1194164333"/>
+                  </a:ext>
+                </a:extLst>
+              </a:tr>
+            </a:tbl>
+          </a:graphicData>
+        </a:graphic>
+      </p:graphicFrame>
+    </p:spTree>
+    <p:extLst>
+      <p:ext uri="{BB962C8B-B14F-4D97-AF65-F5344CB8AC3E}">
+        <p14:creationId xmlns:p14="http://schemas.microsoft.com/office/powerpoint/2010/main" val="3825101461"/>
+      </p:ext>
+    </p:extLst>
+  </p:cSld>
+  <p:clrMapOvr>
+    <a:masterClrMapping/>
+  </p:clrMapOvr>
+  <p:timing>
+    <p:tnLst>
+      <p:par>
+        <p:cTn id="1" dur="indefinite" restart="never" nodeType="tmRoot"/>
+      </p:par>
+    </p:tnLst>
+  </p:timing>
+</p:sld>
+</file>
+
+<file path=ppt/slides/slide24.xml><?xml version="1.0" encoding="utf-8"?>
+<p:sld xmlns:a="http://schemas.openxmlformats.org/drawingml/2006/main" xmlns:r="http://schemas.openxmlformats.org/officeDocument/2006/relationships" xmlns:p="http://schemas.openxmlformats.org/presentationml/2006/main">
+  <p:cSld>
+    <p:spTree>
+      <p:nvGrpSpPr>
+        <p:cNvPr id="1" name=""/>
+        <p:cNvGrpSpPr/>
+        <p:nvPr/>
+      </p:nvGrpSpPr>
+      <p:grpSpPr>
+        <a:xfrm>
+          <a:off x="0" y="0"/>
+          <a:ext cx="0" cy="0"/>
+          <a:chOff x="0" y="0"/>
+          <a:chExt cx="0" cy="0"/>
+        </a:xfrm>
+      </p:grpSpPr>
+      <p:sp>
+        <p:nvSpPr>
+          <p:cNvPr id="2" name="Title 1"/>
+          <p:cNvSpPr>
+            <a:spLocks noGrp="1"/>
+          </p:cNvSpPr>
+          <p:nvPr>
+            <p:ph type="title"/>
+          </p:nvPr>
+        </p:nvSpPr>
+        <p:spPr/>
+        <p:txBody>
+          <a:bodyPr/>
+          <a:lstStyle/>
+          <a:p>
+            <a:pPr algn="ctr"/>
+            <a:r>
+              <a:rPr lang="en-US" b="1" dirty="0" smtClean="0"/>
+              <a:t>Database Schema Diagram (Logical/DATA)</a:t>
+            </a:r>
+            <a:r>
+              <a:rPr lang="el-GR" b="1" dirty="0" smtClean="0"/>
+              <a:t/>
+            </a:r>
+            <a:br>
+              <a:rPr lang="el-GR" b="1" dirty="0" smtClean="0"/>
+            </a:br>
+            <a:r>
+              <a:rPr lang="el-GR" b="1" dirty="0" smtClean="0"/>
+              <a:t>ΠΙΝΑΚΕΣ</a:t>
+            </a:r>
+            <a:endParaRPr lang="en-US" b="1" dirty="0"/>
+          </a:p>
+        </p:txBody>
+      </p:sp>
+      <p:sp>
+        <p:nvSpPr>
+          <p:cNvPr id="3" name="Content Placeholder 2"/>
+          <p:cNvSpPr>
+            <a:spLocks noGrp="1"/>
+          </p:cNvSpPr>
+          <p:nvPr>
+            <p:ph idx="1"/>
+          </p:nvPr>
+        </p:nvSpPr>
+        <p:spPr/>
+        <p:txBody>
+          <a:bodyPr>
+            <a:normAutofit/>
+          </a:bodyPr>
+          <a:lstStyle/>
+          <a:p>
+            <a:r>
+              <a:rPr lang="en-US" b="1" dirty="0" smtClean="0"/>
+              <a:t>User Role (</a:t>
+            </a:r>
+            <a:r>
+              <a:rPr lang="el-GR" b="1" dirty="0" smtClean="0"/>
+              <a:t>Ρόλο</a:t>
+            </a:r>
+            <a:r>
+              <a:rPr lang="el-GR" b="1" dirty="0"/>
+              <a:t>ς</a:t>
+            </a:r>
+            <a:r>
+              <a:rPr lang="el-GR" b="1" dirty="0" smtClean="0"/>
+              <a:t> Χρήστη)</a:t>
+            </a:r>
+            <a:endParaRPr lang="en-US" b="1" dirty="0" smtClean="0"/>
+          </a:p>
+          <a:p>
+            <a:pPr marL="0" indent="0">
+              <a:buNone/>
+            </a:pPr>
+            <a:endParaRPr lang="en-US" b="1" dirty="0" smtClean="0"/>
+          </a:p>
+          <a:p>
+            <a:pPr marL="0" indent="0">
+              <a:buNone/>
+            </a:pPr>
+            <a:endParaRPr lang="en-US" b="1" dirty="0" smtClean="0"/>
+          </a:p>
+          <a:p>
+            <a:pPr marL="0" indent="0">
+              <a:buNone/>
+            </a:pPr>
+            <a:endParaRPr lang="en-US" b="1" dirty="0"/>
+          </a:p>
+          <a:p>
+            <a:pPr marL="0" indent="0">
+              <a:buNone/>
+            </a:pPr>
+            <a:endParaRPr lang="en-US" b="1" dirty="0" smtClean="0"/>
+          </a:p>
+          <a:p>
+            <a:pPr marL="0" indent="0">
+              <a:buNone/>
+            </a:pPr>
+            <a:endParaRPr lang="en-US" b="1" dirty="0"/>
+          </a:p>
+          <a:p>
+            <a:pPr marL="0" indent="0">
+              <a:buNone/>
+            </a:pPr>
+            <a:endParaRPr lang="en-US" b="1" dirty="0" smtClean="0"/>
+          </a:p>
+          <a:p>
+            <a:pPr marL="0" indent="0">
+              <a:buNone/>
+            </a:pPr>
+            <a:endParaRPr lang="en-US" sz="1400" b="1" dirty="0" smtClean="0"/>
+          </a:p>
+          <a:p>
+            <a:pPr marL="0" indent="0">
+              <a:buNone/>
+            </a:pPr>
+            <a:r>
+              <a:rPr lang="el-GR" sz="1400" b="1" dirty="0" smtClean="0"/>
+              <a:t>Ρόλος</a:t>
+            </a:r>
+            <a:r>
+              <a:rPr lang="el-GR" sz="1400" dirty="0" smtClean="0"/>
+              <a:t> </a:t>
+            </a:r>
+            <a:r>
+              <a:rPr lang="el-GR" sz="1400" dirty="0" smtClean="0">
+                <a:sym typeface="Wingdings" panose="05000000000000000000" pitchFamily="2" charset="2"/>
+              </a:rPr>
+              <a:t> </a:t>
+            </a:r>
+            <a:r>
+              <a:rPr lang="el-GR" sz="1400" dirty="0"/>
+              <a:t>Ελέγχει τι μπορεί να κάνει κάθε </a:t>
+            </a:r>
+            <a:r>
+              <a:rPr lang="el-GR" sz="1400" dirty="0" smtClean="0"/>
+              <a:t>ρόλος </a:t>
+            </a:r>
+            <a:r>
+              <a:rPr lang="el-GR" sz="1400" dirty="0"/>
+              <a:t>στο σύστημα</a:t>
+            </a:r>
+            <a:r>
+              <a:rPr lang="el-GR" sz="1400" dirty="0" smtClean="0"/>
+              <a:t>.</a:t>
+            </a:r>
+          </a:p>
+        </p:txBody>
+      </p:sp>
+      <p:graphicFrame>
+        <p:nvGraphicFramePr>
+          <p:cNvPr id="11" name="Table 10"/>
+          <p:cNvGraphicFramePr>
+            <a:graphicFrameLocks noGrp="1"/>
+          </p:cNvGraphicFramePr>
+          <p:nvPr>
+            <p:extLst>
+              <p:ext uri="{D42A27DB-BD31-4B8C-83A1-F6EECF244321}">
+                <p14:modId xmlns:p14="http://schemas.microsoft.com/office/powerpoint/2010/main" val="887707579"/>
               </p:ext>
             </p:extLst>
           </p:nvPr>
@@ -12580,14 +14678,22 @@
                         </a:spcAft>
                       </a:pPr>
                       <a:r>
-                        <a:rPr lang="el-GR" sz="1200">
-                          <a:effectLst/>
-                          <a:latin typeface="+mn-lt"/>
-                          <a:ea typeface="Times New Roman" panose="02020603050405020304" pitchFamily="18" charset="0"/>
-                        </a:rPr>
-                        <a:t>RoleID</a:t>
-                      </a:r>
-                      <a:endParaRPr lang="en-US" sz="1200">
+                        <a:rPr lang="en-US" sz="1200" dirty="0" smtClean="0">
+                          <a:effectLst/>
+                          <a:latin typeface="+mn-lt"/>
+                          <a:ea typeface="Times New Roman" panose="02020603050405020304" pitchFamily="18" charset="0"/>
+                        </a:rPr>
+                        <a:t>r</a:t>
+                      </a:r>
+                      <a:r>
+                        <a:rPr lang="el-GR" sz="1200" dirty="0" smtClean="0">
+                          <a:effectLst/>
+                          <a:latin typeface="+mn-lt"/>
+                          <a:ea typeface="Times New Roman" panose="02020603050405020304" pitchFamily="18" charset="0"/>
+                        </a:rPr>
+                        <a:t>oleID</a:t>
+                      </a:r>
+                      <a:endParaRPr lang="en-US" sz="1200" dirty="0">
                         <a:effectLst/>
                         <a:latin typeface="+mn-lt"/>
                         <a:ea typeface="Times New Roman" panose="02020603050405020304" pitchFamily="18" charset="0"/>
@@ -12677,14 +14783,14 @@
                         </a:spcAft>
                       </a:pPr>
                       <a:r>
-                        <a:rPr lang="el-GR" sz="1200">
-                          <a:effectLst/>
-                          <a:latin typeface="+mn-lt"/>
-                          <a:ea typeface="Times New Roman" panose="02020603050405020304" pitchFamily="18" charset="0"/>
-                        </a:rPr>
-                        <a:t>Name</a:t>
-                      </a:r>
-                      <a:endParaRPr lang="en-US" sz="1200">
+                        <a:rPr lang="en-US" sz="1200" dirty="0" err="1" smtClean="0">
+                          <a:effectLst/>
+                          <a:latin typeface="+mn-lt"/>
+                          <a:ea typeface="Times New Roman" panose="02020603050405020304" pitchFamily="18" charset="0"/>
+                        </a:rPr>
+                        <a:t>roleName</a:t>
+                      </a:r>
+                      <a:endParaRPr lang="en-US" sz="1200" dirty="0">
                         <a:effectLst/>
                         <a:latin typeface="+mn-lt"/>
                         <a:ea typeface="Times New Roman" panose="02020603050405020304" pitchFamily="18" charset="0"/>
@@ -12774,44 +14880,44 @@
                         </a:spcAft>
                       </a:pPr>
                       <a:r>
-                        <a:rPr lang="el-GR" sz="1200">
-                          <a:effectLst/>
-                          <a:latin typeface="+mn-lt"/>
-                          <a:ea typeface="Times New Roman" panose="02020603050405020304" pitchFamily="18" charset="0"/>
-                        </a:rPr>
-                        <a:t>Permissions</a:t>
-                      </a:r>
-                      <a:endParaRPr lang="en-US" sz="1200">
-                        <a:effectLst/>
-                        <a:latin typeface="+mn-lt"/>
-                        <a:ea typeface="Times New Roman" panose="02020603050405020304" pitchFamily="18" charset="0"/>
-                      </a:endParaRPr>
-                    </a:p>
-                  </a:txBody>
-                  <a:tcPr marL="68580" marR="68580" marT="0" marB="0"/>
-                </a:tc>
-                <a:tc>
-                  <a:txBody>
-                    <a:bodyPr/>
-                    <a:lstStyle/>
-                    <a:p>
-                      <a:pPr>
-                        <a:lnSpc>
-                          <a:spcPct val="115000"/>
-                        </a:lnSpc>
-                        <a:spcAft>
-                          <a:spcPts val="0"/>
-                        </a:spcAft>
-                      </a:pPr>
-                      <a:r>
-                        <a:rPr lang="el-GR" sz="1200">
-                          <a:effectLst/>
-                          <a:latin typeface="+mn-lt"/>
-                          <a:ea typeface="Times New Roman" panose="02020603050405020304" pitchFamily="18" charset="0"/>
-                        </a:rPr>
-                        <a:t>TEXT</a:t>
-                      </a:r>
-                      <a:endParaRPr lang="en-US" sz="1200">
+                        <a:rPr lang="en-US" sz="1200" dirty="0" err="1" smtClean="0">
+                          <a:effectLst/>
+                          <a:latin typeface="+mn-lt"/>
+                          <a:ea typeface="Times New Roman" panose="02020603050405020304" pitchFamily="18" charset="0"/>
+                        </a:rPr>
+                        <a:t>roleDescription</a:t>
+                      </a:r>
+                      <a:endParaRPr lang="en-US" sz="1200" dirty="0">
+                        <a:effectLst/>
+                        <a:latin typeface="+mn-lt"/>
+                        <a:ea typeface="Times New Roman" panose="02020603050405020304" pitchFamily="18" charset="0"/>
+                      </a:endParaRPr>
+                    </a:p>
+                  </a:txBody>
+                  <a:tcPr marL="68580" marR="68580" marT="0" marB="0"/>
+                </a:tc>
+                <a:tc>
+                  <a:txBody>
+                    <a:bodyPr/>
+                    <a:lstStyle/>
+                    <a:p>
+                      <a:pPr>
+                        <a:lnSpc>
+                          <a:spcPct val="115000"/>
+                        </a:lnSpc>
+                        <a:spcAft>
+                          <a:spcPts val="0"/>
+                        </a:spcAft>
+                      </a:pPr>
+                      <a:r>
+                        <a:rPr lang="en-US" sz="1200" dirty="0" smtClean="0">
+                          <a:effectLst/>
+                          <a:latin typeface="+mn-lt"/>
+                          <a:ea typeface="Times New Roman" panose="02020603050405020304" pitchFamily="18" charset="0"/>
+                        </a:rPr>
+                        <a:t>VARCHAR</a:t>
+                      </a:r>
+                      <a:endParaRPr lang="en-US" sz="1200" dirty="0">
                         <a:effectLst/>
                         <a:latin typeface="+mn-lt"/>
                         <a:ea typeface="Times New Roman" panose="02020603050405020304" pitchFamily="18" charset="0"/>
@@ -12880,7 +14986,7 @@
 </p:sld>
 </file>
 
-<file path=ppt/slides/slide23.xml><?xml version="1.0" encoding="utf-8"?>
+<file path=ppt/slides/slide25.xml><?xml version="1.0" encoding="utf-8"?>
 <p:sld xmlns:a="http://schemas.openxmlformats.org/drawingml/2006/main" xmlns:r="http://schemas.openxmlformats.org/officeDocument/2006/relationships" xmlns:p="http://schemas.openxmlformats.org/presentationml/2006/main">
   <p:cSld>
     <p:spTree>
@@ -13006,7 +15112,7 @@
 </p:sld>
 </file>
 
-<file path=ppt/slides/slide24.xml><?xml version="1.0" encoding="utf-8"?>
+<file path=ppt/slides/slide26.xml><?xml version="1.0" encoding="utf-8"?>
 <p:sld xmlns:a="http://schemas.openxmlformats.org/drawingml/2006/main" xmlns:r="http://schemas.openxmlformats.org/officeDocument/2006/relationships" xmlns:p="http://schemas.openxmlformats.org/presentationml/2006/main">
   <p:cSld>
     <p:spTree>
@@ -13197,7 +15303,7 @@
 </p:sld>
 </file>
 
-<file path=ppt/slides/slide25.xml><?xml version="1.0" encoding="utf-8"?>
+<file path=ppt/slides/slide27.xml><?xml version="1.0" encoding="utf-8"?>
 <p:sld xmlns:a="http://schemas.openxmlformats.org/drawingml/2006/main" xmlns:r="http://schemas.openxmlformats.org/officeDocument/2006/relationships" xmlns:p="http://schemas.openxmlformats.org/presentationml/2006/main">
   <p:cSld>
     <p:spTree>
@@ -13323,409 +15429,6 @@
 </p:sld>
 </file>
 
-<file path=ppt/slides/slide26.xml><?xml version="1.0" encoding="utf-8"?>
-<p:sld xmlns:a="http://schemas.openxmlformats.org/drawingml/2006/main" xmlns:r="http://schemas.openxmlformats.org/officeDocument/2006/relationships" xmlns:p="http://schemas.openxmlformats.org/presentationml/2006/main">
-  <p:cSld>
-    <p:spTree>
-      <p:nvGrpSpPr>
-        <p:cNvPr id="1" name=""/>
-        <p:cNvGrpSpPr/>
-        <p:nvPr/>
-      </p:nvGrpSpPr>
-      <p:grpSpPr>
-        <a:xfrm>
-          <a:off x="0" y="0"/>
-          <a:ext cx="0" cy="0"/>
-          <a:chOff x="0" y="0"/>
-          <a:chExt cx="0" cy="0"/>
-        </a:xfrm>
-      </p:grpSpPr>
-      <p:sp>
-        <p:nvSpPr>
-          <p:cNvPr id="2" name="Title 1"/>
-          <p:cNvSpPr>
-            <a:spLocks noGrp="1"/>
-          </p:cNvSpPr>
-          <p:nvPr>
-            <p:ph type="title"/>
-          </p:nvPr>
-        </p:nvSpPr>
-        <p:spPr/>
-        <p:txBody>
-          <a:bodyPr/>
-          <a:lstStyle/>
-          <a:p>
-            <a:pPr algn="ctr"/>
-            <a:r>
-              <a:rPr lang="en-US" b="1" dirty="0" smtClean="0"/>
-              <a:t>Database Schema Diagram (Logical/DATA)</a:t>
-            </a:r>
-            <a:r>
-              <a:rPr lang="el-GR" b="1" dirty="0" smtClean="0"/>
-              <a:t/>
-            </a:r>
-            <a:br>
-              <a:rPr lang="el-GR" b="1" dirty="0" smtClean="0"/>
-            </a:br>
-            <a:r>
-              <a:rPr lang="el-GR" b="1" dirty="0" smtClean="0"/>
-              <a:t>ΣΥΣΧΕΤΙΣΕΙΣ</a:t>
-            </a:r>
-            <a:endParaRPr lang="en-US" b="1" dirty="0"/>
-          </a:p>
-        </p:txBody>
-      </p:sp>
-      <p:sp>
-        <p:nvSpPr>
-          <p:cNvPr id="3" name="Content Placeholder 2"/>
-          <p:cNvSpPr>
-            <a:spLocks noGrp="1"/>
-          </p:cNvSpPr>
-          <p:nvPr>
-            <p:ph idx="1"/>
-          </p:nvPr>
-        </p:nvSpPr>
-        <p:spPr/>
-        <p:txBody>
-          <a:bodyPr>
-            <a:normAutofit fontScale="92500" lnSpcReduction="20000"/>
-          </a:bodyPr>
-          <a:lstStyle/>
-          <a:p>
-            <a:r>
-              <a:rPr lang="el-GR" b="1" dirty="0" smtClean="0"/>
-              <a:t>Δεδομένα Κυκλοφορίας &amp; Αισθητήρες</a:t>
-            </a:r>
-          </a:p>
-          <a:p>
-            <a:pPr lvl="1"/>
-            <a:r>
-              <a:rPr lang="en-US" b="1" dirty="0" smtClean="0"/>
-              <a:t>Virtual Sensor → Traffic Data (1:N)</a:t>
-            </a:r>
-            <a:endParaRPr lang="el-GR" b="1" dirty="0" smtClean="0"/>
-          </a:p>
-          <a:p>
-            <a:pPr lvl="2"/>
-            <a:r>
-              <a:rPr lang="el-GR" sz="2400" dirty="0"/>
-              <a:t>Κάθε εικονικός αισθητήρας (</a:t>
-            </a:r>
-            <a:r>
-              <a:rPr lang="en-US" sz="2400" dirty="0"/>
-              <a:t>Virtual Sensor) </a:t>
-            </a:r>
-            <a:r>
-              <a:rPr lang="el-GR" sz="2400" dirty="0"/>
-              <a:t>συλλέγει δεδομένα (</a:t>
-            </a:r>
-            <a:r>
-              <a:rPr lang="en-US" sz="2400" dirty="0"/>
-              <a:t>Traffic Data).</a:t>
-            </a:r>
-          </a:p>
-          <a:p>
-            <a:pPr lvl="2"/>
-            <a:r>
-              <a:rPr lang="el-GR" sz="2400" dirty="0"/>
-              <a:t>Πολλά </a:t>
-            </a:r>
-            <a:r>
-              <a:rPr lang="en-US" sz="2400" dirty="0"/>
-              <a:t>Traffic Data </a:t>
-            </a:r>
-            <a:r>
-              <a:rPr lang="el-GR" sz="2400" dirty="0"/>
-              <a:t>μπορούν να σχετίζονται με έναν αισθητήρα.</a:t>
-            </a:r>
-          </a:p>
-          <a:p>
-            <a:pPr lvl="2"/>
-            <a:r>
-              <a:rPr lang="el-GR" sz="2400" dirty="0"/>
-              <a:t>Ξένο Κλειδί (</a:t>
-            </a:r>
-            <a:r>
-              <a:rPr lang="en-US" sz="2400" dirty="0"/>
-              <a:t>FK): </a:t>
-            </a:r>
-            <a:r>
-              <a:rPr lang="en-US" sz="2400" dirty="0" err="1"/>
-              <a:t>VirtualSensorID</a:t>
-            </a:r>
-            <a:r>
-              <a:rPr lang="en-US" sz="2400" dirty="0"/>
-              <a:t> </a:t>
-            </a:r>
-            <a:r>
-              <a:rPr lang="el-GR" sz="2400" dirty="0"/>
-              <a:t>στο </a:t>
-            </a:r>
-            <a:r>
-              <a:rPr lang="en-US" sz="2400" dirty="0"/>
-              <a:t>Traffic Data</a:t>
-            </a:r>
-            <a:r>
-              <a:rPr lang="en-US" sz="2400" dirty="0" smtClean="0"/>
-              <a:t>.</a:t>
-            </a:r>
-            <a:endParaRPr lang="el-GR" sz="2400" dirty="0" smtClean="0"/>
-          </a:p>
-          <a:p>
-            <a:pPr lvl="1"/>
-            <a:r>
-              <a:rPr lang="en-US" sz="2800" b="1" dirty="0"/>
-              <a:t>Virtual Sensor → Vehicle Detection (1:N</a:t>
-            </a:r>
-            <a:r>
-              <a:rPr lang="en-US" sz="2800" b="1" dirty="0" smtClean="0"/>
-              <a:t>)</a:t>
-            </a:r>
-            <a:endParaRPr lang="el-GR" sz="2800" b="1" dirty="0" smtClean="0"/>
-          </a:p>
-          <a:p>
-            <a:pPr lvl="2"/>
-            <a:r>
-              <a:rPr lang="el-GR" sz="2400" dirty="0"/>
-              <a:t>Κάθε αισθητήρας μπορεί να ανιχνεύσει πολλαπλά οχήματα μέσω της οντότητας </a:t>
-            </a:r>
-            <a:r>
-              <a:rPr lang="en-US" sz="2400" dirty="0"/>
-              <a:t>Vehicle Detection.</a:t>
-            </a:r>
-          </a:p>
-          <a:p>
-            <a:pPr lvl="2"/>
-            <a:r>
-              <a:rPr lang="el-GR" sz="2400" dirty="0"/>
-              <a:t>Ξένο Κλειδί (</a:t>
-            </a:r>
-            <a:r>
-              <a:rPr lang="en-US" sz="2400" dirty="0"/>
-              <a:t>FK): </a:t>
-            </a:r>
-            <a:r>
-              <a:rPr lang="en-US" sz="2400" dirty="0" err="1"/>
-              <a:t>VirtualSensorID</a:t>
-            </a:r>
-            <a:r>
-              <a:rPr lang="en-US" sz="2400" dirty="0"/>
-              <a:t> </a:t>
-            </a:r>
-            <a:r>
-              <a:rPr lang="el-GR" sz="2400" dirty="0"/>
-              <a:t>στο </a:t>
-            </a:r>
-            <a:r>
-              <a:rPr lang="en-US" sz="2400" dirty="0"/>
-              <a:t>Vehicle Detection</a:t>
-            </a:r>
-            <a:r>
-              <a:rPr lang="en-US" sz="2400" dirty="0" smtClean="0"/>
-              <a:t>.</a:t>
-            </a:r>
-            <a:endParaRPr lang="el-GR" sz="2400" dirty="0" smtClean="0"/>
-          </a:p>
-          <a:p>
-            <a:pPr lvl="1"/>
-            <a:r>
-              <a:rPr lang="en-US" sz="2800" b="1" dirty="0"/>
-              <a:t>Intersection → Traffic Data (1:N</a:t>
-            </a:r>
-            <a:r>
-              <a:rPr lang="en-US" sz="2800" b="1" dirty="0" smtClean="0"/>
-              <a:t>)</a:t>
-            </a:r>
-            <a:endParaRPr lang="el-GR" sz="2800" b="1" dirty="0" smtClean="0"/>
-          </a:p>
-          <a:p>
-            <a:pPr lvl="2"/>
-            <a:r>
-              <a:rPr lang="el-GR" sz="2400" dirty="0"/>
-              <a:t>Κάθε διασταύρωση (Intersection) μπορεί να έχει πολλαπλά σύνολα δεδομένων κυκλοφορίας (Traffic Data) που συλλέγονται σε διαφορετικές χρονικές στιγμές</a:t>
-            </a:r>
-            <a:r>
-              <a:rPr lang="el-GR" sz="2400" dirty="0" smtClean="0"/>
-              <a:t>.</a:t>
-            </a:r>
-          </a:p>
-          <a:p>
-            <a:pPr lvl="2"/>
-            <a:r>
-              <a:rPr lang="el-GR" sz="2400" dirty="0"/>
-              <a:t>Ξένο Κλειδί (</a:t>
-            </a:r>
-            <a:r>
-              <a:rPr lang="en-US" sz="2400" dirty="0"/>
-              <a:t>FK): </a:t>
-            </a:r>
-            <a:r>
-              <a:rPr lang="en-US" sz="2400" dirty="0" err="1" smtClean="0"/>
-              <a:t>IntersectionID</a:t>
-            </a:r>
-            <a:r>
-              <a:rPr lang="en-US" sz="2400" dirty="0" smtClean="0"/>
-              <a:t> </a:t>
-            </a:r>
-            <a:r>
-              <a:rPr lang="el-GR" sz="2400" dirty="0"/>
-              <a:t>στο </a:t>
-            </a:r>
-            <a:r>
-              <a:rPr lang="en-US" sz="2400" dirty="0" smtClean="0"/>
-              <a:t>Traffic Data</a:t>
-            </a:r>
-            <a:endParaRPr lang="el-GR" sz="2400" b="1" dirty="0" smtClean="0"/>
-          </a:p>
-        </p:txBody>
-      </p:sp>
-    </p:spTree>
-    <p:extLst>
-      <p:ext uri="{BB962C8B-B14F-4D97-AF65-F5344CB8AC3E}">
-        <p14:creationId xmlns:p14="http://schemas.microsoft.com/office/powerpoint/2010/main" val="1540099118"/>
-      </p:ext>
-    </p:extLst>
-  </p:cSld>
-  <p:clrMapOvr>
-    <a:masterClrMapping/>
-  </p:clrMapOvr>
-  <p:timing>
-    <p:tnLst>
-      <p:par>
-        <p:cTn id="1" dur="indefinite" restart="never" nodeType="tmRoot"/>
-      </p:par>
-    </p:tnLst>
-  </p:timing>
-</p:sld>
-</file>
-
-<file path=ppt/slides/slide27.xml><?xml version="1.0" encoding="utf-8"?>
-<p:sld xmlns:a="http://schemas.openxmlformats.org/drawingml/2006/main" xmlns:r="http://schemas.openxmlformats.org/officeDocument/2006/relationships" xmlns:p="http://schemas.openxmlformats.org/presentationml/2006/main">
-  <p:cSld>
-    <p:spTree>
-      <p:nvGrpSpPr>
-        <p:cNvPr id="1" name=""/>
-        <p:cNvGrpSpPr/>
-        <p:nvPr/>
-      </p:nvGrpSpPr>
-      <p:grpSpPr>
-        <a:xfrm>
-          <a:off x="0" y="0"/>
-          <a:ext cx="0" cy="0"/>
-          <a:chOff x="0" y="0"/>
-          <a:chExt cx="0" cy="0"/>
-        </a:xfrm>
-      </p:grpSpPr>
-      <p:sp>
-        <p:nvSpPr>
-          <p:cNvPr id="2" name="Title 1"/>
-          <p:cNvSpPr>
-            <a:spLocks noGrp="1"/>
-          </p:cNvSpPr>
-          <p:nvPr>
-            <p:ph type="title"/>
-          </p:nvPr>
-        </p:nvSpPr>
-        <p:spPr/>
-        <p:txBody>
-          <a:bodyPr/>
-          <a:lstStyle/>
-          <a:p>
-            <a:pPr algn="ctr"/>
-            <a:r>
-              <a:rPr lang="en-US" b="1" dirty="0" smtClean="0"/>
-              <a:t>Database Schema Diagram (Logical/DATA)</a:t>
-            </a:r>
-            <a:r>
-              <a:rPr lang="el-GR" b="1" dirty="0" smtClean="0"/>
-              <a:t/>
-            </a:r>
-            <a:br>
-              <a:rPr lang="el-GR" b="1" dirty="0" smtClean="0"/>
-            </a:br>
-            <a:r>
-              <a:rPr lang="el-GR" b="1" dirty="0" smtClean="0"/>
-              <a:t>ΣΥΣΧΕΤΙΣΕΙΣ</a:t>
-            </a:r>
-            <a:endParaRPr lang="en-US" b="1" dirty="0"/>
-          </a:p>
-        </p:txBody>
-      </p:sp>
-      <p:sp>
-        <p:nvSpPr>
-          <p:cNvPr id="3" name="Content Placeholder 2"/>
-          <p:cNvSpPr>
-            <a:spLocks noGrp="1"/>
-          </p:cNvSpPr>
-          <p:nvPr>
-            <p:ph idx="1"/>
-          </p:nvPr>
-        </p:nvSpPr>
-        <p:spPr/>
-        <p:txBody>
-          <a:bodyPr>
-            <a:normAutofit/>
-          </a:bodyPr>
-          <a:lstStyle/>
-          <a:p>
-            <a:r>
-              <a:rPr lang="el-GR" b="1" dirty="0" smtClean="0"/>
-              <a:t>Ανίχνευση Οχημάτων</a:t>
-            </a:r>
-            <a:endParaRPr lang="el-GR" b="1" dirty="0"/>
-          </a:p>
-        </p:txBody>
-      </p:sp>
-      <p:pic>
-        <p:nvPicPr>
-          <p:cNvPr id="4" name="Picture 3"/>
-          <p:cNvPicPr>
-            <a:picLocks noChangeAspect="1"/>
-          </p:cNvPicPr>
-          <p:nvPr/>
-        </p:nvPicPr>
-        <p:blipFill>
-          <a:blip r:embed="rId2">
-            <a:extLst>
-              <a:ext uri="{28A0092B-C50C-407E-A947-70E740481C1C}">
-                <a14:useLocalDpi xmlns:a14="http://schemas.microsoft.com/office/drawing/2010/main" val="0"/>
-              </a:ext>
-            </a:extLst>
-          </a:blip>
-          <a:stretch>
-            <a:fillRect/>
-          </a:stretch>
-        </p:blipFill>
-        <p:spPr>
-          <a:xfrm>
-            <a:off x="3808192" y="2283896"/>
-            <a:ext cx="4571038" cy="4312620"/>
-          </a:xfrm>
-          <a:prstGeom prst="rect">
-            <a:avLst/>
-          </a:prstGeom>
-        </p:spPr>
-      </p:pic>
-    </p:spTree>
-    <p:extLst>
-      <p:ext uri="{BB962C8B-B14F-4D97-AF65-F5344CB8AC3E}">
-        <p14:creationId xmlns:p14="http://schemas.microsoft.com/office/powerpoint/2010/main" val="2070849409"/>
-      </p:ext>
-    </p:extLst>
-  </p:cSld>
-  <p:clrMapOvr>
-    <a:masterClrMapping/>
-  </p:clrMapOvr>
-  <p:timing>
-    <p:tnLst>
-      <p:par>
-        <p:cTn id="1" dur="indefinite" restart="never" nodeType="tmRoot"/>
-      </p:par>
-    </p:tnLst>
-  </p:timing>
-</p:sld>
-</file>
-
 <file path=ppt/slides/slide28.xml><?xml version="1.0" encoding="utf-8"?>
 <p:sld xmlns:a="http://schemas.openxmlformats.org/drawingml/2006/main" xmlns:r="http://schemas.openxmlformats.org/officeDocument/2006/relationships" xmlns:p="http://schemas.openxmlformats.org/presentationml/2006/main">
   <p:cSld>
@@ -13791,20 +15494,94 @@
         <p:spPr/>
         <p:txBody>
           <a:bodyPr>
-            <a:normAutofit/>
+            <a:normAutofit fontScale="92500" lnSpcReduction="20000"/>
           </a:bodyPr>
           <a:lstStyle/>
           <a:p>
             <a:r>
               <a:rPr lang="el-GR" b="1" dirty="0" smtClean="0"/>
-              <a:t>Ανίχνευση Οχημάτων</a:t>
+              <a:t>Δεδομένα Κυκλοφορίας &amp; Αισθητήρες</a:t>
             </a:r>
           </a:p>
           <a:p>
             <a:pPr lvl="1"/>
             <a:r>
+              <a:rPr lang="en-US" b="1" dirty="0" smtClean="0"/>
+              <a:t>Virtual Sensor → Traffic Data (1:N)</a:t>
+            </a:r>
+            <a:endParaRPr lang="el-GR" b="1" dirty="0" smtClean="0"/>
+          </a:p>
+          <a:p>
+            <a:pPr lvl="2"/>
+            <a:r>
+              <a:rPr lang="el-GR" sz="2400" dirty="0"/>
+              <a:t>Κάθε εικονικός αισθητήρας (</a:t>
+            </a:r>
+            <a:r>
+              <a:rPr lang="en-US" sz="2400" dirty="0"/>
+              <a:t>Virtual Sensor) </a:t>
+            </a:r>
+            <a:r>
+              <a:rPr lang="el-GR" sz="2400" dirty="0"/>
+              <a:t>συλλέγει δεδομένα (</a:t>
+            </a:r>
+            <a:r>
+              <a:rPr lang="en-US" sz="2400" dirty="0"/>
+              <a:t>Traffic Data).</a:t>
+            </a:r>
+          </a:p>
+          <a:p>
+            <a:pPr lvl="2"/>
+            <a:r>
+              <a:rPr lang="el-GR" sz="2400" dirty="0"/>
+              <a:t>Πολλά </a:t>
+            </a:r>
+            <a:r>
+              <a:rPr lang="en-US" sz="2400" dirty="0"/>
+              <a:t>Traffic Data </a:t>
+            </a:r>
+            <a:r>
+              <a:rPr lang="el-GR" sz="2400" dirty="0"/>
+              <a:t>μπορούν να σχετίζονται με έναν αισθητήρα.</a:t>
+            </a:r>
+          </a:p>
+          <a:p>
+            <a:pPr lvl="2"/>
+            <a:r>
+              <a:rPr lang="el-GR" sz="2400" dirty="0"/>
+              <a:t>Ξένο Κλειδί (</a:t>
+            </a:r>
+            <a:r>
+              <a:rPr lang="en-US" sz="2400" dirty="0"/>
+              <a:t>FK): </a:t>
+            </a:r>
+            <a:r>
+              <a:rPr lang="en-US" sz="2400" dirty="0" err="1"/>
+              <a:t>VirtualSensorID</a:t>
+            </a:r>
+            <a:r>
+              <a:rPr lang="en-US" sz="2400" dirty="0"/>
+              <a:t> </a:t>
+            </a:r>
+            <a:r>
+              <a:rPr lang="el-GR" sz="2400" dirty="0"/>
+              <a:t>στο </a:t>
+            </a:r>
+            <a:r>
+              <a:rPr lang="en-US" sz="2400" dirty="0"/>
+              <a:t>Traffic Data</a:t>
+            </a:r>
+            <a:r>
+              <a:rPr lang="en-US" sz="2400" dirty="0" smtClean="0"/>
+              <a:t>.</a:t>
+            </a:r>
+            <a:endParaRPr lang="el-GR" sz="2400" dirty="0" smtClean="0"/>
+          </a:p>
+          <a:p>
+            <a:pPr lvl="1"/>
+            <a:r>
               <a:rPr lang="en-US" sz="2800" b="1" dirty="0"/>
-              <a:t>Vehicle → Vehicle Detection (1:N</a:t>
+              <a:t>Virtual Sensor → Vehicle Detection (1:N</a:t>
             </a:r>
             <a:r>
               <a:rPr lang="en-US" sz="2800" b="1" dirty="0" smtClean="0"/>
@@ -13816,14 +15593,62 @@
             <a:pPr lvl="2"/>
             <a:r>
               <a:rPr lang="el-GR" sz="2400" dirty="0"/>
-              <a:t>Ένα όχημα (Vehicle) μπορεί να ανιχνευθεί πολλές φορές από διαφορετικούς αισθητήρες.</a:t>
+              <a:t>Κάθε αισθητήρας μπορεί να ανιχνεύσει πολλαπλά οχήματα μέσω της οντότητας </a:t>
+            </a:r>
+            <a:r>
+              <a:rPr lang="en-US" sz="2400" dirty="0"/>
+              <a:t>Vehicle Detection.</a:t>
             </a:r>
           </a:p>
           <a:p>
             <a:pPr lvl="2"/>
             <a:r>
               <a:rPr lang="el-GR" sz="2400" dirty="0"/>
-              <a:t>Ξένο Κλειδί (FK): VehicleID στο Vehicle Detection</a:t>
+              <a:t>Ξένο Κλειδί (</a:t>
+            </a:r>
+            <a:r>
+              <a:rPr lang="en-US" sz="2400" dirty="0"/>
+              <a:t>FK): </a:t>
+            </a:r>
+            <a:r>
+              <a:rPr lang="en-US" sz="2400" dirty="0" err="1"/>
+              <a:t>VirtualSensorID</a:t>
+            </a:r>
+            <a:r>
+              <a:rPr lang="en-US" sz="2400" dirty="0"/>
+              <a:t> </a:t>
+            </a:r>
+            <a:r>
+              <a:rPr lang="el-GR" sz="2400" dirty="0"/>
+              <a:t>στο </a:t>
+            </a:r>
+            <a:r>
+              <a:rPr lang="en-US" sz="2400" dirty="0"/>
+              <a:t>Vehicle Detection</a:t>
+            </a:r>
+            <a:r>
+              <a:rPr lang="en-US" sz="2400" dirty="0" smtClean="0"/>
+              <a:t>.</a:t>
+            </a:r>
+            <a:endParaRPr lang="el-GR" sz="2400" dirty="0" smtClean="0"/>
+          </a:p>
+          <a:p>
+            <a:pPr lvl="1"/>
+            <a:r>
+              <a:rPr lang="en-US" sz="2800" b="1" dirty="0"/>
+              <a:t>Intersection → Traffic Data (1:N</a:t>
+            </a:r>
+            <a:r>
+              <a:rPr lang="en-US" sz="2800" b="1" dirty="0" smtClean="0"/>
+              <a:t>)</a:t>
+            </a:r>
+            <a:endParaRPr lang="el-GR" sz="2800" b="1" dirty="0" smtClean="0"/>
+          </a:p>
+          <a:p>
+            <a:pPr lvl="2"/>
+            <a:r>
+              <a:rPr lang="el-GR" sz="2400" dirty="0"/>
+              <a:t>Κάθε διασταύρωση (Intersection) μπορεί να έχει πολλαπλά σύνολα δεδομένων κυκλοφορίας (Traffic Data) που συλλέγονται σε διαφορετικές χρονικές στιγμές</a:t>
             </a:r>
             <a:r>
               <a:rPr lang="el-GR" sz="2400" dirty="0" smtClean="0"/>
@@ -13831,41 +15656,39 @@
             </a:r>
           </a:p>
           <a:p>
-            <a:pPr lvl="1"/>
-            <a:r>
-              <a:rPr lang="en-US" sz="2800" b="1" dirty="0"/>
-              <a:t>Vehicle Detection → Traffic Data (</a:t>
-            </a:r>
-            <a:r>
-              <a:rPr lang="en-US" sz="2800" b="1" dirty="0" smtClean="0"/>
-              <a:t>1:N)</a:t>
-            </a:r>
-            <a:r>
-              <a:rPr lang="el-GR" sz="2800" b="1" dirty="0" smtClean="0"/>
+            <a:pPr lvl="2"/>
+            <a:r>
+              <a:rPr lang="el-GR" sz="2400" dirty="0"/>
+              <a:t>Ξένο Κλειδί (</a:t>
+            </a:r>
+            <a:r>
+              <a:rPr lang="en-US" sz="2400" dirty="0"/>
+              <a:t>FK): </a:t>
+            </a:r>
+            <a:r>
+              <a:rPr lang="en-US" sz="2400" dirty="0" err="1" smtClean="0"/>
+              <a:t>IntersectionID</a:t>
+            </a:r>
+            <a:r>
+              <a:rPr lang="en-US" sz="2400" dirty="0" smtClean="0"/>
               <a:t> </a:t>
             </a:r>
-          </a:p>
-          <a:p>
-            <a:pPr lvl="2"/>
             <a:r>
               <a:rPr lang="el-GR" sz="2400" dirty="0"/>
-              <a:t>Κάθε ανίχνευση συσχετίζεται με τα δεδομένα κυκλοφορίας της χρονικής στιγμής.</a:t>
-            </a:r>
-          </a:p>
-          <a:p>
-            <a:pPr lvl="2"/>
-            <a:r>
-              <a:rPr lang="el-GR" sz="2400" dirty="0"/>
-              <a:t>Ξένο Κλειδί (FK): TrafficDataID στο Vehicle Detection.</a:t>
-            </a:r>
-            <a:endParaRPr lang="el-GR" sz="2400" dirty="0" smtClean="0"/>
+              <a:t>στο </a:t>
+            </a:r>
+            <a:r>
+              <a:rPr lang="en-US" sz="2400" dirty="0" smtClean="0"/>
+              <a:t>Traffic Data</a:t>
+            </a:r>
+            <a:endParaRPr lang="el-GR" sz="2400" b="1" dirty="0" smtClean="0"/>
           </a:p>
         </p:txBody>
       </p:sp>
     </p:spTree>
     <p:extLst>
       <p:ext uri="{BB962C8B-B14F-4D97-AF65-F5344CB8AC3E}">
-        <p14:creationId xmlns:p14="http://schemas.microsoft.com/office/powerpoint/2010/main" val="3977463694"/>
+        <p14:creationId xmlns:p14="http://schemas.microsoft.com/office/powerpoint/2010/main" val="1540099118"/>
       </p:ext>
     </p:extLst>
   </p:cSld>
@@ -13952,15 +15775,16 @@
           <a:lstStyle/>
           <a:p>
             <a:r>
-              <a:rPr lang="el-GR" b="1" dirty="0"/>
-              <a:t>Σύστημα Διαχείρισης Σηματοδότησης</a:t>
-            </a:r>
+              <a:rPr lang="el-GR" b="1" dirty="0" smtClean="0"/>
+              <a:t>Ανίχνευση Οχημάτων</a:t>
+            </a:r>
+            <a:endParaRPr lang="el-GR" b="1" dirty="0"/>
           </a:p>
         </p:txBody>
       </p:sp>
       <p:pic>
         <p:nvPicPr>
-          <p:cNvPr id="5" name="Picture 4"/>
+          <p:cNvPr id="4" name="Picture 3"/>
           <p:cNvPicPr>
             <a:picLocks noChangeAspect="1"/>
           </p:cNvPicPr>
@@ -13980,8 +15804,8 @@
         </p:blipFill>
         <p:spPr>
           <a:xfrm>
-            <a:off x="3814637" y="2335876"/>
-            <a:ext cx="4562726" cy="4304778"/>
+            <a:off x="3808192" y="2283896"/>
+            <a:ext cx="4571038" cy="4312620"/>
           </a:xfrm>
           <a:prstGeom prst="rect">
             <a:avLst/>
@@ -13991,7 +15815,7 @@
     </p:spTree>
     <p:extLst>
       <p:ext uri="{BB962C8B-B14F-4D97-AF65-F5344CB8AC3E}">
-        <p14:creationId xmlns:p14="http://schemas.microsoft.com/office/powerpoint/2010/main" val="2337317315"/>
+        <p14:creationId xmlns:p14="http://schemas.microsoft.com/office/powerpoint/2010/main" val="2070849409"/>
       </p:ext>
     </p:extLst>
   </p:cSld>
@@ -14178,6 +16002,288 @@
         <p:spPr/>
         <p:txBody>
           <a:bodyPr>
+            <a:normAutofit/>
+          </a:bodyPr>
+          <a:lstStyle/>
+          <a:p>
+            <a:r>
+              <a:rPr lang="el-GR" b="1" dirty="0" smtClean="0"/>
+              <a:t>Ανίχνευση Οχημάτων</a:t>
+            </a:r>
+          </a:p>
+          <a:p>
+            <a:pPr lvl="1"/>
+            <a:r>
+              <a:rPr lang="en-US" sz="2800" b="1" dirty="0"/>
+              <a:t>Vehicle → Vehicle Detection (1:N</a:t>
+            </a:r>
+            <a:r>
+              <a:rPr lang="en-US" sz="2800" b="1" dirty="0" smtClean="0"/>
+              <a:t>)</a:t>
+            </a:r>
+            <a:endParaRPr lang="el-GR" sz="2800" b="1" dirty="0" smtClean="0"/>
+          </a:p>
+          <a:p>
+            <a:pPr lvl="2"/>
+            <a:r>
+              <a:rPr lang="el-GR" sz="2400" dirty="0"/>
+              <a:t>Ένα όχημα (Vehicle) μπορεί να ανιχνευθεί πολλές φορές από διαφορετικούς αισθητήρες.</a:t>
+            </a:r>
+          </a:p>
+          <a:p>
+            <a:pPr lvl="2"/>
+            <a:r>
+              <a:rPr lang="el-GR" sz="2400" dirty="0"/>
+              <a:t>Ξένο Κλειδί (FK): VehicleID στο Vehicle Detection</a:t>
+            </a:r>
+            <a:r>
+              <a:rPr lang="el-GR" sz="2400" dirty="0" smtClean="0"/>
+              <a:t>.</a:t>
+            </a:r>
+          </a:p>
+          <a:p>
+            <a:pPr lvl="1"/>
+            <a:r>
+              <a:rPr lang="en-US" sz="2800" b="1" dirty="0"/>
+              <a:t>Vehicle Detection → Traffic Data (</a:t>
+            </a:r>
+            <a:r>
+              <a:rPr lang="en-US" sz="2800" b="1" dirty="0" smtClean="0"/>
+              <a:t>1:N)</a:t>
+            </a:r>
+            <a:r>
+              <a:rPr lang="el-GR" sz="2800" b="1" dirty="0" smtClean="0"/>
+              <a:t> </a:t>
+            </a:r>
+          </a:p>
+          <a:p>
+            <a:pPr lvl="2"/>
+            <a:r>
+              <a:rPr lang="el-GR" sz="2400" dirty="0"/>
+              <a:t>Κάθε ανίχνευση συσχετίζεται με τα δεδομένα κυκλοφορίας της χρονικής στιγμής.</a:t>
+            </a:r>
+          </a:p>
+          <a:p>
+            <a:pPr lvl="2"/>
+            <a:r>
+              <a:rPr lang="el-GR" sz="2400" dirty="0"/>
+              <a:t>Ξένο Κλειδί (FK): TrafficDataID στο Vehicle Detection.</a:t>
+            </a:r>
+            <a:endParaRPr lang="el-GR" sz="2400" dirty="0" smtClean="0"/>
+          </a:p>
+        </p:txBody>
+      </p:sp>
+    </p:spTree>
+    <p:extLst>
+      <p:ext uri="{BB962C8B-B14F-4D97-AF65-F5344CB8AC3E}">
+        <p14:creationId xmlns:p14="http://schemas.microsoft.com/office/powerpoint/2010/main" val="3977463694"/>
+      </p:ext>
+    </p:extLst>
+  </p:cSld>
+  <p:clrMapOvr>
+    <a:masterClrMapping/>
+  </p:clrMapOvr>
+  <p:timing>
+    <p:tnLst>
+      <p:par>
+        <p:cTn id="1" dur="indefinite" restart="never" nodeType="tmRoot"/>
+      </p:par>
+    </p:tnLst>
+  </p:timing>
+</p:sld>
+</file>
+
+<file path=ppt/slides/slide31.xml><?xml version="1.0" encoding="utf-8"?>
+<p:sld xmlns:a="http://schemas.openxmlformats.org/drawingml/2006/main" xmlns:r="http://schemas.openxmlformats.org/officeDocument/2006/relationships" xmlns:p="http://schemas.openxmlformats.org/presentationml/2006/main">
+  <p:cSld>
+    <p:spTree>
+      <p:nvGrpSpPr>
+        <p:cNvPr id="1" name=""/>
+        <p:cNvGrpSpPr/>
+        <p:nvPr/>
+      </p:nvGrpSpPr>
+      <p:grpSpPr>
+        <a:xfrm>
+          <a:off x="0" y="0"/>
+          <a:ext cx="0" cy="0"/>
+          <a:chOff x="0" y="0"/>
+          <a:chExt cx="0" cy="0"/>
+        </a:xfrm>
+      </p:grpSpPr>
+      <p:sp>
+        <p:nvSpPr>
+          <p:cNvPr id="2" name="Title 1"/>
+          <p:cNvSpPr>
+            <a:spLocks noGrp="1"/>
+          </p:cNvSpPr>
+          <p:nvPr>
+            <p:ph type="title"/>
+          </p:nvPr>
+        </p:nvSpPr>
+        <p:spPr/>
+        <p:txBody>
+          <a:bodyPr/>
+          <a:lstStyle/>
+          <a:p>
+            <a:pPr algn="ctr"/>
+            <a:r>
+              <a:rPr lang="en-US" b="1" dirty="0" smtClean="0"/>
+              <a:t>Database Schema Diagram (Logical/DATA)</a:t>
+            </a:r>
+            <a:r>
+              <a:rPr lang="el-GR" b="1" dirty="0" smtClean="0"/>
+              <a:t/>
+            </a:r>
+            <a:br>
+              <a:rPr lang="el-GR" b="1" dirty="0" smtClean="0"/>
+            </a:br>
+            <a:r>
+              <a:rPr lang="el-GR" b="1" dirty="0" smtClean="0"/>
+              <a:t>ΣΥΣΧΕΤΙΣΕΙΣ</a:t>
+            </a:r>
+            <a:endParaRPr lang="en-US" b="1" dirty="0"/>
+          </a:p>
+        </p:txBody>
+      </p:sp>
+      <p:sp>
+        <p:nvSpPr>
+          <p:cNvPr id="3" name="Content Placeholder 2"/>
+          <p:cNvSpPr>
+            <a:spLocks noGrp="1"/>
+          </p:cNvSpPr>
+          <p:nvPr>
+            <p:ph idx="1"/>
+          </p:nvPr>
+        </p:nvSpPr>
+        <p:spPr/>
+        <p:txBody>
+          <a:bodyPr>
+            <a:normAutofit/>
+          </a:bodyPr>
+          <a:lstStyle/>
+          <a:p>
+            <a:r>
+              <a:rPr lang="el-GR" b="1" dirty="0"/>
+              <a:t>Σύστημα Διαχείρισης Σηματοδότησης</a:t>
+            </a:r>
+          </a:p>
+        </p:txBody>
+      </p:sp>
+      <p:pic>
+        <p:nvPicPr>
+          <p:cNvPr id="5" name="Picture 4"/>
+          <p:cNvPicPr>
+            <a:picLocks noChangeAspect="1"/>
+          </p:cNvPicPr>
+          <p:nvPr/>
+        </p:nvPicPr>
+        <p:blipFill>
+          <a:blip r:embed="rId2">
+            <a:extLst>
+              <a:ext uri="{28A0092B-C50C-407E-A947-70E740481C1C}">
+                <a14:useLocalDpi xmlns:a14="http://schemas.microsoft.com/office/drawing/2010/main" val="0"/>
+              </a:ext>
+            </a:extLst>
+          </a:blip>
+          <a:stretch>
+            <a:fillRect/>
+          </a:stretch>
+        </p:blipFill>
+        <p:spPr>
+          <a:xfrm>
+            <a:off x="3814637" y="2335876"/>
+            <a:ext cx="4562726" cy="4304778"/>
+          </a:xfrm>
+          <a:prstGeom prst="rect">
+            <a:avLst/>
+          </a:prstGeom>
+        </p:spPr>
+      </p:pic>
+    </p:spTree>
+    <p:extLst>
+      <p:ext uri="{BB962C8B-B14F-4D97-AF65-F5344CB8AC3E}">
+        <p14:creationId xmlns:p14="http://schemas.microsoft.com/office/powerpoint/2010/main" val="2337317315"/>
+      </p:ext>
+    </p:extLst>
+  </p:cSld>
+  <p:clrMapOvr>
+    <a:masterClrMapping/>
+  </p:clrMapOvr>
+  <p:timing>
+    <p:tnLst>
+      <p:par>
+        <p:cTn id="1" dur="indefinite" restart="never" nodeType="tmRoot"/>
+      </p:par>
+    </p:tnLst>
+  </p:timing>
+</p:sld>
+</file>
+
+<file path=ppt/slides/slide32.xml><?xml version="1.0" encoding="utf-8"?>
+<p:sld xmlns:a="http://schemas.openxmlformats.org/drawingml/2006/main" xmlns:r="http://schemas.openxmlformats.org/officeDocument/2006/relationships" xmlns:p="http://schemas.openxmlformats.org/presentationml/2006/main">
+  <p:cSld>
+    <p:spTree>
+      <p:nvGrpSpPr>
+        <p:cNvPr id="1" name=""/>
+        <p:cNvGrpSpPr/>
+        <p:nvPr/>
+      </p:nvGrpSpPr>
+      <p:grpSpPr>
+        <a:xfrm>
+          <a:off x="0" y="0"/>
+          <a:ext cx="0" cy="0"/>
+          <a:chOff x="0" y="0"/>
+          <a:chExt cx="0" cy="0"/>
+        </a:xfrm>
+      </p:grpSpPr>
+      <p:sp>
+        <p:nvSpPr>
+          <p:cNvPr id="2" name="Title 1"/>
+          <p:cNvSpPr>
+            <a:spLocks noGrp="1"/>
+          </p:cNvSpPr>
+          <p:nvPr>
+            <p:ph type="title"/>
+          </p:nvPr>
+        </p:nvSpPr>
+        <p:spPr/>
+        <p:txBody>
+          <a:bodyPr/>
+          <a:lstStyle/>
+          <a:p>
+            <a:pPr algn="ctr"/>
+            <a:r>
+              <a:rPr lang="en-US" b="1" dirty="0" smtClean="0"/>
+              <a:t>Database Schema Diagram (Logical/DATA)</a:t>
+            </a:r>
+            <a:r>
+              <a:rPr lang="el-GR" b="1" dirty="0" smtClean="0"/>
+              <a:t/>
+            </a:r>
+            <a:br>
+              <a:rPr lang="el-GR" b="1" dirty="0" smtClean="0"/>
+            </a:br>
+            <a:r>
+              <a:rPr lang="el-GR" b="1" dirty="0" smtClean="0"/>
+              <a:t>ΣΥΣΧΕΤΙΣΕΙΣ</a:t>
+            </a:r>
+            <a:endParaRPr lang="en-US" b="1" dirty="0"/>
+          </a:p>
+        </p:txBody>
+      </p:sp>
+      <p:sp>
+        <p:nvSpPr>
+          <p:cNvPr id="3" name="Content Placeholder 2"/>
+          <p:cNvSpPr>
+            <a:spLocks noGrp="1"/>
+          </p:cNvSpPr>
+          <p:nvPr>
+            <p:ph idx="1"/>
+          </p:nvPr>
+        </p:nvSpPr>
+        <p:spPr/>
+        <p:txBody>
+          <a:bodyPr>
             <a:normAutofit fontScale="92500" lnSpcReduction="10000"/>
           </a:bodyPr>
           <a:lstStyle/>
@@ -14300,7 +16406,7 @@
 </p:sld>
 </file>
 
-<file path=ppt/slides/slide31.xml><?xml version="1.0" encoding="utf-8"?>
+<file path=ppt/slides/slide33.xml><?xml version="1.0" encoding="utf-8"?>
 <p:sld xmlns:a="http://schemas.openxmlformats.org/drawingml/2006/main" xmlns:r="http://schemas.openxmlformats.org/officeDocument/2006/relationships" xmlns:p="http://schemas.openxmlformats.org/presentationml/2006/main">
   <p:cSld>
     <p:spTree>
@@ -14427,7 +16533,7 @@
 </p:sld>
 </file>
 
-<file path=ppt/slides/slide32.xml><?xml version="1.0" encoding="utf-8"?>
+<file path=ppt/slides/slide34.xml><?xml version="1.0" encoding="utf-8"?>
 <p:sld xmlns:a="http://schemas.openxmlformats.org/drawingml/2006/main" xmlns:r="http://schemas.openxmlformats.org/officeDocument/2006/relationships" xmlns:p="http://schemas.openxmlformats.org/presentationml/2006/main">
   <p:cSld>
     <p:spTree>
@@ -14620,7 +16726,7 @@
 </p:sld>
 </file>
 
-<file path=ppt/slides/slide33.xml><?xml version="1.0" encoding="utf-8"?>
+<file path=ppt/slides/slide35.xml><?xml version="1.0" encoding="utf-8"?>
 <p:sld xmlns:a="http://schemas.openxmlformats.org/drawingml/2006/main" xmlns:r="http://schemas.openxmlformats.org/officeDocument/2006/relationships" xmlns:p="http://schemas.openxmlformats.org/presentationml/2006/main">
   <p:cSld>
     <p:spTree>
@@ -15116,7 +17222,7 @@
       </p:sp>
       <p:pic>
         <p:nvPicPr>
-          <p:cNvPr id="4" name="Picture 3"/>
+          <p:cNvPr id="5" name="Picture 4"/>
           <p:cNvPicPr>
             <a:picLocks noChangeAspect="1"/>
           </p:cNvPicPr>

--- a/Presentation.pptx
+++ b/Presentation.pptx
@@ -26,15 +26,20 @@
     <p:sldId id="271" r:id="rId20"/>
     <p:sldId id="272" r:id="rId21"/>
     <p:sldId id="273" r:id="rId22"/>
-    <p:sldId id="296" r:id="rId23"/>
-    <p:sldId id="297" r:id="rId24"/>
-    <p:sldId id="298" r:id="rId25"/>
-    <p:sldId id="299" r:id="rId26"/>
-    <p:sldId id="300" r:id="rId27"/>
-    <p:sldId id="290" r:id="rId28"/>
-    <p:sldId id="291" r:id="rId29"/>
-    <p:sldId id="292" r:id="rId30"/>
-    <p:sldId id="286" r:id="rId31"/>
+    <p:sldId id="301" r:id="rId23"/>
+    <p:sldId id="296" r:id="rId24"/>
+    <p:sldId id="302" r:id="rId25"/>
+    <p:sldId id="297" r:id="rId26"/>
+    <p:sldId id="303" r:id="rId27"/>
+    <p:sldId id="298" r:id="rId28"/>
+    <p:sldId id="304" r:id="rId29"/>
+    <p:sldId id="299" r:id="rId30"/>
+    <p:sldId id="305" r:id="rId31"/>
+    <p:sldId id="300" r:id="rId32"/>
+    <p:sldId id="290" r:id="rId33"/>
+    <p:sldId id="291" r:id="rId34"/>
+    <p:sldId id="292" r:id="rId35"/>
+    <p:sldId id="286" r:id="rId36"/>
   </p:sldIdLst>
   <p:sldSz cx="12192000" cy="6858000"/>
   <p:notesSz cx="6858000" cy="9144000"/>
@@ -272,7 +277,7 @@
           <a:p>
             <a:fld id="{7984FAF3-4BF0-4EBE-AF03-EDB583BD7E9E}" type="datetimeFigureOut">
               <a:rPr lang="en-US" smtClean="0"/>
-              <a:t>3/7/2025</a:t>
+              <a:t>3/8/2025</a:t>
             </a:fld>
             <a:endParaRPr lang="en-US"/>
           </a:p>
@@ -442,7 +447,7 @@
           <a:p>
             <a:fld id="{7984FAF3-4BF0-4EBE-AF03-EDB583BD7E9E}" type="datetimeFigureOut">
               <a:rPr lang="en-US" smtClean="0"/>
-              <a:t>3/7/2025</a:t>
+              <a:t>3/8/2025</a:t>
             </a:fld>
             <a:endParaRPr lang="en-US"/>
           </a:p>
@@ -622,7 +627,7 @@
           <a:p>
             <a:fld id="{7984FAF3-4BF0-4EBE-AF03-EDB583BD7E9E}" type="datetimeFigureOut">
               <a:rPr lang="en-US" smtClean="0"/>
-              <a:t>3/7/2025</a:t>
+              <a:t>3/8/2025</a:t>
             </a:fld>
             <a:endParaRPr lang="en-US"/>
           </a:p>
@@ -792,7 +797,7 @@
           <a:p>
             <a:fld id="{7984FAF3-4BF0-4EBE-AF03-EDB583BD7E9E}" type="datetimeFigureOut">
               <a:rPr lang="en-US" smtClean="0"/>
-              <a:t>3/7/2025</a:t>
+              <a:t>3/8/2025</a:t>
             </a:fld>
             <a:endParaRPr lang="en-US"/>
           </a:p>
@@ -1038,7 +1043,7 @@
           <a:p>
             <a:fld id="{7984FAF3-4BF0-4EBE-AF03-EDB583BD7E9E}" type="datetimeFigureOut">
               <a:rPr lang="en-US" smtClean="0"/>
-              <a:t>3/7/2025</a:t>
+              <a:t>3/8/2025</a:t>
             </a:fld>
             <a:endParaRPr lang="en-US"/>
           </a:p>
@@ -1270,7 +1275,7 @@
           <a:p>
             <a:fld id="{7984FAF3-4BF0-4EBE-AF03-EDB583BD7E9E}" type="datetimeFigureOut">
               <a:rPr lang="en-US" smtClean="0"/>
-              <a:t>3/7/2025</a:t>
+              <a:t>3/8/2025</a:t>
             </a:fld>
             <a:endParaRPr lang="en-US"/>
           </a:p>
@@ -1637,7 +1642,7 @@
           <a:p>
             <a:fld id="{7984FAF3-4BF0-4EBE-AF03-EDB583BD7E9E}" type="datetimeFigureOut">
               <a:rPr lang="en-US" smtClean="0"/>
-              <a:t>3/7/2025</a:t>
+              <a:t>3/8/2025</a:t>
             </a:fld>
             <a:endParaRPr lang="en-US"/>
           </a:p>
@@ -1755,7 +1760,7 @@
           <a:p>
             <a:fld id="{7984FAF3-4BF0-4EBE-AF03-EDB583BD7E9E}" type="datetimeFigureOut">
               <a:rPr lang="en-US" smtClean="0"/>
-              <a:t>3/7/2025</a:t>
+              <a:t>3/8/2025</a:t>
             </a:fld>
             <a:endParaRPr lang="en-US"/>
           </a:p>
@@ -1850,7 +1855,7 @@
           <a:p>
             <a:fld id="{7984FAF3-4BF0-4EBE-AF03-EDB583BD7E9E}" type="datetimeFigureOut">
               <a:rPr lang="en-US" smtClean="0"/>
-              <a:t>3/7/2025</a:t>
+              <a:t>3/8/2025</a:t>
             </a:fld>
             <a:endParaRPr lang="en-US"/>
           </a:p>
@@ -2127,7 +2132,7 @@
           <a:p>
             <a:fld id="{7984FAF3-4BF0-4EBE-AF03-EDB583BD7E9E}" type="datetimeFigureOut">
               <a:rPr lang="en-US" smtClean="0"/>
-              <a:t>3/7/2025</a:t>
+              <a:t>3/8/2025</a:t>
             </a:fld>
             <a:endParaRPr lang="en-US"/>
           </a:p>
@@ -2380,7 +2385,7 @@
           <a:p>
             <a:fld id="{7984FAF3-4BF0-4EBE-AF03-EDB583BD7E9E}" type="datetimeFigureOut">
               <a:rPr lang="en-US" smtClean="0"/>
-              <a:t>3/7/2025</a:t>
+              <a:t>3/8/2025</a:t>
             </a:fld>
             <a:endParaRPr lang="en-US"/>
           </a:p>
@@ -2593,7 +2598,7 @@
           <a:p>
             <a:fld id="{7984FAF3-4BF0-4EBE-AF03-EDB583BD7E9E}" type="datetimeFigureOut">
               <a:rPr lang="en-US" smtClean="0"/>
-              <a:t>3/7/2025</a:t>
+              <a:t>3/8/2025</a:t>
             </a:fld>
             <a:endParaRPr lang="en-US"/>
           </a:p>
@@ -3264,11 +3269,7 @@
             </a:r>
             <a:r>
               <a:rPr lang="el-GR" sz="2400" b="1" dirty="0" smtClean="0"/>
-              <a:t>Φαναριού</a:t>
-            </a:r>
-            <a:r>
-              <a:rPr lang="el-GR" sz="2400" b="1" dirty="0" smtClean="0"/>
-              <a:t>)</a:t>
+              <a:t>Φαναριού)</a:t>
             </a:r>
             <a:r>
               <a:rPr lang="en-US" sz="2400" b="1" dirty="0" smtClean="0"/>
@@ -3353,7 +3354,7 @@
           <p:nvPr>
             <p:extLst>
               <p:ext uri="{D42A27DB-BD31-4B8C-83A1-F6EECF244321}">
-                <p14:modId xmlns:p14="http://schemas.microsoft.com/office/powerpoint/2010/main" val="1166632308"/>
+                <p14:modId xmlns:p14="http://schemas.microsoft.com/office/powerpoint/2010/main" val="3956358110"/>
               </p:ext>
             </p:extLst>
           </p:nvPr>
@@ -3980,7 +3981,15 @@
                           <a:latin typeface="Calibri" panose="020F0502020204030204" pitchFamily="34" charset="0"/>
                           <a:ea typeface="Times New Roman" panose="02020603050405020304" pitchFamily="18" charset="0"/>
                         </a:rPr>
-                        <a:t>Κατάσταση του αισθητήρα.</a:t>
+                        <a:t>Κατάσταση λειτουργίας </a:t>
+                      </a:r>
+                      <a:r>
+                        <a:rPr lang="el-GR" sz="1200" dirty="0" smtClean="0">
+                          <a:effectLst/>
+                          <a:latin typeface="Calibri" panose="020F0502020204030204" pitchFamily="34" charset="0"/>
+                          <a:ea typeface="Times New Roman" panose="02020603050405020304" pitchFamily="18" charset="0"/>
+                        </a:rPr>
+                        <a:t>του αισθητήρα.</a:t>
                       </a:r>
                       <a:endParaRPr lang="en-US" sz="1200" dirty="0">
                         <a:effectLst/>
@@ -4096,11 +4105,7 @@
             </a:r>
             <a:r>
               <a:rPr lang="el-GR" sz="2400" b="1" dirty="0" smtClean="0"/>
-              <a:t>Δεδομένα Κυκλοφορίας</a:t>
-            </a:r>
-            <a:r>
-              <a:rPr lang="el-GR" sz="2400" b="1" dirty="0" smtClean="0"/>
-              <a:t>) </a:t>
+              <a:t>Δεδομένα Κυκλοφορίας) </a:t>
             </a:r>
             <a:r>
               <a:rPr lang="el-GR" sz="2400" b="1" dirty="0">
@@ -5728,11 +5733,7 @@
             </a:r>
             <a:r>
               <a:rPr lang="el-GR" sz="2400" b="1" dirty="0" smtClean="0"/>
-              <a:t>Ανίχνευση Οχημάτων</a:t>
-            </a:r>
-            <a:r>
-              <a:rPr lang="el-GR" sz="2400" b="1" dirty="0" smtClean="0"/>
-              <a:t>)</a:t>
+              <a:t>Ανίχνευση Οχημάτων)</a:t>
             </a:r>
             <a:r>
               <a:rPr lang="en-US" sz="2400" b="1" dirty="0" smtClean="0"/>
@@ -6637,11 +6638,7 @@
             </a:r>
             <a:r>
               <a:rPr lang="el-GR" sz="2400" b="1" dirty="0" smtClean="0"/>
-              <a:t>Καιρικές Συνθήκες</a:t>
-            </a:r>
-            <a:r>
-              <a:rPr lang="el-GR" sz="2400" b="1" dirty="0" smtClean="0"/>
-              <a:t>)</a:t>
+              <a:t>Καιρικές Συνθήκες)</a:t>
             </a:r>
             <a:r>
               <a:rPr lang="en-US" sz="2400" b="1" dirty="0" smtClean="0"/>
@@ -7651,11 +7648,7 @@
             </a:r>
             <a:r>
               <a:rPr lang="el-GR" sz="2400" b="1" dirty="0" smtClean="0"/>
-              <a:t>Ανίχνευση Ποδηλάτων</a:t>
-            </a:r>
-            <a:r>
-              <a:rPr lang="el-GR" sz="2400" b="1" dirty="0" smtClean="0"/>
-              <a:t>)</a:t>
+              <a:t>Ανίχνευση Ποδηλάτων)</a:t>
             </a:r>
             <a:r>
               <a:rPr lang="en-US" sz="2400" b="1" dirty="0" smtClean="0"/>
@@ -8463,11 +8456,7 @@
             </a:r>
             <a:r>
               <a:rPr lang="el-GR" sz="2400" b="1" dirty="0" smtClean="0"/>
-              <a:t>Ανίχνευση Πεζών</a:t>
-            </a:r>
-            <a:r>
-              <a:rPr lang="el-GR" sz="2400" b="1" dirty="0" smtClean="0"/>
-              <a:t>)</a:t>
+              <a:t>Ανίχνευση Πεζών)</a:t>
             </a:r>
             <a:r>
               <a:rPr lang="en-US" sz="2400" b="1" dirty="0" smtClean="0"/>
@@ -9275,11 +9264,7 @@
             </a:r>
             <a:r>
               <a:rPr lang="el-GR" sz="2400" b="1" dirty="0" smtClean="0"/>
-              <a:t>Ανίχνευση Οχημάτων Έκτακτης Ανάγκης</a:t>
-            </a:r>
-            <a:r>
-              <a:rPr lang="el-GR" sz="2400" b="1" dirty="0" smtClean="0"/>
-              <a:t>)</a:t>
+              <a:t>Ανίχνευση Οχημάτων Έκτακτης Ανάγκης)</a:t>
             </a:r>
             <a:r>
               <a:rPr lang="en-US" sz="2400" b="1" dirty="0" smtClean="0"/>
@@ -10093,11 +10078,7 @@
             </a:r>
             <a:r>
               <a:rPr lang="el-GR" sz="2400" b="1" dirty="0" smtClean="0"/>
-              <a:t>Συγχρονισμός Κυκλοφορίας</a:t>
-            </a:r>
-            <a:r>
-              <a:rPr lang="el-GR" sz="2400" b="1" dirty="0" smtClean="0"/>
-              <a:t>) </a:t>
+              <a:t>Συγχρονισμός Κυκλοφορίας) </a:t>
             </a:r>
             <a:r>
               <a:rPr lang="el-GR" sz="2400" b="1" dirty="0">
@@ -10990,11 +10971,7 @@
             </a:r>
             <a:r>
               <a:rPr lang="el-GR" sz="2400" b="1" dirty="0" smtClean="0"/>
-              <a:t>Χρήστης</a:t>
-            </a:r>
-            <a:r>
-              <a:rPr lang="el-GR" sz="2400" b="1" dirty="0" smtClean="0"/>
-              <a:t>) </a:t>
+              <a:t>Χρήστης) </a:t>
             </a:r>
             <a:r>
               <a:rPr lang="el-GR" sz="2400" b="1" dirty="0">
@@ -13002,11 +12979,7 @@
             </a:r>
             <a:r>
               <a:rPr lang="el-GR" sz="2400" b="1" dirty="0" smtClean="0"/>
-              <a:t> Χρήστη</a:t>
-            </a:r>
-            <a:r>
-              <a:rPr lang="el-GR" sz="2400" b="1" dirty="0" smtClean="0"/>
-              <a:t>)</a:t>
+              <a:t> Χρήστη)</a:t>
             </a:r>
             <a:r>
               <a:rPr lang="en-US" sz="2400" b="1" dirty="0" smtClean="0"/>
@@ -13641,95 +13614,6 @@
             <a:pPr marL="0" indent="0">
               <a:buNone/>
             </a:pPr>
-            <a:r>
-              <a:rPr lang="el-GR" b="1" dirty="0" smtClean="0"/>
-              <a:t>(1:Ν) </a:t>
-            </a:r>
-            <a:r>
-              <a:rPr lang="en-US" dirty="0" smtClean="0"/>
-              <a:t>Intersection </a:t>
-            </a:r>
-            <a:r>
-              <a:rPr lang="en-US" dirty="0" smtClean="0">
-                <a:sym typeface="Wingdings" panose="05000000000000000000" pitchFamily="2" charset="2"/>
-              </a:rPr>
-              <a:t> </a:t>
-            </a:r>
-            <a:r>
-              <a:rPr lang="en-US" dirty="0" err="1" smtClean="0">
-                <a:sym typeface="Wingdings" panose="05000000000000000000" pitchFamily="2" charset="2"/>
-              </a:rPr>
-              <a:t>TrafficLight</a:t>
-            </a:r>
-            <a:r>
-              <a:rPr lang="en-US" dirty="0" smtClean="0">
-                <a:sym typeface="Wingdings" panose="05000000000000000000" pitchFamily="2" charset="2"/>
-              </a:rPr>
-              <a:t> (</a:t>
-            </a:r>
-            <a:r>
-              <a:rPr lang="el-GR" dirty="0" smtClean="0">
-                <a:sym typeface="Wingdings" panose="05000000000000000000" pitchFamily="2" charset="2"/>
-              </a:rPr>
-              <a:t>Μία διασταύρωση έχει πολλά φανάρια)</a:t>
-            </a:r>
-          </a:p>
-          <a:p>
-            <a:pPr marL="0" indent="0">
-              <a:buNone/>
-            </a:pPr>
-            <a:r>
-              <a:rPr lang="el-GR" b="1" dirty="0">
-                <a:sym typeface="Wingdings" panose="05000000000000000000" pitchFamily="2" charset="2"/>
-              </a:rPr>
-              <a:t>(1:Ν) </a:t>
-            </a:r>
-            <a:r>
-              <a:rPr lang="el-GR" dirty="0">
-                <a:sym typeface="Wingdings" panose="05000000000000000000" pitchFamily="2" charset="2"/>
-              </a:rPr>
-              <a:t>TrafficLight → TrafficSensor (Ένα φανάρι μπορεί να έχει πολλούς αισθητήρες</a:t>
-            </a:r>
-            <a:r>
-              <a:rPr lang="el-GR" dirty="0" smtClean="0">
-                <a:sym typeface="Wingdings" panose="05000000000000000000" pitchFamily="2" charset="2"/>
-              </a:rPr>
-              <a:t>).</a:t>
-            </a:r>
-            <a:endParaRPr lang="en-US" dirty="0" smtClean="0">
-              <a:sym typeface="Wingdings" panose="05000000000000000000" pitchFamily="2" charset="2"/>
-            </a:endParaRPr>
-          </a:p>
-          <a:p>
-            <a:pPr marL="0" indent="0">
-              <a:buNone/>
-            </a:pPr>
-            <a:endParaRPr lang="en-US" dirty="0">
-              <a:sym typeface="Wingdings" panose="05000000000000000000" pitchFamily="2" charset="2"/>
-            </a:endParaRPr>
-          </a:p>
-          <a:p>
-            <a:pPr marL="0" indent="0">
-              <a:buNone/>
-            </a:pPr>
-            <a:r>
-              <a:rPr lang="el-GR" b="1" dirty="0" smtClean="0"/>
-              <a:t>Σκοπός</a:t>
-            </a:r>
-            <a:r>
-              <a:rPr lang="el-GR" b="1" dirty="0"/>
-              <a:t>:</a:t>
-            </a:r>
-            <a:r>
-              <a:rPr lang="el-GR" dirty="0"/>
-              <a:t> Καθορίζει τη βασική υποδομή ελέγχου της κυκλοφορίας.</a:t>
-            </a:r>
-            <a:endParaRPr lang="en-US" dirty="0" smtClean="0"/>
-          </a:p>
-          <a:p>
-            <a:pPr marL="0" indent="0">
-              <a:buNone/>
-            </a:pPr>
             <a:endParaRPr lang="en-US" b="1" dirty="0" smtClean="0"/>
           </a:p>
           <a:p>
@@ -13764,10 +13648,40 @@
           </a:p>
         </p:txBody>
       </p:sp>
+      <p:pic>
+        <p:nvPicPr>
+          <p:cNvPr id="4" name="Picture 3"/>
+          <p:cNvPicPr>
+            <a:picLocks noChangeAspect="1"/>
+          </p:cNvPicPr>
+          <p:nvPr/>
+        </p:nvPicPr>
+        <p:blipFill>
+          <a:blip r:embed="rId2">
+            <a:extLst>
+              <a:ext uri="{28A0092B-C50C-407E-A947-70E740481C1C}">
+                <a14:useLocalDpi xmlns:a14="http://schemas.microsoft.com/office/drawing/2010/main" val="0"/>
+              </a:ext>
+            </a:extLst>
+          </a:blip>
+          <a:stretch>
+            <a:fillRect/>
+          </a:stretch>
+        </p:blipFill>
+        <p:spPr>
+          <a:xfrm>
+            <a:off x="4114497" y="2311285"/>
+            <a:ext cx="4520781" cy="4362232"/>
+          </a:xfrm>
+          <a:prstGeom prst="rect">
+            <a:avLst/>
+          </a:prstGeom>
+        </p:spPr>
+      </p:pic>
     </p:spTree>
     <p:extLst>
       <p:ext uri="{BB962C8B-B14F-4D97-AF65-F5344CB8AC3E}">
-        <p14:creationId xmlns:p14="http://schemas.microsoft.com/office/powerpoint/2010/main" val="1824760154"/>
+        <p14:creationId xmlns:p14="http://schemas.microsoft.com/office/powerpoint/2010/main" val="1184877938"/>
       </p:ext>
     </p:extLst>
   </p:cSld>
@@ -13849,13 +13763,29 @@
         <p:spPr/>
         <p:txBody>
           <a:bodyPr>
-            <a:normAutofit lnSpcReduction="10000"/>
+            <a:normAutofit/>
           </a:bodyPr>
           <a:lstStyle/>
           <a:p>
             <a:r>
               <a:rPr lang="el-GR" b="1" dirty="0"/>
-              <a:t> Κυκλοφοριακά και περιβαλλοντικά δεδομένα (Συλλογή και παρακολούθηση δεδομένων</a:t>
+              <a:t> Έλεγχος διασταυρώσεων και </a:t>
+            </a:r>
+            <a:r>
+              <a:rPr lang="el-GR" b="1" dirty="0" smtClean="0"/>
+              <a:t>κυκλοφορίας</a:t>
+            </a:r>
+            <a:r>
+              <a:rPr lang="en-US" b="1" dirty="0" smtClean="0"/>
+              <a:t> </a:t>
+            </a:r>
+            <a:r>
+              <a:rPr lang="en-US" b="1" dirty="0"/>
+              <a:t>(</a:t>
+            </a:r>
+            <a:r>
+              <a:rPr lang="el-GR" b="1" dirty="0"/>
+              <a:t>Βασική Υποδομή</a:t>
             </a:r>
             <a:r>
               <a:rPr lang="el-GR" b="1" dirty="0" smtClean="0"/>
@@ -13873,88 +13803,63 @@
               <a:buNone/>
             </a:pPr>
             <a:r>
-              <a:rPr lang="en-US" b="1" dirty="0" smtClean="0"/>
-              <a:t>(1:N) </a:t>
-            </a:r>
-            <a:r>
-              <a:rPr lang="en-US" dirty="0" err="1"/>
-              <a:t>TrafficSensor</a:t>
-            </a:r>
-            <a:r>
-              <a:rPr lang="en-US" dirty="0"/>
-              <a:t> → </a:t>
-            </a:r>
-            <a:r>
-              <a:rPr lang="en-US" dirty="0" err="1"/>
-              <a:t>TrafficData</a:t>
-            </a:r>
-            <a:r>
-              <a:rPr lang="en-US" dirty="0"/>
+              <a:rPr lang="el-GR" b="1" dirty="0" smtClean="0"/>
+              <a:t>(1:Ν) </a:t>
+            </a:r>
+            <a:r>
+              <a:rPr lang="en-US" dirty="0" smtClean="0"/>
+              <a:t>Intersection </a:t>
+            </a:r>
+            <a:r>
+              <a:rPr lang="en-US" dirty="0" smtClean="0">
+                <a:sym typeface="Wingdings" panose="05000000000000000000" pitchFamily="2" charset="2"/>
+              </a:rPr>
+              <a:t> </a:t>
+            </a:r>
+            <a:r>
+              <a:rPr lang="en-US" dirty="0" err="1" smtClean="0">
+                <a:sym typeface="Wingdings" panose="05000000000000000000" pitchFamily="2" charset="2"/>
+              </a:rPr>
+              <a:t>TrafficLight</a:t>
+            </a:r>
+            <a:r>
+              <a:rPr lang="en-US" dirty="0" smtClean="0">
+                <a:sym typeface="Wingdings" panose="05000000000000000000" pitchFamily="2" charset="2"/>
+              </a:rPr>
               <a:t> (</a:t>
             </a:r>
             <a:r>
-              <a:rPr lang="el-GR" dirty="0"/>
-              <a:t>Κάθε αισθητήρας συλλέγει πολλαπλές εγγραφές δεδομένων</a:t>
-            </a:r>
-            <a:r>
-              <a:rPr lang="el-GR" dirty="0" smtClean="0"/>
+              <a:rPr lang="el-GR" dirty="0" smtClean="0">
+                <a:sym typeface="Wingdings" panose="05000000000000000000" pitchFamily="2" charset="2"/>
+              </a:rPr>
+              <a:t>Μία διασταύρωση έχει πολλά φανάρια)</a:t>
+            </a:r>
+          </a:p>
+          <a:p>
+            <a:pPr marL="0" indent="0">
+              <a:buNone/>
+            </a:pPr>
+            <a:r>
+              <a:rPr lang="el-GR" b="1" dirty="0">
+                <a:sym typeface="Wingdings" panose="05000000000000000000" pitchFamily="2" charset="2"/>
+              </a:rPr>
+              <a:t>(1:Ν) </a:t>
+            </a:r>
+            <a:r>
+              <a:rPr lang="el-GR" dirty="0">
+                <a:sym typeface="Wingdings" panose="05000000000000000000" pitchFamily="2" charset="2"/>
+              </a:rPr>
+              <a:t>TrafficLight → TrafficSensor (Ένα φανάρι μπορεί να έχει πολλούς αισθητήρες</a:t>
+            </a:r>
+            <a:r>
+              <a:rPr lang="el-GR" dirty="0" smtClean="0">
+                <a:sym typeface="Wingdings" panose="05000000000000000000" pitchFamily="2" charset="2"/>
+              </a:rPr>
               <a:t>).</a:t>
             </a:r>
-            <a:endParaRPr lang="en-US" dirty="0" smtClean="0"/>
-          </a:p>
-          <a:p>
-            <a:pPr marL="0" indent="0">
-              <a:buNone/>
-            </a:pPr>
-            <a:r>
-              <a:rPr lang="en-US" b="1" dirty="0"/>
-              <a:t>(</a:t>
-            </a:r>
-            <a:r>
-              <a:rPr lang="el-GR" b="1" dirty="0" smtClean="0"/>
-              <a:t>1:</a:t>
-            </a:r>
-            <a:r>
-              <a:rPr lang="en-US" b="1" dirty="0" smtClean="0"/>
-              <a:t>N) </a:t>
-            </a:r>
-            <a:r>
-              <a:rPr lang="en-US" dirty="0" err="1" smtClean="0"/>
-              <a:t>TrafficSensor</a:t>
-            </a:r>
-            <a:r>
-              <a:rPr lang="en-US" dirty="0" smtClean="0"/>
-              <a:t> </a:t>
-            </a:r>
-            <a:r>
-              <a:rPr lang="en-US" dirty="0"/>
-              <a:t>→ </a:t>
-            </a:r>
-            <a:r>
-              <a:rPr lang="en-US" dirty="0" err="1"/>
-              <a:t>WeatherConditions</a:t>
-            </a:r>
-            <a:r>
-              <a:rPr lang="en-US" dirty="0"/>
-              <a:t> (</a:t>
-            </a:r>
-            <a:r>
-              <a:rPr lang="el-GR" dirty="0"/>
-              <a:t>Κάθε </a:t>
-            </a:r>
-            <a:r>
-              <a:rPr lang="el-GR" dirty="0" smtClean="0"/>
-              <a:t>αισθητήρας μπορεί </a:t>
-            </a:r>
-            <a:r>
-              <a:rPr lang="el-GR" dirty="0"/>
-              <a:t>να έχει δεδομένα καιρού</a:t>
-            </a:r>
-            <a:r>
-              <a:rPr lang="el-GR" dirty="0" smtClean="0"/>
-              <a:t>).</a:t>
-            </a:r>
-            <a:endParaRPr lang="en-US" dirty="0" smtClean="0"/>
+            <a:endParaRPr lang="en-US" dirty="0" smtClean="0">
+              <a:sym typeface="Wingdings" panose="05000000000000000000" pitchFamily="2" charset="2"/>
+            </a:endParaRPr>
           </a:p>
           <a:p>
             <a:pPr marL="0" indent="0">
@@ -13978,11 +13883,7 @@
             </a:r>
             <a:r>
               <a:rPr lang="el-GR" dirty="0"/>
-              <a:t> Συγκεντρώνει σε πραγματικό χρόνο τις συνθήκες κυκλοφορίας και τις καιρικές συνθήκες</a:t>
-            </a:r>
-            <a:r>
-              <a:rPr lang="el-GR" dirty="0" smtClean="0"/>
-              <a:t>.</a:t>
+              <a:t> Καθορίζει τη βασική υποδομή ελέγχου της κυκλοφορίας.</a:t>
             </a:r>
             <a:endParaRPr lang="en-US" dirty="0" smtClean="0"/>
           </a:p>
@@ -14027,7 +13928,7 @@
     </p:spTree>
     <p:extLst>
       <p:ext uri="{BB962C8B-B14F-4D97-AF65-F5344CB8AC3E}">
-        <p14:creationId xmlns:p14="http://schemas.microsoft.com/office/powerpoint/2010/main" val="1490713696"/>
+        <p14:creationId xmlns:p14="http://schemas.microsoft.com/office/powerpoint/2010/main" val="1824760154"/>
       </p:ext>
     </p:extLst>
   </p:cSld>
@@ -14109,13 +14010,13 @@
         <p:spPr/>
         <p:txBody>
           <a:bodyPr>
-            <a:normAutofit fontScale="85000" lnSpcReduction="20000"/>
+            <a:normAutofit/>
           </a:bodyPr>
           <a:lstStyle/>
           <a:p>
             <a:r>
               <a:rPr lang="el-GR" b="1" dirty="0"/>
-              <a:t> Ανίχνευση και χρήστες του δρόμου (ροή οχημάτων και πεζών</a:t>
+              <a:t> Κυκλοφοριακά και περιβαλλοντικά δεδομένα (Συλλογή και παρακολούθηση δεδομένων</a:t>
             </a:r>
             <a:r>
               <a:rPr lang="el-GR" b="1" dirty="0" smtClean="0"/>
@@ -14132,211 +14033,12 @@
             <a:pPr marL="0" indent="0">
               <a:buNone/>
             </a:pPr>
-            <a:r>
-              <a:rPr lang="en-US" b="1" dirty="0" smtClean="0"/>
-              <a:t>(1:N)</a:t>
-            </a:r>
-            <a:r>
-              <a:rPr lang="en-US" dirty="0" smtClean="0"/>
-              <a:t> </a:t>
-            </a:r>
-            <a:r>
-              <a:rPr lang="en-US" dirty="0" err="1" smtClean="0"/>
-              <a:t>TrafficSensor</a:t>
-            </a:r>
-            <a:r>
-              <a:rPr lang="en-US" dirty="0" smtClean="0"/>
-              <a:t> </a:t>
-            </a:r>
-            <a:r>
-              <a:rPr lang="en-US" dirty="0"/>
-              <a:t>→ </a:t>
-            </a:r>
-            <a:r>
-              <a:rPr lang="en-US" dirty="0" err="1"/>
-              <a:t>VehicleDetection</a:t>
-            </a:r>
-            <a:r>
-              <a:rPr lang="en-US" dirty="0"/>
-              <a:t> (</a:t>
-            </a:r>
-            <a:r>
-              <a:rPr lang="el-GR" dirty="0"/>
-              <a:t>Κάθε αισθητήρας ανιχνεύει πολλαπλά οχήματα</a:t>
-            </a:r>
-            <a:r>
-              <a:rPr lang="el-GR" dirty="0" smtClean="0"/>
-              <a:t>).</a:t>
-            </a:r>
-            <a:endParaRPr lang="en-US" dirty="0" smtClean="0"/>
-          </a:p>
-          <a:p>
-            <a:pPr marL="0" indent="0">
-              <a:buNone/>
-            </a:pPr>
-            <a:r>
-              <a:rPr lang="en-US" b="1" dirty="0" smtClean="0"/>
-              <a:t>(</a:t>
-            </a:r>
-            <a:r>
-              <a:rPr lang="el-GR" b="1" dirty="0" smtClean="0"/>
-              <a:t>1:</a:t>
-            </a:r>
-            <a:r>
-              <a:rPr lang="en-US" b="1" dirty="0" smtClean="0"/>
-              <a:t>N) </a:t>
-            </a:r>
-            <a:r>
-              <a:rPr lang="en-US" dirty="0" err="1" smtClean="0"/>
-              <a:t>TrafficSensor</a:t>
-            </a:r>
-            <a:r>
-              <a:rPr lang="en-US" dirty="0" smtClean="0"/>
-              <a:t> </a:t>
-            </a:r>
-            <a:r>
-              <a:rPr lang="en-US" dirty="0"/>
-              <a:t>→ </a:t>
-            </a:r>
-            <a:r>
-              <a:rPr lang="en-US" dirty="0" err="1"/>
-              <a:t>PedestrianDetection</a:t>
-            </a:r>
-            <a:r>
-              <a:rPr lang="en-US" dirty="0"/>
-              <a:t> (</a:t>
-            </a:r>
-            <a:r>
-              <a:rPr lang="el-GR" dirty="0"/>
-              <a:t>Κάθε αισθητήρας ανιχνεύει πολλαπλούς πεζούς</a:t>
-            </a:r>
-            <a:r>
-              <a:rPr lang="el-GR" dirty="0" smtClean="0"/>
-              <a:t>).</a:t>
-            </a:r>
-            <a:endParaRPr lang="en-US" dirty="0" smtClean="0"/>
-          </a:p>
-          <a:p>
-            <a:pPr marL="0" indent="0">
-              <a:buNone/>
-            </a:pPr>
-            <a:r>
-              <a:rPr lang="en-US" b="1" dirty="0"/>
-              <a:t>(</a:t>
-            </a:r>
-            <a:r>
-              <a:rPr lang="el-GR" b="1" dirty="0" smtClean="0"/>
-              <a:t>1:</a:t>
-            </a:r>
-            <a:r>
-              <a:rPr lang="en-US" b="1" dirty="0" smtClean="0"/>
-              <a:t>N) </a:t>
-            </a:r>
-            <a:r>
-              <a:rPr lang="en-US" dirty="0" err="1" smtClean="0"/>
-              <a:t>TrafficSensor</a:t>
-            </a:r>
-            <a:r>
-              <a:rPr lang="en-US" dirty="0" smtClean="0"/>
-              <a:t> </a:t>
-            </a:r>
-            <a:r>
-              <a:rPr lang="en-US" dirty="0"/>
-              <a:t>→ </a:t>
-            </a:r>
-            <a:r>
-              <a:rPr lang="en-US" dirty="0" err="1"/>
-              <a:t>CyclistDetection</a:t>
-            </a:r>
-            <a:r>
-              <a:rPr lang="en-US" dirty="0"/>
-              <a:t> (</a:t>
-            </a:r>
-            <a:r>
-              <a:rPr lang="el-GR" dirty="0"/>
-              <a:t>Κάθε αισθητήρας ανιχνεύει πολλαπλούς ποδηλάτες</a:t>
-            </a:r>
-            <a:r>
-              <a:rPr lang="el-GR" dirty="0" smtClean="0"/>
-              <a:t>).</a:t>
-            </a:r>
-            <a:endParaRPr lang="en-US" dirty="0" smtClean="0"/>
-          </a:p>
-          <a:p>
-            <a:pPr marL="0" indent="0">
-              <a:buNone/>
-            </a:pPr>
-            <a:r>
-              <a:rPr lang="en-US" b="1" dirty="0"/>
-              <a:t>(</a:t>
-            </a:r>
-            <a:r>
-              <a:rPr lang="el-GR" b="1" dirty="0" smtClean="0"/>
-              <a:t>1:</a:t>
-            </a:r>
-            <a:r>
-              <a:rPr lang="en-US" b="1" dirty="0" smtClean="0"/>
-              <a:t>N)</a:t>
-            </a:r>
-            <a:r>
-              <a:rPr lang="en-US" dirty="0" smtClean="0"/>
-              <a:t> </a:t>
-            </a:r>
-            <a:r>
-              <a:rPr lang="en-US" dirty="0" err="1" smtClean="0"/>
-              <a:t>TrafficSensor</a:t>
-            </a:r>
-            <a:r>
-              <a:rPr lang="en-US" dirty="0" smtClean="0"/>
-              <a:t> </a:t>
-            </a:r>
-            <a:r>
-              <a:rPr lang="en-US" dirty="0"/>
-              <a:t>→ </a:t>
-            </a:r>
-            <a:r>
-              <a:rPr lang="en-US" dirty="0" err="1" smtClean="0"/>
-              <a:t>EmergencyVehicleDetection</a:t>
-            </a:r>
-            <a:r>
-              <a:rPr lang="en-US" dirty="0" smtClean="0"/>
-              <a:t> </a:t>
-            </a:r>
-            <a:r>
-              <a:rPr lang="en-US" dirty="0"/>
-              <a:t>(</a:t>
-            </a:r>
-            <a:r>
-              <a:rPr lang="el-GR" dirty="0"/>
-              <a:t>Κάθε αισθητήρας ανιχνεύει οχήματα έκτακτης ανάγκης</a:t>
-            </a:r>
-            <a:r>
-              <a:rPr lang="el-GR" dirty="0" smtClean="0"/>
-              <a:t>).</a:t>
-            </a:r>
-          </a:p>
-          <a:p>
-            <a:pPr marL="0" indent="0">
-              <a:buNone/>
-            </a:pPr>
             <a:endParaRPr lang="en-US" b="1" dirty="0" smtClean="0"/>
           </a:p>
           <a:p>
             <a:pPr marL="0" indent="0">
               <a:buNone/>
             </a:pPr>
-            <a:r>
-              <a:rPr lang="el-GR" b="1" dirty="0" smtClean="0"/>
-              <a:t>Σκοπός</a:t>
-            </a:r>
-            <a:r>
-              <a:rPr lang="el-GR" b="1" dirty="0"/>
-              <a:t>:</a:t>
-            </a:r>
-            <a:r>
-              <a:rPr lang="el-GR" dirty="0"/>
-              <a:t> Διαχειρίζεται την ανίχνευση χρηστών του δρόμου, συμπεριλαμβανομένων οχημάτων, πεζών και οχημάτων έκτακτης ανάγκης.</a:t>
-            </a:r>
             <a:endParaRPr lang="en-US" b="1" dirty="0"/>
           </a:p>
           <a:p>
@@ -14365,10 +14067,40 @@
           </a:p>
         </p:txBody>
       </p:sp>
+      <p:pic>
+        <p:nvPicPr>
+          <p:cNvPr id="4" name="Picture 3"/>
+          <p:cNvPicPr>
+            <a:picLocks noChangeAspect="1"/>
+          </p:cNvPicPr>
+          <p:nvPr/>
+        </p:nvPicPr>
+        <p:blipFill>
+          <a:blip r:embed="rId2" cstate="print">
+            <a:extLst>
+              <a:ext uri="{28A0092B-C50C-407E-A947-70E740481C1C}">
+                <a14:useLocalDpi xmlns:a14="http://schemas.microsoft.com/office/drawing/2010/main" val="0"/>
+              </a:ext>
+            </a:extLst>
+          </a:blip>
+          <a:stretch>
+            <a:fillRect/>
+          </a:stretch>
+        </p:blipFill>
+        <p:spPr>
+          <a:xfrm>
+            <a:off x="4038448" y="2695073"/>
+            <a:ext cx="4115104" cy="3970782"/>
+          </a:xfrm>
+          <a:prstGeom prst="rect">
+            <a:avLst/>
+          </a:prstGeom>
+        </p:spPr>
+      </p:pic>
     </p:spTree>
     <p:extLst>
       <p:ext uri="{BB962C8B-B14F-4D97-AF65-F5344CB8AC3E}">
-        <p14:creationId xmlns:p14="http://schemas.microsoft.com/office/powerpoint/2010/main" val="2792104694"/>
+        <p14:creationId xmlns:p14="http://schemas.microsoft.com/office/powerpoint/2010/main" val="820220166"/>
       </p:ext>
     </p:extLst>
   </p:cSld>
@@ -14456,13 +14188,12 @@
           <a:p>
             <a:r>
               <a:rPr lang="el-GR" b="1" dirty="0"/>
-              <a:t> Τεχνητή νοημοσύνη &amp; έξυπνη διαχείριση της κυκλοφορίας (ευφυής λήψη αποφάσεων</a:t>
+              <a:t> Κυκλοφοριακά και περιβαλλοντικά δεδομένα (Συλλογή και παρακολούθηση δεδομένων</a:t>
             </a:r>
             <a:r>
               <a:rPr lang="el-GR" b="1" dirty="0" smtClean="0"/>
               <a:t>)</a:t>
             </a:r>
-            <a:endParaRPr lang="en-US" b="1" dirty="0" smtClean="0"/>
           </a:p>
           <a:p>
             <a:pPr marL="0" indent="0">
@@ -14479,8 +14210,50 @@
               <a:t>(1:N) </a:t>
             </a:r>
             <a:r>
+              <a:rPr lang="en-US" dirty="0" err="1"/>
+              <a:t>TrafficSensor</a:t>
+            </a:r>
+            <a:r>
+              <a:rPr lang="en-US" dirty="0"/>
+              <a:t> → </a:t>
+            </a:r>
+            <a:r>
+              <a:rPr lang="en-US" dirty="0" err="1"/>
+              <a:t>TrafficData</a:t>
+            </a:r>
+            <a:r>
+              <a:rPr lang="en-US" dirty="0"/>
+              <a:t> (</a:t>
+            </a:r>
+            <a:r>
+              <a:rPr lang="el-GR" dirty="0"/>
+              <a:t>Κάθε αισθητήρας συλλέγει πολλαπλές εγγραφές δεδομένων</a:t>
+            </a:r>
+            <a:r>
+              <a:rPr lang="el-GR" dirty="0" smtClean="0"/>
+              <a:t>).</a:t>
+            </a:r>
+            <a:endParaRPr lang="en-US" dirty="0" smtClean="0"/>
+          </a:p>
+          <a:p>
+            <a:pPr marL="0" indent="0">
+              <a:buNone/>
+            </a:pPr>
+            <a:r>
+              <a:rPr lang="en-US" b="1" dirty="0"/>
+              <a:t>(</a:t>
+            </a:r>
+            <a:r>
+              <a:rPr lang="el-GR" b="1" dirty="0" smtClean="0"/>
+              <a:t>1:</a:t>
+            </a:r>
+            <a:r>
+              <a:rPr lang="en-US" b="1" dirty="0" smtClean="0"/>
+              <a:t>N) </a:t>
+            </a:r>
+            <a:r>
               <a:rPr lang="en-US" dirty="0" err="1" smtClean="0"/>
-              <a:t>TrafficLight</a:t>
+              <a:t>TrafficSensor</a:t>
             </a:r>
             <a:r>
               <a:rPr lang="en-US" dirty="0" smtClean="0"/>
@@ -14492,7 +14265,7 @@
             </a:r>
             <a:r>
               <a:rPr lang="en-US" dirty="0" err="1"/>
-              <a:t>AI_TrafficPrediction</a:t>
+              <a:t>WeatherConditions</a:t>
             </a:r>
             <a:r>
               <a:rPr lang="en-US" dirty="0"/>
@@ -14500,41 +14273,19 @@
             </a:r>
             <a:r>
               <a:rPr lang="el-GR" dirty="0"/>
-              <a:t>Κάθε φανάρι έχει προβλέψεις συμφόρησης</a:t>
+              <a:t>Κάθε </a:t>
+            </a:r>
+            <a:r>
+              <a:rPr lang="el-GR" dirty="0" smtClean="0"/>
+              <a:t>αισθητήρας μπορεί </a:t>
+            </a:r>
+            <a:r>
+              <a:rPr lang="el-GR" dirty="0"/>
+              <a:t>να έχει δεδομένα καιρού</a:t>
             </a:r>
             <a:r>
               <a:rPr lang="el-GR" dirty="0" smtClean="0"/>
               <a:t>).</a:t>
-            </a:r>
-            <a:endParaRPr lang="en-US" dirty="0" smtClean="0"/>
-          </a:p>
-          <a:p>
-            <a:pPr marL="0" indent="0">
-              <a:buNone/>
-            </a:pPr>
-            <a:r>
-              <a:rPr lang="en-US" b="1" dirty="0" smtClean="0"/>
-              <a:t>(N:N) </a:t>
-            </a:r>
-            <a:r>
-              <a:rPr lang="en-US" dirty="0" err="1" smtClean="0"/>
-              <a:t>TrafficLight</a:t>
-            </a:r>
-            <a:r>
-              <a:rPr lang="en-US" dirty="0" smtClean="0"/>
-              <a:t> ↔ </a:t>
-            </a:r>
-            <a:r>
-              <a:rPr lang="en-US" dirty="0" err="1" smtClean="0"/>
-              <a:t>RealTimeSynchronization</a:t>
-            </a:r>
-            <a:r>
-              <a:rPr lang="en-US" dirty="0" smtClean="0"/>
-              <a:t> (</a:t>
-            </a:r>
-            <a:r>
-              <a:rPr lang="el-GR" dirty="0" smtClean="0"/>
-              <a:t>Κάθε φανάρι μπορεί να συγχρονιστεί με πολλά άλλα).</a:t>
             </a:r>
             <a:endParaRPr lang="en-US" dirty="0" smtClean="0"/>
           </a:p>
@@ -14560,20 +14311,18 @@
             </a:r>
             <a:r>
               <a:rPr lang="el-GR" dirty="0"/>
-              <a:t> </a:t>
+              <a:t> Συγκεντρώνει σε πραγματικό χρόνο τις συνθήκες κυκλοφορίας και τις καιρικές συνθήκες</a:t>
             </a:r>
             <a:r>
               <a:rPr lang="el-GR" dirty="0" smtClean="0"/>
-              <a:t>Χρησιμοποιεί </a:t>
-            </a:r>
-            <a:r>
-              <a:rPr lang="el-GR" dirty="0"/>
-              <a:t>τεχνητή νοημοσύνη για την πρόβλεψη της συμφόρησης και τη βελτιστοποίηση του συγχρονισμού των </a:t>
-            </a:r>
-            <a:r>
-              <a:rPr lang="el-GR" dirty="0" smtClean="0"/>
-              <a:t>φαναριών.</a:t>
-            </a:r>
+              <a:t>.</a:t>
+            </a:r>
+            <a:endParaRPr lang="en-US" dirty="0" smtClean="0"/>
+          </a:p>
+          <a:p>
+            <a:pPr marL="0" indent="0">
+              <a:buNone/>
+            </a:pPr>
             <a:endParaRPr lang="en-US" b="1" dirty="0" smtClean="0"/>
           </a:p>
           <a:p>
@@ -14611,7 +14360,7 @@
     </p:spTree>
     <p:extLst>
       <p:ext uri="{BB962C8B-B14F-4D97-AF65-F5344CB8AC3E}">
-        <p14:creationId xmlns:p14="http://schemas.microsoft.com/office/powerpoint/2010/main" val="3285596745"/>
+        <p14:creationId xmlns:p14="http://schemas.microsoft.com/office/powerpoint/2010/main" val="1490713696"/>
       </p:ext>
     </p:extLst>
   </p:cSld>
@@ -14699,7 +14448,7 @@
           <a:p>
             <a:r>
               <a:rPr lang="el-GR" b="1" dirty="0"/>
-              <a:t> Διαχείριση χρηστών και καταγραφή (πρόσβαση στο σύστημα και ασφάλεια</a:t>
+              <a:t> Ανίχνευση και χρήστες του δρόμου (ροή οχημάτων και πεζών</a:t>
             </a:r>
             <a:r>
               <a:rPr lang="el-GR" b="1" dirty="0" smtClean="0"/>
@@ -14716,80 +14465,6 @@
             <a:pPr marL="0" indent="0">
               <a:buNone/>
             </a:pPr>
-            <a:r>
-              <a:rPr lang="el-GR" b="1" dirty="0" smtClean="0"/>
-              <a:t>(1:1) </a:t>
-            </a:r>
-            <a:r>
-              <a:rPr lang="el-GR" dirty="0"/>
-              <a:t>User → UserRole (Κάθε χρήστης έχει έναν ρόλο</a:t>
-            </a:r>
-            <a:r>
-              <a:rPr lang="el-GR" dirty="0" smtClean="0"/>
-              <a:t>).</a:t>
-            </a:r>
-          </a:p>
-          <a:p>
-            <a:pPr marL="0" indent="0">
-              <a:buNone/>
-            </a:pPr>
-            <a:r>
-              <a:rPr lang="el-GR" b="1" dirty="0"/>
-              <a:t>(</a:t>
-            </a:r>
-            <a:r>
-              <a:rPr lang="el-GR" b="1" dirty="0" smtClean="0"/>
-              <a:t>1:N) </a:t>
-            </a:r>
-            <a:r>
-              <a:rPr lang="el-GR" dirty="0" smtClean="0"/>
-              <a:t>User </a:t>
-            </a:r>
-            <a:r>
-              <a:rPr lang="el-GR" dirty="0"/>
-              <a:t>→ UserActionLog (Ένας χρήστης μπορεί να έχει πολλαπλές καταγεγραμμένες ενέργειες</a:t>
-            </a:r>
-            <a:r>
-              <a:rPr lang="el-GR" dirty="0" smtClean="0"/>
-              <a:t>).</a:t>
-            </a:r>
-          </a:p>
-          <a:p>
-            <a:pPr marL="0" indent="0">
-              <a:buNone/>
-            </a:pPr>
-            <a:endParaRPr lang="en-US" dirty="0">
-              <a:sym typeface="Wingdings" panose="05000000000000000000" pitchFamily="2" charset="2"/>
-            </a:endParaRPr>
-          </a:p>
-          <a:p>
-            <a:pPr marL="0" indent="0">
-              <a:buNone/>
-            </a:pPr>
-            <a:r>
-              <a:rPr lang="el-GR" b="1" dirty="0" smtClean="0"/>
-              <a:t>Σκοπός</a:t>
-            </a:r>
-            <a:r>
-              <a:rPr lang="el-GR" b="1" dirty="0"/>
-              <a:t>:</a:t>
-            </a:r>
-            <a:r>
-              <a:rPr lang="el-GR" dirty="0"/>
-              <a:t> Διαχειρίζεται τους χρήστες του συστήματος, τους ρόλους τους και καταγράφει τις ενέργειές τους.</a:t>
-            </a:r>
-            <a:endParaRPr lang="en-US" b="1" dirty="0" smtClean="0"/>
-          </a:p>
-          <a:p>
-            <a:pPr marL="0" indent="0">
-              <a:buNone/>
-            </a:pPr>
-            <a:endParaRPr lang="en-US" b="1" dirty="0"/>
-          </a:p>
-          <a:p>
-            <a:pPr marL="0" indent="0">
-              <a:buNone/>
-            </a:pPr>
             <a:endParaRPr lang="en-US" b="1" dirty="0" smtClean="0"/>
           </a:p>
           <a:p>
@@ -14812,10 +14487,40 @@
           </a:p>
         </p:txBody>
       </p:sp>
+      <p:pic>
+        <p:nvPicPr>
+          <p:cNvPr id="4" name="Picture 3"/>
+          <p:cNvPicPr>
+            <a:picLocks noChangeAspect="1"/>
+          </p:cNvPicPr>
+          <p:nvPr/>
+        </p:nvPicPr>
+        <p:blipFill>
+          <a:blip r:embed="rId2" cstate="print">
+            <a:extLst>
+              <a:ext uri="{28A0092B-C50C-407E-A947-70E740481C1C}">
+                <a14:useLocalDpi xmlns:a14="http://schemas.microsoft.com/office/drawing/2010/main" val="0"/>
+              </a:ext>
+            </a:extLst>
+          </a:blip>
+          <a:stretch>
+            <a:fillRect/>
+          </a:stretch>
+        </p:blipFill>
+        <p:spPr>
+          <a:xfrm>
+            <a:off x="4054491" y="2557922"/>
+            <a:ext cx="4083082" cy="3939884"/>
+          </a:xfrm>
+          <a:prstGeom prst="rect">
+            <a:avLst/>
+          </a:prstGeom>
+        </p:spPr>
+      </p:pic>
     </p:spTree>
     <p:extLst>
       <p:ext uri="{BB962C8B-B14F-4D97-AF65-F5344CB8AC3E}">
-        <p14:creationId xmlns:p14="http://schemas.microsoft.com/office/powerpoint/2010/main" val="1711121140"/>
+        <p14:creationId xmlns:p14="http://schemas.microsoft.com/office/powerpoint/2010/main" val="3625309836"/>
       </p:ext>
     </p:extLst>
   </p:cSld>
@@ -14864,17 +14569,21 @@
           <a:bodyPr/>
           <a:lstStyle/>
           <a:p>
-            <a:r>
-              <a:rPr lang="en-US" b="1" dirty="0" smtClean="0"/>
-              <a:t>FUNCTION – </a:t>
-            </a:r>
-            <a:r>
-              <a:rPr lang="en-US" b="1" dirty="0" err="1" smtClean="0"/>
-              <a:t>Microservices</a:t>
-            </a:r>
-            <a:r>
-              <a:rPr lang="en-US" b="1" dirty="0" smtClean="0"/>
-              <a:t> Architecture Diagram</a:t>
+            <a:pPr algn="ctr"/>
+            <a:r>
+              <a:rPr lang="en-US" b="1" dirty="0"/>
+              <a:t>DATA - Database Schema Diagram</a:t>
+            </a:r>
+            <a:r>
+              <a:rPr lang="el-GR" b="1" dirty="0"/>
+              <a:t/>
+            </a:r>
+            <a:br>
+              <a:rPr lang="el-GR" b="1" dirty="0"/>
+            </a:br>
+            <a:r>
+              <a:rPr lang="el-GR" b="1" dirty="0" smtClean="0"/>
+              <a:t>ΣΥΣΧΕΤΙΣΕΙΣ</a:t>
             </a:r>
             <a:endParaRPr lang="en-US" b="1" dirty="0"/>
           </a:p>
@@ -14890,81 +14599,269 @@
             <p:ph idx="1"/>
           </p:nvPr>
         </p:nvSpPr>
-        <p:spPr>
-          <a:xfrm>
-            <a:off x="838200" y="1825624"/>
-            <a:ext cx="10515600" cy="4591217"/>
-          </a:xfrm>
-        </p:spPr>
+        <p:spPr/>
         <p:txBody>
           <a:bodyPr>
-            <a:normAutofit/>
+            <a:normAutofit fontScale="85000" lnSpcReduction="20000"/>
           </a:bodyPr>
           <a:lstStyle/>
           <a:p>
             <a:r>
-              <a:rPr lang="el-GR" sz="2400" b="1" dirty="0" smtClean="0"/>
-              <a:t>Γιατί </a:t>
-            </a:r>
-            <a:r>
-              <a:rPr lang="el-GR" sz="2400" b="1" dirty="0"/>
-              <a:t>το επιλέξαμε:</a:t>
-            </a:r>
-            <a:r>
-              <a:rPr lang="el-GR" sz="2400" dirty="0"/>
-              <a:t> Το σύστημα βασίζεται σε κατανεμημένες </a:t>
-            </a:r>
-            <a:r>
-              <a:rPr lang="el-GR" sz="2400" dirty="0" smtClean="0"/>
-              <a:t>μικρο</a:t>
-            </a:r>
-            <a:r>
-              <a:rPr lang="el-GR" sz="2400" dirty="0"/>
-              <a:t>ϋ</a:t>
-            </a:r>
-            <a:r>
-              <a:rPr lang="el-GR" sz="2400" dirty="0" smtClean="0"/>
-              <a:t>πηρεσίες </a:t>
-            </a:r>
-            <a:r>
-              <a:rPr lang="el-GR" sz="2400" dirty="0"/>
-              <a:t>για τη διαχείριση διαφορετικών λειτουργιών, όπως η επεξεργασία δεδομένων κυκλοφορίας, οι προβλέψεις τεχνητής νοημοσύνης, ο συγχρονισμός σε πραγματικό χρόνο και η επικοινωνία IoT.</a:t>
-            </a:r>
-            <a:endParaRPr lang="en-US" sz="2400" dirty="0" smtClean="0"/>
-          </a:p>
-          <a:p>
-            <a:r>
-              <a:rPr lang="el-GR" sz="2400" b="1" dirty="0" smtClean="0"/>
-              <a:t>Χρήση</a:t>
-            </a:r>
-            <a:r>
-              <a:rPr lang="el-GR" sz="2400" b="1" dirty="0"/>
+              <a:rPr lang="el-GR" b="1" dirty="0"/>
+              <a:t> Ανίχνευση και χρήστες του δρόμου (ροή οχημάτων και πεζών</a:t>
+            </a:r>
+            <a:r>
+              <a:rPr lang="el-GR" b="1" dirty="0" smtClean="0"/>
+              <a:t>)</a:t>
+            </a:r>
+          </a:p>
+          <a:p>
+            <a:pPr marL="0" indent="0">
+              <a:buNone/>
+            </a:pPr>
+            <a:endParaRPr lang="el-GR" b="1" dirty="0"/>
+          </a:p>
+          <a:p>
+            <a:pPr marL="0" indent="0">
+              <a:buNone/>
+            </a:pPr>
+            <a:r>
+              <a:rPr lang="en-US" b="1" dirty="0" smtClean="0"/>
+              <a:t>(1:N)</a:t>
+            </a:r>
+            <a:r>
+              <a:rPr lang="en-US" dirty="0" smtClean="0"/>
+              <a:t> </a:t>
+            </a:r>
+            <a:r>
+              <a:rPr lang="en-US" dirty="0" err="1" smtClean="0"/>
+              <a:t>TrafficSensor</a:t>
+            </a:r>
+            <a:r>
+              <a:rPr lang="en-US" dirty="0" smtClean="0"/>
+              <a:t> </a:t>
+            </a:r>
+            <a:r>
+              <a:rPr lang="en-US" dirty="0"/>
+              <a:t>→ </a:t>
+            </a:r>
+            <a:r>
+              <a:rPr lang="en-US" dirty="0" err="1"/>
+              <a:t>VehicleDetection</a:t>
+            </a:r>
+            <a:r>
+              <a:rPr lang="en-US" dirty="0"/>
+              <a:t> (</a:t>
+            </a:r>
+            <a:r>
+              <a:rPr lang="el-GR" dirty="0"/>
+              <a:t>Κάθε αισθητήρας ανιχνεύει πολλαπλά οχήματα</a:t>
+            </a:r>
+            <a:r>
+              <a:rPr lang="el-GR" dirty="0" smtClean="0"/>
+              <a:t>).</a:t>
+            </a:r>
+            <a:endParaRPr lang="en-US" dirty="0" smtClean="0"/>
+          </a:p>
+          <a:p>
+            <a:pPr marL="0" indent="0">
+              <a:buNone/>
+            </a:pPr>
+            <a:r>
+              <a:rPr lang="en-US" b="1" dirty="0" smtClean="0"/>
+              <a:t>(</a:t>
+            </a:r>
+            <a:r>
+              <a:rPr lang="el-GR" b="1" dirty="0" smtClean="0"/>
+              <a:t>1:</a:t>
+            </a:r>
+            <a:r>
+              <a:rPr lang="en-US" b="1" dirty="0" smtClean="0"/>
+              <a:t>N) </a:t>
+            </a:r>
+            <a:r>
+              <a:rPr lang="en-US" dirty="0" err="1" smtClean="0"/>
+              <a:t>TrafficSensor</a:t>
+            </a:r>
+            <a:r>
+              <a:rPr lang="en-US" dirty="0" smtClean="0"/>
+              <a:t> </a:t>
+            </a:r>
+            <a:r>
+              <a:rPr lang="en-US" dirty="0"/>
+              <a:t>→ </a:t>
+            </a:r>
+            <a:r>
+              <a:rPr lang="en-US" dirty="0" err="1"/>
+              <a:t>PedestrianDetection</a:t>
+            </a:r>
+            <a:r>
+              <a:rPr lang="en-US" dirty="0"/>
+              <a:t> (</a:t>
+            </a:r>
+            <a:r>
+              <a:rPr lang="el-GR" dirty="0"/>
+              <a:t>Κάθε αισθητήρας ανιχνεύει πολλαπλούς πεζούς</a:t>
+            </a:r>
+            <a:r>
+              <a:rPr lang="el-GR" dirty="0" smtClean="0"/>
+              <a:t>).</a:t>
+            </a:r>
+            <a:endParaRPr lang="en-US" dirty="0" smtClean="0"/>
+          </a:p>
+          <a:p>
+            <a:pPr marL="0" indent="0">
+              <a:buNone/>
+            </a:pPr>
+            <a:r>
+              <a:rPr lang="en-US" b="1" dirty="0"/>
+              <a:t>(</a:t>
+            </a:r>
+            <a:r>
+              <a:rPr lang="el-GR" b="1" dirty="0" smtClean="0"/>
+              <a:t>1:</a:t>
+            </a:r>
+            <a:r>
+              <a:rPr lang="en-US" b="1" dirty="0" smtClean="0"/>
+              <a:t>N) </a:t>
+            </a:r>
+            <a:r>
+              <a:rPr lang="en-US" dirty="0" err="1" smtClean="0"/>
+              <a:t>TrafficSensor</a:t>
+            </a:r>
+            <a:r>
+              <a:rPr lang="en-US" dirty="0" smtClean="0"/>
+              <a:t> </a:t>
+            </a:r>
+            <a:r>
+              <a:rPr lang="en-US" dirty="0"/>
+              <a:t>→ </a:t>
+            </a:r>
+            <a:r>
+              <a:rPr lang="en-US" dirty="0" err="1"/>
+              <a:t>CyclistDetection</a:t>
+            </a:r>
+            <a:r>
+              <a:rPr lang="en-US" dirty="0"/>
+              <a:t> (</a:t>
+            </a:r>
+            <a:r>
+              <a:rPr lang="el-GR" dirty="0"/>
+              <a:t>Κάθε αισθητήρας ανιχνεύει πολλαπλούς ποδηλάτες</a:t>
+            </a:r>
+            <a:r>
+              <a:rPr lang="el-GR" dirty="0" smtClean="0"/>
+              <a:t>).</a:t>
+            </a:r>
+            <a:endParaRPr lang="en-US" dirty="0" smtClean="0"/>
+          </a:p>
+          <a:p>
+            <a:pPr marL="0" indent="0">
+              <a:buNone/>
+            </a:pPr>
+            <a:r>
+              <a:rPr lang="en-US" b="1" dirty="0"/>
+              <a:t>(</a:t>
+            </a:r>
+            <a:r>
+              <a:rPr lang="el-GR" b="1" dirty="0" smtClean="0"/>
+              <a:t>1:</a:t>
+            </a:r>
+            <a:r>
+              <a:rPr lang="en-US" b="1" dirty="0" smtClean="0"/>
+              <a:t>N)</a:t>
+            </a:r>
+            <a:r>
+              <a:rPr lang="en-US" dirty="0" smtClean="0"/>
+              <a:t> </a:t>
+            </a:r>
+            <a:r>
+              <a:rPr lang="en-US" dirty="0" err="1" smtClean="0"/>
+              <a:t>TrafficSensor</a:t>
+            </a:r>
+            <a:r>
+              <a:rPr lang="en-US" dirty="0" smtClean="0"/>
+              <a:t> </a:t>
+            </a:r>
+            <a:r>
+              <a:rPr lang="en-US" dirty="0"/>
+              <a:t>→ </a:t>
+            </a:r>
+            <a:r>
+              <a:rPr lang="en-US" dirty="0" err="1" smtClean="0"/>
+              <a:t>EmergencyVehicleDetection</a:t>
+            </a:r>
+            <a:r>
+              <a:rPr lang="en-US" dirty="0" smtClean="0"/>
+              <a:t> </a:t>
+            </a:r>
+            <a:r>
+              <a:rPr lang="en-US" dirty="0"/>
+              <a:t>(</a:t>
+            </a:r>
+            <a:r>
+              <a:rPr lang="el-GR" dirty="0"/>
+              <a:t>Κάθε αισθητήρας ανιχνεύει οχήματα έκτακτης ανάγκης</a:t>
+            </a:r>
+            <a:r>
+              <a:rPr lang="el-GR" dirty="0" smtClean="0"/>
+              <a:t>).</a:t>
+            </a:r>
+          </a:p>
+          <a:p>
+            <a:pPr marL="0" indent="0">
+              <a:buNone/>
+            </a:pPr>
+            <a:endParaRPr lang="en-US" b="1" dirty="0" smtClean="0"/>
+          </a:p>
+          <a:p>
+            <a:pPr marL="0" indent="0">
+              <a:buNone/>
+            </a:pPr>
+            <a:r>
+              <a:rPr lang="el-GR" b="1" dirty="0" smtClean="0"/>
+              <a:t>Σκοπός</a:t>
+            </a:r>
+            <a:r>
+              <a:rPr lang="el-GR" b="1" dirty="0"/>
               <a:t>:</a:t>
             </a:r>
             <a:r>
-              <a:rPr lang="el-GR" sz="2400" dirty="0"/>
-              <a:t> Δείχνει πώς αλληλεπιδρούν οι ανεξάρτητες υπηρεσίες, τα API που εκθέτουν και πώς κλιμακώνονται σε ένα περιβάλλον που βασίζεται στο cloud. Αυτό είναι ζωτικής σημασίας για ένα σύστημα που πρέπει να επεξεργάζεται την κυκλοφορία σε πραγματικό χρόνο και να προσαρμόζει δυναμικά </a:t>
-            </a:r>
-            <a:r>
-              <a:rPr lang="el-GR" sz="2400" dirty="0" smtClean="0"/>
-              <a:t>τ</a:t>
-            </a:r>
-            <a:r>
-              <a:rPr lang="en-US" sz="2400" dirty="0" smtClean="0"/>
-              <a:t>o</a:t>
-            </a:r>
-            <a:r>
-              <a:rPr lang="el-GR" sz="2400" dirty="0" smtClean="0"/>
-              <a:t>υς σηματοδότες.</a:t>
-            </a:r>
-            <a:endParaRPr lang="en-US" sz="2400" dirty="0" smtClean="0"/>
+              <a:rPr lang="el-GR" dirty="0"/>
+              <a:t> Διαχειρίζεται την ανίχνευση χρηστών του δρόμου, συμπεριλαμβανομένων οχημάτων, πεζών και οχημάτων έκτακτης ανάγκης.</a:t>
+            </a:r>
+            <a:endParaRPr lang="en-US" b="1" dirty="0"/>
+          </a:p>
+          <a:p>
+            <a:pPr marL="0" indent="0">
+              <a:buNone/>
+            </a:pPr>
+            <a:endParaRPr lang="en-US" b="1" dirty="0" smtClean="0"/>
+          </a:p>
+          <a:p>
+            <a:pPr marL="0" indent="0">
+              <a:buNone/>
+            </a:pPr>
+            <a:endParaRPr lang="en-US" b="1" dirty="0"/>
+          </a:p>
+          <a:p>
+            <a:pPr marL="0" indent="0">
+              <a:buNone/>
+            </a:pPr>
+            <a:endParaRPr lang="en-US" b="1" dirty="0" smtClean="0"/>
+          </a:p>
+          <a:p>
+            <a:pPr marL="0" indent="0">
+              <a:buNone/>
+            </a:pPr>
+            <a:endParaRPr lang="en-US" sz="1400" b="1" dirty="0" smtClean="0"/>
           </a:p>
         </p:txBody>
       </p:sp>
     </p:spTree>
     <p:extLst>
       <p:ext uri="{BB962C8B-B14F-4D97-AF65-F5344CB8AC3E}">
-        <p14:creationId xmlns:p14="http://schemas.microsoft.com/office/powerpoint/2010/main" val="1720324909"/>
+        <p14:creationId xmlns:p14="http://schemas.microsoft.com/office/powerpoint/2010/main" val="2792104694"/>
       </p:ext>
     </p:extLst>
   </p:cSld>
@@ -15013,9 +14910,21 @@
           <a:bodyPr/>
           <a:lstStyle/>
           <a:p>
-            <a:r>
-              <a:rPr lang="en-US" b="1" dirty="0" smtClean="0"/>
-              <a:t>NETWORK – UML Deployment Diagram</a:t>
+            <a:pPr algn="ctr"/>
+            <a:r>
+              <a:rPr lang="en-US" b="1" dirty="0"/>
+              <a:t>DATA - Database Schema Diagram</a:t>
+            </a:r>
+            <a:r>
+              <a:rPr lang="el-GR" b="1" dirty="0"/>
+              <a:t/>
+            </a:r>
+            <a:br>
+              <a:rPr lang="el-GR" b="1" dirty="0"/>
+            </a:br>
+            <a:r>
+              <a:rPr lang="el-GR" b="1" dirty="0" smtClean="0"/>
+              <a:t>ΣΥΣΧΕΤΙΣΕΙΣ</a:t>
             </a:r>
             <a:endParaRPr lang="en-US" b="1" dirty="0"/>
           </a:p>
@@ -15031,12 +14940,7 @@
             <p:ph idx="1"/>
           </p:nvPr>
         </p:nvSpPr>
-        <p:spPr>
-          <a:xfrm>
-            <a:off x="838200" y="1825624"/>
-            <a:ext cx="10515600" cy="4591217"/>
-          </a:xfrm>
-        </p:spPr>
+        <p:spPr/>
         <p:txBody>
           <a:bodyPr>
             <a:normAutofit/>
@@ -15044,72 +14948,87 @@
           <a:lstStyle/>
           <a:p>
             <a:r>
-              <a:rPr lang="el-GR" sz="2400" b="1" dirty="0" smtClean="0"/>
-              <a:t>Γιατί το επιλέξαμε:</a:t>
-            </a:r>
-            <a:r>
-              <a:rPr lang="el-GR" sz="2400" dirty="0"/>
-              <a:t> </a:t>
-            </a:r>
-            <a:r>
-              <a:rPr lang="el-GR" sz="2400" dirty="0" smtClean="0"/>
-              <a:t>Το έξυπνο σύστημα φαναριών λειτουργεί </a:t>
-            </a:r>
-            <a:r>
-              <a:rPr lang="el-GR" sz="2400" dirty="0"/>
-              <a:t>σε ένα </a:t>
-            </a:r>
-            <a:r>
-              <a:rPr lang="el-GR" sz="2400" dirty="0" smtClean="0"/>
-              <a:t>μοντέλο </a:t>
-            </a:r>
-            <a:r>
-              <a:rPr lang="en-US" sz="2400" dirty="0" smtClean="0"/>
-              <a:t>edge computing</a:t>
-            </a:r>
-            <a:r>
-              <a:rPr lang="el-GR" sz="2400" dirty="0" smtClean="0"/>
-              <a:t> </a:t>
-            </a:r>
-            <a:r>
-              <a:rPr lang="el-GR" sz="2400" dirty="0"/>
-              <a:t>με αισθητήρες στους δρόμους, κέντρα ελέγχου της κυκλοφορίας και επεξεργασία στο cloud για προβλέψεις τεχνητής νοημοσύνης.</a:t>
-            </a:r>
-            <a:endParaRPr lang="en-US" sz="2400" dirty="0" smtClean="0"/>
-          </a:p>
-          <a:p>
-            <a:r>
-              <a:rPr lang="el-GR" sz="2400" b="1" dirty="0" smtClean="0"/>
-              <a:t>Χρήση:</a:t>
-            </a:r>
-            <a:r>
-              <a:rPr lang="el-GR" sz="2400" dirty="0"/>
-              <a:t> Απεικονίζει τον τρόπο με τον οποίο το σύστημα αναπτύσσεται σε διαφορετικά περιβάλλοντα (cloud, edge computing, </a:t>
-            </a:r>
-            <a:r>
-              <a:rPr lang="el-GR" sz="2400" dirty="0" smtClean="0"/>
-              <a:t>IoT</a:t>
-            </a:r>
-            <a:r>
-              <a:rPr lang="en-US" sz="2400" dirty="0" smtClean="0"/>
-              <a:t> gateways</a:t>
-            </a:r>
-            <a:r>
-              <a:rPr lang="el-GR" sz="2400" dirty="0" smtClean="0"/>
-              <a:t>), </a:t>
-            </a:r>
-            <a:r>
-              <a:rPr lang="el-GR" sz="2400" dirty="0"/>
-              <a:t>εξασφαλίζοντας αποτελεσματική επεξεργασία και λήψη αποφάσεων.</a:t>
-            </a:r>
-            <a:endParaRPr lang="en-US" sz="2400" dirty="0" smtClean="0"/>
+              <a:rPr lang="el-GR" b="1" dirty="0"/>
+              <a:t> Τεχνητή νοημοσύνη &amp; έξυπνη διαχείριση της κυκλοφορίας (ευφυής λήψη αποφάσεων</a:t>
+            </a:r>
+            <a:r>
+              <a:rPr lang="el-GR" b="1" dirty="0" smtClean="0"/>
+              <a:t>)</a:t>
+            </a:r>
+            <a:endParaRPr lang="en-US" b="1" dirty="0" smtClean="0"/>
+          </a:p>
+          <a:p>
+            <a:pPr marL="0" indent="0">
+              <a:buNone/>
+            </a:pPr>
+            <a:endParaRPr lang="el-GR" b="1" dirty="0"/>
+          </a:p>
+          <a:p>
+            <a:pPr marL="0" indent="0">
+              <a:buNone/>
+            </a:pPr>
+            <a:endParaRPr lang="en-US" b="1" dirty="0"/>
+          </a:p>
+          <a:p>
+            <a:pPr marL="0" indent="0">
+              <a:buNone/>
+            </a:pPr>
+            <a:endParaRPr lang="en-US" b="1" dirty="0" smtClean="0"/>
+          </a:p>
+          <a:p>
+            <a:pPr marL="0" indent="0">
+              <a:buNone/>
+            </a:pPr>
+            <a:endParaRPr lang="en-US" b="1" dirty="0"/>
+          </a:p>
+          <a:p>
+            <a:pPr marL="0" indent="0">
+              <a:buNone/>
+            </a:pPr>
+            <a:endParaRPr lang="en-US" b="1" dirty="0" smtClean="0"/>
+          </a:p>
+          <a:p>
+            <a:pPr marL="0" indent="0">
+              <a:buNone/>
+            </a:pPr>
+            <a:endParaRPr lang="en-US" sz="1400" b="1" dirty="0" smtClean="0"/>
           </a:p>
         </p:txBody>
       </p:sp>
+      <p:pic>
+        <p:nvPicPr>
+          <p:cNvPr id="4" name="Picture 3"/>
+          <p:cNvPicPr>
+            <a:picLocks noChangeAspect="1"/>
+          </p:cNvPicPr>
+          <p:nvPr/>
+        </p:nvPicPr>
+        <p:blipFill>
+          <a:blip r:embed="rId2" cstate="print">
+            <a:extLst>
+              <a:ext uri="{28A0092B-C50C-407E-A947-70E740481C1C}">
+                <a14:useLocalDpi xmlns:a14="http://schemas.microsoft.com/office/drawing/2010/main" val="0"/>
+              </a:ext>
+            </a:extLst>
+          </a:blip>
+          <a:stretch>
+            <a:fillRect/>
+          </a:stretch>
+        </p:blipFill>
+        <p:spPr>
+          <a:xfrm>
+            <a:off x="4096676" y="2704918"/>
+            <a:ext cx="3998648" cy="3858410"/>
+          </a:xfrm>
+          <a:prstGeom prst="rect">
+            <a:avLst/>
+          </a:prstGeom>
+        </p:spPr>
+      </p:pic>
     </p:spTree>
     <p:extLst>
       <p:ext uri="{BB962C8B-B14F-4D97-AF65-F5344CB8AC3E}">
-        <p14:creationId xmlns:p14="http://schemas.microsoft.com/office/powerpoint/2010/main" val="2942818509"/>
+        <p14:creationId xmlns:p14="http://schemas.microsoft.com/office/powerpoint/2010/main" val="1127390729"/>
       </p:ext>
     </p:extLst>
   </p:cSld>
@@ -15158,9 +15077,21 @@
           <a:bodyPr/>
           <a:lstStyle/>
           <a:p>
-            <a:r>
-              <a:rPr lang="en-US" b="1" dirty="0" smtClean="0"/>
-              <a:t>PEOPLE – UML Sequence Diagram</a:t>
+            <a:pPr algn="ctr"/>
+            <a:r>
+              <a:rPr lang="en-US" b="1" dirty="0"/>
+              <a:t>DATA - Database Schema Diagram</a:t>
+            </a:r>
+            <a:r>
+              <a:rPr lang="el-GR" b="1" dirty="0"/>
+              <a:t/>
+            </a:r>
+            <a:br>
+              <a:rPr lang="el-GR" b="1" dirty="0"/>
+            </a:br>
+            <a:r>
+              <a:rPr lang="el-GR" b="1" dirty="0" smtClean="0"/>
+              <a:t>ΣΥΣΧΕΤΙΣΕΙΣ</a:t>
             </a:r>
             <a:endParaRPr lang="en-US" b="1" dirty="0"/>
           </a:p>
@@ -15176,93 +15107,225 @@
             <p:ph idx="1"/>
           </p:nvPr>
         </p:nvSpPr>
-        <p:spPr>
-          <a:xfrm>
-            <a:off x="838200" y="1825624"/>
-            <a:ext cx="10515600" cy="4591217"/>
-          </a:xfrm>
-        </p:spPr>
+        <p:spPr/>
         <p:txBody>
           <a:bodyPr>
-            <a:normAutofit/>
+            <a:normAutofit fontScale="92500" lnSpcReduction="20000"/>
           </a:bodyPr>
           <a:lstStyle/>
           <a:p>
             <a:r>
-              <a:rPr lang="el-GR" sz="2400" b="1" dirty="0" smtClean="0"/>
-              <a:t>Γιατί </a:t>
-            </a:r>
-            <a:r>
-              <a:rPr lang="el-GR" sz="2400" b="1" dirty="0"/>
-              <a:t>το επιλέξαμε:</a:t>
-            </a:r>
-            <a:r>
-              <a:rPr lang="el-GR" sz="2400" dirty="0"/>
-              <a:t> Το σύστημα περιλαμβάνει πολλαπλές αλληλεπιδράσεις σε πραγματικό χρόνο μεταξύ αισθητήρων, βάσεων δεδομένων, </a:t>
-            </a:r>
-            <a:r>
-              <a:rPr lang="el-GR" sz="2400" dirty="0" smtClean="0"/>
-              <a:t>μικρο</a:t>
-            </a:r>
-            <a:r>
-              <a:rPr lang="el-GR" sz="2400" dirty="0"/>
-              <a:t>ϋ</a:t>
-            </a:r>
-            <a:r>
-              <a:rPr lang="el-GR" sz="2400" dirty="0" smtClean="0"/>
-              <a:t>πηρεσιών </a:t>
-            </a:r>
-            <a:r>
-              <a:rPr lang="el-GR" sz="2400" dirty="0"/>
-              <a:t>και λογικής ελέγχου της κυκλοφορίας</a:t>
-            </a:r>
-            <a:r>
-              <a:rPr lang="el-GR" sz="2400" dirty="0" smtClean="0"/>
-              <a:t>.</a:t>
-            </a:r>
-            <a:endParaRPr lang="en-US" sz="2400" dirty="0" smtClean="0"/>
-          </a:p>
-          <a:p>
-            <a:r>
-              <a:rPr lang="el-GR" sz="2400" b="1" dirty="0" smtClean="0"/>
-              <a:t>Χρήση</a:t>
-            </a:r>
-            <a:r>
-              <a:rPr lang="el-GR" sz="2400" b="1" dirty="0"/>
+              <a:rPr lang="el-GR" b="1" dirty="0"/>
+              <a:t> Τεχνητή νοημοσύνη &amp; έξυπνη διαχείριση της κυκλοφορίας (ευφυής λήψη αποφάσεων</a:t>
+            </a:r>
+            <a:r>
+              <a:rPr lang="el-GR" b="1" dirty="0" smtClean="0"/>
+              <a:t>)</a:t>
+            </a:r>
+            <a:endParaRPr lang="en-US" b="1" dirty="0" smtClean="0"/>
+          </a:p>
+          <a:p>
+            <a:pPr marL="0" indent="0">
+              <a:buNone/>
+            </a:pPr>
+            <a:endParaRPr lang="el-GR" b="1" dirty="0"/>
+          </a:p>
+          <a:p>
+            <a:pPr marL="0" indent="0">
+              <a:buNone/>
+            </a:pPr>
+            <a:r>
+              <a:rPr lang="en-US" b="1" dirty="0" smtClean="0"/>
+              <a:t>(1:N) </a:t>
+            </a:r>
+            <a:r>
+              <a:rPr lang="en-US" dirty="0" err="1" smtClean="0"/>
+              <a:t>TrafficLight</a:t>
+            </a:r>
+            <a:r>
+              <a:rPr lang="en-US" dirty="0" smtClean="0"/>
+              <a:t> </a:t>
+            </a:r>
+            <a:r>
+              <a:rPr lang="en-US" dirty="0"/>
+              <a:t>→ </a:t>
+            </a:r>
+            <a:r>
+              <a:rPr lang="en-US" dirty="0" err="1"/>
+              <a:t>AI_TrafficPrediction</a:t>
+            </a:r>
+            <a:r>
+              <a:rPr lang="en-US" dirty="0"/>
+              <a:t> (</a:t>
+            </a:r>
+            <a:r>
+              <a:rPr lang="el-GR" dirty="0"/>
+              <a:t>Κάθε φανάρι έχει προβλέψεις συμφόρησης</a:t>
+            </a:r>
+            <a:r>
+              <a:rPr lang="el-GR" dirty="0" smtClean="0"/>
+              <a:t>).</a:t>
+            </a:r>
+            <a:endParaRPr lang="en-US" dirty="0" smtClean="0"/>
+          </a:p>
+          <a:p>
+            <a:pPr marL="0" indent="0">
+              <a:buNone/>
+            </a:pPr>
+            <a:r>
+              <a:rPr lang="en-US" b="1" dirty="0" smtClean="0"/>
+              <a:t>(N:N) </a:t>
+            </a:r>
+            <a:r>
+              <a:rPr lang="en-US" dirty="0" err="1" smtClean="0"/>
+              <a:t>TrafficLight</a:t>
+            </a:r>
+            <a:r>
+              <a:rPr lang="en-US" dirty="0" smtClean="0"/>
+              <a:t> ↔ </a:t>
+            </a:r>
+            <a:r>
+              <a:rPr lang="en-US" dirty="0" err="1" smtClean="0"/>
+              <a:t>RealTimeSynchronization</a:t>
+            </a:r>
+            <a:r>
+              <a:rPr lang="en-US" dirty="0" smtClean="0"/>
+              <a:t> (</a:t>
+            </a:r>
+            <a:r>
+              <a:rPr lang="el-GR" dirty="0" smtClean="0"/>
+              <a:t>Κάθε φανάρι μπορεί να συγχρονιστεί με πολλά άλλα</a:t>
+            </a:r>
+            <a:r>
+              <a:rPr lang="el-GR" dirty="0" smtClean="0"/>
+              <a:t>).</a:t>
+            </a:r>
+            <a:endParaRPr lang="en-US" dirty="0" smtClean="0"/>
+          </a:p>
+          <a:p>
+            <a:pPr marL="0" indent="0">
+              <a:buNone/>
+            </a:pPr>
+            <a:r>
+              <a:rPr lang="en-US" b="1" dirty="0" smtClean="0"/>
+              <a:t>(1:N) </a:t>
+            </a:r>
+            <a:r>
+              <a:rPr lang="en-US" dirty="0" smtClean="0"/>
+              <a:t>User </a:t>
+            </a:r>
+            <a:r>
+              <a:rPr lang="en-US" dirty="0" smtClean="0">
+                <a:sym typeface="Wingdings" panose="05000000000000000000" pitchFamily="2" charset="2"/>
+              </a:rPr>
+              <a:t> </a:t>
+            </a:r>
+            <a:r>
+              <a:rPr lang="en-US" dirty="0" err="1" smtClean="0">
+                <a:sym typeface="Wingdings" panose="05000000000000000000" pitchFamily="2" charset="2"/>
+              </a:rPr>
+              <a:t>RealTimeSynchronization</a:t>
+            </a:r>
+            <a:r>
+              <a:rPr lang="en-US" dirty="0" smtClean="0">
+                <a:sym typeface="Wingdings" panose="05000000000000000000" pitchFamily="2" charset="2"/>
+              </a:rPr>
+              <a:t> (</a:t>
+            </a:r>
+            <a:r>
+              <a:rPr lang="el-GR" dirty="0">
+                <a:sym typeface="Wingdings" panose="05000000000000000000" pitchFamily="2" charset="2"/>
+              </a:rPr>
+              <a:t>Οι χρήστες ελέγχουν το συγχρονισμό μεταξύ των φωτεινών </a:t>
+            </a:r>
+            <a:r>
+              <a:rPr lang="el-GR" dirty="0" smtClean="0">
+                <a:sym typeface="Wingdings" panose="05000000000000000000" pitchFamily="2" charset="2"/>
+              </a:rPr>
+              <a:t>σηματοδοτών</a:t>
+            </a:r>
+            <a:r>
+              <a:rPr lang="el-GR" dirty="0">
+                <a:sym typeface="Wingdings" panose="05000000000000000000" pitchFamily="2" charset="2"/>
+              </a:rPr>
+              <a:t>)</a:t>
+            </a:r>
+            <a:endParaRPr lang="en-US" b="1" dirty="0" smtClean="0"/>
+          </a:p>
+          <a:p>
+            <a:pPr marL="0" indent="0">
+              <a:buNone/>
+            </a:pPr>
+            <a:endParaRPr lang="en-US" dirty="0">
+              <a:sym typeface="Wingdings" panose="05000000000000000000" pitchFamily="2" charset="2"/>
+            </a:endParaRPr>
+          </a:p>
+          <a:p>
+            <a:pPr marL="0" indent="0">
+              <a:buNone/>
+            </a:pPr>
+            <a:r>
+              <a:rPr lang="el-GR" b="1" dirty="0" smtClean="0"/>
+              <a:t>Σκοπός</a:t>
+            </a:r>
+            <a:r>
+              <a:rPr lang="el-GR" b="1" dirty="0"/>
               <a:t>:</a:t>
             </a:r>
             <a:r>
-              <a:rPr lang="el-GR" sz="2400" dirty="0"/>
-              <a:t> Αναπαριστά τη ροή των μηνυμάτων μεταξύ των στοιχείων του συστήματος (π.χ., ο αισθητήρας ανιχνεύει την κυκλοφορία → στέλνει δεδομένα σε </a:t>
-            </a:r>
-            <a:r>
-              <a:rPr lang="en-US" sz="2400" dirty="0" smtClean="0"/>
-              <a:t>remote server </a:t>
-            </a:r>
-            <a:r>
-              <a:rPr lang="el-GR" sz="2400" dirty="0" smtClean="0"/>
-              <a:t>στο </a:t>
-            </a:r>
-            <a:r>
-              <a:rPr lang="en-US" sz="2400" dirty="0" smtClean="0"/>
-              <a:t>cloud</a:t>
-            </a:r>
-            <a:r>
-              <a:rPr lang="el-GR" sz="2400" dirty="0" smtClean="0"/>
+              <a:rPr lang="el-GR" dirty="0"/>
               <a:t> </a:t>
             </a:r>
             <a:r>
-              <a:rPr lang="el-GR" sz="2400" dirty="0"/>
-              <a:t>→ η ΤΝ προβλέπει τη συμφόρηση → προσαρμόζει τα φανάρια). Αυτό βοηθά στη βελτιστοποίηση της καθυστέρησης και της επικοινωνίας.</a:t>
-            </a:r>
-            <a:endParaRPr lang="en-US" sz="2400" dirty="0" smtClean="0"/>
+              <a:rPr lang="el-GR" dirty="0" smtClean="0"/>
+              <a:t>Χρησιμοποιεί </a:t>
+            </a:r>
+            <a:r>
+              <a:rPr lang="el-GR" dirty="0"/>
+              <a:t>τεχνητή νοημοσύνη για την πρόβλεψη της συμφόρησης και τη βελτιστοποίηση του συγχρονισμού των </a:t>
+            </a:r>
+            <a:r>
+              <a:rPr lang="el-GR" dirty="0" smtClean="0"/>
+              <a:t>φαναριών.</a:t>
+            </a:r>
+            <a:endParaRPr lang="en-US" b="1" dirty="0" smtClean="0"/>
+          </a:p>
+          <a:p>
+            <a:pPr marL="0" indent="0">
+              <a:buNone/>
+            </a:pPr>
+            <a:endParaRPr lang="en-US" b="1" dirty="0"/>
+          </a:p>
+          <a:p>
+            <a:pPr marL="0" indent="0">
+              <a:buNone/>
+            </a:pPr>
+            <a:endParaRPr lang="en-US" b="1" dirty="0" smtClean="0"/>
+          </a:p>
+          <a:p>
+            <a:pPr marL="0" indent="0">
+              <a:buNone/>
+            </a:pPr>
+            <a:endParaRPr lang="en-US" b="1" dirty="0"/>
+          </a:p>
+          <a:p>
+            <a:pPr marL="0" indent="0">
+              <a:buNone/>
+            </a:pPr>
+            <a:endParaRPr lang="en-US" b="1" dirty="0" smtClean="0"/>
+          </a:p>
+          <a:p>
+            <a:pPr marL="0" indent="0">
+              <a:buNone/>
+            </a:pPr>
+            <a:endParaRPr lang="en-US" sz="1400" b="1" dirty="0" smtClean="0"/>
           </a:p>
         </p:txBody>
       </p:sp>
     </p:spTree>
     <p:extLst>
       <p:ext uri="{BB962C8B-B14F-4D97-AF65-F5344CB8AC3E}">
-        <p14:creationId xmlns:p14="http://schemas.microsoft.com/office/powerpoint/2010/main" val="3252582610"/>
+        <p14:creationId xmlns:p14="http://schemas.microsoft.com/office/powerpoint/2010/main" val="3285596745"/>
       </p:ext>
     </p:extLst>
   </p:cSld>
@@ -15385,6 +15448,874 @@
 </file>
 
 <file path=ppt/slides/slide30.xml><?xml version="1.0" encoding="utf-8"?>
+<p:sld xmlns:a="http://schemas.openxmlformats.org/drawingml/2006/main" xmlns:r="http://schemas.openxmlformats.org/officeDocument/2006/relationships" xmlns:p="http://schemas.openxmlformats.org/presentationml/2006/main">
+  <p:cSld>
+    <p:spTree>
+      <p:nvGrpSpPr>
+        <p:cNvPr id="1" name=""/>
+        <p:cNvGrpSpPr/>
+        <p:nvPr/>
+      </p:nvGrpSpPr>
+      <p:grpSpPr>
+        <a:xfrm>
+          <a:off x="0" y="0"/>
+          <a:ext cx="0" cy="0"/>
+          <a:chOff x="0" y="0"/>
+          <a:chExt cx="0" cy="0"/>
+        </a:xfrm>
+      </p:grpSpPr>
+      <p:sp>
+        <p:nvSpPr>
+          <p:cNvPr id="2" name="Title 1"/>
+          <p:cNvSpPr>
+            <a:spLocks noGrp="1"/>
+          </p:cNvSpPr>
+          <p:nvPr>
+            <p:ph type="title"/>
+          </p:nvPr>
+        </p:nvSpPr>
+        <p:spPr/>
+        <p:txBody>
+          <a:bodyPr/>
+          <a:lstStyle/>
+          <a:p>
+            <a:pPr algn="ctr"/>
+            <a:r>
+              <a:rPr lang="en-US" b="1" dirty="0"/>
+              <a:t>DATA - Database Schema Diagram</a:t>
+            </a:r>
+            <a:r>
+              <a:rPr lang="el-GR" b="1" dirty="0"/>
+              <a:t/>
+            </a:r>
+            <a:br>
+              <a:rPr lang="el-GR" b="1" dirty="0"/>
+            </a:br>
+            <a:r>
+              <a:rPr lang="el-GR" b="1" dirty="0" smtClean="0"/>
+              <a:t>ΣΥΣΧΕΤΙΣΕΙΣ</a:t>
+            </a:r>
+            <a:endParaRPr lang="en-US" b="1" dirty="0"/>
+          </a:p>
+        </p:txBody>
+      </p:sp>
+      <p:sp>
+        <p:nvSpPr>
+          <p:cNvPr id="3" name="Content Placeholder 2"/>
+          <p:cNvSpPr>
+            <a:spLocks noGrp="1"/>
+          </p:cNvSpPr>
+          <p:nvPr>
+            <p:ph idx="1"/>
+          </p:nvPr>
+        </p:nvSpPr>
+        <p:spPr/>
+        <p:txBody>
+          <a:bodyPr>
+            <a:normAutofit/>
+          </a:bodyPr>
+          <a:lstStyle/>
+          <a:p>
+            <a:r>
+              <a:rPr lang="el-GR" b="1" dirty="0"/>
+              <a:t> Διαχείριση χρηστών και καταγραφή (πρόσβαση στο σύστημα και ασφάλεια</a:t>
+            </a:r>
+            <a:r>
+              <a:rPr lang="el-GR" b="1" dirty="0" smtClean="0"/>
+              <a:t>)</a:t>
+            </a:r>
+          </a:p>
+          <a:p>
+            <a:pPr marL="0" indent="0">
+              <a:buNone/>
+            </a:pPr>
+            <a:endParaRPr lang="el-GR" b="1" dirty="0"/>
+          </a:p>
+          <a:p>
+            <a:pPr marL="0" indent="0">
+              <a:buNone/>
+            </a:pPr>
+            <a:endParaRPr lang="en-US" b="1" dirty="0"/>
+          </a:p>
+          <a:p>
+            <a:pPr marL="0" indent="0">
+              <a:buNone/>
+            </a:pPr>
+            <a:endParaRPr lang="en-US" b="1" dirty="0" smtClean="0"/>
+          </a:p>
+          <a:p>
+            <a:pPr marL="0" indent="0">
+              <a:buNone/>
+            </a:pPr>
+            <a:endParaRPr lang="en-US" b="1" dirty="0"/>
+          </a:p>
+          <a:p>
+            <a:pPr marL="0" indent="0">
+              <a:buNone/>
+            </a:pPr>
+            <a:endParaRPr lang="en-US" b="1" dirty="0" smtClean="0"/>
+          </a:p>
+          <a:p>
+            <a:pPr marL="0" indent="0">
+              <a:buNone/>
+            </a:pPr>
+            <a:endParaRPr lang="en-US" sz="1400" b="1" dirty="0" smtClean="0"/>
+          </a:p>
+        </p:txBody>
+      </p:sp>
+      <p:pic>
+        <p:nvPicPr>
+          <p:cNvPr id="4" name="Picture 3"/>
+          <p:cNvPicPr>
+            <a:picLocks noChangeAspect="1"/>
+          </p:cNvPicPr>
+          <p:nvPr/>
+        </p:nvPicPr>
+        <p:blipFill>
+          <a:blip r:embed="rId2" cstate="print">
+            <a:extLst>
+              <a:ext uri="{28A0092B-C50C-407E-A947-70E740481C1C}">
+                <a14:useLocalDpi xmlns:a14="http://schemas.microsoft.com/office/drawing/2010/main" val="0"/>
+              </a:ext>
+            </a:extLst>
+          </a:blip>
+          <a:stretch>
+            <a:fillRect/>
+          </a:stretch>
+        </p:blipFill>
+        <p:spPr>
+          <a:xfrm>
+            <a:off x="3950216" y="2486527"/>
+            <a:ext cx="4291567" cy="4141057"/>
+          </a:xfrm>
+          <a:prstGeom prst="rect">
+            <a:avLst/>
+          </a:prstGeom>
+        </p:spPr>
+      </p:pic>
+    </p:spTree>
+    <p:extLst>
+      <p:ext uri="{BB962C8B-B14F-4D97-AF65-F5344CB8AC3E}">
+        <p14:creationId xmlns:p14="http://schemas.microsoft.com/office/powerpoint/2010/main" val="1019450155"/>
+      </p:ext>
+    </p:extLst>
+  </p:cSld>
+  <p:clrMapOvr>
+    <a:masterClrMapping/>
+  </p:clrMapOvr>
+  <p:timing>
+    <p:tnLst>
+      <p:par>
+        <p:cTn id="1" dur="indefinite" restart="never" nodeType="tmRoot"/>
+      </p:par>
+    </p:tnLst>
+  </p:timing>
+</p:sld>
+</file>
+
+<file path=ppt/slides/slide31.xml><?xml version="1.0" encoding="utf-8"?>
+<p:sld xmlns:a="http://schemas.openxmlformats.org/drawingml/2006/main" xmlns:r="http://schemas.openxmlformats.org/officeDocument/2006/relationships" xmlns:p="http://schemas.openxmlformats.org/presentationml/2006/main">
+  <p:cSld>
+    <p:spTree>
+      <p:nvGrpSpPr>
+        <p:cNvPr id="1" name=""/>
+        <p:cNvGrpSpPr/>
+        <p:nvPr/>
+      </p:nvGrpSpPr>
+      <p:grpSpPr>
+        <a:xfrm>
+          <a:off x="0" y="0"/>
+          <a:ext cx="0" cy="0"/>
+          <a:chOff x="0" y="0"/>
+          <a:chExt cx="0" cy="0"/>
+        </a:xfrm>
+      </p:grpSpPr>
+      <p:sp>
+        <p:nvSpPr>
+          <p:cNvPr id="2" name="Title 1"/>
+          <p:cNvSpPr>
+            <a:spLocks noGrp="1"/>
+          </p:cNvSpPr>
+          <p:nvPr>
+            <p:ph type="title"/>
+          </p:nvPr>
+        </p:nvSpPr>
+        <p:spPr/>
+        <p:txBody>
+          <a:bodyPr/>
+          <a:lstStyle/>
+          <a:p>
+            <a:pPr algn="ctr"/>
+            <a:r>
+              <a:rPr lang="en-US" b="1" dirty="0"/>
+              <a:t>DATA - Database Schema Diagram</a:t>
+            </a:r>
+            <a:r>
+              <a:rPr lang="el-GR" b="1" dirty="0"/>
+              <a:t/>
+            </a:r>
+            <a:br>
+              <a:rPr lang="el-GR" b="1" dirty="0"/>
+            </a:br>
+            <a:r>
+              <a:rPr lang="el-GR" b="1" dirty="0" smtClean="0"/>
+              <a:t>ΣΥΣΧΕΤΙΣΕΙΣ</a:t>
+            </a:r>
+            <a:endParaRPr lang="en-US" b="1" dirty="0"/>
+          </a:p>
+        </p:txBody>
+      </p:sp>
+      <p:sp>
+        <p:nvSpPr>
+          <p:cNvPr id="3" name="Content Placeholder 2"/>
+          <p:cNvSpPr>
+            <a:spLocks noGrp="1"/>
+          </p:cNvSpPr>
+          <p:nvPr>
+            <p:ph idx="1"/>
+          </p:nvPr>
+        </p:nvSpPr>
+        <p:spPr/>
+        <p:txBody>
+          <a:bodyPr>
+            <a:normAutofit fontScale="92500" lnSpcReduction="10000"/>
+          </a:bodyPr>
+          <a:lstStyle/>
+          <a:p>
+            <a:r>
+              <a:rPr lang="el-GR" b="1" dirty="0"/>
+              <a:t> Διαχείριση χρηστών και καταγραφή (πρόσβαση στο σύστημα και ασφάλεια</a:t>
+            </a:r>
+            <a:r>
+              <a:rPr lang="el-GR" b="1" dirty="0" smtClean="0"/>
+              <a:t>)</a:t>
+            </a:r>
+          </a:p>
+          <a:p>
+            <a:pPr marL="0" indent="0">
+              <a:buNone/>
+            </a:pPr>
+            <a:endParaRPr lang="el-GR" b="1" dirty="0"/>
+          </a:p>
+          <a:p>
+            <a:pPr marL="0" indent="0">
+              <a:buNone/>
+            </a:pPr>
+            <a:r>
+              <a:rPr lang="el-GR" b="1" dirty="0" smtClean="0"/>
+              <a:t>(1:1) </a:t>
+            </a:r>
+            <a:r>
+              <a:rPr lang="el-GR" dirty="0"/>
+              <a:t>User → UserRole (Κάθε χρήστης έχει έναν ρόλο</a:t>
+            </a:r>
+            <a:r>
+              <a:rPr lang="el-GR" dirty="0" smtClean="0"/>
+              <a:t>)</a:t>
+            </a:r>
+            <a:endParaRPr lang="el-GR" dirty="0" smtClean="0"/>
+          </a:p>
+          <a:p>
+            <a:pPr marL="0" indent="0">
+              <a:buNone/>
+            </a:pPr>
+            <a:r>
+              <a:rPr lang="el-GR" b="1" dirty="0"/>
+              <a:t>(</a:t>
+            </a:r>
+            <a:r>
+              <a:rPr lang="el-GR" b="1" dirty="0" smtClean="0"/>
+              <a:t>1:N) </a:t>
+            </a:r>
+            <a:r>
+              <a:rPr lang="el-GR" dirty="0" smtClean="0"/>
+              <a:t>User </a:t>
+            </a:r>
+            <a:r>
+              <a:rPr lang="el-GR" dirty="0"/>
+              <a:t>→ UserActionLog (Ένας χρήστης μπορεί να έχει πολλαπλές καταγεγραμμένες ενέργειες</a:t>
+            </a:r>
+            <a:r>
+              <a:rPr lang="el-GR" dirty="0" smtClean="0"/>
+              <a:t>)</a:t>
+            </a:r>
+          </a:p>
+          <a:p>
+            <a:pPr marL="0" indent="0">
+              <a:buNone/>
+            </a:pPr>
+            <a:r>
+              <a:rPr lang="el-GR" b="1" dirty="0" smtClean="0"/>
+              <a:t>(1:Ν) </a:t>
+            </a:r>
+            <a:r>
+              <a:rPr lang="en-US" dirty="0" smtClean="0"/>
+              <a:t>User </a:t>
+            </a:r>
+            <a:r>
+              <a:rPr lang="en-US" dirty="0" smtClean="0">
+                <a:sym typeface="Wingdings" panose="05000000000000000000" pitchFamily="2" charset="2"/>
+              </a:rPr>
+              <a:t> </a:t>
+            </a:r>
+            <a:r>
+              <a:rPr lang="en-US" dirty="0" err="1" smtClean="0">
+                <a:sym typeface="Wingdings" panose="05000000000000000000" pitchFamily="2" charset="2"/>
+              </a:rPr>
+              <a:t>TrafficLight</a:t>
+            </a:r>
+            <a:r>
+              <a:rPr lang="en-US" dirty="0" smtClean="0">
+                <a:sym typeface="Wingdings" panose="05000000000000000000" pitchFamily="2" charset="2"/>
+              </a:rPr>
+              <a:t> (</a:t>
+            </a:r>
+            <a:r>
+              <a:rPr lang="el-GR" dirty="0">
+                <a:sym typeface="Wingdings" panose="05000000000000000000" pitchFamily="2" charset="2"/>
+              </a:rPr>
+              <a:t>Ένας χρήστης διαχειρίζεται πολλαπλούς φωτεινούς </a:t>
+            </a:r>
+            <a:r>
+              <a:rPr lang="el-GR" dirty="0" smtClean="0">
+                <a:sym typeface="Wingdings" panose="05000000000000000000" pitchFamily="2" charset="2"/>
+              </a:rPr>
+              <a:t>σηματοδότες</a:t>
+            </a:r>
+            <a:r>
+              <a:rPr lang="en-US" dirty="0" smtClean="0">
+                <a:sym typeface="Wingdings" panose="05000000000000000000" pitchFamily="2" charset="2"/>
+              </a:rPr>
+              <a:t>)</a:t>
+            </a:r>
+            <a:endParaRPr lang="el-GR" b="1" dirty="0" smtClean="0"/>
+          </a:p>
+          <a:p>
+            <a:pPr marL="0" indent="0">
+              <a:buNone/>
+            </a:pPr>
+            <a:endParaRPr lang="en-US" dirty="0">
+              <a:sym typeface="Wingdings" panose="05000000000000000000" pitchFamily="2" charset="2"/>
+            </a:endParaRPr>
+          </a:p>
+          <a:p>
+            <a:pPr marL="0" indent="0">
+              <a:buNone/>
+            </a:pPr>
+            <a:r>
+              <a:rPr lang="el-GR" b="1" dirty="0" smtClean="0"/>
+              <a:t>Σκοπός</a:t>
+            </a:r>
+            <a:r>
+              <a:rPr lang="el-GR" b="1" dirty="0"/>
+              <a:t>:</a:t>
+            </a:r>
+            <a:r>
+              <a:rPr lang="el-GR" dirty="0"/>
+              <a:t> Διαχειρίζεται τους χρήστες του συστήματος, τους ρόλους τους και καταγράφει τις ενέργειές τους.</a:t>
+            </a:r>
+            <a:endParaRPr lang="en-US" b="1" dirty="0" smtClean="0"/>
+          </a:p>
+          <a:p>
+            <a:pPr marL="0" indent="0">
+              <a:buNone/>
+            </a:pPr>
+            <a:endParaRPr lang="en-US" b="1" dirty="0"/>
+          </a:p>
+          <a:p>
+            <a:pPr marL="0" indent="0">
+              <a:buNone/>
+            </a:pPr>
+            <a:endParaRPr lang="en-US" b="1" dirty="0" smtClean="0"/>
+          </a:p>
+          <a:p>
+            <a:pPr marL="0" indent="0">
+              <a:buNone/>
+            </a:pPr>
+            <a:endParaRPr lang="en-US" b="1" dirty="0"/>
+          </a:p>
+          <a:p>
+            <a:pPr marL="0" indent="0">
+              <a:buNone/>
+            </a:pPr>
+            <a:endParaRPr lang="en-US" b="1" dirty="0" smtClean="0"/>
+          </a:p>
+          <a:p>
+            <a:pPr marL="0" indent="0">
+              <a:buNone/>
+            </a:pPr>
+            <a:endParaRPr lang="en-US" sz="1400" b="1" dirty="0" smtClean="0"/>
+          </a:p>
+        </p:txBody>
+      </p:sp>
+    </p:spTree>
+    <p:extLst>
+      <p:ext uri="{BB962C8B-B14F-4D97-AF65-F5344CB8AC3E}">
+        <p14:creationId xmlns:p14="http://schemas.microsoft.com/office/powerpoint/2010/main" val="1711121140"/>
+      </p:ext>
+    </p:extLst>
+  </p:cSld>
+  <p:clrMapOvr>
+    <a:masterClrMapping/>
+  </p:clrMapOvr>
+  <p:timing>
+    <p:tnLst>
+      <p:par>
+        <p:cTn id="1" dur="indefinite" restart="never" nodeType="tmRoot"/>
+      </p:par>
+    </p:tnLst>
+  </p:timing>
+</p:sld>
+</file>
+
+<file path=ppt/slides/slide32.xml><?xml version="1.0" encoding="utf-8"?>
+<p:sld xmlns:a="http://schemas.openxmlformats.org/drawingml/2006/main" xmlns:r="http://schemas.openxmlformats.org/officeDocument/2006/relationships" xmlns:p="http://schemas.openxmlformats.org/presentationml/2006/main">
+  <p:cSld>
+    <p:spTree>
+      <p:nvGrpSpPr>
+        <p:cNvPr id="1" name=""/>
+        <p:cNvGrpSpPr/>
+        <p:nvPr/>
+      </p:nvGrpSpPr>
+      <p:grpSpPr>
+        <a:xfrm>
+          <a:off x="0" y="0"/>
+          <a:ext cx="0" cy="0"/>
+          <a:chOff x="0" y="0"/>
+          <a:chExt cx="0" cy="0"/>
+        </a:xfrm>
+      </p:grpSpPr>
+      <p:sp>
+        <p:nvSpPr>
+          <p:cNvPr id="2" name="Title 1"/>
+          <p:cNvSpPr>
+            <a:spLocks noGrp="1"/>
+          </p:cNvSpPr>
+          <p:nvPr>
+            <p:ph type="title"/>
+          </p:nvPr>
+        </p:nvSpPr>
+        <p:spPr/>
+        <p:txBody>
+          <a:bodyPr/>
+          <a:lstStyle/>
+          <a:p>
+            <a:r>
+              <a:rPr lang="en-US" b="1" dirty="0" smtClean="0"/>
+              <a:t>FUNCTION – </a:t>
+            </a:r>
+            <a:r>
+              <a:rPr lang="en-US" b="1" dirty="0" err="1" smtClean="0"/>
+              <a:t>Microservices</a:t>
+            </a:r>
+            <a:r>
+              <a:rPr lang="en-US" b="1" dirty="0" smtClean="0"/>
+              <a:t> Architecture Diagram</a:t>
+            </a:r>
+            <a:endParaRPr lang="en-US" b="1" dirty="0"/>
+          </a:p>
+        </p:txBody>
+      </p:sp>
+      <p:sp>
+        <p:nvSpPr>
+          <p:cNvPr id="3" name="Content Placeholder 2"/>
+          <p:cNvSpPr>
+            <a:spLocks noGrp="1"/>
+          </p:cNvSpPr>
+          <p:nvPr>
+            <p:ph idx="1"/>
+          </p:nvPr>
+        </p:nvSpPr>
+        <p:spPr>
+          <a:xfrm>
+            <a:off x="838200" y="1825624"/>
+            <a:ext cx="10515600" cy="4591217"/>
+          </a:xfrm>
+        </p:spPr>
+        <p:txBody>
+          <a:bodyPr>
+            <a:normAutofit/>
+          </a:bodyPr>
+          <a:lstStyle/>
+          <a:p>
+            <a:r>
+              <a:rPr lang="el-GR" sz="2400" b="1" dirty="0" smtClean="0"/>
+              <a:t>Γιατί </a:t>
+            </a:r>
+            <a:r>
+              <a:rPr lang="el-GR" sz="2400" b="1" dirty="0"/>
+              <a:t>το επιλέξαμε:</a:t>
+            </a:r>
+            <a:r>
+              <a:rPr lang="el-GR" sz="2400" dirty="0"/>
+              <a:t> Το σύστημα βασίζεται σε κατανεμημένες </a:t>
+            </a:r>
+            <a:r>
+              <a:rPr lang="el-GR" sz="2400" dirty="0" smtClean="0"/>
+              <a:t>μικρο</a:t>
+            </a:r>
+            <a:r>
+              <a:rPr lang="el-GR" sz="2400" dirty="0"/>
+              <a:t>ϋ</a:t>
+            </a:r>
+            <a:r>
+              <a:rPr lang="el-GR" sz="2400" dirty="0" smtClean="0"/>
+              <a:t>πηρεσίες </a:t>
+            </a:r>
+            <a:r>
+              <a:rPr lang="el-GR" sz="2400" dirty="0"/>
+              <a:t>για τη διαχείριση διαφορετικών λειτουργιών, όπως η επεξεργασία δεδομένων κυκλοφορίας, οι προβλέψεις τεχνητής νοημοσύνης, ο συγχρονισμός σε πραγματικό χρόνο και η επικοινωνία IoT.</a:t>
+            </a:r>
+            <a:endParaRPr lang="en-US" sz="2400" dirty="0" smtClean="0"/>
+          </a:p>
+          <a:p>
+            <a:r>
+              <a:rPr lang="el-GR" sz="2400" b="1" dirty="0" smtClean="0"/>
+              <a:t>Χρήση</a:t>
+            </a:r>
+            <a:r>
+              <a:rPr lang="el-GR" sz="2400" b="1" dirty="0"/>
+              <a:t>:</a:t>
+            </a:r>
+            <a:r>
+              <a:rPr lang="el-GR" sz="2400" dirty="0"/>
+              <a:t> Δείχνει πώς αλληλεπιδρούν οι ανεξάρτητες υπηρεσίες, τα API που εκθέτουν και πώς κλιμακώνονται σε ένα περιβάλλον που βασίζεται στο cloud. Αυτό είναι ζωτικής σημασίας για ένα σύστημα που πρέπει να επεξεργάζεται την κυκλοφορία σε πραγματικό χρόνο και να προσαρμόζει δυναμικά </a:t>
+            </a:r>
+            <a:r>
+              <a:rPr lang="el-GR" sz="2400" dirty="0" smtClean="0"/>
+              <a:t>τ</a:t>
+            </a:r>
+            <a:r>
+              <a:rPr lang="en-US" sz="2400" dirty="0" smtClean="0"/>
+              <a:t>o</a:t>
+            </a:r>
+            <a:r>
+              <a:rPr lang="el-GR" sz="2400" dirty="0" smtClean="0"/>
+              <a:t>υς σηματοδότες.</a:t>
+            </a:r>
+            <a:endParaRPr lang="en-US" sz="2400" dirty="0" smtClean="0"/>
+          </a:p>
+        </p:txBody>
+      </p:sp>
+    </p:spTree>
+    <p:extLst>
+      <p:ext uri="{BB962C8B-B14F-4D97-AF65-F5344CB8AC3E}">
+        <p14:creationId xmlns:p14="http://schemas.microsoft.com/office/powerpoint/2010/main" val="1720324909"/>
+      </p:ext>
+    </p:extLst>
+  </p:cSld>
+  <p:clrMapOvr>
+    <a:masterClrMapping/>
+  </p:clrMapOvr>
+  <p:timing>
+    <p:tnLst>
+      <p:par>
+        <p:cTn id="1" dur="indefinite" restart="never" nodeType="tmRoot"/>
+      </p:par>
+    </p:tnLst>
+  </p:timing>
+</p:sld>
+</file>
+
+<file path=ppt/slides/slide33.xml><?xml version="1.0" encoding="utf-8"?>
+<p:sld xmlns:a="http://schemas.openxmlformats.org/drawingml/2006/main" xmlns:r="http://schemas.openxmlformats.org/officeDocument/2006/relationships" xmlns:p="http://schemas.openxmlformats.org/presentationml/2006/main">
+  <p:cSld>
+    <p:spTree>
+      <p:nvGrpSpPr>
+        <p:cNvPr id="1" name=""/>
+        <p:cNvGrpSpPr/>
+        <p:nvPr/>
+      </p:nvGrpSpPr>
+      <p:grpSpPr>
+        <a:xfrm>
+          <a:off x="0" y="0"/>
+          <a:ext cx="0" cy="0"/>
+          <a:chOff x="0" y="0"/>
+          <a:chExt cx="0" cy="0"/>
+        </a:xfrm>
+      </p:grpSpPr>
+      <p:sp>
+        <p:nvSpPr>
+          <p:cNvPr id="2" name="Title 1"/>
+          <p:cNvSpPr>
+            <a:spLocks noGrp="1"/>
+          </p:cNvSpPr>
+          <p:nvPr>
+            <p:ph type="title"/>
+          </p:nvPr>
+        </p:nvSpPr>
+        <p:spPr/>
+        <p:txBody>
+          <a:bodyPr/>
+          <a:lstStyle/>
+          <a:p>
+            <a:r>
+              <a:rPr lang="en-US" b="1" dirty="0" smtClean="0"/>
+              <a:t>NETWORK – UML Deployment Diagram</a:t>
+            </a:r>
+            <a:endParaRPr lang="en-US" b="1" dirty="0"/>
+          </a:p>
+        </p:txBody>
+      </p:sp>
+      <p:sp>
+        <p:nvSpPr>
+          <p:cNvPr id="3" name="Content Placeholder 2"/>
+          <p:cNvSpPr>
+            <a:spLocks noGrp="1"/>
+          </p:cNvSpPr>
+          <p:nvPr>
+            <p:ph idx="1"/>
+          </p:nvPr>
+        </p:nvSpPr>
+        <p:spPr>
+          <a:xfrm>
+            <a:off x="838200" y="1825624"/>
+            <a:ext cx="10515600" cy="4591217"/>
+          </a:xfrm>
+        </p:spPr>
+        <p:txBody>
+          <a:bodyPr>
+            <a:normAutofit/>
+          </a:bodyPr>
+          <a:lstStyle/>
+          <a:p>
+            <a:r>
+              <a:rPr lang="el-GR" sz="2400" b="1" dirty="0" smtClean="0"/>
+              <a:t>Γιατί το επιλέξαμε:</a:t>
+            </a:r>
+            <a:r>
+              <a:rPr lang="el-GR" sz="2400" dirty="0"/>
+              <a:t> </a:t>
+            </a:r>
+            <a:r>
+              <a:rPr lang="el-GR" sz="2400" dirty="0" smtClean="0"/>
+              <a:t>Το έξυπνο σύστημα φαναριών λειτουργεί </a:t>
+            </a:r>
+            <a:r>
+              <a:rPr lang="el-GR" sz="2400" dirty="0"/>
+              <a:t>σε ένα </a:t>
+            </a:r>
+            <a:r>
+              <a:rPr lang="el-GR" sz="2400" dirty="0" smtClean="0"/>
+              <a:t>μοντέλο </a:t>
+            </a:r>
+            <a:r>
+              <a:rPr lang="en-US" sz="2400" dirty="0" smtClean="0"/>
+              <a:t>edge computing</a:t>
+            </a:r>
+            <a:r>
+              <a:rPr lang="el-GR" sz="2400" dirty="0" smtClean="0"/>
+              <a:t> </a:t>
+            </a:r>
+            <a:r>
+              <a:rPr lang="el-GR" sz="2400" dirty="0"/>
+              <a:t>με αισθητήρες στους δρόμους, κέντρα ελέγχου της κυκλοφορίας και επεξεργασία στο cloud για προβλέψεις τεχνητής νοημοσύνης.</a:t>
+            </a:r>
+            <a:endParaRPr lang="en-US" sz="2400" dirty="0" smtClean="0"/>
+          </a:p>
+          <a:p>
+            <a:r>
+              <a:rPr lang="el-GR" sz="2400" b="1" dirty="0" smtClean="0"/>
+              <a:t>Χρήση:</a:t>
+            </a:r>
+            <a:r>
+              <a:rPr lang="el-GR" sz="2400" dirty="0"/>
+              <a:t> Απεικονίζει τον τρόπο με τον οποίο το σύστημα αναπτύσσεται σε διαφορετικά περιβάλλοντα (cloud, edge computing, </a:t>
+            </a:r>
+            <a:r>
+              <a:rPr lang="el-GR" sz="2400" dirty="0" smtClean="0"/>
+              <a:t>IoT</a:t>
+            </a:r>
+            <a:r>
+              <a:rPr lang="en-US" sz="2400" dirty="0" smtClean="0"/>
+              <a:t> gateways</a:t>
+            </a:r>
+            <a:r>
+              <a:rPr lang="el-GR" sz="2400" dirty="0" smtClean="0"/>
+              <a:t>), </a:t>
+            </a:r>
+            <a:r>
+              <a:rPr lang="el-GR" sz="2400" dirty="0"/>
+              <a:t>εξασφαλίζοντας αποτελεσματική επεξεργασία και λήψη αποφάσεων.</a:t>
+            </a:r>
+            <a:endParaRPr lang="en-US" sz="2400" dirty="0" smtClean="0"/>
+          </a:p>
+        </p:txBody>
+      </p:sp>
+    </p:spTree>
+    <p:extLst>
+      <p:ext uri="{BB962C8B-B14F-4D97-AF65-F5344CB8AC3E}">
+        <p14:creationId xmlns:p14="http://schemas.microsoft.com/office/powerpoint/2010/main" val="2942818509"/>
+      </p:ext>
+    </p:extLst>
+  </p:cSld>
+  <p:clrMapOvr>
+    <a:masterClrMapping/>
+  </p:clrMapOvr>
+  <p:timing>
+    <p:tnLst>
+      <p:par>
+        <p:cTn id="1" dur="indefinite" restart="never" nodeType="tmRoot"/>
+      </p:par>
+    </p:tnLst>
+  </p:timing>
+</p:sld>
+</file>
+
+<file path=ppt/slides/slide34.xml><?xml version="1.0" encoding="utf-8"?>
+<p:sld xmlns:a="http://schemas.openxmlformats.org/drawingml/2006/main" xmlns:r="http://schemas.openxmlformats.org/officeDocument/2006/relationships" xmlns:p="http://schemas.openxmlformats.org/presentationml/2006/main">
+  <p:cSld>
+    <p:spTree>
+      <p:nvGrpSpPr>
+        <p:cNvPr id="1" name=""/>
+        <p:cNvGrpSpPr/>
+        <p:nvPr/>
+      </p:nvGrpSpPr>
+      <p:grpSpPr>
+        <a:xfrm>
+          <a:off x="0" y="0"/>
+          <a:ext cx="0" cy="0"/>
+          <a:chOff x="0" y="0"/>
+          <a:chExt cx="0" cy="0"/>
+        </a:xfrm>
+      </p:grpSpPr>
+      <p:sp>
+        <p:nvSpPr>
+          <p:cNvPr id="2" name="Title 1"/>
+          <p:cNvSpPr>
+            <a:spLocks noGrp="1"/>
+          </p:cNvSpPr>
+          <p:nvPr>
+            <p:ph type="title"/>
+          </p:nvPr>
+        </p:nvSpPr>
+        <p:spPr/>
+        <p:txBody>
+          <a:bodyPr/>
+          <a:lstStyle/>
+          <a:p>
+            <a:r>
+              <a:rPr lang="en-US" b="1" dirty="0" smtClean="0"/>
+              <a:t>PEOPLE – UML Sequence Diagram</a:t>
+            </a:r>
+            <a:endParaRPr lang="en-US" b="1" dirty="0"/>
+          </a:p>
+        </p:txBody>
+      </p:sp>
+      <p:sp>
+        <p:nvSpPr>
+          <p:cNvPr id="3" name="Content Placeholder 2"/>
+          <p:cNvSpPr>
+            <a:spLocks noGrp="1"/>
+          </p:cNvSpPr>
+          <p:nvPr>
+            <p:ph idx="1"/>
+          </p:nvPr>
+        </p:nvSpPr>
+        <p:spPr>
+          <a:xfrm>
+            <a:off x="838200" y="1825624"/>
+            <a:ext cx="10515600" cy="4591217"/>
+          </a:xfrm>
+        </p:spPr>
+        <p:txBody>
+          <a:bodyPr>
+            <a:normAutofit/>
+          </a:bodyPr>
+          <a:lstStyle/>
+          <a:p>
+            <a:r>
+              <a:rPr lang="el-GR" sz="2400" b="1" dirty="0" smtClean="0"/>
+              <a:t>Γιατί </a:t>
+            </a:r>
+            <a:r>
+              <a:rPr lang="el-GR" sz="2400" b="1" dirty="0"/>
+              <a:t>το επιλέξαμε:</a:t>
+            </a:r>
+            <a:r>
+              <a:rPr lang="el-GR" sz="2400" dirty="0"/>
+              <a:t> Το σύστημα περιλαμβάνει πολλαπλές αλληλεπιδράσεις σε πραγματικό χρόνο μεταξύ αισθητήρων, βάσεων δεδομένων, </a:t>
+            </a:r>
+            <a:r>
+              <a:rPr lang="el-GR" sz="2400" dirty="0" smtClean="0"/>
+              <a:t>μικρο</a:t>
+            </a:r>
+            <a:r>
+              <a:rPr lang="el-GR" sz="2400" dirty="0"/>
+              <a:t>ϋ</a:t>
+            </a:r>
+            <a:r>
+              <a:rPr lang="el-GR" sz="2400" dirty="0" smtClean="0"/>
+              <a:t>πηρεσιών </a:t>
+            </a:r>
+            <a:r>
+              <a:rPr lang="el-GR" sz="2400" dirty="0"/>
+              <a:t>και λογικής ελέγχου της κυκλοφορίας</a:t>
+            </a:r>
+            <a:r>
+              <a:rPr lang="el-GR" sz="2400" dirty="0" smtClean="0"/>
+              <a:t>.</a:t>
+            </a:r>
+            <a:endParaRPr lang="en-US" sz="2400" dirty="0" smtClean="0"/>
+          </a:p>
+          <a:p>
+            <a:r>
+              <a:rPr lang="el-GR" sz="2400" b="1" dirty="0" smtClean="0"/>
+              <a:t>Χρήση</a:t>
+            </a:r>
+            <a:r>
+              <a:rPr lang="el-GR" sz="2400" b="1" dirty="0"/>
+              <a:t>:</a:t>
+            </a:r>
+            <a:r>
+              <a:rPr lang="el-GR" sz="2400" dirty="0"/>
+              <a:t> Αναπαριστά τη ροή των μηνυμάτων μεταξύ των στοιχείων του συστήματος (π.χ., ο αισθητήρας ανιχνεύει την κυκλοφορία → στέλνει δεδομένα σε </a:t>
+            </a:r>
+            <a:r>
+              <a:rPr lang="en-US" sz="2400" dirty="0" smtClean="0"/>
+              <a:t>remote server </a:t>
+            </a:r>
+            <a:r>
+              <a:rPr lang="el-GR" sz="2400" dirty="0" smtClean="0"/>
+              <a:t>στο </a:t>
+            </a:r>
+            <a:r>
+              <a:rPr lang="en-US" sz="2400" dirty="0" smtClean="0"/>
+              <a:t>cloud</a:t>
+            </a:r>
+            <a:r>
+              <a:rPr lang="el-GR" sz="2400" dirty="0" smtClean="0"/>
+              <a:t> </a:t>
+            </a:r>
+            <a:r>
+              <a:rPr lang="el-GR" sz="2400" dirty="0"/>
+              <a:t>→ η ΤΝ προβλέπει τη συμφόρηση → προσαρμόζει τα φανάρια). Αυτό βοηθά στη βελτιστοποίηση της καθυστέρησης και της επικοινωνίας.</a:t>
+            </a:r>
+            <a:endParaRPr lang="en-US" sz="2400" dirty="0" smtClean="0"/>
+          </a:p>
+        </p:txBody>
+      </p:sp>
+    </p:spTree>
+    <p:extLst>
+      <p:ext uri="{BB962C8B-B14F-4D97-AF65-F5344CB8AC3E}">
+        <p14:creationId xmlns:p14="http://schemas.microsoft.com/office/powerpoint/2010/main" val="3252582610"/>
+      </p:ext>
+    </p:extLst>
+  </p:cSld>
+  <p:clrMapOvr>
+    <a:masterClrMapping/>
+  </p:clrMapOvr>
+  <p:timing>
+    <p:tnLst>
+      <p:par>
+        <p:cTn id="1" dur="indefinite" restart="never" nodeType="tmRoot"/>
+      </p:par>
+    </p:tnLst>
+  </p:timing>
+</p:sld>
+</file>
+
+<file path=ppt/slides/slide35.xml><?xml version="1.0" encoding="utf-8"?>
 <p:sld xmlns:a="http://schemas.openxmlformats.org/drawingml/2006/main" xmlns:r="http://schemas.openxmlformats.org/officeDocument/2006/relationships" xmlns:p="http://schemas.openxmlformats.org/presentationml/2006/main">
   <p:cSld>
     <p:spTree>
@@ -16003,11 +16934,7 @@
             </a:r>
             <a:r>
               <a:rPr lang="el-GR" sz="2000" b="1" dirty="0" smtClean="0"/>
-              <a:t>Φανάρι</a:t>
-            </a:r>
-            <a:r>
-              <a:rPr lang="el-GR" sz="2000" b="1" dirty="0" smtClean="0"/>
-              <a:t>)</a:t>
+              <a:t>Φανάρι)</a:t>
             </a:r>
             <a:r>
               <a:rPr lang="en-US" sz="2000" b="1" dirty="0" smtClean="0"/>
@@ -16078,14 +17005,14 @@
           <p:nvPr>
             <p:extLst>
               <p:ext uri="{D42A27DB-BD31-4B8C-83A1-F6EECF244321}">
-                <p14:modId xmlns:p14="http://schemas.microsoft.com/office/powerpoint/2010/main" val="934099880"/>
+                <p14:modId xmlns:p14="http://schemas.microsoft.com/office/powerpoint/2010/main" val="265022067"/>
               </p:ext>
             </p:extLst>
           </p:nvPr>
         </p:nvGraphicFramePr>
         <p:xfrm>
           <a:off x="838197" y="2515035"/>
-          <a:ext cx="10515603" cy="3796865"/>
+          <a:ext cx="10515603" cy="4153902"/>
         </p:xfrm>
         <a:graphic>
           <a:graphicData uri="http://schemas.openxmlformats.org/drawingml/2006/table">
@@ -16295,9 +17222,14 @@
                     <a:lstStyle/>
                     <a:p>
                       <a:r>
-                        <a:rPr lang="el-GR" sz="1200" dirty="0"/>
-                        <a:t>Κατεύθυνση του φαναριού (π.χ., Βόρεια, Νότια).</a:t>
-                      </a:r>
+                        <a:rPr lang="el-GR" sz="1200" dirty="0" smtClean="0"/>
+                        <a:t>Αναφορά</a:t>
+                      </a:r>
+                      <a:r>
+                        <a:rPr lang="el-GR" sz="1200" baseline="0" dirty="0" smtClean="0"/>
+                        <a:t> στον χρήστη που ελέγχει το φανάρι</a:t>
+                      </a:r>
+                      <a:endParaRPr lang="el-GR" sz="1200" dirty="0"/>
                     </a:p>
                   </a:txBody>
                   <a:tcPr anchor="ctr"/>
@@ -16305,6 +17237,59 @@
                 <a:extLst>
                   <a:ext uri="{0D108BD9-81ED-4DB2-BD59-A6C34878D82A}">
                     <a16:rowId xmlns:a16="http://schemas.microsoft.com/office/drawing/2014/main" val="1980669078"/>
+                  </a:ext>
+                </a:extLst>
+              </a:tr>
+              <a:tr h="357037">
+                <a:tc>
+                  <a:txBody>
+                    <a:bodyPr/>
+                    <a:lstStyle/>
+                    <a:p>
+                      <a:r>
+                        <a:rPr lang="en-US" sz="1200" dirty="0" err="1" smtClean="0"/>
+                        <a:t>roleId</a:t>
+                      </a:r>
+                      <a:endParaRPr lang="en-US" sz="1200" dirty="0"/>
+                    </a:p>
+                  </a:txBody>
+                  <a:tcPr anchor="ctr"/>
+                </a:tc>
+                <a:tc>
+                  <a:txBody>
+                    <a:bodyPr/>
+                    <a:lstStyle/>
+                    <a:p>
+                      <a:r>
+                        <a:rPr lang="en-US" sz="1200" dirty="0" smtClean="0"/>
+                        <a:t>INT (FK)</a:t>
+                      </a:r>
+                      <a:endParaRPr lang="en-US" sz="1200" dirty="0"/>
+                    </a:p>
+                  </a:txBody>
+                  <a:tcPr anchor="ctr"/>
+                </a:tc>
+                <a:tc>
+                  <a:txBody>
+                    <a:bodyPr/>
+                    <a:lstStyle/>
+                    <a:p>
+                      <a:r>
+                        <a:rPr lang="el-GR" sz="1200" dirty="0" smtClean="0"/>
+                        <a:t>Αναφορά</a:t>
+                      </a:r>
+                      <a:r>
+                        <a:rPr lang="el-GR" sz="1200" baseline="0" dirty="0" smtClean="0"/>
+                        <a:t> στον ρόλο του χρήστη.</a:t>
+                      </a:r>
+                      <a:endParaRPr lang="el-GR" sz="1200" dirty="0"/>
+                    </a:p>
+                  </a:txBody>
+                  <a:tcPr anchor="ctr"/>
+                </a:tc>
+                <a:extLst>
+                  <a:ext uri="{0D108BD9-81ED-4DB2-BD59-A6C34878D82A}">
+                    <a16:rowId xmlns:a16="http://schemas.microsoft.com/office/drawing/2014/main" val="610948536"/>
                   </a:ext>
                 </a:extLst>
               </a:tr>
@@ -16787,11 +17772,7 @@
             </a:r>
             <a:r>
               <a:rPr lang="el-GR" sz="2400" b="1" dirty="0" smtClean="0"/>
-              <a:t>Διασταύρωση</a:t>
-            </a:r>
-            <a:r>
-              <a:rPr lang="el-GR" sz="2400" b="1" dirty="0" smtClean="0"/>
-              <a:t>)</a:t>
+              <a:t>Διασταύρωση)</a:t>
             </a:r>
             <a:r>
               <a:rPr lang="en-US" sz="2400" b="1" dirty="0" smtClean="0"/>

--- a/Presentation.pptx
+++ b/Presentation.pptx
@@ -37,9 +37,21 @@
     <p:sldId id="305" r:id="rId31"/>
     <p:sldId id="300" r:id="rId32"/>
     <p:sldId id="290" r:id="rId33"/>
-    <p:sldId id="291" r:id="rId34"/>
-    <p:sldId id="292" r:id="rId35"/>
-    <p:sldId id="286" r:id="rId36"/>
+    <p:sldId id="306" r:id="rId34"/>
+    <p:sldId id="307" r:id="rId35"/>
+    <p:sldId id="308" r:id="rId36"/>
+    <p:sldId id="309" r:id="rId37"/>
+    <p:sldId id="310" r:id="rId38"/>
+    <p:sldId id="311" r:id="rId39"/>
+    <p:sldId id="312" r:id="rId40"/>
+    <p:sldId id="313" r:id="rId41"/>
+    <p:sldId id="314" r:id="rId42"/>
+    <p:sldId id="315" r:id="rId43"/>
+    <p:sldId id="316" r:id="rId44"/>
+    <p:sldId id="317" r:id="rId45"/>
+    <p:sldId id="291" r:id="rId46"/>
+    <p:sldId id="292" r:id="rId47"/>
+    <p:sldId id="286" r:id="rId48"/>
   </p:sldIdLst>
   <p:sldSz cx="12192000" cy="6858000"/>
   <p:notesSz cx="6858000" cy="9144000"/>
@@ -277,7 +289,7 @@
           <a:p>
             <a:fld id="{7984FAF3-4BF0-4EBE-AF03-EDB583BD7E9E}" type="datetimeFigureOut">
               <a:rPr lang="en-US" smtClean="0"/>
-              <a:t>3/8/2025</a:t>
+              <a:t>3/9/2025</a:t>
             </a:fld>
             <a:endParaRPr lang="en-US"/>
           </a:p>
@@ -447,7 +459,7 @@
           <a:p>
             <a:fld id="{7984FAF3-4BF0-4EBE-AF03-EDB583BD7E9E}" type="datetimeFigureOut">
               <a:rPr lang="en-US" smtClean="0"/>
-              <a:t>3/8/2025</a:t>
+              <a:t>3/9/2025</a:t>
             </a:fld>
             <a:endParaRPr lang="en-US"/>
           </a:p>
@@ -627,7 +639,7 @@
           <a:p>
             <a:fld id="{7984FAF3-4BF0-4EBE-AF03-EDB583BD7E9E}" type="datetimeFigureOut">
               <a:rPr lang="en-US" smtClean="0"/>
-              <a:t>3/8/2025</a:t>
+              <a:t>3/9/2025</a:t>
             </a:fld>
             <a:endParaRPr lang="en-US"/>
           </a:p>
@@ -797,7 +809,7 @@
           <a:p>
             <a:fld id="{7984FAF3-4BF0-4EBE-AF03-EDB583BD7E9E}" type="datetimeFigureOut">
               <a:rPr lang="en-US" smtClean="0"/>
-              <a:t>3/8/2025</a:t>
+              <a:t>3/9/2025</a:t>
             </a:fld>
             <a:endParaRPr lang="en-US"/>
           </a:p>
@@ -1043,7 +1055,7 @@
           <a:p>
             <a:fld id="{7984FAF3-4BF0-4EBE-AF03-EDB583BD7E9E}" type="datetimeFigureOut">
               <a:rPr lang="en-US" smtClean="0"/>
-              <a:t>3/8/2025</a:t>
+              <a:t>3/9/2025</a:t>
             </a:fld>
             <a:endParaRPr lang="en-US"/>
           </a:p>
@@ -1275,7 +1287,7 @@
           <a:p>
             <a:fld id="{7984FAF3-4BF0-4EBE-AF03-EDB583BD7E9E}" type="datetimeFigureOut">
               <a:rPr lang="en-US" smtClean="0"/>
-              <a:t>3/8/2025</a:t>
+              <a:t>3/9/2025</a:t>
             </a:fld>
             <a:endParaRPr lang="en-US"/>
           </a:p>
@@ -1642,7 +1654,7 @@
           <a:p>
             <a:fld id="{7984FAF3-4BF0-4EBE-AF03-EDB583BD7E9E}" type="datetimeFigureOut">
               <a:rPr lang="en-US" smtClean="0"/>
-              <a:t>3/8/2025</a:t>
+              <a:t>3/9/2025</a:t>
             </a:fld>
             <a:endParaRPr lang="en-US"/>
           </a:p>
@@ -1760,7 +1772,7 @@
           <a:p>
             <a:fld id="{7984FAF3-4BF0-4EBE-AF03-EDB583BD7E9E}" type="datetimeFigureOut">
               <a:rPr lang="en-US" smtClean="0"/>
-              <a:t>3/8/2025</a:t>
+              <a:t>3/9/2025</a:t>
             </a:fld>
             <a:endParaRPr lang="en-US"/>
           </a:p>
@@ -1855,7 +1867,7 @@
           <a:p>
             <a:fld id="{7984FAF3-4BF0-4EBE-AF03-EDB583BD7E9E}" type="datetimeFigureOut">
               <a:rPr lang="en-US" smtClean="0"/>
-              <a:t>3/8/2025</a:t>
+              <a:t>3/9/2025</a:t>
             </a:fld>
             <a:endParaRPr lang="en-US"/>
           </a:p>
@@ -2132,7 +2144,7 @@
           <a:p>
             <a:fld id="{7984FAF3-4BF0-4EBE-AF03-EDB583BD7E9E}" type="datetimeFigureOut">
               <a:rPr lang="en-US" smtClean="0"/>
-              <a:t>3/8/2025</a:t>
+              <a:t>3/9/2025</a:t>
             </a:fld>
             <a:endParaRPr lang="en-US"/>
           </a:p>
@@ -2385,7 +2397,7 @@
           <a:p>
             <a:fld id="{7984FAF3-4BF0-4EBE-AF03-EDB583BD7E9E}" type="datetimeFigureOut">
               <a:rPr lang="en-US" smtClean="0"/>
-              <a:t>3/8/2025</a:t>
+              <a:t>3/9/2025</a:t>
             </a:fld>
             <a:endParaRPr lang="en-US"/>
           </a:p>
@@ -2598,7 +2610,7 @@
           <a:p>
             <a:fld id="{7984FAF3-4BF0-4EBE-AF03-EDB583BD7E9E}" type="datetimeFigureOut">
               <a:rPr lang="en-US" smtClean="0"/>
-              <a:t>3/8/2025</a:t>
+              <a:t>3/9/2025</a:t>
             </a:fld>
             <a:endParaRPr lang="en-US"/>
           </a:p>
@@ -3981,15 +3993,7 @@
                           <a:latin typeface="Calibri" panose="020F0502020204030204" pitchFamily="34" charset="0"/>
                           <a:ea typeface="Times New Roman" panose="02020603050405020304" pitchFamily="18" charset="0"/>
                         </a:rPr>
-                        <a:t>Κατάσταση λειτουργίας </a:t>
-                      </a:r>
-                      <a:r>
-                        <a:rPr lang="el-GR" sz="1200" dirty="0" smtClean="0">
-                          <a:effectLst/>
-                          <a:latin typeface="Calibri" panose="020F0502020204030204" pitchFamily="34" charset="0"/>
-                          <a:ea typeface="Times New Roman" panose="02020603050405020304" pitchFamily="18" charset="0"/>
-                        </a:rPr>
-                        <a:t>του αισθητήρα.</a:t>
+                        <a:t>Κατάσταση λειτουργίας του αισθητήρα.</a:t>
                       </a:r>
                       <a:endParaRPr lang="en-US" sz="1200" dirty="0">
                         <a:effectLst/>
@@ -15194,11 +15198,7 @@
             </a:r>
             <a:r>
               <a:rPr lang="el-GR" dirty="0" smtClean="0"/>
-              <a:t>Κάθε φανάρι μπορεί να συγχρονιστεί με πολλά άλλα</a:t>
-            </a:r>
-            <a:r>
-              <a:rPr lang="el-GR" dirty="0" smtClean="0"/>
-              <a:t>).</a:t>
+              <a:t>Κάθε φανάρι μπορεί να συγχρονιστεί με πολλά άλλα).</a:t>
             </a:r>
             <a:endParaRPr lang="en-US" dirty="0" smtClean="0"/>
           </a:p>
@@ -15713,7 +15713,6 @@
               <a:rPr lang="el-GR" dirty="0" smtClean="0"/>
               <a:t>)</a:t>
             </a:r>
-            <a:endParaRPr lang="el-GR" dirty="0" smtClean="0"/>
           </a:p>
           <a:p>
             <a:pPr marL="0" indent="0">
@@ -15900,6 +15899,7 @@
           <a:bodyPr/>
           <a:lstStyle/>
           <a:p>
+            <a:pPr algn="ctr"/>
             <a:r>
               <a:rPr lang="en-US" b="1" dirty="0" smtClean="0"/>
               <a:t>FUNCTION – </a:t>
@@ -16049,103 +16049,43 @@
           <a:bodyPr/>
           <a:lstStyle/>
           <a:p>
-            <a:r>
-              <a:rPr lang="en-US" b="1" dirty="0" smtClean="0"/>
-              <a:t>NETWORK – UML Deployment Diagram</a:t>
-            </a:r>
             <a:endParaRPr lang="en-US" b="1" dirty="0"/>
           </a:p>
         </p:txBody>
       </p:sp>
-      <p:sp>
-        <p:nvSpPr>
-          <p:cNvPr id="3" name="Content Placeholder 2"/>
-          <p:cNvSpPr>
-            <a:spLocks noGrp="1"/>
-          </p:cNvSpPr>
+      <p:pic>
+        <p:nvPicPr>
+          <p:cNvPr id="4" name="Content Placeholder 3"/>
+          <p:cNvPicPr>
+            <a:picLocks noGrp="1" noChangeAspect="1"/>
+          </p:cNvPicPr>
           <p:nvPr>
             <p:ph idx="1"/>
           </p:nvPr>
-        </p:nvSpPr>
+        </p:nvPicPr>
+        <p:blipFill>
+          <a:blip r:embed="rId2" cstate="print">
+            <a:extLst>
+              <a:ext uri="{28A0092B-C50C-407E-A947-70E740481C1C}">
+                <a14:useLocalDpi xmlns:a14="http://schemas.microsoft.com/office/drawing/2010/main" val="0"/>
+              </a:ext>
+            </a:extLst>
+          </a:blip>
+          <a:stretch>
+            <a:fillRect/>
+          </a:stretch>
+        </p:blipFill>
         <p:spPr>
           <a:xfrm>
-            <a:off x="838200" y="1825624"/>
-            <a:ext cx="10515600" cy="4591217"/>
+            <a:off x="1873135" y="84515"/>
+            <a:ext cx="8445730" cy="6773485"/>
           </a:xfrm>
         </p:spPr>
-        <p:txBody>
-          <a:bodyPr>
-            <a:normAutofit/>
-          </a:bodyPr>
-          <a:lstStyle/>
-          <a:p>
-            <a:r>
-              <a:rPr lang="el-GR" sz="2400" b="1" dirty="0" smtClean="0"/>
-              <a:t>Γιατί το επιλέξαμε:</a:t>
-            </a:r>
-            <a:r>
-              <a:rPr lang="el-GR" sz="2400" dirty="0"/>
-              <a:t> </a:t>
-            </a:r>
-            <a:r>
-              <a:rPr lang="el-GR" sz="2400" dirty="0" smtClean="0"/>
-              <a:t>Το έξυπνο σύστημα φαναριών λειτουργεί </a:t>
-            </a:r>
-            <a:r>
-              <a:rPr lang="el-GR" sz="2400" dirty="0"/>
-              <a:t>σε ένα </a:t>
-            </a:r>
-            <a:r>
-              <a:rPr lang="el-GR" sz="2400" dirty="0" smtClean="0"/>
-              <a:t>μοντέλο </a:t>
-            </a:r>
-            <a:r>
-              <a:rPr lang="en-US" sz="2400" dirty="0" smtClean="0"/>
-              <a:t>edge computing</a:t>
-            </a:r>
-            <a:r>
-              <a:rPr lang="el-GR" sz="2400" dirty="0" smtClean="0"/>
-              <a:t> </a:t>
-            </a:r>
-            <a:r>
-              <a:rPr lang="el-GR" sz="2400" dirty="0"/>
-              <a:t>με αισθητήρες στους δρόμους, κέντρα ελέγχου της κυκλοφορίας και επεξεργασία στο cloud για προβλέψεις τεχνητής νοημοσύνης.</a:t>
-            </a:r>
-            <a:endParaRPr lang="en-US" sz="2400" dirty="0" smtClean="0"/>
-          </a:p>
-          <a:p>
-            <a:r>
-              <a:rPr lang="el-GR" sz="2400" b="1" dirty="0" smtClean="0"/>
-              <a:t>Χρήση:</a:t>
-            </a:r>
-            <a:r>
-              <a:rPr lang="el-GR" sz="2400" dirty="0"/>
-              <a:t> Απεικονίζει τον τρόπο με τον οποίο το σύστημα αναπτύσσεται σε διαφορετικά περιβάλλοντα (cloud, edge computing, </a:t>
-            </a:r>
-            <a:r>
-              <a:rPr lang="el-GR" sz="2400" dirty="0" smtClean="0"/>
-              <a:t>IoT</a:t>
-            </a:r>
-            <a:r>
-              <a:rPr lang="en-US" sz="2400" dirty="0" smtClean="0"/>
-              <a:t> gateways</a:t>
-            </a:r>
-            <a:r>
-              <a:rPr lang="el-GR" sz="2400" dirty="0" smtClean="0"/>
-              <a:t>), </a:t>
-            </a:r>
-            <a:r>
-              <a:rPr lang="el-GR" sz="2400" dirty="0"/>
-              <a:t>εξασφαλίζοντας αποτελεσματική επεξεργασία και λήψη αποφάσεων.</a:t>
-            </a:r>
-            <a:endParaRPr lang="en-US" sz="2400" dirty="0" smtClean="0"/>
-          </a:p>
-        </p:txBody>
-      </p:sp>
+      </p:pic>
     </p:spTree>
     <p:extLst>
       <p:ext uri="{BB962C8B-B14F-4D97-AF65-F5344CB8AC3E}">
-        <p14:creationId xmlns:p14="http://schemas.microsoft.com/office/powerpoint/2010/main" val="2942818509"/>
+        <p14:creationId xmlns:p14="http://schemas.microsoft.com/office/powerpoint/2010/main" val="3885459303"/>
       </p:ext>
     </p:extLst>
   </p:cSld>
@@ -16191,12 +16131,34 @@
         </p:nvSpPr>
         <p:spPr/>
         <p:txBody>
-          <a:bodyPr/>
+          <a:bodyPr>
+            <a:normAutofit fontScale="90000"/>
+          </a:bodyPr>
           <a:lstStyle/>
           <a:p>
+            <a:pPr algn="ctr"/>
             <a:r>
               <a:rPr lang="en-US" b="1" dirty="0" smtClean="0"/>
-              <a:t>PEOPLE – UML Sequence Diagram</a:t>
+              <a:t>FUNCTION – </a:t>
+            </a:r>
+            <a:r>
+              <a:rPr lang="en-US" b="1" dirty="0" err="1" smtClean="0"/>
+              <a:t>Microservices</a:t>
+            </a:r>
+            <a:r>
+              <a:rPr lang="en-US" b="1" dirty="0" smtClean="0"/>
+              <a:t> Architecture </a:t>
+            </a:r>
+            <a:r>
+              <a:rPr lang="en-US" b="1" dirty="0" smtClean="0"/>
+              <a:t>Diagram</a:t>
+            </a:r>
+            <a:br>
+              <a:rPr lang="en-US" b="1" dirty="0" smtClean="0"/>
+            </a:br>
+            <a:r>
+              <a:rPr lang="en-US" b="1" dirty="0" smtClean="0"/>
+              <a:t>CLIENT INTERFACES</a:t>
             </a:r>
             <a:endParaRPr lang="en-US" b="1" dirty="0"/>
           </a:p>
@@ -16225,80 +16187,156 @@
           <a:lstStyle/>
           <a:p>
             <a:r>
+              <a:rPr lang="en-US" sz="2400" b="1" dirty="0" smtClean="0"/>
+              <a:t>Web App</a:t>
+            </a:r>
+            <a:r>
               <a:rPr lang="el-GR" sz="2400" b="1" dirty="0" smtClean="0"/>
-              <a:t>Γιατί </a:t>
-            </a:r>
-            <a:r>
-              <a:rPr lang="el-GR" sz="2400" b="1" dirty="0"/>
-              <a:t>το επιλέξαμε:</a:t>
-            </a:r>
-            <a:r>
-              <a:rPr lang="el-GR" sz="2400" dirty="0"/>
-              <a:t> Το σύστημα περιλαμβάνει πολλαπλές αλληλεπιδράσεις σε πραγματικό χρόνο μεταξύ αισθητήρων, βάσεων δεδομένων, </a:t>
-            </a:r>
-            <a:r>
-              <a:rPr lang="el-GR" sz="2400" dirty="0" smtClean="0"/>
-              <a:t>μικρο</a:t>
-            </a:r>
-            <a:r>
-              <a:rPr lang="el-GR" sz="2400" dirty="0"/>
-              <a:t>ϋ</a:t>
-            </a:r>
-            <a:r>
-              <a:rPr lang="el-GR" sz="2400" dirty="0" smtClean="0"/>
-              <a:t>πηρεσιών </a:t>
-            </a:r>
-            <a:r>
-              <a:rPr lang="el-GR" sz="2400" dirty="0"/>
-              <a:t>και λογικής ελέγχου της κυκλοφορίας</a:t>
-            </a:r>
-            <a:r>
-              <a:rPr lang="el-GR" sz="2400" dirty="0" smtClean="0"/>
+              <a:t> (Διαδικτυακή εφαρμογή συστήματος έξυπνων φαναριών)</a:t>
+            </a:r>
+            <a:endParaRPr lang="en-US" sz="2400" b="1" dirty="0" smtClean="0"/>
+          </a:p>
+          <a:p>
+            <a:pPr lvl="1"/>
+            <a:r>
+              <a:rPr lang="el-GR" sz="2000" b="1" dirty="0" smtClean="0"/>
+              <a:t>Ρόλος</a:t>
+            </a:r>
+          </a:p>
+          <a:p>
+            <a:pPr lvl="2"/>
+            <a:r>
+              <a:rPr lang="el-GR" sz="1600" dirty="0"/>
+              <a:t>Παρέχει γραφικό περιβάλλον διαχείρισης για χειροκίνητο έλεγχο και παρακολούθηση των φαναριών.</a:t>
+            </a:r>
+          </a:p>
+          <a:p>
+            <a:pPr lvl="2"/>
+            <a:r>
+              <a:rPr lang="el-GR" sz="1600" dirty="0"/>
+              <a:t>Δίνει πρόσβαση στους διαχειριστές, τροχονόμους, και χειριστές συστήματος</a:t>
+            </a:r>
+            <a:r>
+              <a:rPr lang="el-GR" sz="1600" dirty="0" smtClean="0"/>
               <a:t>.</a:t>
             </a:r>
-            <a:endParaRPr lang="en-US" sz="2400" dirty="0" smtClean="0"/>
-          </a:p>
-          <a:p>
-            <a:r>
-              <a:rPr lang="el-GR" sz="2400" b="1" dirty="0" smtClean="0"/>
-              <a:t>Χρήση</a:t>
-            </a:r>
-            <a:r>
-              <a:rPr lang="el-GR" sz="2400" b="1" dirty="0"/>
-              <a:t>:</a:t>
-            </a:r>
-            <a:r>
-              <a:rPr lang="el-GR" sz="2400" dirty="0"/>
-              <a:t> Αναπαριστά τη ροή των μηνυμάτων μεταξύ των στοιχείων του συστήματος (π.χ., ο αισθητήρας ανιχνεύει την κυκλοφορία → στέλνει δεδομένα σε </a:t>
-            </a:r>
-            <a:r>
-              <a:rPr lang="en-US" sz="2400" dirty="0" smtClean="0"/>
-              <a:t>remote server </a:t>
-            </a:r>
-            <a:r>
-              <a:rPr lang="el-GR" sz="2400" dirty="0" smtClean="0"/>
-              <a:t>στο </a:t>
-            </a:r>
-            <a:r>
-              <a:rPr lang="en-US" sz="2400" dirty="0" smtClean="0"/>
-              <a:t>cloud</a:t>
-            </a:r>
-            <a:r>
-              <a:rPr lang="el-GR" sz="2400" dirty="0" smtClean="0"/>
-              <a:t> </a:t>
-            </a:r>
-            <a:r>
-              <a:rPr lang="el-GR" sz="2400" dirty="0"/>
-              <a:t>→ η ΤΝ προβλέπει τη συμφόρηση → προσαρμόζει τα φανάρια). Αυτό βοηθά στη βελτιστοποίηση της καθυστέρησης και της επικοινωνίας.</a:t>
-            </a:r>
-            <a:endParaRPr lang="en-US" sz="2400" dirty="0" smtClean="0"/>
+            <a:endParaRPr lang="en-US" sz="1600" dirty="0" smtClean="0"/>
+          </a:p>
+          <a:p>
+            <a:pPr lvl="1"/>
+            <a:r>
+              <a:rPr lang="el-GR" sz="2000" b="1" dirty="0" smtClean="0"/>
+              <a:t>Τρόποι Αλληλεπίδρασης (</a:t>
+            </a:r>
+            <a:r>
+              <a:rPr lang="en-US" sz="2000" b="1" dirty="0" smtClean="0"/>
+              <a:t>AMQP Topics)</a:t>
+            </a:r>
+            <a:endParaRPr lang="el-GR" sz="2000" b="1" dirty="0" smtClean="0"/>
+          </a:p>
+          <a:p>
+            <a:pPr lvl="2"/>
+            <a:r>
+              <a:rPr lang="en-US" sz="1600" b="1" dirty="0" err="1"/>
+              <a:t>user.auth.topic</a:t>
+            </a:r>
+            <a:r>
+              <a:rPr lang="en-US" sz="1600" dirty="0"/>
+              <a:t> → </a:t>
+            </a:r>
+            <a:r>
+              <a:rPr lang="el-GR" sz="1600" dirty="0"/>
+              <a:t>Στέλνει αιτήματα σύνδεσης χρηστών στο </a:t>
+            </a:r>
+            <a:r>
+              <a:rPr lang="en-US" sz="1600" dirty="0"/>
+              <a:t>User Management Service.</a:t>
+            </a:r>
+          </a:p>
+          <a:p>
+            <a:pPr lvl="2"/>
+            <a:r>
+              <a:rPr lang="en-US" sz="1600" b="1" dirty="0" err="1"/>
+              <a:t>user.logs.topic</a:t>
+            </a:r>
+            <a:r>
+              <a:rPr lang="en-US" sz="1600" dirty="0"/>
+              <a:t> → </a:t>
+            </a:r>
+            <a:r>
+              <a:rPr lang="el-GR" sz="1600" dirty="0"/>
+              <a:t>Καταγράφει ενέργειες των χρηστών στο </a:t>
+            </a:r>
+            <a:r>
+              <a:rPr lang="en-US" sz="1600" dirty="0"/>
+              <a:t>Notification Service</a:t>
+            </a:r>
+            <a:r>
+              <a:rPr lang="en-US" sz="1600" dirty="0" smtClean="0"/>
+              <a:t>.</a:t>
+            </a:r>
+            <a:endParaRPr lang="el-GR" sz="1600" dirty="0" smtClean="0"/>
+          </a:p>
+          <a:p>
+            <a:pPr lvl="1"/>
+            <a:r>
+              <a:rPr lang="en-US" sz="2000" b="1" dirty="0" smtClean="0"/>
+              <a:t>REST API </a:t>
+            </a:r>
+            <a:r>
+              <a:rPr lang="el-GR" sz="2000" b="1" dirty="0" smtClean="0"/>
+              <a:t>Επικοινωνία με </a:t>
+            </a:r>
+            <a:r>
+              <a:rPr lang="en-US" sz="2000" b="1" dirty="0" err="1" smtClean="0"/>
+              <a:t>Microservices</a:t>
+            </a:r>
+            <a:endParaRPr lang="en-US" sz="2000" b="1" dirty="0" smtClean="0"/>
+          </a:p>
+          <a:p>
+            <a:pPr lvl="2"/>
+            <a:r>
+              <a:rPr lang="el-GR" sz="1600" dirty="0"/>
+              <a:t>Αιτήματα για χειροκίνητη αλλαγή φωτεινής σηματοδότησης.</a:t>
+            </a:r>
+          </a:p>
+          <a:p>
+            <a:pPr lvl="2"/>
+            <a:r>
+              <a:rPr lang="el-GR" sz="1600" dirty="0"/>
+              <a:t>Προβολή real-time δεδομένων κίνησης και </a:t>
+            </a:r>
+            <a:r>
+              <a:rPr lang="el-GR" sz="1600" dirty="0" smtClean="0"/>
+              <a:t>ειδοποιήσεων.</a:t>
+            </a:r>
+            <a:endParaRPr lang="en-US" sz="1600" dirty="0" smtClean="0"/>
+          </a:p>
+          <a:p>
+            <a:pPr lvl="1"/>
+            <a:r>
+              <a:rPr lang="el-GR" sz="2000" b="1" dirty="0" smtClean="0"/>
+              <a:t>Βάσεις δεδομένων που σχετίζονται</a:t>
+            </a:r>
+          </a:p>
+          <a:p>
+            <a:pPr lvl="2"/>
+            <a:r>
+              <a:rPr lang="el-GR" sz="1600" b="1" dirty="0"/>
+              <a:t>UserDB → </a:t>
+            </a:r>
+            <a:r>
+              <a:rPr lang="el-GR" sz="1600" dirty="0"/>
+              <a:t>Διαχειρίζεται τα διαπιστευτήρια και τα δικαιώματα των χρηστών.</a:t>
+            </a:r>
+            <a:endParaRPr lang="en-US" sz="1600" dirty="0" smtClean="0"/>
           </a:p>
         </p:txBody>
       </p:sp>
     </p:spTree>
     <p:extLst>
       <p:ext uri="{BB962C8B-B14F-4D97-AF65-F5344CB8AC3E}">
-        <p14:creationId xmlns:p14="http://schemas.microsoft.com/office/powerpoint/2010/main" val="3252582610"/>
+        <p14:creationId xmlns:p14="http://schemas.microsoft.com/office/powerpoint/2010/main" val="3304693235"/>
       </p:ext>
     </p:extLst>
   </p:cSld>
@@ -16334,6 +16372,51 @@
       </p:grpSpPr>
       <p:sp>
         <p:nvSpPr>
+          <p:cNvPr id="2" name="Title 1"/>
+          <p:cNvSpPr>
+            <a:spLocks noGrp="1"/>
+          </p:cNvSpPr>
+          <p:nvPr>
+            <p:ph type="title"/>
+          </p:nvPr>
+        </p:nvSpPr>
+        <p:spPr/>
+        <p:txBody>
+          <a:bodyPr>
+            <a:normAutofit fontScale="90000"/>
+          </a:bodyPr>
+          <a:lstStyle/>
+          <a:p>
+            <a:pPr algn="ctr"/>
+            <a:r>
+              <a:rPr lang="en-US" b="1" dirty="0" smtClean="0"/>
+              <a:t>FUNCTION – </a:t>
+            </a:r>
+            <a:r>
+              <a:rPr lang="en-US" b="1" dirty="0" err="1" smtClean="0"/>
+              <a:t>Microservices</a:t>
+            </a:r>
+            <a:r>
+              <a:rPr lang="en-US" b="1" dirty="0" smtClean="0"/>
+              <a:t> Architecture </a:t>
+            </a:r>
+            <a:r>
+              <a:rPr lang="en-US" b="1" dirty="0" smtClean="0"/>
+              <a:t>Diagram</a:t>
+            </a:r>
+            <a:br>
+              <a:rPr lang="en-US" b="1" dirty="0" smtClean="0"/>
+            </a:br>
+            <a:r>
+              <a:rPr lang="en-US" b="1" dirty="0" smtClean="0"/>
+              <a:t>CLIENT INTERFACES</a:t>
+            </a:r>
+            <a:endParaRPr lang="en-US" b="1" dirty="0"/>
+          </a:p>
+        </p:txBody>
+      </p:sp>
+      <p:sp>
+        <p:nvSpPr>
           <p:cNvPr id="3" name="Content Placeholder 2"/>
           <p:cNvSpPr>
             <a:spLocks noGrp="1"/>
@@ -16342,72 +16425,1105 @@
             <p:ph idx="1"/>
           </p:nvPr>
         </p:nvSpPr>
-        <p:spPr/>
+        <p:spPr>
+          <a:xfrm>
+            <a:off x="838200" y="1825624"/>
+            <a:ext cx="10515600" cy="4591217"/>
+          </a:xfrm>
+        </p:spPr>
         <p:txBody>
           <a:bodyPr>
             <a:normAutofit/>
           </a:bodyPr>
           <a:lstStyle/>
           <a:p>
-            <a:pPr marL="0" indent="0" algn="ctr">
-              <a:buNone/>
-            </a:pPr>
-            <a:endParaRPr lang="el-GR" sz="3200" dirty="0" smtClean="0">
-              <a:effectLst>
-                <a:outerShdw blurRad="38100" dist="38100" dir="2700000" algn="tl">
-                  <a:srgbClr val="000000">
-                    <a:alpha val="43137"/>
-                  </a:srgbClr>
-                </a:outerShdw>
-              </a:effectLst>
-            </a:endParaRPr>
-          </a:p>
-          <a:p>
-            <a:pPr marL="0" indent="0" algn="ctr">
-              <a:buNone/>
-            </a:pPr>
-            <a:endParaRPr lang="el-GR" sz="3200" dirty="0">
-              <a:effectLst>
-                <a:outerShdw blurRad="38100" dist="38100" dir="2700000" algn="tl">
-                  <a:srgbClr val="000000">
-                    <a:alpha val="43137"/>
-                  </a:srgbClr>
-                </a:outerShdw>
-              </a:effectLst>
-            </a:endParaRPr>
-          </a:p>
-          <a:p>
-            <a:pPr marL="0" indent="0" algn="ctr">
-              <a:buNone/>
-            </a:pPr>
-            <a:r>
-              <a:rPr lang="el-GR" sz="3200" dirty="0" smtClean="0">
-                <a:effectLst>
-                  <a:outerShdw blurRad="38100" dist="38100" dir="2700000" algn="tl">
-                    <a:srgbClr val="000000">
-                      <a:alpha val="43137"/>
-                    </a:srgbClr>
-                  </a:outerShdw>
-                </a:effectLst>
-              </a:rPr>
-              <a:t>Σας ευχαριστώ για την προσοχή σας.</a:t>
-            </a:r>
-            <a:endParaRPr lang="en-US" sz="3200" dirty="0">
-              <a:effectLst>
-                <a:outerShdw blurRad="38100" dist="38100" dir="2700000" algn="tl">
-                  <a:srgbClr val="000000">
-                    <a:alpha val="43137"/>
-                  </a:srgbClr>
-                </a:outerShdw>
-              </a:effectLst>
-            </a:endParaRPr>
+            <a:r>
+              <a:rPr lang="en-US" sz="2400" b="1" dirty="0" err="1" smtClean="0"/>
+              <a:t>IoT</a:t>
+            </a:r>
+            <a:r>
+              <a:rPr lang="en-US" sz="2400" b="1" dirty="0" smtClean="0"/>
+              <a:t> Sensors (</a:t>
+            </a:r>
+            <a:r>
+              <a:rPr lang="el-GR" sz="2400" b="1" dirty="0" smtClean="0"/>
+              <a:t>Αισθητήρες Κυκλοφορίας, Πεζών &amp; Καιρού)</a:t>
+            </a:r>
+            <a:endParaRPr lang="en-US" sz="2400" b="1" dirty="0" smtClean="0"/>
+          </a:p>
+          <a:p>
+            <a:pPr lvl="1"/>
+            <a:r>
+              <a:rPr lang="el-GR" sz="2000" b="1" dirty="0" smtClean="0"/>
+              <a:t>Ρόλος</a:t>
+            </a:r>
+          </a:p>
+          <a:p>
+            <a:pPr lvl="2"/>
+            <a:r>
+              <a:rPr lang="el-GR" sz="1600" dirty="0"/>
+              <a:t>Καταγράφουν δεδομένα κυκλοφορίας, καιρικών συνθηκών και παρουσίας πεζών/ποδηλατών.</a:t>
+            </a:r>
+          </a:p>
+          <a:p>
+            <a:pPr lvl="2"/>
+            <a:r>
+              <a:rPr lang="el-GR" sz="1600" dirty="0"/>
+              <a:t>Στέλνουν δεδομένα real-time στις σχετικές μικροϋπηρεσίες.</a:t>
+            </a:r>
+            <a:endParaRPr lang="el-GR" sz="1600" dirty="0" smtClean="0"/>
+          </a:p>
+          <a:p>
+            <a:pPr lvl="1"/>
+            <a:r>
+              <a:rPr lang="el-GR" sz="2000" b="1" dirty="0" smtClean="0"/>
+              <a:t>Τρόποι Αλληλεπίδρασης</a:t>
+            </a:r>
+            <a:r>
+              <a:rPr lang="en-US" sz="2000" b="1" dirty="0" smtClean="0"/>
+              <a:t> </a:t>
+            </a:r>
+            <a:r>
+              <a:rPr lang="el-GR" sz="2000" b="1" dirty="0"/>
+              <a:t>(</a:t>
+            </a:r>
+            <a:r>
+              <a:rPr lang="en-US" sz="2000" b="1" dirty="0"/>
+              <a:t>AMQP Topics</a:t>
+            </a:r>
+            <a:r>
+              <a:rPr lang="en-US" sz="2000" b="1" dirty="0" smtClean="0"/>
+              <a:t>)</a:t>
+            </a:r>
+            <a:endParaRPr lang="el-GR" sz="2000" b="1" dirty="0" smtClean="0"/>
+          </a:p>
+          <a:p>
+            <a:pPr lvl="2"/>
+            <a:r>
+              <a:rPr lang="en-US" sz="1600" b="1" dirty="0" err="1"/>
+              <a:t>traffic.data.topic</a:t>
+            </a:r>
+            <a:r>
+              <a:rPr lang="en-US" sz="1600" dirty="0"/>
+              <a:t> → </a:t>
+            </a:r>
+            <a:r>
+              <a:rPr lang="el-GR" sz="1600" dirty="0"/>
+              <a:t>Στέλνει δεδομένα κυκλοφορίας στο </a:t>
+            </a:r>
+            <a:r>
+              <a:rPr lang="en-US" sz="1600" dirty="0"/>
+              <a:t>Traffic Monitoring Service.</a:t>
+            </a:r>
+          </a:p>
+          <a:p>
+            <a:pPr lvl="2"/>
+            <a:r>
+              <a:rPr lang="en-US" sz="1600" b="1" dirty="0" err="1"/>
+              <a:t>pedestrian.cyclist.detection.topic</a:t>
+            </a:r>
+            <a:r>
+              <a:rPr lang="en-US" sz="1600" dirty="0"/>
+              <a:t> → </a:t>
+            </a:r>
+            <a:r>
+              <a:rPr lang="el-GR" sz="1600" dirty="0"/>
+              <a:t>Ενημερώνει το </a:t>
+            </a:r>
+            <a:r>
+              <a:rPr lang="en-US" sz="1600" dirty="0"/>
+              <a:t>Pedestrian &amp; Cyclist Safety Service.</a:t>
+            </a:r>
+          </a:p>
+          <a:p>
+            <a:pPr lvl="2"/>
+            <a:r>
+              <a:rPr lang="en-US" sz="1600" b="1" dirty="0" err="1"/>
+              <a:t>weather.data.topic</a:t>
+            </a:r>
+            <a:r>
+              <a:rPr lang="en-US" sz="1600" dirty="0"/>
+              <a:t> → </a:t>
+            </a:r>
+            <a:r>
+              <a:rPr lang="el-GR" sz="1600" dirty="0"/>
+              <a:t>Μεταφέρει μετρήσεις στο </a:t>
+            </a:r>
+            <a:r>
+              <a:rPr lang="en-US" sz="1600" dirty="0"/>
+              <a:t>Weather Adaptive Traffic Service.</a:t>
+            </a:r>
+            <a:endParaRPr lang="el-GR" sz="1600" dirty="0" smtClean="0"/>
+          </a:p>
+          <a:p>
+            <a:pPr lvl="1"/>
+            <a:r>
+              <a:rPr lang="el-GR" sz="2000" b="1" dirty="0" smtClean="0"/>
+              <a:t>Βάσεις δεδομένων που σχετίζονται</a:t>
+            </a:r>
+          </a:p>
+          <a:p>
+            <a:pPr lvl="2"/>
+            <a:r>
+              <a:rPr lang="el-GR" sz="1600" b="1" dirty="0"/>
+              <a:t>TrafficDB → </a:t>
+            </a:r>
+            <a:r>
+              <a:rPr lang="el-GR" sz="1600" dirty="0"/>
+              <a:t>Αποθηκεύει ιστορικά δεδομένα κυκλοφορίας.</a:t>
+            </a:r>
+          </a:p>
+          <a:p>
+            <a:pPr lvl="2"/>
+            <a:r>
+              <a:rPr lang="el-GR" sz="1600" b="1" dirty="0"/>
+              <a:t>WeatherDB → </a:t>
+            </a:r>
+            <a:r>
+              <a:rPr lang="el-GR" sz="1600" dirty="0"/>
+              <a:t>Αποθηκεύει μετρήσεις καιρού για ανάλυση και πρόβλεψη.</a:t>
+            </a:r>
+            <a:endParaRPr lang="en-US" sz="1600" dirty="0" smtClean="0"/>
           </a:p>
         </p:txBody>
       </p:sp>
     </p:spTree>
     <p:extLst>
       <p:ext uri="{BB962C8B-B14F-4D97-AF65-F5344CB8AC3E}">
-        <p14:creationId xmlns:p14="http://schemas.microsoft.com/office/powerpoint/2010/main" val="3113216030"/>
+        <p14:creationId xmlns:p14="http://schemas.microsoft.com/office/powerpoint/2010/main" val="1850536556"/>
+      </p:ext>
+    </p:extLst>
+  </p:cSld>
+  <p:clrMapOvr>
+    <a:masterClrMapping/>
+  </p:clrMapOvr>
+  <p:timing>
+    <p:tnLst>
+      <p:par>
+        <p:cTn id="1" dur="indefinite" restart="never" nodeType="tmRoot"/>
+      </p:par>
+    </p:tnLst>
+  </p:timing>
+</p:sld>
+</file>
+
+<file path=ppt/slides/slide36.xml><?xml version="1.0" encoding="utf-8"?>
+<p:sld xmlns:a="http://schemas.openxmlformats.org/drawingml/2006/main" xmlns:r="http://schemas.openxmlformats.org/officeDocument/2006/relationships" xmlns:p="http://schemas.openxmlformats.org/presentationml/2006/main">
+  <p:cSld>
+    <p:spTree>
+      <p:nvGrpSpPr>
+        <p:cNvPr id="1" name=""/>
+        <p:cNvGrpSpPr/>
+        <p:nvPr/>
+      </p:nvGrpSpPr>
+      <p:grpSpPr>
+        <a:xfrm>
+          <a:off x="0" y="0"/>
+          <a:ext cx="0" cy="0"/>
+          <a:chOff x="0" y="0"/>
+          <a:chExt cx="0" cy="0"/>
+        </a:xfrm>
+      </p:grpSpPr>
+      <p:sp>
+        <p:nvSpPr>
+          <p:cNvPr id="2" name="Title 1"/>
+          <p:cNvSpPr>
+            <a:spLocks noGrp="1"/>
+          </p:cNvSpPr>
+          <p:nvPr>
+            <p:ph type="title"/>
+          </p:nvPr>
+        </p:nvSpPr>
+        <p:spPr/>
+        <p:txBody>
+          <a:bodyPr>
+            <a:normAutofit fontScale="90000"/>
+          </a:bodyPr>
+          <a:lstStyle/>
+          <a:p>
+            <a:pPr algn="ctr"/>
+            <a:r>
+              <a:rPr lang="en-US" b="1" dirty="0" smtClean="0"/>
+              <a:t>FUNCTION – </a:t>
+            </a:r>
+            <a:r>
+              <a:rPr lang="en-US" b="1" dirty="0" err="1" smtClean="0"/>
+              <a:t>Microservices</a:t>
+            </a:r>
+            <a:r>
+              <a:rPr lang="en-US" b="1" dirty="0" smtClean="0"/>
+              <a:t> Architecture </a:t>
+            </a:r>
+            <a:r>
+              <a:rPr lang="en-US" b="1" dirty="0" smtClean="0"/>
+              <a:t>Diagram</a:t>
+            </a:r>
+            <a:br>
+              <a:rPr lang="en-US" b="1" dirty="0" smtClean="0"/>
+            </a:br>
+            <a:r>
+              <a:rPr lang="en-US" b="1" dirty="0" smtClean="0"/>
+              <a:t>CLIENT INTERFACES</a:t>
+            </a:r>
+            <a:endParaRPr lang="en-US" b="1" dirty="0"/>
+          </a:p>
+        </p:txBody>
+      </p:sp>
+      <p:sp>
+        <p:nvSpPr>
+          <p:cNvPr id="3" name="Content Placeholder 2"/>
+          <p:cNvSpPr>
+            <a:spLocks noGrp="1"/>
+          </p:cNvSpPr>
+          <p:nvPr>
+            <p:ph idx="1"/>
+          </p:nvPr>
+        </p:nvSpPr>
+        <p:spPr>
+          <a:xfrm>
+            <a:off x="838200" y="1825624"/>
+            <a:ext cx="10515600" cy="4591217"/>
+          </a:xfrm>
+        </p:spPr>
+        <p:txBody>
+          <a:bodyPr>
+            <a:normAutofit/>
+          </a:bodyPr>
+          <a:lstStyle/>
+          <a:p>
+            <a:r>
+              <a:rPr lang="en-US" sz="2400" b="1" dirty="0" smtClean="0"/>
+              <a:t>Edge Sensors (GPS </a:t>
+            </a:r>
+            <a:r>
+              <a:rPr lang="el-GR" sz="2400" b="1" dirty="0" smtClean="0"/>
+              <a:t>Αισθητήρες σε Οχήματα Έκτακτης Ανάγκης)</a:t>
+            </a:r>
+            <a:endParaRPr lang="en-US" sz="2400" b="1" dirty="0" smtClean="0"/>
+          </a:p>
+          <a:p>
+            <a:pPr lvl="1"/>
+            <a:r>
+              <a:rPr lang="el-GR" sz="2000" b="1" dirty="0" smtClean="0"/>
+              <a:t>Ρόλος</a:t>
+            </a:r>
+          </a:p>
+          <a:p>
+            <a:pPr lvl="2"/>
+            <a:r>
+              <a:rPr lang="el-GR" sz="1600" dirty="0"/>
+              <a:t>Επιτρέπουν στα οχήματα έκτακτης ανάγκης (ασθενοφόρα, πυροσβεστικά, αστυνομία) να προτεραιοποιούνται αυτόματα από τα φανάρια.</a:t>
+            </a:r>
+          </a:p>
+          <a:p>
+            <a:pPr lvl="2"/>
+            <a:r>
+              <a:rPr lang="el-GR" sz="1600" dirty="0"/>
+              <a:t>Στέλνουν δεδομένα θέσης μέσω V2X (Vehicle-to-Everything) Communication.</a:t>
+            </a:r>
+            <a:endParaRPr lang="el-GR" sz="1600" dirty="0" smtClean="0"/>
+          </a:p>
+          <a:p>
+            <a:pPr lvl="1"/>
+            <a:r>
+              <a:rPr lang="el-GR" sz="2000" b="1" dirty="0" smtClean="0"/>
+              <a:t>Τρόποι Αλληλεπίδρασης</a:t>
+            </a:r>
+            <a:r>
+              <a:rPr lang="en-US" sz="2000" b="1" dirty="0" smtClean="0"/>
+              <a:t> </a:t>
+            </a:r>
+            <a:r>
+              <a:rPr lang="el-GR" sz="2000" b="1" dirty="0"/>
+              <a:t>(</a:t>
+            </a:r>
+            <a:r>
+              <a:rPr lang="en-US" sz="2000" b="1" dirty="0"/>
+              <a:t>AMQP Topics</a:t>
+            </a:r>
+            <a:r>
+              <a:rPr lang="en-US" sz="2000" b="1" dirty="0" smtClean="0"/>
+              <a:t>)</a:t>
+            </a:r>
+            <a:endParaRPr lang="el-GR" sz="2000" b="1" dirty="0" smtClean="0"/>
+          </a:p>
+          <a:p>
+            <a:pPr lvl="2"/>
+            <a:r>
+              <a:rPr lang="en-US" sz="1600" b="1" dirty="0" err="1"/>
+              <a:t>emergency.vehicle.detection.topic</a:t>
+            </a:r>
+            <a:r>
+              <a:rPr lang="en-US" sz="1600" b="1" dirty="0"/>
+              <a:t> → </a:t>
+            </a:r>
+            <a:r>
+              <a:rPr lang="el-GR" sz="1600" dirty="0"/>
+              <a:t>Ανιχνεύει παρουσία οχημάτων έκτακτης ανάγκης.</a:t>
+            </a:r>
+          </a:p>
+          <a:p>
+            <a:pPr lvl="2"/>
+            <a:r>
+              <a:rPr lang="en-US" sz="1600" b="1" dirty="0" err="1"/>
+              <a:t>emergency.vehicle.signal.topic</a:t>
+            </a:r>
+            <a:r>
+              <a:rPr lang="en-US" sz="1600" b="1" dirty="0"/>
+              <a:t> → </a:t>
+            </a:r>
+            <a:r>
+              <a:rPr lang="el-GR" sz="1600" dirty="0"/>
+              <a:t>Ενημερώνει το </a:t>
+            </a:r>
+            <a:r>
+              <a:rPr lang="en-US" sz="1600" dirty="0"/>
+              <a:t>Traffic Light Control Service </a:t>
+            </a:r>
+            <a:r>
+              <a:rPr lang="el-GR" sz="1600" dirty="0"/>
+              <a:t>για αλλαγή σηματοδότησης.</a:t>
+            </a:r>
+            <a:endParaRPr lang="el-GR" sz="1600" dirty="0" smtClean="0"/>
+          </a:p>
+          <a:p>
+            <a:pPr lvl="1"/>
+            <a:r>
+              <a:rPr lang="el-GR" sz="2000" b="1" dirty="0" smtClean="0"/>
+              <a:t>Βάσεις δεδομένων που σχετίζονται</a:t>
+            </a:r>
+          </a:p>
+          <a:p>
+            <a:pPr lvl="2"/>
+            <a:r>
+              <a:rPr lang="el-GR" sz="1600" dirty="0"/>
+              <a:t>Δεν απαιτείται διατήρηση δεδομένων μακροπρόθεσμα, καθώς η ανίχνευση γίνεται σε </a:t>
+            </a:r>
+            <a:r>
+              <a:rPr lang="el-GR" sz="1600" b="1" dirty="0"/>
+              <a:t>real-time</a:t>
+            </a:r>
+            <a:r>
+              <a:rPr lang="el-GR" sz="1600" dirty="0"/>
+              <a:t>.</a:t>
+            </a:r>
+            <a:endParaRPr lang="en-US" sz="1600" dirty="0" smtClean="0"/>
+          </a:p>
+        </p:txBody>
+      </p:sp>
+    </p:spTree>
+    <p:extLst>
+      <p:ext uri="{BB962C8B-B14F-4D97-AF65-F5344CB8AC3E}">
+        <p14:creationId xmlns:p14="http://schemas.microsoft.com/office/powerpoint/2010/main" val="3400079349"/>
+      </p:ext>
+    </p:extLst>
+  </p:cSld>
+  <p:clrMapOvr>
+    <a:masterClrMapping/>
+  </p:clrMapOvr>
+  <p:timing>
+    <p:tnLst>
+      <p:par>
+        <p:cTn id="1" dur="indefinite" restart="never" nodeType="tmRoot"/>
+      </p:par>
+    </p:tnLst>
+  </p:timing>
+</p:sld>
+</file>
+
+<file path=ppt/slides/slide37.xml><?xml version="1.0" encoding="utf-8"?>
+<p:sld xmlns:a="http://schemas.openxmlformats.org/drawingml/2006/main" xmlns:r="http://schemas.openxmlformats.org/officeDocument/2006/relationships" xmlns:p="http://schemas.openxmlformats.org/presentationml/2006/main">
+  <p:cSld>
+    <p:spTree>
+      <p:nvGrpSpPr>
+        <p:cNvPr id="1" name=""/>
+        <p:cNvGrpSpPr/>
+        <p:nvPr/>
+      </p:nvGrpSpPr>
+      <p:grpSpPr>
+        <a:xfrm>
+          <a:off x="0" y="0"/>
+          <a:ext cx="0" cy="0"/>
+          <a:chOff x="0" y="0"/>
+          <a:chExt cx="0" cy="0"/>
+        </a:xfrm>
+      </p:grpSpPr>
+      <p:sp>
+        <p:nvSpPr>
+          <p:cNvPr id="2" name="Title 1"/>
+          <p:cNvSpPr>
+            <a:spLocks noGrp="1"/>
+          </p:cNvSpPr>
+          <p:nvPr>
+            <p:ph type="title"/>
+          </p:nvPr>
+        </p:nvSpPr>
+        <p:spPr/>
+        <p:txBody>
+          <a:bodyPr>
+            <a:normAutofit fontScale="90000"/>
+          </a:bodyPr>
+          <a:lstStyle/>
+          <a:p>
+            <a:pPr algn="ctr"/>
+            <a:r>
+              <a:rPr lang="en-US" b="1" dirty="0" smtClean="0"/>
+              <a:t>FUNCTION – </a:t>
+            </a:r>
+            <a:r>
+              <a:rPr lang="en-US" b="1" dirty="0" err="1" smtClean="0"/>
+              <a:t>Microservices</a:t>
+            </a:r>
+            <a:r>
+              <a:rPr lang="en-US" b="1" dirty="0" smtClean="0"/>
+              <a:t> Architecture </a:t>
+            </a:r>
+            <a:r>
+              <a:rPr lang="en-US" b="1" dirty="0" smtClean="0"/>
+              <a:t>Diagram</a:t>
+            </a:r>
+            <a:br>
+              <a:rPr lang="en-US" b="1" dirty="0" smtClean="0"/>
+            </a:br>
+            <a:r>
+              <a:rPr lang="en-US" b="1" dirty="0" smtClean="0"/>
+              <a:t>SERVICES</a:t>
+            </a:r>
+            <a:endParaRPr lang="en-US" b="1" dirty="0"/>
+          </a:p>
+        </p:txBody>
+      </p:sp>
+      <p:sp>
+        <p:nvSpPr>
+          <p:cNvPr id="3" name="Content Placeholder 2"/>
+          <p:cNvSpPr>
+            <a:spLocks noGrp="1"/>
+          </p:cNvSpPr>
+          <p:nvPr>
+            <p:ph idx="1"/>
+          </p:nvPr>
+        </p:nvSpPr>
+        <p:spPr>
+          <a:xfrm>
+            <a:off x="838200" y="1825624"/>
+            <a:ext cx="10515600" cy="4591217"/>
+          </a:xfrm>
+        </p:spPr>
+        <p:txBody>
+          <a:bodyPr>
+            <a:normAutofit/>
+          </a:bodyPr>
+          <a:lstStyle/>
+          <a:p>
+            <a:r>
+              <a:rPr lang="en-US" sz="2400" b="1" dirty="0" smtClean="0"/>
+              <a:t>Traffic Monitoring Service (</a:t>
+            </a:r>
+            <a:r>
+              <a:rPr lang="el-GR" sz="2400" b="1" dirty="0" smtClean="0"/>
+              <a:t>Υπηρεσία Παρακολούθησης Κυκλοφορίας)</a:t>
+            </a:r>
+            <a:endParaRPr lang="en-US" sz="2400" b="1" dirty="0" smtClean="0"/>
+          </a:p>
+          <a:p>
+            <a:pPr lvl="1"/>
+            <a:r>
+              <a:rPr lang="el-GR" sz="2000" b="1" dirty="0" smtClean="0"/>
+              <a:t>Ρόλος</a:t>
+            </a:r>
+          </a:p>
+          <a:p>
+            <a:pPr lvl="2"/>
+            <a:r>
+              <a:rPr lang="el-GR" sz="1600" dirty="0"/>
+              <a:t>Συλλέγει real-time δεδομένα κυκλοφορίας από IoT αισθητήρες στους δρόμους.</a:t>
+            </a:r>
+          </a:p>
+          <a:p>
+            <a:pPr lvl="2"/>
+            <a:r>
+              <a:rPr lang="el-GR" sz="1600" dirty="0"/>
+              <a:t>Εντοπίζει συμφόρηση, ατυχήματα και άλλα συμβάντα.</a:t>
+            </a:r>
+            <a:endParaRPr lang="el-GR" sz="1600" dirty="0" smtClean="0"/>
+          </a:p>
+          <a:p>
+            <a:pPr lvl="1"/>
+            <a:r>
+              <a:rPr lang="el-GR" sz="2000" b="1" dirty="0" smtClean="0"/>
+              <a:t>Τρόποι Αλληλεπίδρασης</a:t>
+            </a:r>
+            <a:r>
+              <a:rPr lang="en-US" sz="2000" b="1" dirty="0" smtClean="0"/>
+              <a:t> </a:t>
+            </a:r>
+            <a:r>
+              <a:rPr lang="el-GR" sz="2000" b="1" dirty="0"/>
+              <a:t>(</a:t>
+            </a:r>
+            <a:r>
+              <a:rPr lang="en-US" sz="2000" b="1" dirty="0"/>
+              <a:t>AMQP Topics</a:t>
+            </a:r>
+            <a:r>
+              <a:rPr lang="en-US" sz="2000" b="1" dirty="0" smtClean="0"/>
+              <a:t>)</a:t>
+            </a:r>
+            <a:endParaRPr lang="el-GR" sz="2000" b="1" dirty="0" smtClean="0"/>
+          </a:p>
+          <a:p>
+            <a:pPr lvl="2"/>
+            <a:r>
+              <a:rPr lang="en-US" sz="1600" b="1" dirty="0" err="1"/>
+              <a:t>traffic.data.topic</a:t>
+            </a:r>
+            <a:r>
+              <a:rPr lang="en-US" sz="1600" dirty="0"/>
+              <a:t> → </a:t>
+            </a:r>
+            <a:r>
+              <a:rPr lang="el-GR" sz="1600" dirty="0"/>
+              <a:t>Δημοσιεύει δεδομένα κυκλοφορίας.</a:t>
+            </a:r>
+          </a:p>
+          <a:p>
+            <a:pPr lvl="2"/>
+            <a:r>
+              <a:rPr lang="en-US" sz="1600" b="1" dirty="0" err="1"/>
+              <a:t>traffic.notification.topic</a:t>
+            </a:r>
+            <a:r>
+              <a:rPr lang="en-US" sz="1600" dirty="0"/>
+              <a:t> → </a:t>
+            </a:r>
+            <a:r>
+              <a:rPr lang="el-GR" sz="1600" dirty="0"/>
+              <a:t>Στέλνει ειδοποιήσεις σε περίπτωση συμφόρησης.</a:t>
+            </a:r>
+          </a:p>
+          <a:p>
+            <a:pPr lvl="2"/>
+            <a:r>
+              <a:rPr lang="en-US" sz="1600" b="1" dirty="0" err="1"/>
+              <a:t>traffic.analytics.topic</a:t>
+            </a:r>
+            <a:r>
+              <a:rPr lang="en-US" sz="1600" dirty="0"/>
+              <a:t> → </a:t>
+            </a:r>
+            <a:r>
+              <a:rPr lang="el-GR" sz="1600" dirty="0"/>
+              <a:t>Στέλνει δεδομένα στο </a:t>
+            </a:r>
+            <a:r>
+              <a:rPr lang="en-US" sz="1600" dirty="0"/>
+              <a:t>Traffic Data Processing Service </a:t>
+            </a:r>
+            <a:r>
+              <a:rPr lang="el-GR" sz="1600" dirty="0"/>
+              <a:t>για ανάλυση.</a:t>
+            </a:r>
+            <a:endParaRPr lang="el-GR" sz="1600" dirty="0" smtClean="0"/>
+          </a:p>
+          <a:p>
+            <a:pPr lvl="1"/>
+            <a:r>
+              <a:rPr lang="el-GR" sz="2000" b="1" dirty="0" smtClean="0"/>
+              <a:t>Βάσεις δεδομένων που σχετίζονται</a:t>
+            </a:r>
+          </a:p>
+          <a:p>
+            <a:pPr lvl="2"/>
+            <a:r>
+              <a:rPr lang="el-GR" sz="1600" b="1" dirty="0"/>
+              <a:t>TrafficDB</a:t>
+            </a:r>
+            <a:r>
+              <a:rPr lang="el-GR" sz="1600" dirty="0"/>
+              <a:t> → Αποθηκεύει ιστορικά και real-time δεδομένα κυκλοφορίας.</a:t>
+            </a:r>
+            <a:endParaRPr lang="en-US" sz="1600" dirty="0" smtClean="0"/>
+          </a:p>
+        </p:txBody>
+      </p:sp>
+    </p:spTree>
+    <p:extLst>
+      <p:ext uri="{BB962C8B-B14F-4D97-AF65-F5344CB8AC3E}">
+        <p14:creationId xmlns:p14="http://schemas.microsoft.com/office/powerpoint/2010/main" val="1333273936"/>
+      </p:ext>
+    </p:extLst>
+  </p:cSld>
+  <p:clrMapOvr>
+    <a:masterClrMapping/>
+  </p:clrMapOvr>
+  <p:timing>
+    <p:tnLst>
+      <p:par>
+        <p:cTn id="1" dur="indefinite" restart="never" nodeType="tmRoot"/>
+      </p:par>
+    </p:tnLst>
+  </p:timing>
+</p:sld>
+</file>
+
+<file path=ppt/slides/slide38.xml><?xml version="1.0" encoding="utf-8"?>
+<p:sld xmlns:a="http://schemas.openxmlformats.org/drawingml/2006/main" xmlns:r="http://schemas.openxmlformats.org/officeDocument/2006/relationships" xmlns:p="http://schemas.openxmlformats.org/presentationml/2006/main">
+  <p:cSld>
+    <p:spTree>
+      <p:nvGrpSpPr>
+        <p:cNvPr id="1" name=""/>
+        <p:cNvGrpSpPr/>
+        <p:nvPr/>
+      </p:nvGrpSpPr>
+      <p:grpSpPr>
+        <a:xfrm>
+          <a:off x="0" y="0"/>
+          <a:ext cx="0" cy="0"/>
+          <a:chOff x="0" y="0"/>
+          <a:chExt cx="0" cy="0"/>
+        </a:xfrm>
+      </p:grpSpPr>
+      <p:sp>
+        <p:nvSpPr>
+          <p:cNvPr id="2" name="Title 1"/>
+          <p:cNvSpPr>
+            <a:spLocks noGrp="1"/>
+          </p:cNvSpPr>
+          <p:nvPr>
+            <p:ph type="title"/>
+          </p:nvPr>
+        </p:nvSpPr>
+        <p:spPr/>
+        <p:txBody>
+          <a:bodyPr>
+            <a:normAutofit fontScale="90000"/>
+          </a:bodyPr>
+          <a:lstStyle/>
+          <a:p>
+            <a:pPr algn="ctr"/>
+            <a:r>
+              <a:rPr lang="en-US" b="1" dirty="0" smtClean="0"/>
+              <a:t>FUNCTION – </a:t>
+            </a:r>
+            <a:r>
+              <a:rPr lang="en-US" b="1" dirty="0" err="1" smtClean="0"/>
+              <a:t>Microservices</a:t>
+            </a:r>
+            <a:r>
+              <a:rPr lang="en-US" b="1" dirty="0" smtClean="0"/>
+              <a:t> Architecture </a:t>
+            </a:r>
+            <a:r>
+              <a:rPr lang="en-US" b="1" dirty="0" smtClean="0"/>
+              <a:t>Diagram</a:t>
+            </a:r>
+            <a:br>
+              <a:rPr lang="en-US" b="1" dirty="0" smtClean="0"/>
+            </a:br>
+            <a:r>
+              <a:rPr lang="en-US" b="1" dirty="0" smtClean="0"/>
+              <a:t>SERVICES</a:t>
+            </a:r>
+            <a:endParaRPr lang="en-US" b="1" dirty="0"/>
+          </a:p>
+        </p:txBody>
+      </p:sp>
+      <p:sp>
+        <p:nvSpPr>
+          <p:cNvPr id="3" name="Content Placeholder 2"/>
+          <p:cNvSpPr>
+            <a:spLocks noGrp="1"/>
+          </p:cNvSpPr>
+          <p:nvPr>
+            <p:ph idx="1"/>
+          </p:nvPr>
+        </p:nvSpPr>
+        <p:spPr>
+          <a:xfrm>
+            <a:off x="838200" y="1825624"/>
+            <a:ext cx="10515600" cy="4591217"/>
+          </a:xfrm>
+        </p:spPr>
+        <p:txBody>
+          <a:bodyPr>
+            <a:normAutofit/>
+          </a:bodyPr>
+          <a:lstStyle/>
+          <a:p>
+            <a:r>
+              <a:rPr lang="en-US" sz="2400" b="1" dirty="0" smtClean="0"/>
+              <a:t>Traffic</a:t>
+            </a:r>
+            <a:r>
+              <a:rPr lang="el-GR" sz="2400" b="1" dirty="0" smtClean="0"/>
+              <a:t> </a:t>
+            </a:r>
+            <a:r>
+              <a:rPr lang="en-US" sz="2400" b="1" dirty="0" smtClean="0"/>
+              <a:t>Light Control Service (</a:t>
+            </a:r>
+            <a:r>
+              <a:rPr lang="el-GR" sz="2400" b="1" dirty="0" smtClean="0"/>
+              <a:t>Υπηρεσία Ελέγχου Φαναριών)</a:t>
+            </a:r>
+            <a:endParaRPr lang="en-US" sz="2400" b="1" dirty="0" smtClean="0"/>
+          </a:p>
+          <a:p>
+            <a:pPr lvl="1"/>
+            <a:r>
+              <a:rPr lang="el-GR" sz="2000" b="1" dirty="0" smtClean="0"/>
+              <a:t>Ρόλος</a:t>
+            </a:r>
+          </a:p>
+          <a:p>
+            <a:pPr lvl="2"/>
+            <a:r>
+              <a:rPr lang="el-GR" sz="1600" dirty="0"/>
+              <a:t>Διαχειρίζεται τη λειτουργία των φαναριών ανάλογα με τις κυκλοφοριακές συνθήκες.</a:t>
+            </a:r>
+          </a:p>
+          <a:p>
+            <a:pPr lvl="2"/>
+            <a:r>
+              <a:rPr lang="el-GR" sz="1600" dirty="0"/>
+              <a:t>Λαμβάνει δεδομένα από άλλες υπηρεσίες και προσαρμόζει τους χρόνους σηματοδότησης.</a:t>
+            </a:r>
+            <a:endParaRPr lang="el-GR" sz="1600" dirty="0" smtClean="0"/>
+          </a:p>
+          <a:p>
+            <a:pPr lvl="1"/>
+            <a:r>
+              <a:rPr lang="el-GR" sz="2000" b="1" dirty="0" smtClean="0"/>
+              <a:t>Τρόποι Αλληλεπίδρασης</a:t>
+            </a:r>
+            <a:r>
+              <a:rPr lang="en-US" sz="2000" b="1" dirty="0" smtClean="0"/>
+              <a:t> </a:t>
+            </a:r>
+            <a:r>
+              <a:rPr lang="el-GR" sz="2000" b="1" dirty="0"/>
+              <a:t>(</a:t>
+            </a:r>
+            <a:r>
+              <a:rPr lang="en-US" sz="2000" b="1" dirty="0"/>
+              <a:t>AMQP Topics</a:t>
+            </a:r>
+            <a:r>
+              <a:rPr lang="en-US" sz="2000" b="1" dirty="0" smtClean="0"/>
+              <a:t>)</a:t>
+            </a:r>
+            <a:endParaRPr lang="el-GR" sz="2000" b="1" dirty="0" smtClean="0"/>
+          </a:p>
+          <a:p>
+            <a:pPr lvl="2"/>
+            <a:r>
+              <a:rPr lang="en-US" sz="1600" b="1" dirty="0" err="1"/>
+              <a:t>traffic.analytics.topic</a:t>
+            </a:r>
+            <a:r>
+              <a:rPr lang="en-US" sz="1600" b="1" dirty="0"/>
+              <a:t> → </a:t>
+            </a:r>
+            <a:r>
+              <a:rPr lang="el-GR" sz="1600" dirty="0"/>
+              <a:t>Λαμβάνει ανάλυση δεδομένων από το </a:t>
+            </a:r>
+            <a:r>
+              <a:rPr lang="en-US" sz="1600" dirty="0"/>
+              <a:t>Traffic Data Processing Service.</a:t>
+            </a:r>
+          </a:p>
+          <a:p>
+            <a:pPr lvl="2"/>
+            <a:r>
+              <a:rPr lang="en-US" sz="1600" b="1" dirty="0" err="1"/>
+              <a:t>weather.adaptation.topic</a:t>
+            </a:r>
+            <a:r>
+              <a:rPr lang="en-US" sz="1600" b="1" dirty="0"/>
+              <a:t> → </a:t>
+            </a:r>
+            <a:r>
+              <a:rPr lang="el-GR" sz="1600" dirty="0"/>
+              <a:t>Ρυθμίζει τα φανάρια με βάση τον καιρό.</a:t>
+            </a:r>
+          </a:p>
+          <a:p>
+            <a:pPr lvl="2"/>
+            <a:r>
+              <a:rPr lang="en-US" sz="1600" b="1" dirty="0" err="1"/>
+              <a:t>emergency.vehicle.signal.topic</a:t>
+            </a:r>
+            <a:r>
+              <a:rPr lang="en-US" sz="1600" b="1" dirty="0"/>
+              <a:t> → </a:t>
+            </a:r>
+            <a:r>
+              <a:rPr lang="el-GR" sz="1600" dirty="0"/>
+              <a:t>Δίνει προτεραιότητα σε οχήματα έκτακτης ανάγκης.</a:t>
+            </a:r>
+          </a:p>
+          <a:p>
+            <a:pPr lvl="2"/>
+            <a:r>
+              <a:rPr lang="en-US" sz="1600" b="1" dirty="0" err="1"/>
+              <a:t>traffic.light.status.topic</a:t>
+            </a:r>
+            <a:r>
+              <a:rPr lang="en-US" sz="1600" b="1" dirty="0"/>
+              <a:t> → </a:t>
+            </a:r>
+            <a:r>
+              <a:rPr lang="el-GR" sz="1600" dirty="0"/>
+              <a:t>Δημοσιεύει την κατάσταση των φαναριών.</a:t>
+            </a:r>
+            <a:endParaRPr lang="el-GR" sz="1600" dirty="0" smtClean="0"/>
+          </a:p>
+          <a:p>
+            <a:pPr lvl="1"/>
+            <a:r>
+              <a:rPr lang="el-GR" sz="2000" b="1" dirty="0" smtClean="0"/>
+              <a:t>Βάσεις δεδομένων που σχετίζονται</a:t>
+            </a:r>
+          </a:p>
+          <a:p>
+            <a:pPr lvl="2"/>
+            <a:r>
+              <a:rPr lang="el-GR" sz="1600" dirty="0"/>
+              <a:t>Δεν αποθηκεύει δεδομένα, λειτουργεί σε real-time.</a:t>
+            </a:r>
+            <a:endParaRPr lang="en-US" sz="1600" dirty="0" smtClean="0"/>
+          </a:p>
+        </p:txBody>
+      </p:sp>
+    </p:spTree>
+    <p:extLst>
+      <p:ext uri="{BB962C8B-B14F-4D97-AF65-F5344CB8AC3E}">
+        <p14:creationId xmlns:p14="http://schemas.microsoft.com/office/powerpoint/2010/main" val="3133911873"/>
+      </p:ext>
+    </p:extLst>
+  </p:cSld>
+  <p:clrMapOvr>
+    <a:masterClrMapping/>
+  </p:clrMapOvr>
+  <p:timing>
+    <p:tnLst>
+      <p:par>
+        <p:cTn id="1" dur="indefinite" restart="never" nodeType="tmRoot"/>
+      </p:par>
+    </p:tnLst>
+  </p:timing>
+</p:sld>
+</file>
+
+<file path=ppt/slides/slide39.xml><?xml version="1.0" encoding="utf-8"?>
+<p:sld xmlns:a="http://schemas.openxmlformats.org/drawingml/2006/main" xmlns:r="http://schemas.openxmlformats.org/officeDocument/2006/relationships" xmlns:p="http://schemas.openxmlformats.org/presentationml/2006/main">
+  <p:cSld>
+    <p:spTree>
+      <p:nvGrpSpPr>
+        <p:cNvPr id="1" name=""/>
+        <p:cNvGrpSpPr/>
+        <p:nvPr/>
+      </p:nvGrpSpPr>
+      <p:grpSpPr>
+        <a:xfrm>
+          <a:off x="0" y="0"/>
+          <a:ext cx="0" cy="0"/>
+          <a:chOff x="0" y="0"/>
+          <a:chExt cx="0" cy="0"/>
+        </a:xfrm>
+      </p:grpSpPr>
+      <p:sp>
+        <p:nvSpPr>
+          <p:cNvPr id="2" name="Title 1"/>
+          <p:cNvSpPr>
+            <a:spLocks noGrp="1"/>
+          </p:cNvSpPr>
+          <p:nvPr>
+            <p:ph type="title"/>
+          </p:nvPr>
+        </p:nvSpPr>
+        <p:spPr/>
+        <p:txBody>
+          <a:bodyPr>
+            <a:normAutofit fontScale="90000"/>
+          </a:bodyPr>
+          <a:lstStyle/>
+          <a:p>
+            <a:pPr algn="ctr"/>
+            <a:r>
+              <a:rPr lang="en-US" b="1" dirty="0" smtClean="0"/>
+              <a:t>FUNCTION – </a:t>
+            </a:r>
+            <a:r>
+              <a:rPr lang="en-US" b="1" dirty="0" err="1" smtClean="0"/>
+              <a:t>Microservices</a:t>
+            </a:r>
+            <a:r>
+              <a:rPr lang="en-US" b="1" dirty="0" smtClean="0"/>
+              <a:t> Architecture </a:t>
+            </a:r>
+            <a:r>
+              <a:rPr lang="en-US" b="1" dirty="0" smtClean="0"/>
+              <a:t>Diagram</a:t>
+            </a:r>
+            <a:br>
+              <a:rPr lang="en-US" b="1" dirty="0" smtClean="0"/>
+            </a:br>
+            <a:r>
+              <a:rPr lang="en-US" b="1" dirty="0" smtClean="0"/>
+              <a:t>SERVICES</a:t>
+            </a:r>
+            <a:endParaRPr lang="en-US" b="1" dirty="0"/>
+          </a:p>
+        </p:txBody>
+      </p:sp>
+      <p:sp>
+        <p:nvSpPr>
+          <p:cNvPr id="3" name="Content Placeholder 2"/>
+          <p:cNvSpPr>
+            <a:spLocks noGrp="1"/>
+          </p:cNvSpPr>
+          <p:nvPr>
+            <p:ph idx="1"/>
+          </p:nvPr>
+        </p:nvSpPr>
+        <p:spPr>
+          <a:xfrm>
+            <a:off x="838200" y="1825624"/>
+            <a:ext cx="10515600" cy="4591217"/>
+          </a:xfrm>
+        </p:spPr>
+        <p:txBody>
+          <a:bodyPr>
+            <a:normAutofit/>
+          </a:bodyPr>
+          <a:lstStyle/>
+          <a:p>
+            <a:r>
+              <a:rPr lang="en-US" sz="2400" b="1" dirty="0" smtClean="0"/>
+              <a:t>Traffic</a:t>
+            </a:r>
+            <a:r>
+              <a:rPr lang="el-GR" sz="2400" b="1" dirty="0" smtClean="0"/>
+              <a:t> </a:t>
+            </a:r>
+            <a:r>
+              <a:rPr lang="en-US" sz="2400" b="1" dirty="0" smtClean="0"/>
+              <a:t>Data Processing Service (</a:t>
+            </a:r>
+            <a:r>
+              <a:rPr lang="el-GR" sz="2400" b="1" dirty="0" smtClean="0"/>
+              <a:t>Υπηρεσία Επεξεργασίας Κυκλοφοριακών Δεδομένων)</a:t>
+            </a:r>
+            <a:endParaRPr lang="en-US" sz="2400" b="1" dirty="0" smtClean="0"/>
+          </a:p>
+          <a:p>
+            <a:pPr lvl="1"/>
+            <a:r>
+              <a:rPr lang="el-GR" sz="2000" b="1" dirty="0" smtClean="0"/>
+              <a:t>Ρόλος</a:t>
+            </a:r>
+          </a:p>
+          <a:p>
+            <a:pPr lvl="2"/>
+            <a:r>
+              <a:rPr lang="el-GR" sz="1600" dirty="0"/>
+              <a:t>Αναλύει μεγάλα σύνολα δεδομένων από το Traffic Monitoring Service.</a:t>
+            </a:r>
+          </a:p>
+          <a:p>
+            <a:pPr lvl="2"/>
+            <a:r>
+              <a:rPr lang="el-GR" sz="1600" dirty="0"/>
+              <a:t>Παράγει προγνωστικά μοντέλα κυκλοφορίας και προτείνει βελτιώσεις.</a:t>
+            </a:r>
+            <a:endParaRPr lang="el-GR" sz="1600" dirty="0" smtClean="0"/>
+          </a:p>
+          <a:p>
+            <a:pPr lvl="1"/>
+            <a:r>
+              <a:rPr lang="el-GR" sz="2000" b="1" dirty="0" smtClean="0"/>
+              <a:t>Τρόποι Αλληλεπίδρασης</a:t>
+            </a:r>
+            <a:r>
+              <a:rPr lang="en-US" sz="2000" b="1" dirty="0" smtClean="0"/>
+              <a:t> </a:t>
+            </a:r>
+            <a:r>
+              <a:rPr lang="el-GR" sz="2000" b="1" dirty="0"/>
+              <a:t>(</a:t>
+            </a:r>
+            <a:r>
+              <a:rPr lang="en-US" sz="2000" b="1" dirty="0"/>
+              <a:t>AMQP Topics</a:t>
+            </a:r>
+            <a:r>
+              <a:rPr lang="en-US" sz="2000" b="1" dirty="0" smtClean="0"/>
+              <a:t>)</a:t>
+            </a:r>
+            <a:endParaRPr lang="el-GR" sz="2000" b="1" dirty="0" smtClean="0"/>
+          </a:p>
+          <a:p>
+            <a:pPr lvl="2"/>
+            <a:r>
+              <a:rPr lang="en-US" sz="1600" b="1" dirty="0" err="1"/>
+              <a:t>traffic.data.topic</a:t>
+            </a:r>
+            <a:r>
+              <a:rPr lang="en-US" sz="1600" b="1" dirty="0"/>
+              <a:t> → </a:t>
+            </a:r>
+            <a:r>
+              <a:rPr lang="el-GR" sz="1600" dirty="0"/>
+              <a:t>Λαμβάνει ακατέργαστα δεδομένα από αισθητήρες.</a:t>
+            </a:r>
+          </a:p>
+          <a:p>
+            <a:pPr lvl="2"/>
+            <a:r>
+              <a:rPr lang="en-US" sz="1600" b="1" dirty="0" err="1"/>
+              <a:t>traffic.analytics.topic</a:t>
+            </a:r>
+            <a:r>
+              <a:rPr lang="en-US" sz="1600" b="1" dirty="0"/>
+              <a:t> → </a:t>
+            </a:r>
+            <a:r>
+              <a:rPr lang="el-GR" sz="1600" dirty="0"/>
+              <a:t>Δημοσιεύει αναλύσεις στο </a:t>
+            </a:r>
+            <a:r>
+              <a:rPr lang="en-US" sz="1600" dirty="0"/>
+              <a:t>Traffic Light Control Service.</a:t>
+            </a:r>
+            <a:endParaRPr lang="el-GR" sz="1600" dirty="0" smtClean="0"/>
+          </a:p>
+          <a:p>
+            <a:pPr lvl="1"/>
+            <a:r>
+              <a:rPr lang="el-GR" sz="2000" b="1" dirty="0" smtClean="0"/>
+              <a:t>Βάσεις δεδομένων που σχετίζονται</a:t>
+            </a:r>
+          </a:p>
+          <a:p>
+            <a:pPr lvl="2"/>
+            <a:r>
+              <a:rPr lang="el-GR" sz="1600" b="1" dirty="0"/>
+              <a:t>TrafficDB</a:t>
+            </a:r>
+            <a:r>
+              <a:rPr lang="el-GR" sz="1600" dirty="0"/>
+              <a:t> → Αποθηκεύει δεδομένα και αναφορές κυκλοφορίας.</a:t>
+            </a:r>
+            <a:endParaRPr lang="en-US" sz="1600" dirty="0" smtClean="0"/>
+          </a:p>
+        </p:txBody>
+      </p:sp>
+    </p:spTree>
+    <p:extLst>
+      <p:ext uri="{BB962C8B-B14F-4D97-AF65-F5344CB8AC3E}">
+        <p14:creationId xmlns:p14="http://schemas.microsoft.com/office/powerpoint/2010/main" val="230619158"/>
       </p:ext>
     </p:extLst>
   </p:cSld>
@@ -16513,6 +17629,1465 @@
     <p:extLst>
       <p:ext uri="{BB962C8B-B14F-4D97-AF65-F5344CB8AC3E}">
         <p14:creationId xmlns:p14="http://schemas.microsoft.com/office/powerpoint/2010/main" val="753159803"/>
+      </p:ext>
+    </p:extLst>
+  </p:cSld>
+  <p:clrMapOvr>
+    <a:masterClrMapping/>
+  </p:clrMapOvr>
+  <p:timing>
+    <p:tnLst>
+      <p:par>
+        <p:cTn id="1" dur="indefinite" restart="never" nodeType="tmRoot"/>
+      </p:par>
+    </p:tnLst>
+  </p:timing>
+</p:sld>
+</file>
+
+<file path=ppt/slides/slide40.xml><?xml version="1.0" encoding="utf-8"?>
+<p:sld xmlns:a="http://schemas.openxmlformats.org/drawingml/2006/main" xmlns:r="http://schemas.openxmlformats.org/officeDocument/2006/relationships" xmlns:p="http://schemas.openxmlformats.org/presentationml/2006/main">
+  <p:cSld>
+    <p:spTree>
+      <p:nvGrpSpPr>
+        <p:cNvPr id="1" name=""/>
+        <p:cNvGrpSpPr/>
+        <p:nvPr/>
+      </p:nvGrpSpPr>
+      <p:grpSpPr>
+        <a:xfrm>
+          <a:off x="0" y="0"/>
+          <a:ext cx="0" cy="0"/>
+          <a:chOff x="0" y="0"/>
+          <a:chExt cx="0" cy="0"/>
+        </a:xfrm>
+      </p:grpSpPr>
+      <p:sp>
+        <p:nvSpPr>
+          <p:cNvPr id="2" name="Title 1"/>
+          <p:cNvSpPr>
+            <a:spLocks noGrp="1"/>
+          </p:cNvSpPr>
+          <p:nvPr>
+            <p:ph type="title"/>
+          </p:nvPr>
+        </p:nvSpPr>
+        <p:spPr/>
+        <p:txBody>
+          <a:bodyPr>
+            <a:normAutofit fontScale="90000"/>
+          </a:bodyPr>
+          <a:lstStyle/>
+          <a:p>
+            <a:pPr algn="ctr"/>
+            <a:r>
+              <a:rPr lang="en-US" b="1" dirty="0" smtClean="0"/>
+              <a:t>FUNCTION – </a:t>
+            </a:r>
+            <a:r>
+              <a:rPr lang="en-US" b="1" dirty="0" err="1" smtClean="0"/>
+              <a:t>Microservices</a:t>
+            </a:r>
+            <a:r>
+              <a:rPr lang="en-US" b="1" dirty="0" smtClean="0"/>
+              <a:t> Architecture </a:t>
+            </a:r>
+            <a:r>
+              <a:rPr lang="en-US" b="1" dirty="0" smtClean="0"/>
+              <a:t>Diagram</a:t>
+            </a:r>
+            <a:br>
+              <a:rPr lang="en-US" b="1" dirty="0" smtClean="0"/>
+            </a:br>
+            <a:r>
+              <a:rPr lang="en-US" b="1" dirty="0" smtClean="0"/>
+              <a:t>SERVICES</a:t>
+            </a:r>
+            <a:endParaRPr lang="en-US" b="1" dirty="0"/>
+          </a:p>
+        </p:txBody>
+      </p:sp>
+      <p:sp>
+        <p:nvSpPr>
+          <p:cNvPr id="3" name="Content Placeholder 2"/>
+          <p:cNvSpPr>
+            <a:spLocks noGrp="1"/>
+          </p:cNvSpPr>
+          <p:nvPr>
+            <p:ph idx="1"/>
+          </p:nvPr>
+        </p:nvSpPr>
+        <p:spPr>
+          <a:xfrm>
+            <a:off x="838200" y="1825624"/>
+            <a:ext cx="10515600" cy="4591217"/>
+          </a:xfrm>
+        </p:spPr>
+        <p:txBody>
+          <a:bodyPr>
+            <a:normAutofit/>
+          </a:bodyPr>
+          <a:lstStyle/>
+          <a:p>
+            <a:r>
+              <a:rPr lang="en-US" sz="2400" b="1" dirty="0"/>
+              <a:t>Pedestrian &amp; Cyclist Safety Service (</a:t>
+            </a:r>
+            <a:r>
+              <a:rPr lang="el-GR" sz="2400" b="1" dirty="0"/>
+              <a:t>Υπηρεσία Ασφάλειας Πεζών &amp; Ποδηλατών)</a:t>
+            </a:r>
+            <a:endParaRPr lang="en-US" sz="2400" b="1" dirty="0" smtClean="0"/>
+          </a:p>
+          <a:p>
+            <a:pPr lvl="1"/>
+            <a:r>
+              <a:rPr lang="el-GR" sz="2000" b="1" dirty="0" smtClean="0"/>
+              <a:t>Ρόλος</a:t>
+            </a:r>
+          </a:p>
+          <a:p>
+            <a:pPr lvl="2"/>
+            <a:r>
+              <a:rPr lang="el-GR" sz="1600" dirty="0"/>
+              <a:t>Ανιχνεύει πεζούς και ποδηλάτες μέσω IoT αισθητήρων.</a:t>
+            </a:r>
+          </a:p>
+          <a:p>
+            <a:pPr lvl="2"/>
+            <a:r>
+              <a:rPr lang="el-GR" sz="1600" dirty="0"/>
+              <a:t>Ενημερώνει τα φανάρια για ασφαλείς διαβάσεις.</a:t>
+            </a:r>
+            <a:endParaRPr lang="el-GR" sz="1600" dirty="0" smtClean="0"/>
+          </a:p>
+          <a:p>
+            <a:pPr lvl="1"/>
+            <a:r>
+              <a:rPr lang="el-GR" sz="2000" b="1" dirty="0" smtClean="0"/>
+              <a:t>Τρόποι Αλληλεπίδρασης</a:t>
+            </a:r>
+            <a:r>
+              <a:rPr lang="en-US" sz="2000" b="1" dirty="0" smtClean="0"/>
+              <a:t> </a:t>
+            </a:r>
+            <a:r>
+              <a:rPr lang="el-GR" sz="2000" b="1" dirty="0"/>
+              <a:t>(</a:t>
+            </a:r>
+            <a:r>
+              <a:rPr lang="en-US" sz="2000" b="1" dirty="0"/>
+              <a:t>AMQP Topics</a:t>
+            </a:r>
+            <a:r>
+              <a:rPr lang="en-US" sz="2000" b="1" dirty="0" smtClean="0"/>
+              <a:t>)</a:t>
+            </a:r>
+            <a:endParaRPr lang="el-GR" sz="2000" b="1" dirty="0" smtClean="0"/>
+          </a:p>
+          <a:p>
+            <a:pPr lvl="2"/>
+            <a:r>
+              <a:rPr lang="en-US" sz="1600" b="1" dirty="0" err="1"/>
+              <a:t>pedestrian.cyclist.detection.topic</a:t>
+            </a:r>
+            <a:r>
+              <a:rPr lang="en-US" sz="1600" b="1" dirty="0"/>
+              <a:t> → </a:t>
+            </a:r>
+            <a:r>
+              <a:rPr lang="el-GR" sz="1600" dirty="0"/>
+              <a:t>Λαμβάνει δεδομένα από αισθητήρες.</a:t>
+            </a:r>
+          </a:p>
+          <a:p>
+            <a:pPr lvl="2"/>
+            <a:r>
+              <a:rPr lang="en-US" sz="1600" b="1" dirty="0" err="1"/>
+              <a:t>pedestrian.cyclist.signal.topic</a:t>
+            </a:r>
+            <a:r>
+              <a:rPr lang="en-US" sz="1600" b="1" dirty="0"/>
+              <a:t> → </a:t>
+            </a:r>
+            <a:r>
+              <a:rPr lang="el-GR" sz="1600" dirty="0"/>
+              <a:t>Στέλνει εντολές στα φανάρια.</a:t>
+            </a:r>
+            <a:endParaRPr lang="el-GR" sz="1600" dirty="0" smtClean="0"/>
+          </a:p>
+          <a:p>
+            <a:pPr lvl="1"/>
+            <a:r>
+              <a:rPr lang="el-GR" sz="2000" b="1" dirty="0" smtClean="0"/>
+              <a:t>Βάσεις δεδομένων που σχετίζονται</a:t>
+            </a:r>
+          </a:p>
+          <a:p>
+            <a:pPr lvl="2"/>
+            <a:r>
+              <a:rPr lang="el-GR" sz="1600" dirty="0"/>
+              <a:t>Δεν απαιτείται αποθήκευση, λειτουργεί σε real-time.</a:t>
+            </a:r>
+            <a:endParaRPr lang="en-US" sz="1600" dirty="0" smtClean="0"/>
+          </a:p>
+        </p:txBody>
+      </p:sp>
+    </p:spTree>
+    <p:extLst>
+      <p:ext uri="{BB962C8B-B14F-4D97-AF65-F5344CB8AC3E}">
+        <p14:creationId xmlns:p14="http://schemas.microsoft.com/office/powerpoint/2010/main" val="3674584460"/>
+      </p:ext>
+    </p:extLst>
+  </p:cSld>
+  <p:clrMapOvr>
+    <a:masterClrMapping/>
+  </p:clrMapOvr>
+  <p:timing>
+    <p:tnLst>
+      <p:par>
+        <p:cTn id="1" dur="indefinite" restart="never" nodeType="tmRoot"/>
+      </p:par>
+    </p:tnLst>
+  </p:timing>
+</p:sld>
+</file>
+
+<file path=ppt/slides/slide41.xml><?xml version="1.0" encoding="utf-8"?>
+<p:sld xmlns:a="http://schemas.openxmlformats.org/drawingml/2006/main" xmlns:r="http://schemas.openxmlformats.org/officeDocument/2006/relationships" xmlns:p="http://schemas.openxmlformats.org/presentationml/2006/main">
+  <p:cSld>
+    <p:spTree>
+      <p:nvGrpSpPr>
+        <p:cNvPr id="1" name=""/>
+        <p:cNvGrpSpPr/>
+        <p:nvPr/>
+      </p:nvGrpSpPr>
+      <p:grpSpPr>
+        <a:xfrm>
+          <a:off x="0" y="0"/>
+          <a:ext cx="0" cy="0"/>
+          <a:chOff x="0" y="0"/>
+          <a:chExt cx="0" cy="0"/>
+        </a:xfrm>
+      </p:grpSpPr>
+      <p:sp>
+        <p:nvSpPr>
+          <p:cNvPr id="2" name="Title 1"/>
+          <p:cNvSpPr>
+            <a:spLocks noGrp="1"/>
+          </p:cNvSpPr>
+          <p:nvPr>
+            <p:ph type="title"/>
+          </p:nvPr>
+        </p:nvSpPr>
+        <p:spPr/>
+        <p:txBody>
+          <a:bodyPr>
+            <a:normAutofit fontScale="90000"/>
+          </a:bodyPr>
+          <a:lstStyle/>
+          <a:p>
+            <a:pPr algn="ctr"/>
+            <a:r>
+              <a:rPr lang="en-US" b="1" dirty="0" smtClean="0"/>
+              <a:t>FUNCTION – </a:t>
+            </a:r>
+            <a:r>
+              <a:rPr lang="en-US" b="1" dirty="0" err="1" smtClean="0"/>
+              <a:t>Microservices</a:t>
+            </a:r>
+            <a:r>
+              <a:rPr lang="en-US" b="1" dirty="0" smtClean="0"/>
+              <a:t> Architecture </a:t>
+            </a:r>
+            <a:r>
+              <a:rPr lang="en-US" b="1" dirty="0" smtClean="0"/>
+              <a:t>Diagram</a:t>
+            </a:r>
+            <a:br>
+              <a:rPr lang="en-US" b="1" dirty="0" smtClean="0"/>
+            </a:br>
+            <a:r>
+              <a:rPr lang="en-US" b="1" dirty="0" smtClean="0"/>
+              <a:t>SERVICES</a:t>
+            </a:r>
+            <a:endParaRPr lang="en-US" b="1" dirty="0"/>
+          </a:p>
+        </p:txBody>
+      </p:sp>
+      <p:sp>
+        <p:nvSpPr>
+          <p:cNvPr id="3" name="Content Placeholder 2"/>
+          <p:cNvSpPr>
+            <a:spLocks noGrp="1"/>
+          </p:cNvSpPr>
+          <p:nvPr>
+            <p:ph idx="1"/>
+          </p:nvPr>
+        </p:nvSpPr>
+        <p:spPr>
+          <a:xfrm>
+            <a:off x="838200" y="1825624"/>
+            <a:ext cx="10515600" cy="4591217"/>
+          </a:xfrm>
+        </p:spPr>
+        <p:txBody>
+          <a:bodyPr>
+            <a:normAutofit/>
+          </a:bodyPr>
+          <a:lstStyle/>
+          <a:p>
+            <a:r>
+              <a:rPr lang="el-GR" sz="2400" b="1" dirty="0"/>
+              <a:t>Weather Adaptive Traffic Service (Υπηρεσία Προσαρμογής Κυκλοφορίας στις Καιρικές Συνθήκες)</a:t>
+            </a:r>
+            <a:endParaRPr lang="en-US" sz="2400" b="1" dirty="0" smtClean="0"/>
+          </a:p>
+          <a:p>
+            <a:pPr lvl="1"/>
+            <a:r>
+              <a:rPr lang="el-GR" sz="2000" b="1" dirty="0" smtClean="0"/>
+              <a:t>Ρόλος</a:t>
+            </a:r>
+          </a:p>
+          <a:p>
+            <a:pPr lvl="2"/>
+            <a:r>
+              <a:rPr lang="el-GR" sz="1600" dirty="0"/>
+              <a:t>Παρακολουθεί καιρικές συνθήκες (βροχή, ομίχλη, πάγος).</a:t>
+            </a:r>
+          </a:p>
+          <a:p>
+            <a:pPr lvl="2"/>
+            <a:r>
+              <a:rPr lang="el-GR" sz="1600" dirty="0"/>
+              <a:t>Ρυθμίζει τη σηματοδότηση για καλύτερη ασφάλεια.</a:t>
+            </a:r>
+            <a:endParaRPr lang="el-GR" sz="1600" dirty="0" smtClean="0"/>
+          </a:p>
+          <a:p>
+            <a:pPr lvl="1"/>
+            <a:r>
+              <a:rPr lang="el-GR" sz="2000" b="1" dirty="0" smtClean="0"/>
+              <a:t>Τρόποι Αλληλεπίδρασης</a:t>
+            </a:r>
+            <a:r>
+              <a:rPr lang="en-US" sz="2000" b="1" dirty="0" smtClean="0"/>
+              <a:t> </a:t>
+            </a:r>
+            <a:r>
+              <a:rPr lang="el-GR" sz="2000" b="1" dirty="0" smtClean="0"/>
+              <a:t>(</a:t>
+            </a:r>
+            <a:r>
+              <a:rPr lang="en-US" sz="2000" b="1" dirty="0" smtClean="0"/>
+              <a:t>AMQP Topics)</a:t>
+            </a:r>
+            <a:endParaRPr lang="el-GR" sz="2000" b="1" dirty="0" smtClean="0"/>
+          </a:p>
+          <a:p>
+            <a:pPr lvl="2"/>
+            <a:r>
+              <a:rPr lang="en-US" sz="1600" b="1" dirty="0" err="1"/>
+              <a:t>weather.data.topic</a:t>
+            </a:r>
+            <a:r>
+              <a:rPr lang="en-US" sz="1600" b="1" dirty="0"/>
+              <a:t> → </a:t>
+            </a:r>
+            <a:r>
+              <a:rPr lang="el-GR" sz="1600" dirty="0"/>
+              <a:t>Λαμβάνει καιρικά δεδομένα από αισθητήρες.</a:t>
+            </a:r>
+          </a:p>
+          <a:p>
+            <a:pPr lvl="2"/>
+            <a:r>
+              <a:rPr lang="en-US" sz="1600" b="1" dirty="0" err="1"/>
+              <a:t>weather.adaptation.topic</a:t>
+            </a:r>
+            <a:r>
+              <a:rPr lang="en-US" sz="1600" b="1" dirty="0"/>
+              <a:t> → </a:t>
+            </a:r>
+            <a:r>
+              <a:rPr lang="el-GR" sz="1600" dirty="0"/>
+              <a:t>Στέλνει εντολές στο </a:t>
+            </a:r>
+            <a:r>
+              <a:rPr lang="en-US" sz="1600" dirty="0"/>
+              <a:t>Traffic Light Control Service.</a:t>
+            </a:r>
+            <a:endParaRPr lang="el-GR" sz="1600" dirty="0" smtClean="0"/>
+          </a:p>
+          <a:p>
+            <a:pPr lvl="1"/>
+            <a:r>
+              <a:rPr lang="el-GR" sz="2000" b="1" dirty="0" smtClean="0"/>
+              <a:t>Βάσεις δεδομένων που σχετίζονται</a:t>
+            </a:r>
+          </a:p>
+          <a:p>
+            <a:pPr lvl="2"/>
+            <a:r>
+              <a:rPr lang="el-GR" sz="1600" b="1" dirty="0"/>
+              <a:t>WeatherDB</a:t>
+            </a:r>
+            <a:r>
+              <a:rPr lang="el-GR" sz="1600" dirty="0"/>
+              <a:t> → Αποθηκεύει ιστορικά και real-time δεδομένα καιρού.</a:t>
+            </a:r>
+            <a:endParaRPr lang="en-US" sz="1600" dirty="0" smtClean="0"/>
+          </a:p>
+        </p:txBody>
+      </p:sp>
+    </p:spTree>
+    <p:extLst>
+      <p:ext uri="{BB962C8B-B14F-4D97-AF65-F5344CB8AC3E}">
+        <p14:creationId xmlns:p14="http://schemas.microsoft.com/office/powerpoint/2010/main" val="3670910698"/>
+      </p:ext>
+    </p:extLst>
+  </p:cSld>
+  <p:clrMapOvr>
+    <a:masterClrMapping/>
+  </p:clrMapOvr>
+  <p:timing>
+    <p:tnLst>
+      <p:par>
+        <p:cTn id="1" dur="indefinite" restart="never" nodeType="tmRoot"/>
+      </p:par>
+    </p:tnLst>
+  </p:timing>
+</p:sld>
+</file>
+
+<file path=ppt/slides/slide42.xml><?xml version="1.0" encoding="utf-8"?>
+<p:sld xmlns:a="http://schemas.openxmlformats.org/drawingml/2006/main" xmlns:r="http://schemas.openxmlformats.org/officeDocument/2006/relationships" xmlns:p="http://schemas.openxmlformats.org/presentationml/2006/main">
+  <p:cSld>
+    <p:spTree>
+      <p:nvGrpSpPr>
+        <p:cNvPr id="1" name=""/>
+        <p:cNvGrpSpPr/>
+        <p:nvPr/>
+      </p:nvGrpSpPr>
+      <p:grpSpPr>
+        <a:xfrm>
+          <a:off x="0" y="0"/>
+          <a:ext cx="0" cy="0"/>
+          <a:chOff x="0" y="0"/>
+          <a:chExt cx="0" cy="0"/>
+        </a:xfrm>
+      </p:grpSpPr>
+      <p:sp>
+        <p:nvSpPr>
+          <p:cNvPr id="2" name="Title 1"/>
+          <p:cNvSpPr>
+            <a:spLocks noGrp="1"/>
+          </p:cNvSpPr>
+          <p:nvPr>
+            <p:ph type="title"/>
+          </p:nvPr>
+        </p:nvSpPr>
+        <p:spPr/>
+        <p:txBody>
+          <a:bodyPr>
+            <a:normAutofit fontScale="90000"/>
+          </a:bodyPr>
+          <a:lstStyle/>
+          <a:p>
+            <a:pPr algn="ctr"/>
+            <a:r>
+              <a:rPr lang="en-US" b="1" dirty="0" smtClean="0"/>
+              <a:t>FUNCTION – </a:t>
+            </a:r>
+            <a:r>
+              <a:rPr lang="en-US" b="1" dirty="0" err="1" smtClean="0"/>
+              <a:t>Microservices</a:t>
+            </a:r>
+            <a:r>
+              <a:rPr lang="en-US" b="1" dirty="0" smtClean="0"/>
+              <a:t> Architecture </a:t>
+            </a:r>
+            <a:r>
+              <a:rPr lang="en-US" b="1" dirty="0" smtClean="0"/>
+              <a:t>Diagram</a:t>
+            </a:r>
+            <a:br>
+              <a:rPr lang="en-US" b="1" dirty="0" smtClean="0"/>
+            </a:br>
+            <a:r>
+              <a:rPr lang="en-US" b="1" dirty="0" smtClean="0"/>
+              <a:t>SERVICES</a:t>
+            </a:r>
+            <a:endParaRPr lang="en-US" b="1" dirty="0"/>
+          </a:p>
+        </p:txBody>
+      </p:sp>
+      <p:sp>
+        <p:nvSpPr>
+          <p:cNvPr id="3" name="Content Placeholder 2"/>
+          <p:cNvSpPr>
+            <a:spLocks noGrp="1"/>
+          </p:cNvSpPr>
+          <p:nvPr>
+            <p:ph idx="1"/>
+          </p:nvPr>
+        </p:nvSpPr>
+        <p:spPr>
+          <a:xfrm>
+            <a:off x="838200" y="1825624"/>
+            <a:ext cx="10515600" cy="4591217"/>
+          </a:xfrm>
+        </p:spPr>
+        <p:txBody>
+          <a:bodyPr>
+            <a:normAutofit/>
+          </a:bodyPr>
+          <a:lstStyle/>
+          <a:p>
+            <a:r>
+              <a:rPr lang="el-GR" sz="2400" b="1" dirty="0"/>
+              <a:t>Emergency Vehicle Priority Service (Υπηρεσία Προτεραιότητας Οχημάτων Έκτακτης Ανάγκης)</a:t>
+            </a:r>
+            <a:endParaRPr lang="en-US" sz="2400" b="1" dirty="0" smtClean="0"/>
+          </a:p>
+          <a:p>
+            <a:pPr lvl="1"/>
+            <a:r>
+              <a:rPr lang="el-GR" sz="2000" b="1" dirty="0" smtClean="0"/>
+              <a:t>Ρόλος</a:t>
+            </a:r>
+          </a:p>
+          <a:p>
+            <a:pPr lvl="2"/>
+            <a:r>
+              <a:rPr lang="el-GR" sz="1600" dirty="0"/>
+              <a:t>Ανιχνεύει ασθενοφόρα, πυροσβεστικά, αστυνομία μέσω GPS αισθητήρων (V2X).</a:t>
+            </a:r>
+          </a:p>
+          <a:p>
+            <a:pPr lvl="2"/>
+            <a:r>
+              <a:rPr lang="el-GR" sz="1600" dirty="0"/>
+              <a:t>Δίνει προτεραιότητα σε διασταυρώσεις.</a:t>
+            </a:r>
+            <a:endParaRPr lang="el-GR" sz="1600" dirty="0" smtClean="0"/>
+          </a:p>
+          <a:p>
+            <a:pPr lvl="1"/>
+            <a:r>
+              <a:rPr lang="el-GR" sz="2000" b="1" dirty="0" smtClean="0"/>
+              <a:t>Τρόποι Αλληλεπίδρασης</a:t>
+            </a:r>
+            <a:r>
+              <a:rPr lang="en-US" sz="2000" b="1" dirty="0" smtClean="0"/>
+              <a:t> </a:t>
+            </a:r>
+            <a:r>
+              <a:rPr lang="el-GR" sz="2000" b="1" dirty="0" smtClean="0"/>
+              <a:t>(</a:t>
+            </a:r>
+            <a:r>
+              <a:rPr lang="en-US" sz="2000" b="1" dirty="0" smtClean="0"/>
+              <a:t>AMQP Topics)</a:t>
+            </a:r>
+            <a:endParaRPr lang="el-GR" sz="2000" b="1" dirty="0" smtClean="0"/>
+          </a:p>
+          <a:p>
+            <a:pPr lvl="2"/>
+            <a:r>
+              <a:rPr lang="en-US" sz="1600" b="1" dirty="0" err="1"/>
+              <a:t>emergency.vehicle.detection.topic</a:t>
+            </a:r>
+            <a:r>
+              <a:rPr lang="en-US" sz="1600" b="1" dirty="0"/>
+              <a:t> → </a:t>
+            </a:r>
+            <a:r>
+              <a:rPr lang="el-GR" sz="1600" dirty="0"/>
+              <a:t>Λαμβάνει δεδομένα </a:t>
+            </a:r>
+            <a:r>
+              <a:rPr lang="en-US" sz="1600" dirty="0"/>
+              <a:t>GPS </a:t>
+            </a:r>
+            <a:r>
+              <a:rPr lang="el-GR" sz="1600" dirty="0"/>
+              <a:t>από οχήματα.</a:t>
+            </a:r>
+          </a:p>
+          <a:p>
+            <a:pPr lvl="2"/>
+            <a:r>
+              <a:rPr lang="en-US" sz="1600" b="1" dirty="0" err="1"/>
+              <a:t>emergency.vehicle.signal.topic</a:t>
+            </a:r>
+            <a:r>
+              <a:rPr lang="en-US" sz="1600" b="1" dirty="0"/>
+              <a:t> → </a:t>
+            </a:r>
+            <a:r>
+              <a:rPr lang="el-GR" sz="1600" dirty="0"/>
+              <a:t>Στέλνει εντολές στα φανάρια.</a:t>
+            </a:r>
+            <a:endParaRPr lang="el-GR" sz="1600" dirty="0" smtClean="0"/>
+          </a:p>
+          <a:p>
+            <a:pPr lvl="1"/>
+            <a:r>
+              <a:rPr lang="el-GR" sz="2000" b="1" dirty="0" smtClean="0"/>
+              <a:t>Βάσεις δεδομένων που σχετίζονται</a:t>
+            </a:r>
+          </a:p>
+          <a:p>
+            <a:pPr lvl="2"/>
+            <a:r>
+              <a:rPr lang="el-GR" sz="1600" dirty="0"/>
+              <a:t>Δεν απαιτείται αποθήκευση, λειτουργεί σε real-time.</a:t>
+            </a:r>
+            <a:endParaRPr lang="en-US" sz="1600" dirty="0" smtClean="0"/>
+          </a:p>
+        </p:txBody>
+      </p:sp>
+    </p:spTree>
+    <p:extLst>
+      <p:ext uri="{BB962C8B-B14F-4D97-AF65-F5344CB8AC3E}">
+        <p14:creationId xmlns:p14="http://schemas.microsoft.com/office/powerpoint/2010/main" val="93501674"/>
+      </p:ext>
+    </p:extLst>
+  </p:cSld>
+  <p:clrMapOvr>
+    <a:masterClrMapping/>
+  </p:clrMapOvr>
+  <p:timing>
+    <p:tnLst>
+      <p:par>
+        <p:cTn id="1" dur="indefinite" restart="never" nodeType="tmRoot"/>
+      </p:par>
+    </p:tnLst>
+  </p:timing>
+</p:sld>
+</file>
+
+<file path=ppt/slides/slide43.xml><?xml version="1.0" encoding="utf-8"?>
+<p:sld xmlns:a="http://schemas.openxmlformats.org/drawingml/2006/main" xmlns:r="http://schemas.openxmlformats.org/officeDocument/2006/relationships" xmlns:p="http://schemas.openxmlformats.org/presentationml/2006/main">
+  <p:cSld>
+    <p:spTree>
+      <p:nvGrpSpPr>
+        <p:cNvPr id="1" name=""/>
+        <p:cNvGrpSpPr/>
+        <p:nvPr/>
+      </p:nvGrpSpPr>
+      <p:grpSpPr>
+        <a:xfrm>
+          <a:off x="0" y="0"/>
+          <a:ext cx="0" cy="0"/>
+          <a:chOff x="0" y="0"/>
+          <a:chExt cx="0" cy="0"/>
+        </a:xfrm>
+      </p:grpSpPr>
+      <p:sp>
+        <p:nvSpPr>
+          <p:cNvPr id="2" name="Title 1"/>
+          <p:cNvSpPr>
+            <a:spLocks noGrp="1"/>
+          </p:cNvSpPr>
+          <p:nvPr>
+            <p:ph type="title"/>
+          </p:nvPr>
+        </p:nvSpPr>
+        <p:spPr/>
+        <p:txBody>
+          <a:bodyPr>
+            <a:normAutofit fontScale="90000"/>
+          </a:bodyPr>
+          <a:lstStyle/>
+          <a:p>
+            <a:pPr algn="ctr"/>
+            <a:r>
+              <a:rPr lang="en-US" b="1" dirty="0" smtClean="0"/>
+              <a:t>FUNCTION – </a:t>
+            </a:r>
+            <a:r>
+              <a:rPr lang="en-US" b="1" dirty="0" err="1" smtClean="0"/>
+              <a:t>Microservices</a:t>
+            </a:r>
+            <a:r>
+              <a:rPr lang="en-US" b="1" dirty="0" smtClean="0"/>
+              <a:t> Architecture </a:t>
+            </a:r>
+            <a:r>
+              <a:rPr lang="en-US" b="1" dirty="0" smtClean="0"/>
+              <a:t>Diagram</a:t>
+            </a:r>
+            <a:br>
+              <a:rPr lang="en-US" b="1" dirty="0" smtClean="0"/>
+            </a:br>
+            <a:r>
+              <a:rPr lang="en-US" b="1" dirty="0" smtClean="0"/>
+              <a:t>SERVICES</a:t>
+            </a:r>
+            <a:endParaRPr lang="en-US" b="1" dirty="0"/>
+          </a:p>
+        </p:txBody>
+      </p:sp>
+      <p:sp>
+        <p:nvSpPr>
+          <p:cNvPr id="3" name="Content Placeholder 2"/>
+          <p:cNvSpPr>
+            <a:spLocks noGrp="1"/>
+          </p:cNvSpPr>
+          <p:nvPr>
+            <p:ph idx="1"/>
+          </p:nvPr>
+        </p:nvSpPr>
+        <p:spPr>
+          <a:xfrm>
+            <a:off x="838200" y="1825624"/>
+            <a:ext cx="10515600" cy="4591217"/>
+          </a:xfrm>
+        </p:spPr>
+        <p:txBody>
+          <a:bodyPr>
+            <a:normAutofit/>
+          </a:bodyPr>
+          <a:lstStyle/>
+          <a:p>
+            <a:r>
+              <a:rPr lang="el-GR" sz="2400" b="1" dirty="0"/>
+              <a:t>User Management Service (Υπηρεσία Διαχείρισης Χρηστών)</a:t>
+            </a:r>
+            <a:endParaRPr lang="en-US" sz="2400" b="1" dirty="0" smtClean="0"/>
+          </a:p>
+          <a:p>
+            <a:pPr lvl="1"/>
+            <a:r>
+              <a:rPr lang="el-GR" sz="2000" b="1" dirty="0" smtClean="0"/>
+              <a:t>Ρόλος</a:t>
+            </a:r>
+          </a:p>
+          <a:p>
+            <a:pPr lvl="2"/>
+            <a:r>
+              <a:rPr lang="el-GR" sz="1600" dirty="0"/>
+              <a:t>Διαχειρίζεται την ταυτοποίηση και εξουσιοδότηση χρηστών.</a:t>
+            </a:r>
+          </a:p>
+          <a:p>
+            <a:pPr lvl="2"/>
+            <a:r>
+              <a:rPr lang="el-GR" sz="1600" dirty="0"/>
+              <a:t>Επιτρέπει μόνο σε διαχειριστές να ρυθμίζουν τα φανάρια.</a:t>
+            </a:r>
+            <a:endParaRPr lang="el-GR" sz="1600" dirty="0" smtClean="0"/>
+          </a:p>
+          <a:p>
+            <a:pPr lvl="1"/>
+            <a:r>
+              <a:rPr lang="el-GR" sz="2000" b="1" dirty="0" smtClean="0"/>
+              <a:t>Τρόποι Αλληλεπίδρασης</a:t>
+            </a:r>
+            <a:r>
+              <a:rPr lang="en-US" sz="2000" b="1" dirty="0" smtClean="0"/>
+              <a:t> </a:t>
+            </a:r>
+            <a:r>
+              <a:rPr lang="el-GR" sz="2000" b="1" dirty="0" smtClean="0"/>
+              <a:t>(</a:t>
+            </a:r>
+            <a:r>
+              <a:rPr lang="en-US" sz="2000" b="1" dirty="0" smtClean="0"/>
+              <a:t>AMQP Topics)</a:t>
+            </a:r>
+            <a:endParaRPr lang="el-GR" sz="2000" b="1" dirty="0" smtClean="0"/>
+          </a:p>
+          <a:p>
+            <a:pPr lvl="2"/>
+            <a:r>
+              <a:rPr lang="en-US" sz="1600" b="1" dirty="0" err="1"/>
+              <a:t>user.auth.topic</a:t>
+            </a:r>
+            <a:r>
+              <a:rPr lang="en-US" sz="1600" b="1" dirty="0"/>
+              <a:t> → </a:t>
+            </a:r>
+            <a:r>
+              <a:rPr lang="el-GR" sz="1600" dirty="0"/>
+              <a:t>Επεξεργάζεται αιτήματα σύνδεσης χρηστών.</a:t>
+            </a:r>
+          </a:p>
+          <a:p>
+            <a:pPr lvl="2"/>
+            <a:r>
+              <a:rPr lang="en-US" sz="1600" b="1" dirty="0" err="1"/>
+              <a:t>user.logs.topic</a:t>
+            </a:r>
+            <a:r>
+              <a:rPr lang="en-US" sz="1600" b="1" dirty="0"/>
+              <a:t> → </a:t>
+            </a:r>
+            <a:r>
+              <a:rPr lang="el-GR" sz="1600" dirty="0"/>
+              <a:t>Καταγράφει ενέργειες χρηστών στο </a:t>
+            </a:r>
+            <a:r>
+              <a:rPr lang="en-US" sz="1600" dirty="0"/>
+              <a:t>Notification Service.</a:t>
+            </a:r>
+            <a:endParaRPr lang="el-GR" sz="1600" dirty="0" smtClean="0"/>
+          </a:p>
+          <a:p>
+            <a:pPr lvl="1"/>
+            <a:r>
+              <a:rPr lang="el-GR" sz="2000" b="1" dirty="0" smtClean="0"/>
+              <a:t>Βάσεις δεδομένων που σχετίζονται</a:t>
+            </a:r>
+          </a:p>
+          <a:p>
+            <a:pPr lvl="2"/>
+            <a:r>
+              <a:rPr lang="el-GR" sz="1600" b="1" dirty="0"/>
+              <a:t>UserDB</a:t>
+            </a:r>
+            <a:r>
+              <a:rPr lang="el-GR" sz="1600" dirty="0"/>
+              <a:t> → Αποθηκεύει διαπιστευτήρια και ρόλους χρηστών.</a:t>
+            </a:r>
+            <a:endParaRPr lang="en-US" sz="1600" dirty="0" smtClean="0"/>
+          </a:p>
+        </p:txBody>
+      </p:sp>
+    </p:spTree>
+    <p:extLst>
+      <p:ext uri="{BB962C8B-B14F-4D97-AF65-F5344CB8AC3E}">
+        <p14:creationId xmlns:p14="http://schemas.microsoft.com/office/powerpoint/2010/main" val="4114613165"/>
+      </p:ext>
+    </p:extLst>
+  </p:cSld>
+  <p:clrMapOvr>
+    <a:masterClrMapping/>
+  </p:clrMapOvr>
+  <p:timing>
+    <p:tnLst>
+      <p:par>
+        <p:cTn id="1" dur="indefinite" restart="never" nodeType="tmRoot"/>
+      </p:par>
+    </p:tnLst>
+  </p:timing>
+</p:sld>
+</file>
+
+<file path=ppt/slides/slide44.xml><?xml version="1.0" encoding="utf-8"?>
+<p:sld xmlns:a="http://schemas.openxmlformats.org/drawingml/2006/main" xmlns:r="http://schemas.openxmlformats.org/officeDocument/2006/relationships" xmlns:p="http://schemas.openxmlformats.org/presentationml/2006/main">
+  <p:cSld>
+    <p:spTree>
+      <p:nvGrpSpPr>
+        <p:cNvPr id="1" name=""/>
+        <p:cNvGrpSpPr/>
+        <p:nvPr/>
+      </p:nvGrpSpPr>
+      <p:grpSpPr>
+        <a:xfrm>
+          <a:off x="0" y="0"/>
+          <a:ext cx="0" cy="0"/>
+          <a:chOff x="0" y="0"/>
+          <a:chExt cx="0" cy="0"/>
+        </a:xfrm>
+      </p:grpSpPr>
+      <p:sp>
+        <p:nvSpPr>
+          <p:cNvPr id="2" name="Title 1"/>
+          <p:cNvSpPr>
+            <a:spLocks noGrp="1"/>
+          </p:cNvSpPr>
+          <p:nvPr>
+            <p:ph type="title"/>
+          </p:nvPr>
+        </p:nvSpPr>
+        <p:spPr/>
+        <p:txBody>
+          <a:bodyPr>
+            <a:normAutofit fontScale="90000"/>
+          </a:bodyPr>
+          <a:lstStyle/>
+          <a:p>
+            <a:pPr algn="ctr"/>
+            <a:r>
+              <a:rPr lang="en-US" b="1" dirty="0" smtClean="0"/>
+              <a:t>FUNCTION – </a:t>
+            </a:r>
+            <a:r>
+              <a:rPr lang="en-US" b="1" dirty="0" err="1" smtClean="0"/>
+              <a:t>Microservices</a:t>
+            </a:r>
+            <a:r>
+              <a:rPr lang="en-US" b="1" dirty="0" smtClean="0"/>
+              <a:t> Architecture </a:t>
+            </a:r>
+            <a:r>
+              <a:rPr lang="en-US" b="1" dirty="0" smtClean="0"/>
+              <a:t>Diagram</a:t>
+            </a:r>
+            <a:br>
+              <a:rPr lang="en-US" b="1" dirty="0" smtClean="0"/>
+            </a:br>
+            <a:r>
+              <a:rPr lang="en-US" b="1" dirty="0" smtClean="0"/>
+              <a:t>SERVICES</a:t>
+            </a:r>
+            <a:endParaRPr lang="en-US" b="1" dirty="0"/>
+          </a:p>
+        </p:txBody>
+      </p:sp>
+      <p:sp>
+        <p:nvSpPr>
+          <p:cNvPr id="3" name="Content Placeholder 2"/>
+          <p:cNvSpPr>
+            <a:spLocks noGrp="1"/>
+          </p:cNvSpPr>
+          <p:nvPr>
+            <p:ph idx="1"/>
+          </p:nvPr>
+        </p:nvSpPr>
+        <p:spPr>
+          <a:xfrm>
+            <a:off x="838200" y="1825624"/>
+            <a:ext cx="10515600" cy="4591217"/>
+          </a:xfrm>
+        </p:spPr>
+        <p:txBody>
+          <a:bodyPr>
+            <a:normAutofit/>
+          </a:bodyPr>
+          <a:lstStyle/>
+          <a:p>
+            <a:r>
+              <a:rPr lang="en-US" sz="2400" b="1" dirty="0"/>
+              <a:t>Notification Service (</a:t>
+            </a:r>
+            <a:r>
+              <a:rPr lang="el-GR" sz="2400" b="1" dirty="0"/>
+              <a:t>Υπηρεσία Ειδοποιήσεων</a:t>
+            </a:r>
+            <a:r>
+              <a:rPr lang="el-GR" sz="2400" b="1" dirty="0" smtClean="0"/>
+              <a:t>)</a:t>
+            </a:r>
+            <a:endParaRPr lang="en-US" sz="2400" b="1" dirty="0" smtClean="0"/>
+          </a:p>
+          <a:p>
+            <a:pPr lvl="1"/>
+            <a:r>
+              <a:rPr lang="el-GR" sz="2000" b="1" dirty="0" smtClean="0"/>
+              <a:t>Ρόλος</a:t>
+            </a:r>
+          </a:p>
+          <a:p>
+            <a:pPr lvl="2"/>
+            <a:r>
+              <a:rPr lang="el-GR" sz="1600" dirty="0"/>
+              <a:t>Στέλνει ειδοποιήσεις στους χρήστες και τους διαχειριστές για σημαντικά συμβάντα.</a:t>
+            </a:r>
+            <a:endParaRPr lang="el-GR" sz="1600" dirty="0" smtClean="0"/>
+          </a:p>
+          <a:p>
+            <a:pPr lvl="1"/>
+            <a:r>
+              <a:rPr lang="el-GR" sz="2000" b="1" dirty="0" smtClean="0"/>
+              <a:t>Τρόποι Αλληλεπίδρασης</a:t>
+            </a:r>
+            <a:r>
+              <a:rPr lang="en-US" sz="2000" b="1" dirty="0" smtClean="0"/>
+              <a:t> </a:t>
+            </a:r>
+            <a:r>
+              <a:rPr lang="el-GR" sz="2000" b="1" dirty="0" smtClean="0"/>
+              <a:t>(</a:t>
+            </a:r>
+            <a:r>
+              <a:rPr lang="en-US" sz="2000" b="1" dirty="0" smtClean="0"/>
+              <a:t>AMQP Topics)</a:t>
+            </a:r>
+            <a:endParaRPr lang="el-GR" sz="2000" b="1" dirty="0" smtClean="0"/>
+          </a:p>
+          <a:p>
+            <a:pPr lvl="2"/>
+            <a:r>
+              <a:rPr lang="en-US" sz="1600" b="1" dirty="0" err="1"/>
+              <a:t>traffic.notification.topic</a:t>
+            </a:r>
+            <a:r>
+              <a:rPr lang="en-US" sz="1600" b="1" dirty="0"/>
+              <a:t> → </a:t>
+            </a:r>
+            <a:r>
+              <a:rPr lang="el-GR" sz="1600" dirty="0"/>
+              <a:t>Λαμβάνει ειδοποιήσεις κυκλοφορίας.</a:t>
+            </a:r>
+          </a:p>
+          <a:p>
+            <a:pPr lvl="2"/>
+            <a:r>
+              <a:rPr lang="en-US" sz="1600" b="1" dirty="0" err="1"/>
+              <a:t>weather.notification.topic</a:t>
+            </a:r>
+            <a:r>
+              <a:rPr lang="en-US" sz="1600" b="1" dirty="0"/>
+              <a:t> → </a:t>
+            </a:r>
+            <a:r>
+              <a:rPr lang="el-GR" sz="1600" dirty="0"/>
+              <a:t>Λαμβάνει ειδοποιήσεις καιρού.</a:t>
+            </a:r>
+          </a:p>
+          <a:p>
+            <a:pPr lvl="2"/>
+            <a:r>
+              <a:rPr lang="en-US" sz="1600" b="1" dirty="0" err="1"/>
+              <a:t>user.logs.topic</a:t>
+            </a:r>
+            <a:r>
+              <a:rPr lang="en-US" sz="1600" b="1" dirty="0"/>
+              <a:t> → </a:t>
+            </a:r>
+            <a:r>
+              <a:rPr lang="el-GR" sz="1600" dirty="0"/>
+              <a:t>Καταγράφει ενέργειες χρηστών.</a:t>
+            </a:r>
+            <a:endParaRPr lang="el-GR" sz="1600" dirty="0" smtClean="0"/>
+          </a:p>
+          <a:p>
+            <a:pPr lvl="1"/>
+            <a:r>
+              <a:rPr lang="el-GR" sz="2000" b="1" dirty="0" smtClean="0"/>
+              <a:t>Βάσεις δεδομένων που σχετίζονται</a:t>
+            </a:r>
+          </a:p>
+          <a:p>
+            <a:pPr lvl="2"/>
+            <a:r>
+              <a:rPr lang="el-GR" sz="1600" b="1" dirty="0"/>
+              <a:t>NotificationDB → </a:t>
+            </a:r>
+            <a:r>
+              <a:rPr lang="el-GR" sz="1600" dirty="0"/>
+              <a:t>Αποθηκεύει ειδοποιήσεις για μελλοντική αναφορά.</a:t>
+            </a:r>
+            <a:endParaRPr lang="en-US" sz="1600" dirty="0" smtClean="0"/>
+          </a:p>
+        </p:txBody>
+      </p:sp>
+    </p:spTree>
+    <p:extLst>
+      <p:ext uri="{BB962C8B-B14F-4D97-AF65-F5344CB8AC3E}">
+        <p14:creationId xmlns:p14="http://schemas.microsoft.com/office/powerpoint/2010/main" val="899633491"/>
+      </p:ext>
+    </p:extLst>
+  </p:cSld>
+  <p:clrMapOvr>
+    <a:masterClrMapping/>
+  </p:clrMapOvr>
+  <p:timing>
+    <p:tnLst>
+      <p:par>
+        <p:cTn id="1" dur="indefinite" restart="never" nodeType="tmRoot"/>
+      </p:par>
+    </p:tnLst>
+  </p:timing>
+</p:sld>
+</file>
+
+<file path=ppt/slides/slide45.xml><?xml version="1.0" encoding="utf-8"?>
+<p:sld xmlns:a="http://schemas.openxmlformats.org/drawingml/2006/main" xmlns:r="http://schemas.openxmlformats.org/officeDocument/2006/relationships" xmlns:p="http://schemas.openxmlformats.org/presentationml/2006/main">
+  <p:cSld>
+    <p:spTree>
+      <p:nvGrpSpPr>
+        <p:cNvPr id="1" name=""/>
+        <p:cNvGrpSpPr/>
+        <p:nvPr/>
+      </p:nvGrpSpPr>
+      <p:grpSpPr>
+        <a:xfrm>
+          <a:off x="0" y="0"/>
+          <a:ext cx="0" cy="0"/>
+          <a:chOff x="0" y="0"/>
+          <a:chExt cx="0" cy="0"/>
+        </a:xfrm>
+      </p:grpSpPr>
+      <p:sp>
+        <p:nvSpPr>
+          <p:cNvPr id="2" name="Title 1"/>
+          <p:cNvSpPr>
+            <a:spLocks noGrp="1"/>
+          </p:cNvSpPr>
+          <p:nvPr>
+            <p:ph type="title"/>
+          </p:nvPr>
+        </p:nvSpPr>
+        <p:spPr/>
+        <p:txBody>
+          <a:bodyPr/>
+          <a:lstStyle/>
+          <a:p>
+            <a:r>
+              <a:rPr lang="en-US" b="1" dirty="0" smtClean="0"/>
+              <a:t>NETWORK – UML Deployment Diagram</a:t>
+            </a:r>
+            <a:endParaRPr lang="en-US" b="1" dirty="0"/>
+          </a:p>
+        </p:txBody>
+      </p:sp>
+      <p:sp>
+        <p:nvSpPr>
+          <p:cNvPr id="3" name="Content Placeholder 2"/>
+          <p:cNvSpPr>
+            <a:spLocks noGrp="1"/>
+          </p:cNvSpPr>
+          <p:nvPr>
+            <p:ph idx="1"/>
+          </p:nvPr>
+        </p:nvSpPr>
+        <p:spPr>
+          <a:xfrm>
+            <a:off x="838200" y="1825624"/>
+            <a:ext cx="10515600" cy="4591217"/>
+          </a:xfrm>
+        </p:spPr>
+        <p:txBody>
+          <a:bodyPr>
+            <a:normAutofit/>
+          </a:bodyPr>
+          <a:lstStyle/>
+          <a:p>
+            <a:r>
+              <a:rPr lang="el-GR" sz="2400" b="1" dirty="0" smtClean="0"/>
+              <a:t>Γιατί το επιλέξαμε:</a:t>
+            </a:r>
+            <a:r>
+              <a:rPr lang="el-GR" sz="2400" dirty="0"/>
+              <a:t> </a:t>
+            </a:r>
+            <a:r>
+              <a:rPr lang="el-GR" sz="2400" dirty="0" smtClean="0"/>
+              <a:t>Το έξυπνο σύστημα φαναριών λειτουργεί </a:t>
+            </a:r>
+            <a:r>
+              <a:rPr lang="el-GR" sz="2400" dirty="0"/>
+              <a:t>σε ένα </a:t>
+            </a:r>
+            <a:r>
+              <a:rPr lang="el-GR" sz="2400" dirty="0" smtClean="0"/>
+              <a:t>μοντέλο </a:t>
+            </a:r>
+            <a:r>
+              <a:rPr lang="en-US" sz="2400" dirty="0" smtClean="0"/>
+              <a:t>edge computing</a:t>
+            </a:r>
+            <a:r>
+              <a:rPr lang="el-GR" sz="2400" dirty="0" smtClean="0"/>
+              <a:t> </a:t>
+            </a:r>
+            <a:r>
+              <a:rPr lang="el-GR" sz="2400" dirty="0"/>
+              <a:t>με αισθητήρες στους δρόμους, κέντρα ελέγχου της κυκλοφορίας και επεξεργασία στο cloud για προβλέψεις τεχνητής νοημοσύνης.</a:t>
+            </a:r>
+            <a:endParaRPr lang="en-US" sz="2400" dirty="0" smtClean="0"/>
+          </a:p>
+          <a:p>
+            <a:r>
+              <a:rPr lang="el-GR" sz="2400" b="1" dirty="0" smtClean="0"/>
+              <a:t>Χρήση:</a:t>
+            </a:r>
+            <a:r>
+              <a:rPr lang="el-GR" sz="2400" dirty="0"/>
+              <a:t> Απεικονίζει τον τρόπο με τον οποίο το σύστημα αναπτύσσεται σε διαφορετικά περιβάλλοντα (cloud, edge computing, </a:t>
+            </a:r>
+            <a:r>
+              <a:rPr lang="el-GR" sz="2400" dirty="0" smtClean="0"/>
+              <a:t>IoT</a:t>
+            </a:r>
+            <a:r>
+              <a:rPr lang="en-US" sz="2400" dirty="0" smtClean="0"/>
+              <a:t> gateways</a:t>
+            </a:r>
+            <a:r>
+              <a:rPr lang="el-GR" sz="2400" dirty="0" smtClean="0"/>
+              <a:t>), </a:t>
+            </a:r>
+            <a:r>
+              <a:rPr lang="el-GR" sz="2400" dirty="0"/>
+              <a:t>εξασφαλίζοντας αποτελεσματική επεξεργασία και λήψη αποφάσεων.</a:t>
+            </a:r>
+            <a:endParaRPr lang="en-US" sz="2400" dirty="0" smtClean="0"/>
+          </a:p>
+        </p:txBody>
+      </p:sp>
+    </p:spTree>
+    <p:extLst>
+      <p:ext uri="{BB962C8B-B14F-4D97-AF65-F5344CB8AC3E}">
+        <p14:creationId xmlns:p14="http://schemas.microsoft.com/office/powerpoint/2010/main" val="2942818509"/>
+      </p:ext>
+    </p:extLst>
+  </p:cSld>
+  <p:clrMapOvr>
+    <a:masterClrMapping/>
+  </p:clrMapOvr>
+  <p:timing>
+    <p:tnLst>
+      <p:par>
+        <p:cTn id="1" dur="indefinite" restart="never" nodeType="tmRoot"/>
+      </p:par>
+    </p:tnLst>
+  </p:timing>
+</p:sld>
+</file>
+
+<file path=ppt/slides/slide46.xml><?xml version="1.0" encoding="utf-8"?>
+<p:sld xmlns:a="http://schemas.openxmlformats.org/drawingml/2006/main" xmlns:r="http://schemas.openxmlformats.org/officeDocument/2006/relationships" xmlns:p="http://schemas.openxmlformats.org/presentationml/2006/main">
+  <p:cSld>
+    <p:spTree>
+      <p:nvGrpSpPr>
+        <p:cNvPr id="1" name=""/>
+        <p:cNvGrpSpPr/>
+        <p:nvPr/>
+      </p:nvGrpSpPr>
+      <p:grpSpPr>
+        <a:xfrm>
+          <a:off x="0" y="0"/>
+          <a:ext cx="0" cy="0"/>
+          <a:chOff x="0" y="0"/>
+          <a:chExt cx="0" cy="0"/>
+        </a:xfrm>
+      </p:grpSpPr>
+      <p:sp>
+        <p:nvSpPr>
+          <p:cNvPr id="2" name="Title 1"/>
+          <p:cNvSpPr>
+            <a:spLocks noGrp="1"/>
+          </p:cNvSpPr>
+          <p:nvPr>
+            <p:ph type="title"/>
+          </p:nvPr>
+        </p:nvSpPr>
+        <p:spPr/>
+        <p:txBody>
+          <a:bodyPr/>
+          <a:lstStyle/>
+          <a:p>
+            <a:r>
+              <a:rPr lang="en-US" b="1" dirty="0" smtClean="0"/>
+              <a:t>PEOPLE – UML Sequence Diagram</a:t>
+            </a:r>
+            <a:endParaRPr lang="en-US" b="1" dirty="0"/>
+          </a:p>
+        </p:txBody>
+      </p:sp>
+      <p:sp>
+        <p:nvSpPr>
+          <p:cNvPr id="3" name="Content Placeholder 2"/>
+          <p:cNvSpPr>
+            <a:spLocks noGrp="1"/>
+          </p:cNvSpPr>
+          <p:nvPr>
+            <p:ph idx="1"/>
+          </p:nvPr>
+        </p:nvSpPr>
+        <p:spPr>
+          <a:xfrm>
+            <a:off x="838200" y="1825624"/>
+            <a:ext cx="10515600" cy="4591217"/>
+          </a:xfrm>
+        </p:spPr>
+        <p:txBody>
+          <a:bodyPr>
+            <a:normAutofit/>
+          </a:bodyPr>
+          <a:lstStyle/>
+          <a:p>
+            <a:r>
+              <a:rPr lang="el-GR" sz="2400" b="1" dirty="0" smtClean="0"/>
+              <a:t>Γιατί </a:t>
+            </a:r>
+            <a:r>
+              <a:rPr lang="el-GR" sz="2400" b="1" dirty="0"/>
+              <a:t>το επιλέξαμε:</a:t>
+            </a:r>
+            <a:r>
+              <a:rPr lang="el-GR" sz="2400" dirty="0"/>
+              <a:t> Το σύστημα περιλαμβάνει πολλαπλές αλληλεπιδράσεις σε πραγματικό χρόνο μεταξύ αισθητήρων, βάσεων δεδομένων, </a:t>
+            </a:r>
+            <a:r>
+              <a:rPr lang="el-GR" sz="2400" dirty="0" smtClean="0"/>
+              <a:t>μικρο</a:t>
+            </a:r>
+            <a:r>
+              <a:rPr lang="el-GR" sz="2400" dirty="0"/>
+              <a:t>ϋ</a:t>
+            </a:r>
+            <a:r>
+              <a:rPr lang="el-GR" sz="2400" dirty="0" smtClean="0"/>
+              <a:t>πηρεσιών </a:t>
+            </a:r>
+            <a:r>
+              <a:rPr lang="el-GR" sz="2400" dirty="0"/>
+              <a:t>και λογικής ελέγχου της κυκλοφορίας</a:t>
+            </a:r>
+            <a:r>
+              <a:rPr lang="el-GR" sz="2400" dirty="0" smtClean="0"/>
+              <a:t>.</a:t>
+            </a:r>
+            <a:endParaRPr lang="en-US" sz="2400" dirty="0" smtClean="0"/>
+          </a:p>
+          <a:p>
+            <a:r>
+              <a:rPr lang="el-GR" sz="2400" b="1" dirty="0" smtClean="0"/>
+              <a:t>Χρήση</a:t>
+            </a:r>
+            <a:r>
+              <a:rPr lang="el-GR" sz="2400" b="1" dirty="0"/>
+              <a:t>:</a:t>
+            </a:r>
+            <a:r>
+              <a:rPr lang="el-GR" sz="2400" dirty="0"/>
+              <a:t> Αναπαριστά τη ροή των μηνυμάτων μεταξύ των στοιχείων του συστήματος (π.χ., ο αισθητήρας ανιχνεύει την κυκλοφορία → στέλνει δεδομένα σε </a:t>
+            </a:r>
+            <a:r>
+              <a:rPr lang="en-US" sz="2400" dirty="0" smtClean="0"/>
+              <a:t>remote server </a:t>
+            </a:r>
+            <a:r>
+              <a:rPr lang="el-GR" sz="2400" dirty="0" smtClean="0"/>
+              <a:t>στο </a:t>
+            </a:r>
+            <a:r>
+              <a:rPr lang="en-US" sz="2400" dirty="0" smtClean="0"/>
+              <a:t>cloud</a:t>
+            </a:r>
+            <a:r>
+              <a:rPr lang="el-GR" sz="2400" dirty="0" smtClean="0"/>
+              <a:t> </a:t>
+            </a:r>
+            <a:r>
+              <a:rPr lang="el-GR" sz="2400" dirty="0"/>
+              <a:t>→ η ΤΝ προβλέπει τη συμφόρηση → προσαρμόζει τα φανάρια). Αυτό βοηθά στη βελτιστοποίηση της καθυστέρησης και της επικοινωνίας.</a:t>
+            </a:r>
+            <a:endParaRPr lang="en-US" sz="2400" dirty="0" smtClean="0"/>
+          </a:p>
+        </p:txBody>
+      </p:sp>
+    </p:spTree>
+    <p:extLst>
+      <p:ext uri="{BB962C8B-B14F-4D97-AF65-F5344CB8AC3E}">
+        <p14:creationId xmlns:p14="http://schemas.microsoft.com/office/powerpoint/2010/main" val="3252582610"/>
+      </p:ext>
+    </p:extLst>
+  </p:cSld>
+  <p:clrMapOvr>
+    <a:masterClrMapping/>
+  </p:clrMapOvr>
+  <p:timing>
+    <p:tnLst>
+      <p:par>
+        <p:cTn id="1" dur="indefinite" restart="never" nodeType="tmRoot"/>
+      </p:par>
+    </p:tnLst>
+  </p:timing>
+</p:sld>
+</file>
+
+<file path=ppt/slides/slide47.xml><?xml version="1.0" encoding="utf-8"?>
+<p:sld xmlns:a="http://schemas.openxmlformats.org/drawingml/2006/main" xmlns:r="http://schemas.openxmlformats.org/officeDocument/2006/relationships" xmlns:p="http://schemas.openxmlformats.org/presentationml/2006/main">
+  <p:cSld>
+    <p:spTree>
+      <p:nvGrpSpPr>
+        <p:cNvPr id="1" name=""/>
+        <p:cNvGrpSpPr/>
+        <p:nvPr/>
+      </p:nvGrpSpPr>
+      <p:grpSpPr>
+        <a:xfrm>
+          <a:off x="0" y="0"/>
+          <a:ext cx="0" cy="0"/>
+          <a:chOff x="0" y="0"/>
+          <a:chExt cx="0" cy="0"/>
+        </a:xfrm>
+      </p:grpSpPr>
+      <p:sp>
+        <p:nvSpPr>
+          <p:cNvPr id="3" name="Content Placeholder 2"/>
+          <p:cNvSpPr>
+            <a:spLocks noGrp="1"/>
+          </p:cNvSpPr>
+          <p:nvPr>
+            <p:ph idx="1"/>
+          </p:nvPr>
+        </p:nvSpPr>
+        <p:spPr/>
+        <p:txBody>
+          <a:bodyPr>
+            <a:normAutofit/>
+          </a:bodyPr>
+          <a:lstStyle/>
+          <a:p>
+            <a:pPr marL="0" indent="0" algn="ctr">
+              <a:buNone/>
+            </a:pPr>
+            <a:endParaRPr lang="el-GR" sz="3200" dirty="0" smtClean="0">
+              <a:effectLst>
+                <a:outerShdw blurRad="38100" dist="38100" dir="2700000" algn="tl">
+                  <a:srgbClr val="000000">
+                    <a:alpha val="43137"/>
+                  </a:srgbClr>
+                </a:outerShdw>
+              </a:effectLst>
+            </a:endParaRPr>
+          </a:p>
+          <a:p>
+            <a:pPr marL="0" indent="0" algn="ctr">
+              <a:buNone/>
+            </a:pPr>
+            <a:endParaRPr lang="el-GR" sz="3200" dirty="0">
+              <a:effectLst>
+                <a:outerShdw blurRad="38100" dist="38100" dir="2700000" algn="tl">
+                  <a:srgbClr val="000000">
+                    <a:alpha val="43137"/>
+                  </a:srgbClr>
+                </a:outerShdw>
+              </a:effectLst>
+            </a:endParaRPr>
+          </a:p>
+          <a:p>
+            <a:pPr marL="0" indent="0" algn="ctr">
+              <a:buNone/>
+            </a:pPr>
+            <a:r>
+              <a:rPr lang="el-GR" sz="3200" dirty="0" smtClean="0">
+                <a:effectLst>
+                  <a:outerShdw blurRad="38100" dist="38100" dir="2700000" algn="tl">
+                    <a:srgbClr val="000000">
+                      <a:alpha val="43137"/>
+                    </a:srgbClr>
+                  </a:outerShdw>
+                </a:effectLst>
+              </a:rPr>
+              <a:t>Σας ευχαριστώ για την προσοχή σας.</a:t>
+            </a:r>
+            <a:endParaRPr lang="en-US" sz="3200" dirty="0">
+              <a:effectLst>
+                <a:outerShdw blurRad="38100" dist="38100" dir="2700000" algn="tl">
+                  <a:srgbClr val="000000">
+                    <a:alpha val="43137"/>
+                  </a:srgbClr>
+                </a:outerShdw>
+              </a:effectLst>
+            </a:endParaRPr>
+          </a:p>
+        </p:txBody>
+      </p:sp>
+    </p:spTree>
+    <p:extLst>
+      <p:ext uri="{BB962C8B-B14F-4D97-AF65-F5344CB8AC3E}">
+        <p14:creationId xmlns:p14="http://schemas.microsoft.com/office/powerpoint/2010/main" val="3113216030"/>
       </p:ext>
     </p:extLst>
   </p:cSld>

--- a/Presentation.pptx
+++ b/Presentation.pptx
@@ -289,7 +289,7 @@
           <a:p>
             <a:fld id="{7984FAF3-4BF0-4EBE-AF03-EDB583BD7E9E}" type="datetimeFigureOut">
               <a:rPr lang="en-US" smtClean="0"/>
-              <a:t>3/9/2025</a:t>
+              <a:t>3/10/2025</a:t>
             </a:fld>
             <a:endParaRPr lang="en-US"/>
           </a:p>
@@ -459,7 +459,7 @@
           <a:p>
             <a:fld id="{7984FAF3-4BF0-4EBE-AF03-EDB583BD7E9E}" type="datetimeFigureOut">
               <a:rPr lang="en-US" smtClean="0"/>
-              <a:t>3/9/2025</a:t>
+              <a:t>3/10/2025</a:t>
             </a:fld>
             <a:endParaRPr lang="en-US"/>
           </a:p>
@@ -639,7 +639,7 @@
           <a:p>
             <a:fld id="{7984FAF3-4BF0-4EBE-AF03-EDB583BD7E9E}" type="datetimeFigureOut">
               <a:rPr lang="en-US" smtClean="0"/>
-              <a:t>3/9/2025</a:t>
+              <a:t>3/10/2025</a:t>
             </a:fld>
             <a:endParaRPr lang="en-US"/>
           </a:p>
@@ -809,7 +809,7 @@
           <a:p>
             <a:fld id="{7984FAF3-4BF0-4EBE-AF03-EDB583BD7E9E}" type="datetimeFigureOut">
               <a:rPr lang="en-US" smtClean="0"/>
-              <a:t>3/9/2025</a:t>
+              <a:t>3/10/2025</a:t>
             </a:fld>
             <a:endParaRPr lang="en-US"/>
           </a:p>
@@ -1055,7 +1055,7 @@
           <a:p>
             <a:fld id="{7984FAF3-4BF0-4EBE-AF03-EDB583BD7E9E}" type="datetimeFigureOut">
               <a:rPr lang="en-US" smtClean="0"/>
-              <a:t>3/9/2025</a:t>
+              <a:t>3/10/2025</a:t>
             </a:fld>
             <a:endParaRPr lang="en-US"/>
           </a:p>
@@ -1287,7 +1287,7 @@
           <a:p>
             <a:fld id="{7984FAF3-4BF0-4EBE-AF03-EDB583BD7E9E}" type="datetimeFigureOut">
               <a:rPr lang="en-US" smtClean="0"/>
-              <a:t>3/9/2025</a:t>
+              <a:t>3/10/2025</a:t>
             </a:fld>
             <a:endParaRPr lang="en-US"/>
           </a:p>
@@ -1654,7 +1654,7 @@
           <a:p>
             <a:fld id="{7984FAF3-4BF0-4EBE-AF03-EDB583BD7E9E}" type="datetimeFigureOut">
               <a:rPr lang="en-US" smtClean="0"/>
-              <a:t>3/9/2025</a:t>
+              <a:t>3/10/2025</a:t>
             </a:fld>
             <a:endParaRPr lang="en-US"/>
           </a:p>
@@ -1772,7 +1772,7 @@
           <a:p>
             <a:fld id="{7984FAF3-4BF0-4EBE-AF03-EDB583BD7E9E}" type="datetimeFigureOut">
               <a:rPr lang="en-US" smtClean="0"/>
-              <a:t>3/9/2025</a:t>
+              <a:t>3/10/2025</a:t>
             </a:fld>
             <a:endParaRPr lang="en-US"/>
           </a:p>
@@ -1867,7 +1867,7 @@
           <a:p>
             <a:fld id="{7984FAF3-4BF0-4EBE-AF03-EDB583BD7E9E}" type="datetimeFigureOut">
               <a:rPr lang="en-US" smtClean="0"/>
-              <a:t>3/9/2025</a:t>
+              <a:t>3/10/2025</a:t>
             </a:fld>
             <a:endParaRPr lang="en-US"/>
           </a:p>
@@ -2144,7 +2144,7 @@
           <a:p>
             <a:fld id="{7984FAF3-4BF0-4EBE-AF03-EDB583BD7E9E}" type="datetimeFigureOut">
               <a:rPr lang="en-US" smtClean="0"/>
-              <a:t>3/9/2025</a:t>
+              <a:t>3/10/2025</a:t>
             </a:fld>
             <a:endParaRPr lang="en-US"/>
           </a:p>
@@ -2397,7 +2397,7 @@
           <a:p>
             <a:fld id="{7984FAF3-4BF0-4EBE-AF03-EDB583BD7E9E}" type="datetimeFigureOut">
               <a:rPr lang="en-US" smtClean="0"/>
-              <a:t>3/9/2025</a:t>
+              <a:t>3/10/2025</a:t>
             </a:fld>
             <a:endParaRPr lang="en-US"/>
           </a:p>
@@ -2610,7 +2610,7 @@
           <a:p>
             <a:fld id="{7984FAF3-4BF0-4EBE-AF03-EDB583BD7E9E}" type="datetimeFigureOut">
               <a:rPr lang="en-US" smtClean="0"/>
-              <a:t>3/9/2025</a:t>
+              <a:t>3/10/2025</a:t>
             </a:fld>
             <a:endParaRPr lang="en-US"/>
           </a:p>
@@ -16034,28 +16034,9 @@
           <a:chExt cx="0" cy="0"/>
         </a:xfrm>
       </p:grpSpPr>
-      <p:sp>
-        <p:nvSpPr>
-          <p:cNvPr id="2" name="Title 1"/>
-          <p:cNvSpPr>
-            <a:spLocks noGrp="1"/>
-          </p:cNvSpPr>
-          <p:nvPr>
-            <p:ph type="title"/>
-          </p:nvPr>
-        </p:nvSpPr>
-        <p:spPr/>
-        <p:txBody>
-          <a:bodyPr/>
-          <a:lstStyle/>
-          <a:p>
-            <a:endParaRPr lang="en-US" b="1" dirty="0"/>
-          </a:p>
-        </p:txBody>
-      </p:sp>
       <p:pic>
         <p:nvPicPr>
-          <p:cNvPr id="4" name="Content Placeholder 3"/>
+          <p:cNvPr id="7" name="Content Placeholder 6"/>
           <p:cNvPicPr>
             <a:picLocks noGrp="1" noChangeAspect="1"/>
           </p:cNvPicPr>
@@ -16077,8 +16058,8 @@
         </p:blipFill>
         <p:spPr>
           <a:xfrm>
-            <a:off x="1873135" y="84515"/>
-            <a:ext cx="8445730" cy="6773485"/>
+            <a:off x="1853739" y="37186"/>
+            <a:ext cx="8454044" cy="6780153"/>
           </a:xfrm>
         </p:spPr>
       </p:pic>
@@ -16147,11 +16128,7 @@
             </a:r>
             <a:r>
               <a:rPr lang="en-US" b="1" dirty="0" smtClean="0"/>
-              <a:t> Architecture </a:t>
-            </a:r>
-            <a:r>
-              <a:rPr lang="en-US" b="1" dirty="0" smtClean="0"/>
-              <a:t>Diagram</a:t>
+              <a:t> Architecture Diagram</a:t>
             </a:r>
             <a:br>
               <a:rPr lang="en-US" b="1" dirty="0" smtClean="0"/>
@@ -16398,11 +16375,7 @@
             </a:r>
             <a:r>
               <a:rPr lang="en-US" b="1" dirty="0" smtClean="0"/>
-              <a:t> Architecture </a:t>
-            </a:r>
-            <a:r>
-              <a:rPr lang="en-US" b="1" dirty="0" smtClean="0"/>
-              <a:t>Diagram</a:t>
+              <a:t> Architecture Diagram</a:t>
             </a:r>
             <a:br>
               <a:rPr lang="en-US" b="1" dirty="0" smtClean="0"/>
@@ -16652,11 +16625,7 @@
             </a:r>
             <a:r>
               <a:rPr lang="en-US" b="1" dirty="0" smtClean="0"/>
-              <a:t> Architecture </a:t>
-            </a:r>
-            <a:r>
-              <a:rPr lang="en-US" b="1" dirty="0" smtClean="0"/>
-              <a:t>Diagram</a:t>
+              <a:t> Architecture Diagram</a:t>
             </a:r>
             <a:br>
               <a:rPr lang="en-US" b="1" dirty="0" smtClean="0"/>
@@ -16712,14 +16681,30 @@
             <a:pPr lvl="2"/>
             <a:r>
               <a:rPr lang="el-GR" sz="1600" dirty="0"/>
-              <a:t>Επιτρέπουν στα οχήματα έκτακτης ανάγκης (ασθενοφόρα, πυροσβεστικά, αστυνομία) να προτεραιοποιούνται αυτόματα από τα φανάρια.</a:t>
+              <a:t>Επιτρέπουν στα οχήματα έκτακτης ανάγκης (ασθενοφόρα, πυροσβεστικά, αστυνομία) </a:t>
+            </a:r>
+            <a:r>
+              <a:rPr lang="el-GR" sz="1600" dirty="0" smtClean="0"/>
+              <a:t>να αποκτούν προτεραιότητα αυτόματα </a:t>
+            </a:r>
+            <a:r>
+              <a:rPr lang="el-GR" sz="1600" dirty="0"/>
+              <a:t>από τα φανάρια.</a:t>
             </a:r>
           </a:p>
           <a:p>
             <a:pPr lvl="2"/>
             <a:r>
               <a:rPr lang="el-GR" sz="1600" dirty="0"/>
-              <a:t>Στέλνουν δεδομένα θέσης μέσω V2X (Vehicle-to-Everything) Communication.</a:t>
+              <a:t>Στέλνουν δεδομένα θέσης μέσω V2X (Vehicle-to-Everything) </a:t>
+            </a:r>
+            <a:r>
+              <a:rPr lang="el-GR" sz="1600" dirty="0" smtClean="0"/>
+              <a:t>επικοινωνίας</a:t>
+            </a:r>
+            <a:r>
+              <a:rPr lang="el-GR" sz="1600" dirty="0" smtClean="0"/>
+              <a:t>.</a:t>
             </a:r>
             <a:endParaRPr lang="el-GR" sz="1600" dirty="0" smtClean="0"/>
           </a:p>
@@ -16876,11 +16861,7 @@
             </a:r>
             <a:r>
               <a:rPr lang="en-US" b="1" dirty="0" smtClean="0"/>
-              <a:t> Architecture </a:t>
-            </a:r>
-            <a:r>
-              <a:rPr lang="en-US" b="1" dirty="0" smtClean="0"/>
-              <a:t>Diagram</a:t>
+              <a:t> Architecture Diagram</a:t>
             </a:r>
             <a:br>
               <a:rPr lang="en-US" b="1" dirty="0" smtClean="0"/>
@@ -17111,11 +17092,7 @@
             </a:r>
             <a:r>
               <a:rPr lang="en-US" b="1" dirty="0" smtClean="0"/>
-              <a:t> Architecture </a:t>
-            </a:r>
-            <a:r>
-              <a:rPr lang="en-US" b="1" dirty="0" smtClean="0"/>
-              <a:t>Diagram</a:t>
+              <a:t> Architecture Diagram</a:t>
             </a:r>
             <a:br>
               <a:rPr lang="en-US" b="1" dirty="0" smtClean="0"/>
@@ -17275,7 +17252,35 @@
             </a:r>
             <a:r>
               <a:rPr lang="el-GR" sz="1600" dirty="0"/>
-              <a:t>Δημοσιεύει την κατάσταση των φαναριών.</a:t>
+              <a:t>Δημοσιεύει την κατάσταση των φαναριών</a:t>
+            </a:r>
+            <a:r>
+              <a:rPr lang="el-GR" sz="1600" dirty="0" smtClean="0"/>
+              <a:t>.</a:t>
+            </a:r>
+            <a:endParaRPr lang="en-US" sz="1600" dirty="0" smtClean="0"/>
+          </a:p>
+          <a:p>
+            <a:pPr lvl="2"/>
+            <a:r>
+              <a:rPr lang="el-GR" sz="1600" b="1" dirty="0"/>
+              <a:t>traffic.light.command.topic</a:t>
+            </a:r>
+            <a:r>
+              <a:rPr lang="el-GR" sz="1600" dirty="0"/>
+              <a:t> → </a:t>
+            </a:r>
+            <a:r>
+              <a:rPr lang="el-GR" sz="1600" dirty="0" smtClean="0"/>
+              <a:t>Δημοσιεύει </a:t>
+            </a:r>
+            <a:r>
+              <a:rPr lang="el-GR" sz="1600" dirty="0"/>
+              <a:t>εντολές αλλαγής σηματοδότησης </a:t>
+            </a:r>
+            <a:r>
+              <a:rPr lang="el-GR" sz="1600" dirty="0" smtClean="0"/>
+              <a:t>στα έξυπνα φανάρια.</a:t>
             </a:r>
             <a:endParaRPr lang="el-GR" sz="1600" dirty="0" smtClean="0"/>
           </a:p>
@@ -17361,11 +17366,7 @@
             </a:r>
             <a:r>
               <a:rPr lang="en-US" b="1" dirty="0" smtClean="0"/>
-              <a:t> Architecture </a:t>
-            </a:r>
-            <a:r>
-              <a:rPr lang="en-US" b="1" dirty="0" smtClean="0"/>
-              <a:t>Diagram</a:t>
+              <a:t> Architecture Diagram</a:t>
             </a:r>
             <a:br>
               <a:rPr lang="en-US" b="1" dirty="0" smtClean="0"/>
@@ -17476,7 +17477,15 @@
             </a:r>
             <a:r>
               <a:rPr lang="el-GR" sz="1600" dirty="0"/>
-              <a:t>Λαμβάνει ακατέργαστα δεδομένα από αισθητήρες.</a:t>
+              <a:t>Λαμβάνει </a:t>
+            </a:r>
+            <a:r>
+              <a:rPr lang="el-GR" sz="1600" dirty="0" smtClean="0"/>
+              <a:t>δεδομένα </a:t>
+            </a:r>
+            <a:r>
+              <a:rPr lang="el-GR" sz="1600" dirty="0"/>
+              <a:t>από αισθητήρες.</a:t>
             </a:r>
           </a:p>
           <a:p>
@@ -17690,11 +17699,7 @@
             </a:r>
             <a:r>
               <a:rPr lang="en-US" b="1" dirty="0" smtClean="0"/>
-              <a:t> Architecture </a:t>
-            </a:r>
-            <a:r>
-              <a:rPr lang="en-US" b="1" dirty="0" smtClean="0"/>
-              <a:t>Diagram</a:t>
+              <a:t> Architecture Diagram</a:t>
             </a:r>
             <a:br>
               <a:rPr lang="en-US" b="1" dirty="0" smtClean="0"/>
@@ -17898,11 +17903,7 @@
             </a:r>
             <a:r>
               <a:rPr lang="en-US" b="1" dirty="0" smtClean="0"/>
-              <a:t> Architecture </a:t>
-            </a:r>
-            <a:r>
-              <a:rPr lang="en-US" b="1" dirty="0" smtClean="0"/>
-              <a:t>Diagram</a:t>
+              <a:t> Architecture Diagram</a:t>
             </a:r>
             <a:br>
               <a:rPr lang="en-US" b="1" dirty="0" smtClean="0"/>
@@ -18106,11 +18107,7 @@
             </a:r>
             <a:r>
               <a:rPr lang="en-US" b="1" dirty="0" smtClean="0"/>
-              <a:t> Architecture </a:t>
-            </a:r>
-            <a:r>
-              <a:rPr lang="en-US" b="1" dirty="0" smtClean="0"/>
-              <a:t>Diagram</a:t>
+              <a:t> Architecture Diagram</a:t>
             </a:r>
             <a:br>
               <a:rPr lang="en-US" b="1" dirty="0" smtClean="0"/>
@@ -18314,11 +18311,7 @@
             </a:r>
             <a:r>
               <a:rPr lang="en-US" b="1" dirty="0" smtClean="0"/>
-              <a:t> Architecture </a:t>
-            </a:r>
-            <a:r>
-              <a:rPr lang="en-US" b="1" dirty="0" smtClean="0"/>
-              <a:t>Diagram</a:t>
+              <a:t> Architecture Diagram</a:t>
             </a:r>
             <a:br>
               <a:rPr lang="en-US" b="1" dirty="0" smtClean="0"/>
@@ -18522,11 +18515,7 @@
             </a:r>
             <a:r>
               <a:rPr lang="en-US" b="1" dirty="0" smtClean="0"/>
-              <a:t> Architecture </a:t>
-            </a:r>
-            <a:r>
-              <a:rPr lang="en-US" b="1" dirty="0" smtClean="0"/>
-              <a:t>Diagram</a:t>
+              <a:t> Architecture Diagram</a:t>
             </a:r>
             <a:br>
               <a:rPr lang="en-US" b="1" dirty="0" smtClean="0"/>
@@ -18652,7 +18641,23 @@
             </a:r>
             <a:r>
               <a:rPr lang="el-GR" sz="1600" dirty="0"/>
-              <a:t>Καταγράφει ενέργειες χρηστών.</a:t>
+              <a:t>Καταγράφει ενέργειες χρηστών</a:t>
+            </a:r>
+            <a:r>
+              <a:rPr lang="el-GR" sz="1600" dirty="0" smtClean="0"/>
+              <a:t>.</a:t>
+            </a:r>
+            <a:endParaRPr lang="en-US" sz="1600" dirty="0" smtClean="0"/>
+          </a:p>
+          <a:p>
+            <a:pPr lvl="2"/>
+            <a:r>
+              <a:rPr lang="el-GR" sz="1600" b="1" dirty="0"/>
+              <a:t>user.notification.topic </a:t>
+            </a:r>
+            <a:r>
+              <a:rPr lang="el-GR" sz="1600" dirty="0"/>
+              <a:t>→ Δημοσιεύει ειδοποιήσεις προς τους χρήστες στο Web App.</a:t>
             </a:r>
             <a:endParaRPr lang="el-GR" sz="1600" dirty="0" smtClean="0"/>
           </a:p>

--- a/Presentation.pptx
+++ b/Presentation.pptx
@@ -10077,26 +10077,44 @@
           <a:lstStyle/>
           <a:p>
             <a:r>
-              <a:rPr lang="en-US" sz="2400" b="1" dirty="0" smtClean="0"/>
-              <a:t>Real-Time Synchronization (</a:t>
-            </a:r>
-            <a:r>
-              <a:rPr lang="el-GR" sz="2400" b="1" dirty="0" smtClean="0"/>
-              <a:t>Συγχρονισμός Κυκλοφορίας) </a:t>
-            </a:r>
-            <a:r>
-              <a:rPr lang="el-GR" sz="2400" b="1" dirty="0">
+              <a:rPr lang="en-US" sz="2000" b="1" dirty="0" smtClean="0"/>
+              <a:t>Notification (</a:t>
+            </a:r>
+            <a:r>
+              <a:rPr lang="el-GR" sz="2000" b="1" dirty="0" smtClean="0"/>
+              <a:t>Ειδοποίηση) </a:t>
+            </a:r>
+            <a:r>
+              <a:rPr lang="el-GR" sz="2000" b="1" dirty="0" smtClean="0">
                 <a:sym typeface="Wingdings" panose="05000000000000000000" pitchFamily="2" charset="2"/>
               </a:rPr>
-              <a:t> </a:t>
-            </a:r>
-            <a:r>
-              <a:rPr lang="el-GR" sz="2400" dirty="0">
+              <a:t></a:t>
+            </a:r>
+            <a:r>
+              <a:rPr lang="en-US" sz="2000" b="1" dirty="0" smtClean="0">
                 <a:sym typeface="Wingdings" panose="05000000000000000000" pitchFamily="2" charset="2"/>
               </a:rPr>
-              <a:t>Εξασφαλίζει ότι τα φανάρια κυκλοφορίας παραμένουν συγχρονισμένα με βάση τις συνθήκες πραγματικού χρόνου.</a:t>
-            </a:r>
-            <a:endParaRPr lang="en-US" sz="2400" dirty="0" smtClean="0"/>
+              <a:t> </a:t>
+            </a:r>
+            <a:r>
+              <a:rPr lang="el-GR" sz="1800" dirty="0" smtClean="0">
+                <a:sym typeface="Wingdings" panose="05000000000000000000" pitchFamily="2" charset="2"/>
+              </a:rPr>
+              <a:t>Ο </a:t>
+            </a:r>
+            <a:r>
+              <a:rPr lang="el-GR" sz="1800" dirty="0">
+                <a:sym typeface="Wingdings" panose="05000000000000000000" pitchFamily="2" charset="2"/>
+              </a:rPr>
+              <a:t>πίνακας Notification είναι υπεύθυνος για την αποθήκευση ειδοποιήσεων και μηνυμάτων που αποστέλλονται στους χρήστες με βάση τις συνθήκες κυκλοφορίας, τις καιρικές ενημερώσεις, τα συμβάντα έκτακτης ανάγκης ή τις ειδοποιήσεις του συστήματος.</a:t>
+            </a:r>
+            <a:r>
+              <a:rPr lang="el-GR" sz="1800" dirty="0" smtClean="0">
+                <a:sym typeface="Wingdings" panose="05000000000000000000" pitchFamily="2" charset="2"/>
+              </a:rPr>
+              <a:t>.</a:t>
+            </a:r>
+            <a:endParaRPr lang="en-US" sz="1800" dirty="0" smtClean="0"/>
           </a:p>
           <a:p>
             <a:pPr marL="0" indent="0">
@@ -10151,14 +10169,14 @@
           <p:nvPr>
             <p:extLst>
               <p:ext uri="{D42A27DB-BD31-4B8C-83A1-F6EECF244321}">
-                <p14:modId xmlns:p14="http://schemas.microsoft.com/office/powerpoint/2010/main" val="1588092193"/>
+                <p14:modId xmlns:p14="http://schemas.microsoft.com/office/powerpoint/2010/main" val="411741641"/>
               </p:ext>
             </p:extLst>
           </p:nvPr>
         </p:nvGraphicFramePr>
         <p:xfrm>
-          <a:off x="838200" y="2988664"/>
-          <a:ext cx="8931444" cy="3188299"/>
+          <a:off x="838198" y="2630903"/>
+          <a:ext cx="10952748" cy="4114437"/>
         </p:xfrm>
         <a:graphic>
           <a:graphicData uri="http://schemas.openxmlformats.org/drawingml/2006/table">
@@ -10167,21 +10185,21 @@
                 <a:tableStyleId>{5C22544A-7EE6-4342-B048-85BDC9FD1C3A}</a:tableStyleId>
               </a:tblPr>
               <a:tblGrid>
-                <a:gridCol w="2977148">
+                <a:gridCol w="3650916">
                   <a:extLst>
                     <a:ext uri="{9D8B030D-6E8A-4147-A177-3AD203B41FA5}">
                       <a16:colId xmlns:a16="http://schemas.microsoft.com/office/drawing/2014/main" val="4164896431"/>
                     </a:ext>
                   </a:extLst>
                 </a:gridCol>
-                <a:gridCol w="2977148">
+                <a:gridCol w="3650916">
                   <a:extLst>
                     <a:ext uri="{9D8B030D-6E8A-4147-A177-3AD203B41FA5}">
                       <a16:colId xmlns:a16="http://schemas.microsoft.com/office/drawing/2014/main" val="3327479852"/>
                     </a:ext>
                   </a:extLst>
                 </a:gridCol>
-                <a:gridCol w="2977148">
+                <a:gridCol w="3650916">
                   <a:extLst>
                     <a:ext uri="{9D8B030D-6E8A-4147-A177-3AD203B41FA5}">
                       <a16:colId xmlns:a16="http://schemas.microsoft.com/office/drawing/2014/main" val="2796069663"/>
@@ -10189,7 +10207,7 @@
                   </a:extLst>
                 </a:gridCol>
               </a:tblGrid>
-              <a:tr h="364069">
+              <a:tr h="169257">
                 <a:tc>
                   <a:txBody>
                     <a:bodyPr/>
@@ -10286,7 +10304,7 @@
                   </a:ext>
                 </a:extLst>
               </a:tr>
-              <a:tr h="470705">
+              <a:tr h="213436">
                 <a:tc>
                   <a:txBody>
                     <a:bodyPr/>
@@ -10306,7 +10324,7 @@
                           <a:latin typeface="+mn-lt"/>
                           <a:ea typeface="Times New Roman" panose="02020603050405020304" pitchFamily="18" charset="0"/>
                         </a:rPr>
-                        <a:t>syncId</a:t>
+                        <a:t>notificationId</a:t>
                       </a:r>
                       <a:endParaRPr lang="en-US" sz="1200" dirty="0">
                         <a:effectLst/>
@@ -10366,7 +10384,7 @@
                           <a:latin typeface="+mn-lt"/>
                           <a:ea typeface="Times New Roman" panose="02020603050405020304" pitchFamily="18" charset="0"/>
                         </a:rPr>
-                        <a:t>Μοναδικό αναγνωριστικό για κάθε συμβάν συγχρονισμού.</a:t>
+                        <a:t>Μοναδικό αναγνωριστικό για κάθε κοινοποίηση.</a:t>
                       </a:r>
                       <a:endParaRPr lang="en-US" sz="1200" dirty="0">
                         <a:effectLst/>
@@ -10383,7 +10401,7 @@
                   </a:ext>
                 </a:extLst>
               </a:tr>
-              <a:tr h="470705">
+              <a:tr h="359576">
                 <a:tc>
                   <a:txBody>
                     <a:bodyPr/>
@@ -10403,7 +10421,7 @@
                           <a:latin typeface="+mn-lt"/>
                           <a:ea typeface="Times New Roman" panose="02020603050405020304" pitchFamily="18" charset="0"/>
                         </a:rPr>
-                        <a:t>createdAt</a:t>
+                        <a:t>userId</a:t>
                       </a:r>
                       <a:endParaRPr lang="en-US" sz="1200" dirty="0">
                         <a:effectLst/>
@@ -10433,7 +10451,7 @@
                           <a:latin typeface="+mn-lt"/>
                           <a:ea typeface="Times New Roman" panose="02020603050405020304" pitchFamily="18" charset="0"/>
                         </a:rPr>
-                        <a:t>TIMESTAMP</a:t>
+                        <a:t>INT (FK)</a:t>
                       </a:r>
                       <a:endParaRPr lang="en-US" sz="1200" dirty="0">
                         <a:effectLst/>
@@ -10463,7 +10481,7 @@
                           <a:latin typeface="+mn-lt"/>
                           <a:ea typeface="Times New Roman" panose="02020603050405020304" pitchFamily="18" charset="0"/>
                         </a:rPr>
-                        <a:t>Χρονοσφραγίδα κατά την ενεργοποίηση του συγχρονισμού.</a:t>
+                        <a:t>Προσδιορίζει τον χρήστη που λαμβάνει την ειδοποίηση.</a:t>
                       </a:r>
                       <a:endParaRPr lang="en-US" sz="1200" dirty="0">
                         <a:effectLst/>
@@ -10480,7 +10498,7 @@
                   </a:ext>
                 </a:extLst>
               </a:tr>
-              <a:tr h="470705">
+              <a:tr h="359576">
                 <a:tc>
                   <a:txBody>
                     <a:bodyPr/>
@@ -10500,7 +10518,7 @@
                           <a:latin typeface="+mn-lt"/>
                           <a:ea typeface="Times New Roman" panose="02020603050405020304" pitchFamily="18" charset="0"/>
                         </a:rPr>
-                        <a:t>updatedAt</a:t>
+                        <a:t>roleId</a:t>
                       </a:r>
                       <a:endParaRPr lang="en-US" sz="1200" dirty="0">
                         <a:effectLst/>
@@ -10525,12 +10543,50 @@
                         </a:spcAft>
                       </a:pPr>
                       <a:r>
+                        <a:rPr lang="en-US" sz="1200" dirty="0" smtClean="0">
+                          <a:effectLst/>
+                          <a:latin typeface="+mn-lt"/>
+                          <a:ea typeface="Times New Roman" panose="02020603050405020304" pitchFamily="18" charset="0"/>
+                        </a:rPr>
+                        <a:t>INT</a:t>
+                      </a:r>
+                      <a:r>
+                        <a:rPr lang="en-US" sz="1200" baseline="0" dirty="0" smtClean="0">
+                          <a:effectLst/>
+                          <a:latin typeface="+mn-lt"/>
+                          <a:ea typeface="Times New Roman" panose="02020603050405020304" pitchFamily="18" charset="0"/>
+                        </a:rPr>
+                        <a:t> (FK)</a:t>
+                      </a:r>
+                      <a:endParaRPr lang="en-US" sz="1200" dirty="0">
+                        <a:effectLst/>
+                        <a:latin typeface="+mn-lt"/>
+                        <a:ea typeface="Times New Roman" panose="02020603050405020304" pitchFamily="18" charset="0"/>
+                      </a:endParaRPr>
+                    </a:p>
+                  </a:txBody>
+                  <a:tcPr marL="68580" marR="68580" marT="0" marB="0"/>
+                </a:tc>
+                <a:tc>
+                  <a:txBody>
+                    <a:bodyPr/>
+                    <a:lstStyle/>
+                    <a:p>
+                      <a:pPr>
+                        <a:lnSpc>
+                          <a:spcPct val="115000"/>
+                        </a:lnSpc>
+                        <a:spcAft>
+                          <a:spcPts val="0"/>
+                        </a:spcAft>
+                      </a:pPr>
+                      <a:r>
                         <a:rPr lang="el-GR" sz="1200" dirty="0" smtClean="0">
                           <a:effectLst/>
                           <a:latin typeface="+mn-lt"/>
                           <a:ea typeface="Times New Roman" panose="02020603050405020304" pitchFamily="18" charset="0"/>
                         </a:rPr>
-                        <a:t>T</a:t>
+                        <a:t>Προσδιορίζει τον</a:t>
                       </a:r>
                       <a:r>
                         <a:rPr lang="en-US" sz="1200" dirty="0" smtClean="0">
@@ -10538,37 +10594,31 @@
                           <a:latin typeface="+mn-lt"/>
                           <a:ea typeface="Times New Roman" panose="02020603050405020304" pitchFamily="18" charset="0"/>
                         </a:rPr>
-                        <a:t>IMESTAMP</a:t>
-                      </a:r>
-                      <a:endParaRPr lang="en-US" sz="1200" dirty="0">
-                        <a:effectLst/>
-                        <a:latin typeface="+mn-lt"/>
-                        <a:ea typeface="Times New Roman" panose="02020603050405020304" pitchFamily="18" charset="0"/>
-                      </a:endParaRPr>
-                    </a:p>
-                  </a:txBody>
-                  <a:tcPr marL="68580" marR="68580" marT="0" marB="0"/>
-                </a:tc>
-                <a:tc>
-                  <a:txBody>
-                    <a:bodyPr/>
-                    <a:lstStyle/>
-                    <a:p>
-                      <a:pPr>
-                        <a:lnSpc>
-                          <a:spcPct val="115000"/>
-                        </a:lnSpc>
-                        <a:spcAft>
-                          <a:spcPts val="0"/>
-                        </a:spcAft>
-                      </a:pPr>
+                        <a:t> </a:t>
+                      </a:r>
                       <a:r>
                         <a:rPr lang="el-GR" sz="1200" dirty="0" smtClean="0">
                           <a:effectLst/>
                           <a:latin typeface="+mn-lt"/>
                           <a:ea typeface="Times New Roman" panose="02020603050405020304" pitchFamily="18" charset="0"/>
                         </a:rPr>
-                        <a:t>Χρονοσφραγίδα της τελευταίας ενημέρωσης των δεδομένων συγχρονισμού.</a:t>
+                        <a:t>ρόλο</a:t>
+                      </a:r>
+                      <a:r>
+                        <a:rPr lang="el-GR" sz="1200" baseline="0" dirty="0" smtClean="0">
+                          <a:effectLst/>
+                          <a:latin typeface="+mn-lt"/>
+                          <a:ea typeface="Times New Roman" panose="02020603050405020304" pitchFamily="18" charset="0"/>
+                        </a:rPr>
+                        <a:t> του</a:t>
+                      </a:r>
+                      <a:r>
+                        <a:rPr lang="el-GR" sz="1200" dirty="0" smtClean="0">
+                          <a:effectLst/>
+                          <a:latin typeface="+mn-lt"/>
+                          <a:ea typeface="Times New Roman" panose="02020603050405020304" pitchFamily="18" charset="0"/>
+                        </a:rPr>
+                        <a:t> χρήστη που λαμβάνει την ειδοποίηση.</a:t>
                       </a:r>
                       <a:endParaRPr lang="en-US" sz="1200" dirty="0">
                         <a:effectLst/>
@@ -10585,7 +10635,37 @@
                   </a:ext>
                 </a:extLst>
               </a:tr>
-              <a:tr h="470705">
+              <a:tr h="719153">
+                <a:tc>
+                  <a:txBody>
+                    <a:bodyPr/>
+                    <a:lstStyle/>
+                    <a:p>
+                      <a:pPr>
+                        <a:lnSpc>
+                          <a:spcPct val="115000"/>
+                        </a:lnSpc>
+                        <a:spcAft>
+                          <a:spcPts val="0"/>
+                        </a:spcAft>
+                      </a:pPr>
+                      <a:r>
+                        <a:rPr lang="en-US" sz="1200" dirty="0" err="1" smtClean="0">
+                          <a:effectLst/>
+                          <a:latin typeface="+mn-lt"/>
+                          <a:ea typeface="Times New Roman" panose="02020603050405020304" pitchFamily="18" charset="0"/>
+                        </a:rPr>
+                        <a:t>notificationType</a:t>
+                      </a:r>
+                      <a:endParaRPr lang="en-US" sz="1200" dirty="0">
+                        <a:effectLst/>
+                        <a:latin typeface="+mn-lt"/>
+                        <a:ea typeface="Times New Roman" panose="02020603050405020304" pitchFamily="18" charset="0"/>
+                      </a:endParaRPr>
+                    </a:p>
+                  </a:txBody>
+                  <a:tcPr marL="68580" marR="68580" marT="0" marB="0"/>
+                </a:tc>
                 <a:tc>
                   <a:txBody>
                     <a:bodyPr/>
@@ -10605,7 +10685,15 @@
                           <a:latin typeface="+mn-lt"/>
                           <a:ea typeface="Times New Roman" panose="02020603050405020304" pitchFamily="18" charset="0"/>
                         </a:rPr>
-                        <a:t>light1Id</a:t>
+                        <a:t>ENUM</a:t>
+                      </a:r>
+                      <a:r>
+                        <a:rPr lang="en-US" sz="1200" baseline="0" dirty="0" smtClean="0">
+                          <a:effectLst/>
+                          <a:latin typeface="+mn-lt"/>
+                          <a:ea typeface="Times New Roman" panose="02020603050405020304" pitchFamily="18" charset="0"/>
+                        </a:rPr>
+                        <a:t>(‘TRAFFIC’, ‘WEATHER’, ‘EMERGENCY’..)</a:t>
                       </a:r>
                       <a:endParaRPr lang="en-US" sz="1200" dirty="0">
                         <a:effectLst/>
@@ -10630,48 +10718,13 @@
                         </a:spcAft>
                       </a:pPr>
                       <a:r>
-                        <a:rPr lang="en-US" sz="1200" dirty="0" smtClean="0">
-                          <a:effectLst/>
-                          <a:latin typeface="+mn-lt"/>
-                          <a:ea typeface="Times New Roman" panose="02020603050405020304" pitchFamily="18" charset="0"/>
-                        </a:rPr>
-                        <a:t>INT (FK)</a:t>
-                      </a:r>
-                      <a:endParaRPr lang="en-US" sz="1200" dirty="0">
-                        <a:effectLst/>
-                        <a:latin typeface="+mn-lt"/>
-                        <a:ea typeface="Times New Roman" panose="02020603050405020304" pitchFamily="18" charset="0"/>
-                      </a:endParaRPr>
-                    </a:p>
-                  </a:txBody>
-                  <a:tcPr marL="68580" marR="68580" marT="0" marB="0"/>
-                </a:tc>
-                <a:tc>
-                  <a:txBody>
-                    <a:bodyPr/>
-                    <a:lstStyle/>
-                    <a:p>
-                      <a:pPr>
-                        <a:lnSpc>
-                          <a:spcPct val="115000"/>
-                        </a:lnSpc>
-                        <a:spcAft>
-                          <a:spcPts val="0"/>
-                        </a:spcAft>
-                      </a:pPr>
-                      <a:r>
                         <a:rPr lang="el-GR" sz="1200" dirty="0" smtClean="0">
                           <a:effectLst/>
                           <a:latin typeface="+mn-lt"/>
                           <a:ea typeface="Times New Roman" panose="02020603050405020304" pitchFamily="18" charset="0"/>
                         </a:rPr>
-                        <a:t>Πρώτος φωτεινός σηματοδότης που εμπλέκεται στο συγχρονισμό.</a:t>
-                      </a:r>
-                      <a:endParaRPr lang="en-US" sz="1200" dirty="0">
-                        <a:effectLst/>
-                        <a:latin typeface="+mn-lt"/>
-                        <a:ea typeface="Times New Roman" panose="02020603050405020304" pitchFamily="18" charset="0"/>
-                      </a:endParaRPr>
+                        <a:t>Καθορίζει τον τύπο της ειδοποίησης (σχετικό με την κυκλοφορία, ειδοποιήσεις καιρού, σήματα έκτακτης ανάγκης, ενημερώσεις συστήματος κ.λπ.)</a:t>
+                      </a:r>
                     </a:p>
                   </a:txBody>
                   <a:tcPr marL="68580" marR="68580" marT="0" marB="0"/>
@@ -10682,7 +10735,7 @@
                   </a:ext>
                 </a:extLst>
               </a:tr>
-              <a:tr h="470705">
+              <a:tr h="179788">
                 <a:tc>
                   <a:txBody>
                     <a:bodyPr/>
@@ -10702,7 +10755,7 @@
                           <a:latin typeface="+mn-lt"/>
                           <a:ea typeface="Times New Roman" panose="02020603050405020304" pitchFamily="18" charset="0"/>
                         </a:rPr>
-                        <a:t>light2id</a:t>
+                        <a:t>message</a:t>
                       </a:r>
                       <a:endParaRPr lang="en-US" sz="1200" dirty="0">
                         <a:effectLst/>
@@ -10732,7 +10785,7 @@
                           <a:latin typeface="+mn-lt"/>
                           <a:ea typeface="Times New Roman" panose="02020603050405020304" pitchFamily="18" charset="0"/>
                         </a:rPr>
-                        <a:t>INT (FK)</a:t>
+                        <a:t>TEXT</a:t>
                       </a:r>
                       <a:endParaRPr lang="en-US" sz="1200" dirty="0">
                         <a:effectLst/>
@@ -10762,7 +10815,7 @@
                           <a:latin typeface="+mn-lt"/>
                           <a:ea typeface="Times New Roman" panose="02020603050405020304" pitchFamily="18" charset="0"/>
                         </a:rPr>
-                        <a:t>Δεύτερος φωτεινός σηματοδότης που συμμετέχει στο συγχρονισμό.</a:t>
+                        <a:t>Το περιεχόμενο του μηνύματος ειδοποίησης.</a:t>
                       </a:r>
                       <a:endParaRPr lang="en-US" sz="1200" dirty="0">
                         <a:effectLst/>
@@ -10779,7 +10832,7 @@
                   </a:ext>
                 </a:extLst>
               </a:tr>
-              <a:tr h="470705">
+              <a:tr h="359576">
                 <a:tc>
                   <a:txBody>
                     <a:bodyPr/>
@@ -10799,7 +10852,7 @@
                           <a:latin typeface="+mn-lt"/>
                           <a:ea typeface="Times New Roman" panose="02020603050405020304" pitchFamily="18" charset="0"/>
                         </a:rPr>
-                        <a:t>userId</a:t>
+                        <a:t>createdAt</a:t>
                       </a:r>
                       <a:endParaRPr lang="en-US" sz="1200" dirty="0">
                         <a:effectLst/>
@@ -10829,7 +10882,7 @@
                           <a:latin typeface="+mn-lt"/>
                           <a:ea typeface="Times New Roman" panose="02020603050405020304" pitchFamily="18" charset="0"/>
                         </a:rPr>
-                        <a:t>INT (FK)</a:t>
+                        <a:t>TIMESTAMP</a:t>
                       </a:r>
                       <a:endParaRPr lang="en-US" sz="1200" dirty="0">
                         <a:effectLst/>
@@ -10859,7 +10912,7 @@
                           <a:latin typeface="+mn-lt"/>
                           <a:ea typeface="Times New Roman" panose="02020603050405020304" pitchFamily="18" charset="0"/>
                         </a:rPr>
-                        <a:t>Χρήστης που ενεργοποίησε ή διαμόρφωσε τον συγχρονισμό.</a:t>
+                        <a:t>Χρονοσφραγίδα κατά την οποία δημιουργήθηκε η ειδοποίηση.</a:t>
                       </a:r>
                       <a:endParaRPr lang="en-US" sz="1200" dirty="0">
                         <a:effectLst/>
@@ -10873,6 +10926,297 @@
                 <a:extLst>
                   <a:ext uri="{0D108BD9-81ED-4DB2-BD59-A6C34878D82A}">
                     <a16:rowId xmlns:a16="http://schemas.microsoft.com/office/drawing/2014/main" val="226225234"/>
+                  </a:ext>
+                </a:extLst>
+              </a:tr>
+              <a:tr h="359576">
+                <a:tc>
+                  <a:txBody>
+                    <a:bodyPr/>
+                    <a:lstStyle/>
+                    <a:p>
+                      <a:pPr>
+                        <a:lnSpc>
+                          <a:spcPct val="115000"/>
+                        </a:lnSpc>
+                        <a:spcAft>
+                          <a:spcPts val="0"/>
+                        </a:spcAft>
+                      </a:pPr>
+                      <a:r>
+                        <a:rPr lang="en-US" sz="1200" dirty="0" err="1" smtClean="0">
+                          <a:effectLst/>
+                          <a:latin typeface="+mn-lt"/>
+                          <a:ea typeface="Times New Roman" panose="02020603050405020304" pitchFamily="18" charset="0"/>
+                        </a:rPr>
+                        <a:t>isRead</a:t>
+                      </a:r>
+                      <a:endParaRPr lang="en-US" sz="1200" dirty="0">
+                        <a:effectLst/>
+                        <a:latin typeface="+mn-lt"/>
+                        <a:ea typeface="Times New Roman" panose="02020603050405020304" pitchFamily="18" charset="0"/>
+                      </a:endParaRPr>
+                    </a:p>
+                  </a:txBody>
+                  <a:tcPr marL="68580" marR="68580" marT="0" marB="0"/>
+                </a:tc>
+                <a:tc>
+                  <a:txBody>
+                    <a:bodyPr/>
+                    <a:lstStyle/>
+                    <a:p>
+                      <a:pPr>
+                        <a:lnSpc>
+                          <a:spcPct val="115000"/>
+                        </a:lnSpc>
+                        <a:spcAft>
+                          <a:spcPts val="0"/>
+                        </a:spcAft>
+                      </a:pPr>
+                      <a:r>
+                        <a:rPr lang="en-US" sz="1200" dirty="0" smtClean="0">
+                          <a:effectLst/>
+                          <a:latin typeface="+mn-lt"/>
+                          <a:ea typeface="Times New Roman" panose="02020603050405020304" pitchFamily="18" charset="0"/>
+                        </a:rPr>
+                        <a:t>BOOLEAN</a:t>
+                      </a:r>
+                      <a:endParaRPr lang="en-US" sz="1200" dirty="0">
+                        <a:effectLst/>
+                        <a:latin typeface="+mn-lt"/>
+                        <a:ea typeface="Times New Roman" panose="02020603050405020304" pitchFamily="18" charset="0"/>
+                      </a:endParaRPr>
+                    </a:p>
+                  </a:txBody>
+                  <a:tcPr marL="68580" marR="68580" marT="0" marB="0"/>
+                </a:tc>
+                <a:tc>
+                  <a:txBody>
+                    <a:bodyPr/>
+                    <a:lstStyle/>
+                    <a:p>
+                      <a:pPr>
+                        <a:lnSpc>
+                          <a:spcPct val="115000"/>
+                        </a:lnSpc>
+                        <a:spcAft>
+                          <a:spcPts val="0"/>
+                        </a:spcAft>
+                      </a:pPr>
+                      <a:r>
+                        <a:rPr lang="el-GR" sz="1200" dirty="0" smtClean="0">
+                          <a:effectLst/>
+                          <a:latin typeface="+mn-lt"/>
+                          <a:ea typeface="Times New Roman" panose="02020603050405020304" pitchFamily="18" charset="0"/>
+                        </a:rPr>
+                        <a:t>Δείχνει αν ο χρήστης έχει διαβάσει την ειδοποίηση.</a:t>
+                      </a:r>
+                      <a:endParaRPr lang="en-US" sz="1200" dirty="0">
+                        <a:effectLst/>
+                        <a:latin typeface="+mn-lt"/>
+                        <a:ea typeface="Times New Roman" panose="02020603050405020304" pitchFamily="18" charset="0"/>
+                      </a:endParaRPr>
+                    </a:p>
+                  </a:txBody>
+                  <a:tcPr marL="68580" marR="68580" marT="0" marB="0"/>
+                </a:tc>
+                <a:extLst>
+                  <a:ext uri="{0D108BD9-81ED-4DB2-BD59-A6C34878D82A}">
+                    <a16:rowId xmlns:a16="http://schemas.microsoft.com/office/drawing/2014/main" val="960476041"/>
+                  </a:ext>
+                </a:extLst>
+              </a:tr>
+              <a:tr h="359576">
+                <a:tc>
+                  <a:txBody>
+                    <a:bodyPr/>
+                    <a:lstStyle/>
+                    <a:p>
+                      <a:pPr>
+                        <a:lnSpc>
+                          <a:spcPct val="115000"/>
+                        </a:lnSpc>
+                        <a:spcAft>
+                          <a:spcPts val="0"/>
+                        </a:spcAft>
+                      </a:pPr>
+                      <a:r>
+                        <a:rPr lang="en-US" sz="1200" dirty="0" smtClean="0">
+                          <a:effectLst/>
+                          <a:latin typeface="+mn-lt"/>
+                          <a:ea typeface="Times New Roman" panose="02020603050405020304" pitchFamily="18" charset="0"/>
+                        </a:rPr>
+                        <a:t>priority</a:t>
+                      </a:r>
+                      <a:endParaRPr lang="en-US" sz="1200" dirty="0">
+                        <a:effectLst/>
+                        <a:latin typeface="+mn-lt"/>
+                        <a:ea typeface="Times New Roman" panose="02020603050405020304" pitchFamily="18" charset="0"/>
+                      </a:endParaRPr>
+                    </a:p>
+                  </a:txBody>
+                  <a:tcPr marL="68580" marR="68580" marT="0" marB="0"/>
+                </a:tc>
+                <a:tc>
+                  <a:txBody>
+                    <a:bodyPr/>
+                    <a:lstStyle/>
+                    <a:p>
+                      <a:pPr>
+                        <a:lnSpc>
+                          <a:spcPct val="115000"/>
+                        </a:lnSpc>
+                        <a:spcAft>
+                          <a:spcPts val="0"/>
+                        </a:spcAft>
+                      </a:pPr>
+                      <a:r>
+                        <a:rPr lang="en-US" sz="1200" dirty="0" smtClean="0">
+                          <a:effectLst/>
+                          <a:latin typeface="+mn-lt"/>
+                          <a:ea typeface="Times New Roman" panose="02020603050405020304" pitchFamily="18" charset="0"/>
+                        </a:rPr>
+                        <a:t>ENUM(‘LOW’, ‘MEDIUM’, ‘HIGH’)</a:t>
+                      </a:r>
+                      <a:endParaRPr lang="en-US" sz="1200" dirty="0">
+                        <a:effectLst/>
+                        <a:latin typeface="+mn-lt"/>
+                        <a:ea typeface="Times New Roman" panose="02020603050405020304" pitchFamily="18" charset="0"/>
+                      </a:endParaRPr>
+                    </a:p>
+                  </a:txBody>
+                  <a:tcPr marL="68580" marR="68580" marT="0" marB="0"/>
+                </a:tc>
+                <a:tc>
+                  <a:txBody>
+                    <a:bodyPr/>
+                    <a:lstStyle/>
+                    <a:p>
+                      <a:pPr>
+                        <a:lnSpc>
+                          <a:spcPct val="115000"/>
+                        </a:lnSpc>
+                        <a:spcAft>
+                          <a:spcPts val="0"/>
+                        </a:spcAft>
+                      </a:pPr>
+                      <a:r>
+                        <a:rPr lang="el-GR" sz="1200" dirty="0" smtClean="0">
+                          <a:effectLst/>
+                          <a:latin typeface="+mn-lt"/>
+                          <a:ea typeface="Times New Roman" panose="02020603050405020304" pitchFamily="18" charset="0"/>
+                        </a:rPr>
+                        <a:t>Καθορίζει το επίπεδο επείγοντος της ειδοποίησης.</a:t>
+                      </a:r>
+                      <a:endParaRPr lang="en-US" sz="1200" dirty="0">
+                        <a:effectLst/>
+                        <a:latin typeface="+mn-lt"/>
+                        <a:ea typeface="Times New Roman" panose="02020603050405020304" pitchFamily="18" charset="0"/>
+                      </a:endParaRPr>
+                    </a:p>
+                  </a:txBody>
+                  <a:tcPr marL="68580" marR="68580" marT="0" marB="0"/>
+                </a:tc>
+                <a:extLst>
+                  <a:ext uri="{0D108BD9-81ED-4DB2-BD59-A6C34878D82A}">
+                    <a16:rowId xmlns:a16="http://schemas.microsoft.com/office/drawing/2014/main" val="15484554"/>
+                  </a:ext>
+                </a:extLst>
+              </a:tr>
+              <a:tr h="601482">
+                <a:tc>
+                  <a:txBody>
+                    <a:bodyPr/>
+                    <a:lstStyle/>
+                    <a:p>
+                      <a:pPr>
+                        <a:lnSpc>
+                          <a:spcPct val="115000"/>
+                        </a:lnSpc>
+                        <a:spcAft>
+                          <a:spcPts val="0"/>
+                        </a:spcAft>
+                      </a:pPr>
+                      <a:r>
+                        <a:rPr lang="en-US" sz="1200" dirty="0" err="1" smtClean="0">
+                          <a:effectLst/>
+                          <a:latin typeface="+mn-lt"/>
+                          <a:ea typeface="Times New Roman" panose="02020603050405020304" pitchFamily="18" charset="0"/>
+                        </a:rPr>
+                        <a:t>sourceService</a:t>
+                      </a:r>
+                      <a:endParaRPr lang="en-US" sz="1200" dirty="0">
+                        <a:effectLst/>
+                        <a:latin typeface="+mn-lt"/>
+                        <a:ea typeface="Times New Roman" panose="02020603050405020304" pitchFamily="18" charset="0"/>
+                      </a:endParaRPr>
+                    </a:p>
+                  </a:txBody>
+                  <a:tcPr marL="68580" marR="68580" marT="0" marB="0"/>
+                </a:tc>
+                <a:tc>
+                  <a:txBody>
+                    <a:bodyPr/>
+                    <a:lstStyle/>
+                    <a:p>
+                      <a:pPr>
+                        <a:lnSpc>
+                          <a:spcPct val="115000"/>
+                        </a:lnSpc>
+                        <a:spcAft>
+                          <a:spcPts val="0"/>
+                        </a:spcAft>
+                      </a:pPr>
+                      <a:r>
+                        <a:rPr lang="en-US" sz="1200" dirty="0" smtClean="0">
+                          <a:effectLst/>
+                          <a:latin typeface="+mn-lt"/>
+                          <a:ea typeface="Times New Roman" panose="02020603050405020304" pitchFamily="18" charset="0"/>
+                        </a:rPr>
+                        <a:t>VARCHAR(255)</a:t>
+                      </a:r>
+                      <a:endParaRPr lang="en-US" sz="1200" dirty="0">
+                        <a:effectLst/>
+                        <a:latin typeface="+mn-lt"/>
+                        <a:ea typeface="Times New Roman" panose="02020603050405020304" pitchFamily="18" charset="0"/>
+                      </a:endParaRPr>
+                    </a:p>
+                  </a:txBody>
+                  <a:tcPr marL="68580" marR="68580" marT="0" marB="0"/>
+                </a:tc>
+                <a:tc>
+                  <a:txBody>
+                    <a:bodyPr/>
+                    <a:lstStyle/>
+                    <a:p>
+                      <a:pPr>
+                        <a:lnSpc>
+                          <a:spcPct val="115000"/>
+                        </a:lnSpc>
+                        <a:spcAft>
+                          <a:spcPts val="0"/>
+                        </a:spcAft>
+                      </a:pPr>
+                      <a:r>
+                        <a:rPr lang="el-GR" sz="1200" dirty="0" smtClean="0">
+                          <a:effectLst/>
+                          <a:latin typeface="+mn-lt"/>
+                          <a:ea typeface="Times New Roman" panose="02020603050405020304" pitchFamily="18" charset="0"/>
+                        </a:rPr>
+                        <a:t>Καθορίζει ποια μικρουπηρεσία δημιούργησε την ειδοποίηση (π.χ. υπηρεσία παρακολούθησης της κυκλοφορίας, μετεωρολογική υπηρεσία, υπηρεσία οχημάτων έκτακτης ανάγκης κ.λπ.)</a:t>
+                      </a:r>
+                      <a:endParaRPr lang="en-US" sz="1200" dirty="0">
+                        <a:effectLst/>
+                        <a:latin typeface="+mn-lt"/>
+                        <a:ea typeface="Times New Roman" panose="02020603050405020304" pitchFamily="18" charset="0"/>
+                      </a:endParaRPr>
+                    </a:p>
+                  </a:txBody>
+                  <a:tcPr marL="68580" marR="68580" marT="0" marB="0"/>
+                </a:tc>
+                <a:extLst>
+                  <a:ext uri="{0D108BD9-81ED-4DB2-BD59-A6C34878D82A}">
+                    <a16:rowId xmlns:a16="http://schemas.microsoft.com/office/drawing/2014/main" val="3540671977"/>
                   </a:ext>
                 </a:extLst>
               </a:tr>
@@ -11051,7 +11395,7 @@
         </p:nvGraphicFramePr>
         <p:xfrm>
           <a:off x="838200" y="2868039"/>
-          <a:ext cx="9508959" cy="3327839"/>
+          <a:ext cx="9508959" cy="3315520"/>
         </p:xfrm>
         <a:graphic>
           <a:graphicData uri="http://schemas.openxmlformats.org/drawingml/2006/table">
@@ -16700,13 +17044,8 @@
             </a:r>
             <a:r>
               <a:rPr lang="el-GR" sz="1600" dirty="0" smtClean="0"/>
-              <a:t>επικοινωνίας</a:t>
-            </a:r>
-            <a:r>
-              <a:rPr lang="el-GR" sz="1600" dirty="0" smtClean="0"/>
-              <a:t>.</a:t>
-            </a:r>
-            <a:endParaRPr lang="el-GR" sz="1600" dirty="0" smtClean="0"/>
+              <a:t>επικοινωνίας.</a:t>
+            </a:r>
           </a:p>
           <a:p>
             <a:pPr lvl="1"/>
@@ -17282,7 +17621,6 @@
               <a:rPr lang="el-GR" sz="1600" dirty="0" smtClean="0"/>
               <a:t>στα έξυπνα φανάρια.</a:t>
             </a:r>
-            <a:endParaRPr lang="el-GR" sz="1600" dirty="0" smtClean="0"/>
           </a:p>
           <a:p>
             <a:pPr lvl="1"/>
@@ -19391,7 +19729,7 @@
       </p:sp>
       <p:pic>
         <p:nvPicPr>
-          <p:cNvPr id="4" name="Picture 3"/>
+          <p:cNvPr id="5" name="Picture 4"/>
           <p:cNvPicPr>
             <a:picLocks noChangeAspect="1"/>
           </p:cNvPicPr>
@@ -19411,8 +19749,8 @@
         </p:blipFill>
         <p:spPr>
           <a:xfrm>
-            <a:off x="2542370" y="0"/>
-            <a:ext cx="7107260" cy="6858000"/>
+            <a:off x="2586159" y="0"/>
+            <a:ext cx="7019682" cy="6858000"/>
           </a:xfrm>
           <a:prstGeom prst="rect">
             <a:avLst/>

--- a/Presentation.pptx
+++ b/Presentation.pptx
@@ -28,30 +28,28 @@
     <p:sldId id="273" r:id="rId22"/>
     <p:sldId id="301" r:id="rId23"/>
     <p:sldId id="296" r:id="rId24"/>
-    <p:sldId id="302" r:id="rId25"/>
-    <p:sldId id="297" r:id="rId26"/>
-    <p:sldId id="303" r:id="rId27"/>
-    <p:sldId id="298" r:id="rId28"/>
-    <p:sldId id="304" r:id="rId29"/>
-    <p:sldId id="299" r:id="rId30"/>
-    <p:sldId id="305" r:id="rId31"/>
-    <p:sldId id="300" r:id="rId32"/>
-    <p:sldId id="290" r:id="rId33"/>
-    <p:sldId id="306" r:id="rId34"/>
-    <p:sldId id="307" r:id="rId35"/>
-    <p:sldId id="308" r:id="rId36"/>
-    <p:sldId id="309" r:id="rId37"/>
-    <p:sldId id="310" r:id="rId38"/>
-    <p:sldId id="311" r:id="rId39"/>
-    <p:sldId id="312" r:id="rId40"/>
-    <p:sldId id="313" r:id="rId41"/>
-    <p:sldId id="314" r:id="rId42"/>
-    <p:sldId id="315" r:id="rId43"/>
-    <p:sldId id="316" r:id="rId44"/>
-    <p:sldId id="317" r:id="rId45"/>
-    <p:sldId id="291" r:id="rId46"/>
-    <p:sldId id="292" r:id="rId47"/>
-    <p:sldId id="286" r:id="rId48"/>
+    <p:sldId id="318" r:id="rId25"/>
+    <p:sldId id="299" r:id="rId26"/>
+    <p:sldId id="319" r:id="rId27"/>
+    <p:sldId id="300" r:id="rId28"/>
+    <p:sldId id="320" r:id="rId29"/>
+    <p:sldId id="321" r:id="rId30"/>
+    <p:sldId id="290" r:id="rId31"/>
+    <p:sldId id="306" r:id="rId32"/>
+    <p:sldId id="307" r:id="rId33"/>
+    <p:sldId id="308" r:id="rId34"/>
+    <p:sldId id="309" r:id="rId35"/>
+    <p:sldId id="310" r:id="rId36"/>
+    <p:sldId id="311" r:id="rId37"/>
+    <p:sldId id="312" r:id="rId38"/>
+    <p:sldId id="313" r:id="rId39"/>
+    <p:sldId id="314" r:id="rId40"/>
+    <p:sldId id="315" r:id="rId41"/>
+    <p:sldId id="316" r:id="rId42"/>
+    <p:sldId id="317" r:id="rId43"/>
+    <p:sldId id="291" r:id="rId44"/>
+    <p:sldId id="292" r:id="rId45"/>
+    <p:sldId id="286" r:id="rId46"/>
   </p:sldIdLst>
   <p:sldSz cx="12192000" cy="6858000"/>
   <p:notesSz cx="6858000" cy="9144000"/>
@@ -10103,10 +10101,16 @@
               <a:t>Ο </a:t>
             </a:r>
             <a:r>
+              <a:rPr lang="el-GR" sz="1800" dirty="0" smtClean="0">
+                <a:sym typeface="Wingdings" panose="05000000000000000000" pitchFamily="2" charset="2"/>
+              </a:rPr>
+              <a:t>πίνακας </a:t>
+            </a:r>
+            <a:r>
               <a:rPr lang="el-GR" sz="1800" dirty="0">
                 <a:sym typeface="Wingdings" panose="05000000000000000000" pitchFamily="2" charset="2"/>
               </a:rPr>
-              <a:t>πίνακας Notification είναι υπεύθυνος για την αποθήκευση ειδοποιήσεων και μηνυμάτων που αποστέλλονται στους χρήστες με βάση τις συνθήκες κυκλοφορίας, τις καιρικές ενημερώσεις, τα συμβάντα έκτακτης ανάγκης ή τις ειδοποιήσεις του συστήματος.</a:t>
+              <a:t>είναι υπεύθυνος για την αποθήκευση ειδοποιήσεων και μηνυμάτων που αποστέλλονται στους χρήστες με βάση τις συνθήκες κυκλοφορίας, τις καιρικές ενημερώσεις, τα συμβάντα έκτακτης ανάγκης ή τις ειδοποιήσεις του συστήματος</a:t>
             </a:r>
             <a:r>
               <a:rPr lang="el-GR" sz="1800" dirty="0" smtClean="0">
@@ -10169,14 +10173,14 @@
           <p:nvPr>
             <p:extLst>
               <p:ext uri="{D42A27DB-BD31-4B8C-83A1-F6EECF244321}">
-                <p14:modId xmlns:p14="http://schemas.microsoft.com/office/powerpoint/2010/main" val="411741641"/>
+                <p14:modId xmlns:p14="http://schemas.microsoft.com/office/powerpoint/2010/main" val="2583089098"/>
               </p:ext>
             </p:extLst>
           </p:nvPr>
         </p:nvGraphicFramePr>
         <p:xfrm>
           <a:off x="838198" y="2630903"/>
-          <a:ext cx="10952748" cy="4114437"/>
+          <a:ext cx="10952748" cy="3874671"/>
         </p:xfrm>
         <a:graphic>
           <a:graphicData uri="http://schemas.openxmlformats.org/drawingml/2006/table">
@@ -11203,7 +11207,15 @@
                           <a:latin typeface="+mn-lt"/>
                           <a:ea typeface="Times New Roman" panose="02020603050405020304" pitchFamily="18" charset="0"/>
                         </a:rPr>
-                        <a:t>Καθορίζει ποια μικρουπηρεσία δημιούργησε την ειδοποίηση (π.χ. υπηρεσία παρακολούθησης της κυκλοφορίας, μετεωρολογική υπηρεσία, υπηρεσία οχημάτων έκτακτης ανάγκης κ.λπ.)</a:t>
+                        <a:t>Καθορίζει ποια μικρουπηρεσία δημιούργησε την </a:t>
+                      </a:r>
+                      <a:r>
+                        <a:rPr lang="el-GR" sz="1200" dirty="0" smtClean="0">
+                          <a:effectLst/>
+                          <a:latin typeface="+mn-lt"/>
+                          <a:ea typeface="Times New Roman" panose="02020603050405020304" pitchFamily="18" charset="0"/>
+                        </a:rPr>
+                        <a:t>ειδοποίηση</a:t>
                       </a:r>
                       <a:endParaRPr lang="en-US" sz="1200" dirty="0">
                         <a:effectLst/>
@@ -11395,7 +11407,7 @@
         </p:nvGraphicFramePr>
         <p:xfrm>
           <a:off x="838200" y="2868039"/>
-          <a:ext cx="9508959" cy="3315520"/>
+          <a:ext cx="9508959" cy="3327839"/>
         </p:xfrm>
         <a:graphic>
           <a:graphicData uri="http://schemas.openxmlformats.org/drawingml/2006/table">
@@ -13929,34 +13941,24 @@
           <a:p>
             <a:r>
               <a:rPr lang="el-GR" b="1" dirty="0"/>
-              <a:t> Έλεγχος διασταυρώσεων και </a:t>
+              <a:t> </a:t>
+            </a:r>
+            <a:r>
+              <a:rPr lang="en-US" b="1" dirty="0" err="1" smtClean="0"/>
+              <a:t>TrafficDB</a:t>
+            </a:r>
+            <a:r>
+              <a:rPr lang="en-US" b="1" dirty="0"/>
+              <a:t> </a:t>
+            </a:r>
+            <a:r>
+              <a:rPr lang="en-US" b="1" dirty="0" smtClean="0"/>
+              <a:t>- </a:t>
             </a:r>
             <a:r>
               <a:rPr lang="el-GR" b="1" dirty="0" smtClean="0"/>
-              <a:t>κυκλοφορίας</a:t>
-            </a:r>
-            <a:r>
-              <a:rPr lang="en-US" b="1" dirty="0" smtClean="0"/>
-              <a:t> </a:t>
-            </a:r>
-            <a:r>
-              <a:rPr lang="en-US" b="1" dirty="0"/>
-              <a:t>(</a:t>
-            </a:r>
-            <a:r>
-              <a:rPr lang="el-GR" b="1" dirty="0"/>
-              <a:t>Βασική Υποδομή</a:t>
-            </a:r>
-            <a:r>
-              <a:rPr lang="el-GR" b="1" dirty="0" smtClean="0"/>
-              <a:t>)</a:t>
-            </a:r>
-          </a:p>
-          <a:p>
-            <a:pPr marL="0" indent="0">
-              <a:buNone/>
-            </a:pPr>
-            <a:endParaRPr lang="el-GR" b="1" dirty="0"/>
+              <a:t>Έλεγχος διασταυρώσεων και κυκλοφορίας</a:t>
+            </a:r>
           </a:p>
           <a:p>
             <a:pPr marL="0" indent="0">
@@ -13998,7 +14000,7 @@
       </p:sp>
       <p:pic>
         <p:nvPicPr>
-          <p:cNvPr id="4" name="Picture 3"/>
+          <p:cNvPr id="5" name="Picture 4"/>
           <p:cNvPicPr>
             <a:picLocks noChangeAspect="1"/>
           </p:cNvPicPr>
@@ -14018,8 +14020,8 @@
         </p:blipFill>
         <p:spPr>
           <a:xfrm>
-            <a:off x="4114497" y="2311285"/>
-            <a:ext cx="4520781" cy="4362232"/>
+            <a:off x="3815542" y="2343664"/>
+            <a:ext cx="4538751" cy="4429960"/>
           </a:xfrm>
           <a:prstGeom prst="rect">
             <a:avLst/>
@@ -14111,34 +14113,31 @@
         <p:spPr/>
         <p:txBody>
           <a:bodyPr>
-            <a:normAutofit/>
+            <a:normAutofit fontScale="55000" lnSpcReduction="20000"/>
           </a:bodyPr>
           <a:lstStyle/>
           <a:p>
             <a:r>
               <a:rPr lang="el-GR" b="1" dirty="0"/>
-              <a:t> Έλεγχος διασταυρώσεων και </a:t>
+              <a:t> </a:t>
+            </a:r>
+            <a:r>
+              <a:rPr lang="en-US" b="1" dirty="0" err="1"/>
+              <a:t>TrafficDB</a:t>
+            </a:r>
+            <a:r>
+              <a:rPr lang="en-US" b="1" dirty="0"/>
+              <a:t> - </a:t>
+            </a:r>
+            <a:r>
+              <a:rPr lang="el-GR" b="1" dirty="0"/>
+              <a:t>Έλεγχος διασταυρώσεων και </a:t>
             </a:r>
             <a:r>
               <a:rPr lang="el-GR" b="1" dirty="0" smtClean="0"/>
               <a:t>κυκλοφορίας</a:t>
             </a:r>
-            <a:r>
-              <a:rPr lang="en-US" b="1" dirty="0" smtClean="0"/>
-              <a:t> </a:t>
-            </a:r>
-            <a:r>
-              <a:rPr lang="en-US" b="1" dirty="0"/>
-              <a:t>(</a:t>
-            </a:r>
-            <a:r>
-              <a:rPr lang="el-GR" b="1" dirty="0"/>
-              <a:t>Βασική Υποδομή</a:t>
-            </a:r>
-            <a:r>
-              <a:rPr lang="el-GR" b="1" dirty="0" smtClean="0"/>
-              <a:t>)</a:t>
-            </a:r>
+            <a:endParaRPr lang="el-GR" b="1" dirty="0" smtClean="0"/>
           </a:p>
           <a:p>
             <a:pPr marL="0" indent="0">
@@ -14213,6 +14212,246 @@
             <a:pPr marL="0" indent="0">
               <a:buNone/>
             </a:pPr>
+            <a:r>
+              <a:rPr lang="en-US" b="1" dirty="0"/>
+              <a:t>(1:N) </a:t>
+            </a:r>
+            <a:r>
+              <a:rPr lang="en-US" dirty="0" err="1"/>
+              <a:t>TrafficSensor</a:t>
+            </a:r>
+            <a:r>
+              <a:rPr lang="en-US" dirty="0"/>
+              <a:t> → </a:t>
+            </a:r>
+            <a:r>
+              <a:rPr lang="en-US" dirty="0" err="1"/>
+              <a:t>TrafficData</a:t>
+            </a:r>
+            <a:r>
+              <a:rPr lang="en-US" dirty="0"/>
+              <a:t> (</a:t>
+            </a:r>
+            <a:r>
+              <a:rPr lang="el-GR" dirty="0"/>
+              <a:t>Κάθε αισθητήρας συλλέγει πολλαπλές εγγραφές δεδομένων).</a:t>
+            </a:r>
+            <a:endParaRPr lang="en-US" dirty="0"/>
+          </a:p>
+          <a:p>
+            <a:pPr marL="0" indent="0">
+              <a:buNone/>
+            </a:pPr>
+            <a:r>
+              <a:rPr lang="en-US" b="1" dirty="0" smtClean="0"/>
+              <a:t>(</a:t>
+            </a:r>
+            <a:r>
+              <a:rPr lang="en-US" b="1" dirty="0"/>
+              <a:t>1:N)</a:t>
+            </a:r>
+            <a:r>
+              <a:rPr lang="en-US" dirty="0"/>
+              <a:t> </a:t>
+            </a:r>
+            <a:r>
+              <a:rPr lang="en-US" dirty="0" err="1"/>
+              <a:t>TrafficSensor</a:t>
+            </a:r>
+            <a:r>
+              <a:rPr lang="en-US" dirty="0"/>
+              <a:t> → </a:t>
+            </a:r>
+            <a:r>
+              <a:rPr lang="en-US" dirty="0" err="1"/>
+              <a:t>VehicleDetection</a:t>
+            </a:r>
+            <a:r>
+              <a:rPr lang="en-US" dirty="0"/>
+              <a:t> (</a:t>
+            </a:r>
+            <a:r>
+              <a:rPr lang="el-GR" dirty="0"/>
+              <a:t>Κάθε αισθητήρας ανιχνεύει πολλαπλά οχήματα).</a:t>
+            </a:r>
+            <a:endParaRPr lang="en-US" dirty="0"/>
+          </a:p>
+          <a:p>
+            <a:pPr marL="0" indent="0">
+              <a:buNone/>
+            </a:pPr>
+            <a:r>
+              <a:rPr lang="en-US" b="1" dirty="0"/>
+              <a:t>(</a:t>
+            </a:r>
+            <a:r>
+              <a:rPr lang="el-GR" b="1" dirty="0"/>
+              <a:t>1:</a:t>
+            </a:r>
+            <a:r>
+              <a:rPr lang="en-US" b="1" dirty="0"/>
+              <a:t>N) </a:t>
+            </a:r>
+            <a:r>
+              <a:rPr lang="en-US" dirty="0" err="1"/>
+              <a:t>TrafficSensor</a:t>
+            </a:r>
+            <a:r>
+              <a:rPr lang="en-US" dirty="0"/>
+              <a:t> → </a:t>
+            </a:r>
+            <a:r>
+              <a:rPr lang="en-US" dirty="0" err="1"/>
+              <a:t>PedestrianDetection</a:t>
+            </a:r>
+            <a:r>
+              <a:rPr lang="en-US" dirty="0"/>
+              <a:t> (</a:t>
+            </a:r>
+            <a:r>
+              <a:rPr lang="el-GR" dirty="0"/>
+              <a:t>Κάθε αισθητήρας ανιχνεύει πολλαπλούς πεζούς).</a:t>
+            </a:r>
+            <a:endParaRPr lang="en-US" dirty="0"/>
+          </a:p>
+          <a:p>
+            <a:pPr marL="0" indent="0">
+              <a:buNone/>
+            </a:pPr>
+            <a:r>
+              <a:rPr lang="en-US" b="1" dirty="0"/>
+              <a:t>(</a:t>
+            </a:r>
+            <a:r>
+              <a:rPr lang="el-GR" b="1" dirty="0"/>
+              <a:t>1:</a:t>
+            </a:r>
+            <a:r>
+              <a:rPr lang="en-US" b="1" dirty="0"/>
+              <a:t>N) </a:t>
+            </a:r>
+            <a:r>
+              <a:rPr lang="en-US" dirty="0" err="1"/>
+              <a:t>TrafficSensor</a:t>
+            </a:r>
+            <a:r>
+              <a:rPr lang="en-US" dirty="0"/>
+              <a:t> → </a:t>
+            </a:r>
+            <a:r>
+              <a:rPr lang="en-US" dirty="0" err="1"/>
+              <a:t>CyclistDetection</a:t>
+            </a:r>
+            <a:r>
+              <a:rPr lang="en-US" dirty="0"/>
+              <a:t> (</a:t>
+            </a:r>
+            <a:r>
+              <a:rPr lang="el-GR" dirty="0"/>
+              <a:t>Κάθε αισθητήρας ανιχνεύει πολλαπλούς ποδηλάτες).</a:t>
+            </a:r>
+            <a:endParaRPr lang="en-US" dirty="0"/>
+          </a:p>
+          <a:p>
+            <a:pPr marL="0" indent="0">
+              <a:buNone/>
+            </a:pPr>
+            <a:r>
+              <a:rPr lang="en-US" b="1" dirty="0"/>
+              <a:t>(</a:t>
+            </a:r>
+            <a:r>
+              <a:rPr lang="el-GR" b="1" dirty="0"/>
+              <a:t>1:</a:t>
+            </a:r>
+            <a:r>
+              <a:rPr lang="en-US" b="1" dirty="0"/>
+              <a:t>N)</a:t>
+            </a:r>
+            <a:r>
+              <a:rPr lang="en-US" dirty="0"/>
+              <a:t> </a:t>
+            </a:r>
+            <a:r>
+              <a:rPr lang="en-US" dirty="0" err="1"/>
+              <a:t>TrafficSensor</a:t>
+            </a:r>
+            <a:r>
+              <a:rPr lang="en-US" dirty="0"/>
+              <a:t> → </a:t>
+            </a:r>
+            <a:r>
+              <a:rPr lang="en-US" dirty="0" err="1"/>
+              <a:t>EmergencyVehicleDetection</a:t>
+            </a:r>
+            <a:r>
+              <a:rPr lang="en-US" dirty="0"/>
+              <a:t> (</a:t>
+            </a:r>
+            <a:r>
+              <a:rPr lang="el-GR" dirty="0"/>
+              <a:t>Κάθε αισθητήρας ανιχνεύει οχήματα έκτακτης ανάγκης</a:t>
+            </a:r>
+            <a:r>
+              <a:rPr lang="el-GR" dirty="0" smtClean="0"/>
+              <a:t>).</a:t>
+            </a:r>
+            <a:endParaRPr lang="en-US" dirty="0" smtClean="0"/>
+          </a:p>
+          <a:p>
+            <a:pPr marL="0" indent="0">
+              <a:buNone/>
+            </a:pPr>
+            <a:r>
+              <a:rPr lang="en-US" b="1" dirty="0"/>
+              <a:t>(1:N) </a:t>
+            </a:r>
+            <a:r>
+              <a:rPr lang="en-US" dirty="0" err="1"/>
+              <a:t>TrafficLight</a:t>
+            </a:r>
+            <a:r>
+              <a:rPr lang="en-US" dirty="0"/>
+              <a:t> → </a:t>
+            </a:r>
+            <a:r>
+              <a:rPr lang="en-US" dirty="0" err="1"/>
+              <a:t>AI_TrafficPrediction</a:t>
+            </a:r>
+            <a:r>
+              <a:rPr lang="en-US" dirty="0"/>
+              <a:t> (</a:t>
+            </a:r>
+            <a:r>
+              <a:rPr lang="el-GR" dirty="0"/>
+              <a:t>Κάθε φανάρι έχει προβλέψεις συμφόρησης).</a:t>
+            </a:r>
+            <a:endParaRPr lang="en-US" dirty="0"/>
+          </a:p>
+          <a:p>
+            <a:pPr marL="0" indent="0">
+              <a:buNone/>
+            </a:pPr>
+            <a:endParaRPr lang="el-GR" dirty="0"/>
+          </a:p>
+          <a:p>
+            <a:pPr marL="0" indent="0">
+              <a:buNone/>
+            </a:pPr>
+            <a:endParaRPr lang="en-US" dirty="0"/>
+          </a:p>
+          <a:p>
+            <a:pPr marL="0" indent="0">
+              <a:buNone/>
+            </a:pPr>
+            <a:endParaRPr lang="en-US" dirty="0" smtClean="0">
+              <a:sym typeface="Wingdings" panose="05000000000000000000" pitchFamily="2" charset="2"/>
+            </a:endParaRPr>
+          </a:p>
+          <a:p>
+            <a:pPr marL="0" indent="0">
+              <a:buNone/>
+            </a:pPr>
             <a:endParaRPr lang="en-US" dirty="0">
               <a:sym typeface="Wingdings" panose="05000000000000000000" pitchFamily="2" charset="2"/>
             </a:endParaRPr>
@@ -14223,15 +14462,11 @@
             </a:pPr>
             <a:r>
               <a:rPr lang="el-GR" b="1" dirty="0" smtClean="0"/>
-              <a:t>Σκοπός</a:t>
-            </a:r>
-            <a:r>
-              <a:rPr lang="el-GR" b="1" dirty="0"/>
-              <a:t>:</a:t>
-            </a:r>
-            <a:r>
-              <a:rPr lang="el-GR" dirty="0"/>
-              <a:t> Καθορίζει τη βασική υποδομή ελέγχου της κυκλοφορίας.</a:t>
+              <a:t>Σκοπός:</a:t>
+            </a:r>
+            <a:r>
+              <a:rPr lang="el-GR" dirty="0" smtClean="0"/>
+              <a:t> Καθορίζει τη βασική υποδομή ελέγχου της κυκλοφορίας, </a:t>
             </a:r>
             <a:endParaRPr lang="en-US" dirty="0" smtClean="0"/>
           </a:p>
@@ -14364,18 +14599,20 @@
           <a:p>
             <a:r>
               <a:rPr lang="el-GR" b="1" dirty="0"/>
-              <a:t> Κυκλοφοριακά και περιβαλλοντικά δεδομένα (Συλλογή και παρακολούθηση δεδομένων</a:t>
+              <a:t> </a:t>
+            </a:r>
+            <a:r>
+              <a:rPr lang="en-US" b="1" dirty="0" err="1" smtClean="0"/>
+              <a:t>WeatherDB</a:t>
+            </a:r>
+            <a:r>
+              <a:rPr lang="en-US" b="1" dirty="0" smtClean="0"/>
+              <a:t> - </a:t>
             </a:r>
             <a:r>
               <a:rPr lang="el-GR" b="1" dirty="0" smtClean="0"/>
-              <a:t>)</a:t>
-            </a:r>
-          </a:p>
-          <a:p>
-            <a:pPr marL="0" indent="0">
-              <a:buNone/>
-            </a:pPr>
-            <a:endParaRPr lang="el-GR" b="1" dirty="0"/>
+              <a:t>Έλεγχος καιρικών φαινομένων για προσαρμογή</a:t>
+            </a:r>
           </a:p>
           <a:p>
             <a:pPr marL="0" indent="0">
@@ -14417,14 +14654,14 @@
       </p:sp>
       <p:pic>
         <p:nvPicPr>
-          <p:cNvPr id="4" name="Picture 3"/>
+          <p:cNvPr id="6" name="Picture 5"/>
           <p:cNvPicPr>
             <a:picLocks noChangeAspect="1"/>
           </p:cNvPicPr>
           <p:nvPr/>
         </p:nvPicPr>
         <p:blipFill>
-          <a:blip r:embed="rId2" cstate="print">
+          <a:blip r:embed="rId2">
             <a:extLst>
               <a:ext uri="{28A0092B-C50C-407E-A947-70E740481C1C}">
                 <a14:useLocalDpi xmlns:a14="http://schemas.microsoft.com/office/drawing/2010/main" val="0"/>
@@ -14437,8 +14674,8 @@
         </p:blipFill>
         <p:spPr>
           <a:xfrm>
-            <a:off x="4038448" y="2695073"/>
-            <a:ext cx="4115104" cy="3970782"/>
+            <a:off x="3466408" y="2279951"/>
+            <a:ext cx="4596939" cy="4486753"/>
           </a:xfrm>
           <a:prstGeom prst="rect">
             <a:avLst/>
@@ -14448,7 +14685,7 @@
     </p:spTree>
     <p:extLst>
       <p:ext uri="{BB962C8B-B14F-4D97-AF65-F5344CB8AC3E}">
-        <p14:creationId xmlns:p14="http://schemas.microsoft.com/office/powerpoint/2010/main" val="820220166"/>
+        <p14:creationId xmlns:p14="http://schemas.microsoft.com/office/powerpoint/2010/main" val="1827528382"/>
       </p:ext>
     </p:extLst>
   </p:cSld>
@@ -14530,17 +14767,25 @@
         <p:spPr/>
         <p:txBody>
           <a:bodyPr>
-            <a:normAutofit lnSpcReduction="10000"/>
+            <a:normAutofit/>
           </a:bodyPr>
           <a:lstStyle/>
           <a:p>
             <a:r>
               <a:rPr lang="el-GR" b="1" dirty="0"/>
-              <a:t> Κυκλοφοριακά και περιβαλλοντικά δεδομένα (Συλλογή και παρακολούθηση δεδομένων</a:t>
-            </a:r>
-            <a:r>
-              <a:rPr lang="el-GR" b="1" dirty="0" smtClean="0"/>
-              <a:t>)</a:t>
+              <a:t>  </a:t>
+            </a:r>
+            <a:r>
+              <a:rPr lang="en-US" b="1" dirty="0" err="1"/>
+              <a:t>WeatherDB</a:t>
+            </a:r>
+            <a:r>
+              <a:rPr lang="en-US" b="1" dirty="0"/>
+              <a:t> - </a:t>
+            </a:r>
+            <a:r>
+              <a:rPr lang="el-GR" b="1" dirty="0"/>
+              <a:t>Έλεγχος καιρικών φαινομένων για προσαρμογή</a:t>
             </a:r>
           </a:p>
           <a:p>
@@ -14554,88 +14799,46 @@
               <a:buNone/>
             </a:pPr>
             <a:r>
-              <a:rPr lang="en-US" b="1" dirty="0" smtClean="0"/>
-              <a:t>(1:N) </a:t>
-            </a:r>
-            <a:r>
-              <a:rPr lang="en-US" dirty="0" err="1"/>
-              <a:t>TrafficSensor</a:t>
-            </a:r>
-            <a:r>
-              <a:rPr lang="en-US" dirty="0"/>
-              <a:t> → </a:t>
-            </a:r>
-            <a:r>
-              <a:rPr lang="en-US" dirty="0" err="1"/>
-              <a:t>TrafficData</a:t>
-            </a:r>
-            <a:r>
-              <a:rPr lang="en-US" dirty="0"/>
-              <a:t> (</a:t>
-            </a:r>
-            <a:r>
-              <a:rPr lang="el-GR" dirty="0"/>
-              <a:t>Κάθε αισθητήρας συλλέγει πολλαπλές εγγραφές δεδομένων</a:t>
-            </a:r>
-            <a:r>
-              <a:rPr lang="el-GR" dirty="0" smtClean="0"/>
-              <a:t>).</a:t>
-            </a:r>
-            <a:endParaRPr lang="en-US" dirty="0" smtClean="0"/>
+              <a:rPr lang="el-GR" b="1" dirty="0">
+                <a:sym typeface="Wingdings" panose="05000000000000000000" pitchFamily="2" charset="2"/>
+              </a:rPr>
+              <a:t>(1:Ν) </a:t>
+            </a:r>
+            <a:r>
+              <a:rPr lang="el-GR" dirty="0">
+                <a:sym typeface="Wingdings" panose="05000000000000000000" pitchFamily="2" charset="2"/>
+              </a:rPr>
+              <a:t>TrafficLight → TrafficSensor (Ένα φανάρι μπορεί να έχει πολλούς αισθητήρες).</a:t>
+            </a:r>
+            <a:endParaRPr lang="en-US" dirty="0">
+              <a:sym typeface="Wingdings" panose="05000000000000000000" pitchFamily="2" charset="2"/>
+            </a:endParaRPr>
           </a:p>
           <a:p>
             <a:pPr marL="0" indent="0">
               <a:buNone/>
             </a:pPr>
             <a:r>
-              <a:rPr lang="en-US" b="1" dirty="0"/>
-              <a:t>(</a:t>
-            </a:r>
-            <a:r>
-              <a:rPr lang="el-GR" b="1" dirty="0" smtClean="0"/>
-              <a:t>1:</a:t>
-            </a:r>
-            <a:r>
-              <a:rPr lang="en-US" b="1" dirty="0" smtClean="0"/>
-              <a:t>N) </a:t>
-            </a:r>
-            <a:r>
-              <a:rPr lang="en-US" dirty="0" err="1" smtClean="0"/>
-              <a:t>TrafficSensor</a:t>
-            </a:r>
-            <a:r>
-              <a:rPr lang="en-US" dirty="0" smtClean="0"/>
-              <a:t> </a:t>
-            </a:r>
-            <a:r>
-              <a:rPr lang="en-US" dirty="0"/>
-              <a:t>→ </a:t>
-            </a:r>
-            <a:r>
-              <a:rPr lang="en-US" dirty="0" err="1"/>
-              <a:t>WeatherConditions</a:t>
-            </a:r>
-            <a:r>
-              <a:rPr lang="en-US" dirty="0"/>
-              <a:t> (</a:t>
-            </a:r>
-            <a:r>
-              <a:rPr lang="el-GR" dirty="0"/>
-              <a:t>Κάθε </a:t>
-            </a:r>
-            <a:r>
-              <a:rPr lang="el-GR" dirty="0" smtClean="0"/>
-              <a:t>αισθητήρας μπορεί </a:t>
-            </a:r>
-            <a:r>
-              <a:rPr lang="el-GR" dirty="0"/>
-              <a:t>να έχει δεδομένα καιρού</a:t>
-            </a:r>
-            <a:r>
-              <a:rPr lang="el-GR" dirty="0" smtClean="0"/>
-              <a:t>).</a:t>
-            </a:r>
-            <a:endParaRPr lang="en-US" dirty="0" smtClean="0"/>
+              <a:rPr lang="el-GR" b="1" dirty="0" smtClean="0">
+                <a:sym typeface="Wingdings" panose="05000000000000000000" pitchFamily="2" charset="2"/>
+              </a:rPr>
+              <a:t>(1:Ν) </a:t>
+            </a:r>
+            <a:r>
+              <a:rPr lang="en-US" dirty="0" smtClean="0">
+                <a:sym typeface="Wingdings" panose="05000000000000000000" pitchFamily="2" charset="2"/>
+              </a:rPr>
+              <a:t>Traffic Sensor  Weather Conditions (</a:t>
+            </a:r>
+            <a:r>
+              <a:rPr lang="el-GR" dirty="0" smtClean="0">
+                <a:sym typeface="Wingdings" panose="05000000000000000000" pitchFamily="2" charset="2"/>
+              </a:rPr>
+              <a:t>Ένας αισθητήρας ανιχνεύει πολλαπλά καιρικά φαινόμενα).</a:t>
+            </a:r>
+            <a:endParaRPr lang="el-GR" b="1" dirty="0" smtClean="0">
+              <a:sym typeface="Wingdings" panose="05000000000000000000" pitchFamily="2" charset="2"/>
+            </a:endParaRPr>
           </a:p>
           <a:p>
             <a:pPr marL="0" indent="0">
@@ -14659,18 +14862,12 @@
             </a:r>
             <a:r>
               <a:rPr lang="el-GR" dirty="0"/>
-              <a:t> Συγκεντρώνει σε πραγματικό χρόνο τις συνθήκες κυκλοφορίας και τις καιρικές συνθήκες</a:t>
+              <a:t> </a:t>
             </a:r>
             <a:r>
               <a:rPr lang="el-GR" dirty="0" smtClean="0"/>
-              <a:t>.</a:t>
-            </a:r>
-            <a:endParaRPr lang="en-US" dirty="0" smtClean="0"/>
-          </a:p>
-          <a:p>
-            <a:pPr marL="0" indent="0">
-              <a:buNone/>
-            </a:pPr>
+              <a:t>Αποθηκεύει καιρικά δεδομένα που επηρεάζουν την κυκλοφορία.</a:t>
+            </a:r>
             <a:endParaRPr lang="en-US" b="1" dirty="0" smtClean="0"/>
           </a:p>
           <a:p>
@@ -14708,7 +14905,7 @@
     </p:spTree>
     <p:extLst>
       <p:ext uri="{BB962C8B-B14F-4D97-AF65-F5344CB8AC3E}">
-        <p14:creationId xmlns:p14="http://schemas.microsoft.com/office/powerpoint/2010/main" val="1490713696"/>
+        <p14:creationId xmlns:p14="http://schemas.microsoft.com/office/powerpoint/2010/main" val="3285596745"/>
       </p:ext>
     </p:extLst>
   </p:cSld>
@@ -14796,18 +14993,37 @@
           <a:p>
             <a:r>
               <a:rPr lang="el-GR" b="1" dirty="0"/>
-              <a:t> Ανίχνευση και χρήστες του δρόμου (ροή οχημάτων και πεζών</a:t>
+              <a:t> </a:t>
+            </a:r>
+            <a:r>
+              <a:rPr lang="en-US" b="1" dirty="0" err="1" smtClean="0"/>
+              <a:t>User</a:t>
+            </a:r>
+            <a:r>
+              <a:rPr lang="en-US" b="1" dirty="0" err="1" smtClean="0"/>
+              <a:t>DB</a:t>
+            </a:r>
+            <a:r>
+              <a:rPr lang="en-US" b="1" dirty="0" smtClean="0"/>
+              <a:t> – </a:t>
             </a:r>
             <a:r>
               <a:rPr lang="el-GR" b="1" dirty="0" smtClean="0"/>
-              <a:t>)</a:t>
-            </a:r>
+              <a:t>Διαχείριση των χρηστών του συστήματος</a:t>
+            </a:r>
+            <a:endParaRPr lang="el-GR" b="1" dirty="0" smtClean="0"/>
           </a:p>
           <a:p>
             <a:pPr marL="0" indent="0">
               <a:buNone/>
             </a:pPr>
-            <a:endParaRPr lang="el-GR" b="1" dirty="0"/>
+            <a:endParaRPr lang="en-US" b="1" dirty="0" smtClean="0"/>
+          </a:p>
+          <a:p>
+            <a:pPr marL="0" indent="0">
+              <a:buNone/>
+            </a:pPr>
+            <a:endParaRPr lang="en-US" b="1" dirty="0"/>
           </a:p>
           <a:p>
             <a:pPr marL="0" indent="0">
@@ -14844,7 +15060,7 @@
           <p:nvPr/>
         </p:nvPicPr>
         <p:blipFill>
-          <a:blip r:embed="rId2" cstate="print">
+          <a:blip r:embed="rId2">
             <a:extLst>
               <a:ext uri="{28A0092B-C50C-407E-A947-70E740481C1C}">
                 <a14:useLocalDpi xmlns:a14="http://schemas.microsoft.com/office/drawing/2010/main" val="0"/>
@@ -14857,8 +15073,8 @@
         </p:blipFill>
         <p:spPr>
           <a:xfrm>
-            <a:off x="4054491" y="2557922"/>
-            <a:ext cx="4083082" cy="3939884"/>
+            <a:off x="3563692" y="2295817"/>
+            <a:ext cx="4674221" cy="4562183"/>
           </a:xfrm>
           <a:prstGeom prst="rect">
             <a:avLst/>
@@ -14868,7 +15084,7 @@
     </p:spTree>
     <p:extLst>
       <p:ext uri="{BB962C8B-B14F-4D97-AF65-F5344CB8AC3E}">
-        <p14:creationId xmlns:p14="http://schemas.microsoft.com/office/powerpoint/2010/main" val="3625309836"/>
+        <p14:creationId xmlns:p14="http://schemas.microsoft.com/office/powerpoint/2010/main" val="2610266640"/>
       </p:ext>
     </p:extLst>
   </p:cSld>
@@ -14950,17 +15166,29 @@
         <p:spPr/>
         <p:txBody>
           <a:bodyPr>
-            <a:normAutofit fontScale="85000" lnSpcReduction="20000"/>
+            <a:normAutofit lnSpcReduction="10000"/>
           </a:bodyPr>
           <a:lstStyle/>
           <a:p>
             <a:r>
               <a:rPr lang="el-GR" b="1" dirty="0"/>
-              <a:t> Ανίχνευση και χρήστες του δρόμου (ροή οχημάτων και πεζών</a:t>
+              <a:t> </a:t>
+            </a:r>
+            <a:r>
+              <a:rPr lang="en-US" b="1" dirty="0" err="1"/>
+              <a:t>UserDB</a:t>
+            </a:r>
+            <a:r>
+              <a:rPr lang="en-US" b="1" dirty="0"/>
+              <a:t> – </a:t>
+            </a:r>
+            <a:r>
+              <a:rPr lang="el-GR" b="1" dirty="0"/>
+              <a:t>Διαχείριση των χρηστών του </a:t>
             </a:r>
             <a:r>
               <a:rPr lang="el-GR" b="1" dirty="0" smtClean="0"/>
-              <a:t>)</a:t>
+              <a:t>συστήματος</a:t>
             </a:r>
           </a:p>
           <a:p>
@@ -14974,193 +15202,100 @@
               <a:buNone/>
             </a:pPr>
             <a:r>
-              <a:rPr lang="en-US" b="1" dirty="0" smtClean="0"/>
-              <a:t>(1:N)</a:t>
+              <a:rPr lang="el-GR" b="1" dirty="0" smtClean="0"/>
+              <a:t>(1:1) </a:t>
+            </a:r>
+            <a:r>
+              <a:rPr lang="el-GR" dirty="0"/>
+              <a:t>User → UserRole (Κάθε χρήστης έχει έναν ρόλο</a:t>
+            </a:r>
+            <a:r>
+              <a:rPr lang="el-GR" dirty="0" smtClean="0"/>
+              <a:t>)</a:t>
+            </a:r>
+          </a:p>
+          <a:p>
+            <a:pPr marL="0" indent="0">
+              <a:buNone/>
+            </a:pPr>
+            <a:r>
+              <a:rPr lang="el-GR" b="1" dirty="0"/>
+              <a:t>(</a:t>
+            </a:r>
+            <a:r>
+              <a:rPr lang="el-GR" b="1" dirty="0" smtClean="0"/>
+              <a:t>1:N) </a:t>
+            </a:r>
+            <a:r>
+              <a:rPr lang="el-GR" dirty="0" smtClean="0"/>
+              <a:t>User </a:t>
+            </a:r>
+            <a:r>
+              <a:rPr lang="el-GR" dirty="0"/>
+              <a:t>→ UserActionLog (Ένας χρήστης μπορεί να έχει πολλαπλές καταγεγραμμένες ενέργειες</a:t>
+            </a:r>
+            <a:r>
+              <a:rPr lang="el-GR" dirty="0" smtClean="0"/>
+              <a:t>)</a:t>
+            </a:r>
+          </a:p>
+          <a:p>
+            <a:pPr marL="0" indent="0">
+              <a:buNone/>
+            </a:pPr>
+            <a:r>
+              <a:rPr lang="el-GR" b="1" dirty="0" smtClean="0"/>
+              <a:t>(1:Ν) </a:t>
             </a:r>
             <a:r>
               <a:rPr lang="en-US" dirty="0" smtClean="0"/>
-              <a:t> </a:t>
-            </a:r>
-            <a:r>
-              <a:rPr lang="en-US" dirty="0" err="1" smtClean="0"/>
-              <a:t>TrafficSensor</a:t>
-            </a:r>
-            <a:r>
-              <a:rPr lang="en-US" dirty="0" smtClean="0"/>
-              <a:t> </a:t>
-            </a:r>
-            <a:r>
-              <a:rPr lang="en-US" dirty="0"/>
-              <a:t>→ </a:t>
-            </a:r>
-            <a:r>
-              <a:rPr lang="en-US" dirty="0" err="1"/>
-              <a:t>VehicleDetection</a:t>
-            </a:r>
-            <a:r>
-              <a:rPr lang="en-US" dirty="0"/>
+              <a:t>User </a:t>
+            </a:r>
+            <a:r>
+              <a:rPr lang="en-US" dirty="0" smtClean="0">
+                <a:sym typeface="Wingdings" panose="05000000000000000000" pitchFamily="2" charset="2"/>
+              </a:rPr>
+              <a:t> </a:t>
+            </a:r>
+            <a:r>
+              <a:rPr lang="en-US" dirty="0" err="1" smtClean="0">
+                <a:sym typeface="Wingdings" panose="05000000000000000000" pitchFamily="2" charset="2"/>
+              </a:rPr>
+              <a:t>TrafficLight</a:t>
+            </a:r>
+            <a:r>
+              <a:rPr lang="en-US" dirty="0" smtClean="0">
+                <a:sym typeface="Wingdings" panose="05000000000000000000" pitchFamily="2" charset="2"/>
+              </a:rPr>
               <a:t> (</a:t>
             </a:r>
             <a:r>
-              <a:rPr lang="el-GR" dirty="0"/>
-              <a:t>Κάθε αισθητήρας ανιχνεύει πολλαπλά οχήματα</a:t>
-            </a:r>
-            <a:r>
-              <a:rPr lang="el-GR" dirty="0" smtClean="0"/>
-              <a:t>).</a:t>
-            </a:r>
-            <a:endParaRPr lang="en-US" dirty="0" smtClean="0"/>
+              <a:rPr lang="el-GR" dirty="0">
+                <a:sym typeface="Wingdings" panose="05000000000000000000" pitchFamily="2" charset="2"/>
+              </a:rPr>
+              <a:t>Ένας χρήστης διαχειρίζεται πολλαπλούς φωτεινούς </a:t>
+            </a:r>
+            <a:r>
+              <a:rPr lang="el-GR" dirty="0" smtClean="0">
+                <a:sym typeface="Wingdings" panose="05000000000000000000" pitchFamily="2" charset="2"/>
+              </a:rPr>
+              <a:t>σηματοδότες</a:t>
+            </a:r>
+            <a:r>
+              <a:rPr lang="en-US" dirty="0" smtClean="0">
+                <a:sym typeface="Wingdings" panose="05000000000000000000" pitchFamily="2" charset="2"/>
+              </a:rPr>
+              <a:t>)</a:t>
+            </a:r>
+            <a:endParaRPr lang="el-GR" b="1" dirty="0" smtClean="0"/>
           </a:p>
           <a:p>
             <a:pPr marL="0" indent="0">
               <a:buNone/>
             </a:pPr>
-            <a:r>
-              <a:rPr lang="en-US" b="1" dirty="0" smtClean="0"/>
-              <a:t>(</a:t>
-            </a:r>
-            <a:r>
-              <a:rPr lang="el-GR" b="1" dirty="0" smtClean="0"/>
-              <a:t>1:</a:t>
-            </a:r>
-            <a:r>
-              <a:rPr lang="en-US" b="1" dirty="0" smtClean="0"/>
-              <a:t>N) </a:t>
-            </a:r>
-            <a:r>
-              <a:rPr lang="en-US" dirty="0" err="1" smtClean="0"/>
-              <a:t>TrafficSensor</a:t>
-            </a:r>
-            <a:r>
-              <a:rPr lang="en-US" dirty="0" smtClean="0"/>
-              <a:t> </a:t>
-            </a:r>
-            <a:r>
-              <a:rPr lang="en-US" dirty="0"/>
-              <a:t>→ </a:t>
-            </a:r>
-            <a:r>
-              <a:rPr lang="en-US" dirty="0" err="1"/>
-              <a:t>PedestrianDetection</a:t>
-            </a:r>
-            <a:r>
-              <a:rPr lang="en-US" dirty="0"/>
-              <a:t> (</a:t>
-            </a:r>
-            <a:r>
-              <a:rPr lang="el-GR" dirty="0"/>
-              <a:t>Κάθε αισθητήρας ανιχνεύει πολλαπλούς πεζούς</a:t>
-            </a:r>
-            <a:r>
-              <a:rPr lang="el-GR" dirty="0" smtClean="0"/>
-              <a:t>).</a:t>
-            </a:r>
-            <a:endParaRPr lang="en-US" dirty="0" smtClean="0"/>
-          </a:p>
-          <a:p>
-            <a:pPr marL="0" indent="0">
-              <a:buNone/>
-            </a:pPr>
-            <a:r>
-              <a:rPr lang="en-US" b="1" dirty="0"/>
-              <a:t>(</a:t>
-            </a:r>
-            <a:r>
-              <a:rPr lang="el-GR" b="1" dirty="0" smtClean="0"/>
-              <a:t>1:</a:t>
-            </a:r>
-            <a:r>
-              <a:rPr lang="en-US" b="1" dirty="0" smtClean="0"/>
-              <a:t>N) </a:t>
-            </a:r>
-            <a:r>
-              <a:rPr lang="en-US" dirty="0" err="1" smtClean="0"/>
-              <a:t>TrafficSensor</a:t>
-            </a:r>
-            <a:r>
-              <a:rPr lang="en-US" dirty="0" smtClean="0"/>
-              <a:t> </a:t>
-            </a:r>
-            <a:r>
-              <a:rPr lang="en-US" dirty="0"/>
-              <a:t>→ </a:t>
-            </a:r>
-            <a:r>
-              <a:rPr lang="en-US" dirty="0" err="1"/>
-              <a:t>CyclistDetection</a:t>
-            </a:r>
-            <a:r>
-              <a:rPr lang="en-US" dirty="0"/>
-              <a:t> (</a:t>
-            </a:r>
-            <a:r>
-              <a:rPr lang="el-GR" dirty="0"/>
-              <a:t>Κάθε αισθητήρας ανιχνεύει πολλαπλούς ποδηλάτες</a:t>
-            </a:r>
-            <a:r>
-              <a:rPr lang="el-GR" dirty="0" smtClean="0"/>
-              <a:t>).</a:t>
-            </a:r>
-            <a:endParaRPr lang="en-US" dirty="0" smtClean="0"/>
-          </a:p>
-          <a:p>
-            <a:pPr marL="0" indent="0">
-              <a:buNone/>
-            </a:pPr>
-            <a:r>
-              <a:rPr lang="en-US" b="1" dirty="0"/>
-              <a:t>(</a:t>
-            </a:r>
-            <a:r>
-              <a:rPr lang="el-GR" b="1" dirty="0" smtClean="0"/>
-              <a:t>1:</a:t>
-            </a:r>
-            <a:r>
-              <a:rPr lang="en-US" b="1" dirty="0" smtClean="0"/>
-              <a:t>N)</a:t>
-            </a:r>
-            <a:r>
-              <a:rPr lang="en-US" dirty="0" smtClean="0"/>
-              <a:t> </a:t>
-            </a:r>
-            <a:r>
-              <a:rPr lang="en-US" dirty="0" err="1" smtClean="0"/>
-              <a:t>TrafficSensor</a:t>
-            </a:r>
-            <a:r>
-              <a:rPr lang="en-US" dirty="0" smtClean="0"/>
-              <a:t> </a:t>
-            </a:r>
-            <a:r>
-              <a:rPr lang="en-US" dirty="0"/>
-              <a:t>→ </a:t>
-            </a:r>
-            <a:r>
-              <a:rPr lang="en-US" dirty="0" err="1" smtClean="0"/>
-              <a:t>EmergencyVehicleDetection</a:t>
-            </a:r>
-            <a:r>
-              <a:rPr lang="en-US" dirty="0" smtClean="0"/>
-              <a:t> </a:t>
-            </a:r>
-            <a:r>
-              <a:rPr lang="en-US" dirty="0"/>
-              <a:t>(</a:t>
-            </a:r>
-            <a:r>
-              <a:rPr lang="el-GR" dirty="0"/>
-              <a:t>Κάθε αισθητήρας ανιχνεύει οχήματα έκτακτης ανάγκης</a:t>
-            </a:r>
-            <a:r>
-              <a:rPr lang="el-GR" dirty="0" smtClean="0"/>
-              <a:t>).</a:t>
-            </a:r>
-          </a:p>
-          <a:p>
-            <a:pPr marL="0" indent="0">
-              <a:buNone/>
-            </a:pPr>
-            <a:endParaRPr lang="en-US" b="1" dirty="0" smtClean="0"/>
+            <a:endParaRPr lang="en-US" dirty="0">
+              <a:sym typeface="Wingdings" panose="05000000000000000000" pitchFamily="2" charset="2"/>
+            </a:endParaRPr>
           </a:p>
           <a:p>
             <a:pPr marL="0" indent="0">
@@ -15176,8 +15311,14 @@
             </a:r>
             <a:r>
               <a:rPr lang="el-GR" dirty="0"/>
-              <a:t> Διαχειρίζεται την ανίχνευση χρηστών του δρόμου, συμπεριλαμβανομένων οχημάτων, πεζών και οχημάτων έκτακτης ανάγκης.</a:t>
-            </a:r>
+              <a:t> Διαχειρίζεται τους χρήστες του συστήματος, τους ρόλους τους και καταγράφει τις ενέργειές τους.</a:t>
+            </a:r>
+            <a:endParaRPr lang="en-US" b="1" dirty="0" smtClean="0"/>
+          </a:p>
+          <a:p>
+            <a:pPr marL="0" indent="0">
+              <a:buNone/>
+            </a:pPr>
             <a:endParaRPr lang="en-US" b="1" dirty="0"/>
           </a:p>
           <a:p>
@@ -15209,7 +15350,7 @@
     </p:spTree>
     <p:extLst>
       <p:ext uri="{BB962C8B-B14F-4D97-AF65-F5344CB8AC3E}">
-        <p14:creationId xmlns:p14="http://schemas.microsoft.com/office/powerpoint/2010/main" val="2792104694"/>
+        <p14:creationId xmlns:p14="http://schemas.microsoft.com/office/powerpoint/2010/main" val="1711121140"/>
       </p:ext>
     </p:extLst>
   </p:cSld>
@@ -15297,19 +15438,25 @@
           <a:p>
             <a:r>
               <a:rPr lang="el-GR" b="1" dirty="0"/>
-              <a:t> Τεχνητή νοημοσύνη &amp; έξυπνη διαχείριση της κυκλοφορίας (ευφυής λήψη αποφάσεων</a:t>
+              <a:t> </a:t>
+            </a:r>
+            <a:r>
+              <a:rPr lang="en-US" b="1" dirty="0" err="1" smtClean="0"/>
+              <a:t>Notification</a:t>
+            </a:r>
+            <a:r>
+              <a:rPr lang="en-US" b="1" dirty="0" err="1" smtClean="0"/>
+              <a:t>DB</a:t>
+            </a:r>
+            <a:r>
+              <a:rPr lang="en-US" b="1" dirty="0" smtClean="0"/>
+              <a:t> – </a:t>
             </a:r>
             <a:r>
               <a:rPr lang="el-GR" b="1" dirty="0" smtClean="0"/>
-              <a:t>)</a:t>
+              <a:t>Διαχείριση των ειδοποίησεων των υπηρεσιών στους χρήστες</a:t>
             </a:r>
             <a:endParaRPr lang="en-US" b="1" dirty="0" smtClean="0"/>
-          </a:p>
-          <a:p>
-            <a:pPr marL="0" indent="0">
-              <a:buNone/>
-            </a:pPr>
-            <a:endParaRPr lang="el-GR" b="1" dirty="0"/>
           </a:p>
           <a:p>
             <a:pPr marL="0" indent="0">
@@ -15345,14 +15492,14 @@
       </p:sp>
       <p:pic>
         <p:nvPicPr>
-          <p:cNvPr id="4" name="Picture 3"/>
+          <p:cNvPr id="5" name="Picture 4"/>
           <p:cNvPicPr>
             <a:picLocks noChangeAspect="1"/>
           </p:cNvPicPr>
           <p:nvPr/>
         </p:nvPicPr>
         <p:blipFill>
-          <a:blip r:embed="rId2" cstate="print">
+          <a:blip r:embed="rId2">
             <a:extLst>
               <a:ext uri="{28A0092B-C50C-407E-A947-70E740481C1C}">
                 <a14:useLocalDpi xmlns:a14="http://schemas.microsoft.com/office/drawing/2010/main" val="0"/>
@@ -15365,8 +15512,8 @@
         </p:blipFill>
         <p:spPr>
           <a:xfrm>
-            <a:off x="4096676" y="2704918"/>
-            <a:ext cx="3998648" cy="3858410"/>
+            <a:off x="3671757" y="2269375"/>
+            <a:ext cx="4582781" cy="4472935"/>
           </a:xfrm>
           <a:prstGeom prst="rect">
             <a:avLst/>
@@ -15376,7 +15523,7 @@
     </p:spTree>
     <p:extLst>
       <p:ext uri="{BB962C8B-B14F-4D97-AF65-F5344CB8AC3E}">
-        <p14:creationId xmlns:p14="http://schemas.microsoft.com/office/powerpoint/2010/main" val="1127390729"/>
+        <p14:creationId xmlns:p14="http://schemas.microsoft.com/office/powerpoint/2010/main" val="1177533253"/>
       </p:ext>
     </p:extLst>
   </p:cSld>
@@ -15458,19 +15605,30 @@
         <p:spPr/>
         <p:txBody>
           <a:bodyPr>
-            <a:normAutofit fontScale="92500" lnSpcReduction="20000"/>
+            <a:normAutofit/>
           </a:bodyPr>
           <a:lstStyle/>
           <a:p>
             <a:r>
               <a:rPr lang="el-GR" b="1" dirty="0"/>
-              <a:t> Τεχνητή νοημοσύνη &amp; έξυπνη διαχείριση της κυκλοφορίας (ευφυής λήψη αποφάσεων</a:t>
+              <a:t> </a:t>
+            </a:r>
+            <a:r>
+              <a:rPr lang="en-US" b="1" dirty="0" err="1"/>
+              <a:t>NotificationDB</a:t>
+            </a:r>
+            <a:r>
+              <a:rPr lang="en-US" b="1" dirty="0"/>
+              <a:t> – </a:t>
+            </a:r>
+            <a:r>
+              <a:rPr lang="el-GR" b="1" dirty="0"/>
+              <a:t>Διαχείριση των ειδοποίησεων των υπηρεσιών στους </a:t>
             </a:r>
             <a:r>
               <a:rPr lang="el-GR" b="1" dirty="0" smtClean="0"/>
-              <a:t>)</a:t>
-            </a:r>
-            <a:endParaRPr lang="en-US" b="1" dirty="0" smtClean="0"/>
+              <a:t>χρήστες</a:t>
+            </a:r>
           </a:p>
           <a:p>
             <a:pPr marL="0" indent="0">
@@ -15483,118 +15641,42 @@
               <a:buNone/>
             </a:pPr>
             <a:r>
-              <a:rPr lang="en-US" b="1" dirty="0" smtClean="0"/>
-              <a:t>(1:N) </a:t>
-            </a:r>
-            <a:r>
-              <a:rPr lang="en-US" dirty="0" err="1" smtClean="0"/>
-              <a:t>TrafficLight</a:t>
+              <a:rPr lang="el-GR" b="1" dirty="0" smtClean="0"/>
+              <a:t>(</a:t>
+            </a:r>
+            <a:r>
+              <a:rPr lang="el-GR" b="1" dirty="0" smtClean="0"/>
+              <a:t>1:N) </a:t>
+            </a:r>
+            <a:r>
+              <a:rPr lang="el-GR" dirty="0" smtClean="0"/>
+              <a:t>User </a:t>
+            </a:r>
+            <a:r>
+              <a:rPr lang="el-GR" dirty="0"/>
+              <a:t>→ </a:t>
             </a:r>
             <a:r>
               <a:rPr lang="en-US" dirty="0" smtClean="0"/>
+              <a:t>Notification</a:t>
+            </a:r>
+            <a:r>
+              <a:rPr lang="el-GR" dirty="0" smtClean="0"/>
               <a:t> </a:t>
             </a:r>
             <a:r>
-              <a:rPr lang="en-US" dirty="0"/>
-              <a:t>→ </a:t>
-            </a:r>
-            <a:r>
-              <a:rPr lang="en-US" dirty="0" err="1"/>
-              <a:t>AI_TrafficPrediction</a:t>
-            </a:r>
-            <a:r>
-              <a:rPr lang="en-US" dirty="0"/>
-              <a:t> (</a:t>
-            </a:r>
-            <a:r>
               <a:rPr lang="el-GR" dirty="0"/>
-              <a:t>Κάθε φανάρι έχει προβλέψεις συμφόρησης</a:t>
+              <a:t>(Ένας χρήστης μπορεί να </a:t>
             </a:r>
             <a:r>
               <a:rPr lang="el-GR" dirty="0" smtClean="0"/>
-              <a:t>).</a:t>
-            </a:r>
-            <a:endParaRPr lang="en-US" dirty="0" smtClean="0"/>
-          </a:p>
-          <a:p>
-            <a:pPr marL="0" indent="0">
-              <a:buNone/>
-            </a:pPr>
-            <a:r>
-              <a:rPr lang="en-US" b="1" dirty="0" smtClean="0"/>
-              <a:t>(N:N) </a:t>
-            </a:r>
-            <a:r>
-              <a:rPr lang="en-US" dirty="0" err="1" smtClean="0"/>
-              <a:t>TrafficLight</a:t>
-            </a:r>
-            <a:r>
-              <a:rPr lang="en-US" dirty="0" smtClean="0"/>
-              <a:t> ↔ </a:t>
-            </a:r>
-            <a:r>
-              <a:rPr lang="en-US" dirty="0" err="1" smtClean="0"/>
-              <a:t>RealTimeSynchronization</a:t>
-            </a:r>
-            <a:r>
-              <a:rPr lang="en-US" dirty="0" smtClean="0"/>
-              <a:t> (</a:t>
+              <a:t>δέχεται πολλές ειδοποιήσεις</a:t>
             </a:r>
             <a:r>
               <a:rPr lang="el-GR" dirty="0" smtClean="0"/>
-              <a:t>Κάθε φανάρι μπορεί να συγχρονιστεί με πολλά άλλα).</a:t>
-            </a:r>
-            <a:endParaRPr lang="en-US" dirty="0" smtClean="0"/>
-          </a:p>
-          <a:p>
-            <a:pPr marL="0" indent="0">
-              <a:buNone/>
-            </a:pPr>
-            <a:r>
-              <a:rPr lang="en-US" b="1" dirty="0" smtClean="0"/>
-              <a:t>(1:N) </a:t>
-            </a:r>
-            <a:r>
-              <a:rPr lang="en-US" dirty="0" smtClean="0"/>
-              <a:t>User </a:t>
-            </a:r>
-            <a:r>
-              <a:rPr lang="en-US" dirty="0" smtClean="0">
-                <a:sym typeface="Wingdings" panose="05000000000000000000" pitchFamily="2" charset="2"/>
-              </a:rPr>
-              <a:t> </a:t>
-            </a:r>
-            <a:r>
-              <a:rPr lang="en-US" dirty="0" err="1" smtClean="0">
-                <a:sym typeface="Wingdings" panose="05000000000000000000" pitchFamily="2" charset="2"/>
-              </a:rPr>
-              <a:t>RealTimeSynchronization</a:t>
-            </a:r>
-            <a:r>
-              <a:rPr lang="en-US" dirty="0" smtClean="0">
-                <a:sym typeface="Wingdings" panose="05000000000000000000" pitchFamily="2" charset="2"/>
-              </a:rPr>
-              <a:t> (</a:t>
-            </a:r>
-            <a:r>
-              <a:rPr lang="el-GR" dirty="0">
-                <a:sym typeface="Wingdings" panose="05000000000000000000" pitchFamily="2" charset="2"/>
-              </a:rPr>
-              <a:t>Οι χρήστες ελέγχουν το συγχρονισμό μεταξύ των φωτεινών </a:t>
-            </a:r>
-            <a:r>
-              <a:rPr lang="el-GR" dirty="0" smtClean="0">
-                <a:sym typeface="Wingdings" panose="05000000000000000000" pitchFamily="2" charset="2"/>
-              </a:rPr>
-              <a:t>σηματοδοτών</a:t>
-            </a:r>
-            <a:r>
-              <a:rPr lang="el-GR" dirty="0">
-                <a:sym typeface="Wingdings" panose="05000000000000000000" pitchFamily="2" charset="2"/>
-              </a:rPr>
               <a:t>)</a:t>
             </a:r>
-            <a:endParaRPr lang="en-US" b="1" dirty="0" smtClean="0"/>
+            <a:endParaRPr lang="el-GR" dirty="0" smtClean="0"/>
           </a:p>
           <a:p>
             <a:pPr marL="0" indent="0">
@@ -15618,26 +15700,12 @@
             </a:r>
             <a:r>
               <a:rPr lang="el-GR" dirty="0"/>
-              <a:t> </a:t>
+              <a:t> Διαχειρίζεται </a:t>
             </a:r>
             <a:r>
               <a:rPr lang="el-GR" dirty="0" smtClean="0"/>
-              <a:t>Χρησιμοποιεί </a:t>
-            </a:r>
-            <a:r>
-              <a:rPr lang="el-GR" dirty="0"/>
-              <a:t>τεχνητή νοημοσύνη για την πρόβλεψη της συμφόρησης και τη βελτιστοποίηση του συγχρονισμού των </a:t>
-            </a:r>
-            <a:r>
-              <a:rPr lang="el-GR" dirty="0" smtClean="0"/>
-              <a:t>φαναριών.</a:t>
-            </a:r>
-            <a:endParaRPr lang="en-US" b="1" dirty="0" smtClean="0"/>
-          </a:p>
-          <a:p>
-            <a:pPr marL="0" indent="0">
-              <a:buNone/>
-            </a:pPr>
+              <a:t>τις ειδοποίησες που θα αποστέλλονται στους χρήστες του συστήματος από τις υπηρεσίες</a:t>
+            </a:r>
             <a:endParaRPr lang="en-US" b="1" dirty="0"/>
           </a:p>
           <a:p>
@@ -15669,7 +15737,7 @@
     </p:spTree>
     <p:extLst>
       <p:ext uri="{BB962C8B-B14F-4D97-AF65-F5344CB8AC3E}">
-        <p14:creationId xmlns:p14="http://schemas.microsoft.com/office/powerpoint/2010/main" val="3285596745"/>
+        <p14:creationId xmlns:p14="http://schemas.microsoft.com/office/powerpoint/2010/main" val="2587001216"/>
       </p:ext>
     </p:extLst>
   </p:cSld>
@@ -15743,7 +15811,7 @@
       </p:sp>
       <p:pic>
         <p:nvPicPr>
-          <p:cNvPr id="4" name="Picture 3"/>
+          <p:cNvPr id="5" name="Picture 4"/>
           <p:cNvPicPr>
             <a:picLocks noChangeAspect="1"/>
           </p:cNvPicPr>
@@ -15825,426 +15893,6 @@
           <a:p>
             <a:pPr algn="ctr"/>
             <a:r>
-              <a:rPr lang="en-US" b="1" dirty="0"/>
-              <a:t>DATA - Database Schema Diagram</a:t>
-            </a:r>
-            <a:r>
-              <a:rPr lang="el-GR" b="1" dirty="0"/>
-              <a:t/>
-            </a:r>
-            <a:br>
-              <a:rPr lang="el-GR" b="1" dirty="0"/>
-            </a:br>
-            <a:r>
-              <a:rPr lang="el-GR" b="1" dirty="0" smtClean="0"/>
-              <a:t>ΣΥΣΧΕΤΙΣΕΙΣ</a:t>
-            </a:r>
-            <a:endParaRPr lang="en-US" b="1" dirty="0"/>
-          </a:p>
-        </p:txBody>
-      </p:sp>
-      <p:sp>
-        <p:nvSpPr>
-          <p:cNvPr id="3" name="Content Placeholder 2"/>
-          <p:cNvSpPr>
-            <a:spLocks noGrp="1"/>
-          </p:cNvSpPr>
-          <p:nvPr>
-            <p:ph idx="1"/>
-          </p:nvPr>
-        </p:nvSpPr>
-        <p:spPr/>
-        <p:txBody>
-          <a:bodyPr>
-            <a:normAutofit/>
-          </a:bodyPr>
-          <a:lstStyle/>
-          <a:p>
-            <a:r>
-              <a:rPr lang="el-GR" b="1" dirty="0"/>
-              <a:t> Διαχείριση χρηστών και καταγραφή (πρόσβαση στο σύστημα και ασφάλεια</a:t>
-            </a:r>
-            <a:r>
-              <a:rPr lang="el-GR" b="1" dirty="0" smtClean="0"/>
-              <a:t>)</a:t>
-            </a:r>
-          </a:p>
-          <a:p>
-            <a:pPr marL="0" indent="0">
-              <a:buNone/>
-            </a:pPr>
-            <a:endParaRPr lang="el-GR" b="1" dirty="0"/>
-          </a:p>
-          <a:p>
-            <a:pPr marL="0" indent="0">
-              <a:buNone/>
-            </a:pPr>
-            <a:endParaRPr lang="en-US" b="1" dirty="0"/>
-          </a:p>
-          <a:p>
-            <a:pPr marL="0" indent="0">
-              <a:buNone/>
-            </a:pPr>
-            <a:endParaRPr lang="en-US" b="1" dirty="0" smtClean="0"/>
-          </a:p>
-          <a:p>
-            <a:pPr marL="0" indent="0">
-              <a:buNone/>
-            </a:pPr>
-            <a:endParaRPr lang="en-US" b="1" dirty="0"/>
-          </a:p>
-          <a:p>
-            <a:pPr marL="0" indent="0">
-              <a:buNone/>
-            </a:pPr>
-            <a:endParaRPr lang="en-US" b="1" dirty="0" smtClean="0"/>
-          </a:p>
-          <a:p>
-            <a:pPr marL="0" indent="0">
-              <a:buNone/>
-            </a:pPr>
-            <a:endParaRPr lang="en-US" sz="1400" b="1" dirty="0" smtClean="0"/>
-          </a:p>
-        </p:txBody>
-      </p:sp>
-      <p:pic>
-        <p:nvPicPr>
-          <p:cNvPr id="4" name="Picture 3"/>
-          <p:cNvPicPr>
-            <a:picLocks noChangeAspect="1"/>
-          </p:cNvPicPr>
-          <p:nvPr/>
-        </p:nvPicPr>
-        <p:blipFill>
-          <a:blip r:embed="rId2" cstate="print">
-            <a:extLst>
-              <a:ext uri="{28A0092B-C50C-407E-A947-70E740481C1C}">
-                <a14:useLocalDpi xmlns:a14="http://schemas.microsoft.com/office/drawing/2010/main" val="0"/>
-              </a:ext>
-            </a:extLst>
-          </a:blip>
-          <a:stretch>
-            <a:fillRect/>
-          </a:stretch>
-        </p:blipFill>
-        <p:spPr>
-          <a:xfrm>
-            <a:off x="3950216" y="2486527"/>
-            <a:ext cx="4291567" cy="4141057"/>
-          </a:xfrm>
-          <a:prstGeom prst="rect">
-            <a:avLst/>
-          </a:prstGeom>
-        </p:spPr>
-      </p:pic>
-    </p:spTree>
-    <p:extLst>
-      <p:ext uri="{BB962C8B-B14F-4D97-AF65-F5344CB8AC3E}">
-        <p14:creationId xmlns:p14="http://schemas.microsoft.com/office/powerpoint/2010/main" val="1019450155"/>
-      </p:ext>
-    </p:extLst>
-  </p:cSld>
-  <p:clrMapOvr>
-    <a:masterClrMapping/>
-  </p:clrMapOvr>
-  <p:timing>
-    <p:tnLst>
-      <p:par>
-        <p:cTn id="1" dur="indefinite" restart="never" nodeType="tmRoot"/>
-      </p:par>
-    </p:tnLst>
-  </p:timing>
-</p:sld>
-</file>
-
-<file path=ppt/slides/slide31.xml><?xml version="1.0" encoding="utf-8"?>
-<p:sld xmlns:a="http://schemas.openxmlformats.org/drawingml/2006/main" xmlns:r="http://schemas.openxmlformats.org/officeDocument/2006/relationships" xmlns:p="http://schemas.openxmlformats.org/presentationml/2006/main">
-  <p:cSld>
-    <p:spTree>
-      <p:nvGrpSpPr>
-        <p:cNvPr id="1" name=""/>
-        <p:cNvGrpSpPr/>
-        <p:nvPr/>
-      </p:nvGrpSpPr>
-      <p:grpSpPr>
-        <a:xfrm>
-          <a:off x="0" y="0"/>
-          <a:ext cx="0" cy="0"/>
-          <a:chOff x="0" y="0"/>
-          <a:chExt cx="0" cy="0"/>
-        </a:xfrm>
-      </p:grpSpPr>
-      <p:sp>
-        <p:nvSpPr>
-          <p:cNvPr id="2" name="Title 1"/>
-          <p:cNvSpPr>
-            <a:spLocks noGrp="1"/>
-          </p:cNvSpPr>
-          <p:nvPr>
-            <p:ph type="title"/>
-          </p:nvPr>
-        </p:nvSpPr>
-        <p:spPr/>
-        <p:txBody>
-          <a:bodyPr/>
-          <a:lstStyle/>
-          <a:p>
-            <a:pPr algn="ctr"/>
-            <a:r>
-              <a:rPr lang="en-US" b="1" dirty="0"/>
-              <a:t>DATA - Database Schema Diagram</a:t>
-            </a:r>
-            <a:r>
-              <a:rPr lang="el-GR" b="1" dirty="0"/>
-              <a:t/>
-            </a:r>
-            <a:br>
-              <a:rPr lang="el-GR" b="1" dirty="0"/>
-            </a:br>
-            <a:r>
-              <a:rPr lang="el-GR" b="1" dirty="0" smtClean="0"/>
-              <a:t>ΣΥΣΧΕΤΙΣΕΙΣ</a:t>
-            </a:r>
-            <a:endParaRPr lang="en-US" b="1" dirty="0"/>
-          </a:p>
-        </p:txBody>
-      </p:sp>
-      <p:sp>
-        <p:nvSpPr>
-          <p:cNvPr id="3" name="Content Placeholder 2"/>
-          <p:cNvSpPr>
-            <a:spLocks noGrp="1"/>
-          </p:cNvSpPr>
-          <p:nvPr>
-            <p:ph idx="1"/>
-          </p:nvPr>
-        </p:nvSpPr>
-        <p:spPr/>
-        <p:txBody>
-          <a:bodyPr>
-            <a:normAutofit fontScale="92500" lnSpcReduction="10000"/>
-          </a:bodyPr>
-          <a:lstStyle/>
-          <a:p>
-            <a:r>
-              <a:rPr lang="el-GR" b="1" dirty="0"/>
-              <a:t> Διαχείριση χρηστών και καταγραφή (πρόσβαση στο σύστημα και ασφάλεια</a:t>
-            </a:r>
-            <a:r>
-              <a:rPr lang="el-GR" b="1" dirty="0" smtClean="0"/>
-              <a:t>)</a:t>
-            </a:r>
-          </a:p>
-          <a:p>
-            <a:pPr marL="0" indent="0">
-              <a:buNone/>
-            </a:pPr>
-            <a:endParaRPr lang="el-GR" b="1" dirty="0"/>
-          </a:p>
-          <a:p>
-            <a:pPr marL="0" indent="0">
-              <a:buNone/>
-            </a:pPr>
-            <a:r>
-              <a:rPr lang="el-GR" b="1" dirty="0" smtClean="0"/>
-              <a:t>(1:1) </a:t>
-            </a:r>
-            <a:r>
-              <a:rPr lang="el-GR" dirty="0"/>
-              <a:t>User → UserRole (Κάθε χρήστης έχει έναν ρόλο</a:t>
-            </a:r>
-            <a:r>
-              <a:rPr lang="el-GR" dirty="0" smtClean="0"/>
-              <a:t>)</a:t>
-            </a:r>
-          </a:p>
-          <a:p>
-            <a:pPr marL="0" indent="0">
-              <a:buNone/>
-            </a:pPr>
-            <a:r>
-              <a:rPr lang="el-GR" b="1" dirty="0"/>
-              <a:t>(</a:t>
-            </a:r>
-            <a:r>
-              <a:rPr lang="el-GR" b="1" dirty="0" smtClean="0"/>
-              <a:t>1:N) </a:t>
-            </a:r>
-            <a:r>
-              <a:rPr lang="el-GR" dirty="0" smtClean="0"/>
-              <a:t>User </a:t>
-            </a:r>
-            <a:r>
-              <a:rPr lang="el-GR" dirty="0"/>
-              <a:t>→ UserActionLog (Ένας χρήστης μπορεί να έχει πολλαπλές καταγεγραμμένες ενέργειες</a:t>
-            </a:r>
-            <a:r>
-              <a:rPr lang="el-GR" dirty="0" smtClean="0"/>
-              <a:t>)</a:t>
-            </a:r>
-          </a:p>
-          <a:p>
-            <a:pPr marL="0" indent="0">
-              <a:buNone/>
-            </a:pPr>
-            <a:r>
-              <a:rPr lang="el-GR" b="1" dirty="0" smtClean="0"/>
-              <a:t>(1:Ν) </a:t>
-            </a:r>
-            <a:r>
-              <a:rPr lang="en-US" dirty="0" smtClean="0"/>
-              <a:t>User </a:t>
-            </a:r>
-            <a:r>
-              <a:rPr lang="en-US" dirty="0" smtClean="0">
-                <a:sym typeface="Wingdings" panose="05000000000000000000" pitchFamily="2" charset="2"/>
-              </a:rPr>
-              <a:t> </a:t>
-            </a:r>
-            <a:r>
-              <a:rPr lang="en-US" dirty="0" err="1" smtClean="0">
-                <a:sym typeface="Wingdings" panose="05000000000000000000" pitchFamily="2" charset="2"/>
-              </a:rPr>
-              <a:t>TrafficLight</a:t>
-            </a:r>
-            <a:r>
-              <a:rPr lang="en-US" dirty="0" smtClean="0">
-                <a:sym typeface="Wingdings" panose="05000000000000000000" pitchFamily="2" charset="2"/>
-              </a:rPr>
-              <a:t> (</a:t>
-            </a:r>
-            <a:r>
-              <a:rPr lang="el-GR" dirty="0">
-                <a:sym typeface="Wingdings" panose="05000000000000000000" pitchFamily="2" charset="2"/>
-              </a:rPr>
-              <a:t>Ένας χρήστης διαχειρίζεται πολλαπλούς φωτεινούς </a:t>
-            </a:r>
-            <a:r>
-              <a:rPr lang="el-GR" dirty="0" smtClean="0">
-                <a:sym typeface="Wingdings" panose="05000000000000000000" pitchFamily="2" charset="2"/>
-              </a:rPr>
-              <a:t>σηματοδότες</a:t>
-            </a:r>
-            <a:r>
-              <a:rPr lang="en-US" dirty="0" smtClean="0">
-                <a:sym typeface="Wingdings" panose="05000000000000000000" pitchFamily="2" charset="2"/>
-              </a:rPr>
-              <a:t>)</a:t>
-            </a:r>
-            <a:endParaRPr lang="el-GR" b="1" dirty="0" smtClean="0"/>
-          </a:p>
-          <a:p>
-            <a:pPr marL="0" indent="0">
-              <a:buNone/>
-            </a:pPr>
-            <a:endParaRPr lang="en-US" dirty="0">
-              <a:sym typeface="Wingdings" panose="05000000000000000000" pitchFamily="2" charset="2"/>
-            </a:endParaRPr>
-          </a:p>
-          <a:p>
-            <a:pPr marL="0" indent="0">
-              <a:buNone/>
-            </a:pPr>
-            <a:r>
-              <a:rPr lang="el-GR" b="1" dirty="0" smtClean="0"/>
-              <a:t>Σκοπός</a:t>
-            </a:r>
-            <a:r>
-              <a:rPr lang="el-GR" b="1" dirty="0"/>
-              <a:t>:</a:t>
-            </a:r>
-            <a:r>
-              <a:rPr lang="el-GR" dirty="0"/>
-              <a:t> Διαχειρίζεται τους χρήστες του συστήματος, τους ρόλους τους και καταγράφει τις ενέργειές τους.</a:t>
-            </a:r>
-            <a:endParaRPr lang="en-US" b="1" dirty="0" smtClean="0"/>
-          </a:p>
-          <a:p>
-            <a:pPr marL="0" indent="0">
-              <a:buNone/>
-            </a:pPr>
-            <a:endParaRPr lang="en-US" b="1" dirty="0"/>
-          </a:p>
-          <a:p>
-            <a:pPr marL="0" indent="0">
-              <a:buNone/>
-            </a:pPr>
-            <a:endParaRPr lang="en-US" b="1" dirty="0" smtClean="0"/>
-          </a:p>
-          <a:p>
-            <a:pPr marL="0" indent="0">
-              <a:buNone/>
-            </a:pPr>
-            <a:endParaRPr lang="en-US" b="1" dirty="0"/>
-          </a:p>
-          <a:p>
-            <a:pPr marL="0" indent="0">
-              <a:buNone/>
-            </a:pPr>
-            <a:endParaRPr lang="en-US" b="1" dirty="0" smtClean="0"/>
-          </a:p>
-          <a:p>
-            <a:pPr marL="0" indent="0">
-              <a:buNone/>
-            </a:pPr>
-            <a:endParaRPr lang="en-US" sz="1400" b="1" dirty="0" smtClean="0"/>
-          </a:p>
-        </p:txBody>
-      </p:sp>
-    </p:spTree>
-    <p:extLst>
-      <p:ext uri="{BB962C8B-B14F-4D97-AF65-F5344CB8AC3E}">
-        <p14:creationId xmlns:p14="http://schemas.microsoft.com/office/powerpoint/2010/main" val="1711121140"/>
-      </p:ext>
-    </p:extLst>
-  </p:cSld>
-  <p:clrMapOvr>
-    <a:masterClrMapping/>
-  </p:clrMapOvr>
-  <p:timing>
-    <p:tnLst>
-      <p:par>
-        <p:cTn id="1" dur="indefinite" restart="never" nodeType="tmRoot"/>
-      </p:par>
-    </p:tnLst>
-  </p:timing>
-</p:sld>
-</file>
-
-<file path=ppt/slides/slide32.xml><?xml version="1.0" encoding="utf-8"?>
-<p:sld xmlns:a="http://schemas.openxmlformats.org/drawingml/2006/main" xmlns:r="http://schemas.openxmlformats.org/officeDocument/2006/relationships" xmlns:p="http://schemas.openxmlformats.org/presentationml/2006/main">
-  <p:cSld>
-    <p:spTree>
-      <p:nvGrpSpPr>
-        <p:cNvPr id="1" name=""/>
-        <p:cNvGrpSpPr/>
-        <p:nvPr/>
-      </p:nvGrpSpPr>
-      <p:grpSpPr>
-        <a:xfrm>
-          <a:off x="0" y="0"/>
-          <a:ext cx="0" cy="0"/>
-          <a:chOff x="0" y="0"/>
-          <a:chExt cx="0" cy="0"/>
-        </a:xfrm>
-      </p:grpSpPr>
-      <p:sp>
-        <p:nvSpPr>
-          <p:cNvPr id="2" name="Title 1"/>
-          <p:cNvSpPr>
-            <a:spLocks noGrp="1"/>
-          </p:cNvSpPr>
-          <p:nvPr>
-            <p:ph type="title"/>
-          </p:nvPr>
-        </p:nvSpPr>
-        <p:spPr/>
-        <p:txBody>
-          <a:bodyPr/>
-          <a:lstStyle/>
-          <a:p>
-            <a:pPr algn="ctr"/>
-            <a:r>
               <a:rPr lang="en-US" b="1" dirty="0" smtClean="0"/>
               <a:t>FUNCTION – </a:t>
             </a:r>
@@ -16361,7 +16009,7 @@
 </p:sld>
 </file>
 
-<file path=ppt/slides/slide33.xml><?xml version="1.0" encoding="utf-8"?>
+<file path=ppt/slides/slide31.xml><?xml version="1.0" encoding="utf-8"?>
 <p:sld xmlns:a="http://schemas.openxmlformats.org/drawingml/2006/main" xmlns:r="http://schemas.openxmlformats.org/officeDocument/2006/relationships" xmlns:p="http://schemas.openxmlformats.org/presentationml/2006/main">
   <p:cSld>
     <p:spTree>
@@ -16427,6 +16075,503 @@
 </p:sld>
 </file>
 
+<file path=ppt/slides/slide32.xml><?xml version="1.0" encoding="utf-8"?>
+<p:sld xmlns:a="http://schemas.openxmlformats.org/drawingml/2006/main" xmlns:r="http://schemas.openxmlformats.org/officeDocument/2006/relationships" xmlns:p="http://schemas.openxmlformats.org/presentationml/2006/main">
+  <p:cSld>
+    <p:spTree>
+      <p:nvGrpSpPr>
+        <p:cNvPr id="1" name=""/>
+        <p:cNvGrpSpPr/>
+        <p:nvPr/>
+      </p:nvGrpSpPr>
+      <p:grpSpPr>
+        <a:xfrm>
+          <a:off x="0" y="0"/>
+          <a:ext cx="0" cy="0"/>
+          <a:chOff x="0" y="0"/>
+          <a:chExt cx="0" cy="0"/>
+        </a:xfrm>
+      </p:grpSpPr>
+      <p:sp>
+        <p:nvSpPr>
+          <p:cNvPr id="2" name="Title 1"/>
+          <p:cNvSpPr>
+            <a:spLocks noGrp="1"/>
+          </p:cNvSpPr>
+          <p:nvPr>
+            <p:ph type="title"/>
+          </p:nvPr>
+        </p:nvSpPr>
+        <p:spPr/>
+        <p:txBody>
+          <a:bodyPr>
+            <a:normAutofit fontScale="90000"/>
+          </a:bodyPr>
+          <a:lstStyle/>
+          <a:p>
+            <a:pPr algn="ctr"/>
+            <a:r>
+              <a:rPr lang="en-US" b="1" dirty="0" smtClean="0"/>
+              <a:t>FUNCTION – </a:t>
+            </a:r>
+            <a:r>
+              <a:rPr lang="en-US" b="1" dirty="0" err="1" smtClean="0"/>
+              <a:t>Microservices</a:t>
+            </a:r>
+            <a:r>
+              <a:rPr lang="en-US" b="1" dirty="0" smtClean="0"/>
+              <a:t> Architecture Diagram</a:t>
+            </a:r>
+            <a:br>
+              <a:rPr lang="en-US" b="1" dirty="0" smtClean="0"/>
+            </a:br>
+            <a:r>
+              <a:rPr lang="en-US" b="1" dirty="0" smtClean="0"/>
+              <a:t>CLIENT INTERFACES</a:t>
+            </a:r>
+            <a:endParaRPr lang="en-US" b="1" dirty="0"/>
+          </a:p>
+        </p:txBody>
+      </p:sp>
+      <p:sp>
+        <p:nvSpPr>
+          <p:cNvPr id="3" name="Content Placeholder 2"/>
+          <p:cNvSpPr>
+            <a:spLocks noGrp="1"/>
+          </p:cNvSpPr>
+          <p:nvPr>
+            <p:ph idx="1"/>
+          </p:nvPr>
+        </p:nvSpPr>
+        <p:spPr>
+          <a:xfrm>
+            <a:off x="838200" y="1825624"/>
+            <a:ext cx="10515600" cy="4591217"/>
+          </a:xfrm>
+        </p:spPr>
+        <p:txBody>
+          <a:bodyPr>
+            <a:normAutofit/>
+          </a:bodyPr>
+          <a:lstStyle/>
+          <a:p>
+            <a:r>
+              <a:rPr lang="en-US" sz="2400" b="1" dirty="0" smtClean="0"/>
+              <a:t>Web App</a:t>
+            </a:r>
+            <a:r>
+              <a:rPr lang="el-GR" sz="2400" b="1" dirty="0" smtClean="0"/>
+              <a:t> (Διαδικτυακή εφαρμογή συστήματος έξυπνων φαναριών)</a:t>
+            </a:r>
+            <a:endParaRPr lang="en-US" sz="2400" b="1" dirty="0" smtClean="0"/>
+          </a:p>
+          <a:p>
+            <a:pPr lvl="1"/>
+            <a:r>
+              <a:rPr lang="el-GR" sz="2000" b="1" dirty="0" smtClean="0"/>
+              <a:t>Ρόλος</a:t>
+            </a:r>
+          </a:p>
+          <a:p>
+            <a:pPr lvl="2"/>
+            <a:r>
+              <a:rPr lang="el-GR" sz="1600" dirty="0"/>
+              <a:t>Παρέχει γραφικό περιβάλλον διαχείρισης για χειροκίνητο έλεγχο και παρακολούθηση των φαναριών.</a:t>
+            </a:r>
+          </a:p>
+          <a:p>
+            <a:pPr lvl="2"/>
+            <a:r>
+              <a:rPr lang="el-GR" sz="1600" dirty="0"/>
+              <a:t>Δίνει πρόσβαση στους διαχειριστές, τροχονόμους, και χειριστές συστήματος</a:t>
+            </a:r>
+            <a:r>
+              <a:rPr lang="el-GR" sz="1600" dirty="0" smtClean="0"/>
+              <a:t>.</a:t>
+            </a:r>
+            <a:endParaRPr lang="en-US" sz="1600" dirty="0" smtClean="0"/>
+          </a:p>
+          <a:p>
+            <a:pPr lvl="1"/>
+            <a:r>
+              <a:rPr lang="el-GR" sz="2000" b="1" dirty="0" smtClean="0"/>
+              <a:t>Τρόποι Αλληλεπίδρασης (</a:t>
+            </a:r>
+            <a:r>
+              <a:rPr lang="en-US" sz="2000" b="1" dirty="0" smtClean="0"/>
+              <a:t>AMQP Topics)</a:t>
+            </a:r>
+            <a:endParaRPr lang="el-GR" sz="2000" b="1" dirty="0" smtClean="0"/>
+          </a:p>
+          <a:p>
+            <a:pPr lvl="2"/>
+            <a:r>
+              <a:rPr lang="en-US" sz="1600" b="1" dirty="0" err="1"/>
+              <a:t>user.auth.topic</a:t>
+            </a:r>
+            <a:r>
+              <a:rPr lang="en-US" sz="1600" dirty="0"/>
+              <a:t> → </a:t>
+            </a:r>
+            <a:r>
+              <a:rPr lang="el-GR" sz="1600" dirty="0"/>
+              <a:t>Στέλνει αιτήματα σύνδεσης χρηστών στο </a:t>
+            </a:r>
+            <a:r>
+              <a:rPr lang="en-US" sz="1600" dirty="0"/>
+              <a:t>User Management Service.</a:t>
+            </a:r>
+          </a:p>
+          <a:p>
+            <a:pPr lvl="2"/>
+            <a:r>
+              <a:rPr lang="en-US" sz="1600" b="1" dirty="0" err="1"/>
+              <a:t>user.logs.topic</a:t>
+            </a:r>
+            <a:r>
+              <a:rPr lang="en-US" sz="1600" dirty="0"/>
+              <a:t> → </a:t>
+            </a:r>
+            <a:r>
+              <a:rPr lang="el-GR" sz="1600" dirty="0"/>
+              <a:t>Καταγράφει ενέργειες των χρηστών στο </a:t>
+            </a:r>
+            <a:r>
+              <a:rPr lang="en-US" sz="1600" dirty="0"/>
+              <a:t>Notification Service</a:t>
+            </a:r>
+            <a:r>
+              <a:rPr lang="en-US" sz="1600" dirty="0" smtClean="0"/>
+              <a:t>.</a:t>
+            </a:r>
+            <a:endParaRPr lang="el-GR" sz="1600" dirty="0" smtClean="0"/>
+          </a:p>
+          <a:p>
+            <a:pPr lvl="1"/>
+            <a:r>
+              <a:rPr lang="en-US" sz="2000" b="1" dirty="0" smtClean="0"/>
+              <a:t>REST API </a:t>
+            </a:r>
+            <a:r>
+              <a:rPr lang="el-GR" sz="2000" b="1" dirty="0" smtClean="0"/>
+              <a:t>Επικοινωνία με </a:t>
+            </a:r>
+            <a:r>
+              <a:rPr lang="en-US" sz="2000" b="1" dirty="0" err="1" smtClean="0"/>
+              <a:t>Microservices</a:t>
+            </a:r>
+            <a:endParaRPr lang="en-US" sz="2000" b="1" dirty="0" smtClean="0"/>
+          </a:p>
+          <a:p>
+            <a:pPr lvl="2"/>
+            <a:r>
+              <a:rPr lang="el-GR" sz="1600" dirty="0"/>
+              <a:t>Αιτήματα για χειροκίνητη αλλαγή φωτεινής σηματοδότησης.</a:t>
+            </a:r>
+          </a:p>
+          <a:p>
+            <a:pPr lvl="2"/>
+            <a:r>
+              <a:rPr lang="el-GR" sz="1600" dirty="0"/>
+              <a:t>Προβολή real-time δεδομένων κίνησης και </a:t>
+            </a:r>
+            <a:r>
+              <a:rPr lang="el-GR" sz="1600" dirty="0" smtClean="0"/>
+              <a:t>ειδοποιήσεων.</a:t>
+            </a:r>
+            <a:endParaRPr lang="en-US" sz="1600" dirty="0" smtClean="0"/>
+          </a:p>
+          <a:p>
+            <a:pPr lvl="1"/>
+            <a:r>
+              <a:rPr lang="el-GR" sz="2000" b="1" dirty="0" smtClean="0"/>
+              <a:t>Βάσεις δεδομένων που σχετίζονται</a:t>
+            </a:r>
+          </a:p>
+          <a:p>
+            <a:pPr lvl="2"/>
+            <a:r>
+              <a:rPr lang="el-GR" sz="1600" b="1" dirty="0"/>
+              <a:t>UserDB → </a:t>
+            </a:r>
+            <a:r>
+              <a:rPr lang="el-GR" sz="1600" dirty="0"/>
+              <a:t>Διαχειρίζεται τα διαπιστευτήρια και τα δικαιώματα των χρηστών.</a:t>
+            </a:r>
+            <a:endParaRPr lang="en-US" sz="1600" dirty="0" smtClean="0"/>
+          </a:p>
+        </p:txBody>
+      </p:sp>
+    </p:spTree>
+    <p:extLst>
+      <p:ext uri="{BB962C8B-B14F-4D97-AF65-F5344CB8AC3E}">
+        <p14:creationId xmlns:p14="http://schemas.microsoft.com/office/powerpoint/2010/main" val="3304693235"/>
+      </p:ext>
+    </p:extLst>
+  </p:cSld>
+  <p:clrMapOvr>
+    <a:masterClrMapping/>
+  </p:clrMapOvr>
+  <p:timing>
+    <p:tnLst>
+      <p:par>
+        <p:cTn id="1" dur="indefinite" restart="never" nodeType="tmRoot"/>
+      </p:par>
+    </p:tnLst>
+  </p:timing>
+</p:sld>
+</file>
+
+<file path=ppt/slides/slide33.xml><?xml version="1.0" encoding="utf-8"?>
+<p:sld xmlns:a="http://schemas.openxmlformats.org/drawingml/2006/main" xmlns:r="http://schemas.openxmlformats.org/officeDocument/2006/relationships" xmlns:p="http://schemas.openxmlformats.org/presentationml/2006/main">
+  <p:cSld>
+    <p:spTree>
+      <p:nvGrpSpPr>
+        <p:cNvPr id="1" name=""/>
+        <p:cNvGrpSpPr/>
+        <p:nvPr/>
+      </p:nvGrpSpPr>
+      <p:grpSpPr>
+        <a:xfrm>
+          <a:off x="0" y="0"/>
+          <a:ext cx="0" cy="0"/>
+          <a:chOff x="0" y="0"/>
+          <a:chExt cx="0" cy="0"/>
+        </a:xfrm>
+      </p:grpSpPr>
+      <p:sp>
+        <p:nvSpPr>
+          <p:cNvPr id="2" name="Title 1"/>
+          <p:cNvSpPr>
+            <a:spLocks noGrp="1"/>
+          </p:cNvSpPr>
+          <p:nvPr>
+            <p:ph type="title"/>
+          </p:nvPr>
+        </p:nvSpPr>
+        <p:spPr/>
+        <p:txBody>
+          <a:bodyPr>
+            <a:normAutofit fontScale="90000"/>
+          </a:bodyPr>
+          <a:lstStyle/>
+          <a:p>
+            <a:pPr algn="ctr"/>
+            <a:r>
+              <a:rPr lang="en-US" b="1" dirty="0" smtClean="0"/>
+              <a:t>FUNCTION – </a:t>
+            </a:r>
+            <a:r>
+              <a:rPr lang="en-US" b="1" dirty="0" err="1" smtClean="0"/>
+              <a:t>Microservices</a:t>
+            </a:r>
+            <a:r>
+              <a:rPr lang="en-US" b="1" dirty="0" smtClean="0"/>
+              <a:t> Architecture Diagram</a:t>
+            </a:r>
+            <a:br>
+              <a:rPr lang="en-US" b="1" dirty="0" smtClean="0"/>
+            </a:br>
+            <a:r>
+              <a:rPr lang="en-US" b="1" dirty="0" smtClean="0"/>
+              <a:t>CLIENT INTERFACES</a:t>
+            </a:r>
+            <a:endParaRPr lang="en-US" b="1" dirty="0"/>
+          </a:p>
+        </p:txBody>
+      </p:sp>
+      <p:sp>
+        <p:nvSpPr>
+          <p:cNvPr id="3" name="Content Placeholder 2"/>
+          <p:cNvSpPr>
+            <a:spLocks noGrp="1"/>
+          </p:cNvSpPr>
+          <p:nvPr>
+            <p:ph idx="1"/>
+          </p:nvPr>
+        </p:nvSpPr>
+        <p:spPr>
+          <a:xfrm>
+            <a:off x="838200" y="1825624"/>
+            <a:ext cx="10515600" cy="4591217"/>
+          </a:xfrm>
+        </p:spPr>
+        <p:txBody>
+          <a:bodyPr>
+            <a:normAutofit/>
+          </a:bodyPr>
+          <a:lstStyle/>
+          <a:p>
+            <a:r>
+              <a:rPr lang="en-US" sz="2400" b="1" dirty="0" err="1" smtClean="0"/>
+              <a:t>IoT</a:t>
+            </a:r>
+            <a:r>
+              <a:rPr lang="en-US" sz="2400" b="1" dirty="0" smtClean="0"/>
+              <a:t> Sensors (</a:t>
+            </a:r>
+            <a:r>
+              <a:rPr lang="el-GR" sz="2400" b="1" dirty="0" smtClean="0"/>
+              <a:t>Αισθητήρες Κυκλοφορίας, Πεζών &amp; Καιρού)</a:t>
+            </a:r>
+            <a:endParaRPr lang="en-US" sz="2400" b="1" dirty="0" smtClean="0"/>
+          </a:p>
+          <a:p>
+            <a:pPr lvl="1"/>
+            <a:r>
+              <a:rPr lang="el-GR" sz="2000" b="1" dirty="0" smtClean="0"/>
+              <a:t>Ρόλος</a:t>
+            </a:r>
+          </a:p>
+          <a:p>
+            <a:pPr lvl="2"/>
+            <a:r>
+              <a:rPr lang="el-GR" sz="1600" dirty="0"/>
+              <a:t>Καταγράφουν δεδομένα κυκλοφορίας, καιρικών συνθηκών και παρουσίας πεζών/ποδηλατών.</a:t>
+            </a:r>
+          </a:p>
+          <a:p>
+            <a:pPr lvl="2"/>
+            <a:r>
+              <a:rPr lang="el-GR" sz="1600" dirty="0"/>
+              <a:t>Στέλνουν δεδομένα real-time στις σχετικές μικροϋπηρεσίες.</a:t>
+            </a:r>
+            <a:endParaRPr lang="el-GR" sz="1600" dirty="0" smtClean="0"/>
+          </a:p>
+          <a:p>
+            <a:pPr lvl="1"/>
+            <a:r>
+              <a:rPr lang="el-GR" sz="2000" b="1" dirty="0" smtClean="0"/>
+              <a:t>Τρόποι Αλληλεπίδρασης</a:t>
+            </a:r>
+            <a:r>
+              <a:rPr lang="en-US" sz="2000" b="1" dirty="0" smtClean="0"/>
+              <a:t> </a:t>
+            </a:r>
+            <a:r>
+              <a:rPr lang="el-GR" sz="2000" b="1" dirty="0"/>
+              <a:t>(</a:t>
+            </a:r>
+            <a:r>
+              <a:rPr lang="en-US" sz="2000" b="1" dirty="0"/>
+              <a:t>AMQP Topics</a:t>
+            </a:r>
+            <a:r>
+              <a:rPr lang="en-US" sz="2000" b="1" dirty="0" smtClean="0"/>
+              <a:t>)</a:t>
+            </a:r>
+            <a:endParaRPr lang="el-GR" sz="2000" b="1" dirty="0" smtClean="0"/>
+          </a:p>
+          <a:p>
+            <a:pPr lvl="2"/>
+            <a:r>
+              <a:rPr lang="en-US" sz="1600" b="1" dirty="0" err="1"/>
+              <a:t>traffic.data.topic</a:t>
+            </a:r>
+            <a:r>
+              <a:rPr lang="en-US" sz="1600" dirty="0"/>
+              <a:t> → </a:t>
+            </a:r>
+            <a:r>
+              <a:rPr lang="el-GR" sz="1600" dirty="0"/>
+              <a:t>Στέλνει δεδομένα κυκλοφορίας στο </a:t>
+            </a:r>
+            <a:r>
+              <a:rPr lang="en-US" sz="1600" dirty="0"/>
+              <a:t>Traffic Monitoring Service.</a:t>
+            </a:r>
+          </a:p>
+          <a:p>
+            <a:pPr lvl="2"/>
+            <a:r>
+              <a:rPr lang="en-US" sz="1600" b="1" dirty="0" err="1"/>
+              <a:t>pedestrian.cyclist.detection.topic</a:t>
+            </a:r>
+            <a:r>
+              <a:rPr lang="en-US" sz="1600" dirty="0"/>
+              <a:t> → </a:t>
+            </a:r>
+            <a:r>
+              <a:rPr lang="el-GR" sz="1600" dirty="0"/>
+              <a:t>Ενημερώνει το </a:t>
+            </a:r>
+            <a:r>
+              <a:rPr lang="en-US" sz="1600" dirty="0"/>
+              <a:t>Pedestrian &amp; Cyclist Safety Service.</a:t>
+            </a:r>
+          </a:p>
+          <a:p>
+            <a:pPr lvl="2"/>
+            <a:r>
+              <a:rPr lang="en-US" sz="1600" b="1" dirty="0" err="1"/>
+              <a:t>weather.data.topic</a:t>
+            </a:r>
+            <a:r>
+              <a:rPr lang="en-US" sz="1600" dirty="0"/>
+              <a:t> → </a:t>
+            </a:r>
+            <a:r>
+              <a:rPr lang="el-GR" sz="1600" dirty="0"/>
+              <a:t>Μεταφέρει μετρήσεις στο </a:t>
+            </a:r>
+            <a:r>
+              <a:rPr lang="en-US" sz="1600" dirty="0"/>
+              <a:t>Weather Adaptive Traffic Service.</a:t>
+            </a:r>
+            <a:endParaRPr lang="el-GR" sz="1600" dirty="0" smtClean="0"/>
+          </a:p>
+          <a:p>
+            <a:pPr lvl="1"/>
+            <a:r>
+              <a:rPr lang="el-GR" sz="2000" b="1" dirty="0" smtClean="0"/>
+              <a:t>Βάσεις δεδομένων που σχετίζονται</a:t>
+            </a:r>
+          </a:p>
+          <a:p>
+            <a:pPr lvl="2"/>
+            <a:r>
+              <a:rPr lang="el-GR" sz="1600" b="1" dirty="0"/>
+              <a:t>TrafficDB → </a:t>
+            </a:r>
+            <a:r>
+              <a:rPr lang="el-GR" sz="1600" dirty="0"/>
+              <a:t>Αποθηκεύει ιστορικά δεδομένα κυκλοφορίας.</a:t>
+            </a:r>
+          </a:p>
+          <a:p>
+            <a:pPr lvl="2"/>
+            <a:r>
+              <a:rPr lang="el-GR" sz="1600" b="1" dirty="0"/>
+              <a:t>WeatherDB → </a:t>
+            </a:r>
+            <a:r>
+              <a:rPr lang="el-GR" sz="1600" dirty="0"/>
+              <a:t>Αποθηκεύει μετρήσεις καιρού για ανάλυση και πρόβλεψη.</a:t>
+            </a:r>
+            <a:endParaRPr lang="en-US" sz="1600" dirty="0" smtClean="0"/>
+          </a:p>
+        </p:txBody>
+      </p:sp>
+    </p:spTree>
+    <p:extLst>
+      <p:ext uri="{BB962C8B-B14F-4D97-AF65-F5344CB8AC3E}">
+        <p14:creationId xmlns:p14="http://schemas.microsoft.com/office/powerpoint/2010/main" val="1850536556"/>
+      </p:ext>
+    </p:extLst>
+  </p:cSld>
+  <p:clrMapOvr>
+    <a:masterClrMapping/>
+  </p:clrMapOvr>
+  <p:timing>
+    <p:tnLst>
+      <p:par>
+        <p:cTn id="1" dur="indefinite" restart="never" nodeType="tmRoot"/>
+      </p:par>
+    </p:tnLst>
+  </p:timing>
+</p:sld>
+</file>
+
 <file path=ppt/slides/slide34.xml><?xml version="1.0" encoding="utf-8"?>
 <p:sld xmlns:a="http://schemas.openxmlformats.org/drawingml/2006/main" xmlns:r="http://schemas.openxmlformats.org/officeDocument/2006/relationships" xmlns:p="http://schemas.openxmlformats.org/presentationml/2006/main">
   <p:cSld>
@@ -16509,11 +16654,11 @@
           <a:p>
             <a:r>
               <a:rPr lang="en-US" sz="2400" b="1" dirty="0" smtClean="0"/>
-              <a:t>Web App</a:t>
+              <a:t>Edge Sensors (GPS </a:t>
             </a:r>
             <a:r>
               <a:rPr lang="el-GR" sz="2400" b="1" dirty="0" smtClean="0"/>
-              <a:t> (Διαδικτυακή εφαρμογή συστήματος έξυπνων φαναριών)</a:t>
+              <a:t>Αισθητήρες σε Οχήματα Έκτακτης Ανάγκης)</a:t>
             </a:r>
             <a:endParaRPr lang="en-US" sz="2400" b="1" dirty="0" smtClean="0"/>
           </a:p>
@@ -16528,30 +16673,49 @@
             <a:pPr lvl="2"/>
             <a:r>
               <a:rPr lang="el-GR" sz="1600" dirty="0"/>
-              <a:t>Παρέχει γραφικό περιβάλλον διαχείρισης για χειροκίνητο έλεγχο και παρακολούθηση των φαναριών.</a:t>
+              <a:t>Επιτρέπουν στα οχήματα έκτακτης ανάγκης (ασθενοφόρα, πυροσβεστικά, αστυνομία) </a:t>
+            </a:r>
+            <a:r>
+              <a:rPr lang="el-GR" sz="1600" dirty="0" smtClean="0"/>
+              <a:t>να αποκτούν προτεραιότητα αυτόματα </a:t>
+            </a:r>
+            <a:r>
+              <a:rPr lang="el-GR" sz="1600" dirty="0"/>
+              <a:t>από τα φανάρια.</a:t>
             </a:r>
           </a:p>
           <a:p>
             <a:pPr lvl="2"/>
             <a:r>
               <a:rPr lang="el-GR" sz="1600" dirty="0"/>
-              <a:t>Δίνει πρόσβαση στους διαχειριστές, τροχονόμους, και χειριστές συστήματος</a:t>
+              <a:t>Στέλνουν δεδομένα θέσης μέσω V2X (Vehicle-to-Everything) </a:t>
             </a:r>
             <a:r>
               <a:rPr lang="el-GR" sz="1600" dirty="0" smtClean="0"/>
-              <a:t>.</a:t>
-            </a:r>
-            <a:endParaRPr lang="en-US" sz="1600" dirty="0" smtClean="0"/>
+              <a:t>επικοινωνίας.</a:t>
+            </a:r>
           </a:p>
           <a:p>
             <a:pPr lvl="1"/>
             <a:r>
               <a:rPr lang="el-GR" sz="2000" b="1" dirty="0" smtClean="0"/>
-              <a:t>Τρόποι Αλληλεπίδρασης (</a:t>
+              <a:t>Τρόποι Αλληλεπίδρασης</a:t>
             </a:r>
             <a:r>
               <a:rPr lang="en-US" sz="2000" b="1" dirty="0" smtClean="0"/>
-              <a:t>AMQP Topics)</a:t>
+              <a:t> </a:t>
+            </a:r>
+            <a:r>
+              <a:rPr lang="el-GR" sz="2000" b="1" dirty="0"/>
+              <a:t>(</a:t>
+            </a:r>
+            <a:r>
+              <a:rPr lang="en-US" sz="2000" b="1" dirty="0"/>
+              <a:t>AMQP Topics</a:t>
+            </a:r>
+            <a:r>
+              <a:rPr lang="en-US" sz="2000" b="1" dirty="0" smtClean="0"/>
+              <a:t>)</a:t>
             </a:r>
             <a:endParaRPr lang="el-GR" sz="2000" b="1" dirty="0" smtClean="0"/>
           </a:p>
@@ -16559,79 +16723,40 @@
             <a:pPr lvl="2"/>
             <a:r>
               <a:rPr lang="en-US" sz="1600" b="1" dirty="0" err="1"/>
-              <a:t>user.auth.topic</a:t>
+              <a:t>emergency.vehicle.detection.topic</a:t>
+            </a:r>
+            <a:r>
+              <a:rPr lang="en-US" sz="1600" b="1" dirty="0"/>
+              <a:t> → </a:t>
+            </a:r>
+            <a:r>
+              <a:rPr lang="el-GR" sz="1600" dirty="0"/>
+              <a:t>Ανιχνεύει παρουσία οχημάτων έκτακτης ανάγκης.</a:t>
+            </a:r>
+          </a:p>
+          <a:p>
+            <a:pPr lvl="2"/>
+            <a:r>
+              <a:rPr lang="en-US" sz="1600" b="1" dirty="0" err="1"/>
+              <a:t>emergency.vehicle.signal.topic</a:t>
+            </a:r>
+            <a:r>
+              <a:rPr lang="en-US" sz="1600" b="1" dirty="0"/>
+              <a:t> → </a:t>
+            </a:r>
+            <a:r>
+              <a:rPr lang="el-GR" sz="1600" dirty="0"/>
+              <a:t>Ενημερώνει το </a:t>
             </a:r>
             <a:r>
               <a:rPr lang="en-US" sz="1600" dirty="0"/>
-              <a:t> → </a:t>
+              <a:t>Traffic Light Control Service </a:t>
             </a:r>
             <a:r>
               <a:rPr lang="el-GR" sz="1600" dirty="0"/>
-              <a:t>Στέλνει αιτήματα σύνδεσης χρηστών στο </a:t>
-            </a:r>
-            <a:r>
-              <a:rPr lang="en-US" sz="1600" dirty="0"/>
-              <a:t>User Management Service.</a:t>
-            </a:r>
-          </a:p>
-          <a:p>
-            <a:pPr lvl="2"/>
-            <a:r>
-              <a:rPr lang="en-US" sz="1600" b="1" dirty="0" err="1"/>
-              <a:t>user.logs.topic</a:t>
-            </a:r>
-            <a:r>
-              <a:rPr lang="en-US" sz="1600" dirty="0"/>
-              <a:t> → </a:t>
-            </a:r>
-            <a:r>
-              <a:rPr lang="el-GR" sz="1600" dirty="0"/>
-              <a:t>Καταγράφει ενέργειες των χρηστών στο </a:t>
-            </a:r>
-            <a:r>
-              <a:rPr lang="en-US" sz="1600" dirty="0"/>
-              <a:t>Notification Service</a:t>
-            </a:r>
-            <a:r>
-              <a:rPr lang="en-US" sz="1600" dirty="0" smtClean="0"/>
-              <a:t>.</a:t>
+              <a:t>για αλλαγή σηματοδότησης.</a:t>
             </a:r>
             <a:endParaRPr lang="el-GR" sz="1600" dirty="0" smtClean="0"/>
-          </a:p>
-          <a:p>
-            <a:pPr lvl="1"/>
-            <a:r>
-              <a:rPr lang="en-US" sz="2000" b="1" dirty="0" smtClean="0"/>
-              <a:t>REST API </a:t>
-            </a:r>
-            <a:r>
-              <a:rPr lang="el-GR" sz="2000" b="1" dirty="0" smtClean="0"/>
-              <a:t>Επικοινωνία με </a:t>
-            </a:r>
-            <a:r>
-              <a:rPr lang="en-US" sz="2000" b="1" dirty="0" err="1" smtClean="0"/>
-              <a:t>Microservices</a:t>
-            </a:r>
-            <a:endParaRPr lang="en-US" sz="2000" b="1" dirty="0" smtClean="0"/>
-          </a:p>
-          <a:p>
-            <a:pPr lvl="2"/>
-            <a:r>
-              <a:rPr lang="el-GR" sz="1600" dirty="0"/>
-              <a:t>Αιτήματα για χειροκίνητη αλλαγή φωτεινής σηματοδότησης.</a:t>
-            </a:r>
-          </a:p>
-          <a:p>
-            <a:pPr lvl="2"/>
-            <a:r>
-              <a:rPr lang="el-GR" sz="1600" dirty="0"/>
-              <a:t>Προβολή real-time δεδομένων κίνησης και </a:t>
-            </a:r>
-            <a:r>
-              <a:rPr lang="el-GR" sz="1600" dirty="0" smtClean="0"/>
-              <a:t>ειδοποιήσεων.</a:t>
-            </a:r>
-            <a:endParaRPr lang="en-US" sz="1600" dirty="0" smtClean="0"/>
           </a:p>
           <a:p>
             <a:pPr lvl="1"/>
@@ -16643,12 +16768,16 @@
           <a:p>
             <a:pPr lvl="2"/>
             <a:r>
+              <a:rPr lang="el-GR" sz="1600" dirty="0"/>
+              <a:t>Δεν απαιτείται διατήρηση δεδομένων μακροπρόθεσμα, καθώς η ανίχνευση γίνεται σε </a:t>
+            </a:r>
+            <a:r>
               <a:rPr lang="el-GR" sz="1600" b="1" dirty="0"/>
-              <a:t>UserDB → </a:t>
+              <a:t>real-time</a:t>
             </a:r>
             <a:r>
               <a:rPr lang="el-GR" sz="1600" dirty="0"/>
-              <a:t>Διαχειρίζεται τα διαπιστευτήρια και τα δικαιώματα των χρηστών.</a:t>
+              <a:t>.</a:t>
             </a:r>
             <a:endParaRPr lang="en-US" sz="1600" dirty="0" smtClean="0"/>
           </a:p>
@@ -16657,7 +16786,7 @@
     </p:spTree>
     <p:extLst>
       <p:ext uri="{BB962C8B-B14F-4D97-AF65-F5344CB8AC3E}">
-        <p14:creationId xmlns:p14="http://schemas.microsoft.com/office/powerpoint/2010/main" val="3304693235"/>
+        <p14:creationId xmlns:p14="http://schemas.microsoft.com/office/powerpoint/2010/main" val="3400079349"/>
       </p:ext>
     </p:extLst>
   </p:cSld>
@@ -16726,7 +16855,7 @@
             </a:br>
             <a:r>
               <a:rPr lang="en-US" b="1" dirty="0" smtClean="0"/>
-              <a:t>CLIENT INTERFACES</a:t>
+              <a:t>SERVICES</a:t>
             </a:r>
             <a:endParaRPr lang="en-US" b="1" dirty="0"/>
           </a:p>
@@ -16755,16 +16884,12 @@
           <a:lstStyle/>
           <a:p>
             <a:r>
-              <a:rPr lang="en-US" sz="2400" b="1" dirty="0" err="1" smtClean="0"/>
-              <a:t>IoT</a:t>
-            </a:r>
-            <a:r>
               <a:rPr lang="en-US" sz="2400" b="1" dirty="0" smtClean="0"/>
-              <a:t> Sensors (</a:t>
+              <a:t>Traffic Monitoring Service (</a:t>
             </a:r>
             <a:r>
               <a:rPr lang="el-GR" sz="2400" b="1" dirty="0" smtClean="0"/>
-              <a:t>Αισθητήρες Κυκλοφορίας, Πεζών &amp; Καιρού)</a:t>
+              <a:t>Υπηρεσία Παρακολούθησης Κυκλοφορίας)</a:t>
             </a:r>
             <a:endParaRPr lang="en-US" sz="2400" b="1" dirty="0" smtClean="0"/>
           </a:p>
@@ -16779,14 +16904,14 @@
             <a:pPr lvl="2"/>
             <a:r>
               <a:rPr lang="el-GR" sz="1600" dirty="0"/>
-              <a:t>Καταγράφουν δεδομένα κυκλοφορίας, καιρικών συνθηκών και παρουσίας πεζών/ποδηλατών.</a:t>
+              <a:t>Συλλέγει real-time δεδομένα κυκλοφορίας από IoT αισθητήρες στους δρόμους.</a:t>
             </a:r>
           </a:p>
           <a:p>
             <a:pPr lvl="2"/>
             <a:r>
               <a:rPr lang="el-GR" sz="1600" dirty="0"/>
-              <a:t>Στέλνουν δεδομένα real-time στις σχετικές μικροϋπηρεσίες.</a:t>
+              <a:t>Εντοπίζει συμφόρηση, ατυχήματα και άλλα συμβάντα.</a:t>
             </a:r>
             <a:endParaRPr lang="el-GR" sz="1600" dirty="0" smtClean="0"/>
           </a:p>
@@ -16826,18 +16951,14 @@
             </a:r>
             <a:r>
               <a:rPr lang="el-GR" sz="1600" dirty="0"/>
-              <a:t>Στέλνει δεδομένα κυκλοφορίας στο </a:t>
-            </a:r>
-            <a:r>
-              <a:rPr lang="en-US" sz="1600" dirty="0"/>
-              <a:t>Traffic Monitoring Service.</a:t>
+              <a:t>Δημοσιεύει δεδομένα κυκλοφορίας.</a:t>
             </a:r>
           </a:p>
           <a:p>
             <a:pPr lvl="2"/>
             <a:r>
               <a:rPr lang="en-US" sz="1600" b="1" dirty="0" err="1"/>
-              <a:t>pedestrian.cyclist.detection.topic</a:t>
+              <a:t>traffic.notification.topic</a:t>
             </a:r>
             <a:r>
               <a:rPr lang="en-US" sz="1600" dirty="0"/>
@@ -16845,18 +16966,14 @@
             </a:r>
             <a:r>
               <a:rPr lang="el-GR" sz="1600" dirty="0"/>
-              <a:t>Ενημερώνει το </a:t>
-            </a:r>
-            <a:r>
-              <a:rPr lang="en-US" sz="1600" dirty="0"/>
-              <a:t>Pedestrian &amp; Cyclist Safety Service.</a:t>
+              <a:t>Στέλνει ειδοποιήσεις σε περίπτωση συμφόρησης.</a:t>
             </a:r>
           </a:p>
           <a:p>
             <a:pPr lvl="2"/>
             <a:r>
               <a:rPr lang="en-US" sz="1600" b="1" dirty="0" err="1"/>
-              <a:t>weather.data.topic</a:t>
+              <a:t>traffic.analytics.topic</a:t>
             </a:r>
             <a:r>
               <a:rPr lang="en-US" sz="1600" dirty="0"/>
@@ -16864,11 +16981,15 @@
             </a:r>
             <a:r>
               <a:rPr lang="el-GR" sz="1600" dirty="0"/>
-              <a:t>Μεταφέρει μετρήσεις στο </a:t>
+              <a:t>Στέλνει δεδομένα στο </a:t>
             </a:r>
             <a:r>
               <a:rPr lang="en-US" sz="1600" dirty="0"/>
-              <a:t>Weather Adaptive Traffic Service.</a:t>
+              <a:t>Traffic Data Processing Service </a:t>
+            </a:r>
+            <a:r>
+              <a:rPr lang="el-GR" sz="1600" dirty="0"/>
+              <a:t>για ανάλυση.</a:t>
             </a:r>
             <a:endParaRPr lang="el-GR" sz="1600" dirty="0" smtClean="0"/>
           </a:p>
@@ -16883,22 +17004,11 @@
             <a:pPr lvl="2"/>
             <a:r>
               <a:rPr lang="el-GR" sz="1600" b="1" dirty="0"/>
-              <a:t>TrafficDB → </a:t>
+              <a:t>TrafficDB</a:t>
             </a:r>
             <a:r>
               <a:rPr lang="el-GR" sz="1600" dirty="0"/>
-              <a:t>Αποθηκεύει ιστορικά δεδομένα κυκλοφορίας.</a:t>
-            </a:r>
-          </a:p>
-          <a:p>
-            <a:pPr lvl="2"/>
-            <a:r>
-              <a:rPr lang="el-GR" sz="1600" b="1" dirty="0"/>
-              <a:t>WeatherDB → </a:t>
-            </a:r>
-            <a:r>
-              <a:rPr lang="el-GR" sz="1600" dirty="0"/>
-              <a:t>Αποθηκεύει μετρήσεις καιρού για ανάλυση και πρόβλεψη.</a:t>
+              <a:t> → Αποθηκεύει ιστορικά και real-time δεδομένα κυκλοφορίας.</a:t>
             </a:r>
             <a:endParaRPr lang="en-US" sz="1600" dirty="0" smtClean="0"/>
           </a:p>
@@ -16907,7 +17017,7 @@
     </p:spTree>
     <p:extLst>
       <p:ext uri="{BB962C8B-B14F-4D97-AF65-F5344CB8AC3E}">
-        <p14:creationId xmlns:p14="http://schemas.microsoft.com/office/powerpoint/2010/main" val="1850536556"/>
+        <p14:creationId xmlns:p14="http://schemas.microsoft.com/office/powerpoint/2010/main" val="1333273936"/>
       </p:ext>
     </p:extLst>
   </p:cSld>
@@ -16976,7 +17086,7 @@
             </a:br>
             <a:r>
               <a:rPr lang="en-US" b="1" dirty="0" smtClean="0"/>
-              <a:t>CLIENT INTERFACES</a:t>
+              <a:t>SERVICES</a:t>
             </a:r>
             <a:endParaRPr lang="en-US" b="1" dirty="0"/>
           </a:p>
@@ -17006,11 +17116,19 @@
           <a:p>
             <a:r>
               <a:rPr lang="en-US" sz="2400" b="1" dirty="0" smtClean="0"/>
-              <a:t>Edge Sensors (GPS </a:t>
+              <a:t>Traffic</a:t>
             </a:r>
             <a:r>
               <a:rPr lang="el-GR" sz="2400" b="1" dirty="0" smtClean="0"/>
-              <a:t>Αισθητήρες σε Οχήματα Έκτακτης Ανάγκης)</a:t>
+              <a:t> </a:t>
+            </a:r>
+            <a:r>
+              <a:rPr lang="en-US" sz="2400" b="1" dirty="0" smtClean="0"/>
+              <a:t>Light Control Service (</a:t>
+            </a:r>
+            <a:r>
+              <a:rPr lang="el-GR" sz="2400" b="1" dirty="0" smtClean="0"/>
+              <a:t>Υπηρεσία Ελέγχου Φαναριών)</a:t>
             </a:r>
             <a:endParaRPr lang="en-US" sz="2400" b="1" dirty="0" smtClean="0"/>
           </a:p>
@@ -17025,27 +17143,16 @@
             <a:pPr lvl="2"/>
             <a:r>
               <a:rPr lang="el-GR" sz="1600" dirty="0"/>
-              <a:t>Επιτρέπουν στα οχήματα έκτακτης ανάγκης (ασθενοφόρα, πυροσβεστικά, αστυνομία) </a:t>
-            </a:r>
-            <a:r>
-              <a:rPr lang="el-GR" sz="1600" dirty="0" smtClean="0"/>
-              <a:t>να αποκτούν προτεραιότητα αυτόματα </a:t>
-            </a:r>
+              <a:t>Διαχειρίζεται τη λειτουργία των φαναριών ανάλογα με τις κυκλοφοριακές συνθήκες.</a:t>
+            </a:r>
+          </a:p>
+          <a:p>
+            <a:pPr lvl="2"/>
             <a:r>
               <a:rPr lang="el-GR" sz="1600" dirty="0"/>
-              <a:t>από τα φανάρια.</a:t>
-            </a:r>
-          </a:p>
-          <a:p>
-            <a:pPr lvl="2"/>
-            <a:r>
-              <a:rPr lang="el-GR" sz="1600" dirty="0"/>
-              <a:t>Στέλνουν δεδομένα θέσης μέσω V2X (Vehicle-to-Everything) </a:t>
-            </a:r>
-            <a:r>
-              <a:rPr lang="el-GR" sz="1600" dirty="0" smtClean="0"/>
-              <a:t>επικοινωνίας.</a:t>
-            </a:r>
+              <a:t>Λαμβάνει δεδομένα από άλλες υπηρεσίες και προσαρμόζει τους χρόνους σηματοδότησης.</a:t>
+            </a:r>
+            <a:endParaRPr lang="el-GR" sz="1600" dirty="0" smtClean="0"/>
           </a:p>
           <a:p>
             <a:pPr lvl="1"/>
@@ -17075,7 +17182,7 @@
             <a:pPr lvl="2"/>
             <a:r>
               <a:rPr lang="en-US" sz="1600" b="1" dirty="0" err="1"/>
-              <a:t>emergency.vehicle.detection.topic</a:t>
+              <a:t>traffic.analytics.topic</a:t>
             </a:r>
             <a:r>
               <a:rPr lang="en-US" sz="1600" b="1" dirty="0"/>
@@ -17083,7 +17190,26 @@
             </a:r>
             <a:r>
               <a:rPr lang="el-GR" sz="1600" dirty="0"/>
-              <a:t>Ανιχνεύει παρουσία οχημάτων έκτακτης ανάγκης.</a:t>
+              <a:t>Λαμβάνει ανάλυση δεδομένων από το </a:t>
+            </a:r>
+            <a:r>
+              <a:rPr lang="en-US" sz="1600" dirty="0"/>
+              <a:t>Traffic Data Processing Service.</a:t>
+            </a:r>
+          </a:p>
+          <a:p>
+            <a:pPr lvl="2"/>
+            <a:r>
+              <a:rPr lang="en-US" sz="1600" b="1" dirty="0" err="1"/>
+              <a:t>weather.adaptation.topic</a:t>
+            </a:r>
+            <a:r>
+              <a:rPr lang="en-US" sz="1600" b="1" dirty="0"/>
+              <a:t> → </a:t>
+            </a:r>
+            <a:r>
+              <a:rPr lang="el-GR" sz="1600" dirty="0"/>
+              <a:t>Ρυθμίζει τα φανάρια με βάση τον καιρό.</a:t>
             </a:r>
           </a:p>
           <a:p>
@@ -17098,17 +17224,51 @@
             </a:r>
             <a:r>
               <a:rPr lang="el-GR" sz="1600" dirty="0"/>
-              <a:t>Ενημερώνει το </a:t>
-            </a:r>
-            <a:r>
-              <a:rPr lang="en-US" sz="1600" dirty="0"/>
-              <a:t>Traffic Light Control Service </a:t>
+              <a:t>Δίνει προτεραιότητα σε οχήματα έκτακτης ανάγκης.</a:t>
+            </a:r>
+          </a:p>
+          <a:p>
+            <a:pPr lvl="2"/>
+            <a:r>
+              <a:rPr lang="en-US" sz="1600" b="1" dirty="0" err="1"/>
+              <a:t>traffic.light.status.topic</a:t>
+            </a:r>
+            <a:r>
+              <a:rPr lang="en-US" sz="1600" b="1" dirty="0"/>
+              <a:t> → </a:t>
             </a:r>
             <a:r>
               <a:rPr lang="el-GR" sz="1600" dirty="0"/>
-              <a:t>για αλλαγή σηματοδότησης.</a:t>
-            </a:r>
-            <a:endParaRPr lang="el-GR" sz="1600" dirty="0" smtClean="0"/>
+              <a:t>Δημοσιεύει την κατάσταση των φαναριών</a:t>
+            </a:r>
+            <a:r>
+              <a:rPr lang="el-GR" sz="1600" dirty="0" smtClean="0"/>
+              <a:t>.</a:t>
+            </a:r>
+            <a:endParaRPr lang="en-US" sz="1600" dirty="0" smtClean="0"/>
+          </a:p>
+          <a:p>
+            <a:pPr lvl="2"/>
+            <a:r>
+              <a:rPr lang="el-GR" sz="1600" b="1" dirty="0"/>
+              <a:t>traffic.light.command.topic</a:t>
+            </a:r>
+            <a:r>
+              <a:rPr lang="el-GR" sz="1600" dirty="0"/>
+              <a:t> → </a:t>
+            </a:r>
+            <a:r>
+              <a:rPr lang="el-GR" sz="1600" dirty="0" smtClean="0"/>
+              <a:t>Δημοσιεύει </a:t>
+            </a:r>
+            <a:r>
+              <a:rPr lang="el-GR" sz="1600" dirty="0"/>
+              <a:t>εντολές αλλαγής σηματοδότησης </a:t>
+            </a:r>
+            <a:r>
+              <a:rPr lang="el-GR" sz="1600" dirty="0" smtClean="0"/>
+              <a:t>στα έξυπνα φανάρια.</a:t>
+            </a:r>
           </a:p>
           <a:p>
             <a:pPr lvl="1"/>
@@ -17121,15 +17281,7 @@
             <a:pPr lvl="2"/>
             <a:r>
               <a:rPr lang="el-GR" sz="1600" dirty="0"/>
-              <a:t>Δεν απαιτείται διατήρηση δεδομένων μακροπρόθεσμα, καθώς η ανίχνευση γίνεται σε </a:t>
-            </a:r>
-            <a:r>
-              <a:rPr lang="el-GR" sz="1600" b="1" dirty="0"/>
-              <a:t>real-time</a:t>
-            </a:r>
-            <a:r>
-              <a:rPr lang="el-GR" sz="1600" dirty="0"/>
-              <a:t>.</a:t>
+              <a:t>Δεν αποθηκεύει δεδομένα, λειτουργεί σε real-time.</a:t>
             </a:r>
             <a:endParaRPr lang="en-US" sz="1600" dirty="0" smtClean="0"/>
           </a:p>
@@ -17138,7 +17290,7 @@
     </p:spTree>
     <p:extLst>
       <p:ext uri="{BB962C8B-B14F-4D97-AF65-F5344CB8AC3E}">
-        <p14:creationId xmlns:p14="http://schemas.microsoft.com/office/powerpoint/2010/main" val="3400079349"/>
+        <p14:creationId xmlns:p14="http://schemas.microsoft.com/office/powerpoint/2010/main" val="3133911873"/>
       </p:ext>
     </p:extLst>
   </p:cSld>
@@ -17237,11 +17389,19 @@
           <a:p>
             <a:r>
               <a:rPr lang="en-US" sz="2400" b="1" dirty="0" smtClean="0"/>
-              <a:t>Traffic Monitoring Service (</a:t>
+              <a:t>Traffic</a:t>
             </a:r>
             <a:r>
               <a:rPr lang="el-GR" sz="2400" b="1" dirty="0" smtClean="0"/>
-              <a:t>Υπηρεσία Παρακολούθησης Κυκλοφορίας)</a:t>
+              <a:t> </a:t>
+            </a:r>
+            <a:r>
+              <a:rPr lang="en-US" sz="2400" b="1" dirty="0" smtClean="0"/>
+              <a:t>Data Processing Service (</a:t>
+            </a:r>
+            <a:r>
+              <a:rPr lang="el-GR" sz="2400" b="1" dirty="0" smtClean="0"/>
+              <a:t>Υπηρεσία Επεξεργασίας Κυκλοφοριακών Δεδομένων)</a:t>
             </a:r>
             <a:endParaRPr lang="en-US" sz="2400" b="1" dirty="0" smtClean="0"/>
           </a:p>
@@ -17256,14 +17416,14 @@
             <a:pPr lvl="2"/>
             <a:r>
               <a:rPr lang="el-GR" sz="1600" dirty="0"/>
-              <a:t>Συλλέγει real-time δεδομένα κυκλοφορίας από IoT αισθητήρες στους δρόμους.</a:t>
+              <a:t>Αναλύει μεγάλα σύνολα δεδομένων από το Traffic Monitoring Service.</a:t>
             </a:r>
           </a:p>
           <a:p>
             <a:pPr lvl="2"/>
             <a:r>
               <a:rPr lang="el-GR" sz="1600" dirty="0"/>
-              <a:t>Εντοπίζει συμφόρηση, ατυχήματα και άλλα συμβάντα.</a:t>
+              <a:t>Παράγει προγνωστικά μοντέλα κυκλοφορίας και προτείνει βελτιώσεις.</a:t>
             </a:r>
             <a:endParaRPr lang="el-GR" sz="1600" dirty="0" smtClean="0"/>
           </a:p>
@@ -17298,27 +17458,20 @@
               <a:t>traffic.data.topic</a:t>
             </a:r>
             <a:r>
-              <a:rPr lang="en-US" sz="1600" dirty="0"/>
+              <a:rPr lang="en-US" sz="1600" b="1" dirty="0"/>
               <a:t> → </a:t>
             </a:r>
             <a:r>
               <a:rPr lang="el-GR" sz="1600" dirty="0"/>
-              <a:t>Δημοσιεύει δεδομένα κυκλοφορίας.</a:t>
-            </a:r>
-          </a:p>
-          <a:p>
-            <a:pPr lvl="2"/>
-            <a:r>
-              <a:rPr lang="en-US" sz="1600" b="1" dirty="0" err="1"/>
-              <a:t>traffic.notification.topic</a:t>
-            </a:r>
-            <a:r>
-              <a:rPr lang="en-US" sz="1600" dirty="0"/>
-              <a:t> → </a:t>
+              <a:t>Λαμβάνει </a:t>
+            </a:r>
+            <a:r>
+              <a:rPr lang="el-GR" sz="1600" dirty="0" smtClean="0"/>
+              <a:t>δεδομένα </a:t>
             </a:r>
             <a:r>
               <a:rPr lang="el-GR" sz="1600" dirty="0"/>
-              <a:t>Στέλνει ειδοποιήσεις σε περίπτωση συμφόρησης.</a:t>
+              <a:t>από αισθητήρες.</a:t>
             </a:r>
           </a:p>
           <a:p>
@@ -17328,20 +17481,16 @@
               <a:t>traffic.analytics.topic</a:t>
             </a:r>
             <a:r>
+              <a:rPr lang="en-US" sz="1600" b="1" dirty="0"/>
+              <a:t> → </a:t>
+            </a:r>
+            <a:r>
+              <a:rPr lang="el-GR" sz="1600" dirty="0"/>
+              <a:t>Δημοσιεύει αναλύσεις στο </a:t>
+            </a:r>
+            <a:r>
               <a:rPr lang="en-US" sz="1600" dirty="0"/>
-              <a:t> → </a:t>
-            </a:r>
-            <a:r>
-              <a:rPr lang="el-GR" sz="1600" dirty="0"/>
-              <a:t>Στέλνει δεδομένα στο </a:t>
-            </a:r>
-            <a:r>
-              <a:rPr lang="en-US" sz="1600" dirty="0"/>
-              <a:t>Traffic Data Processing Service </a:t>
-            </a:r>
-            <a:r>
-              <a:rPr lang="el-GR" sz="1600" dirty="0"/>
-              <a:t>για ανάλυση.</a:t>
+              <a:t>Traffic Light Control Service.</a:t>
             </a:r>
             <a:endParaRPr lang="el-GR" sz="1600" dirty="0" smtClean="0"/>
           </a:p>
@@ -17360,7 +17509,7 @@
             </a:r>
             <a:r>
               <a:rPr lang="el-GR" sz="1600" dirty="0"/>
-              <a:t> → Αποθηκεύει ιστορικά και real-time δεδομένα κυκλοφορίας.</a:t>
+              <a:t> → Αποθηκεύει δεδομένα και αναφορές κυκλοφορίας.</a:t>
             </a:r>
             <a:endParaRPr lang="en-US" sz="1600" dirty="0" smtClean="0"/>
           </a:p>
@@ -17369,7 +17518,7 @@
     </p:spTree>
     <p:extLst>
       <p:ext uri="{BB962C8B-B14F-4D97-AF65-F5344CB8AC3E}">
-        <p14:creationId xmlns:p14="http://schemas.microsoft.com/office/powerpoint/2010/main" val="1333273936"/>
+        <p14:creationId xmlns:p14="http://schemas.microsoft.com/office/powerpoint/2010/main" val="230619158"/>
       </p:ext>
     </p:extLst>
   </p:cSld>
@@ -17467,20 +17616,12 @@
           <a:lstStyle/>
           <a:p>
             <a:r>
-              <a:rPr lang="en-US" sz="2400" b="1" dirty="0" smtClean="0"/>
-              <a:t>Traffic</a:t>
-            </a:r>
-            <a:r>
-              <a:rPr lang="el-GR" sz="2400" b="1" dirty="0" smtClean="0"/>
-              <a:t> </a:t>
-            </a:r>
-            <a:r>
-              <a:rPr lang="en-US" sz="2400" b="1" dirty="0" smtClean="0"/>
-              <a:t>Light Control Service (</a:t>
-            </a:r>
-            <a:r>
-              <a:rPr lang="el-GR" sz="2400" b="1" dirty="0" smtClean="0"/>
-              <a:t>Υπηρεσία Ελέγχου Φαναριών)</a:t>
+              <a:rPr lang="en-US" sz="2400" b="1" dirty="0"/>
+              <a:t>Pedestrian &amp; Cyclist Safety Service (</a:t>
+            </a:r>
+            <a:r>
+              <a:rPr lang="el-GR" sz="2400" b="1" dirty="0"/>
+              <a:t>Υπηρεσία Ασφάλειας Πεζών &amp; Ποδηλατών)</a:t>
             </a:r>
             <a:endParaRPr lang="en-US" sz="2400" b="1" dirty="0" smtClean="0"/>
           </a:p>
@@ -17495,14 +17636,14 @@
             <a:pPr lvl="2"/>
             <a:r>
               <a:rPr lang="el-GR" sz="1600" dirty="0"/>
-              <a:t>Διαχειρίζεται τη λειτουργία των φαναριών ανάλογα με τις κυκλοφοριακές συνθήκες.</a:t>
+              <a:t>Ανιχνεύει πεζούς και ποδηλάτες μέσω IoT αισθητήρων.</a:t>
             </a:r>
           </a:p>
           <a:p>
             <a:pPr lvl="2"/>
             <a:r>
               <a:rPr lang="el-GR" sz="1600" dirty="0"/>
-              <a:t>Λαμβάνει δεδομένα από άλλες υπηρεσίες και προσαρμόζει τους χρόνους σηματοδότησης.</a:t>
+              <a:t>Ενημερώνει τα φανάρια για ασφαλείς διαβάσεις.</a:t>
             </a:r>
             <a:endParaRPr lang="el-GR" sz="1600" dirty="0" smtClean="0"/>
           </a:p>
@@ -17534,7 +17675,7 @@
             <a:pPr lvl="2"/>
             <a:r>
               <a:rPr lang="en-US" sz="1600" b="1" dirty="0" err="1"/>
-              <a:t>traffic.analytics.topic</a:t>
+              <a:t>pedestrian.cyclist.detection.topic</a:t>
             </a:r>
             <a:r>
               <a:rPr lang="en-US" sz="1600" b="1" dirty="0"/>
@@ -17542,18 +17683,14 @@
             </a:r>
             <a:r>
               <a:rPr lang="el-GR" sz="1600" dirty="0"/>
-              <a:t>Λαμβάνει ανάλυση δεδομένων από το </a:t>
-            </a:r>
-            <a:r>
-              <a:rPr lang="en-US" sz="1600" dirty="0"/>
-              <a:t>Traffic Data Processing Service.</a:t>
+              <a:t>Λαμβάνει δεδομένα από αισθητήρες.</a:t>
             </a:r>
           </a:p>
           <a:p>
             <a:pPr lvl="2"/>
             <a:r>
               <a:rPr lang="en-US" sz="1600" b="1" dirty="0" err="1"/>
-              <a:t>weather.adaptation.topic</a:t>
+              <a:t>pedestrian.cyclist.signal.topic</a:t>
             </a:r>
             <a:r>
               <a:rPr lang="en-US" sz="1600" b="1" dirty="0"/>
@@ -17561,66 +17698,9 @@
             </a:r>
             <a:r>
               <a:rPr lang="el-GR" sz="1600" dirty="0"/>
-              <a:t>Ρυθμίζει τα φανάρια με βάση τον καιρό.</a:t>
-            </a:r>
-          </a:p>
-          <a:p>
-            <a:pPr lvl="2"/>
-            <a:r>
-              <a:rPr lang="en-US" sz="1600" b="1" dirty="0" err="1"/>
-              <a:t>emergency.vehicle.signal.topic</a:t>
-            </a:r>
-            <a:r>
-              <a:rPr lang="en-US" sz="1600" b="1" dirty="0"/>
-              <a:t> → </a:t>
-            </a:r>
-            <a:r>
-              <a:rPr lang="el-GR" sz="1600" dirty="0"/>
-              <a:t>Δίνει προτεραιότητα σε οχήματα έκτακτης ανάγκης.</a:t>
-            </a:r>
-          </a:p>
-          <a:p>
-            <a:pPr lvl="2"/>
-            <a:r>
-              <a:rPr lang="en-US" sz="1600" b="1" dirty="0" err="1"/>
-              <a:t>traffic.light.status.topic</a:t>
-            </a:r>
-            <a:r>
-              <a:rPr lang="en-US" sz="1600" b="1" dirty="0"/>
-              <a:t> → </a:t>
-            </a:r>
-            <a:r>
-              <a:rPr lang="el-GR" sz="1600" dirty="0"/>
-              <a:t>Δημοσιεύει την κατάσταση των φαναριών</a:t>
-            </a:r>
-            <a:r>
-              <a:rPr lang="el-GR" sz="1600" dirty="0" smtClean="0"/>
-              <a:t>.</a:t>
-            </a:r>
-            <a:endParaRPr lang="en-US" sz="1600" dirty="0" smtClean="0"/>
-          </a:p>
-          <a:p>
-            <a:pPr lvl="2"/>
-            <a:r>
-              <a:rPr lang="el-GR" sz="1600" b="1" dirty="0"/>
-              <a:t>traffic.light.command.topic</a:t>
-            </a:r>
-            <a:r>
-              <a:rPr lang="el-GR" sz="1600" dirty="0"/>
-              <a:t> → </a:t>
-            </a:r>
-            <a:r>
-              <a:rPr lang="el-GR" sz="1600" dirty="0" smtClean="0"/>
-              <a:t>Δημοσιεύει </a:t>
-            </a:r>
-            <a:r>
-              <a:rPr lang="el-GR" sz="1600" dirty="0"/>
-              <a:t>εντολές αλλαγής σηματοδότησης </a:t>
-            </a:r>
-            <a:r>
-              <a:rPr lang="el-GR" sz="1600" dirty="0" smtClean="0"/>
-              <a:t>στα έξυπνα φανάρια.</a:t>
-            </a:r>
+              <a:t>Στέλνει εντολές στα φανάρια.</a:t>
+            </a:r>
+            <a:endParaRPr lang="el-GR" sz="1600" dirty="0" smtClean="0"/>
           </a:p>
           <a:p>
             <a:pPr lvl="1"/>
@@ -17633,7 +17713,7 @@
             <a:pPr lvl="2"/>
             <a:r>
               <a:rPr lang="el-GR" sz="1600" dirty="0"/>
-              <a:t>Δεν αποθηκεύει δεδομένα, λειτουργεί σε real-time.</a:t>
+              <a:t>Δεν απαιτείται αποθήκευση, λειτουργεί σε real-time.</a:t>
             </a:r>
             <a:endParaRPr lang="en-US" sz="1600" dirty="0" smtClean="0"/>
           </a:p>
@@ -17642,7 +17722,7 @@
     </p:spTree>
     <p:extLst>
       <p:ext uri="{BB962C8B-B14F-4D97-AF65-F5344CB8AC3E}">
-        <p14:creationId xmlns:p14="http://schemas.microsoft.com/office/powerpoint/2010/main" val="3133911873"/>
+        <p14:creationId xmlns:p14="http://schemas.microsoft.com/office/powerpoint/2010/main" val="3674584460"/>
       </p:ext>
     </p:extLst>
   </p:cSld>
@@ -17740,20 +17820,8 @@
           <a:lstStyle/>
           <a:p>
             <a:r>
-              <a:rPr lang="en-US" sz="2400" b="1" dirty="0" smtClean="0"/>
-              <a:t>Traffic</a:t>
-            </a:r>
-            <a:r>
-              <a:rPr lang="el-GR" sz="2400" b="1" dirty="0" smtClean="0"/>
-              <a:t> </a:t>
-            </a:r>
-            <a:r>
-              <a:rPr lang="en-US" sz="2400" b="1" dirty="0" smtClean="0"/>
-              <a:t>Data Processing Service (</a:t>
-            </a:r>
-            <a:r>
-              <a:rPr lang="el-GR" sz="2400" b="1" dirty="0" smtClean="0"/>
-              <a:t>Υπηρεσία Επεξεργασίας Κυκλοφοριακών Δεδομένων)</a:t>
+              <a:rPr lang="el-GR" sz="2400" b="1" dirty="0"/>
+              <a:t>Weather Adaptive Traffic Service (Υπηρεσία Προσαρμογής Κυκλοφορίας στις Καιρικές Συνθήκες)</a:t>
             </a:r>
             <a:endParaRPr lang="en-US" sz="2400" b="1" dirty="0" smtClean="0"/>
           </a:p>
@@ -17768,14 +17836,14 @@
             <a:pPr lvl="2"/>
             <a:r>
               <a:rPr lang="el-GR" sz="1600" dirty="0"/>
-              <a:t>Αναλύει μεγάλα σύνολα δεδομένων από το Traffic Monitoring Service.</a:t>
+              <a:t>Παρακολουθεί καιρικές συνθήκες (βροχή, ομίχλη, πάγος).</a:t>
             </a:r>
           </a:p>
           <a:p>
             <a:pPr lvl="2"/>
             <a:r>
               <a:rPr lang="el-GR" sz="1600" dirty="0"/>
-              <a:t>Παράγει προγνωστικά μοντέλα κυκλοφορίας και προτείνει βελτιώσεις.</a:t>
+              <a:t>Ρυθμίζει τη σηματοδότηση για καλύτερη ασφάλεια.</a:t>
             </a:r>
             <a:endParaRPr lang="el-GR" sz="1600" dirty="0" smtClean="0"/>
           </a:p>
@@ -17790,16 +17858,12 @@
               <a:t> </a:t>
             </a:r>
             <a:r>
-              <a:rPr lang="el-GR" sz="2000" b="1" dirty="0"/>
+              <a:rPr lang="el-GR" sz="2000" b="1" dirty="0" smtClean="0"/>
               <a:t>(</a:t>
             </a:r>
             <a:r>
-              <a:rPr lang="en-US" sz="2000" b="1" dirty="0"/>
-              <a:t>AMQP Topics</a:t>
-            </a:r>
-            <a:r>
               <a:rPr lang="en-US" sz="2000" b="1" dirty="0" smtClean="0"/>
-              <a:t>)</a:t>
+              <a:t>AMQP Topics)</a:t>
             </a:r>
             <a:endParaRPr lang="el-GR" sz="2000" b="1" dirty="0" smtClean="0"/>
           </a:p>
@@ -17807,7 +17871,7 @@
             <a:pPr lvl="2"/>
             <a:r>
               <a:rPr lang="en-US" sz="1600" b="1" dirty="0" err="1"/>
-              <a:t>traffic.data.topic</a:t>
+              <a:t>weather.data.topic</a:t>
             </a:r>
             <a:r>
               <a:rPr lang="en-US" sz="1600" b="1" dirty="0"/>
@@ -17815,22 +17879,14 @@
             </a:r>
             <a:r>
               <a:rPr lang="el-GR" sz="1600" dirty="0"/>
-              <a:t>Λαμβάνει </a:t>
-            </a:r>
-            <a:r>
-              <a:rPr lang="el-GR" sz="1600" dirty="0" smtClean="0"/>
-              <a:t>δεδομένα </a:t>
-            </a:r>
-            <a:r>
-              <a:rPr lang="el-GR" sz="1600" dirty="0"/>
-              <a:t>από αισθητήρες.</a:t>
+              <a:t>Λαμβάνει καιρικά δεδομένα από αισθητήρες.</a:t>
             </a:r>
           </a:p>
           <a:p>
             <a:pPr lvl="2"/>
             <a:r>
               <a:rPr lang="en-US" sz="1600" b="1" dirty="0" err="1"/>
-              <a:t>traffic.analytics.topic</a:t>
+              <a:t>weather.adaptation.topic</a:t>
             </a:r>
             <a:r>
               <a:rPr lang="en-US" sz="1600" b="1" dirty="0"/>
@@ -17838,7 +17894,7 @@
             </a:r>
             <a:r>
               <a:rPr lang="el-GR" sz="1600" dirty="0"/>
-              <a:t>Δημοσιεύει αναλύσεις στο </a:t>
+              <a:t>Στέλνει εντολές στο </a:t>
             </a:r>
             <a:r>
               <a:rPr lang="en-US" sz="1600" dirty="0"/>
@@ -17857,11 +17913,11 @@
             <a:pPr lvl="2"/>
             <a:r>
               <a:rPr lang="el-GR" sz="1600" b="1" dirty="0"/>
-              <a:t>TrafficDB</a:t>
+              <a:t>WeatherDB</a:t>
             </a:r>
             <a:r>
               <a:rPr lang="el-GR" sz="1600" dirty="0"/>
-              <a:t> → Αποθηκεύει δεδομένα και αναφορές κυκλοφορίας.</a:t>
+              <a:t> → Αποθηκεύει ιστορικά και real-time δεδομένα καιρού.</a:t>
             </a:r>
             <a:endParaRPr lang="en-US" sz="1600" dirty="0" smtClean="0"/>
           </a:p>
@@ -17870,7 +17926,7 @@
     </p:spTree>
     <p:extLst>
       <p:ext uri="{BB962C8B-B14F-4D97-AF65-F5344CB8AC3E}">
-        <p14:creationId xmlns:p14="http://schemas.microsoft.com/office/powerpoint/2010/main" val="230619158"/>
+        <p14:creationId xmlns:p14="http://schemas.microsoft.com/office/powerpoint/2010/main" val="3670910698"/>
       </p:ext>
     </p:extLst>
   </p:cSld>
@@ -18073,12 +18129,8 @@
           <a:lstStyle/>
           <a:p>
             <a:r>
-              <a:rPr lang="en-US" sz="2400" b="1" dirty="0"/>
-              <a:t>Pedestrian &amp; Cyclist Safety Service (</a:t>
-            </a:r>
-            <a:r>
               <a:rPr lang="el-GR" sz="2400" b="1" dirty="0"/>
-              <a:t>Υπηρεσία Ασφάλειας Πεζών &amp; Ποδηλατών)</a:t>
+              <a:t>Emergency Vehicle Priority Service (Υπηρεσία Προτεραιότητας Οχημάτων Έκτακτης Ανάγκης)</a:t>
             </a:r>
             <a:endParaRPr lang="en-US" sz="2400" b="1" dirty="0" smtClean="0"/>
           </a:p>
@@ -18093,14 +18145,14 @@
             <a:pPr lvl="2"/>
             <a:r>
               <a:rPr lang="el-GR" sz="1600" dirty="0"/>
-              <a:t>Ανιχνεύει πεζούς και ποδηλάτες μέσω IoT αισθητήρων.</a:t>
+              <a:t>Ανιχνεύει ασθενοφόρα, πυροσβεστικά, αστυνομία μέσω GPS αισθητήρων (V2X).</a:t>
             </a:r>
           </a:p>
           <a:p>
             <a:pPr lvl="2"/>
             <a:r>
               <a:rPr lang="el-GR" sz="1600" dirty="0"/>
-              <a:t>Ενημερώνει τα φανάρια για ασφαλείς διαβάσεις.</a:t>
+              <a:t>Δίνει προτεραιότητα σε διασταυρώσεις.</a:t>
             </a:r>
             <a:endParaRPr lang="el-GR" sz="1600" dirty="0" smtClean="0"/>
           </a:p>
@@ -18115,16 +18167,12 @@
               <a:t> </a:t>
             </a:r>
             <a:r>
-              <a:rPr lang="el-GR" sz="2000" b="1" dirty="0"/>
+              <a:rPr lang="el-GR" sz="2000" b="1" dirty="0" smtClean="0"/>
               <a:t>(</a:t>
             </a:r>
             <a:r>
-              <a:rPr lang="en-US" sz="2000" b="1" dirty="0"/>
-              <a:t>AMQP Topics</a:t>
-            </a:r>
-            <a:r>
               <a:rPr lang="en-US" sz="2000" b="1" dirty="0" smtClean="0"/>
-              <a:t>)</a:t>
+              <a:t>AMQP Topics)</a:t>
             </a:r>
             <a:endParaRPr lang="el-GR" sz="2000" b="1" dirty="0" smtClean="0"/>
           </a:p>
@@ -18132,7 +18180,7 @@
             <a:pPr lvl="2"/>
             <a:r>
               <a:rPr lang="en-US" sz="1600" b="1" dirty="0" err="1"/>
-              <a:t>pedestrian.cyclist.detection.topic</a:t>
+              <a:t>emergency.vehicle.detection.topic</a:t>
             </a:r>
             <a:r>
               <a:rPr lang="en-US" sz="1600" b="1" dirty="0"/>
@@ -18140,14 +18188,22 @@
             </a:r>
             <a:r>
               <a:rPr lang="el-GR" sz="1600" dirty="0"/>
-              <a:t>Λαμβάνει δεδομένα από αισθητήρες.</a:t>
+              <a:t>Λαμβάνει δεδομένα </a:t>
+            </a:r>
+            <a:r>
+              <a:rPr lang="en-US" sz="1600" dirty="0"/>
+              <a:t>GPS </a:t>
+            </a:r>
+            <a:r>
+              <a:rPr lang="el-GR" sz="1600" dirty="0"/>
+              <a:t>από οχήματα.</a:t>
             </a:r>
           </a:p>
           <a:p>
             <a:pPr lvl="2"/>
             <a:r>
               <a:rPr lang="en-US" sz="1600" b="1" dirty="0" err="1"/>
-              <a:t>pedestrian.cyclist.signal.topic</a:t>
+              <a:t>emergency.vehicle.signal.topic</a:t>
             </a:r>
             <a:r>
               <a:rPr lang="en-US" sz="1600" b="1" dirty="0"/>
@@ -18179,7 +18235,7 @@
     </p:spTree>
     <p:extLst>
       <p:ext uri="{BB962C8B-B14F-4D97-AF65-F5344CB8AC3E}">
-        <p14:creationId xmlns:p14="http://schemas.microsoft.com/office/powerpoint/2010/main" val="3674584460"/>
+        <p14:creationId xmlns:p14="http://schemas.microsoft.com/office/powerpoint/2010/main" val="93501674"/>
       </p:ext>
     </p:extLst>
   </p:cSld>
@@ -18278,7 +18334,7 @@
           <a:p>
             <a:r>
               <a:rPr lang="el-GR" sz="2400" b="1" dirty="0"/>
-              <a:t>Weather Adaptive Traffic Service (Υπηρεσία Προσαρμογής Κυκλοφορίας στις Καιρικές Συνθήκες)</a:t>
+              <a:t>User Management Service (Υπηρεσία Διαχείρισης Χρηστών)</a:t>
             </a:r>
             <a:endParaRPr lang="en-US" sz="2400" b="1" dirty="0" smtClean="0"/>
           </a:p>
@@ -18293,14 +18349,14 @@
             <a:pPr lvl="2"/>
             <a:r>
               <a:rPr lang="el-GR" sz="1600" dirty="0"/>
-              <a:t>Παρακολουθεί καιρικές συνθήκες (βροχή, ομίχλη, πάγος).</a:t>
+              <a:t>Διαχειρίζεται την ταυτοποίηση και εξουσιοδότηση χρηστών.</a:t>
             </a:r>
           </a:p>
           <a:p>
             <a:pPr lvl="2"/>
             <a:r>
               <a:rPr lang="el-GR" sz="1600" dirty="0"/>
-              <a:t>Ρυθμίζει τη σηματοδότηση για καλύτερη ασφάλεια.</a:t>
+              <a:t>Επιτρέπει μόνο σε διαχειριστές να ρυθμίζουν τα φανάρια.</a:t>
             </a:r>
             <a:endParaRPr lang="el-GR" sz="1600" dirty="0" smtClean="0"/>
           </a:p>
@@ -18328,7 +18384,7 @@
             <a:pPr lvl="2"/>
             <a:r>
               <a:rPr lang="en-US" sz="1600" b="1" dirty="0" err="1"/>
-              <a:t>weather.data.topic</a:t>
+              <a:t>user.auth.topic</a:t>
             </a:r>
             <a:r>
               <a:rPr lang="en-US" sz="1600" b="1" dirty="0"/>
@@ -18336,14 +18392,14 @@
             </a:r>
             <a:r>
               <a:rPr lang="el-GR" sz="1600" dirty="0"/>
-              <a:t>Λαμβάνει καιρικά δεδομένα από αισθητήρες.</a:t>
+              <a:t>Επεξεργάζεται αιτήματα σύνδεσης χρηστών.</a:t>
             </a:r>
           </a:p>
           <a:p>
             <a:pPr lvl="2"/>
             <a:r>
               <a:rPr lang="en-US" sz="1600" b="1" dirty="0" err="1"/>
-              <a:t>weather.adaptation.topic</a:t>
+              <a:t>user.logs.topic</a:t>
             </a:r>
             <a:r>
               <a:rPr lang="en-US" sz="1600" b="1" dirty="0"/>
@@ -18351,11 +18407,11 @@
             </a:r>
             <a:r>
               <a:rPr lang="el-GR" sz="1600" dirty="0"/>
-              <a:t>Στέλνει εντολές στο </a:t>
+              <a:t>Καταγράφει ενέργειες χρηστών στο </a:t>
             </a:r>
             <a:r>
               <a:rPr lang="en-US" sz="1600" dirty="0"/>
-              <a:t>Traffic Light Control Service.</a:t>
+              <a:t>Notification Service.</a:t>
             </a:r>
             <a:endParaRPr lang="el-GR" sz="1600" dirty="0" smtClean="0"/>
           </a:p>
@@ -18370,11 +18426,11 @@
             <a:pPr lvl="2"/>
             <a:r>
               <a:rPr lang="el-GR" sz="1600" b="1" dirty="0"/>
-              <a:t>WeatherDB</a:t>
+              <a:t>UserDB</a:t>
             </a:r>
             <a:r>
               <a:rPr lang="el-GR" sz="1600" dirty="0"/>
-              <a:t> → Αποθηκεύει ιστορικά και real-time δεδομένα καιρού.</a:t>
+              <a:t> → Αποθηκεύει διαπιστευτήρια και ρόλους χρηστών.</a:t>
             </a:r>
             <a:endParaRPr lang="en-US" sz="1600" dirty="0" smtClean="0"/>
           </a:p>
@@ -18383,7 +18439,7 @@
     </p:spTree>
     <p:extLst>
       <p:ext uri="{BB962C8B-B14F-4D97-AF65-F5344CB8AC3E}">
-        <p14:creationId xmlns:p14="http://schemas.microsoft.com/office/powerpoint/2010/main" val="3670910698"/>
+        <p14:creationId xmlns:p14="http://schemas.microsoft.com/office/powerpoint/2010/main" val="4114613165"/>
       </p:ext>
     </p:extLst>
   </p:cSld>
@@ -18481,8 +18537,16 @@
           <a:lstStyle/>
           <a:p>
             <a:r>
+              <a:rPr lang="en-US" sz="2400" b="1" dirty="0"/>
+              <a:t>Notification Service (</a:t>
+            </a:r>
+            <a:r>
               <a:rPr lang="el-GR" sz="2400" b="1" dirty="0"/>
-              <a:t>Emergency Vehicle Priority Service (Υπηρεσία Προτεραιότητας Οχημάτων Έκτακτης Ανάγκης)</a:t>
+              <a:t>Υπηρεσία Ειδοποιήσεων</a:t>
+            </a:r>
+            <a:r>
+              <a:rPr lang="el-GR" sz="2400" b="1" dirty="0" smtClean="0"/>
+              <a:t>)</a:t>
             </a:r>
             <a:endParaRPr lang="en-US" sz="2400" b="1" dirty="0" smtClean="0"/>
           </a:p>
@@ -18497,14 +18561,7 @@
             <a:pPr lvl="2"/>
             <a:r>
               <a:rPr lang="el-GR" sz="1600" dirty="0"/>
-              <a:t>Ανιχνεύει ασθενοφόρα, πυροσβεστικά, αστυνομία μέσω GPS αισθητήρων (V2X).</a:t>
-            </a:r>
-          </a:p>
-          <a:p>
-            <a:pPr lvl="2"/>
-            <a:r>
-              <a:rPr lang="el-GR" sz="1600" dirty="0"/>
-              <a:t>Δίνει προτεραιότητα σε διασταυρώσεις.</a:t>
+              <a:t>Στέλνει ειδοποιήσεις στους χρήστες και τους διαχειριστές για σημαντικά συμβάντα.</a:t>
             </a:r>
             <a:endParaRPr lang="el-GR" sz="1600" dirty="0" smtClean="0"/>
           </a:p>
@@ -18532,7 +18589,7 @@
             <a:pPr lvl="2"/>
             <a:r>
               <a:rPr lang="en-US" sz="1600" b="1" dirty="0" err="1"/>
-              <a:t>emergency.vehicle.detection.topic</a:t>
+              <a:t>traffic.notification.topic</a:t>
             </a:r>
             <a:r>
               <a:rPr lang="en-US" sz="1600" b="1" dirty="0"/>
@@ -18540,22 +18597,14 @@
             </a:r>
             <a:r>
               <a:rPr lang="el-GR" sz="1600" dirty="0"/>
-              <a:t>Λαμβάνει δεδομένα </a:t>
-            </a:r>
-            <a:r>
-              <a:rPr lang="en-US" sz="1600" dirty="0"/>
-              <a:t>GPS </a:t>
-            </a:r>
-            <a:r>
-              <a:rPr lang="el-GR" sz="1600" dirty="0"/>
-              <a:t>από οχήματα.</a:t>
+              <a:t>Λαμβάνει ειδοποιήσεις κυκλοφορίας.</a:t>
             </a:r>
           </a:p>
           <a:p>
             <a:pPr lvl="2"/>
             <a:r>
               <a:rPr lang="en-US" sz="1600" b="1" dirty="0" err="1"/>
-              <a:t>emergency.vehicle.signal.topic</a:t>
+              <a:t>weather.notification.topic</a:t>
             </a:r>
             <a:r>
               <a:rPr lang="en-US" sz="1600" b="1" dirty="0"/>
@@ -18563,7 +18612,38 @@
             </a:r>
             <a:r>
               <a:rPr lang="el-GR" sz="1600" dirty="0"/>
-              <a:t>Στέλνει εντολές στα φανάρια.</a:t>
+              <a:t>Λαμβάνει ειδοποιήσεις καιρού.</a:t>
+            </a:r>
+          </a:p>
+          <a:p>
+            <a:pPr lvl="2"/>
+            <a:r>
+              <a:rPr lang="en-US" sz="1600" b="1" dirty="0" err="1"/>
+              <a:t>user.logs.topic</a:t>
+            </a:r>
+            <a:r>
+              <a:rPr lang="en-US" sz="1600" b="1" dirty="0"/>
+              <a:t> → </a:t>
+            </a:r>
+            <a:r>
+              <a:rPr lang="el-GR" sz="1600" dirty="0"/>
+              <a:t>Καταγράφει ενέργειες χρηστών</a:t>
+            </a:r>
+            <a:r>
+              <a:rPr lang="el-GR" sz="1600" dirty="0" smtClean="0"/>
+              <a:t>.</a:t>
+            </a:r>
+            <a:endParaRPr lang="en-US" sz="1600" dirty="0" smtClean="0"/>
+          </a:p>
+          <a:p>
+            <a:pPr lvl="2"/>
+            <a:r>
+              <a:rPr lang="el-GR" sz="1600" b="1" dirty="0"/>
+              <a:t>user.notification.topic </a:t>
+            </a:r>
+            <a:r>
+              <a:rPr lang="el-GR" sz="1600" dirty="0"/>
+              <a:t>→ Δημοσιεύει ειδοποιήσεις προς τους χρήστες στο Web App.</a:t>
             </a:r>
             <a:endParaRPr lang="el-GR" sz="1600" dirty="0" smtClean="0"/>
           </a:p>
@@ -18577,8 +18657,12 @@
           <a:p>
             <a:pPr lvl="2"/>
             <a:r>
+              <a:rPr lang="el-GR" sz="1600" b="1" dirty="0"/>
+              <a:t>NotificationDB → </a:t>
+            </a:r>
+            <a:r>
               <a:rPr lang="el-GR" sz="1600" dirty="0"/>
-              <a:t>Δεν απαιτείται αποθήκευση, λειτουργεί σε real-time.</a:t>
+              <a:t>Αποθηκεύει ειδοποιήσεις για μελλοντική αναφορά.</a:t>
             </a:r>
             <a:endParaRPr lang="en-US" sz="1600" dirty="0" smtClean="0"/>
           </a:p>
@@ -18587,7 +18671,7 @@
     </p:spTree>
     <p:extLst>
       <p:ext uri="{BB962C8B-B14F-4D97-AF65-F5344CB8AC3E}">
-        <p14:creationId xmlns:p14="http://schemas.microsoft.com/office/powerpoint/2010/main" val="93501674"/>
+        <p14:creationId xmlns:p14="http://schemas.microsoft.com/office/powerpoint/2010/main" val="899633491"/>
       </p:ext>
     </p:extLst>
   </p:cSld>
@@ -18633,30 +18717,16 @@
         </p:nvSpPr>
         <p:spPr/>
         <p:txBody>
-          <a:bodyPr>
-            <a:normAutofit fontScale="90000"/>
-          </a:bodyPr>
+          <a:bodyPr/>
           <a:lstStyle/>
           <a:p>
-            <a:pPr algn="ctr"/>
             <a:r>
               <a:rPr lang="en-US" b="1" dirty="0" smtClean="0"/>
-              <a:t>FUNCTION – </a:t>
-            </a:r>
-            <a:r>
-              <a:rPr lang="en-US" b="1" dirty="0" err="1" smtClean="0"/>
-              <a:t>Microservices</a:t>
+              <a:t>NETWORK – </a:t>
             </a:r>
             <a:r>
               <a:rPr lang="en-US" b="1" dirty="0" smtClean="0"/>
-              <a:t> Architecture Diagram</a:t>
-            </a:r>
-            <a:br>
-              <a:rPr lang="en-US" b="1" dirty="0" smtClean="0"/>
-            </a:br>
-            <a:r>
-              <a:rPr lang="en-US" b="1" dirty="0" smtClean="0"/>
-              <a:t>SERVICES</a:t>
+              <a:t>Cloud Architecture Diagram</a:t>
             </a:r>
             <a:endParaRPr lang="en-US" b="1" dirty="0"/>
           </a:p>
@@ -18685,113 +18755,72 @@
           <a:lstStyle/>
           <a:p>
             <a:r>
-              <a:rPr lang="el-GR" sz="2400" b="1" dirty="0"/>
-              <a:t>User Management Service (Υπηρεσία Διαχείρισης Χρηστών)</a:t>
-            </a:r>
-            <a:endParaRPr lang="en-US" sz="2400" b="1" dirty="0" smtClean="0"/>
-          </a:p>
-          <a:p>
-            <a:pPr lvl="1"/>
-            <a:r>
-              <a:rPr lang="el-GR" sz="2000" b="1" dirty="0" smtClean="0"/>
-              <a:t>Ρόλος</a:t>
-            </a:r>
-          </a:p>
-          <a:p>
-            <a:pPr lvl="2"/>
-            <a:r>
-              <a:rPr lang="el-GR" sz="1600" dirty="0"/>
-              <a:t>Διαχειρίζεται την ταυτοποίηση και εξουσιοδότηση χρηστών.</a:t>
-            </a:r>
-          </a:p>
-          <a:p>
-            <a:pPr lvl="2"/>
-            <a:r>
-              <a:rPr lang="el-GR" sz="1600" dirty="0"/>
-              <a:t>Επιτρέπει μόνο σε διαχειριστές να ρυθμίζουν τα φανάρια.</a:t>
-            </a:r>
-            <a:endParaRPr lang="el-GR" sz="1600" dirty="0" smtClean="0"/>
-          </a:p>
-          <a:p>
-            <a:pPr lvl="1"/>
-            <a:r>
-              <a:rPr lang="el-GR" sz="2000" b="1" dirty="0" smtClean="0"/>
-              <a:t>Τρόποι Αλληλεπίδρασης</a:t>
-            </a:r>
-            <a:r>
-              <a:rPr lang="en-US" sz="2000" b="1" dirty="0" smtClean="0"/>
+              <a:rPr lang="el-GR" sz="2400" b="1" dirty="0" smtClean="0"/>
+              <a:t>Γιατί το επιλέξαμε:</a:t>
+            </a:r>
+            <a:r>
+              <a:rPr lang="el-GR" sz="2400" dirty="0"/>
               <a:t> </a:t>
             </a:r>
             <a:r>
-              <a:rPr lang="el-GR" sz="2000" b="1" dirty="0" smtClean="0"/>
-              <a:t>(</a:t>
-            </a:r>
-            <a:r>
-              <a:rPr lang="en-US" sz="2000" b="1" dirty="0" smtClean="0"/>
-              <a:t>AMQP Topics)</a:t>
-            </a:r>
-            <a:endParaRPr lang="el-GR" sz="2000" b="1" dirty="0" smtClean="0"/>
-          </a:p>
-          <a:p>
-            <a:pPr lvl="2"/>
-            <a:r>
-              <a:rPr lang="en-US" sz="1600" b="1" dirty="0" err="1"/>
-              <a:t>user.auth.topic</a:t>
-            </a:r>
-            <a:r>
-              <a:rPr lang="en-US" sz="1600" b="1" dirty="0"/>
-              <a:t> → </a:t>
-            </a:r>
-            <a:r>
-              <a:rPr lang="el-GR" sz="1600" dirty="0"/>
-              <a:t>Επεξεργάζεται αιτήματα σύνδεσης χρηστών.</a:t>
-            </a:r>
-          </a:p>
-          <a:p>
-            <a:pPr lvl="2"/>
-            <a:r>
-              <a:rPr lang="en-US" sz="1600" b="1" dirty="0" err="1"/>
-              <a:t>user.logs.topic</a:t>
-            </a:r>
-            <a:r>
-              <a:rPr lang="en-US" sz="1600" b="1" dirty="0"/>
-              <a:t> → </a:t>
-            </a:r>
-            <a:r>
-              <a:rPr lang="el-GR" sz="1600" dirty="0"/>
-              <a:t>Καταγράφει ενέργειες χρηστών στο </a:t>
-            </a:r>
-            <a:r>
-              <a:rPr lang="en-US" sz="1600" dirty="0"/>
-              <a:t>Notification Service.</a:t>
-            </a:r>
-            <a:endParaRPr lang="el-GR" sz="1600" dirty="0" smtClean="0"/>
-          </a:p>
-          <a:p>
-            <a:pPr lvl="1"/>
-            <a:r>
-              <a:rPr lang="el-GR" sz="2000" b="1" dirty="0" smtClean="0"/>
-              <a:t>Βάσεις δεδομένων που σχετίζονται</a:t>
-            </a:r>
-          </a:p>
-          <a:p>
-            <a:pPr lvl="2"/>
-            <a:r>
-              <a:rPr lang="el-GR" sz="1600" b="1" dirty="0"/>
-              <a:t>UserDB</a:t>
-            </a:r>
-            <a:r>
-              <a:rPr lang="el-GR" sz="1600" dirty="0"/>
-              <a:t> → Αποθηκεύει διαπιστευτήρια και ρόλους χρηστών.</a:t>
-            </a:r>
-            <a:endParaRPr lang="en-US" sz="1600" dirty="0" smtClean="0"/>
+              <a:rPr lang="el-GR" sz="2400" dirty="0" smtClean="0"/>
+              <a:t>Το έξυπνο σύστημα φαναριών λειτουργεί </a:t>
+            </a:r>
+            <a:r>
+              <a:rPr lang="el-GR" sz="2400" dirty="0"/>
+              <a:t>σε ένα </a:t>
+            </a:r>
+            <a:r>
+              <a:rPr lang="el-GR" sz="2400" dirty="0" smtClean="0"/>
+              <a:t>μοντέλο </a:t>
+            </a:r>
+            <a:r>
+              <a:rPr lang="en-US" sz="2400" dirty="0" smtClean="0"/>
+              <a:t>edge computing</a:t>
+            </a:r>
+            <a:r>
+              <a:rPr lang="el-GR" sz="2400" dirty="0" smtClean="0"/>
+              <a:t> </a:t>
+            </a:r>
+            <a:r>
+              <a:rPr lang="el-GR" sz="2400" dirty="0"/>
+              <a:t>με αισθητήρες στους δρόμους, κέντρα ελέγχου της κυκλοφορίας και επεξεργασία στο cloud για προβλέψεις τεχνητής νοημοσύνης.</a:t>
+            </a:r>
+            <a:endParaRPr lang="en-US" sz="2400" dirty="0" smtClean="0"/>
+          </a:p>
+          <a:p>
+            <a:r>
+              <a:rPr lang="el-GR" sz="2400" b="1" dirty="0" smtClean="0"/>
+              <a:t>Χρήση:</a:t>
+            </a:r>
+            <a:r>
+              <a:rPr lang="el-GR" sz="2400" dirty="0"/>
+              <a:t> Απεικονίζει τον τρόπο με τον οποίο το σύστημα αναπτύσσεται σε διαφορετικά περιβάλλοντα (cloud, edge computing, </a:t>
+            </a:r>
+            <a:r>
+              <a:rPr lang="el-GR" sz="2400" dirty="0" smtClean="0"/>
+              <a:t>IoT</a:t>
+            </a:r>
+            <a:r>
+              <a:rPr lang="en-US" sz="2400" dirty="0" smtClean="0"/>
+              <a:t> gateways</a:t>
+            </a:r>
+            <a:r>
+              <a:rPr lang="el-GR" sz="2400" dirty="0" smtClean="0"/>
+              <a:t>), </a:t>
+            </a:r>
+            <a:r>
+              <a:rPr lang="el-GR" sz="2400" dirty="0"/>
+              <a:t>εξασφαλίζοντας αποτελεσματική επεξεργασία και λήψη αποφάσεων.</a:t>
+            </a:r>
+            <a:endParaRPr lang="en-US" sz="2400" dirty="0" smtClean="0"/>
           </a:p>
         </p:txBody>
       </p:sp>
     </p:spTree>
     <p:extLst>
       <p:ext uri="{BB962C8B-B14F-4D97-AF65-F5344CB8AC3E}">
-        <p14:creationId xmlns:p14="http://schemas.microsoft.com/office/powerpoint/2010/main" val="4114613165"/>
+        <p14:creationId xmlns:p14="http://schemas.microsoft.com/office/powerpoint/2010/main" val="2942818509"/>
       </p:ext>
     </p:extLst>
   </p:cSld>
@@ -18837,30 +18866,16 @@
         </p:nvSpPr>
         <p:spPr/>
         <p:txBody>
-          <a:bodyPr>
-            <a:normAutofit fontScale="90000"/>
-          </a:bodyPr>
+          <a:bodyPr/>
           <a:lstStyle/>
           <a:p>
-            <a:pPr algn="ctr"/>
             <a:r>
               <a:rPr lang="en-US" b="1" dirty="0" smtClean="0"/>
-              <a:t>FUNCTION – </a:t>
-            </a:r>
-            <a:r>
-              <a:rPr lang="en-US" b="1" dirty="0" err="1" smtClean="0"/>
-              <a:t>Microservices</a:t>
+              <a:t>PEOPLE – UML </a:t>
             </a:r>
             <a:r>
               <a:rPr lang="en-US" b="1" dirty="0" smtClean="0"/>
-              <a:t> Architecture Diagram</a:t>
-            </a:r>
-            <a:br>
-              <a:rPr lang="en-US" b="1" dirty="0" smtClean="0"/>
-            </a:br>
-            <a:r>
-              <a:rPr lang="en-US" b="1" dirty="0" smtClean="0"/>
-              <a:t>SERVICES</a:t>
+              <a:t>Use Case Diagram</a:t>
             </a:r>
             <a:endParaRPr lang="en-US" b="1" dirty="0"/>
           </a:p>
@@ -18889,365 +18904,6 @@
           <a:lstStyle/>
           <a:p>
             <a:r>
-              <a:rPr lang="en-US" sz="2400" b="1" dirty="0"/>
-              <a:t>Notification Service (</a:t>
-            </a:r>
-            <a:r>
-              <a:rPr lang="el-GR" sz="2400" b="1" dirty="0"/>
-              <a:t>Υπηρεσία Ειδοποιήσεων</a:t>
-            </a:r>
-            <a:r>
-              <a:rPr lang="el-GR" sz="2400" b="1" dirty="0" smtClean="0"/>
-              <a:t>)</a:t>
-            </a:r>
-            <a:endParaRPr lang="en-US" sz="2400" b="1" dirty="0" smtClean="0"/>
-          </a:p>
-          <a:p>
-            <a:pPr lvl="1"/>
-            <a:r>
-              <a:rPr lang="el-GR" sz="2000" b="1" dirty="0" smtClean="0"/>
-              <a:t>Ρόλος</a:t>
-            </a:r>
-          </a:p>
-          <a:p>
-            <a:pPr lvl="2"/>
-            <a:r>
-              <a:rPr lang="el-GR" sz="1600" dirty="0"/>
-              <a:t>Στέλνει ειδοποιήσεις στους χρήστες και τους διαχειριστές για σημαντικά συμβάντα.</a:t>
-            </a:r>
-            <a:endParaRPr lang="el-GR" sz="1600" dirty="0" smtClean="0"/>
-          </a:p>
-          <a:p>
-            <a:pPr lvl="1"/>
-            <a:r>
-              <a:rPr lang="el-GR" sz="2000" b="1" dirty="0" smtClean="0"/>
-              <a:t>Τρόποι Αλληλεπίδρασης</a:t>
-            </a:r>
-            <a:r>
-              <a:rPr lang="en-US" sz="2000" b="1" dirty="0" smtClean="0"/>
-              <a:t> </a:t>
-            </a:r>
-            <a:r>
-              <a:rPr lang="el-GR" sz="2000" b="1" dirty="0" smtClean="0"/>
-              <a:t>(</a:t>
-            </a:r>
-            <a:r>
-              <a:rPr lang="en-US" sz="2000" b="1" dirty="0" smtClean="0"/>
-              <a:t>AMQP Topics)</a:t>
-            </a:r>
-            <a:endParaRPr lang="el-GR" sz="2000" b="1" dirty="0" smtClean="0"/>
-          </a:p>
-          <a:p>
-            <a:pPr lvl="2"/>
-            <a:r>
-              <a:rPr lang="en-US" sz="1600" b="1" dirty="0" err="1"/>
-              <a:t>traffic.notification.topic</a:t>
-            </a:r>
-            <a:r>
-              <a:rPr lang="en-US" sz="1600" b="1" dirty="0"/>
-              <a:t> → </a:t>
-            </a:r>
-            <a:r>
-              <a:rPr lang="el-GR" sz="1600" dirty="0"/>
-              <a:t>Λαμβάνει ειδοποιήσεις κυκλοφορίας.</a:t>
-            </a:r>
-          </a:p>
-          <a:p>
-            <a:pPr lvl="2"/>
-            <a:r>
-              <a:rPr lang="en-US" sz="1600" b="1" dirty="0" err="1"/>
-              <a:t>weather.notification.topic</a:t>
-            </a:r>
-            <a:r>
-              <a:rPr lang="en-US" sz="1600" b="1" dirty="0"/>
-              <a:t> → </a:t>
-            </a:r>
-            <a:r>
-              <a:rPr lang="el-GR" sz="1600" dirty="0"/>
-              <a:t>Λαμβάνει ειδοποιήσεις καιρού.</a:t>
-            </a:r>
-          </a:p>
-          <a:p>
-            <a:pPr lvl="2"/>
-            <a:r>
-              <a:rPr lang="en-US" sz="1600" b="1" dirty="0" err="1"/>
-              <a:t>user.logs.topic</a:t>
-            </a:r>
-            <a:r>
-              <a:rPr lang="en-US" sz="1600" b="1" dirty="0"/>
-              <a:t> → </a:t>
-            </a:r>
-            <a:r>
-              <a:rPr lang="el-GR" sz="1600" dirty="0"/>
-              <a:t>Καταγράφει ενέργειες χρηστών</a:t>
-            </a:r>
-            <a:r>
-              <a:rPr lang="el-GR" sz="1600" dirty="0" smtClean="0"/>
-              <a:t>.</a:t>
-            </a:r>
-            <a:endParaRPr lang="en-US" sz="1600" dirty="0" smtClean="0"/>
-          </a:p>
-          <a:p>
-            <a:pPr lvl="2"/>
-            <a:r>
-              <a:rPr lang="el-GR" sz="1600" b="1" dirty="0"/>
-              <a:t>user.notification.topic </a:t>
-            </a:r>
-            <a:r>
-              <a:rPr lang="el-GR" sz="1600" dirty="0"/>
-              <a:t>→ Δημοσιεύει ειδοποιήσεις προς τους χρήστες στο Web App.</a:t>
-            </a:r>
-            <a:endParaRPr lang="el-GR" sz="1600" dirty="0" smtClean="0"/>
-          </a:p>
-          <a:p>
-            <a:pPr lvl="1"/>
-            <a:r>
-              <a:rPr lang="el-GR" sz="2000" b="1" dirty="0" smtClean="0"/>
-              <a:t>Βάσεις δεδομένων που σχετίζονται</a:t>
-            </a:r>
-          </a:p>
-          <a:p>
-            <a:pPr lvl="2"/>
-            <a:r>
-              <a:rPr lang="el-GR" sz="1600" b="1" dirty="0"/>
-              <a:t>NotificationDB → </a:t>
-            </a:r>
-            <a:r>
-              <a:rPr lang="el-GR" sz="1600" dirty="0"/>
-              <a:t>Αποθηκεύει ειδοποιήσεις για μελλοντική αναφορά.</a:t>
-            </a:r>
-            <a:endParaRPr lang="en-US" sz="1600" dirty="0" smtClean="0"/>
-          </a:p>
-        </p:txBody>
-      </p:sp>
-    </p:spTree>
-    <p:extLst>
-      <p:ext uri="{BB962C8B-B14F-4D97-AF65-F5344CB8AC3E}">
-        <p14:creationId xmlns:p14="http://schemas.microsoft.com/office/powerpoint/2010/main" val="899633491"/>
-      </p:ext>
-    </p:extLst>
-  </p:cSld>
-  <p:clrMapOvr>
-    <a:masterClrMapping/>
-  </p:clrMapOvr>
-  <p:timing>
-    <p:tnLst>
-      <p:par>
-        <p:cTn id="1" dur="indefinite" restart="never" nodeType="tmRoot"/>
-      </p:par>
-    </p:tnLst>
-  </p:timing>
-</p:sld>
-</file>
-
-<file path=ppt/slides/slide45.xml><?xml version="1.0" encoding="utf-8"?>
-<p:sld xmlns:a="http://schemas.openxmlformats.org/drawingml/2006/main" xmlns:r="http://schemas.openxmlformats.org/officeDocument/2006/relationships" xmlns:p="http://schemas.openxmlformats.org/presentationml/2006/main">
-  <p:cSld>
-    <p:spTree>
-      <p:nvGrpSpPr>
-        <p:cNvPr id="1" name=""/>
-        <p:cNvGrpSpPr/>
-        <p:nvPr/>
-      </p:nvGrpSpPr>
-      <p:grpSpPr>
-        <a:xfrm>
-          <a:off x="0" y="0"/>
-          <a:ext cx="0" cy="0"/>
-          <a:chOff x="0" y="0"/>
-          <a:chExt cx="0" cy="0"/>
-        </a:xfrm>
-      </p:grpSpPr>
-      <p:sp>
-        <p:nvSpPr>
-          <p:cNvPr id="2" name="Title 1"/>
-          <p:cNvSpPr>
-            <a:spLocks noGrp="1"/>
-          </p:cNvSpPr>
-          <p:nvPr>
-            <p:ph type="title"/>
-          </p:nvPr>
-        </p:nvSpPr>
-        <p:spPr/>
-        <p:txBody>
-          <a:bodyPr/>
-          <a:lstStyle/>
-          <a:p>
-            <a:r>
-              <a:rPr lang="en-US" b="1" dirty="0" smtClean="0"/>
-              <a:t>NETWORK – UML Deployment Diagram</a:t>
-            </a:r>
-            <a:endParaRPr lang="en-US" b="1" dirty="0"/>
-          </a:p>
-        </p:txBody>
-      </p:sp>
-      <p:sp>
-        <p:nvSpPr>
-          <p:cNvPr id="3" name="Content Placeholder 2"/>
-          <p:cNvSpPr>
-            <a:spLocks noGrp="1"/>
-          </p:cNvSpPr>
-          <p:nvPr>
-            <p:ph idx="1"/>
-          </p:nvPr>
-        </p:nvSpPr>
-        <p:spPr>
-          <a:xfrm>
-            <a:off x="838200" y="1825624"/>
-            <a:ext cx="10515600" cy="4591217"/>
-          </a:xfrm>
-        </p:spPr>
-        <p:txBody>
-          <a:bodyPr>
-            <a:normAutofit/>
-          </a:bodyPr>
-          <a:lstStyle/>
-          <a:p>
-            <a:r>
-              <a:rPr lang="el-GR" sz="2400" b="1" dirty="0" smtClean="0"/>
-              <a:t>Γιατί το επιλέξαμε:</a:t>
-            </a:r>
-            <a:r>
-              <a:rPr lang="el-GR" sz="2400" dirty="0"/>
-              <a:t> </a:t>
-            </a:r>
-            <a:r>
-              <a:rPr lang="el-GR" sz="2400" dirty="0" smtClean="0"/>
-              <a:t>Το έξυπνο σύστημα φαναριών λειτουργεί </a:t>
-            </a:r>
-            <a:r>
-              <a:rPr lang="el-GR" sz="2400" dirty="0"/>
-              <a:t>σε ένα </a:t>
-            </a:r>
-            <a:r>
-              <a:rPr lang="el-GR" sz="2400" dirty="0" smtClean="0"/>
-              <a:t>μοντέλο </a:t>
-            </a:r>
-            <a:r>
-              <a:rPr lang="en-US" sz="2400" dirty="0" smtClean="0"/>
-              <a:t>edge computing</a:t>
-            </a:r>
-            <a:r>
-              <a:rPr lang="el-GR" sz="2400" dirty="0" smtClean="0"/>
-              <a:t> </a:t>
-            </a:r>
-            <a:r>
-              <a:rPr lang="el-GR" sz="2400" dirty="0"/>
-              <a:t>με αισθητήρες στους δρόμους, κέντρα ελέγχου της κυκλοφορίας και επεξεργασία στο cloud για προβλέψεις τεχνητής νοημοσύνης.</a:t>
-            </a:r>
-            <a:endParaRPr lang="en-US" sz="2400" dirty="0" smtClean="0"/>
-          </a:p>
-          <a:p>
-            <a:r>
-              <a:rPr lang="el-GR" sz="2400" b="1" dirty="0" smtClean="0"/>
-              <a:t>Χρήση:</a:t>
-            </a:r>
-            <a:r>
-              <a:rPr lang="el-GR" sz="2400" dirty="0"/>
-              <a:t> Απεικονίζει τον τρόπο με τον οποίο το σύστημα αναπτύσσεται σε διαφορετικά περιβάλλοντα (cloud, edge computing, </a:t>
-            </a:r>
-            <a:r>
-              <a:rPr lang="el-GR" sz="2400" dirty="0" smtClean="0"/>
-              <a:t>IoT</a:t>
-            </a:r>
-            <a:r>
-              <a:rPr lang="en-US" sz="2400" dirty="0" smtClean="0"/>
-              <a:t> gateways</a:t>
-            </a:r>
-            <a:r>
-              <a:rPr lang="el-GR" sz="2400" dirty="0" smtClean="0"/>
-              <a:t>), </a:t>
-            </a:r>
-            <a:r>
-              <a:rPr lang="el-GR" sz="2400" dirty="0"/>
-              <a:t>εξασφαλίζοντας αποτελεσματική επεξεργασία και λήψη αποφάσεων.</a:t>
-            </a:r>
-            <a:endParaRPr lang="en-US" sz="2400" dirty="0" smtClean="0"/>
-          </a:p>
-        </p:txBody>
-      </p:sp>
-    </p:spTree>
-    <p:extLst>
-      <p:ext uri="{BB962C8B-B14F-4D97-AF65-F5344CB8AC3E}">
-        <p14:creationId xmlns:p14="http://schemas.microsoft.com/office/powerpoint/2010/main" val="2942818509"/>
-      </p:ext>
-    </p:extLst>
-  </p:cSld>
-  <p:clrMapOvr>
-    <a:masterClrMapping/>
-  </p:clrMapOvr>
-  <p:timing>
-    <p:tnLst>
-      <p:par>
-        <p:cTn id="1" dur="indefinite" restart="never" nodeType="tmRoot"/>
-      </p:par>
-    </p:tnLst>
-  </p:timing>
-</p:sld>
-</file>
-
-<file path=ppt/slides/slide46.xml><?xml version="1.0" encoding="utf-8"?>
-<p:sld xmlns:a="http://schemas.openxmlformats.org/drawingml/2006/main" xmlns:r="http://schemas.openxmlformats.org/officeDocument/2006/relationships" xmlns:p="http://schemas.openxmlformats.org/presentationml/2006/main">
-  <p:cSld>
-    <p:spTree>
-      <p:nvGrpSpPr>
-        <p:cNvPr id="1" name=""/>
-        <p:cNvGrpSpPr/>
-        <p:nvPr/>
-      </p:nvGrpSpPr>
-      <p:grpSpPr>
-        <a:xfrm>
-          <a:off x="0" y="0"/>
-          <a:ext cx="0" cy="0"/>
-          <a:chOff x="0" y="0"/>
-          <a:chExt cx="0" cy="0"/>
-        </a:xfrm>
-      </p:grpSpPr>
-      <p:sp>
-        <p:nvSpPr>
-          <p:cNvPr id="2" name="Title 1"/>
-          <p:cNvSpPr>
-            <a:spLocks noGrp="1"/>
-          </p:cNvSpPr>
-          <p:nvPr>
-            <p:ph type="title"/>
-          </p:nvPr>
-        </p:nvSpPr>
-        <p:spPr/>
-        <p:txBody>
-          <a:bodyPr/>
-          <a:lstStyle/>
-          <a:p>
-            <a:r>
-              <a:rPr lang="en-US" b="1" dirty="0" smtClean="0"/>
-              <a:t>PEOPLE – UML Sequence Diagram</a:t>
-            </a:r>
-            <a:endParaRPr lang="en-US" b="1" dirty="0"/>
-          </a:p>
-        </p:txBody>
-      </p:sp>
-      <p:sp>
-        <p:nvSpPr>
-          <p:cNvPr id="3" name="Content Placeholder 2"/>
-          <p:cNvSpPr>
-            <a:spLocks noGrp="1"/>
-          </p:cNvSpPr>
-          <p:nvPr>
-            <p:ph idx="1"/>
-          </p:nvPr>
-        </p:nvSpPr>
-        <p:spPr>
-          <a:xfrm>
-            <a:off x="838200" y="1825624"/>
-            <a:ext cx="10515600" cy="4591217"/>
-          </a:xfrm>
-        </p:spPr>
-        <p:txBody>
-          <a:bodyPr>
-            <a:normAutofit/>
-          </a:bodyPr>
-          <a:lstStyle/>
-          <a:p>
-            <a:r>
               <a:rPr lang="el-GR" sz="2400" b="1" dirty="0" smtClean="0"/>
               <a:t>Γιατί </a:t>
             </a:r>
@@ -19338,7 +18994,7 @@
 </p:sld>
 </file>
 
-<file path=ppt/slides/slide47.xml><?xml version="1.0" encoding="utf-8"?>
+<file path=ppt/slides/slide45.xml><?xml version="1.0" encoding="utf-8"?>
 <p:sld xmlns:a="http://schemas.openxmlformats.org/drawingml/2006/main" xmlns:r="http://schemas.openxmlformats.org/officeDocument/2006/relationships" xmlns:p="http://schemas.openxmlformats.org/presentationml/2006/main">
   <p:cSld>
     <p:spTree>
@@ -19504,7 +19160,7 @@
       </p:sp>
       <p:pic>
         <p:nvPicPr>
-          <p:cNvPr id="4" name="Picture 3"/>
+          <p:cNvPr id="5" name="Picture 4"/>
           <p:cNvPicPr>
             <a:picLocks noChangeAspect="1"/>
           </p:cNvPicPr>
@@ -19689,47 +19345,9 @@
           <a:chExt cx="0" cy="0"/>
         </a:xfrm>
       </p:grpSpPr>
-      <p:sp>
-        <p:nvSpPr>
-          <p:cNvPr id="2" name="Title 1"/>
-          <p:cNvSpPr>
-            <a:spLocks noGrp="1"/>
-          </p:cNvSpPr>
-          <p:nvPr>
-            <p:ph type="ctrTitle"/>
-          </p:nvPr>
-        </p:nvSpPr>
-        <p:spPr/>
-        <p:txBody>
-          <a:bodyPr/>
-          <a:lstStyle/>
-          <a:p>
-            <a:endParaRPr lang="en-US"/>
-          </a:p>
-        </p:txBody>
-      </p:sp>
-      <p:sp>
-        <p:nvSpPr>
-          <p:cNvPr id="3" name="Subtitle 2"/>
-          <p:cNvSpPr>
-            <a:spLocks noGrp="1"/>
-          </p:cNvSpPr>
-          <p:nvPr>
-            <p:ph type="subTitle" idx="1"/>
-          </p:nvPr>
-        </p:nvSpPr>
-        <p:spPr/>
-        <p:txBody>
-          <a:bodyPr/>
-          <a:lstStyle/>
-          <a:p>
-            <a:endParaRPr lang="en-US" dirty="0"/>
-          </a:p>
-        </p:txBody>
-      </p:sp>
       <p:pic>
         <p:nvPicPr>
-          <p:cNvPr id="5" name="Picture 4"/>
+          <p:cNvPr id="4" name="Picture 3"/>
           <p:cNvPicPr>
             <a:picLocks noChangeAspect="1"/>
           </p:cNvPicPr>
@@ -19749,8 +19367,8 @@
         </p:blipFill>
         <p:spPr>
           <a:xfrm>
-            <a:off x="2586159" y="0"/>
-            <a:ext cx="7019682" cy="6858000"/>
+            <a:off x="2582790" y="0"/>
+            <a:ext cx="7026419" cy="6858000"/>
           </a:xfrm>
           <a:prstGeom prst="rect">
             <a:avLst/>
